--- a/doc/TecNote.pptx
+++ b/doc/TecNote.pptx
@@ -251,7 +251,7 @@
           <a:p>
             <a:fld id="{B36E3DDD-87E4-2743-BB94-618FBD02DA55}" type="datetimeFigureOut">
               <a:rPr kumimoji="1" lang="zh-CN" altLang="en-US" smtClean="0"/>
-              <a:t>16/6/9</a:t>
+              <a:t>16/6/11</a:t>
             </a:fld>
             <a:endParaRPr kumimoji="1" lang="zh-CN" altLang="en-US"/>
           </a:p>
@@ -421,7 +421,7 @@
           <a:p>
             <a:fld id="{B36E3DDD-87E4-2743-BB94-618FBD02DA55}" type="datetimeFigureOut">
               <a:rPr kumimoji="1" lang="zh-CN" altLang="en-US" smtClean="0"/>
-              <a:t>16/6/9</a:t>
+              <a:t>16/6/11</a:t>
             </a:fld>
             <a:endParaRPr kumimoji="1" lang="zh-CN" altLang="en-US"/>
           </a:p>
@@ -601,7 +601,7 @@
           <a:p>
             <a:fld id="{B36E3DDD-87E4-2743-BB94-618FBD02DA55}" type="datetimeFigureOut">
               <a:rPr kumimoji="1" lang="zh-CN" altLang="en-US" smtClean="0"/>
-              <a:t>16/6/9</a:t>
+              <a:t>16/6/11</a:t>
             </a:fld>
             <a:endParaRPr kumimoji="1" lang="zh-CN" altLang="en-US"/>
           </a:p>
@@ -771,7 +771,7 @@
           <a:p>
             <a:fld id="{B36E3DDD-87E4-2743-BB94-618FBD02DA55}" type="datetimeFigureOut">
               <a:rPr kumimoji="1" lang="zh-CN" altLang="en-US" smtClean="0"/>
-              <a:t>16/6/9</a:t>
+              <a:t>16/6/11</a:t>
             </a:fld>
             <a:endParaRPr kumimoji="1" lang="zh-CN" altLang="en-US"/>
           </a:p>
@@ -1017,7 +1017,7 @@
           <a:p>
             <a:fld id="{B36E3DDD-87E4-2743-BB94-618FBD02DA55}" type="datetimeFigureOut">
               <a:rPr kumimoji="1" lang="zh-CN" altLang="en-US" smtClean="0"/>
-              <a:t>16/6/9</a:t>
+              <a:t>16/6/11</a:t>
             </a:fld>
             <a:endParaRPr kumimoji="1" lang="zh-CN" altLang="en-US"/>
           </a:p>
@@ -1249,7 +1249,7 @@
           <a:p>
             <a:fld id="{B36E3DDD-87E4-2743-BB94-618FBD02DA55}" type="datetimeFigureOut">
               <a:rPr kumimoji="1" lang="zh-CN" altLang="en-US" smtClean="0"/>
-              <a:t>16/6/9</a:t>
+              <a:t>16/6/11</a:t>
             </a:fld>
             <a:endParaRPr kumimoji="1" lang="zh-CN" altLang="en-US"/>
           </a:p>
@@ -1616,7 +1616,7 @@
           <a:p>
             <a:fld id="{B36E3DDD-87E4-2743-BB94-618FBD02DA55}" type="datetimeFigureOut">
               <a:rPr kumimoji="1" lang="zh-CN" altLang="en-US" smtClean="0"/>
-              <a:t>16/6/9</a:t>
+              <a:t>16/6/11</a:t>
             </a:fld>
             <a:endParaRPr kumimoji="1" lang="zh-CN" altLang="en-US"/>
           </a:p>
@@ -1734,7 +1734,7 @@
           <a:p>
             <a:fld id="{B36E3DDD-87E4-2743-BB94-618FBD02DA55}" type="datetimeFigureOut">
               <a:rPr kumimoji="1" lang="zh-CN" altLang="en-US" smtClean="0"/>
-              <a:t>16/6/9</a:t>
+              <a:t>16/6/11</a:t>
             </a:fld>
             <a:endParaRPr kumimoji="1" lang="zh-CN" altLang="en-US"/>
           </a:p>
@@ -1829,7 +1829,7 @@
           <a:p>
             <a:fld id="{B36E3DDD-87E4-2743-BB94-618FBD02DA55}" type="datetimeFigureOut">
               <a:rPr kumimoji="1" lang="zh-CN" altLang="en-US" smtClean="0"/>
-              <a:t>16/6/9</a:t>
+              <a:t>16/6/11</a:t>
             </a:fld>
             <a:endParaRPr kumimoji="1" lang="zh-CN" altLang="en-US"/>
           </a:p>
@@ -2106,7 +2106,7 @@
           <a:p>
             <a:fld id="{B36E3DDD-87E4-2743-BB94-618FBD02DA55}" type="datetimeFigureOut">
               <a:rPr kumimoji="1" lang="zh-CN" altLang="en-US" smtClean="0"/>
-              <a:t>16/6/9</a:t>
+              <a:t>16/6/11</a:t>
             </a:fld>
             <a:endParaRPr kumimoji="1" lang="zh-CN" altLang="en-US"/>
           </a:p>
@@ -2363,7 +2363,7 @@
           <a:p>
             <a:fld id="{B36E3DDD-87E4-2743-BB94-618FBD02DA55}" type="datetimeFigureOut">
               <a:rPr kumimoji="1" lang="zh-CN" altLang="en-US" smtClean="0"/>
-              <a:t>16/6/9</a:t>
+              <a:t>16/6/11</a:t>
             </a:fld>
             <a:endParaRPr kumimoji="1" lang="zh-CN" altLang="en-US"/>
           </a:p>
@@ -2576,7 +2576,7 @@
           <a:p>
             <a:fld id="{B36E3DDD-87E4-2743-BB94-618FBD02DA55}" type="datetimeFigureOut">
               <a:rPr kumimoji="1" lang="zh-CN" altLang="en-US" smtClean="0"/>
-              <a:t>16/6/9</a:t>
+              <a:t>16/6/11</a:t>
             </a:fld>
             <a:endParaRPr kumimoji="1" lang="zh-CN" altLang="en-US"/>
           </a:p>
@@ -29525,9 +29525,6 @@
               </a:rPr>
               <a:t>智能指针</a:t>
             </a:r>
-            <a:endParaRPr kumimoji="1" lang="zh-CN" altLang="en-US" sz="2000">
-              <a:latin typeface="+mj-lt"/>
-            </a:endParaRPr>
           </a:p>
         </p:txBody>
       </p:sp>
@@ -31097,6 +31094,2833 @@
                   <a:latin typeface="+mj-lt"/>
                 </a:rPr>
                 <a:t>inheritance</a:t>
+              </a:r>
+              <a:endParaRPr kumimoji="1" lang="zh-CN" altLang="en-US" sz="2000">
+                <a:latin typeface="+mj-lt"/>
+              </a:endParaRPr>
+            </a:p>
+          </p:txBody>
+        </p:sp>
+      </p:grpSp>
+      <p:grpSp>
+        <p:nvGrpSpPr>
+          <p:cNvPr id="88" name="组 87"/>
+          <p:cNvGrpSpPr/>
+          <p:nvPr/>
+        </p:nvGrpSpPr>
+        <p:grpSpPr>
+          <a:xfrm>
+            <a:off x="12169217" y="2703582"/>
+            <a:ext cx="3832784" cy="2158042"/>
+            <a:chOff x="12169217" y="2703582"/>
+            <a:chExt cx="3832784" cy="2158042"/>
+          </a:xfrm>
+        </p:grpSpPr>
+        <p:sp>
+          <p:nvSpPr>
+            <p:cNvPr id="12" name="圆角矩形 11"/>
+            <p:cNvSpPr/>
+            <p:nvPr/>
+          </p:nvSpPr>
+          <p:spPr>
+            <a:xfrm>
+              <a:off x="12169217" y="3378200"/>
+              <a:ext cx="1508684" cy="1263650"/>
+            </a:xfrm>
+            <a:prstGeom prst="roundRect">
+              <a:avLst/>
+            </a:prstGeom>
+            <a:ln/>
+          </p:spPr>
+          <p:style>
+            <a:lnRef idx="1">
+              <a:schemeClr val="accent1"/>
+            </a:lnRef>
+            <a:fillRef idx="2">
+              <a:schemeClr val="accent1"/>
+            </a:fillRef>
+            <a:effectRef idx="1">
+              <a:schemeClr val="accent1"/>
+            </a:effectRef>
+            <a:fontRef idx="minor">
+              <a:schemeClr val="dk1"/>
+            </a:fontRef>
+          </p:style>
+          <p:txBody>
+            <a:bodyPr rtlCol="0" anchor="ctr"/>
+            <a:lstStyle/>
+            <a:p>
+              <a:pPr algn="ctr"/>
+              <a:endParaRPr kumimoji="1" lang="zh-CN" altLang="en-US"/>
+            </a:p>
+          </p:txBody>
+        </p:sp>
+        <p:sp>
+          <p:nvSpPr>
+            <p:cNvPr id="57" name="文本框 56"/>
+            <p:cNvSpPr txBox="1"/>
+            <p:nvPr/>
+          </p:nvSpPr>
+          <p:spPr>
+            <a:xfrm>
+              <a:off x="12452811" y="3384550"/>
+              <a:ext cx="1027845" cy="707886"/>
+            </a:xfrm>
+            <a:prstGeom prst="rect">
+              <a:avLst/>
+            </a:prstGeom>
+            <a:noFill/>
+          </p:spPr>
+          <p:txBody>
+            <a:bodyPr wrap="none" rtlCol="0">
+              <a:spAutoFit/>
+            </a:bodyPr>
+            <a:lstStyle/>
+            <a:p>
+              <a:pPr algn="ctr"/>
+              <a:r>
+                <a:rPr kumimoji="1" lang="en-US" altLang="zh-CN" sz="2000">
+                  <a:latin typeface="+mj-lt"/>
+                </a:rPr>
+                <a:t>MyClass</a:t>
+              </a:r>
+              <a:endParaRPr kumimoji="1" lang="zh-CN" altLang="en-US" sz="2000">
+                <a:latin typeface="+mj-lt"/>
+              </a:endParaRPr>
+            </a:p>
+            <a:p>
+              <a:pPr algn="ctr"/>
+              <a:r>
+                <a:rPr kumimoji="1" lang="en-US" altLang="zh-CN" sz="2000" b="1"/>
+                <a:t>objectA</a:t>
+              </a:r>
+              <a:endParaRPr kumimoji="1" lang="zh-CN" altLang="en-US" sz="2000" b="1"/>
+            </a:p>
+          </p:txBody>
+        </p:sp>
+        <p:grpSp>
+          <p:nvGrpSpPr>
+            <p:cNvPr id="17" name="组 16"/>
+            <p:cNvGrpSpPr/>
+            <p:nvPr/>
+          </p:nvGrpSpPr>
+          <p:grpSpPr>
+            <a:xfrm>
+              <a:off x="12286923" y="4076670"/>
+              <a:ext cx="1275889" cy="455573"/>
+              <a:chOff x="12452811" y="4941927"/>
+              <a:chExt cx="1275889" cy="455573"/>
+            </a:xfrm>
+          </p:grpSpPr>
+          <p:sp>
+            <p:nvSpPr>
+              <p:cNvPr id="16" name="圆角矩形 15"/>
+              <p:cNvSpPr/>
+              <p:nvPr/>
+            </p:nvSpPr>
+            <p:spPr>
+              <a:xfrm>
+                <a:off x="12452811" y="4941927"/>
+                <a:ext cx="1275889" cy="455573"/>
+              </a:xfrm>
+              <a:prstGeom prst="roundRect">
+                <a:avLst/>
+              </a:prstGeom>
+            </p:spPr>
+            <p:style>
+              <a:lnRef idx="2">
+                <a:schemeClr val="accent1">
+                  <a:shade val="50000"/>
+                </a:schemeClr>
+              </a:lnRef>
+              <a:fillRef idx="1">
+                <a:schemeClr val="accent1"/>
+              </a:fillRef>
+              <a:effectRef idx="0">
+                <a:schemeClr val="accent1"/>
+              </a:effectRef>
+              <a:fontRef idx="minor">
+                <a:schemeClr val="lt1"/>
+              </a:fontRef>
+            </p:style>
+            <p:txBody>
+              <a:bodyPr rtlCol="0" anchor="ctr"/>
+              <a:lstStyle/>
+              <a:p>
+                <a:pPr algn="ctr"/>
+                <a:endParaRPr kumimoji="1" lang="zh-CN" altLang="en-US"/>
+              </a:p>
+            </p:txBody>
+          </p:sp>
+          <p:sp>
+            <p:nvSpPr>
+              <p:cNvPr id="58" name="文本框 57"/>
+              <p:cNvSpPr txBox="1"/>
+              <p:nvPr/>
+            </p:nvSpPr>
+            <p:spPr>
+              <a:xfrm>
+                <a:off x="12462712" y="4969658"/>
+                <a:ext cx="1265988" cy="400110"/>
+              </a:xfrm>
+              <a:prstGeom prst="rect">
+                <a:avLst/>
+              </a:prstGeom>
+              <a:noFill/>
+              <a:ln>
+                <a:noFill/>
+              </a:ln>
+            </p:spPr>
+            <p:style>
+              <a:lnRef idx="2">
+                <a:schemeClr val="dk1"/>
+              </a:lnRef>
+              <a:fillRef idx="1">
+                <a:schemeClr val="lt1"/>
+              </a:fillRef>
+              <a:effectRef idx="0">
+                <a:schemeClr val="dk1"/>
+              </a:effectRef>
+              <a:fontRef idx="minor">
+                <a:schemeClr val="dk1"/>
+              </a:fontRef>
+            </p:style>
+            <p:txBody>
+              <a:bodyPr wrap="none" rtlCol="0">
+                <a:spAutoFit/>
+              </a:bodyPr>
+              <a:lstStyle/>
+              <a:p>
+                <a:pPr algn="ctr"/>
+                <a:r>
+                  <a:rPr kumimoji="1" lang="en-US" altLang="zh-CN" sz="2000">
+                    <a:latin typeface="+mj-lt"/>
+                  </a:rPr>
+                  <a:t>mCount=2</a:t>
+                </a:r>
+                <a:endParaRPr kumimoji="1" lang="zh-CN" altLang="en-US" sz="2000">
+                  <a:latin typeface="+mj-lt"/>
+                </a:endParaRPr>
+              </a:p>
+            </p:txBody>
+          </p:sp>
+        </p:grpSp>
+        <p:sp>
+          <p:nvSpPr>
+            <p:cNvPr id="20" name="椭圆 19"/>
+            <p:cNvSpPr/>
+            <p:nvPr/>
+          </p:nvSpPr>
+          <p:spPr>
+            <a:xfrm>
+              <a:off x="12729653" y="2754243"/>
+              <a:ext cx="387811" cy="387811"/>
+            </a:xfrm>
+            <a:prstGeom prst="ellipse">
+              <a:avLst/>
+            </a:prstGeom>
+          </p:spPr>
+          <p:style>
+            <a:lnRef idx="2">
+              <a:schemeClr val="accent1">
+                <a:shade val="50000"/>
+              </a:schemeClr>
+            </a:lnRef>
+            <a:fillRef idx="1">
+              <a:schemeClr val="accent1"/>
+            </a:fillRef>
+            <a:effectRef idx="0">
+              <a:schemeClr val="accent1"/>
+            </a:effectRef>
+            <a:fontRef idx="minor">
+              <a:schemeClr val="lt1"/>
+            </a:fontRef>
+          </p:style>
+          <p:txBody>
+            <a:bodyPr rtlCol="0" anchor="ctr"/>
+            <a:lstStyle/>
+            <a:p>
+              <a:pPr algn="ctr"/>
+              <a:endParaRPr kumimoji="1" lang="zh-CN" altLang="en-US"/>
+            </a:p>
+          </p:txBody>
+        </p:sp>
+        <p:sp>
+          <p:nvSpPr>
+            <p:cNvPr id="68" name="圆角矩形 67"/>
+            <p:cNvSpPr/>
+            <p:nvPr/>
+          </p:nvSpPr>
+          <p:spPr>
+            <a:xfrm>
+              <a:off x="14493317" y="3384550"/>
+              <a:ext cx="1508684" cy="1263650"/>
+            </a:xfrm>
+            <a:prstGeom prst="roundRect">
+              <a:avLst/>
+            </a:prstGeom>
+            <a:ln/>
+          </p:spPr>
+          <p:style>
+            <a:lnRef idx="1">
+              <a:schemeClr val="accent1"/>
+            </a:lnRef>
+            <a:fillRef idx="2">
+              <a:schemeClr val="accent1"/>
+            </a:fillRef>
+            <a:effectRef idx="1">
+              <a:schemeClr val="accent1"/>
+            </a:effectRef>
+            <a:fontRef idx="minor">
+              <a:schemeClr val="dk1"/>
+            </a:fontRef>
+          </p:style>
+          <p:txBody>
+            <a:bodyPr rtlCol="0" anchor="ctr"/>
+            <a:lstStyle/>
+            <a:p>
+              <a:pPr algn="ctr"/>
+              <a:endParaRPr kumimoji="1" lang="zh-CN" altLang="en-US"/>
+            </a:p>
+          </p:txBody>
+        </p:sp>
+        <p:sp>
+          <p:nvSpPr>
+            <p:cNvPr id="69" name="文本框 68"/>
+            <p:cNvSpPr txBox="1"/>
+            <p:nvPr/>
+          </p:nvSpPr>
+          <p:spPr>
+            <a:xfrm>
+              <a:off x="14776911" y="3390900"/>
+              <a:ext cx="1027845" cy="707886"/>
+            </a:xfrm>
+            <a:prstGeom prst="rect">
+              <a:avLst/>
+            </a:prstGeom>
+            <a:noFill/>
+          </p:spPr>
+          <p:txBody>
+            <a:bodyPr wrap="none" rtlCol="0">
+              <a:spAutoFit/>
+            </a:bodyPr>
+            <a:lstStyle/>
+            <a:p>
+              <a:pPr algn="ctr"/>
+              <a:r>
+                <a:rPr kumimoji="1" lang="en-US" altLang="zh-CN" sz="2000">
+                  <a:latin typeface="+mj-lt"/>
+                </a:rPr>
+                <a:t>MyClass</a:t>
+              </a:r>
+              <a:endParaRPr kumimoji="1" lang="zh-CN" altLang="en-US" sz="2000">
+                <a:latin typeface="+mj-lt"/>
+              </a:endParaRPr>
+            </a:p>
+            <a:p>
+              <a:pPr algn="ctr"/>
+              <a:r>
+                <a:rPr kumimoji="1" lang="en-US" altLang="zh-CN" sz="2000" b="1"/>
+                <a:t>object</a:t>
+              </a:r>
+              <a:r>
+                <a:rPr kumimoji="1" lang="en-US" altLang="zh-CN" sz="2000" b="1"/>
+                <a:t>B</a:t>
+              </a:r>
+              <a:endParaRPr kumimoji="1" lang="zh-CN" altLang="en-US" sz="2000" b="1"/>
+            </a:p>
+          </p:txBody>
+        </p:sp>
+        <p:grpSp>
+          <p:nvGrpSpPr>
+            <p:cNvPr id="70" name="组 69"/>
+            <p:cNvGrpSpPr/>
+            <p:nvPr/>
+          </p:nvGrpSpPr>
+          <p:grpSpPr>
+            <a:xfrm>
+              <a:off x="14611023" y="4083020"/>
+              <a:ext cx="1275889" cy="455573"/>
+              <a:chOff x="12452811" y="4941927"/>
+              <a:chExt cx="1275889" cy="455573"/>
+            </a:xfrm>
+          </p:grpSpPr>
+          <p:sp>
+            <p:nvSpPr>
+              <p:cNvPr id="71" name="圆角矩形 70"/>
+              <p:cNvSpPr/>
+              <p:nvPr/>
+            </p:nvSpPr>
+            <p:spPr>
+              <a:xfrm>
+                <a:off x="12452811" y="4941927"/>
+                <a:ext cx="1275889" cy="455573"/>
+              </a:xfrm>
+              <a:prstGeom prst="roundRect">
+                <a:avLst/>
+              </a:prstGeom>
+            </p:spPr>
+            <p:style>
+              <a:lnRef idx="2">
+                <a:schemeClr val="accent1">
+                  <a:shade val="50000"/>
+                </a:schemeClr>
+              </a:lnRef>
+              <a:fillRef idx="1">
+                <a:schemeClr val="accent1"/>
+              </a:fillRef>
+              <a:effectRef idx="0">
+                <a:schemeClr val="accent1"/>
+              </a:effectRef>
+              <a:fontRef idx="minor">
+                <a:schemeClr val="lt1"/>
+              </a:fontRef>
+            </p:style>
+            <p:txBody>
+              <a:bodyPr rtlCol="0" anchor="ctr"/>
+              <a:lstStyle/>
+              <a:p>
+                <a:pPr algn="ctr"/>
+                <a:endParaRPr kumimoji="1" lang="zh-CN" altLang="en-US"/>
+              </a:p>
+            </p:txBody>
+          </p:sp>
+          <p:sp>
+            <p:nvSpPr>
+              <p:cNvPr id="72" name="文本框 71"/>
+              <p:cNvSpPr txBox="1"/>
+              <p:nvPr/>
+            </p:nvSpPr>
+            <p:spPr>
+              <a:xfrm>
+                <a:off x="12462712" y="4969658"/>
+                <a:ext cx="1265988" cy="400110"/>
+              </a:xfrm>
+              <a:prstGeom prst="rect">
+                <a:avLst/>
+              </a:prstGeom>
+              <a:noFill/>
+              <a:ln>
+                <a:noFill/>
+              </a:ln>
+            </p:spPr>
+            <p:style>
+              <a:lnRef idx="2">
+                <a:schemeClr val="dk1"/>
+              </a:lnRef>
+              <a:fillRef idx="1">
+                <a:schemeClr val="lt1"/>
+              </a:fillRef>
+              <a:effectRef idx="0">
+                <a:schemeClr val="dk1"/>
+              </a:effectRef>
+              <a:fontRef idx="minor">
+                <a:schemeClr val="dk1"/>
+              </a:fontRef>
+            </p:style>
+            <p:txBody>
+              <a:bodyPr wrap="none" rtlCol="0">
+                <a:spAutoFit/>
+              </a:bodyPr>
+              <a:lstStyle/>
+              <a:p>
+                <a:pPr algn="ctr"/>
+                <a:r>
+                  <a:rPr kumimoji="1" lang="en-US" altLang="zh-CN" sz="2000">
+                    <a:latin typeface="+mj-lt"/>
+                  </a:rPr>
+                  <a:t>mCount=1</a:t>
+                </a:r>
+                <a:endParaRPr kumimoji="1" lang="zh-CN" altLang="en-US" sz="2000">
+                  <a:latin typeface="+mj-lt"/>
+                </a:endParaRPr>
+              </a:p>
+            </p:txBody>
+          </p:sp>
+        </p:grpSp>
+        <p:cxnSp>
+          <p:nvCxnSpPr>
+            <p:cNvPr id="78" name="直线箭头连接符 77"/>
+            <p:cNvCxnSpPr>
+              <a:stCxn id="20" idx="4"/>
+              <a:endCxn id="12" idx="0"/>
+            </p:cNvCxnSpPr>
+            <p:nvPr/>
+          </p:nvCxnSpPr>
+          <p:spPr>
+            <a:xfrm>
+              <a:off x="12923559" y="3142054"/>
+              <a:ext cx="0" cy="236146"/>
+            </a:xfrm>
+            <a:prstGeom prst="straightConnector1">
+              <a:avLst/>
+            </a:prstGeom>
+            <a:ln>
+              <a:tailEnd type="triangle"/>
+            </a:ln>
+          </p:spPr>
+          <p:style>
+            <a:lnRef idx="1">
+              <a:schemeClr val="accent1"/>
+            </a:lnRef>
+            <a:fillRef idx="0">
+              <a:schemeClr val="accent1"/>
+            </a:fillRef>
+            <a:effectRef idx="0">
+              <a:schemeClr val="accent1"/>
+            </a:effectRef>
+            <a:fontRef idx="minor">
+              <a:schemeClr val="tx1"/>
+            </a:fontRef>
+          </p:style>
+        </p:cxnSp>
+        <p:sp>
+          <p:nvSpPr>
+            <p:cNvPr id="85" name="任意形状 84"/>
+            <p:cNvSpPr/>
+            <p:nvPr/>
+          </p:nvSpPr>
+          <p:spPr>
+            <a:xfrm>
+              <a:off x="13627100" y="3170807"/>
+              <a:ext cx="990600" cy="283593"/>
+            </a:xfrm>
+            <a:custGeom>
+              <a:avLst/>
+              <a:gdLst>
+                <a:gd name="connsiteX0" fmla="*/ 0 w 990600"/>
+                <a:gd name="connsiteY0" fmla="*/ 283593 h 283593"/>
+                <a:gd name="connsiteX1" fmla="*/ 177800 w 990600"/>
+                <a:gd name="connsiteY1" fmla="*/ 93093 h 283593"/>
+                <a:gd name="connsiteX2" fmla="*/ 609600 w 990600"/>
+                <a:gd name="connsiteY2" fmla="*/ 4193 h 283593"/>
+                <a:gd name="connsiteX3" fmla="*/ 990600 w 990600"/>
+                <a:gd name="connsiteY3" fmla="*/ 220093 h 283593"/>
+              </a:gdLst>
+              <a:ahLst/>
+              <a:cxnLst>
+                <a:cxn ang="0">
+                  <a:pos x="connsiteX0" y="connsiteY0"/>
+                </a:cxn>
+                <a:cxn ang="0">
+                  <a:pos x="connsiteX1" y="connsiteY1"/>
+                </a:cxn>
+                <a:cxn ang="0">
+                  <a:pos x="connsiteX2" y="connsiteY2"/>
+                </a:cxn>
+                <a:cxn ang="0">
+                  <a:pos x="connsiteX3" y="connsiteY3"/>
+                </a:cxn>
+              </a:cxnLst>
+              <a:rect l="l" t="t" r="r" b="b"/>
+              <a:pathLst>
+                <a:path w="990600" h="283593">
+                  <a:moveTo>
+                    <a:pt x="0" y="283593"/>
+                  </a:moveTo>
+                  <a:cubicBezTo>
+                    <a:pt x="38100" y="211626"/>
+                    <a:pt x="76200" y="139660"/>
+                    <a:pt x="177800" y="93093"/>
+                  </a:cubicBezTo>
+                  <a:cubicBezTo>
+                    <a:pt x="279400" y="46526"/>
+                    <a:pt x="474133" y="-16974"/>
+                    <a:pt x="609600" y="4193"/>
+                  </a:cubicBezTo>
+                  <a:cubicBezTo>
+                    <a:pt x="745067" y="25360"/>
+                    <a:pt x="990600" y="220093"/>
+                    <a:pt x="990600" y="220093"/>
+                  </a:cubicBezTo>
+                </a:path>
+              </a:pathLst>
+            </a:custGeom>
+            <a:noFill/>
+            <a:ln>
+              <a:tailEnd type="arrow"/>
+            </a:ln>
+          </p:spPr>
+          <p:style>
+            <a:lnRef idx="2">
+              <a:schemeClr val="accent1">
+                <a:shade val="50000"/>
+              </a:schemeClr>
+            </a:lnRef>
+            <a:fillRef idx="1">
+              <a:schemeClr val="accent1"/>
+            </a:fillRef>
+            <a:effectRef idx="0">
+              <a:schemeClr val="accent1"/>
+            </a:effectRef>
+            <a:fontRef idx="minor">
+              <a:schemeClr val="lt1"/>
+            </a:fontRef>
+          </p:style>
+          <p:txBody>
+            <a:bodyPr rtlCol="0" anchor="ctr"/>
+            <a:lstStyle/>
+            <a:p>
+              <a:pPr algn="ctr"/>
+              <a:endParaRPr kumimoji="1" lang="zh-CN" altLang="en-US"/>
+            </a:p>
+          </p:txBody>
+        </p:sp>
+        <p:sp>
+          <p:nvSpPr>
+            <p:cNvPr id="86" name="任意形状 85"/>
+            <p:cNvSpPr/>
+            <p:nvPr/>
+          </p:nvSpPr>
+          <p:spPr>
+            <a:xfrm>
+              <a:off x="13589000" y="4622800"/>
+              <a:ext cx="965200" cy="238824"/>
+            </a:xfrm>
+            <a:custGeom>
+              <a:avLst/>
+              <a:gdLst>
+                <a:gd name="connsiteX0" fmla="*/ 965200 w 965200"/>
+                <a:gd name="connsiteY0" fmla="*/ 0 h 238824"/>
+                <a:gd name="connsiteX1" fmla="*/ 762000 w 965200"/>
+                <a:gd name="connsiteY1" fmla="*/ 190500 h 238824"/>
+                <a:gd name="connsiteX2" fmla="*/ 254000 w 965200"/>
+                <a:gd name="connsiteY2" fmla="*/ 228600 h 238824"/>
+                <a:gd name="connsiteX3" fmla="*/ 0 w 965200"/>
+                <a:gd name="connsiteY3" fmla="*/ 38100 h 238824"/>
+              </a:gdLst>
+              <a:ahLst/>
+              <a:cxnLst>
+                <a:cxn ang="0">
+                  <a:pos x="connsiteX0" y="connsiteY0"/>
+                </a:cxn>
+                <a:cxn ang="0">
+                  <a:pos x="connsiteX1" y="connsiteY1"/>
+                </a:cxn>
+                <a:cxn ang="0">
+                  <a:pos x="connsiteX2" y="connsiteY2"/>
+                </a:cxn>
+                <a:cxn ang="0">
+                  <a:pos x="connsiteX3" y="connsiteY3"/>
+                </a:cxn>
+              </a:cxnLst>
+              <a:rect l="l" t="t" r="r" b="b"/>
+              <a:pathLst>
+                <a:path w="965200" h="238824">
+                  <a:moveTo>
+                    <a:pt x="965200" y="0"/>
+                  </a:moveTo>
+                  <a:cubicBezTo>
+                    <a:pt x="922866" y="76200"/>
+                    <a:pt x="880533" y="152400"/>
+                    <a:pt x="762000" y="190500"/>
+                  </a:cubicBezTo>
+                  <a:cubicBezTo>
+                    <a:pt x="643467" y="228600"/>
+                    <a:pt x="381000" y="254000"/>
+                    <a:pt x="254000" y="228600"/>
+                  </a:cubicBezTo>
+                  <a:cubicBezTo>
+                    <a:pt x="127000" y="203200"/>
+                    <a:pt x="0" y="38100"/>
+                    <a:pt x="0" y="38100"/>
+                  </a:cubicBezTo>
+                </a:path>
+              </a:pathLst>
+            </a:custGeom>
+            <a:noFill/>
+            <a:ln>
+              <a:prstDash val="solid"/>
+              <a:tailEnd type="arrow"/>
+            </a:ln>
+          </p:spPr>
+          <p:style>
+            <a:lnRef idx="2">
+              <a:schemeClr val="accent1">
+                <a:shade val="50000"/>
+              </a:schemeClr>
+            </a:lnRef>
+            <a:fillRef idx="1">
+              <a:schemeClr val="accent1"/>
+            </a:fillRef>
+            <a:effectRef idx="0">
+              <a:schemeClr val="accent1"/>
+            </a:effectRef>
+            <a:fontRef idx="minor">
+              <a:schemeClr val="lt1"/>
+            </a:fontRef>
+          </p:style>
+          <p:txBody>
+            <a:bodyPr rtlCol="0" anchor="ctr"/>
+            <a:lstStyle/>
+            <a:p>
+              <a:pPr algn="ctr"/>
+              <a:endParaRPr kumimoji="1" lang="zh-CN" altLang="en-US"/>
+            </a:p>
+          </p:txBody>
+        </p:sp>
+        <p:sp>
+          <p:nvSpPr>
+            <p:cNvPr id="87" name="文本框 86"/>
+            <p:cNvSpPr txBox="1"/>
+            <p:nvPr/>
+          </p:nvSpPr>
+          <p:spPr>
+            <a:xfrm>
+              <a:off x="12764700" y="2703582"/>
+              <a:ext cx="317716" cy="400110"/>
+            </a:xfrm>
+            <a:prstGeom prst="rect">
+              <a:avLst/>
+            </a:prstGeom>
+            <a:noFill/>
+          </p:spPr>
+          <p:txBody>
+            <a:bodyPr wrap="none" rtlCol="0">
+              <a:spAutoFit/>
+            </a:bodyPr>
+            <a:lstStyle/>
+            <a:p>
+              <a:pPr algn="ctr"/>
+              <a:r>
+                <a:rPr kumimoji="1" lang="en-US" altLang="zh-CN" sz="2000">
+                  <a:latin typeface="+mj-lt"/>
+                </a:rPr>
+                <a:t>p</a:t>
+              </a:r>
+              <a:endParaRPr kumimoji="1" lang="zh-CN" altLang="en-US" sz="2000">
+                <a:latin typeface="+mj-lt"/>
+              </a:endParaRPr>
+            </a:p>
+          </p:txBody>
+        </p:sp>
+      </p:grpSp>
+      <p:grpSp>
+        <p:nvGrpSpPr>
+          <p:cNvPr id="113" name="组 112"/>
+          <p:cNvGrpSpPr/>
+          <p:nvPr/>
+        </p:nvGrpSpPr>
+        <p:grpSpPr>
+          <a:xfrm>
+            <a:off x="12105717" y="5417029"/>
+            <a:ext cx="3832784" cy="2488242"/>
+            <a:chOff x="12105717" y="5417029"/>
+            <a:chExt cx="3832784" cy="2488242"/>
+          </a:xfrm>
+        </p:grpSpPr>
+        <p:sp>
+          <p:nvSpPr>
+            <p:cNvPr id="90" name="圆角矩形 89"/>
+            <p:cNvSpPr/>
+            <p:nvPr/>
+          </p:nvSpPr>
+          <p:spPr>
+            <a:xfrm>
+              <a:off x="12105717" y="6091647"/>
+              <a:ext cx="1508684" cy="1632990"/>
+            </a:xfrm>
+            <a:prstGeom prst="roundRect">
+              <a:avLst/>
+            </a:prstGeom>
+            <a:ln/>
+          </p:spPr>
+          <p:style>
+            <a:lnRef idx="1">
+              <a:schemeClr val="accent1"/>
+            </a:lnRef>
+            <a:fillRef idx="2">
+              <a:schemeClr val="accent1"/>
+            </a:fillRef>
+            <a:effectRef idx="1">
+              <a:schemeClr val="accent1"/>
+            </a:effectRef>
+            <a:fontRef idx="minor">
+              <a:schemeClr val="dk1"/>
+            </a:fontRef>
+          </p:style>
+          <p:txBody>
+            <a:bodyPr rtlCol="0" anchor="ctr"/>
+            <a:lstStyle/>
+            <a:p>
+              <a:pPr algn="ctr"/>
+              <a:endParaRPr kumimoji="1" lang="zh-CN" altLang="en-US"/>
+            </a:p>
+          </p:txBody>
+        </p:sp>
+        <p:sp>
+          <p:nvSpPr>
+            <p:cNvPr id="91" name="文本框 90"/>
+            <p:cNvSpPr txBox="1"/>
+            <p:nvPr/>
+          </p:nvSpPr>
+          <p:spPr>
+            <a:xfrm>
+              <a:off x="12389311" y="6097997"/>
+              <a:ext cx="1027845" cy="707886"/>
+            </a:xfrm>
+            <a:prstGeom prst="rect">
+              <a:avLst/>
+            </a:prstGeom>
+            <a:noFill/>
+          </p:spPr>
+          <p:txBody>
+            <a:bodyPr wrap="none" rtlCol="0">
+              <a:spAutoFit/>
+            </a:bodyPr>
+            <a:lstStyle/>
+            <a:p>
+              <a:pPr algn="ctr"/>
+              <a:r>
+                <a:rPr kumimoji="1" lang="en-US" altLang="zh-CN" sz="2000">
+                  <a:latin typeface="+mj-lt"/>
+                </a:rPr>
+                <a:t>MyClass</a:t>
+              </a:r>
+              <a:endParaRPr kumimoji="1" lang="zh-CN" altLang="en-US" sz="2000">
+                <a:latin typeface="+mj-lt"/>
+              </a:endParaRPr>
+            </a:p>
+            <a:p>
+              <a:pPr algn="ctr"/>
+              <a:r>
+                <a:rPr kumimoji="1" lang="en-US" altLang="zh-CN" sz="2000" b="1"/>
+                <a:t>objectA</a:t>
+              </a:r>
+              <a:endParaRPr kumimoji="1" lang="zh-CN" altLang="en-US" sz="2000" b="1"/>
+            </a:p>
+          </p:txBody>
+        </p:sp>
+        <p:sp>
+          <p:nvSpPr>
+            <p:cNvPr id="103" name="圆角矩形 102"/>
+            <p:cNvSpPr/>
+            <p:nvPr/>
+          </p:nvSpPr>
+          <p:spPr>
+            <a:xfrm>
+              <a:off x="12223423" y="6790117"/>
+              <a:ext cx="1275889" cy="751325"/>
+            </a:xfrm>
+            <a:prstGeom prst="roundRect">
+              <a:avLst/>
+            </a:prstGeom>
+          </p:spPr>
+          <p:style>
+            <a:lnRef idx="2">
+              <a:schemeClr val="accent1">
+                <a:shade val="50000"/>
+              </a:schemeClr>
+            </a:lnRef>
+            <a:fillRef idx="1">
+              <a:schemeClr val="accent1"/>
+            </a:fillRef>
+            <a:effectRef idx="0">
+              <a:schemeClr val="accent1"/>
+            </a:effectRef>
+            <a:fontRef idx="minor">
+              <a:schemeClr val="lt1"/>
+            </a:fontRef>
+          </p:style>
+          <p:txBody>
+            <a:bodyPr rtlCol="0" anchor="ctr"/>
+            <a:lstStyle/>
+            <a:p>
+              <a:pPr algn="ctr"/>
+              <a:endParaRPr kumimoji="1" lang="zh-CN" altLang="en-US"/>
+            </a:p>
+          </p:txBody>
+        </p:sp>
+        <p:sp>
+          <p:nvSpPr>
+            <p:cNvPr id="104" name="文本框 103"/>
+            <p:cNvSpPr txBox="1"/>
+            <p:nvPr/>
+          </p:nvSpPr>
+          <p:spPr>
+            <a:xfrm>
+              <a:off x="12208158" y="6817848"/>
+              <a:ext cx="1316322" cy="707886"/>
+            </a:xfrm>
+            <a:prstGeom prst="rect">
+              <a:avLst/>
+            </a:prstGeom>
+            <a:noFill/>
+            <a:ln>
+              <a:noFill/>
+            </a:ln>
+          </p:spPr>
+          <p:style>
+            <a:lnRef idx="2">
+              <a:schemeClr val="dk1"/>
+            </a:lnRef>
+            <a:fillRef idx="1">
+              <a:schemeClr val="lt1"/>
+            </a:fillRef>
+            <a:effectRef idx="0">
+              <a:schemeClr val="dk1"/>
+            </a:effectRef>
+            <a:fontRef idx="minor">
+              <a:schemeClr val="dk1"/>
+            </a:fontRef>
+          </p:style>
+          <p:txBody>
+            <a:bodyPr wrap="none" rtlCol="0">
+              <a:spAutoFit/>
+            </a:bodyPr>
+            <a:lstStyle/>
+            <a:p>
+              <a:pPr algn="ctr"/>
+              <a:r>
+                <a:rPr kumimoji="1" lang="en-US" altLang="zh-CN" sz="2000">
+                  <a:latin typeface="+mj-lt"/>
+                </a:rPr>
+                <a:t>m</a:t>
+              </a:r>
+              <a:r>
+                <a:rPr kumimoji="1" lang="en-US" altLang="zh-CN" sz="2000">
+                  <a:latin typeface="+mj-lt"/>
+                </a:rPr>
+                <a:t>Strong</a:t>
+              </a:r>
+              <a:r>
+                <a:rPr kumimoji="1" lang="en-US" altLang="zh-CN" sz="2000">
+                  <a:latin typeface="+mj-lt"/>
+                </a:rPr>
+                <a:t>=1</a:t>
+              </a:r>
+              <a:endParaRPr kumimoji="1" lang="zh-CN" altLang="en-US" sz="2000">
+                <a:latin typeface="+mj-lt"/>
+              </a:endParaRPr>
+            </a:p>
+            <a:p>
+              <a:pPr algn="ctr"/>
+              <a:r>
+                <a:rPr kumimoji="1" lang="en-US" altLang="zh-CN" sz="2000">
+                  <a:latin typeface="+mj-lt"/>
+                </a:rPr>
+                <a:t>mWeak=1</a:t>
+              </a:r>
+              <a:endParaRPr kumimoji="1" lang="zh-CN" altLang="en-US" sz="2000">
+                <a:latin typeface="+mj-lt"/>
+              </a:endParaRPr>
+            </a:p>
+          </p:txBody>
+        </p:sp>
+        <p:sp>
+          <p:nvSpPr>
+            <p:cNvPr id="93" name="椭圆 92"/>
+            <p:cNvSpPr/>
+            <p:nvPr/>
+          </p:nvSpPr>
+          <p:spPr>
+            <a:xfrm>
+              <a:off x="12666153" y="5467690"/>
+              <a:ext cx="387811" cy="387811"/>
+            </a:xfrm>
+            <a:prstGeom prst="ellipse">
+              <a:avLst/>
+            </a:prstGeom>
+          </p:spPr>
+          <p:style>
+            <a:lnRef idx="2">
+              <a:schemeClr val="accent1">
+                <a:shade val="50000"/>
+              </a:schemeClr>
+            </a:lnRef>
+            <a:fillRef idx="1">
+              <a:schemeClr val="accent1"/>
+            </a:fillRef>
+            <a:effectRef idx="0">
+              <a:schemeClr val="accent1"/>
+            </a:effectRef>
+            <a:fontRef idx="minor">
+              <a:schemeClr val="lt1"/>
+            </a:fontRef>
+          </p:style>
+          <p:txBody>
+            <a:bodyPr rtlCol="0" anchor="ctr"/>
+            <a:lstStyle/>
+            <a:p>
+              <a:pPr algn="ctr"/>
+              <a:endParaRPr kumimoji="1" lang="zh-CN" altLang="en-US"/>
+            </a:p>
+          </p:txBody>
+        </p:sp>
+        <p:sp>
+          <p:nvSpPr>
+            <p:cNvPr id="94" name="圆角矩形 93"/>
+            <p:cNvSpPr/>
+            <p:nvPr/>
+          </p:nvSpPr>
+          <p:spPr>
+            <a:xfrm>
+              <a:off x="14429817" y="6097997"/>
+              <a:ext cx="1508684" cy="1632990"/>
+            </a:xfrm>
+            <a:prstGeom prst="roundRect">
+              <a:avLst/>
+            </a:prstGeom>
+            <a:ln/>
+          </p:spPr>
+          <p:style>
+            <a:lnRef idx="1">
+              <a:schemeClr val="accent1"/>
+            </a:lnRef>
+            <a:fillRef idx="2">
+              <a:schemeClr val="accent1"/>
+            </a:fillRef>
+            <a:effectRef idx="1">
+              <a:schemeClr val="accent1"/>
+            </a:effectRef>
+            <a:fontRef idx="minor">
+              <a:schemeClr val="dk1"/>
+            </a:fontRef>
+          </p:style>
+          <p:txBody>
+            <a:bodyPr rtlCol="0" anchor="ctr"/>
+            <a:lstStyle/>
+            <a:p>
+              <a:pPr algn="ctr"/>
+              <a:endParaRPr kumimoji="1" lang="zh-CN" altLang="en-US"/>
+            </a:p>
+          </p:txBody>
+        </p:sp>
+        <p:sp>
+          <p:nvSpPr>
+            <p:cNvPr id="95" name="文本框 94"/>
+            <p:cNvSpPr txBox="1"/>
+            <p:nvPr/>
+          </p:nvSpPr>
+          <p:spPr>
+            <a:xfrm>
+              <a:off x="14713411" y="6104347"/>
+              <a:ext cx="1027845" cy="707886"/>
+            </a:xfrm>
+            <a:prstGeom prst="rect">
+              <a:avLst/>
+            </a:prstGeom>
+            <a:noFill/>
+          </p:spPr>
+          <p:txBody>
+            <a:bodyPr wrap="none" rtlCol="0">
+              <a:spAutoFit/>
+            </a:bodyPr>
+            <a:lstStyle/>
+            <a:p>
+              <a:pPr algn="ctr"/>
+              <a:r>
+                <a:rPr kumimoji="1" lang="en-US" altLang="zh-CN" sz="2000">
+                  <a:latin typeface="+mj-lt"/>
+                </a:rPr>
+                <a:t>MyClass</a:t>
+              </a:r>
+              <a:endParaRPr kumimoji="1" lang="zh-CN" altLang="en-US" sz="2000">
+                <a:latin typeface="+mj-lt"/>
+              </a:endParaRPr>
+            </a:p>
+            <a:p>
+              <a:pPr algn="ctr"/>
+              <a:r>
+                <a:rPr kumimoji="1" lang="en-US" altLang="zh-CN" sz="2000" b="1"/>
+                <a:t>object</a:t>
+              </a:r>
+              <a:r>
+                <a:rPr kumimoji="1" lang="en-US" altLang="zh-CN" sz="2000" b="1"/>
+                <a:t>B</a:t>
+              </a:r>
+              <a:endParaRPr kumimoji="1" lang="zh-CN" altLang="en-US" sz="2000" b="1"/>
+            </a:p>
+          </p:txBody>
+        </p:sp>
+        <p:sp>
+          <p:nvSpPr>
+            <p:cNvPr id="101" name="圆角矩形 100"/>
+            <p:cNvSpPr/>
+            <p:nvPr/>
+          </p:nvSpPr>
+          <p:spPr>
+            <a:xfrm>
+              <a:off x="14547523" y="6796467"/>
+              <a:ext cx="1275889" cy="729267"/>
+            </a:xfrm>
+            <a:prstGeom prst="roundRect">
+              <a:avLst/>
+            </a:prstGeom>
+          </p:spPr>
+          <p:style>
+            <a:lnRef idx="2">
+              <a:schemeClr val="accent1">
+                <a:shade val="50000"/>
+              </a:schemeClr>
+            </a:lnRef>
+            <a:fillRef idx="1">
+              <a:schemeClr val="accent1"/>
+            </a:fillRef>
+            <a:effectRef idx="0">
+              <a:schemeClr val="accent1"/>
+            </a:effectRef>
+            <a:fontRef idx="minor">
+              <a:schemeClr val="lt1"/>
+            </a:fontRef>
+          </p:style>
+          <p:txBody>
+            <a:bodyPr rtlCol="0" anchor="ctr"/>
+            <a:lstStyle/>
+            <a:p>
+              <a:pPr algn="ctr"/>
+              <a:endParaRPr kumimoji="1" lang="zh-CN" altLang="en-US"/>
+            </a:p>
+          </p:txBody>
+        </p:sp>
+        <p:sp>
+          <p:nvSpPr>
+            <p:cNvPr id="102" name="文本框 101"/>
+            <p:cNvSpPr txBox="1"/>
+            <p:nvPr/>
+          </p:nvSpPr>
+          <p:spPr>
+            <a:xfrm>
+              <a:off x="14532258" y="6824198"/>
+              <a:ext cx="1316322" cy="707886"/>
+            </a:xfrm>
+            <a:prstGeom prst="rect">
+              <a:avLst/>
+            </a:prstGeom>
+            <a:noFill/>
+            <a:ln>
+              <a:noFill/>
+            </a:ln>
+          </p:spPr>
+          <p:style>
+            <a:lnRef idx="2">
+              <a:schemeClr val="dk1"/>
+            </a:lnRef>
+            <a:fillRef idx="1">
+              <a:schemeClr val="lt1"/>
+            </a:fillRef>
+            <a:effectRef idx="0">
+              <a:schemeClr val="dk1"/>
+            </a:effectRef>
+            <a:fontRef idx="minor">
+              <a:schemeClr val="dk1"/>
+            </a:fontRef>
+          </p:style>
+          <p:txBody>
+            <a:bodyPr wrap="none" rtlCol="0">
+              <a:spAutoFit/>
+            </a:bodyPr>
+            <a:lstStyle/>
+            <a:p>
+              <a:pPr algn="ctr"/>
+              <a:r>
+                <a:rPr kumimoji="1" lang="en-US" altLang="zh-CN" sz="2000">
+                  <a:latin typeface="+mj-lt"/>
+                </a:rPr>
+                <a:t>m</a:t>
+              </a:r>
+              <a:r>
+                <a:rPr kumimoji="1" lang="en-US" altLang="zh-CN" sz="2000">
+                  <a:latin typeface="+mj-lt"/>
+                </a:rPr>
+                <a:t>Strong</a:t>
+              </a:r>
+              <a:r>
+                <a:rPr kumimoji="1" lang="en-US" altLang="zh-CN" sz="2000">
+                  <a:latin typeface="+mj-lt"/>
+                </a:rPr>
+                <a:t>=1</a:t>
+              </a:r>
+              <a:endParaRPr kumimoji="1" lang="zh-CN" altLang="en-US" sz="2000">
+                <a:latin typeface="+mj-lt"/>
+              </a:endParaRPr>
+            </a:p>
+            <a:p>
+              <a:pPr algn="ctr"/>
+              <a:r>
+                <a:rPr kumimoji="1" lang="en-US" altLang="zh-CN" sz="2000">
+                  <a:latin typeface="+mj-lt"/>
+                </a:rPr>
+                <a:t>mWeak=0</a:t>
+              </a:r>
+              <a:endParaRPr kumimoji="1" lang="zh-CN" altLang="en-US" sz="2000">
+                <a:latin typeface="+mj-lt"/>
+              </a:endParaRPr>
+            </a:p>
+          </p:txBody>
+        </p:sp>
+        <p:cxnSp>
+          <p:nvCxnSpPr>
+            <p:cNvPr id="97" name="直线箭头连接符 96"/>
+            <p:cNvCxnSpPr>
+              <a:stCxn id="93" idx="4"/>
+              <a:endCxn id="90" idx="0"/>
+            </p:cNvCxnSpPr>
+            <p:nvPr/>
+          </p:nvCxnSpPr>
+          <p:spPr>
+            <a:xfrm>
+              <a:off x="12860059" y="5855501"/>
+              <a:ext cx="0" cy="236146"/>
+            </a:xfrm>
+            <a:prstGeom prst="straightConnector1">
+              <a:avLst/>
+            </a:prstGeom>
+            <a:ln>
+              <a:tailEnd type="triangle"/>
+            </a:ln>
+          </p:spPr>
+          <p:style>
+            <a:lnRef idx="1">
+              <a:schemeClr val="accent1"/>
+            </a:lnRef>
+            <a:fillRef idx="0">
+              <a:schemeClr val="accent1"/>
+            </a:fillRef>
+            <a:effectRef idx="0">
+              <a:schemeClr val="accent1"/>
+            </a:effectRef>
+            <a:fontRef idx="minor">
+              <a:schemeClr val="tx1"/>
+            </a:fontRef>
+          </p:style>
+        </p:cxnSp>
+        <p:sp>
+          <p:nvSpPr>
+            <p:cNvPr id="98" name="任意形状 97"/>
+            <p:cNvSpPr/>
+            <p:nvPr/>
+          </p:nvSpPr>
+          <p:spPr>
+            <a:xfrm>
+              <a:off x="13563600" y="5884254"/>
+              <a:ext cx="990600" cy="283593"/>
+            </a:xfrm>
+            <a:custGeom>
+              <a:avLst/>
+              <a:gdLst>
+                <a:gd name="connsiteX0" fmla="*/ 0 w 990600"/>
+                <a:gd name="connsiteY0" fmla="*/ 283593 h 283593"/>
+                <a:gd name="connsiteX1" fmla="*/ 177800 w 990600"/>
+                <a:gd name="connsiteY1" fmla="*/ 93093 h 283593"/>
+                <a:gd name="connsiteX2" fmla="*/ 609600 w 990600"/>
+                <a:gd name="connsiteY2" fmla="*/ 4193 h 283593"/>
+                <a:gd name="connsiteX3" fmla="*/ 990600 w 990600"/>
+                <a:gd name="connsiteY3" fmla="*/ 220093 h 283593"/>
+              </a:gdLst>
+              <a:ahLst/>
+              <a:cxnLst>
+                <a:cxn ang="0">
+                  <a:pos x="connsiteX0" y="connsiteY0"/>
+                </a:cxn>
+                <a:cxn ang="0">
+                  <a:pos x="connsiteX1" y="connsiteY1"/>
+                </a:cxn>
+                <a:cxn ang="0">
+                  <a:pos x="connsiteX2" y="connsiteY2"/>
+                </a:cxn>
+                <a:cxn ang="0">
+                  <a:pos x="connsiteX3" y="connsiteY3"/>
+                </a:cxn>
+              </a:cxnLst>
+              <a:rect l="l" t="t" r="r" b="b"/>
+              <a:pathLst>
+                <a:path w="990600" h="283593">
+                  <a:moveTo>
+                    <a:pt x="0" y="283593"/>
+                  </a:moveTo>
+                  <a:cubicBezTo>
+                    <a:pt x="38100" y="211626"/>
+                    <a:pt x="76200" y="139660"/>
+                    <a:pt x="177800" y="93093"/>
+                  </a:cubicBezTo>
+                  <a:cubicBezTo>
+                    <a:pt x="279400" y="46526"/>
+                    <a:pt x="474133" y="-16974"/>
+                    <a:pt x="609600" y="4193"/>
+                  </a:cubicBezTo>
+                  <a:cubicBezTo>
+                    <a:pt x="745067" y="25360"/>
+                    <a:pt x="990600" y="220093"/>
+                    <a:pt x="990600" y="220093"/>
+                  </a:cubicBezTo>
+                </a:path>
+              </a:pathLst>
+            </a:custGeom>
+            <a:noFill/>
+            <a:ln>
+              <a:tailEnd type="arrow"/>
+            </a:ln>
+          </p:spPr>
+          <p:style>
+            <a:lnRef idx="2">
+              <a:schemeClr val="accent1">
+                <a:shade val="50000"/>
+              </a:schemeClr>
+            </a:lnRef>
+            <a:fillRef idx="1">
+              <a:schemeClr val="accent1"/>
+            </a:fillRef>
+            <a:effectRef idx="0">
+              <a:schemeClr val="accent1"/>
+            </a:effectRef>
+            <a:fontRef idx="minor">
+              <a:schemeClr val="lt1"/>
+            </a:fontRef>
+          </p:style>
+          <p:txBody>
+            <a:bodyPr rtlCol="0" anchor="ctr"/>
+            <a:lstStyle/>
+            <a:p>
+              <a:pPr algn="ctr"/>
+              <a:endParaRPr kumimoji="1" lang="zh-CN" altLang="en-US"/>
+            </a:p>
+          </p:txBody>
+        </p:sp>
+        <p:sp>
+          <p:nvSpPr>
+            <p:cNvPr id="99" name="任意形状 98"/>
+            <p:cNvSpPr/>
+            <p:nvPr/>
+          </p:nvSpPr>
+          <p:spPr>
+            <a:xfrm>
+              <a:off x="13525500" y="7666447"/>
+              <a:ext cx="965200" cy="238824"/>
+            </a:xfrm>
+            <a:custGeom>
+              <a:avLst/>
+              <a:gdLst>
+                <a:gd name="connsiteX0" fmla="*/ 965200 w 965200"/>
+                <a:gd name="connsiteY0" fmla="*/ 0 h 238824"/>
+                <a:gd name="connsiteX1" fmla="*/ 762000 w 965200"/>
+                <a:gd name="connsiteY1" fmla="*/ 190500 h 238824"/>
+                <a:gd name="connsiteX2" fmla="*/ 254000 w 965200"/>
+                <a:gd name="connsiteY2" fmla="*/ 228600 h 238824"/>
+                <a:gd name="connsiteX3" fmla="*/ 0 w 965200"/>
+                <a:gd name="connsiteY3" fmla="*/ 38100 h 238824"/>
+              </a:gdLst>
+              <a:ahLst/>
+              <a:cxnLst>
+                <a:cxn ang="0">
+                  <a:pos x="connsiteX0" y="connsiteY0"/>
+                </a:cxn>
+                <a:cxn ang="0">
+                  <a:pos x="connsiteX1" y="connsiteY1"/>
+                </a:cxn>
+                <a:cxn ang="0">
+                  <a:pos x="connsiteX2" y="connsiteY2"/>
+                </a:cxn>
+                <a:cxn ang="0">
+                  <a:pos x="connsiteX3" y="connsiteY3"/>
+                </a:cxn>
+              </a:cxnLst>
+              <a:rect l="l" t="t" r="r" b="b"/>
+              <a:pathLst>
+                <a:path w="965200" h="238824">
+                  <a:moveTo>
+                    <a:pt x="965200" y="0"/>
+                  </a:moveTo>
+                  <a:cubicBezTo>
+                    <a:pt x="922866" y="76200"/>
+                    <a:pt x="880533" y="152400"/>
+                    <a:pt x="762000" y="190500"/>
+                  </a:cubicBezTo>
+                  <a:cubicBezTo>
+                    <a:pt x="643467" y="228600"/>
+                    <a:pt x="381000" y="254000"/>
+                    <a:pt x="254000" y="228600"/>
+                  </a:cubicBezTo>
+                  <a:cubicBezTo>
+                    <a:pt x="127000" y="203200"/>
+                    <a:pt x="0" y="38100"/>
+                    <a:pt x="0" y="38100"/>
+                  </a:cubicBezTo>
+                </a:path>
+              </a:pathLst>
+            </a:custGeom>
+            <a:noFill/>
+            <a:ln>
+              <a:prstDash val="dash"/>
+              <a:tailEnd type="arrow"/>
+            </a:ln>
+          </p:spPr>
+          <p:style>
+            <a:lnRef idx="2">
+              <a:schemeClr val="accent1">
+                <a:shade val="50000"/>
+              </a:schemeClr>
+            </a:lnRef>
+            <a:fillRef idx="1">
+              <a:schemeClr val="accent1"/>
+            </a:fillRef>
+            <a:effectRef idx="0">
+              <a:schemeClr val="accent1"/>
+            </a:effectRef>
+            <a:fontRef idx="minor">
+              <a:schemeClr val="lt1"/>
+            </a:fontRef>
+          </p:style>
+          <p:txBody>
+            <a:bodyPr rtlCol="0" anchor="ctr"/>
+            <a:lstStyle/>
+            <a:p>
+              <a:pPr algn="ctr"/>
+              <a:endParaRPr kumimoji="1" lang="zh-CN" altLang="en-US"/>
+            </a:p>
+          </p:txBody>
+        </p:sp>
+        <p:sp>
+          <p:nvSpPr>
+            <p:cNvPr id="100" name="文本框 99"/>
+            <p:cNvSpPr txBox="1"/>
+            <p:nvPr/>
+          </p:nvSpPr>
+          <p:spPr>
+            <a:xfrm>
+              <a:off x="12701200" y="5417029"/>
+              <a:ext cx="317716" cy="400110"/>
+            </a:xfrm>
+            <a:prstGeom prst="rect">
+              <a:avLst/>
+            </a:prstGeom>
+            <a:noFill/>
+          </p:spPr>
+          <p:txBody>
+            <a:bodyPr wrap="none" rtlCol="0">
+              <a:spAutoFit/>
+            </a:bodyPr>
+            <a:lstStyle/>
+            <a:p>
+              <a:pPr algn="ctr"/>
+              <a:r>
+                <a:rPr kumimoji="1" lang="en-US" altLang="zh-CN" sz="2000">
+                  <a:latin typeface="+mj-lt"/>
+                </a:rPr>
+                <a:t>p</a:t>
+              </a:r>
+              <a:endParaRPr kumimoji="1" lang="zh-CN" altLang="en-US" sz="2000">
+                <a:latin typeface="+mj-lt"/>
+              </a:endParaRPr>
+            </a:p>
+          </p:txBody>
+        </p:sp>
+      </p:grpSp>
+      <p:grpSp>
+        <p:nvGrpSpPr>
+          <p:cNvPr id="141" name="组 140"/>
+          <p:cNvGrpSpPr/>
+          <p:nvPr/>
+        </p:nvGrpSpPr>
+        <p:grpSpPr>
+          <a:xfrm>
+            <a:off x="12170633" y="8375463"/>
+            <a:ext cx="3832784" cy="2205688"/>
+            <a:chOff x="12170633" y="8375463"/>
+            <a:chExt cx="3832784" cy="2205688"/>
+          </a:xfrm>
+        </p:grpSpPr>
+        <p:grpSp>
+          <p:nvGrpSpPr>
+            <p:cNvPr id="137" name="组 136"/>
+            <p:cNvGrpSpPr/>
+            <p:nvPr/>
+          </p:nvGrpSpPr>
+          <p:grpSpPr>
+            <a:xfrm>
+              <a:off x="12170633" y="8375463"/>
+              <a:ext cx="3832784" cy="2205688"/>
+              <a:chOff x="12170633" y="8375463"/>
+              <a:chExt cx="3832784" cy="2205688"/>
+            </a:xfrm>
+          </p:grpSpPr>
+          <p:sp>
+            <p:nvSpPr>
+              <p:cNvPr id="115" name="圆角矩形 114"/>
+              <p:cNvSpPr/>
+              <p:nvPr/>
+            </p:nvSpPr>
+            <p:spPr>
+              <a:xfrm>
+                <a:off x="12170633" y="9050081"/>
+                <a:ext cx="1508684" cy="726201"/>
+              </a:xfrm>
+              <a:prstGeom prst="roundRect">
+                <a:avLst/>
+              </a:prstGeom>
+              <a:ln/>
+            </p:spPr>
+            <p:style>
+              <a:lnRef idx="1">
+                <a:schemeClr val="accent1"/>
+              </a:lnRef>
+              <a:fillRef idx="2">
+                <a:schemeClr val="accent1"/>
+              </a:fillRef>
+              <a:effectRef idx="1">
+                <a:schemeClr val="accent1"/>
+              </a:effectRef>
+              <a:fontRef idx="minor">
+                <a:schemeClr val="dk1"/>
+              </a:fontRef>
+            </p:style>
+            <p:txBody>
+              <a:bodyPr rtlCol="0" anchor="ctr"/>
+              <a:lstStyle/>
+              <a:p>
+                <a:pPr algn="ctr"/>
+                <a:endParaRPr kumimoji="1" lang="zh-CN" altLang="en-US"/>
+              </a:p>
+            </p:txBody>
+          </p:sp>
+          <p:sp>
+            <p:nvSpPr>
+              <p:cNvPr id="116" name="文本框 115"/>
+              <p:cNvSpPr txBox="1"/>
+              <p:nvPr/>
+            </p:nvSpPr>
+            <p:spPr>
+              <a:xfrm>
+                <a:off x="12454227" y="9056431"/>
+                <a:ext cx="1027845" cy="707886"/>
+              </a:xfrm>
+              <a:prstGeom prst="rect">
+                <a:avLst/>
+              </a:prstGeom>
+              <a:noFill/>
+            </p:spPr>
+            <p:txBody>
+              <a:bodyPr wrap="none" rtlCol="0">
+                <a:spAutoFit/>
+              </a:bodyPr>
+              <a:lstStyle/>
+              <a:p>
+                <a:pPr algn="ctr"/>
+                <a:r>
+                  <a:rPr kumimoji="1" lang="en-US" altLang="zh-CN" sz="2000">
+                    <a:latin typeface="+mj-lt"/>
+                  </a:rPr>
+                  <a:t>MyClass</a:t>
+                </a:r>
+                <a:endParaRPr kumimoji="1" lang="zh-CN" altLang="en-US" sz="2000">
+                  <a:latin typeface="+mj-lt"/>
+                </a:endParaRPr>
+              </a:p>
+              <a:p>
+                <a:pPr algn="ctr"/>
+                <a:r>
+                  <a:rPr kumimoji="1" lang="en-US" altLang="zh-CN" sz="2000" b="1"/>
+                  <a:t>objectA</a:t>
+                </a:r>
+                <a:endParaRPr kumimoji="1" lang="zh-CN" altLang="en-US" sz="2000" b="1"/>
+              </a:p>
+            </p:txBody>
+          </p:sp>
+          <p:sp>
+            <p:nvSpPr>
+              <p:cNvPr id="117" name="圆角矩形 116"/>
+              <p:cNvSpPr/>
+              <p:nvPr/>
+            </p:nvSpPr>
+            <p:spPr>
+              <a:xfrm>
+                <a:off x="12288339" y="9951752"/>
+                <a:ext cx="1275889" cy="625206"/>
+              </a:xfrm>
+              <a:prstGeom prst="roundRect">
+                <a:avLst/>
+              </a:prstGeom>
+            </p:spPr>
+            <p:style>
+              <a:lnRef idx="2">
+                <a:schemeClr val="accent1">
+                  <a:shade val="50000"/>
+                </a:schemeClr>
+              </a:lnRef>
+              <a:fillRef idx="1">
+                <a:schemeClr val="accent1"/>
+              </a:fillRef>
+              <a:effectRef idx="0">
+                <a:schemeClr val="accent1"/>
+              </a:effectRef>
+              <a:fontRef idx="minor">
+                <a:schemeClr val="lt1"/>
+              </a:fontRef>
+            </p:style>
+            <p:txBody>
+              <a:bodyPr rtlCol="0" anchor="ctr"/>
+              <a:lstStyle/>
+              <a:p>
+                <a:pPr algn="ctr"/>
+                <a:endParaRPr kumimoji="1" lang="zh-CN" altLang="en-US"/>
+              </a:p>
+            </p:txBody>
+          </p:sp>
+          <p:sp>
+            <p:nvSpPr>
+              <p:cNvPr id="118" name="文本框 117"/>
+              <p:cNvSpPr txBox="1"/>
+              <p:nvPr/>
+            </p:nvSpPr>
+            <p:spPr>
+              <a:xfrm>
+                <a:off x="12280355" y="9992182"/>
+                <a:ext cx="1301767" cy="584775"/>
+              </a:xfrm>
+              <a:prstGeom prst="rect">
+                <a:avLst/>
+              </a:prstGeom>
+              <a:noFill/>
+              <a:ln>
+                <a:noFill/>
+              </a:ln>
+            </p:spPr>
+            <p:style>
+              <a:lnRef idx="2">
+                <a:schemeClr val="dk1"/>
+              </a:lnRef>
+              <a:fillRef idx="1">
+                <a:schemeClr val="lt1"/>
+              </a:fillRef>
+              <a:effectRef idx="0">
+                <a:schemeClr val="dk1"/>
+              </a:effectRef>
+              <a:fontRef idx="minor">
+                <a:schemeClr val="dk1"/>
+              </a:fontRef>
+            </p:style>
+            <p:txBody>
+              <a:bodyPr wrap="none" rtlCol="0">
+                <a:spAutoFit/>
+              </a:bodyPr>
+              <a:lstStyle/>
+              <a:p>
+                <a:pPr algn="ctr"/>
+                <a:r>
+                  <a:rPr kumimoji="1" lang="en-US" altLang="zh-CN" sz="1600">
+                    <a:latin typeface="+mj-lt"/>
+                  </a:rPr>
+                  <a:t>weakref_impl</a:t>
+                </a:r>
+                <a:endParaRPr kumimoji="1" lang="zh-CN" altLang="en-US" sz="1600">
+                  <a:latin typeface="+mj-lt"/>
+                </a:endParaRPr>
+              </a:p>
+              <a:p>
+                <a:pPr algn="ctr"/>
+                <a:r>
+                  <a:rPr kumimoji="1" lang="en-US" altLang="zh-CN" sz="1600" b="1">
+                    <a:latin typeface="+mj-lt"/>
+                  </a:rPr>
+                  <a:t>mRefs</a:t>
+                </a:r>
+                <a:endParaRPr kumimoji="1" lang="zh-CN" altLang="en-US" sz="1600" b="1">
+                  <a:latin typeface="+mj-lt"/>
+                </a:endParaRPr>
+              </a:p>
+            </p:txBody>
+          </p:sp>
+          <p:sp>
+            <p:nvSpPr>
+              <p:cNvPr id="119" name="椭圆 118"/>
+              <p:cNvSpPr/>
+              <p:nvPr/>
+            </p:nvSpPr>
+            <p:spPr>
+              <a:xfrm>
+                <a:off x="12731069" y="8426124"/>
+                <a:ext cx="387811" cy="387811"/>
+              </a:xfrm>
+              <a:prstGeom prst="ellipse">
+                <a:avLst/>
+              </a:prstGeom>
+            </p:spPr>
+            <p:style>
+              <a:lnRef idx="2">
+                <a:schemeClr val="accent1">
+                  <a:shade val="50000"/>
+                </a:schemeClr>
+              </a:lnRef>
+              <a:fillRef idx="1">
+                <a:schemeClr val="accent1"/>
+              </a:fillRef>
+              <a:effectRef idx="0">
+                <a:schemeClr val="accent1"/>
+              </a:effectRef>
+              <a:fontRef idx="minor">
+                <a:schemeClr val="lt1"/>
+              </a:fontRef>
+            </p:style>
+            <p:txBody>
+              <a:bodyPr rtlCol="0" anchor="ctr"/>
+              <a:lstStyle/>
+              <a:p>
+                <a:pPr algn="ctr"/>
+                <a:endParaRPr kumimoji="1" lang="zh-CN" altLang="en-US"/>
+              </a:p>
+            </p:txBody>
+          </p:sp>
+          <p:sp>
+            <p:nvSpPr>
+              <p:cNvPr id="120" name="圆角矩形 119"/>
+              <p:cNvSpPr/>
+              <p:nvPr/>
+            </p:nvSpPr>
+            <p:spPr>
+              <a:xfrm>
+                <a:off x="14494733" y="9056431"/>
+                <a:ext cx="1508684" cy="726201"/>
+              </a:xfrm>
+              <a:prstGeom prst="roundRect">
+                <a:avLst/>
+              </a:prstGeom>
+              <a:ln/>
+            </p:spPr>
+            <p:style>
+              <a:lnRef idx="1">
+                <a:schemeClr val="accent1"/>
+              </a:lnRef>
+              <a:fillRef idx="2">
+                <a:schemeClr val="accent1"/>
+              </a:fillRef>
+              <a:effectRef idx="1">
+                <a:schemeClr val="accent1"/>
+              </a:effectRef>
+              <a:fontRef idx="minor">
+                <a:schemeClr val="dk1"/>
+              </a:fontRef>
+            </p:style>
+            <p:txBody>
+              <a:bodyPr rtlCol="0" anchor="ctr"/>
+              <a:lstStyle/>
+              <a:p>
+                <a:pPr algn="ctr"/>
+                <a:endParaRPr kumimoji="1" lang="zh-CN" altLang="en-US"/>
+              </a:p>
+            </p:txBody>
+          </p:sp>
+          <p:sp>
+            <p:nvSpPr>
+              <p:cNvPr id="121" name="文本框 120"/>
+              <p:cNvSpPr txBox="1"/>
+              <p:nvPr/>
+            </p:nvSpPr>
+            <p:spPr>
+              <a:xfrm>
+                <a:off x="14778327" y="9062781"/>
+                <a:ext cx="1027845" cy="707886"/>
+              </a:xfrm>
+              <a:prstGeom prst="rect">
+                <a:avLst/>
+              </a:prstGeom>
+              <a:noFill/>
+            </p:spPr>
+            <p:txBody>
+              <a:bodyPr wrap="none" rtlCol="0">
+                <a:spAutoFit/>
+              </a:bodyPr>
+              <a:lstStyle/>
+              <a:p>
+                <a:pPr algn="ctr"/>
+                <a:r>
+                  <a:rPr kumimoji="1" lang="en-US" altLang="zh-CN" sz="2000">
+                    <a:latin typeface="+mj-lt"/>
+                  </a:rPr>
+                  <a:t>MyClass</a:t>
+                </a:r>
+                <a:endParaRPr kumimoji="1" lang="zh-CN" altLang="en-US" sz="2000">
+                  <a:latin typeface="+mj-lt"/>
+                </a:endParaRPr>
+              </a:p>
+              <a:p>
+                <a:pPr algn="ctr"/>
+                <a:r>
+                  <a:rPr kumimoji="1" lang="en-US" altLang="zh-CN" sz="2000" b="1"/>
+                  <a:t>object</a:t>
+                </a:r>
+                <a:r>
+                  <a:rPr kumimoji="1" lang="en-US" altLang="zh-CN" sz="2000" b="1"/>
+                  <a:t>B</a:t>
+                </a:r>
+                <a:endParaRPr kumimoji="1" lang="zh-CN" altLang="en-US" sz="2000" b="1"/>
+              </a:p>
+            </p:txBody>
+          </p:sp>
+          <p:cxnSp>
+            <p:nvCxnSpPr>
+              <p:cNvPr id="124" name="直线箭头连接符 123"/>
+              <p:cNvCxnSpPr>
+                <a:stCxn id="119" idx="4"/>
+                <a:endCxn id="115" idx="0"/>
+              </p:cNvCxnSpPr>
+              <p:nvPr/>
+            </p:nvCxnSpPr>
+            <p:spPr>
+              <a:xfrm>
+                <a:off x="12924975" y="8813935"/>
+                <a:ext cx="0" cy="236146"/>
+              </a:xfrm>
+              <a:prstGeom prst="straightConnector1">
+                <a:avLst/>
+              </a:prstGeom>
+              <a:ln>
+                <a:tailEnd type="triangle"/>
+              </a:ln>
+            </p:spPr>
+            <p:style>
+              <a:lnRef idx="1">
+                <a:schemeClr val="accent1"/>
+              </a:lnRef>
+              <a:fillRef idx="0">
+                <a:schemeClr val="accent1"/>
+              </a:fillRef>
+              <a:effectRef idx="0">
+                <a:schemeClr val="accent1"/>
+              </a:effectRef>
+              <a:fontRef idx="minor">
+                <a:schemeClr val="tx1"/>
+              </a:fontRef>
+            </p:style>
+          </p:cxnSp>
+          <p:sp>
+            <p:nvSpPr>
+              <p:cNvPr id="127" name="文本框 126"/>
+              <p:cNvSpPr txBox="1"/>
+              <p:nvPr/>
+            </p:nvSpPr>
+            <p:spPr>
+              <a:xfrm>
+                <a:off x="12766116" y="8375463"/>
+                <a:ext cx="317716" cy="400110"/>
+              </a:xfrm>
+              <a:prstGeom prst="rect">
+                <a:avLst/>
+              </a:prstGeom>
+              <a:noFill/>
+            </p:spPr>
+            <p:txBody>
+              <a:bodyPr wrap="none" rtlCol="0">
+                <a:spAutoFit/>
+              </a:bodyPr>
+              <a:lstStyle/>
+              <a:p>
+                <a:pPr algn="ctr"/>
+                <a:r>
+                  <a:rPr kumimoji="1" lang="en-US" altLang="zh-CN" sz="2000">
+                    <a:latin typeface="+mj-lt"/>
+                  </a:rPr>
+                  <a:t>p</a:t>
+                </a:r>
+                <a:endParaRPr kumimoji="1" lang="zh-CN" altLang="en-US" sz="2000">
+                  <a:latin typeface="+mj-lt"/>
+                </a:endParaRPr>
+              </a:p>
+            </p:txBody>
+          </p:sp>
+          <p:sp>
+            <p:nvSpPr>
+              <p:cNvPr id="129" name="圆角矩形 128"/>
+              <p:cNvSpPr/>
+              <p:nvPr/>
+            </p:nvSpPr>
+            <p:spPr>
+              <a:xfrm>
+                <a:off x="14625684" y="9955945"/>
+                <a:ext cx="1275889" cy="625206"/>
+              </a:xfrm>
+              <a:prstGeom prst="roundRect">
+                <a:avLst/>
+              </a:prstGeom>
+            </p:spPr>
+            <p:style>
+              <a:lnRef idx="2">
+                <a:schemeClr val="accent1">
+                  <a:shade val="50000"/>
+                </a:schemeClr>
+              </a:lnRef>
+              <a:fillRef idx="1">
+                <a:schemeClr val="accent1"/>
+              </a:fillRef>
+              <a:effectRef idx="0">
+                <a:schemeClr val="accent1"/>
+              </a:effectRef>
+              <a:fontRef idx="minor">
+                <a:schemeClr val="lt1"/>
+              </a:fontRef>
+            </p:style>
+            <p:txBody>
+              <a:bodyPr rtlCol="0" anchor="ctr"/>
+              <a:lstStyle/>
+              <a:p>
+                <a:pPr algn="ctr"/>
+                <a:endParaRPr kumimoji="1" lang="zh-CN" altLang="en-US"/>
+              </a:p>
+            </p:txBody>
+          </p:sp>
+          <p:sp>
+            <p:nvSpPr>
+              <p:cNvPr id="130" name="文本框 129"/>
+              <p:cNvSpPr txBox="1"/>
+              <p:nvPr/>
+            </p:nvSpPr>
+            <p:spPr>
+              <a:xfrm>
+                <a:off x="14617700" y="9996375"/>
+                <a:ext cx="1301767" cy="584775"/>
+              </a:xfrm>
+              <a:prstGeom prst="rect">
+                <a:avLst/>
+              </a:prstGeom>
+              <a:noFill/>
+              <a:ln>
+                <a:noFill/>
+              </a:ln>
+            </p:spPr>
+            <p:style>
+              <a:lnRef idx="2">
+                <a:schemeClr val="dk1"/>
+              </a:lnRef>
+              <a:fillRef idx="1">
+                <a:schemeClr val="lt1"/>
+              </a:fillRef>
+              <a:effectRef idx="0">
+                <a:schemeClr val="dk1"/>
+              </a:effectRef>
+              <a:fontRef idx="minor">
+                <a:schemeClr val="dk1"/>
+              </a:fontRef>
+            </p:style>
+            <p:txBody>
+              <a:bodyPr wrap="none" rtlCol="0">
+                <a:spAutoFit/>
+              </a:bodyPr>
+              <a:lstStyle/>
+              <a:p>
+                <a:pPr algn="ctr"/>
+                <a:r>
+                  <a:rPr kumimoji="1" lang="en-US" altLang="zh-CN" sz="1600">
+                    <a:latin typeface="+mj-lt"/>
+                  </a:rPr>
+                  <a:t>weakref_impl</a:t>
+                </a:r>
+                <a:endParaRPr kumimoji="1" lang="zh-CN" altLang="en-US" sz="1600">
+                  <a:latin typeface="+mj-lt"/>
+                </a:endParaRPr>
+              </a:p>
+              <a:p>
+                <a:pPr algn="ctr"/>
+                <a:r>
+                  <a:rPr kumimoji="1" lang="en-US" altLang="zh-CN" sz="1600" b="1">
+                    <a:latin typeface="+mj-lt"/>
+                  </a:rPr>
+                  <a:t>mRefs</a:t>
+                </a:r>
+                <a:endParaRPr kumimoji="1" lang="zh-CN" altLang="en-US" sz="1600" b="1">
+                  <a:latin typeface="+mj-lt"/>
+                </a:endParaRPr>
+              </a:p>
+            </p:txBody>
+          </p:sp>
+          <p:cxnSp>
+            <p:nvCxnSpPr>
+              <p:cNvPr id="132" name="直线箭头连接符 131"/>
+              <p:cNvCxnSpPr>
+                <a:stCxn id="115" idx="2"/>
+                <a:endCxn id="117" idx="0"/>
+              </p:cNvCxnSpPr>
+              <p:nvPr/>
+            </p:nvCxnSpPr>
+            <p:spPr>
+              <a:xfrm>
+                <a:off x="12924975" y="9776282"/>
+                <a:ext cx="1309" cy="175470"/>
+              </a:xfrm>
+              <a:prstGeom prst="straightConnector1">
+                <a:avLst/>
+              </a:prstGeom>
+              <a:ln>
+                <a:headEnd type="triangle"/>
+                <a:tailEnd type="triangle"/>
+              </a:ln>
+            </p:spPr>
+            <p:style>
+              <a:lnRef idx="1">
+                <a:schemeClr val="accent1"/>
+              </a:lnRef>
+              <a:fillRef idx="0">
+                <a:schemeClr val="accent1"/>
+              </a:fillRef>
+              <a:effectRef idx="0">
+                <a:schemeClr val="accent1"/>
+              </a:effectRef>
+              <a:fontRef idx="minor">
+                <a:schemeClr val="tx1"/>
+              </a:fontRef>
+            </p:style>
+          </p:cxnSp>
+          <p:cxnSp>
+            <p:nvCxnSpPr>
+              <p:cNvPr id="134" name="直线箭头连接符 133"/>
+              <p:cNvCxnSpPr>
+                <a:stCxn id="120" idx="2"/>
+                <a:endCxn id="129" idx="0"/>
+              </p:cNvCxnSpPr>
+              <p:nvPr/>
+            </p:nvCxnSpPr>
+            <p:spPr>
+              <a:xfrm>
+                <a:off x="15249075" y="9782632"/>
+                <a:ext cx="14554" cy="173313"/>
+              </a:xfrm>
+              <a:prstGeom prst="straightConnector1">
+                <a:avLst/>
+              </a:prstGeom>
+              <a:ln>
+                <a:headEnd type="triangle"/>
+                <a:tailEnd type="triangle"/>
+              </a:ln>
+            </p:spPr>
+            <p:style>
+              <a:lnRef idx="1">
+                <a:schemeClr val="accent1"/>
+              </a:lnRef>
+              <a:fillRef idx="0">
+                <a:schemeClr val="accent1"/>
+              </a:fillRef>
+              <a:effectRef idx="0">
+                <a:schemeClr val="accent1"/>
+              </a:effectRef>
+              <a:fontRef idx="minor">
+                <a:schemeClr val="tx1"/>
+              </a:fontRef>
+            </p:style>
+          </p:cxnSp>
+          <p:cxnSp>
+            <p:nvCxnSpPr>
+              <p:cNvPr id="136" name="直线箭头连接符 135"/>
+              <p:cNvCxnSpPr>
+                <a:stCxn id="120" idx="1"/>
+                <a:endCxn id="117" idx="3"/>
+              </p:cNvCxnSpPr>
+              <p:nvPr/>
+            </p:nvCxnSpPr>
+            <p:spPr>
+              <a:xfrm flipH="1">
+                <a:off x="13564228" y="9419532"/>
+                <a:ext cx="930505" cy="844823"/>
+              </a:xfrm>
+              <a:prstGeom prst="straightConnector1">
+                <a:avLst/>
+              </a:prstGeom>
+              <a:ln>
+                <a:prstDash val="dash"/>
+                <a:tailEnd type="arrow"/>
+              </a:ln>
+            </p:spPr>
+            <p:style>
+              <a:lnRef idx="1">
+                <a:schemeClr val="accent1"/>
+              </a:lnRef>
+              <a:fillRef idx="0">
+                <a:schemeClr val="accent1"/>
+              </a:fillRef>
+              <a:effectRef idx="0">
+                <a:schemeClr val="accent1"/>
+              </a:effectRef>
+              <a:fontRef idx="minor">
+                <a:schemeClr val="tx1"/>
+              </a:fontRef>
+            </p:style>
+          </p:cxnSp>
+        </p:grpSp>
+        <p:cxnSp>
+          <p:nvCxnSpPr>
+            <p:cNvPr id="140" name="直线箭头连接符 139"/>
+            <p:cNvCxnSpPr>
+              <a:stCxn id="115" idx="3"/>
+              <a:endCxn id="130" idx="1"/>
+            </p:cNvCxnSpPr>
+            <p:nvPr/>
+          </p:nvCxnSpPr>
+          <p:spPr>
+            <a:xfrm>
+              <a:off x="13679317" y="9413182"/>
+              <a:ext cx="938383" cy="875581"/>
+            </a:xfrm>
+            <a:prstGeom prst="straightConnector1">
+              <a:avLst/>
+            </a:prstGeom>
+            <a:ln>
+              <a:tailEnd type="arrow"/>
+            </a:ln>
+          </p:spPr>
+          <p:style>
+            <a:lnRef idx="1">
+              <a:schemeClr val="accent1"/>
+            </a:lnRef>
+            <a:fillRef idx="0">
+              <a:schemeClr val="accent1"/>
+            </a:fillRef>
+            <a:effectRef idx="0">
+              <a:schemeClr val="accent1"/>
+            </a:effectRef>
+            <a:fontRef idx="minor">
+              <a:schemeClr val="tx1"/>
+            </a:fontRef>
+          </p:style>
+        </p:cxnSp>
+      </p:grpSp>
+      <p:grpSp>
+        <p:nvGrpSpPr>
+          <p:cNvPr id="162" name="组 161"/>
+          <p:cNvGrpSpPr/>
+          <p:nvPr/>
+        </p:nvGrpSpPr>
+        <p:grpSpPr>
+          <a:xfrm>
+            <a:off x="12223423" y="11486963"/>
+            <a:ext cx="3832784" cy="2205688"/>
+            <a:chOff x="12223423" y="11486963"/>
+            <a:chExt cx="3832784" cy="2205688"/>
+          </a:xfrm>
+        </p:grpSpPr>
+        <p:sp>
+          <p:nvSpPr>
+            <p:cNvPr id="145" name="圆角矩形 144"/>
+            <p:cNvSpPr/>
+            <p:nvPr/>
+          </p:nvSpPr>
+          <p:spPr>
+            <a:xfrm>
+              <a:off x="12223423" y="12161581"/>
+              <a:ext cx="1508684" cy="726201"/>
+            </a:xfrm>
+            <a:prstGeom prst="roundRect">
+              <a:avLst/>
+            </a:prstGeom>
+            <a:ln/>
+          </p:spPr>
+          <p:style>
+            <a:lnRef idx="1">
+              <a:schemeClr val="accent1"/>
+            </a:lnRef>
+            <a:fillRef idx="2">
+              <a:schemeClr val="accent1"/>
+            </a:fillRef>
+            <a:effectRef idx="1">
+              <a:schemeClr val="accent1"/>
+            </a:effectRef>
+            <a:fontRef idx="minor">
+              <a:schemeClr val="dk1"/>
+            </a:fontRef>
+          </p:style>
+          <p:txBody>
+            <a:bodyPr rtlCol="0" anchor="ctr"/>
+            <a:lstStyle/>
+            <a:p>
+              <a:pPr algn="ctr"/>
+              <a:endParaRPr kumimoji="1" lang="zh-CN" altLang="en-US"/>
+            </a:p>
+          </p:txBody>
+        </p:sp>
+        <p:sp>
+          <p:nvSpPr>
+            <p:cNvPr id="146" name="文本框 145"/>
+            <p:cNvSpPr txBox="1"/>
+            <p:nvPr/>
+          </p:nvSpPr>
+          <p:spPr>
+            <a:xfrm>
+              <a:off x="12507017" y="12167931"/>
+              <a:ext cx="1027845" cy="707886"/>
+            </a:xfrm>
+            <a:prstGeom prst="rect">
+              <a:avLst/>
+            </a:prstGeom>
+            <a:noFill/>
+          </p:spPr>
+          <p:txBody>
+            <a:bodyPr wrap="none" rtlCol="0">
+              <a:spAutoFit/>
+            </a:bodyPr>
+            <a:lstStyle/>
+            <a:p>
+              <a:pPr algn="ctr"/>
+              <a:r>
+                <a:rPr kumimoji="1" lang="en-US" altLang="zh-CN" sz="2000">
+                  <a:latin typeface="+mj-lt"/>
+                </a:rPr>
+                <a:t>MyClass</a:t>
+              </a:r>
+              <a:endParaRPr kumimoji="1" lang="zh-CN" altLang="en-US" sz="2000">
+                <a:latin typeface="+mj-lt"/>
+              </a:endParaRPr>
+            </a:p>
+            <a:p>
+              <a:pPr algn="ctr"/>
+              <a:r>
+                <a:rPr kumimoji="1" lang="en-US" altLang="zh-CN" sz="2000" b="1"/>
+                <a:t>objectA</a:t>
+              </a:r>
+              <a:endParaRPr kumimoji="1" lang="zh-CN" altLang="en-US" sz="2000" b="1"/>
+            </a:p>
+          </p:txBody>
+        </p:sp>
+        <p:sp>
+          <p:nvSpPr>
+            <p:cNvPr id="147" name="圆角矩形 146"/>
+            <p:cNvSpPr/>
+            <p:nvPr/>
+          </p:nvSpPr>
+          <p:spPr>
+            <a:xfrm>
+              <a:off x="12341129" y="13063252"/>
+              <a:ext cx="1275889" cy="625206"/>
+            </a:xfrm>
+            <a:prstGeom prst="roundRect">
+              <a:avLst/>
+            </a:prstGeom>
+          </p:spPr>
+          <p:style>
+            <a:lnRef idx="2">
+              <a:schemeClr val="accent1">
+                <a:shade val="50000"/>
+              </a:schemeClr>
+            </a:lnRef>
+            <a:fillRef idx="1">
+              <a:schemeClr val="accent1"/>
+            </a:fillRef>
+            <a:effectRef idx="0">
+              <a:schemeClr val="accent1"/>
+            </a:effectRef>
+            <a:fontRef idx="minor">
+              <a:schemeClr val="lt1"/>
+            </a:fontRef>
+          </p:style>
+          <p:txBody>
+            <a:bodyPr rtlCol="0" anchor="ctr"/>
+            <a:lstStyle/>
+            <a:p>
+              <a:pPr algn="ctr"/>
+              <a:endParaRPr kumimoji="1" lang="zh-CN" altLang="en-US"/>
+            </a:p>
+          </p:txBody>
+        </p:sp>
+        <p:sp>
+          <p:nvSpPr>
+            <p:cNvPr id="148" name="文本框 147"/>
+            <p:cNvSpPr txBox="1"/>
+            <p:nvPr/>
+          </p:nvSpPr>
+          <p:spPr>
+            <a:xfrm>
+              <a:off x="12333145" y="13103682"/>
+              <a:ext cx="1301767" cy="584775"/>
+            </a:xfrm>
+            <a:prstGeom prst="rect">
+              <a:avLst/>
+            </a:prstGeom>
+            <a:noFill/>
+            <a:ln>
+              <a:noFill/>
+            </a:ln>
+          </p:spPr>
+          <p:style>
+            <a:lnRef idx="2">
+              <a:schemeClr val="dk1"/>
+            </a:lnRef>
+            <a:fillRef idx="1">
+              <a:schemeClr val="lt1"/>
+            </a:fillRef>
+            <a:effectRef idx="0">
+              <a:schemeClr val="dk1"/>
+            </a:effectRef>
+            <a:fontRef idx="minor">
+              <a:schemeClr val="dk1"/>
+            </a:fontRef>
+          </p:style>
+          <p:txBody>
+            <a:bodyPr wrap="none" rtlCol="0">
+              <a:spAutoFit/>
+            </a:bodyPr>
+            <a:lstStyle/>
+            <a:p>
+              <a:pPr algn="ctr"/>
+              <a:r>
+                <a:rPr kumimoji="1" lang="en-US" altLang="zh-CN" sz="1600">
+                  <a:latin typeface="+mj-lt"/>
+                </a:rPr>
+                <a:t>weakref_impl</a:t>
+              </a:r>
+              <a:endParaRPr kumimoji="1" lang="zh-CN" altLang="en-US" sz="1600">
+                <a:latin typeface="+mj-lt"/>
+              </a:endParaRPr>
+            </a:p>
+            <a:p>
+              <a:pPr algn="ctr"/>
+              <a:r>
+                <a:rPr kumimoji="1" lang="en-US" altLang="zh-CN" sz="1600" b="1">
+                  <a:latin typeface="+mj-lt"/>
+                </a:rPr>
+                <a:t>mRefs</a:t>
+              </a:r>
+              <a:endParaRPr kumimoji="1" lang="zh-CN" altLang="en-US" sz="1600" b="1">
+                <a:latin typeface="+mj-lt"/>
+              </a:endParaRPr>
+            </a:p>
+          </p:txBody>
+        </p:sp>
+        <p:sp>
+          <p:nvSpPr>
+            <p:cNvPr id="149" name="椭圆 148"/>
+            <p:cNvSpPr/>
+            <p:nvPr/>
+          </p:nvSpPr>
+          <p:spPr>
+            <a:xfrm>
+              <a:off x="12783859" y="11537624"/>
+              <a:ext cx="387811" cy="387811"/>
+            </a:xfrm>
+            <a:prstGeom prst="ellipse">
+              <a:avLst/>
+            </a:prstGeom>
+          </p:spPr>
+          <p:style>
+            <a:lnRef idx="2">
+              <a:schemeClr val="accent1">
+                <a:shade val="50000"/>
+              </a:schemeClr>
+            </a:lnRef>
+            <a:fillRef idx="1">
+              <a:schemeClr val="accent1"/>
+            </a:fillRef>
+            <a:effectRef idx="0">
+              <a:schemeClr val="accent1"/>
+            </a:effectRef>
+            <a:fontRef idx="minor">
+              <a:schemeClr val="lt1"/>
+            </a:fontRef>
+          </p:style>
+          <p:txBody>
+            <a:bodyPr rtlCol="0" anchor="ctr"/>
+            <a:lstStyle/>
+            <a:p>
+              <a:pPr algn="ctr"/>
+              <a:endParaRPr kumimoji="1" lang="zh-CN" altLang="en-US"/>
+            </a:p>
+          </p:txBody>
+        </p:sp>
+        <p:sp>
+          <p:nvSpPr>
+            <p:cNvPr id="150" name="圆角矩形 149"/>
+            <p:cNvSpPr/>
+            <p:nvPr/>
+          </p:nvSpPr>
+          <p:spPr>
+            <a:xfrm>
+              <a:off x="14547523" y="12167931"/>
+              <a:ext cx="1508684" cy="726201"/>
+            </a:xfrm>
+            <a:prstGeom prst="roundRect">
+              <a:avLst/>
+            </a:prstGeom>
+            <a:ln/>
+          </p:spPr>
+          <p:style>
+            <a:lnRef idx="1">
+              <a:schemeClr val="accent1"/>
+            </a:lnRef>
+            <a:fillRef idx="2">
+              <a:schemeClr val="accent1"/>
+            </a:fillRef>
+            <a:effectRef idx="1">
+              <a:schemeClr val="accent1"/>
+            </a:effectRef>
+            <a:fontRef idx="minor">
+              <a:schemeClr val="dk1"/>
+            </a:fontRef>
+          </p:style>
+          <p:txBody>
+            <a:bodyPr rtlCol="0" anchor="ctr"/>
+            <a:lstStyle/>
+            <a:p>
+              <a:pPr algn="ctr"/>
+              <a:endParaRPr kumimoji="1" lang="zh-CN" altLang="en-US"/>
+            </a:p>
+          </p:txBody>
+        </p:sp>
+        <p:sp>
+          <p:nvSpPr>
+            <p:cNvPr id="151" name="文本框 150"/>
+            <p:cNvSpPr txBox="1"/>
+            <p:nvPr/>
+          </p:nvSpPr>
+          <p:spPr>
+            <a:xfrm>
+              <a:off x="14831117" y="12174281"/>
+              <a:ext cx="1027845" cy="707886"/>
+            </a:xfrm>
+            <a:prstGeom prst="rect">
+              <a:avLst/>
+            </a:prstGeom>
+            <a:noFill/>
+          </p:spPr>
+          <p:txBody>
+            <a:bodyPr wrap="none" rtlCol="0">
+              <a:spAutoFit/>
+            </a:bodyPr>
+            <a:lstStyle/>
+            <a:p>
+              <a:pPr algn="ctr"/>
+              <a:r>
+                <a:rPr kumimoji="1" lang="en-US" altLang="zh-CN" sz="2000">
+                  <a:latin typeface="+mj-lt"/>
+                </a:rPr>
+                <a:t>MyClass</a:t>
+              </a:r>
+              <a:endParaRPr kumimoji="1" lang="zh-CN" altLang="en-US" sz="2000">
+                <a:latin typeface="+mj-lt"/>
+              </a:endParaRPr>
+            </a:p>
+            <a:p>
+              <a:pPr algn="ctr"/>
+              <a:r>
+                <a:rPr kumimoji="1" lang="en-US" altLang="zh-CN" sz="2000" b="1"/>
+                <a:t>object</a:t>
+              </a:r>
+              <a:r>
+                <a:rPr kumimoji="1" lang="en-US" altLang="zh-CN" sz="2000" b="1"/>
+                <a:t>B</a:t>
+              </a:r>
+              <a:endParaRPr kumimoji="1" lang="zh-CN" altLang="en-US" sz="2000" b="1"/>
+            </a:p>
+          </p:txBody>
+        </p:sp>
+        <p:cxnSp>
+          <p:nvCxnSpPr>
+            <p:cNvPr id="152" name="直线箭头连接符 151"/>
+            <p:cNvCxnSpPr>
+              <a:stCxn id="149" idx="4"/>
+              <a:endCxn id="145" idx="0"/>
+            </p:cNvCxnSpPr>
+            <p:nvPr/>
+          </p:nvCxnSpPr>
+          <p:spPr>
+            <a:xfrm>
+              <a:off x="12977765" y="11925435"/>
+              <a:ext cx="0" cy="236146"/>
+            </a:xfrm>
+            <a:prstGeom prst="straightConnector1">
+              <a:avLst/>
+            </a:prstGeom>
+            <a:ln>
+              <a:tailEnd type="triangle"/>
+            </a:ln>
+          </p:spPr>
+          <p:style>
+            <a:lnRef idx="1">
+              <a:schemeClr val="accent1"/>
+            </a:lnRef>
+            <a:fillRef idx="0">
+              <a:schemeClr val="accent1"/>
+            </a:fillRef>
+            <a:effectRef idx="0">
+              <a:schemeClr val="accent1"/>
+            </a:effectRef>
+            <a:fontRef idx="minor">
+              <a:schemeClr val="tx1"/>
+            </a:fontRef>
+          </p:style>
+        </p:cxnSp>
+        <p:sp>
+          <p:nvSpPr>
+            <p:cNvPr id="153" name="文本框 152"/>
+            <p:cNvSpPr txBox="1"/>
+            <p:nvPr/>
+          </p:nvSpPr>
+          <p:spPr>
+            <a:xfrm>
+              <a:off x="12753985" y="11486963"/>
+              <a:ext cx="447558" cy="400110"/>
+            </a:xfrm>
+            <a:prstGeom prst="rect">
+              <a:avLst/>
+            </a:prstGeom>
+            <a:noFill/>
+          </p:spPr>
+          <p:txBody>
+            <a:bodyPr wrap="none" rtlCol="0">
+              <a:spAutoFit/>
+            </a:bodyPr>
+            <a:lstStyle/>
+            <a:p>
+              <a:pPr algn="ctr"/>
+              <a:r>
+                <a:rPr kumimoji="1" lang="en-US" altLang="zh-CN" sz="2000">
+                  <a:latin typeface="+mj-lt"/>
+                </a:rPr>
+                <a:t>p1</a:t>
+              </a:r>
+              <a:endParaRPr kumimoji="1" lang="zh-CN" altLang="en-US" sz="2000">
+                <a:latin typeface="+mj-lt"/>
+              </a:endParaRPr>
+            </a:p>
+          </p:txBody>
+        </p:sp>
+        <p:sp>
+          <p:nvSpPr>
+            <p:cNvPr id="154" name="圆角矩形 153"/>
+            <p:cNvSpPr/>
+            <p:nvPr/>
+          </p:nvSpPr>
+          <p:spPr>
+            <a:xfrm>
+              <a:off x="14678474" y="13067445"/>
+              <a:ext cx="1275889" cy="625206"/>
+            </a:xfrm>
+            <a:prstGeom prst="roundRect">
+              <a:avLst/>
+            </a:prstGeom>
+          </p:spPr>
+          <p:style>
+            <a:lnRef idx="2">
+              <a:schemeClr val="accent1">
+                <a:shade val="50000"/>
+              </a:schemeClr>
+            </a:lnRef>
+            <a:fillRef idx="1">
+              <a:schemeClr val="accent1"/>
+            </a:fillRef>
+            <a:effectRef idx="0">
+              <a:schemeClr val="accent1"/>
+            </a:effectRef>
+            <a:fontRef idx="minor">
+              <a:schemeClr val="lt1"/>
+            </a:fontRef>
+          </p:style>
+          <p:txBody>
+            <a:bodyPr rtlCol="0" anchor="ctr"/>
+            <a:lstStyle/>
+            <a:p>
+              <a:pPr algn="ctr"/>
+              <a:endParaRPr kumimoji="1" lang="zh-CN" altLang="en-US"/>
+            </a:p>
+          </p:txBody>
+        </p:sp>
+        <p:sp>
+          <p:nvSpPr>
+            <p:cNvPr id="155" name="文本框 154"/>
+            <p:cNvSpPr txBox="1"/>
+            <p:nvPr/>
+          </p:nvSpPr>
+          <p:spPr>
+            <a:xfrm>
+              <a:off x="14670490" y="13107875"/>
+              <a:ext cx="1301767" cy="584775"/>
+            </a:xfrm>
+            <a:prstGeom prst="rect">
+              <a:avLst/>
+            </a:prstGeom>
+            <a:noFill/>
+            <a:ln>
+              <a:noFill/>
+            </a:ln>
+          </p:spPr>
+          <p:style>
+            <a:lnRef idx="2">
+              <a:schemeClr val="dk1"/>
+            </a:lnRef>
+            <a:fillRef idx="1">
+              <a:schemeClr val="lt1"/>
+            </a:fillRef>
+            <a:effectRef idx="0">
+              <a:schemeClr val="dk1"/>
+            </a:effectRef>
+            <a:fontRef idx="minor">
+              <a:schemeClr val="dk1"/>
+            </a:fontRef>
+          </p:style>
+          <p:txBody>
+            <a:bodyPr wrap="none" rtlCol="0">
+              <a:spAutoFit/>
+            </a:bodyPr>
+            <a:lstStyle/>
+            <a:p>
+              <a:pPr algn="ctr"/>
+              <a:r>
+                <a:rPr kumimoji="1" lang="en-US" altLang="zh-CN" sz="1600">
+                  <a:latin typeface="+mj-lt"/>
+                </a:rPr>
+                <a:t>weakref_impl</a:t>
+              </a:r>
+              <a:endParaRPr kumimoji="1" lang="zh-CN" altLang="en-US" sz="1600">
+                <a:latin typeface="+mj-lt"/>
+              </a:endParaRPr>
+            </a:p>
+            <a:p>
+              <a:pPr algn="ctr"/>
+              <a:r>
+                <a:rPr kumimoji="1" lang="en-US" altLang="zh-CN" sz="1600" b="1">
+                  <a:latin typeface="+mj-lt"/>
+                </a:rPr>
+                <a:t>mRefs</a:t>
+              </a:r>
+              <a:endParaRPr kumimoji="1" lang="zh-CN" altLang="en-US" sz="1600" b="1">
+                <a:latin typeface="+mj-lt"/>
+              </a:endParaRPr>
+            </a:p>
+          </p:txBody>
+        </p:sp>
+        <p:cxnSp>
+          <p:nvCxnSpPr>
+            <p:cNvPr id="156" name="直线箭头连接符 155"/>
+            <p:cNvCxnSpPr>
+              <a:stCxn id="145" idx="2"/>
+              <a:endCxn id="147" idx="0"/>
+            </p:cNvCxnSpPr>
+            <p:nvPr/>
+          </p:nvCxnSpPr>
+          <p:spPr>
+            <a:xfrm>
+              <a:off x="12977765" y="12887782"/>
+              <a:ext cx="1309" cy="175470"/>
+            </a:xfrm>
+            <a:prstGeom prst="straightConnector1">
+              <a:avLst/>
+            </a:prstGeom>
+            <a:ln>
+              <a:headEnd type="triangle"/>
+              <a:tailEnd type="triangle"/>
+            </a:ln>
+          </p:spPr>
+          <p:style>
+            <a:lnRef idx="1">
+              <a:schemeClr val="accent1"/>
+            </a:lnRef>
+            <a:fillRef idx="0">
+              <a:schemeClr val="accent1"/>
+            </a:fillRef>
+            <a:effectRef idx="0">
+              <a:schemeClr val="accent1"/>
+            </a:effectRef>
+            <a:fontRef idx="minor">
+              <a:schemeClr val="tx1"/>
+            </a:fontRef>
+          </p:style>
+        </p:cxnSp>
+        <p:cxnSp>
+          <p:nvCxnSpPr>
+            <p:cNvPr id="157" name="直线箭头连接符 156"/>
+            <p:cNvCxnSpPr>
+              <a:stCxn id="150" idx="2"/>
+              <a:endCxn id="154" idx="0"/>
+            </p:cNvCxnSpPr>
+            <p:nvPr/>
+          </p:nvCxnSpPr>
+          <p:spPr>
+            <a:xfrm>
+              <a:off x="15301865" y="12894132"/>
+              <a:ext cx="14554" cy="173313"/>
+            </a:xfrm>
+            <a:prstGeom prst="straightConnector1">
+              <a:avLst/>
+            </a:prstGeom>
+            <a:ln>
+              <a:headEnd type="triangle"/>
+              <a:tailEnd type="triangle"/>
+            </a:ln>
+          </p:spPr>
+          <p:style>
+            <a:lnRef idx="1">
+              <a:schemeClr val="accent1"/>
+            </a:lnRef>
+            <a:fillRef idx="0">
+              <a:schemeClr val="accent1"/>
+            </a:fillRef>
+            <a:effectRef idx="0">
+              <a:schemeClr val="accent1"/>
+            </a:effectRef>
+            <a:fontRef idx="minor">
+              <a:schemeClr val="tx1"/>
+            </a:fontRef>
+          </p:style>
+        </p:cxnSp>
+        <p:cxnSp>
+          <p:nvCxnSpPr>
+            <p:cNvPr id="158" name="直线箭头连接符 157"/>
+            <p:cNvCxnSpPr>
+              <a:stCxn id="150" idx="1"/>
+              <a:endCxn id="147" idx="3"/>
+            </p:cNvCxnSpPr>
+            <p:nvPr/>
+          </p:nvCxnSpPr>
+          <p:spPr>
+            <a:xfrm flipH="1">
+              <a:off x="13617018" y="12531032"/>
+              <a:ext cx="930505" cy="844823"/>
+            </a:xfrm>
+            <a:prstGeom prst="straightConnector1">
+              <a:avLst/>
+            </a:prstGeom>
+            <a:ln>
+              <a:prstDash val="dash"/>
+              <a:tailEnd type="arrow"/>
+            </a:ln>
+          </p:spPr>
+          <p:style>
+            <a:lnRef idx="1">
+              <a:schemeClr val="accent1"/>
+            </a:lnRef>
+            <a:fillRef idx="0">
+              <a:schemeClr val="accent1"/>
+            </a:fillRef>
+            <a:effectRef idx="0">
+              <a:schemeClr val="accent1"/>
+            </a:effectRef>
+            <a:fontRef idx="minor">
+              <a:schemeClr val="tx1"/>
+            </a:fontRef>
+          </p:style>
+        </p:cxnSp>
+        <p:cxnSp>
+          <p:nvCxnSpPr>
+            <p:cNvPr id="144" name="直线箭头连接符 143"/>
+            <p:cNvCxnSpPr>
+              <a:stCxn id="145" idx="3"/>
+              <a:endCxn id="155" idx="1"/>
+            </p:cNvCxnSpPr>
+            <p:nvPr/>
+          </p:nvCxnSpPr>
+          <p:spPr>
+            <a:xfrm>
+              <a:off x="13732107" y="12524682"/>
+              <a:ext cx="938383" cy="875581"/>
+            </a:xfrm>
+            <a:prstGeom prst="straightConnector1">
+              <a:avLst/>
+            </a:prstGeom>
+            <a:ln>
+              <a:tailEnd type="arrow"/>
+            </a:ln>
+          </p:spPr>
+          <p:style>
+            <a:lnRef idx="1">
+              <a:schemeClr val="accent1"/>
+            </a:lnRef>
+            <a:fillRef idx="0">
+              <a:schemeClr val="accent1"/>
+            </a:fillRef>
+            <a:effectRef idx="0">
+              <a:schemeClr val="accent1"/>
+            </a:effectRef>
+            <a:fontRef idx="minor">
+              <a:schemeClr val="tx1"/>
+            </a:fontRef>
+          </p:style>
+        </p:cxnSp>
+        <p:sp>
+          <p:nvSpPr>
+            <p:cNvPr id="159" name="椭圆 158"/>
+            <p:cNvSpPr/>
+            <p:nvPr/>
+          </p:nvSpPr>
+          <p:spPr>
+            <a:xfrm>
+              <a:off x="15107959" y="11550324"/>
+              <a:ext cx="387811" cy="387811"/>
+            </a:xfrm>
+            <a:prstGeom prst="ellipse">
+              <a:avLst/>
+            </a:prstGeom>
+          </p:spPr>
+          <p:style>
+            <a:lnRef idx="2">
+              <a:schemeClr val="accent1">
+                <a:shade val="50000"/>
+              </a:schemeClr>
+            </a:lnRef>
+            <a:fillRef idx="1">
+              <a:schemeClr val="accent1"/>
+            </a:fillRef>
+            <a:effectRef idx="0">
+              <a:schemeClr val="accent1"/>
+            </a:effectRef>
+            <a:fontRef idx="minor">
+              <a:schemeClr val="lt1"/>
+            </a:fontRef>
+          </p:style>
+          <p:txBody>
+            <a:bodyPr rtlCol="0" anchor="ctr"/>
+            <a:lstStyle/>
+            <a:p>
+              <a:pPr algn="ctr"/>
+              <a:endParaRPr kumimoji="1" lang="zh-CN" altLang="en-US"/>
+            </a:p>
+          </p:txBody>
+        </p:sp>
+        <p:cxnSp>
+          <p:nvCxnSpPr>
+            <p:cNvPr id="160" name="直线箭头连接符 159"/>
+            <p:cNvCxnSpPr>
+              <a:stCxn id="159" idx="4"/>
+            </p:cNvCxnSpPr>
+            <p:nvPr/>
+          </p:nvCxnSpPr>
+          <p:spPr>
+            <a:xfrm>
+              <a:off x="15301865" y="11938135"/>
+              <a:ext cx="0" cy="236146"/>
+            </a:xfrm>
+            <a:prstGeom prst="straightConnector1">
+              <a:avLst/>
+            </a:prstGeom>
+            <a:ln>
+              <a:tailEnd type="triangle"/>
+            </a:ln>
+          </p:spPr>
+          <p:style>
+            <a:lnRef idx="1">
+              <a:schemeClr val="accent1"/>
+            </a:lnRef>
+            <a:fillRef idx="0">
+              <a:schemeClr val="accent1"/>
+            </a:fillRef>
+            <a:effectRef idx="0">
+              <a:schemeClr val="accent1"/>
+            </a:effectRef>
+            <a:fontRef idx="minor">
+              <a:schemeClr val="tx1"/>
+            </a:fontRef>
+          </p:style>
+        </p:cxnSp>
+        <p:sp>
+          <p:nvSpPr>
+            <p:cNvPr id="161" name="文本框 160"/>
+            <p:cNvSpPr txBox="1"/>
+            <p:nvPr/>
+          </p:nvSpPr>
+          <p:spPr>
+            <a:xfrm>
+              <a:off x="15078085" y="11499663"/>
+              <a:ext cx="447558" cy="400110"/>
+            </a:xfrm>
+            <a:prstGeom prst="rect">
+              <a:avLst/>
+            </a:prstGeom>
+            <a:noFill/>
+          </p:spPr>
+          <p:txBody>
+            <a:bodyPr wrap="none" rtlCol="0">
+              <a:spAutoFit/>
+            </a:bodyPr>
+            <a:lstStyle/>
+            <a:p>
+              <a:pPr algn="ctr"/>
+              <a:r>
+                <a:rPr kumimoji="1" lang="en-US" altLang="zh-CN" sz="2000">
+                  <a:latin typeface="+mj-lt"/>
+                </a:rPr>
+                <a:t>p2</a:t>
               </a:r>
               <a:endParaRPr kumimoji="1" lang="zh-CN" altLang="en-US" sz="2000">
                 <a:latin typeface="+mj-lt"/>

--- a/doc/TecNote.pptx
+++ b/doc/TecNote.pptx
@@ -14,6 +14,7 @@
     <p:sldId id="262" r:id="rId8"/>
     <p:sldId id="263" r:id="rId9"/>
     <p:sldId id="264" r:id="rId10"/>
+    <p:sldId id="265" r:id="rId11"/>
   </p:sldIdLst>
   <p:sldSz cx="35999738" cy="18000663"/>
   <p:notesSz cx="6858000" cy="9144000"/>
@@ -251,7 +252,7 @@
           <a:p>
             <a:fld id="{B36E3DDD-87E4-2743-BB94-618FBD02DA55}" type="datetimeFigureOut">
               <a:rPr kumimoji="1" lang="zh-CN" altLang="en-US" smtClean="0"/>
-              <a:t>16/6/11</a:t>
+              <a:t>16/6/16</a:t>
             </a:fld>
             <a:endParaRPr kumimoji="1" lang="zh-CN" altLang="en-US"/>
           </a:p>
@@ -421,7 +422,7 @@
           <a:p>
             <a:fld id="{B36E3DDD-87E4-2743-BB94-618FBD02DA55}" type="datetimeFigureOut">
               <a:rPr kumimoji="1" lang="zh-CN" altLang="en-US" smtClean="0"/>
-              <a:t>16/6/11</a:t>
+              <a:t>16/6/16</a:t>
             </a:fld>
             <a:endParaRPr kumimoji="1" lang="zh-CN" altLang="en-US"/>
           </a:p>
@@ -601,7 +602,7 @@
           <a:p>
             <a:fld id="{B36E3DDD-87E4-2743-BB94-618FBD02DA55}" type="datetimeFigureOut">
               <a:rPr kumimoji="1" lang="zh-CN" altLang="en-US" smtClean="0"/>
-              <a:t>16/6/11</a:t>
+              <a:t>16/6/16</a:t>
             </a:fld>
             <a:endParaRPr kumimoji="1" lang="zh-CN" altLang="en-US"/>
           </a:p>
@@ -771,7 +772,7 @@
           <a:p>
             <a:fld id="{B36E3DDD-87E4-2743-BB94-618FBD02DA55}" type="datetimeFigureOut">
               <a:rPr kumimoji="1" lang="zh-CN" altLang="en-US" smtClean="0"/>
-              <a:t>16/6/11</a:t>
+              <a:t>16/6/16</a:t>
             </a:fld>
             <a:endParaRPr kumimoji="1" lang="zh-CN" altLang="en-US"/>
           </a:p>
@@ -1017,7 +1018,7 @@
           <a:p>
             <a:fld id="{B36E3DDD-87E4-2743-BB94-618FBD02DA55}" type="datetimeFigureOut">
               <a:rPr kumimoji="1" lang="zh-CN" altLang="en-US" smtClean="0"/>
-              <a:t>16/6/11</a:t>
+              <a:t>16/6/16</a:t>
             </a:fld>
             <a:endParaRPr kumimoji="1" lang="zh-CN" altLang="en-US"/>
           </a:p>
@@ -1249,7 +1250,7 @@
           <a:p>
             <a:fld id="{B36E3DDD-87E4-2743-BB94-618FBD02DA55}" type="datetimeFigureOut">
               <a:rPr kumimoji="1" lang="zh-CN" altLang="en-US" smtClean="0"/>
-              <a:t>16/6/11</a:t>
+              <a:t>16/6/16</a:t>
             </a:fld>
             <a:endParaRPr kumimoji="1" lang="zh-CN" altLang="en-US"/>
           </a:p>
@@ -1616,7 +1617,7 @@
           <a:p>
             <a:fld id="{B36E3DDD-87E4-2743-BB94-618FBD02DA55}" type="datetimeFigureOut">
               <a:rPr kumimoji="1" lang="zh-CN" altLang="en-US" smtClean="0"/>
-              <a:t>16/6/11</a:t>
+              <a:t>16/6/16</a:t>
             </a:fld>
             <a:endParaRPr kumimoji="1" lang="zh-CN" altLang="en-US"/>
           </a:p>
@@ -1734,7 +1735,7 @@
           <a:p>
             <a:fld id="{B36E3DDD-87E4-2743-BB94-618FBD02DA55}" type="datetimeFigureOut">
               <a:rPr kumimoji="1" lang="zh-CN" altLang="en-US" smtClean="0"/>
-              <a:t>16/6/11</a:t>
+              <a:t>16/6/16</a:t>
             </a:fld>
             <a:endParaRPr kumimoji="1" lang="zh-CN" altLang="en-US"/>
           </a:p>
@@ -1829,7 +1830,7 @@
           <a:p>
             <a:fld id="{B36E3DDD-87E4-2743-BB94-618FBD02DA55}" type="datetimeFigureOut">
               <a:rPr kumimoji="1" lang="zh-CN" altLang="en-US" smtClean="0"/>
-              <a:t>16/6/11</a:t>
+              <a:t>16/6/16</a:t>
             </a:fld>
             <a:endParaRPr kumimoji="1" lang="zh-CN" altLang="en-US"/>
           </a:p>
@@ -2106,7 +2107,7 @@
           <a:p>
             <a:fld id="{B36E3DDD-87E4-2743-BB94-618FBD02DA55}" type="datetimeFigureOut">
               <a:rPr kumimoji="1" lang="zh-CN" altLang="en-US" smtClean="0"/>
-              <a:t>16/6/11</a:t>
+              <a:t>16/6/16</a:t>
             </a:fld>
             <a:endParaRPr kumimoji="1" lang="zh-CN" altLang="en-US"/>
           </a:p>
@@ -2363,7 +2364,7 @@
           <a:p>
             <a:fld id="{B36E3DDD-87E4-2743-BB94-618FBD02DA55}" type="datetimeFigureOut">
               <a:rPr kumimoji="1" lang="zh-CN" altLang="en-US" smtClean="0"/>
-              <a:t>16/6/11</a:t>
+              <a:t>16/6/16</a:t>
             </a:fld>
             <a:endParaRPr kumimoji="1" lang="zh-CN" altLang="en-US"/>
           </a:p>
@@ -2576,7 +2577,7 @@
           <a:p>
             <a:fld id="{B36E3DDD-87E4-2743-BB94-618FBD02DA55}" type="datetimeFigureOut">
               <a:rPr kumimoji="1" lang="zh-CN" altLang="en-US" smtClean="0"/>
-              <a:t>16/6/11</a:t>
+              <a:t>16/6/16</a:t>
             </a:fld>
             <a:endParaRPr kumimoji="1" lang="zh-CN" altLang="en-US"/>
           </a:p>
@@ -3023,6 +3024,7065 @@
     <p:extLst>
       <p:ext uri="{BB962C8B-B14F-4D97-AF65-F5344CB8AC3E}">
         <p14:creationId xmlns:p14="http://schemas.microsoft.com/office/powerpoint/2010/main" val="1681692777"/>
+      </p:ext>
+    </p:extLst>
+  </p:cSld>
+  <p:clrMapOvr>
+    <a:masterClrMapping/>
+  </p:clrMapOvr>
+</p:sld>
+</file>
+
+<file path=ppt/slides/slide10.xml><?xml version="1.0" encoding="utf-8"?>
+<p:sld xmlns:a="http://schemas.openxmlformats.org/drawingml/2006/main" xmlns:r="http://schemas.openxmlformats.org/officeDocument/2006/relationships" xmlns:p="http://schemas.openxmlformats.org/presentationml/2006/main">
+  <p:cSld>
+    <p:spTree>
+      <p:nvGrpSpPr>
+        <p:cNvPr id="1" name=""/>
+        <p:cNvGrpSpPr/>
+        <p:nvPr/>
+      </p:nvGrpSpPr>
+      <p:grpSpPr>
+        <a:xfrm>
+          <a:off x="0" y="0"/>
+          <a:ext cx="0" cy="0"/>
+          <a:chOff x="0" y="0"/>
+          <a:chExt cx="0" cy="0"/>
+        </a:xfrm>
+      </p:grpSpPr>
+      <p:sp>
+        <p:nvSpPr>
+          <p:cNvPr id="49" name="文本框 48"/>
+          <p:cNvSpPr txBox="1"/>
+          <p:nvPr/>
+        </p:nvSpPr>
+        <p:spPr>
+          <a:xfrm>
+            <a:off x="963450" y="2218005"/>
+            <a:ext cx="4103140" cy="369332"/>
+          </a:xfrm>
+          <a:prstGeom prst="rect">
+            <a:avLst/>
+          </a:prstGeom>
+          <a:noFill/>
+        </p:spPr>
+        <p:txBody>
+          <a:bodyPr wrap="square" rtlCol="0">
+            <a:spAutoFit/>
+          </a:bodyPr>
+          <a:lstStyle/>
+          <a:p>
+            <a:r>
+              <a:rPr kumimoji="1" lang="en-US" altLang="zh-CN" sz="1800" b="1"/>
+              <a:t>binder_transaction_data</a:t>
+            </a:r>
+            <a:r>
+              <a:rPr kumimoji="1" lang="zh-CN" altLang="en-US" sz="1800"/>
+              <a:t> </a:t>
+            </a:r>
+            <a:r>
+              <a:rPr kumimoji="1" lang="en-US" altLang="zh-CN" sz="1800"/>
+              <a:t>:</a:t>
+            </a:r>
+            <a:r>
+              <a:rPr kumimoji="1" lang="zh-CN" altLang="en-US" sz="1800"/>
+              <a:t> </a:t>
+            </a:r>
+            <a:r>
+              <a:rPr kumimoji="1" lang="en-US" altLang="zh-CN" sz="1800">
+                <a:solidFill>
+                  <a:schemeClr val="accent5"/>
+                </a:solidFill>
+              </a:rPr>
+              <a:t>tr</a:t>
+            </a:r>
+            <a:endParaRPr kumimoji="1" lang="zh-CN" altLang="en-US" sz="1800">
+              <a:solidFill>
+                <a:schemeClr val="accent5"/>
+              </a:solidFill>
+            </a:endParaRPr>
+          </a:p>
+        </p:txBody>
+      </p:sp>
+      <p:sp>
+        <p:nvSpPr>
+          <p:cNvPr id="50" name="文本框 49"/>
+          <p:cNvSpPr txBox="1"/>
+          <p:nvPr/>
+        </p:nvSpPr>
+        <p:spPr>
+          <a:xfrm>
+            <a:off x="950745" y="2638126"/>
+            <a:ext cx="5595351" cy="646331"/>
+          </a:xfrm>
+          <a:prstGeom prst="rect">
+            <a:avLst/>
+          </a:prstGeom>
+          <a:noFill/>
+          <a:ln>
+            <a:solidFill>
+              <a:schemeClr val="tx1"/>
+            </a:solidFill>
+          </a:ln>
+        </p:spPr>
+        <p:txBody>
+          <a:bodyPr wrap="square" rtlCol="0">
+            <a:spAutoFit/>
+          </a:bodyPr>
+          <a:lstStyle/>
+          <a:p>
+            <a:r>
+              <a:rPr kumimoji="1" lang="en-US" altLang="zh-CN" sz="1800"/>
+              <a:t>__u32</a:t>
+            </a:r>
+            <a:r>
+              <a:rPr kumimoji="1" lang="zh-CN" altLang="en-US" sz="1800"/>
+              <a:t> </a:t>
+            </a:r>
+            <a:r>
+              <a:rPr kumimoji="1" lang="en-US" altLang="zh-CN" sz="1800"/>
+              <a:t>handle</a:t>
+            </a:r>
+            <a:r>
+              <a:rPr kumimoji="1" lang="zh-CN" altLang="en-US" sz="1800"/>
+              <a:t> </a:t>
+            </a:r>
+            <a:r>
+              <a:rPr kumimoji="1" lang="en-US" altLang="zh-CN" sz="1800"/>
+              <a:t>:</a:t>
+            </a:r>
+            <a:r>
+              <a:rPr kumimoji="1" lang="zh-CN" altLang="en-US" sz="1800">
+                <a:solidFill>
+                  <a:schemeClr val="accent1"/>
+                </a:solidFill>
+              </a:rPr>
+              <a:t> </a:t>
+            </a:r>
+            <a:r>
+              <a:rPr kumimoji="1" lang="en-US" altLang="zh-CN" sz="1800">
+                <a:solidFill>
+                  <a:schemeClr val="accent1"/>
+                </a:solidFill>
+              </a:rPr>
+              <a:t>0</a:t>
+            </a:r>
+            <a:endParaRPr kumimoji="1" lang="zh-CN" altLang="en-US" sz="1800">
+              <a:solidFill>
+                <a:schemeClr val="accent1"/>
+              </a:solidFill>
+            </a:endParaRPr>
+          </a:p>
+          <a:p>
+            <a:r>
+              <a:rPr kumimoji="1" lang="en-US" altLang="zh-CN" sz="1800">
+                <a:solidFill>
+                  <a:schemeClr val="bg1">
+                    <a:lumMod val="65000"/>
+                  </a:schemeClr>
+                </a:solidFill>
+              </a:rPr>
+              <a:t>binder_uintptr_t</a:t>
+            </a:r>
+            <a:r>
+              <a:rPr kumimoji="1" lang="zh-CN" altLang="en-US" sz="1800">
+                <a:solidFill>
+                  <a:schemeClr val="bg1">
+                    <a:lumMod val="65000"/>
+                  </a:schemeClr>
+                </a:solidFill>
+              </a:rPr>
+              <a:t> </a:t>
+            </a:r>
+            <a:r>
+              <a:rPr kumimoji="1" lang="en-US" altLang="zh-CN" sz="1800">
+                <a:solidFill>
+                  <a:schemeClr val="bg1">
+                    <a:lumMod val="65000"/>
+                  </a:schemeClr>
+                </a:solidFill>
+              </a:rPr>
+              <a:t>ptr</a:t>
+            </a:r>
+            <a:r>
+              <a:rPr kumimoji="1" lang="zh-CN" altLang="en-US" sz="1800">
+                <a:solidFill>
+                  <a:schemeClr val="bg1">
+                    <a:lumMod val="65000"/>
+                  </a:schemeClr>
+                </a:solidFill>
+              </a:rPr>
+              <a:t> </a:t>
+            </a:r>
+            <a:r>
+              <a:rPr kumimoji="1" lang="en-US" altLang="zh-CN" sz="1800">
+                <a:solidFill>
+                  <a:schemeClr val="bg1">
+                    <a:lumMod val="65000"/>
+                  </a:schemeClr>
+                </a:solidFill>
+              </a:rPr>
+              <a:t>:</a:t>
+            </a:r>
+            <a:r>
+              <a:rPr kumimoji="1" lang="zh-CN" altLang="en-US" sz="1800">
+                <a:solidFill>
+                  <a:schemeClr val="bg1">
+                    <a:lumMod val="65000"/>
+                  </a:schemeClr>
+                </a:solidFill>
+              </a:rPr>
+              <a:t> </a:t>
+            </a:r>
+            <a:r>
+              <a:rPr kumimoji="1" lang="en-US" altLang="zh-CN" sz="1800">
+                <a:solidFill>
+                  <a:schemeClr val="bg1">
+                    <a:lumMod val="65000"/>
+                  </a:schemeClr>
+                </a:solidFill>
+              </a:rPr>
+              <a:t>0</a:t>
+            </a:r>
+            <a:endParaRPr kumimoji="1" lang="zh-CN" altLang="en-US" sz="1800">
+              <a:solidFill>
+                <a:schemeClr val="bg1">
+                  <a:lumMod val="65000"/>
+                </a:schemeClr>
+              </a:solidFill>
+            </a:endParaRPr>
+          </a:p>
+        </p:txBody>
+      </p:sp>
+      <p:sp>
+        <p:nvSpPr>
+          <p:cNvPr id="51" name="文本框 50"/>
+          <p:cNvSpPr txBox="1"/>
+          <p:nvPr/>
+        </p:nvSpPr>
+        <p:spPr>
+          <a:xfrm>
+            <a:off x="950745" y="3289890"/>
+            <a:ext cx="5595351" cy="369332"/>
+          </a:xfrm>
+          <a:prstGeom prst="rect">
+            <a:avLst/>
+          </a:prstGeom>
+          <a:noFill/>
+          <a:ln>
+            <a:solidFill>
+              <a:schemeClr val="tx1"/>
+            </a:solidFill>
+          </a:ln>
+        </p:spPr>
+        <p:txBody>
+          <a:bodyPr wrap="square" rtlCol="0">
+            <a:spAutoFit/>
+          </a:bodyPr>
+          <a:lstStyle/>
+          <a:p>
+            <a:r>
+              <a:rPr kumimoji="1" lang="en-US" altLang="zh-CN" sz="1800"/>
+              <a:t>binder_unitptr_t</a:t>
+            </a:r>
+            <a:r>
+              <a:rPr kumimoji="1" lang="zh-CN" altLang="en-US" sz="1800"/>
+              <a:t> </a:t>
+            </a:r>
+            <a:r>
+              <a:rPr kumimoji="1" lang="en-US" altLang="zh-CN" sz="1800"/>
+              <a:t>cookie</a:t>
+            </a:r>
+            <a:r>
+              <a:rPr kumimoji="1" lang="zh-CN" altLang="en-US" sz="1800"/>
+              <a:t> </a:t>
+            </a:r>
+            <a:r>
+              <a:rPr kumimoji="1" lang="en-US" altLang="zh-CN" sz="1800"/>
+              <a:t>:</a:t>
+            </a:r>
+            <a:r>
+              <a:rPr kumimoji="1" lang="zh-CN" altLang="en-US" sz="1800"/>
+              <a:t> </a:t>
+            </a:r>
+            <a:r>
+              <a:rPr kumimoji="1" lang="en-US" altLang="zh-CN" sz="1800">
+                <a:solidFill>
+                  <a:schemeClr val="accent5"/>
+                </a:solidFill>
+              </a:rPr>
+              <a:t>0</a:t>
+            </a:r>
+            <a:endParaRPr kumimoji="1" lang="zh-CN" altLang="en-US" sz="1800">
+              <a:solidFill>
+                <a:schemeClr val="accent5"/>
+              </a:solidFill>
+            </a:endParaRPr>
+          </a:p>
+        </p:txBody>
+      </p:sp>
+      <p:sp>
+        <p:nvSpPr>
+          <p:cNvPr id="52" name="文本框 51"/>
+          <p:cNvSpPr txBox="1"/>
+          <p:nvPr/>
+        </p:nvSpPr>
+        <p:spPr>
+          <a:xfrm>
+            <a:off x="950745" y="4388694"/>
+            <a:ext cx="5595351" cy="369332"/>
+          </a:xfrm>
+          <a:prstGeom prst="rect">
+            <a:avLst/>
+          </a:prstGeom>
+          <a:noFill/>
+          <a:ln>
+            <a:solidFill>
+              <a:schemeClr val="tx1"/>
+            </a:solidFill>
+          </a:ln>
+        </p:spPr>
+        <p:txBody>
+          <a:bodyPr wrap="square" rtlCol="0">
+            <a:spAutoFit/>
+          </a:bodyPr>
+          <a:lstStyle/>
+          <a:p>
+            <a:r>
+              <a:rPr kumimoji="1" lang="en-US" altLang="zh-CN" sz="1800"/>
+              <a:t>pid_t</a:t>
+            </a:r>
+            <a:r>
+              <a:rPr kumimoji="1" lang="zh-CN" altLang="en-US" sz="1800"/>
+              <a:t> </a:t>
+            </a:r>
+            <a:r>
+              <a:rPr kumimoji="1" lang="en-US" altLang="zh-CN" sz="1800"/>
+              <a:t>sender_pid</a:t>
+            </a:r>
+            <a:r>
+              <a:rPr kumimoji="1" lang="zh-CN" altLang="en-US" sz="1800"/>
+              <a:t> </a:t>
+            </a:r>
+            <a:r>
+              <a:rPr kumimoji="1" lang="en-US" altLang="zh-CN" sz="1800"/>
+              <a:t>:</a:t>
+            </a:r>
+            <a:r>
+              <a:rPr kumimoji="1" lang="zh-CN" altLang="en-US" sz="1800"/>
+              <a:t> </a:t>
+            </a:r>
+            <a:r>
+              <a:rPr kumimoji="1" lang="en-US" altLang="zh-CN" sz="1800">
+                <a:solidFill>
+                  <a:schemeClr val="accent5"/>
+                </a:solidFill>
+              </a:rPr>
+              <a:t>0</a:t>
+            </a:r>
+            <a:endParaRPr kumimoji="1" lang="zh-CN" altLang="en-US" sz="1800">
+              <a:solidFill>
+                <a:schemeClr val="accent5"/>
+              </a:solidFill>
+            </a:endParaRPr>
+          </a:p>
+        </p:txBody>
+      </p:sp>
+      <p:sp>
+        <p:nvSpPr>
+          <p:cNvPr id="53" name="文本框 52"/>
+          <p:cNvSpPr txBox="1"/>
+          <p:nvPr/>
+        </p:nvSpPr>
+        <p:spPr>
+          <a:xfrm>
+            <a:off x="950745" y="4766476"/>
+            <a:ext cx="5595351" cy="369332"/>
+          </a:xfrm>
+          <a:prstGeom prst="rect">
+            <a:avLst/>
+          </a:prstGeom>
+          <a:noFill/>
+          <a:ln>
+            <a:solidFill>
+              <a:schemeClr val="tx1"/>
+            </a:solidFill>
+          </a:ln>
+        </p:spPr>
+        <p:txBody>
+          <a:bodyPr wrap="square" rtlCol="0">
+            <a:spAutoFit/>
+          </a:bodyPr>
+          <a:lstStyle/>
+          <a:p>
+            <a:r>
+              <a:rPr kumimoji="1" lang="en-US" altLang="zh-CN" sz="1800"/>
+              <a:t>uid_t</a:t>
+            </a:r>
+            <a:r>
+              <a:rPr kumimoji="1" lang="zh-CN" altLang="en-US" sz="1800"/>
+              <a:t> </a:t>
+            </a:r>
+            <a:r>
+              <a:rPr kumimoji="1" lang="en-US" altLang="zh-CN" sz="1800"/>
+              <a:t>sender_euid</a:t>
+            </a:r>
+            <a:r>
+              <a:rPr kumimoji="1" lang="zh-CN" altLang="en-US" sz="1800"/>
+              <a:t> </a:t>
+            </a:r>
+            <a:r>
+              <a:rPr kumimoji="1" lang="en-US" altLang="zh-CN" sz="1800"/>
+              <a:t>:</a:t>
+            </a:r>
+            <a:r>
+              <a:rPr kumimoji="1" lang="zh-CN" altLang="en-US" sz="1800"/>
+              <a:t> </a:t>
+            </a:r>
+            <a:r>
+              <a:rPr kumimoji="1" lang="en-US" altLang="zh-CN" sz="1800">
+                <a:solidFill>
+                  <a:schemeClr val="accent5"/>
+                </a:solidFill>
+              </a:rPr>
+              <a:t>0</a:t>
+            </a:r>
+            <a:endParaRPr kumimoji="1" lang="zh-CN" altLang="en-US" sz="1800">
+              <a:solidFill>
+                <a:schemeClr val="accent5"/>
+              </a:solidFill>
+            </a:endParaRPr>
+          </a:p>
+        </p:txBody>
+      </p:sp>
+      <p:sp>
+        <p:nvSpPr>
+          <p:cNvPr id="54" name="文本框 53"/>
+          <p:cNvSpPr txBox="1"/>
+          <p:nvPr/>
+        </p:nvSpPr>
+        <p:spPr>
+          <a:xfrm>
+            <a:off x="950745" y="5126139"/>
+            <a:ext cx="5595351" cy="369332"/>
+          </a:xfrm>
+          <a:prstGeom prst="rect">
+            <a:avLst/>
+          </a:prstGeom>
+          <a:noFill/>
+          <a:ln>
+            <a:solidFill>
+              <a:schemeClr val="tx1"/>
+            </a:solidFill>
+          </a:ln>
+        </p:spPr>
+        <p:txBody>
+          <a:bodyPr wrap="square" rtlCol="0">
+            <a:spAutoFit/>
+          </a:bodyPr>
+          <a:lstStyle/>
+          <a:p>
+            <a:r>
+              <a:rPr kumimoji="1" lang="en-US" altLang="zh-CN" sz="1800"/>
+              <a:t>binder_size_t</a:t>
+            </a:r>
+            <a:r>
+              <a:rPr kumimoji="1" lang="zh-CN" altLang="en-US" sz="1800"/>
+              <a:t> </a:t>
+            </a:r>
+            <a:r>
+              <a:rPr kumimoji="1" lang="en-US" altLang="zh-CN" sz="1800"/>
+              <a:t>data_size:</a:t>
+            </a:r>
+            <a:r>
+              <a:rPr kumimoji="1" lang="zh-CN" altLang="en-US" sz="1800"/>
+              <a:t> </a:t>
+            </a:r>
+            <a:r>
+              <a:rPr kumimoji="1" lang="en-US" altLang="zh-CN" sz="1800">
+                <a:solidFill>
+                  <a:schemeClr val="accent5"/>
+                </a:solidFill>
+              </a:rPr>
+              <a:t>data.ipcDataSize()</a:t>
+            </a:r>
+            <a:endParaRPr kumimoji="1" lang="zh-CN" altLang="en-US" sz="1800">
+              <a:solidFill>
+                <a:schemeClr val="accent5"/>
+              </a:solidFill>
+            </a:endParaRPr>
+          </a:p>
+        </p:txBody>
+      </p:sp>
+      <p:sp>
+        <p:nvSpPr>
+          <p:cNvPr id="55" name="文本框 54"/>
+          <p:cNvSpPr txBox="1"/>
+          <p:nvPr/>
+        </p:nvSpPr>
+        <p:spPr>
+          <a:xfrm>
+            <a:off x="950745" y="5494445"/>
+            <a:ext cx="5595351" cy="646331"/>
+          </a:xfrm>
+          <a:prstGeom prst="rect">
+            <a:avLst/>
+          </a:prstGeom>
+          <a:noFill/>
+          <a:ln>
+            <a:solidFill>
+              <a:schemeClr val="tx1"/>
+            </a:solidFill>
+          </a:ln>
+        </p:spPr>
+        <p:txBody>
+          <a:bodyPr wrap="square" rtlCol="0">
+            <a:spAutoFit/>
+          </a:bodyPr>
+          <a:lstStyle/>
+          <a:p>
+            <a:r>
+              <a:rPr kumimoji="1" lang="en-US" altLang="zh-CN" sz="1800"/>
+              <a:t>binder_size_t</a:t>
+            </a:r>
+            <a:r>
+              <a:rPr kumimoji="1" lang="zh-CN" altLang="en-US" sz="1800"/>
+              <a:t> </a:t>
+            </a:r>
+            <a:r>
+              <a:rPr kumimoji="1" lang="en-US" altLang="zh-CN" sz="1800"/>
+              <a:t>offsets_size</a:t>
+            </a:r>
+            <a:r>
+              <a:rPr kumimoji="1" lang="zh-CN" altLang="en-US" sz="1800"/>
+              <a:t> </a:t>
+            </a:r>
+            <a:r>
+              <a:rPr kumimoji="1" lang="en-US" altLang="zh-CN" sz="1800"/>
+              <a:t>:</a:t>
+            </a:r>
+            <a:r>
+              <a:rPr kumimoji="1" lang="zh-CN" altLang="en-US" sz="1800"/>
+              <a:t> </a:t>
+            </a:r>
+          </a:p>
+          <a:p>
+            <a:r>
+              <a:rPr kumimoji="1" lang="en-US" altLang="zh-CN" sz="1800">
+                <a:solidFill>
+                  <a:schemeClr val="accent5"/>
+                </a:solidFill>
+              </a:rPr>
+              <a:t>data.ipcObjectsCount()</a:t>
+            </a:r>
+            <a:r>
+              <a:rPr kumimoji="1" lang="zh-CN" altLang="en-US" sz="1800">
+                <a:solidFill>
+                  <a:schemeClr val="accent5"/>
+                </a:solidFill>
+              </a:rPr>
+              <a:t>*</a:t>
+            </a:r>
+            <a:r>
+              <a:rPr kumimoji="1" lang="en-US" altLang="zh-CN" sz="1800">
+                <a:solidFill>
+                  <a:schemeClr val="accent5"/>
+                </a:solidFill>
+              </a:rPr>
+              <a:t>sizeof(binder_size_t)</a:t>
+            </a:r>
+            <a:endParaRPr kumimoji="1" lang="zh-CN" altLang="en-US" sz="1800">
+              <a:solidFill>
+                <a:schemeClr val="accent5"/>
+              </a:solidFill>
+            </a:endParaRPr>
+          </a:p>
+        </p:txBody>
+      </p:sp>
+      <p:sp>
+        <p:nvSpPr>
+          <p:cNvPr id="56" name="文本框 55"/>
+          <p:cNvSpPr txBox="1"/>
+          <p:nvPr/>
+        </p:nvSpPr>
+        <p:spPr>
+          <a:xfrm>
+            <a:off x="1071989" y="6094900"/>
+            <a:ext cx="5439311" cy="369332"/>
+          </a:xfrm>
+          <a:prstGeom prst="rect">
+            <a:avLst/>
+          </a:prstGeom>
+          <a:noFill/>
+          <a:ln>
+            <a:noFill/>
+          </a:ln>
+        </p:spPr>
+        <p:txBody>
+          <a:bodyPr wrap="square" rtlCol="0">
+            <a:spAutoFit/>
+          </a:bodyPr>
+          <a:lstStyle/>
+          <a:p>
+            <a:r>
+              <a:rPr kumimoji="1" lang="en-US" altLang="zh-CN" sz="1800" b="1"/>
+              <a:t>struct</a:t>
+            </a:r>
+            <a:r>
+              <a:rPr kumimoji="1" lang="zh-CN" altLang="en-US" sz="1800" b="1"/>
+              <a:t> </a:t>
+            </a:r>
+            <a:r>
+              <a:rPr kumimoji="1" lang="en-US" altLang="zh-CN" sz="1800" b="1"/>
+              <a:t>ptr</a:t>
+            </a:r>
+            <a:endParaRPr kumimoji="1" lang="zh-CN" altLang="en-US" sz="1800" b="1"/>
+          </a:p>
+        </p:txBody>
+      </p:sp>
+      <p:sp>
+        <p:nvSpPr>
+          <p:cNvPr id="57" name="文本框 56"/>
+          <p:cNvSpPr txBox="1"/>
+          <p:nvPr/>
+        </p:nvSpPr>
+        <p:spPr>
+          <a:xfrm>
+            <a:off x="1071989" y="6459561"/>
+            <a:ext cx="5439311" cy="369332"/>
+          </a:xfrm>
+          <a:prstGeom prst="rect">
+            <a:avLst/>
+          </a:prstGeom>
+          <a:noFill/>
+          <a:ln>
+            <a:solidFill>
+              <a:schemeClr val="tx1"/>
+            </a:solidFill>
+          </a:ln>
+        </p:spPr>
+        <p:txBody>
+          <a:bodyPr wrap="square" rtlCol="0">
+            <a:spAutoFit/>
+          </a:bodyPr>
+          <a:lstStyle/>
+          <a:p>
+            <a:r>
+              <a:rPr kumimoji="1" lang="en-US" altLang="zh-CN" sz="1800"/>
+              <a:t>binder_uintptr_t</a:t>
+            </a:r>
+            <a:r>
+              <a:rPr kumimoji="1" lang="zh-CN" altLang="en-US" sz="1800"/>
+              <a:t> </a:t>
+            </a:r>
+            <a:r>
+              <a:rPr kumimoji="1" lang="en-US" altLang="zh-CN" sz="1800"/>
+              <a:t>buffer</a:t>
+            </a:r>
+            <a:r>
+              <a:rPr kumimoji="1" lang="zh-CN" altLang="en-US" sz="1800"/>
+              <a:t> </a:t>
+            </a:r>
+            <a:r>
+              <a:rPr kumimoji="1" lang="en-US" altLang="zh-CN" sz="1800"/>
+              <a:t>:</a:t>
+            </a:r>
+            <a:r>
+              <a:rPr kumimoji="1" lang="zh-CN" altLang="en-US" sz="1800"/>
+              <a:t> </a:t>
+            </a:r>
+            <a:r>
+              <a:rPr kumimoji="1" lang="en-US" altLang="zh-CN" sz="1800">
+                <a:solidFill>
+                  <a:schemeClr val="accent5"/>
+                </a:solidFill>
+              </a:rPr>
+              <a:t>data.ipcData()</a:t>
+            </a:r>
+            <a:endParaRPr kumimoji="1" lang="zh-CN" altLang="en-US" sz="1800">
+              <a:solidFill>
+                <a:schemeClr val="accent5"/>
+              </a:solidFill>
+            </a:endParaRPr>
+          </a:p>
+        </p:txBody>
+      </p:sp>
+      <p:sp>
+        <p:nvSpPr>
+          <p:cNvPr id="58" name="文本框 57"/>
+          <p:cNvSpPr txBox="1"/>
+          <p:nvPr/>
+        </p:nvSpPr>
+        <p:spPr>
+          <a:xfrm>
+            <a:off x="1071989" y="6831925"/>
+            <a:ext cx="5439311" cy="369332"/>
+          </a:xfrm>
+          <a:prstGeom prst="rect">
+            <a:avLst/>
+          </a:prstGeom>
+          <a:noFill/>
+          <a:ln>
+            <a:solidFill>
+              <a:schemeClr val="tx1"/>
+            </a:solidFill>
+          </a:ln>
+        </p:spPr>
+        <p:txBody>
+          <a:bodyPr wrap="square" rtlCol="0">
+            <a:spAutoFit/>
+          </a:bodyPr>
+          <a:lstStyle/>
+          <a:p>
+            <a:r>
+              <a:rPr kumimoji="1" lang="en-US" altLang="zh-CN" sz="1800"/>
+              <a:t>binder_uintptr_t</a:t>
+            </a:r>
+            <a:r>
+              <a:rPr kumimoji="1" lang="zh-CN" altLang="en-US" sz="1800"/>
+              <a:t> </a:t>
+            </a:r>
+            <a:r>
+              <a:rPr kumimoji="1" lang="en-US" altLang="zh-CN" sz="1800"/>
+              <a:t>offsets</a:t>
+            </a:r>
+            <a:r>
+              <a:rPr kumimoji="1" lang="zh-CN" altLang="en-US" sz="1800"/>
+              <a:t> </a:t>
+            </a:r>
+            <a:r>
+              <a:rPr kumimoji="1" lang="en-US" altLang="zh-CN" sz="1800"/>
+              <a:t>:</a:t>
+            </a:r>
+            <a:r>
+              <a:rPr kumimoji="1" lang="zh-CN" altLang="en-US" sz="1800"/>
+              <a:t> </a:t>
+            </a:r>
+            <a:r>
+              <a:rPr kumimoji="1" lang="en-US" altLang="zh-CN" sz="1800">
+                <a:solidFill>
+                  <a:schemeClr val="accent5"/>
+                </a:solidFill>
+              </a:rPr>
+              <a:t>data.ipcObjects()</a:t>
+            </a:r>
+            <a:endParaRPr kumimoji="1" lang="zh-CN" altLang="en-US" sz="1800">
+              <a:solidFill>
+                <a:schemeClr val="accent5"/>
+              </a:solidFill>
+            </a:endParaRPr>
+          </a:p>
+        </p:txBody>
+      </p:sp>
+      <p:sp>
+        <p:nvSpPr>
+          <p:cNvPr id="59" name="矩形 58"/>
+          <p:cNvSpPr/>
+          <p:nvPr/>
+        </p:nvSpPr>
+        <p:spPr>
+          <a:xfrm>
+            <a:off x="950745" y="6145700"/>
+            <a:ext cx="5595351" cy="1198449"/>
+          </a:xfrm>
+          <a:prstGeom prst="rect">
+            <a:avLst/>
+          </a:prstGeom>
+          <a:noFill/>
+          <a:ln>
+            <a:solidFill>
+              <a:schemeClr val="tx1"/>
+            </a:solidFill>
+          </a:ln>
+        </p:spPr>
+        <p:style>
+          <a:lnRef idx="2">
+            <a:schemeClr val="accent1">
+              <a:shade val="50000"/>
+            </a:schemeClr>
+          </a:lnRef>
+          <a:fillRef idx="1">
+            <a:schemeClr val="accent1"/>
+          </a:fillRef>
+          <a:effectRef idx="0">
+            <a:schemeClr val="accent1"/>
+          </a:effectRef>
+          <a:fontRef idx="minor">
+            <a:schemeClr val="lt1"/>
+          </a:fontRef>
+        </p:style>
+        <p:txBody>
+          <a:bodyPr rot="0" spcFirstLastPara="0" vertOverflow="overflow" horzOverflow="overflow" vert="horz" wrap="square" lIns="128016" tIns="64008" rIns="128016" bIns="64008" numCol="1" spcCol="0" rtlCol="0" fromWordArt="0" anchor="ctr" anchorCtr="0" forceAA="0" compatLnSpc="1">
+            <a:prstTxWarp prst="textNoShape">
+              <a:avLst/>
+            </a:prstTxWarp>
+            <a:noAutofit/>
+          </a:bodyPr>
+          <a:lstStyle/>
+          <a:p>
+            <a:pPr algn="ctr"/>
+            <a:endParaRPr kumimoji="1" lang="zh-CN" altLang="en-US" sz="2964"/>
+          </a:p>
+        </p:txBody>
+      </p:sp>
+      <p:sp>
+        <p:nvSpPr>
+          <p:cNvPr id="60" name="矩形 59"/>
+          <p:cNvSpPr/>
+          <p:nvPr/>
+        </p:nvSpPr>
+        <p:spPr>
+          <a:xfrm>
+            <a:off x="878108" y="2218004"/>
+            <a:ext cx="5766026" cy="5541695"/>
+          </a:xfrm>
+          <a:prstGeom prst="rect">
+            <a:avLst/>
+          </a:prstGeom>
+          <a:noFill/>
+          <a:ln>
+            <a:solidFill>
+              <a:schemeClr val="tx1"/>
+            </a:solidFill>
+          </a:ln>
+        </p:spPr>
+        <p:style>
+          <a:lnRef idx="2">
+            <a:schemeClr val="accent1">
+              <a:shade val="50000"/>
+            </a:schemeClr>
+          </a:lnRef>
+          <a:fillRef idx="1">
+            <a:schemeClr val="accent1"/>
+          </a:fillRef>
+          <a:effectRef idx="0">
+            <a:schemeClr val="accent1"/>
+          </a:effectRef>
+          <a:fontRef idx="minor">
+            <a:schemeClr val="lt1"/>
+          </a:fontRef>
+        </p:style>
+        <p:txBody>
+          <a:bodyPr rot="0" spcFirstLastPara="0" vertOverflow="overflow" horzOverflow="overflow" vert="horz" wrap="square" lIns="128016" tIns="64008" rIns="128016" bIns="64008" numCol="1" spcCol="0" rtlCol="0" fromWordArt="0" anchor="ctr" anchorCtr="0" forceAA="0" compatLnSpc="1">
+            <a:prstTxWarp prst="textNoShape">
+              <a:avLst/>
+            </a:prstTxWarp>
+            <a:noAutofit/>
+          </a:bodyPr>
+          <a:lstStyle/>
+          <a:p>
+            <a:pPr algn="ctr"/>
+            <a:endParaRPr kumimoji="1" lang="zh-CN" altLang="en-US" sz="2964"/>
+          </a:p>
+        </p:txBody>
+      </p:sp>
+      <p:sp>
+        <p:nvSpPr>
+          <p:cNvPr id="61" name="文本框 60"/>
+          <p:cNvSpPr txBox="1"/>
+          <p:nvPr/>
+        </p:nvSpPr>
+        <p:spPr>
+          <a:xfrm>
+            <a:off x="950745" y="3654554"/>
+            <a:ext cx="5595351" cy="369332"/>
+          </a:xfrm>
+          <a:prstGeom prst="rect">
+            <a:avLst/>
+          </a:prstGeom>
+          <a:noFill/>
+          <a:ln>
+            <a:solidFill>
+              <a:schemeClr val="tx1"/>
+            </a:solidFill>
+          </a:ln>
+        </p:spPr>
+        <p:txBody>
+          <a:bodyPr wrap="square" rtlCol="0">
+            <a:spAutoFit/>
+          </a:bodyPr>
+          <a:lstStyle/>
+          <a:p>
+            <a:r>
+              <a:rPr kumimoji="1" lang="en-US" altLang="zh-CN" sz="1800"/>
+              <a:t>__u32</a:t>
+            </a:r>
+            <a:r>
+              <a:rPr kumimoji="1" lang="zh-CN" altLang="en-US" sz="1800"/>
+              <a:t> </a:t>
+            </a:r>
+            <a:r>
+              <a:rPr kumimoji="1" lang="en-US" altLang="zh-CN" sz="1800"/>
+              <a:t>code:</a:t>
+            </a:r>
+            <a:r>
+              <a:rPr kumimoji="1" lang="zh-CN" altLang="en-US" sz="1800"/>
+              <a:t> </a:t>
+            </a:r>
+            <a:r>
+              <a:rPr kumimoji="1" lang="en-US" altLang="zh-CN" sz="1800">
+                <a:solidFill>
+                  <a:schemeClr val="accent5"/>
+                </a:solidFill>
+              </a:rPr>
+              <a:t>ADD_SERVICE_TRANSACTION</a:t>
+            </a:r>
+            <a:endParaRPr kumimoji="1" lang="zh-CN" altLang="en-US" sz="1800">
+              <a:solidFill>
+                <a:schemeClr val="accent5"/>
+              </a:solidFill>
+            </a:endParaRPr>
+          </a:p>
+        </p:txBody>
+      </p:sp>
+      <p:sp>
+        <p:nvSpPr>
+          <p:cNvPr id="62" name="文本框 61"/>
+          <p:cNvSpPr txBox="1"/>
+          <p:nvPr/>
+        </p:nvSpPr>
+        <p:spPr>
+          <a:xfrm>
+            <a:off x="950745" y="4027336"/>
+            <a:ext cx="5595351" cy="369332"/>
+          </a:xfrm>
+          <a:prstGeom prst="rect">
+            <a:avLst/>
+          </a:prstGeom>
+          <a:noFill/>
+          <a:ln>
+            <a:solidFill>
+              <a:schemeClr val="tx1"/>
+            </a:solidFill>
+          </a:ln>
+        </p:spPr>
+        <p:txBody>
+          <a:bodyPr wrap="square" rtlCol="0">
+            <a:spAutoFit/>
+          </a:bodyPr>
+          <a:lstStyle/>
+          <a:p>
+            <a:r>
+              <a:rPr kumimoji="1" lang="en-US" altLang="zh-CN" sz="1800"/>
+              <a:t>__u32</a:t>
+            </a:r>
+            <a:r>
+              <a:rPr kumimoji="1" lang="zh-CN" altLang="en-US" sz="1800"/>
+              <a:t> </a:t>
+            </a:r>
+            <a:r>
+              <a:rPr kumimoji="1" lang="en-US" altLang="zh-CN" sz="1800"/>
+              <a:t>flags:</a:t>
+            </a:r>
+            <a:r>
+              <a:rPr kumimoji="1" lang="zh-CN" altLang="en-US" sz="1800"/>
+              <a:t> </a:t>
+            </a:r>
+            <a:r>
+              <a:rPr kumimoji="1" lang="en-US" altLang="zh-CN" sz="1800">
+                <a:solidFill>
+                  <a:schemeClr val="accent5"/>
+                </a:solidFill>
+              </a:rPr>
+              <a:t>TF_ACCEPT_FDS</a:t>
+            </a:r>
+            <a:endParaRPr kumimoji="1" lang="zh-CN" altLang="en-US" sz="1800">
+              <a:solidFill>
+                <a:schemeClr val="accent5"/>
+              </a:solidFill>
+            </a:endParaRPr>
+          </a:p>
+        </p:txBody>
+      </p:sp>
+      <p:sp>
+        <p:nvSpPr>
+          <p:cNvPr id="63" name="文本框 62"/>
+          <p:cNvSpPr txBox="1"/>
+          <p:nvPr/>
+        </p:nvSpPr>
+        <p:spPr>
+          <a:xfrm>
+            <a:off x="878108" y="1802454"/>
+            <a:ext cx="5766026" cy="369332"/>
+          </a:xfrm>
+          <a:prstGeom prst="rect">
+            <a:avLst/>
+          </a:prstGeom>
+          <a:noFill/>
+          <a:ln>
+            <a:solidFill>
+              <a:schemeClr val="tx1"/>
+            </a:solidFill>
+          </a:ln>
+        </p:spPr>
+        <p:txBody>
+          <a:bodyPr wrap="square" rtlCol="0">
+            <a:spAutoFit/>
+          </a:bodyPr>
+          <a:lstStyle/>
+          <a:p>
+            <a:r>
+              <a:rPr kumimoji="1" lang="en-US" altLang="zh-CN" sz="1800"/>
+              <a:t>cmd:</a:t>
+            </a:r>
+            <a:r>
+              <a:rPr kumimoji="1" lang="zh-CN" altLang="en-US" sz="1800"/>
+              <a:t> </a:t>
+            </a:r>
+            <a:r>
+              <a:rPr kumimoji="1" lang="en-US" altLang="zh-CN" sz="1800">
+                <a:solidFill>
+                  <a:schemeClr val="accent5"/>
+                </a:solidFill>
+              </a:rPr>
+              <a:t>BC_TRANSACTINO</a:t>
+            </a:r>
+            <a:r>
+              <a:rPr kumimoji="1" lang="zh-CN" altLang="en-US" sz="1800">
+                <a:solidFill>
+                  <a:schemeClr val="accent5"/>
+                </a:solidFill>
+              </a:rPr>
+              <a:t> </a:t>
+            </a:r>
+          </a:p>
+        </p:txBody>
+      </p:sp>
+      <p:grpSp>
+        <p:nvGrpSpPr>
+          <p:cNvPr id="64" name="组 63"/>
+          <p:cNvGrpSpPr/>
+          <p:nvPr/>
+        </p:nvGrpSpPr>
+        <p:grpSpPr>
+          <a:xfrm>
+            <a:off x="8152690" y="2603591"/>
+            <a:ext cx="5696117" cy="6032409"/>
+            <a:chOff x="8152690" y="2603591"/>
+            <a:chExt cx="5696117" cy="6032409"/>
+          </a:xfrm>
+        </p:grpSpPr>
+        <p:sp>
+          <p:nvSpPr>
+            <p:cNvPr id="75" name="文本框 74"/>
+            <p:cNvSpPr txBox="1"/>
+            <p:nvPr/>
+          </p:nvSpPr>
+          <p:spPr>
+            <a:xfrm>
+              <a:off x="8216190" y="2603591"/>
+              <a:ext cx="5206986" cy="369332"/>
+            </a:xfrm>
+            <a:prstGeom prst="rect">
+              <a:avLst/>
+            </a:prstGeom>
+            <a:noFill/>
+          </p:spPr>
+          <p:txBody>
+            <a:bodyPr wrap="square" rtlCol="0">
+              <a:spAutoFit/>
+            </a:bodyPr>
+            <a:lstStyle/>
+            <a:p>
+              <a:r>
+                <a:rPr kumimoji="1" lang="en-US" altLang="zh-CN" sz="1800"/>
+                <a:t>Parcel</a:t>
+              </a:r>
+              <a:r>
+                <a:rPr kumimoji="1" lang="zh-CN" altLang="en-US" sz="1800"/>
+                <a:t> </a:t>
+              </a:r>
+              <a:r>
+                <a:rPr kumimoji="1" lang="en-US" altLang="zh-CN" sz="1800"/>
+                <a:t>data</a:t>
+              </a:r>
+              <a:endParaRPr kumimoji="1" lang="zh-CN" altLang="en-US" sz="1800"/>
+            </a:p>
+          </p:txBody>
+        </p:sp>
+        <p:sp>
+          <p:nvSpPr>
+            <p:cNvPr id="76" name="文本框 75"/>
+            <p:cNvSpPr txBox="1"/>
+            <p:nvPr/>
+          </p:nvSpPr>
+          <p:spPr>
+            <a:xfrm>
+              <a:off x="8304581" y="4773397"/>
+              <a:ext cx="5017007" cy="369332"/>
+            </a:xfrm>
+            <a:prstGeom prst="rect">
+              <a:avLst/>
+            </a:prstGeom>
+            <a:noFill/>
+            <a:ln>
+              <a:solidFill>
+                <a:schemeClr val="tx1"/>
+              </a:solidFill>
+            </a:ln>
+          </p:spPr>
+          <p:txBody>
+            <a:bodyPr wrap="square" rtlCol="0">
+              <a:spAutoFit/>
+            </a:bodyPr>
+            <a:lstStyle/>
+            <a:p>
+              <a:r>
+                <a:rPr kumimoji="1" lang="en-US" altLang="zh-CN" sz="1800"/>
+                <a:t>__u32</a:t>
+              </a:r>
+              <a:r>
+                <a:rPr kumimoji="1" lang="zh-CN" altLang="en-US" sz="1800"/>
+                <a:t> </a:t>
+              </a:r>
+              <a:r>
+                <a:rPr kumimoji="1" lang="en-US" altLang="zh-CN" sz="1800"/>
+                <a:t>type</a:t>
+              </a:r>
+              <a:r>
+                <a:rPr kumimoji="1" lang="zh-CN" altLang="en-US" sz="1800"/>
+                <a:t> </a:t>
+              </a:r>
+              <a:r>
+                <a:rPr kumimoji="1" lang="en-US" altLang="zh-CN" sz="1800"/>
+                <a:t>:</a:t>
+              </a:r>
+              <a:r>
+                <a:rPr kumimoji="1" lang="zh-CN" altLang="en-US" sz="1800"/>
+                <a:t> </a:t>
+              </a:r>
+              <a:r>
+                <a:rPr kumimoji="1" lang="en-US" altLang="zh-CN" sz="1800">
+                  <a:solidFill>
+                    <a:schemeClr val="accent1"/>
+                  </a:solidFill>
+                </a:rPr>
+                <a:t>BINDER_TYPE_BINDER</a:t>
+              </a:r>
+              <a:endParaRPr kumimoji="1" lang="zh-CN" altLang="en-US" sz="1800">
+                <a:solidFill>
+                  <a:schemeClr val="accent1"/>
+                </a:solidFill>
+              </a:endParaRPr>
+            </a:p>
+          </p:txBody>
+        </p:sp>
+        <p:sp>
+          <p:nvSpPr>
+            <p:cNvPr id="77" name="文本框 76"/>
+            <p:cNvSpPr txBox="1"/>
+            <p:nvPr/>
+          </p:nvSpPr>
+          <p:spPr>
+            <a:xfrm>
+              <a:off x="8304584" y="5142729"/>
+              <a:ext cx="5017005" cy="646331"/>
+            </a:xfrm>
+            <a:prstGeom prst="rect">
+              <a:avLst/>
+            </a:prstGeom>
+            <a:noFill/>
+            <a:ln>
+              <a:solidFill>
+                <a:schemeClr val="tx1"/>
+              </a:solidFill>
+            </a:ln>
+          </p:spPr>
+          <p:txBody>
+            <a:bodyPr wrap="square" rtlCol="0">
+              <a:spAutoFit/>
+            </a:bodyPr>
+            <a:lstStyle/>
+            <a:p>
+              <a:r>
+                <a:rPr kumimoji="1" lang="en-US" altLang="zh-CN" sz="1800"/>
+                <a:t>__u32</a:t>
+              </a:r>
+              <a:r>
+                <a:rPr kumimoji="1" lang="zh-CN" altLang="en-US" sz="1800"/>
+                <a:t> </a:t>
+              </a:r>
+              <a:r>
+                <a:rPr kumimoji="1" lang="en-US" altLang="zh-CN" sz="1800"/>
+                <a:t>flags</a:t>
+              </a:r>
+              <a:r>
+                <a:rPr kumimoji="1" lang="zh-CN" altLang="en-US" sz="1800"/>
+                <a:t> </a:t>
+              </a:r>
+              <a:r>
+                <a:rPr kumimoji="1" lang="en-US" altLang="zh-CN" sz="1800"/>
+                <a:t>:</a:t>
+              </a:r>
+              <a:r>
+                <a:rPr kumimoji="1" lang="zh-CN" altLang="en-US" sz="1800"/>
+                <a:t> </a:t>
+              </a:r>
+            </a:p>
+            <a:p>
+              <a:r>
+                <a:rPr kumimoji="1" lang="en-US" altLang="zh-CN" sz="1800">
+                  <a:solidFill>
+                    <a:schemeClr val="accent6"/>
+                  </a:solidFill>
+                </a:rPr>
+                <a:t>0x7f | FLAT_BINDER_FLAG_ACCEPTS_FDS</a:t>
+              </a:r>
+              <a:endParaRPr kumimoji="1" lang="zh-CN" altLang="en-US" sz="1800">
+                <a:solidFill>
+                  <a:schemeClr val="accent6"/>
+                </a:solidFill>
+              </a:endParaRPr>
+            </a:p>
+          </p:txBody>
+        </p:sp>
+        <p:sp>
+          <p:nvSpPr>
+            <p:cNvPr id="78" name="文本框 77"/>
+            <p:cNvSpPr txBox="1"/>
+            <p:nvPr/>
+          </p:nvSpPr>
+          <p:spPr>
+            <a:xfrm>
+              <a:off x="8304583" y="5790563"/>
+              <a:ext cx="5017007" cy="923330"/>
+            </a:xfrm>
+            <a:prstGeom prst="rect">
+              <a:avLst/>
+            </a:prstGeom>
+            <a:noFill/>
+            <a:ln>
+              <a:solidFill>
+                <a:schemeClr val="tx1"/>
+              </a:solidFill>
+            </a:ln>
+          </p:spPr>
+          <p:txBody>
+            <a:bodyPr wrap="square" rtlCol="0">
+              <a:spAutoFit/>
+            </a:bodyPr>
+            <a:lstStyle/>
+            <a:p>
+              <a:r>
+                <a:rPr kumimoji="1" lang="en-US" altLang="zh-CN" sz="1800"/>
+                <a:t>binder_uintptr_t</a:t>
+              </a:r>
+              <a:r>
+                <a:rPr kumimoji="1" lang="zh-CN" altLang="en-US" sz="1800"/>
+                <a:t> </a:t>
+              </a:r>
+              <a:r>
+                <a:rPr kumimoji="1" lang="en-US" altLang="zh-CN" sz="1800"/>
+                <a:t>binder</a:t>
+              </a:r>
+              <a:r>
+                <a:rPr kumimoji="1" lang="zh-CN" altLang="en-US" sz="1800"/>
+                <a:t> </a:t>
+              </a:r>
+              <a:r>
+                <a:rPr kumimoji="1" lang="en-US" altLang="zh-CN" sz="1800"/>
+                <a:t>:</a:t>
+              </a:r>
+              <a:endParaRPr kumimoji="1" lang="zh-CN" altLang="en-US" sz="1800"/>
+            </a:p>
+            <a:p>
+              <a:r>
+                <a:rPr kumimoji="1" lang="en-US" altLang="zh-CN" sz="1800">
+                  <a:solidFill>
+                    <a:schemeClr val="accent1"/>
+                  </a:solidFill>
+                </a:rPr>
+                <a:t>service -&gt;getWeakRefs()</a:t>
+              </a:r>
+              <a:endParaRPr kumimoji="1" lang="zh-CN" altLang="en-US" sz="1800">
+                <a:solidFill>
+                  <a:schemeClr val="accent1"/>
+                </a:solidFill>
+              </a:endParaRPr>
+            </a:p>
+            <a:p>
+              <a:r>
+                <a:rPr kumimoji="1" lang="en-US" altLang="zh-CN" sz="1800">
+                  <a:solidFill>
+                    <a:schemeClr val="bg1">
+                      <a:lumMod val="65000"/>
+                    </a:schemeClr>
+                  </a:solidFill>
+                </a:rPr>
+                <a:t>__uu32</a:t>
+              </a:r>
+              <a:r>
+                <a:rPr kumimoji="1" lang="zh-CN" altLang="en-US" sz="1800">
+                  <a:solidFill>
+                    <a:schemeClr val="bg1">
+                      <a:lumMod val="65000"/>
+                    </a:schemeClr>
+                  </a:solidFill>
+                </a:rPr>
+                <a:t> </a:t>
+              </a:r>
+              <a:r>
+                <a:rPr kumimoji="1" lang="en-US" altLang="zh-CN" sz="1800">
+                  <a:solidFill>
+                    <a:schemeClr val="bg1">
+                      <a:lumMod val="65000"/>
+                    </a:schemeClr>
+                  </a:solidFill>
+                </a:rPr>
+                <a:t>handle</a:t>
+              </a:r>
+              <a:r>
+                <a:rPr kumimoji="1" lang="zh-CN" altLang="en-US" sz="1800">
+                  <a:solidFill>
+                    <a:schemeClr val="bg1">
+                      <a:lumMod val="65000"/>
+                    </a:schemeClr>
+                  </a:solidFill>
+                </a:rPr>
+                <a:t> </a:t>
+              </a:r>
+              <a:r>
+                <a:rPr kumimoji="1" lang="en-US" altLang="zh-CN" sz="1800">
+                  <a:solidFill>
+                    <a:schemeClr val="bg1">
+                      <a:lumMod val="65000"/>
+                    </a:schemeClr>
+                  </a:solidFill>
+                </a:rPr>
+                <a:t>:</a:t>
+              </a:r>
+              <a:endParaRPr kumimoji="1" lang="zh-CN" altLang="en-US" sz="1800">
+                <a:solidFill>
+                  <a:srgbClr val="FF0000"/>
+                </a:solidFill>
+              </a:endParaRPr>
+            </a:p>
+          </p:txBody>
+        </p:sp>
+        <p:sp>
+          <p:nvSpPr>
+            <p:cNvPr id="79" name="文本框 78"/>
+            <p:cNvSpPr txBox="1"/>
+            <p:nvPr/>
+          </p:nvSpPr>
+          <p:spPr>
+            <a:xfrm>
+              <a:off x="8304582" y="6716294"/>
+              <a:ext cx="5017007" cy="369332"/>
+            </a:xfrm>
+            <a:prstGeom prst="rect">
+              <a:avLst/>
+            </a:prstGeom>
+            <a:noFill/>
+            <a:ln>
+              <a:solidFill>
+                <a:schemeClr val="tx1"/>
+              </a:solidFill>
+            </a:ln>
+          </p:spPr>
+          <p:txBody>
+            <a:bodyPr wrap="square" rtlCol="0">
+              <a:spAutoFit/>
+            </a:bodyPr>
+            <a:lstStyle/>
+            <a:p>
+              <a:r>
+                <a:rPr kumimoji="1" lang="en-US" altLang="zh-CN" sz="1800"/>
+                <a:t>binder_uintptr_t</a:t>
+              </a:r>
+              <a:r>
+                <a:rPr kumimoji="1" lang="zh-CN" altLang="en-US" sz="1800"/>
+                <a:t> </a:t>
+              </a:r>
+              <a:r>
+                <a:rPr kumimoji="1" lang="en-US" altLang="zh-CN" sz="1800"/>
+                <a:t>cookie:</a:t>
+              </a:r>
+              <a:r>
+                <a:rPr kumimoji="1" lang="zh-CN" altLang="en-US" sz="1800"/>
+                <a:t> </a:t>
+              </a:r>
+              <a:r>
+                <a:rPr kumimoji="1" lang="en-US" altLang="zh-CN" sz="1800">
+                  <a:solidFill>
+                    <a:schemeClr val="accent1"/>
+                  </a:solidFill>
+                </a:rPr>
+                <a:t>service</a:t>
+              </a:r>
+              <a:endParaRPr kumimoji="1" lang="zh-CN" altLang="en-US" sz="1800">
+                <a:solidFill>
+                  <a:schemeClr val="accent1"/>
+                </a:solidFill>
+              </a:endParaRPr>
+            </a:p>
+          </p:txBody>
+        </p:sp>
+        <p:sp>
+          <p:nvSpPr>
+            <p:cNvPr id="80" name="文本框 79"/>
+            <p:cNvSpPr txBox="1"/>
+            <p:nvPr/>
+          </p:nvSpPr>
+          <p:spPr>
+            <a:xfrm>
+              <a:off x="8216190" y="3437107"/>
+              <a:ext cx="5206986" cy="646331"/>
+            </a:xfrm>
+            <a:prstGeom prst="rect">
+              <a:avLst/>
+            </a:prstGeom>
+            <a:noFill/>
+            <a:ln>
+              <a:solidFill>
+                <a:schemeClr val="tx1"/>
+              </a:solidFill>
+            </a:ln>
+          </p:spPr>
+          <p:txBody>
+            <a:bodyPr wrap="square" rtlCol="0">
+              <a:spAutoFit/>
+            </a:bodyPr>
+            <a:lstStyle/>
+            <a:p>
+              <a:r>
+                <a:rPr kumimoji="1" lang="en-US" altLang="zh-CN" sz="1800"/>
+                <a:t>InterfaceToken:</a:t>
+              </a:r>
+              <a:r>
+                <a:rPr kumimoji="1" lang="zh-CN" altLang="en-US" sz="1800"/>
+                <a:t> </a:t>
+              </a:r>
+            </a:p>
+            <a:p>
+              <a:r>
+                <a:rPr kumimoji="1" lang="en-US" altLang="zh-CN" sz="1800">
+                  <a:solidFill>
+                    <a:schemeClr val="accent5"/>
+                  </a:solidFill>
+                </a:rPr>
+                <a:t>“android.os.IServiceManager”</a:t>
+              </a:r>
+              <a:endParaRPr kumimoji="1" lang="zh-CN" altLang="en-US" sz="1800">
+                <a:solidFill>
+                  <a:schemeClr val="accent5"/>
+                </a:solidFill>
+              </a:endParaRPr>
+            </a:p>
+          </p:txBody>
+        </p:sp>
+        <p:sp>
+          <p:nvSpPr>
+            <p:cNvPr id="81" name="文本框 80"/>
+            <p:cNvSpPr txBox="1"/>
+            <p:nvPr/>
+          </p:nvSpPr>
+          <p:spPr>
+            <a:xfrm>
+              <a:off x="8216190" y="4091328"/>
+              <a:ext cx="5206986" cy="369333"/>
+            </a:xfrm>
+            <a:prstGeom prst="rect">
+              <a:avLst/>
+            </a:prstGeom>
+            <a:noFill/>
+            <a:ln>
+              <a:solidFill>
+                <a:schemeClr val="tx1"/>
+              </a:solidFill>
+            </a:ln>
+          </p:spPr>
+          <p:txBody>
+            <a:bodyPr wrap="square" rtlCol="0">
+              <a:spAutoFit/>
+            </a:bodyPr>
+            <a:lstStyle/>
+            <a:p>
+              <a:r>
+                <a:rPr kumimoji="1" lang="en-US" altLang="zh-CN" sz="1800"/>
+                <a:t>String16</a:t>
+              </a:r>
+              <a:r>
+                <a:rPr kumimoji="1" lang="zh-CN" altLang="en-US" sz="1800"/>
+                <a:t> </a:t>
+              </a:r>
+              <a:r>
+                <a:rPr kumimoji="1" lang="en-US" altLang="zh-CN" sz="1800"/>
+                <a:t>name</a:t>
+              </a:r>
+              <a:r>
+                <a:rPr kumimoji="1" lang="zh-CN" altLang="en-US" sz="1800"/>
+                <a:t> </a:t>
+              </a:r>
+              <a:r>
+                <a:rPr kumimoji="1" lang="en-US" altLang="zh-CN" sz="1800"/>
+                <a:t>:</a:t>
+              </a:r>
+              <a:r>
+                <a:rPr kumimoji="1" lang="zh-CN" altLang="en-US" sz="1800"/>
+                <a:t> </a:t>
+              </a:r>
+              <a:r>
+                <a:rPr kumimoji="1" lang="en-US" altLang="zh-CN" sz="1800">
+                  <a:solidFill>
+                    <a:schemeClr val="accent5"/>
+                  </a:solidFill>
+                </a:rPr>
+                <a:t>“service.testservice”</a:t>
+              </a:r>
+              <a:endParaRPr kumimoji="1" lang="zh-CN" altLang="en-US" sz="1800">
+                <a:solidFill>
+                  <a:schemeClr val="accent5"/>
+                </a:solidFill>
+              </a:endParaRPr>
+            </a:p>
+          </p:txBody>
+        </p:sp>
+        <p:sp>
+          <p:nvSpPr>
+            <p:cNvPr id="82" name="文本框 81"/>
+            <p:cNvSpPr txBox="1"/>
+            <p:nvPr/>
+          </p:nvSpPr>
+          <p:spPr>
+            <a:xfrm>
+              <a:off x="8216190" y="7196629"/>
+              <a:ext cx="5206986" cy="369333"/>
+            </a:xfrm>
+            <a:prstGeom prst="rect">
+              <a:avLst/>
+            </a:prstGeom>
+            <a:noFill/>
+            <a:ln>
+              <a:solidFill>
+                <a:schemeClr val="tx1"/>
+              </a:solidFill>
+            </a:ln>
+          </p:spPr>
+          <p:txBody>
+            <a:bodyPr wrap="square" rtlCol="0">
+              <a:spAutoFit/>
+            </a:bodyPr>
+            <a:lstStyle/>
+            <a:p>
+              <a:r>
+                <a:rPr kumimoji="1" lang="en-US" altLang="zh-CN" sz="1800"/>
+                <a:t>Int32</a:t>
+              </a:r>
+              <a:r>
+                <a:rPr kumimoji="1" lang="zh-CN" altLang="en-US" sz="1800"/>
+                <a:t> </a:t>
+              </a:r>
+              <a:r>
+                <a:rPr kumimoji="1" lang="en-US" altLang="zh-CN" sz="1800"/>
+                <a:t>allowIsolated</a:t>
+              </a:r>
+              <a:r>
+                <a:rPr kumimoji="1" lang="zh-CN" altLang="en-US" sz="1800"/>
+                <a:t> </a:t>
+              </a:r>
+              <a:r>
+                <a:rPr kumimoji="1" lang="en-US" altLang="zh-CN" sz="1800"/>
+                <a:t>:</a:t>
+              </a:r>
+              <a:r>
+                <a:rPr kumimoji="1" lang="zh-CN" altLang="en-US" sz="1800"/>
+                <a:t> </a:t>
+              </a:r>
+              <a:r>
+                <a:rPr kumimoji="1" lang="en-US" altLang="zh-CN" sz="1800">
+                  <a:solidFill>
+                    <a:schemeClr val="accent5"/>
+                  </a:solidFill>
+                </a:rPr>
+                <a:t>0</a:t>
+              </a:r>
+              <a:endParaRPr kumimoji="1" lang="zh-CN" altLang="en-US" sz="1800">
+                <a:solidFill>
+                  <a:schemeClr val="accent5"/>
+                </a:solidFill>
+              </a:endParaRPr>
+            </a:p>
+          </p:txBody>
+        </p:sp>
+        <p:sp>
+          <p:nvSpPr>
+            <p:cNvPr id="83" name="文本框 82"/>
+            <p:cNvSpPr txBox="1"/>
+            <p:nvPr/>
+          </p:nvSpPr>
+          <p:spPr>
+            <a:xfrm>
+              <a:off x="8304581" y="4417032"/>
+              <a:ext cx="5017004" cy="369332"/>
+            </a:xfrm>
+            <a:prstGeom prst="rect">
+              <a:avLst/>
+            </a:prstGeom>
+            <a:noFill/>
+          </p:spPr>
+          <p:txBody>
+            <a:bodyPr wrap="square" rtlCol="0">
+              <a:spAutoFit/>
+            </a:bodyPr>
+            <a:lstStyle/>
+            <a:p>
+              <a:r>
+                <a:rPr kumimoji="1" lang="en-US" altLang="zh-CN" sz="1800"/>
+                <a:t>flat_binder_object</a:t>
+              </a:r>
+              <a:r>
+                <a:rPr kumimoji="1" lang="zh-CN" altLang="en-US" sz="1800"/>
+                <a:t> </a:t>
+              </a:r>
+              <a:r>
+                <a:rPr kumimoji="1" lang="en-US" altLang="zh-CN" sz="1800"/>
+                <a:t>service</a:t>
+              </a:r>
+              <a:r>
+                <a:rPr kumimoji="1" lang="zh-CN" altLang="en-US" sz="1800"/>
+                <a:t> </a:t>
+              </a:r>
+              <a:r>
+                <a:rPr kumimoji="1" lang="en-US" altLang="zh-CN" sz="1800"/>
+                <a:t>:</a:t>
+              </a:r>
+              <a:r>
+                <a:rPr kumimoji="1" lang="zh-CN" altLang="en-US" sz="1800"/>
+                <a:t> </a:t>
+              </a:r>
+              <a:r>
+                <a:rPr kumimoji="1" lang="en-US" altLang="zh-CN" sz="1800">
+                  <a:solidFill>
+                    <a:schemeClr val="accent1"/>
+                  </a:solidFill>
+                </a:rPr>
+                <a:t>new</a:t>
+              </a:r>
+              <a:r>
+                <a:rPr kumimoji="1" lang="zh-CN" altLang="en-US" sz="1800">
+                  <a:solidFill>
+                    <a:schemeClr val="accent1"/>
+                  </a:solidFill>
+                </a:rPr>
+                <a:t> </a:t>
+              </a:r>
+              <a:r>
+                <a:rPr kumimoji="1" lang="en-US" altLang="zh-CN" sz="1800">
+                  <a:solidFill>
+                    <a:schemeClr val="accent1"/>
+                  </a:solidFill>
+                </a:rPr>
+                <a:t>BnTestService</a:t>
+              </a:r>
+              <a:endParaRPr kumimoji="1" lang="zh-CN" altLang="en-US" sz="1800">
+                <a:solidFill>
+                  <a:schemeClr val="accent1"/>
+                </a:solidFill>
+              </a:endParaRPr>
+            </a:p>
+          </p:txBody>
+        </p:sp>
+        <p:sp>
+          <p:nvSpPr>
+            <p:cNvPr id="84" name="矩形 83"/>
+            <p:cNvSpPr/>
+            <p:nvPr/>
+          </p:nvSpPr>
+          <p:spPr>
+            <a:xfrm>
+              <a:off x="8216190" y="4455133"/>
+              <a:ext cx="5207000" cy="2742510"/>
+            </a:xfrm>
+            <a:prstGeom prst="rect">
+              <a:avLst/>
+            </a:prstGeom>
+            <a:noFill/>
+            <a:ln>
+              <a:solidFill>
+                <a:schemeClr val="tx1"/>
+              </a:solidFill>
+            </a:ln>
+          </p:spPr>
+          <p:style>
+            <a:lnRef idx="2">
+              <a:schemeClr val="accent1">
+                <a:shade val="50000"/>
+              </a:schemeClr>
+            </a:lnRef>
+            <a:fillRef idx="1">
+              <a:schemeClr val="accent1"/>
+            </a:fillRef>
+            <a:effectRef idx="0">
+              <a:schemeClr val="accent1"/>
+            </a:effectRef>
+            <a:fontRef idx="minor">
+              <a:schemeClr val="lt1"/>
+            </a:fontRef>
+          </p:style>
+          <p:txBody>
+            <a:bodyPr rtlCol="0" anchor="ctr"/>
+            <a:lstStyle/>
+            <a:p>
+              <a:pPr algn="ctr"/>
+              <a:endParaRPr kumimoji="1" lang="zh-CN" altLang="en-US"/>
+            </a:p>
+          </p:txBody>
+        </p:sp>
+        <p:sp>
+          <p:nvSpPr>
+            <p:cNvPr id="85" name="文本框 84"/>
+            <p:cNvSpPr txBox="1"/>
+            <p:nvPr/>
+          </p:nvSpPr>
+          <p:spPr>
+            <a:xfrm>
+              <a:off x="8253802" y="3073146"/>
+              <a:ext cx="5118561" cy="369332"/>
+            </a:xfrm>
+            <a:prstGeom prst="rect">
+              <a:avLst/>
+            </a:prstGeom>
+            <a:noFill/>
+          </p:spPr>
+          <p:txBody>
+            <a:bodyPr wrap="square" rtlCol="0">
+              <a:spAutoFit/>
+            </a:bodyPr>
+            <a:lstStyle/>
+            <a:p>
+              <a:r>
+                <a:rPr kumimoji="1" lang="en-US" altLang="zh-CN" sz="1800"/>
+                <a:t>mData</a:t>
+              </a:r>
+              <a:endParaRPr kumimoji="1" lang="zh-CN" altLang="en-US" sz="1800"/>
+            </a:p>
+          </p:txBody>
+        </p:sp>
+        <p:sp>
+          <p:nvSpPr>
+            <p:cNvPr id="86" name="文本框 85"/>
+            <p:cNvSpPr txBox="1"/>
+            <p:nvPr/>
+          </p:nvSpPr>
+          <p:spPr>
+            <a:xfrm>
+              <a:off x="8291885" y="7759700"/>
+              <a:ext cx="5118561" cy="369332"/>
+            </a:xfrm>
+            <a:prstGeom prst="rect">
+              <a:avLst/>
+            </a:prstGeom>
+            <a:noFill/>
+          </p:spPr>
+          <p:txBody>
+            <a:bodyPr wrap="square" rtlCol="0">
+              <a:spAutoFit/>
+            </a:bodyPr>
+            <a:lstStyle/>
+            <a:p>
+              <a:r>
+                <a:rPr kumimoji="1" lang="en-US" altLang="zh-CN" sz="1800"/>
+                <a:t>mObjects</a:t>
+              </a:r>
+              <a:endParaRPr kumimoji="1" lang="zh-CN" altLang="en-US" sz="1800"/>
+            </a:p>
+          </p:txBody>
+        </p:sp>
+        <p:sp>
+          <p:nvSpPr>
+            <p:cNvPr id="87" name="文本框 86"/>
+            <p:cNvSpPr txBox="1"/>
+            <p:nvPr/>
+          </p:nvSpPr>
+          <p:spPr>
+            <a:xfrm>
+              <a:off x="8291892" y="8129032"/>
+              <a:ext cx="5118564" cy="369332"/>
+            </a:xfrm>
+            <a:prstGeom prst="rect">
+              <a:avLst/>
+            </a:prstGeom>
+            <a:noFill/>
+            <a:ln>
+              <a:solidFill>
+                <a:schemeClr val="tx1"/>
+              </a:solidFill>
+            </a:ln>
+          </p:spPr>
+          <p:txBody>
+            <a:bodyPr wrap="square" rtlCol="0">
+              <a:spAutoFit/>
+            </a:bodyPr>
+            <a:lstStyle/>
+            <a:p>
+              <a:r>
+                <a:rPr kumimoji="1" lang="en-US" altLang="zh-CN" sz="1800"/>
+                <a:t>binder_size_t</a:t>
+              </a:r>
+              <a:r>
+                <a:rPr kumimoji="1" lang="zh-CN" altLang="en-US" sz="1800"/>
+                <a:t> </a:t>
+              </a:r>
+              <a:r>
+                <a:rPr kumimoji="1" lang="en-US" altLang="zh-CN" sz="1800"/>
+                <a:t>:</a:t>
+              </a:r>
+              <a:r>
+                <a:rPr kumimoji="1" lang="zh-CN" altLang="en-US" sz="1800"/>
+                <a:t> </a:t>
+              </a:r>
+            </a:p>
+          </p:txBody>
+        </p:sp>
+        <p:sp>
+          <p:nvSpPr>
+            <p:cNvPr id="88" name="任意形状 87"/>
+            <p:cNvSpPr/>
+            <p:nvPr/>
+          </p:nvSpPr>
+          <p:spPr>
+            <a:xfrm>
+              <a:off x="13411200" y="4483100"/>
+              <a:ext cx="437607" cy="3835400"/>
+            </a:xfrm>
+            <a:custGeom>
+              <a:avLst/>
+              <a:gdLst>
+                <a:gd name="connsiteX0" fmla="*/ 0 w 437607"/>
+                <a:gd name="connsiteY0" fmla="*/ 3835400 h 3835400"/>
+                <a:gd name="connsiteX1" fmla="*/ 342900 w 437607"/>
+                <a:gd name="connsiteY1" fmla="*/ 2997200 h 3835400"/>
+                <a:gd name="connsiteX2" fmla="*/ 419100 w 437607"/>
+                <a:gd name="connsiteY2" fmla="*/ 571500 h 3835400"/>
+                <a:gd name="connsiteX3" fmla="*/ 50800 w 437607"/>
+                <a:gd name="connsiteY3" fmla="*/ 0 h 3835400"/>
+              </a:gdLst>
+              <a:ahLst/>
+              <a:cxnLst>
+                <a:cxn ang="0">
+                  <a:pos x="connsiteX0" y="connsiteY0"/>
+                </a:cxn>
+                <a:cxn ang="0">
+                  <a:pos x="connsiteX1" y="connsiteY1"/>
+                </a:cxn>
+                <a:cxn ang="0">
+                  <a:pos x="connsiteX2" y="connsiteY2"/>
+                </a:cxn>
+                <a:cxn ang="0">
+                  <a:pos x="connsiteX3" y="connsiteY3"/>
+                </a:cxn>
+              </a:cxnLst>
+              <a:rect l="l" t="t" r="r" b="b"/>
+              <a:pathLst>
+                <a:path w="437607" h="3835400">
+                  <a:moveTo>
+                    <a:pt x="0" y="3835400"/>
+                  </a:moveTo>
+                  <a:cubicBezTo>
+                    <a:pt x="136525" y="3688291"/>
+                    <a:pt x="273050" y="3541183"/>
+                    <a:pt x="342900" y="2997200"/>
+                  </a:cubicBezTo>
+                  <a:cubicBezTo>
+                    <a:pt x="412750" y="2453217"/>
+                    <a:pt x="467783" y="1071033"/>
+                    <a:pt x="419100" y="571500"/>
+                  </a:cubicBezTo>
+                  <a:cubicBezTo>
+                    <a:pt x="370417" y="71967"/>
+                    <a:pt x="50800" y="0"/>
+                    <a:pt x="50800" y="0"/>
+                  </a:cubicBezTo>
+                </a:path>
+              </a:pathLst>
+            </a:custGeom>
+            <a:noFill/>
+            <a:ln>
+              <a:tailEnd type="arrow"/>
+            </a:ln>
+          </p:spPr>
+          <p:style>
+            <a:lnRef idx="2">
+              <a:schemeClr val="accent1">
+                <a:shade val="50000"/>
+              </a:schemeClr>
+            </a:lnRef>
+            <a:fillRef idx="1">
+              <a:schemeClr val="accent1"/>
+            </a:fillRef>
+            <a:effectRef idx="0">
+              <a:schemeClr val="accent1"/>
+            </a:effectRef>
+            <a:fontRef idx="minor">
+              <a:schemeClr val="lt1"/>
+            </a:fontRef>
+          </p:style>
+          <p:txBody>
+            <a:bodyPr rtlCol="0" anchor="ctr"/>
+            <a:lstStyle/>
+            <a:p>
+              <a:pPr algn="ctr"/>
+              <a:endParaRPr kumimoji="1" lang="zh-CN" altLang="en-US"/>
+            </a:p>
+          </p:txBody>
+        </p:sp>
+        <p:sp>
+          <p:nvSpPr>
+            <p:cNvPr id="89" name="矩形 88"/>
+            <p:cNvSpPr/>
+            <p:nvPr/>
+          </p:nvSpPr>
+          <p:spPr>
+            <a:xfrm>
+              <a:off x="8152690" y="3073146"/>
+              <a:ext cx="5347410" cy="5562854"/>
+            </a:xfrm>
+            <a:prstGeom prst="rect">
+              <a:avLst/>
+            </a:prstGeom>
+            <a:noFill/>
+            <a:ln>
+              <a:solidFill>
+                <a:schemeClr val="tx1"/>
+              </a:solidFill>
+              <a:prstDash val="dash"/>
+            </a:ln>
+          </p:spPr>
+          <p:style>
+            <a:lnRef idx="2">
+              <a:schemeClr val="accent1">
+                <a:shade val="50000"/>
+              </a:schemeClr>
+            </a:lnRef>
+            <a:fillRef idx="1">
+              <a:schemeClr val="accent1"/>
+            </a:fillRef>
+            <a:effectRef idx="0">
+              <a:schemeClr val="accent1"/>
+            </a:effectRef>
+            <a:fontRef idx="minor">
+              <a:schemeClr val="lt1"/>
+            </a:fontRef>
+          </p:style>
+          <p:txBody>
+            <a:bodyPr rtlCol="0" anchor="ctr"/>
+            <a:lstStyle/>
+            <a:p>
+              <a:pPr algn="ctr"/>
+              <a:endParaRPr kumimoji="1" lang="zh-CN" altLang="en-US"/>
+            </a:p>
+          </p:txBody>
+        </p:sp>
+      </p:grpSp>
+      <p:cxnSp>
+        <p:nvCxnSpPr>
+          <p:cNvPr id="65" name="直线连接符 64"/>
+          <p:cNvCxnSpPr/>
+          <p:nvPr/>
+        </p:nvCxnSpPr>
+        <p:spPr>
+          <a:xfrm>
+            <a:off x="13372363" y="3437107"/>
+            <a:ext cx="406400" cy="0"/>
+          </a:xfrm>
+          <a:prstGeom prst="line">
+            <a:avLst/>
+          </a:prstGeom>
+        </p:spPr>
+        <p:style>
+          <a:lnRef idx="1">
+            <a:schemeClr val="accent1"/>
+          </a:lnRef>
+          <a:fillRef idx="0">
+            <a:schemeClr val="accent1"/>
+          </a:fillRef>
+          <a:effectRef idx="0">
+            <a:schemeClr val="accent1"/>
+          </a:effectRef>
+          <a:fontRef idx="minor">
+            <a:schemeClr val="tx1"/>
+          </a:fontRef>
+        </p:style>
+      </p:cxnSp>
+      <p:cxnSp>
+        <p:nvCxnSpPr>
+          <p:cNvPr id="66" name="直线连接符 65"/>
+          <p:cNvCxnSpPr/>
+          <p:nvPr/>
+        </p:nvCxnSpPr>
+        <p:spPr>
+          <a:xfrm>
+            <a:off x="13410446" y="7565962"/>
+            <a:ext cx="406400" cy="0"/>
+          </a:xfrm>
+          <a:prstGeom prst="line">
+            <a:avLst/>
+          </a:prstGeom>
+        </p:spPr>
+        <p:style>
+          <a:lnRef idx="1">
+            <a:schemeClr val="accent1"/>
+          </a:lnRef>
+          <a:fillRef idx="0">
+            <a:schemeClr val="accent1"/>
+          </a:fillRef>
+          <a:effectRef idx="0">
+            <a:schemeClr val="accent1"/>
+          </a:effectRef>
+          <a:fontRef idx="minor">
+            <a:schemeClr val="tx1"/>
+          </a:fontRef>
+        </p:style>
+      </p:cxnSp>
+      <p:cxnSp>
+        <p:nvCxnSpPr>
+          <p:cNvPr id="67" name="直线箭头连接符 66"/>
+          <p:cNvCxnSpPr/>
+          <p:nvPr/>
+        </p:nvCxnSpPr>
+        <p:spPr>
+          <a:xfrm>
+            <a:off x="13639800" y="3437107"/>
+            <a:ext cx="0" cy="4128855"/>
+          </a:xfrm>
+          <a:prstGeom prst="straightConnector1">
+            <a:avLst/>
+          </a:prstGeom>
+          <a:ln>
+            <a:headEnd type="triangle"/>
+            <a:tailEnd type="triangle"/>
+          </a:ln>
+        </p:spPr>
+        <p:style>
+          <a:lnRef idx="1">
+            <a:schemeClr val="accent1"/>
+          </a:lnRef>
+          <a:fillRef idx="0">
+            <a:schemeClr val="accent1"/>
+          </a:fillRef>
+          <a:effectRef idx="0">
+            <a:schemeClr val="accent1"/>
+          </a:effectRef>
+          <a:fontRef idx="minor">
+            <a:schemeClr val="tx1"/>
+          </a:fontRef>
+        </p:style>
+      </p:cxnSp>
+      <p:sp>
+        <p:nvSpPr>
+          <p:cNvPr id="68" name="任意形状 67"/>
+          <p:cNvSpPr/>
+          <p:nvPr/>
+        </p:nvSpPr>
+        <p:spPr>
+          <a:xfrm>
+            <a:off x="6540500" y="2455034"/>
+            <a:ext cx="7807003" cy="3421090"/>
+          </a:xfrm>
+          <a:custGeom>
+            <a:avLst/>
+            <a:gdLst>
+              <a:gd name="connsiteX0" fmla="*/ 0 w 7807003"/>
+              <a:gd name="connsiteY0" fmla="*/ 2853566 h 3421090"/>
+              <a:gd name="connsiteX1" fmla="*/ 469900 w 7807003"/>
+              <a:gd name="connsiteY1" fmla="*/ 1951866 h 3421090"/>
+              <a:gd name="connsiteX2" fmla="*/ 1028700 w 7807003"/>
+              <a:gd name="connsiteY2" fmla="*/ 262766 h 3421090"/>
+              <a:gd name="connsiteX3" fmla="*/ 3835400 w 7807003"/>
+              <a:gd name="connsiteY3" fmla="*/ 46866 h 3421090"/>
+              <a:gd name="connsiteX4" fmla="*/ 7112000 w 7807003"/>
+              <a:gd name="connsiteY4" fmla="*/ 173866 h 3421090"/>
+              <a:gd name="connsiteX5" fmla="*/ 7785100 w 7807003"/>
+              <a:gd name="connsiteY5" fmla="*/ 1723266 h 3421090"/>
+              <a:gd name="connsiteX6" fmla="*/ 7594600 w 7807003"/>
+              <a:gd name="connsiteY6" fmla="*/ 3259966 h 3421090"/>
+              <a:gd name="connsiteX7" fmla="*/ 7112000 w 7807003"/>
+              <a:gd name="connsiteY7" fmla="*/ 3361566 h 3421090"/>
+            </a:gdLst>
+            <a:ahLst/>
+            <a:cxnLst>
+              <a:cxn ang="0">
+                <a:pos x="connsiteX0" y="connsiteY0"/>
+              </a:cxn>
+              <a:cxn ang="0">
+                <a:pos x="connsiteX1" y="connsiteY1"/>
+              </a:cxn>
+              <a:cxn ang="0">
+                <a:pos x="connsiteX2" y="connsiteY2"/>
+              </a:cxn>
+              <a:cxn ang="0">
+                <a:pos x="connsiteX3" y="connsiteY3"/>
+              </a:cxn>
+              <a:cxn ang="0">
+                <a:pos x="connsiteX4" y="connsiteY4"/>
+              </a:cxn>
+              <a:cxn ang="0">
+                <a:pos x="connsiteX5" y="connsiteY5"/>
+              </a:cxn>
+              <a:cxn ang="0">
+                <a:pos x="connsiteX6" y="connsiteY6"/>
+              </a:cxn>
+              <a:cxn ang="0">
+                <a:pos x="connsiteX7" y="connsiteY7"/>
+              </a:cxn>
+            </a:cxnLst>
+            <a:rect l="l" t="t" r="r" b="b"/>
+            <a:pathLst>
+              <a:path w="7807003" h="3421090">
+                <a:moveTo>
+                  <a:pt x="0" y="2853566"/>
+                </a:moveTo>
+                <a:cubicBezTo>
+                  <a:pt x="149225" y="2618616"/>
+                  <a:pt x="298450" y="2383666"/>
+                  <a:pt x="469900" y="1951866"/>
+                </a:cubicBezTo>
+                <a:cubicBezTo>
+                  <a:pt x="641350" y="1520066"/>
+                  <a:pt x="467783" y="580266"/>
+                  <a:pt x="1028700" y="262766"/>
+                </a:cubicBezTo>
+                <a:cubicBezTo>
+                  <a:pt x="1589617" y="-54734"/>
+                  <a:pt x="2821517" y="61683"/>
+                  <a:pt x="3835400" y="46866"/>
+                </a:cubicBezTo>
+                <a:cubicBezTo>
+                  <a:pt x="4849283" y="32049"/>
+                  <a:pt x="6453717" y="-105534"/>
+                  <a:pt x="7112000" y="173866"/>
+                </a:cubicBezTo>
+                <a:cubicBezTo>
+                  <a:pt x="7770283" y="453266"/>
+                  <a:pt x="7704667" y="1208916"/>
+                  <a:pt x="7785100" y="1723266"/>
+                </a:cubicBezTo>
+                <a:cubicBezTo>
+                  <a:pt x="7865533" y="2237616"/>
+                  <a:pt x="7706783" y="2986916"/>
+                  <a:pt x="7594600" y="3259966"/>
+                </a:cubicBezTo>
+                <a:cubicBezTo>
+                  <a:pt x="7482417" y="3533016"/>
+                  <a:pt x="7230533" y="3380616"/>
+                  <a:pt x="7112000" y="3361566"/>
+                </a:cubicBezTo>
+              </a:path>
+            </a:pathLst>
+          </a:custGeom>
+          <a:noFill/>
+          <a:ln>
+            <a:tailEnd type="arrow"/>
+          </a:ln>
+        </p:spPr>
+        <p:style>
+          <a:lnRef idx="2">
+            <a:schemeClr val="accent1">
+              <a:shade val="50000"/>
+            </a:schemeClr>
+          </a:lnRef>
+          <a:fillRef idx="1">
+            <a:schemeClr val="accent1"/>
+          </a:fillRef>
+          <a:effectRef idx="0">
+            <a:schemeClr val="accent1"/>
+          </a:effectRef>
+          <a:fontRef idx="minor">
+            <a:schemeClr val="lt1"/>
+          </a:fontRef>
+        </p:style>
+        <p:txBody>
+          <a:bodyPr rtlCol="0" anchor="ctr"/>
+          <a:lstStyle/>
+          <a:p>
+            <a:pPr algn="ctr"/>
+            <a:endParaRPr kumimoji="1" lang="zh-CN" altLang="en-US"/>
+          </a:p>
+        </p:txBody>
+      </p:sp>
+      <p:sp>
+        <p:nvSpPr>
+          <p:cNvPr id="69" name="任意形状 68"/>
+          <p:cNvSpPr/>
+          <p:nvPr/>
+        </p:nvSpPr>
+        <p:spPr>
+          <a:xfrm>
+            <a:off x="6502400" y="3467100"/>
+            <a:ext cx="1689100" cy="3213100"/>
+          </a:xfrm>
+          <a:custGeom>
+            <a:avLst/>
+            <a:gdLst>
+              <a:gd name="connsiteX0" fmla="*/ 0 w 1689100"/>
+              <a:gd name="connsiteY0" fmla="*/ 3213100 h 3213100"/>
+              <a:gd name="connsiteX1" fmla="*/ 927100 w 1689100"/>
+              <a:gd name="connsiteY1" fmla="*/ 2755900 h 3213100"/>
+              <a:gd name="connsiteX2" fmla="*/ 1257300 w 1689100"/>
+              <a:gd name="connsiteY2" fmla="*/ 1638300 h 3213100"/>
+              <a:gd name="connsiteX3" fmla="*/ 1422400 w 1689100"/>
+              <a:gd name="connsiteY3" fmla="*/ 431800 h 3213100"/>
+              <a:gd name="connsiteX4" fmla="*/ 1689100 w 1689100"/>
+              <a:gd name="connsiteY4" fmla="*/ 0 h 3213100"/>
+            </a:gdLst>
+            <a:ahLst/>
+            <a:cxnLst>
+              <a:cxn ang="0">
+                <a:pos x="connsiteX0" y="connsiteY0"/>
+              </a:cxn>
+              <a:cxn ang="0">
+                <a:pos x="connsiteX1" y="connsiteY1"/>
+              </a:cxn>
+              <a:cxn ang="0">
+                <a:pos x="connsiteX2" y="connsiteY2"/>
+              </a:cxn>
+              <a:cxn ang="0">
+                <a:pos x="connsiteX3" y="connsiteY3"/>
+              </a:cxn>
+              <a:cxn ang="0">
+                <a:pos x="connsiteX4" y="connsiteY4"/>
+              </a:cxn>
+            </a:cxnLst>
+            <a:rect l="l" t="t" r="r" b="b"/>
+            <a:pathLst>
+              <a:path w="1689100" h="3213100">
+                <a:moveTo>
+                  <a:pt x="0" y="3213100"/>
+                </a:moveTo>
+                <a:cubicBezTo>
+                  <a:pt x="358775" y="3115733"/>
+                  <a:pt x="717550" y="3018367"/>
+                  <a:pt x="927100" y="2755900"/>
+                </a:cubicBezTo>
+                <a:cubicBezTo>
+                  <a:pt x="1136650" y="2493433"/>
+                  <a:pt x="1174750" y="2025650"/>
+                  <a:pt x="1257300" y="1638300"/>
+                </a:cubicBezTo>
+                <a:cubicBezTo>
+                  <a:pt x="1339850" y="1250950"/>
+                  <a:pt x="1350433" y="704850"/>
+                  <a:pt x="1422400" y="431800"/>
+                </a:cubicBezTo>
+                <a:cubicBezTo>
+                  <a:pt x="1494367" y="158750"/>
+                  <a:pt x="1689100" y="0"/>
+                  <a:pt x="1689100" y="0"/>
+                </a:cubicBezTo>
+              </a:path>
+            </a:pathLst>
+          </a:custGeom>
+          <a:noFill/>
+          <a:ln>
+            <a:tailEnd type="arrow"/>
+          </a:ln>
+        </p:spPr>
+        <p:style>
+          <a:lnRef idx="2">
+            <a:schemeClr val="accent1">
+              <a:shade val="50000"/>
+            </a:schemeClr>
+          </a:lnRef>
+          <a:fillRef idx="1">
+            <a:schemeClr val="accent1"/>
+          </a:fillRef>
+          <a:effectRef idx="0">
+            <a:schemeClr val="accent1"/>
+          </a:effectRef>
+          <a:fontRef idx="minor">
+            <a:schemeClr val="lt1"/>
+          </a:fontRef>
+        </p:style>
+        <p:txBody>
+          <a:bodyPr rtlCol="0" anchor="ctr"/>
+          <a:lstStyle/>
+          <a:p>
+            <a:pPr algn="ctr"/>
+            <a:endParaRPr kumimoji="1" lang="zh-CN" altLang="en-US"/>
+          </a:p>
+        </p:txBody>
+      </p:sp>
+      <p:cxnSp>
+        <p:nvCxnSpPr>
+          <p:cNvPr id="70" name="直线连接符 69"/>
+          <p:cNvCxnSpPr/>
+          <p:nvPr/>
+        </p:nvCxnSpPr>
+        <p:spPr>
+          <a:xfrm>
+            <a:off x="7885485" y="8129032"/>
+            <a:ext cx="406400" cy="0"/>
+          </a:xfrm>
+          <a:prstGeom prst="line">
+            <a:avLst/>
+          </a:prstGeom>
+        </p:spPr>
+        <p:style>
+          <a:lnRef idx="1">
+            <a:schemeClr val="accent1"/>
+          </a:lnRef>
+          <a:fillRef idx="0">
+            <a:schemeClr val="accent1"/>
+          </a:fillRef>
+          <a:effectRef idx="0">
+            <a:schemeClr val="accent1"/>
+          </a:effectRef>
+          <a:fontRef idx="minor">
+            <a:schemeClr val="tx1"/>
+          </a:fontRef>
+        </p:style>
+      </p:cxnSp>
+      <p:cxnSp>
+        <p:nvCxnSpPr>
+          <p:cNvPr id="71" name="直线连接符 70"/>
+          <p:cNvCxnSpPr/>
+          <p:nvPr/>
+        </p:nvCxnSpPr>
+        <p:spPr>
+          <a:xfrm>
+            <a:off x="7898181" y="8498364"/>
+            <a:ext cx="406400" cy="0"/>
+          </a:xfrm>
+          <a:prstGeom prst="line">
+            <a:avLst/>
+          </a:prstGeom>
+        </p:spPr>
+        <p:style>
+          <a:lnRef idx="1">
+            <a:schemeClr val="accent1"/>
+          </a:lnRef>
+          <a:fillRef idx="0">
+            <a:schemeClr val="accent1"/>
+          </a:fillRef>
+          <a:effectRef idx="0">
+            <a:schemeClr val="accent1"/>
+          </a:effectRef>
+          <a:fontRef idx="minor">
+            <a:schemeClr val="tx1"/>
+          </a:fontRef>
+        </p:style>
+      </p:cxnSp>
+      <p:cxnSp>
+        <p:nvCxnSpPr>
+          <p:cNvPr id="72" name="直线箭头连接符 71"/>
+          <p:cNvCxnSpPr/>
+          <p:nvPr/>
+        </p:nvCxnSpPr>
+        <p:spPr>
+          <a:xfrm>
+            <a:off x="8026400" y="8129032"/>
+            <a:ext cx="0" cy="369332"/>
+          </a:xfrm>
+          <a:prstGeom prst="straightConnector1">
+            <a:avLst/>
+          </a:prstGeom>
+          <a:ln>
+            <a:headEnd type="triangle"/>
+            <a:tailEnd type="triangle"/>
+          </a:ln>
+        </p:spPr>
+        <p:style>
+          <a:lnRef idx="1">
+            <a:schemeClr val="accent1"/>
+          </a:lnRef>
+          <a:fillRef idx="0">
+            <a:schemeClr val="accent1"/>
+          </a:fillRef>
+          <a:effectRef idx="0">
+            <a:schemeClr val="accent1"/>
+          </a:effectRef>
+          <a:fontRef idx="minor">
+            <a:schemeClr val="tx1"/>
+          </a:fontRef>
+        </p:style>
+      </p:cxnSp>
+      <p:sp>
+        <p:nvSpPr>
+          <p:cNvPr id="73" name="任意形状 72"/>
+          <p:cNvSpPr/>
+          <p:nvPr/>
+        </p:nvSpPr>
+        <p:spPr>
+          <a:xfrm>
+            <a:off x="6527800" y="5842000"/>
+            <a:ext cx="1485900" cy="2476646"/>
+          </a:xfrm>
+          <a:custGeom>
+            <a:avLst/>
+            <a:gdLst>
+              <a:gd name="connsiteX0" fmla="*/ 0 w 1485900"/>
+              <a:gd name="connsiteY0" fmla="*/ 0 h 2476646"/>
+              <a:gd name="connsiteX1" fmla="*/ 800100 w 1485900"/>
+              <a:gd name="connsiteY1" fmla="*/ 863600 h 2476646"/>
+              <a:gd name="connsiteX2" fmla="*/ 1143000 w 1485900"/>
+              <a:gd name="connsiteY2" fmla="*/ 2222500 h 2476646"/>
+              <a:gd name="connsiteX3" fmla="*/ 1485900 w 1485900"/>
+              <a:gd name="connsiteY3" fmla="*/ 2476500 h 2476646"/>
+            </a:gdLst>
+            <a:ahLst/>
+            <a:cxnLst>
+              <a:cxn ang="0">
+                <a:pos x="connsiteX0" y="connsiteY0"/>
+              </a:cxn>
+              <a:cxn ang="0">
+                <a:pos x="connsiteX1" y="connsiteY1"/>
+              </a:cxn>
+              <a:cxn ang="0">
+                <a:pos x="connsiteX2" y="connsiteY2"/>
+              </a:cxn>
+              <a:cxn ang="0">
+                <a:pos x="connsiteX3" y="connsiteY3"/>
+              </a:cxn>
+            </a:cxnLst>
+            <a:rect l="l" t="t" r="r" b="b"/>
+            <a:pathLst>
+              <a:path w="1485900" h="2476646">
+                <a:moveTo>
+                  <a:pt x="0" y="0"/>
+                </a:moveTo>
+                <a:cubicBezTo>
+                  <a:pt x="304800" y="246591"/>
+                  <a:pt x="609600" y="493183"/>
+                  <a:pt x="800100" y="863600"/>
+                </a:cubicBezTo>
+                <a:cubicBezTo>
+                  <a:pt x="990600" y="1234017"/>
+                  <a:pt x="1028700" y="1953683"/>
+                  <a:pt x="1143000" y="2222500"/>
+                </a:cubicBezTo>
+                <a:cubicBezTo>
+                  <a:pt x="1257300" y="2491317"/>
+                  <a:pt x="1485900" y="2476500"/>
+                  <a:pt x="1485900" y="2476500"/>
+                </a:cubicBezTo>
+              </a:path>
+            </a:pathLst>
+          </a:custGeom>
+          <a:noFill/>
+          <a:ln>
+            <a:tailEnd type="arrow"/>
+          </a:ln>
+        </p:spPr>
+        <p:style>
+          <a:lnRef idx="2">
+            <a:schemeClr val="accent1">
+              <a:shade val="50000"/>
+            </a:schemeClr>
+          </a:lnRef>
+          <a:fillRef idx="1">
+            <a:schemeClr val="accent1"/>
+          </a:fillRef>
+          <a:effectRef idx="0">
+            <a:schemeClr val="accent1"/>
+          </a:effectRef>
+          <a:fontRef idx="minor">
+            <a:schemeClr val="lt1"/>
+          </a:fontRef>
+        </p:style>
+        <p:txBody>
+          <a:bodyPr rtlCol="0" anchor="ctr"/>
+          <a:lstStyle/>
+          <a:p>
+            <a:pPr algn="ctr"/>
+            <a:endParaRPr kumimoji="1" lang="zh-CN" altLang="en-US"/>
+          </a:p>
+        </p:txBody>
+      </p:sp>
+      <p:sp>
+        <p:nvSpPr>
+          <p:cNvPr id="74" name="任意形状 73"/>
+          <p:cNvSpPr/>
+          <p:nvPr/>
+        </p:nvSpPr>
+        <p:spPr>
+          <a:xfrm>
+            <a:off x="6502400" y="7048500"/>
+            <a:ext cx="1790700" cy="1079500"/>
+          </a:xfrm>
+          <a:custGeom>
+            <a:avLst/>
+            <a:gdLst>
+              <a:gd name="connsiteX0" fmla="*/ 0 w 1790700"/>
+              <a:gd name="connsiteY0" fmla="*/ 0 h 1079500"/>
+              <a:gd name="connsiteX1" fmla="*/ 1295400 w 1790700"/>
+              <a:gd name="connsiteY1" fmla="*/ 647700 h 1079500"/>
+              <a:gd name="connsiteX2" fmla="*/ 1790700 w 1790700"/>
+              <a:gd name="connsiteY2" fmla="*/ 1079500 h 1079500"/>
+            </a:gdLst>
+            <a:ahLst/>
+            <a:cxnLst>
+              <a:cxn ang="0">
+                <a:pos x="connsiteX0" y="connsiteY0"/>
+              </a:cxn>
+              <a:cxn ang="0">
+                <a:pos x="connsiteX1" y="connsiteY1"/>
+              </a:cxn>
+              <a:cxn ang="0">
+                <a:pos x="connsiteX2" y="connsiteY2"/>
+              </a:cxn>
+            </a:cxnLst>
+            <a:rect l="l" t="t" r="r" b="b"/>
+            <a:pathLst>
+              <a:path w="1790700" h="1079500">
+                <a:moveTo>
+                  <a:pt x="0" y="0"/>
+                </a:moveTo>
+                <a:cubicBezTo>
+                  <a:pt x="498475" y="233891"/>
+                  <a:pt x="996950" y="467783"/>
+                  <a:pt x="1295400" y="647700"/>
+                </a:cubicBezTo>
+                <a:cubicBezTo>
+                  <a:pt x="1593850" y="827617"/>
+                  <a:pt x="1790700" y="1079500"/>
+                  <a:pt x="1790700" y="1079500"/>
+                </a:cubicBezTo>
+              </a:path>
+            </a:pathLst>
+          </a:custGeom>
+          <a:noFill/>
+          <a:ln>
+            <a:tailEnd type="arrow"/>
+          </a:ln>
+        </p:spPr>
+        <p:style>
+          <a:lnRef idx="2">
+            <a:schemeClr val="accent1">
+              <a:shade val="50000"/>
+            </a:schemeClr>
+          </a:lnRef>
+          <a:fillRef idx="1">
+            <a:schemeClr val="accent1"/>
+          </a:fillRef>
+          <a:effectRef idx="0">
+            <a:schemeClr val="accent1"/>
+          </a:effectRef>
+          <a:fontRef idx="minor">
+            <a:schemeClr val="lt1"/>
+          </a:fontRef>
+        </p:style>
+        <p:txBody>
+          <a:bodyPr rtlCol="0" anchor="ctr"/>
+          <a:lstStyle/>
+          <a:p>
+            <a:pPr algn="ctr"/>
+            <a:endParaRPr kumimoji="1" lang="zh-CN" altLang="en-US"/>
+          </a:p>
+        </p:txBody>
+      </p:sp>
+      <p:sp>
+        <p:nvSpPr>
+          <p:cNvPr id="48" name="文本框 47"/>
+          <p:cNvSpPr txBox="1"/>
+          <p:nvPr/>
+        </p:nvSpPr>
+        <p:spPr>
+          <a:xfrm>
+            <a:off x="946163" y="1318074"/>
+            <a:ext cx="5206986" cy="369332"/>
+          </a:xfrm>
+          <a:prstGeom prst="rect">
+            <a:avLst/>
+          </a:prstGeom>
+          <a:noFill/>
+        </p:spPr>
+        <p:txBody>
+          <a:bodyPr wrap="square" rtlCol="0">
+            <a:spAutoFit/>
+          </a:bodyPr>
+          <a:lstStyle/>
+          <a:p>
+            <a:r>
+              <a:rPr kumimoji="1" lang="zh-CN" altLang="en-US" sz="1800"/>
+              <a:t>服务端为</a:t>
+            </a:r>
+            <a:r>
+              <a:rPr kumimoji="1" lang="en-US" altLang="zh-CN" sz="1800"/>
+              <a:t>addService</a:t>
+            </a:r>
+            <a:r>
+              <a:rPr kumimoji="1" lang="zh-CN" altLang="en-US" sz="1800"/>
+              <a:t>组织的请求数据</a:t>
+            </a:r>
+          </a:p>
+        </p:txBody>
+      </p:sp>
+      <p:grpSp>
+        <p:nvGrpSpPr>
+          <p:cNvPr id="4" name="组 3"/>
+          <p:cNvGrpSpPr/>
+          <p:nvPr/>
+        </p:nvGrpSpPr>
+        <p:grpSpPr>
+          <a:xfrm>
+            <a:off x="8253802" y="10472051"/>
+            <a:ext cx="6885266" cy="3839396"/>
+            <a:chOff x="19634200" y="2104188"/>
+            <a:chExt cx="6885266" cy="3839396"/>
+          </a:xfrm>
+        </p:grpSpPr>
+        <p:sp>
+          <p:nvSpPr>
+            <p:cNvPr id="21" name="文本框 20"/>
+            <p:cNvSpPr txBox="1"/>
+            <p:nvPr/>
+          </p:nvSpPr>
+          <p:spPr>
+            <a:xfrm>
+              <a:off x="19706036" y="2553659"/>
+              <a:ext cx="2732641" cy="369332"/>
+            </a:xfrm>
+            <a:prstGeom prst="rect">
+              <a:avLst/>
+            </a:prstGeom>
+            <a:noFill/>
+            <a:ln>
+              <a:noFill/>
+            </a:ln>
+          </p:spPr>
+          <p:txBody>
+            <a:bodyPr wrap="square" rtlCol="0">
+              <a:spAutoFit/>
+            </a:bodyPr>
+            <a:lstStyle/>
+            <a:p>
+              <a:r>
+                <a:rPr kumimoji="1" lang="en-US" altLang="zh-CN" sz="1800" b="1"/>
+                <a:t>binder_io</a:t>
+              </a:r>
+              <a:r>
+                <a:rPr kumimoji="1" lang="en-US" altLang="zh-CN" sz="1800"/>
+                <a:t>:</a:t>
+              </a:r>
+              <a:r>
+                <a:rPr kumimoji="1" lang="zh-CN" altLang="en-US" sz="1800"/>
+                <a:t> </a:t>
+              </a:r>
+              <a:r>
+                <a:rPr kumimoji="1" lang="en-US" altLang="zh-CN" sz="1800">
+                  <a:solidFill>
+                    <a:srgbClr val="FF0000"/>
+                  </a:solidFill>
+                </a:rPr>
+                <a:t>reply</a:t>
+              </a:r>
+              <a:endParaRPr kumimoji="1" lang="zh-CN" altLang="en-US" sz="1800">
+                <a:solidFill>
+                  <a:srgbClr val="FF0000"/>
+                </a:solidFill>
+              </a:endParaRPr>
+            </a:p>
+          </p:txBody>
+        </p:sp>
+        <p:sp>
+          <p:nvSpPr>
+            <p:cNvPr id="22" name="文本框 21"/>
+            <p:cNvSpPr txBox="1"/>
+            <p:nvPr/>
+          </p:nvSpPr>
+          <p:spPr>
+            <a:xfrm>
+              <a:off x="19706036" y="2921959"/>
+              <a:ext cx="2732641" cy="369332"/>
+            </a:xfrm>
+            <a:prstGeom prst="rect">
+              <a:avLst/>
+            </a:prstGeom>
+            <a:noFill/>
+            <a:ln>
+              <a:solidFill>
+                <a:schemeClr val="tx1"/>
+              </a:solidFill>
+            </a:ln>
+          </p:spPr>
+          <p:txBody>
+            <a:bodyPr wrap="square" rtlCol="0">
+              <a:spAutoFit/>
+            </a:bodyPr>
+            <a:lstStyle/>
+            <a:p>
+              <a:r>
+                <a:rPr kumimoji="1" lang="en-US" altLang="zh-CN" sz="1800"/>
+                <a:t>char</a:t>
+              </a:r>
+              <a:r>
+                <a:rPr kumimoji="1" lang="zh-CN" altLang="en-US" sz="1800"/>
+                <a:t>* </a:t>
+              </a:r>
+              <a:r>
+                <a:rPr kumimoji="1" lang="en-US" altLang="zh-CN" sz="1800"/>
+                <a:t>data:</a:t>
+              </a:r>
+              <a:r>
+                <a:rPr kumimoji="1" lang="zh-CN" altLang="en-US" sz="1800"/>
+                <a:t> </a:t>
+              </a:r>
+            </a:p>
+          </p:txBody>
+        </p:sp>
+        <p:sp>
+          <p:nvSpPr>
+            <p:cNvPr id="23" name="文本框 22"/>
+            <p:cNvSpPr txBox="1"/>
+            <p:nvPr/>
+          </p:nvSpPr>
+          <p:spPr>
+            <a:xfrm>
+              <a:off x="19706038" y="3293782"/>
+              <a:ext cx="2732641" cy="369332"/>
+            </a:xfrm>
+            <a:prstGeom prst="rect">
+              <a:avLst/>
+            </a:prstGeom>
+            <a:noFill/>
+            <a:ln>
+              <a:solidFill>
+                <a:schemeClr val="tx1"/>
+              </a:solidFill>
+            </a:ln>
+          </p:spPr>
+          <p:txBody>
+            <a:bodyPr wrap="square" rtlCol="0">
+              <a:spAutoFit/>
+            </a:bodyPr>
+            <a:lstStyle/>
+            <a:p>
+              <a:r>
+                <a:rPr kumimoji="1" lang="en-US" altLang="zh-CN" sz="1800"/>
+                <a:t>binder_size_t</a:t>
+              </a:r>
+              <a:r>
+                <a:rPr kumimoji="1" lang="zh-CN" altLang="en-US" sz="1800"/>
+                <a:t>* </a:t>
+              </a:r>
+              <a:r>
+                <a:rPr kumimoji="1" lang="en-US" altLang="zh-CN" sz="1800"/>
+                <a:t>offs:</a:t>
+              </a:r>
+              <a:r>
+                <a:rPr kumimoji="1" lang="zh-CN" altLang="en-US" sz="1800"/>
+                <a:t> </a:t>
+              </a:r>
+            </a:p>
+          </p:txBody>
+        </p:sp>
+        <p:sp>
+          <p:nvSpPr>
+            <p:cNvPr id="24" name="文本框 23"/>
+            <p:cNvSpPr txBox="1"/>
+            <p:nvPr/>
+          </p:nvSpPr>
+          <p:spPr>
+            <a:xfrm>
+              <a:off x="19706036" y="3662989"/>
+              <a:ext cx="2732641" cy="369332"/>
+            </a:xfrm>
+            <a:prstGeom prst="rect">
+              <a:avLst/>
+            </a:prstGeom>
+            <a:noFill/>
+            <a:ln>
+              <a:solidFill>
+                <a:schemeClr val="tx1"/>
+              </a:solidFill>
+            </a:ln>
+          </p:spPr>
+          <p:txBody>
+            <a:bodyPr wrap="square" rtlCol="0">
+              <a:spAutoFit/>
+            </a:bodyPr>
+            <a:lstStyle/>
+            <a:p>
+              <a:r>
+                <a:rPr kumimoji="1" lang="en-US" altLang="zh-CN" sz="1800"/>
+                <a:t>size_t</a:t>
+              </a:r>
+              <a:r>
+                <a:rPr kumimoji="1" lang="zh-CN" altLang="en-US" sz="1800"/>
+                <a:t> </a:t>
+              </a:r>
+              <a:r>
+                <a:rPr kumimoji="1" lang="en-US" altLang="zh-CN" sz="1800"/>
+                <a:t>data_avail:</a:t>
+              </a:r>
+              <a:r>
+                <a:rPr kumimoji="1" lang="zh-CN" altLang="en-US" sz="1800"/>
+                <a:t> </a:t>
+              </a:r>
+            </a:p>
+          </p:txBody>
+        </p:sp>
+        <p:sp>
+          <p:nvSpPr>
+            <p:cNvPr id="25" name="文本框 24"/>
+            <p:cNvSpPr txBox="1"/>
+            <p:nvPr/>
+          </p:nvSpPr>
+          <p:spPr>
+            <a:xfrm>
+              <a:off x="19706036" y="4028279"/>
+              <a:ext cx="2732641" cy="369332"/>
+            </a:xfrm>
+            <a:prstGeom prst="rect">
+              <a:avLst/>
+            </a:prstGeom>
+            <a:noFill/>
+            <a:ln>
+              <a:solidFill>
+                <a:schemeClr val="tx1"/>
+              </a:solidFill>
+            </a:ln>
+          </p:spPr>
+          <p:txBody>
+            <a:bodyPr wrap="square" rtlCol="0">
+              <a:spAutoFit/>
+            </a:bodyPr>
+            <a:lstStyle/>
+            <a:p>
+              <a:r>
+                <a:rPr kumimoji="1" lang="en-US" altLang="zh-CN" sz="1800"/>
+                <a:t>size_t</a:t>
+              </a:r>
+              <a:r>
+                <a:rPr kumimoji="1" lang="zh-CN" altLang="en-US" sz="1800"/>
+                <a:t> </a:t>
+              </a:r>
+              <a:r>
+                <a:rPr kumimoji="1" lang="en-US" altLang="zh-CN" sz="1800"/>
+                <a:t>offs_avail:</a:t>
+              </a:r>
+              <a:r>
+                <a:rPr kumimoji="1" lang="zh-CN" altLang="en-US" sz="1800">
+                  <a:solidFill>
+                    <a:schemeClr val="accent1"/>
+                  </a:solidFill>
+                </a:rPr>
+                <a:t> </a:t>
+              </a:r>
+              <a:r>
+                <a:rPr kumimoji="1" lang="en-US" altLang="zh-CN" sz="1800">
+                  <a:solidFill>
+                    <a:srgbClr val="FF0000"/>
+                  </a:solidFill>
+                </a:rPr>
+                <a:t>4</a:t>
+              </a:r>
+              <a:endParaRPr kumimoji="1" lang="zh-CN" altLang="en-US" sz="1800">
+                <a:solidFill>
+                  <a:srgbClr val="FF0000"/>
+                </a:solidFill>
+              </a:endParaRPr>
+            </a:p>
+          </p:txBody>
+        </p:sp>
+        <p:sp>
+          <p:nvSpPr>
+            <p:cNvPr id="26" name="文本框 25"/>
+            <p:cNvSpPr txBox="1"/>
+            <p:nvPr/>
+          </p:nvSpPr>
+          <p:spPr>
+            <a:xfrm>
+              <a:off x="19706036" y="4395299"/>
+              <a:ext cx="2732641" cy="369332"/>
+            </a:xfrm>
+            <a:prstGeom prst="rect">
+              <a:avLst/>
+            </a:prstGeom>
+            <a:noFill/>
+            <a:ln>
+              <a:solidFill>
+                <a:schemeClr val="tx1"/>
+              </a:solidFill>
+            </a:ln>
+          </p:spPr>
+          <p:txBody>
+            <a:bodyPr wrap="square" rtlCol="0">
+              <a:spAutoFit/>
+            </a:bodyPr>
+            <a:lstStyle/>
+            <a:p>
+              <a:r>
+                <a:rPr kumimoji="1" lang="en-US" altLang="zh-CN" sz="1800"/>
+                <a:t>char</a:t>
+              </a:r>
+              <a:r>
+                <a:rPr kumimoji="1" lang="zh-CN" altLang="en-US" sz="1800"/>
+                <a:t>* </a:t>
+              </a:r>
+              <a:r>
+                <a:rPr kumimoji="1" lang="en-US" altLang="zh-CN" sz="1800"/>
+                <a:t>data0:</a:t>
+              </a:r>
+              <a:r>
+                <a:rPr kumimoji="1" lang="zh-CN" altLang="en-US" sz="1800"/>
+                <a:t> </a:t>
+              </a:r>
+            </a:p>
+          </p:txBody>
+        </p:sp>
+        <p:sp>
+          <p:nvSpPr>
+            <p:cNvPr id="27" name="文本框 26"/>
+            <p:cNvSpPr txBox="1"/>
+            <p:nvPr/>
+          </p:nvSpPr>
+          <p:spPr>
+            <a:xfrm>
+              <a:off x="19706036" y="4758507"/>
+              <a:ext cx="2732641" cy="369332"/>
+            </a:xfrm>
+            <a:prstGeom prst="rect">
+              <a:avLst/>
+            </a:prstGeom>
+            <a:noFill/>
+            <a:ln>
+              <a:solidFill>
+                <a:schemeClr val="tx1"/>
+              </a:solidFill>
+            </a:ln>
+          </p:spPr>
+          <p:txBody>
+            <a:bodyPr wrap="square" rtlCol="0">
+              <a:spAutoFit/>
+            </a:bodyPr>
+            <a:lstStyle/>
+            <a:p>
+              <a:r>
+                <a:rPr kumimoji="1" lang="en-US" altLang="zh-CN" sz="1800"/>
+                <a:t>binder_size_t</a:t>
+              </a:r>
+              <a:r>
+                <a:rPr kumimoji="1" lang="zh-CN" altLang="en-US" sz="1800"/>
+                <a:t>* </a:t>
+              </a:r>
+              <a:r>
+                <a:rPr kumimoji="1" lang="en-US" altLang="zh-CN" sz="1800"/>
+                <a:t>offs0:</a:t>
+              </a:r>
+              <a:endParaRPr kumimoji="1" lang="zh-CN" altLang="en-US" sz="1800"/>
+            </a:p>
+          </p:txBody>
+        </p:sp>
+        <p:sp>
+          <p:nvSpPr>
+            <p:cNvPr id="28" name="文本框 27"/>
+            <p:cNvSpPr txBox="1"/>
+            <p:nvPr/>
+          </p:nvSpPr>
+          <p:spPr>
+            <a:xfrm>
+              <a:off x="19706036" y="5127960"/>
+              <a:ext cx="2732641" cy="369332"/>
+            </a:xfrm>
+            <a:prstGeom prst="rect">
+              <a:avLst/>
+            </a:prstGeom>
+            <a:noFill/>
+            <a:ln>
+              <a:solidFill>
+                <a:schemeClr val="tx1"/>
+              </a:solidFill>
+            </a:ln>
+          </p:spPr>
+          <p:txBody>
+            <a:bodyPr wrap="square" rtlCol="0">
+              <a:spAutoFit/>
+            </a:bodyPr>
+            <a:lstStyle/>
+            <a:p>
+              <a:r>
+                <a:rPr kumimoji="1" lang="en-US" altLang="zh-CN" sz="1800"/>
+                <a:t>uint32_t</a:t>
+              </a:r>
+              <a:r>
+                <a:rPr kumimoji="1" lang="zh-CN" altLang="en-US" sz="1800"/>
+                <a:t>* </a:t>
+              </a:r>
+              <a:r>
+                <a:rPr kumimoji="1" lang="en-US" altLang="zh-CN" sz="1800"/>
+                <a:t>flags:</a:t>
+              </a:r>
+              <a:endParaRPr kumimoji="1" lang="zh-CN" altLang="en-US" sz="1800">
+                <a:solidFill>
+                  <a:schemeClr val="accent1"/>
+                </a:solidFill>
+              </a:endParaRPr>
+            </a:p>
+          </p:txBody>
+        </p:sp>
+        <p:sp>
+          <p:nvSpPr>
+            <p:cNvPr id="29" name="文本框 28"/>
+            <p:cNvSpPr txBox="1"/>
+            <p:nvPr/>
+          </p:nvSpPr>
+          <p:spPr>
+            <a:xfrm>
+              <a:off x="19706036" y="5497292"/>
+              <a:ext cx="2732641" cy="369332"/>
+            </a:xfrm>
+            <a:prstGeom prst="rect">
+              <a:avLst/>
+            </a:prstGeom>
+            <a:noFill/>
+            <a:ln>
+              <a:solidFill>
+                <a:schemeClr val="tx1"/>
+              </a:solidFill>
+            </a:ln>
+          </p:spPr>
+          <p:txBody>
+            <a:bodyPr wrap="square" rtlCol="0">
+              <a:spAutoFit/>
+            </a:bodyPr>
+            <a:lstStyle/>
+            <a:p>
+              <a:r>
+                <a:rPr kumimoji="1" lang="en-US" altLang="zh-CN" sz="1800"/>
+                <a:t>uint32_t</a:t>
+              </a:r>
+              <a:r>
+                <a:rPr kumimoji="1" lang="zh-CN" altLang="en-US" sz="1800"/>
+                <a:t>* </a:t>
+              </a:r>
+              <a:r>
+                <a:rPr kumimoji="1" lang="en-US" altLang="zh-CN" sz="1800"/>
+                <a:t>unused</a:t>
+              </a:r>
+              <a:endParaRPr kumimoji="1" lang="zh-CN" altLang="en-US" sz="1800">
+                <a:solidFill>
+                  <a:srgbClr val="FF0000"/>
+                </a:solidFill>
+              </a:endParaRPr>
+            </a:p>
+          </p:txBody>
+        </p:sp>
+        <p:sp>
+          <p:nvSpPr>
+            <p:cNvPr id="30" name="矩形 29"/>
+            <p:cNvSpPr/>
+            <p:nvPr/>
+          </p:nvSpPr>
+          <p:spPr>
+            <a:xfrm>
+              <a:off x="19634200" y="2544803"/>
+              <a:ext cx="2906077" cy="3398781"/>
+            </a:xfrm>
+            <a:prstGeom prst="rect">
+              <a:avLst/>
+            </a:prstGeom>
+            <a:noFill/>
+            <a:ln>
+              <a:solidFill>
+                <a:schemeClr val="tx1"/>
+              </a:solidFill>
+            </a:ln>
+          </p:spPr>
+          <p:style>
+            <a:lnRef idx="2">
+              <a:schemeClr val="accent1">
+                <a:shade val="50000"/>
+              </a:schemeClr>
+            </a:lnRef>
+            <a:fillRef idx="1">
+              <a:schemeClr val="accent1"/>
+            </a:fillRef>
+            <a:effectRef idx="0">
+              <a:schemeClr val="accent1"/>
+            </a:effectRef>
+            <a:fontRef idx="minor">
+              <a:schemeClr val="lt1"/>
+            </a:fontRef>
+          </p:style>
+          <p:txBody>
+            <a:bodyPr rtlCol="0" anchor="ctr"/>
+            <a:lstStyle/>
+            <a:p>
+              <a:pPr algn="ctr"/>
+              <a:endParaRPr kumimoji="1" lang="zh-CN" altLang="en-US"/>
+            </a:p>
+          </p:txBody>
+        </p:sp>
+        <p:sp>
+          <p:nvSpPr>
+            <p:cNvPr id="31" name="矩形 30"/>
+            <p:cNvSpPr/>
+            <p:nvPr/>
+          </p:nvSpPr>
+          <p:spPr>
+            <a:xfrm>
+              <a:off x="23315556" y="2536401"/>
+              <a:ext cx="2603743" cy="943474"/>
+            </a:xfrm>
+            <a:prstGeom prst="rect">
+              <a:avLst/>
+            </a:prstGeom>
+            <a:noFill/>
+            <a:ln>
+              <a:solidFill>
+                <a:schemeClr val="tx1"/>
+              </a:solidFill>
+            </a:ln>
+          </p:spPr>
+          <p:style>
+            <a:lnRef idx="2">
+              <a:schemeClr val="accent1">
+                <a:shade val="50000"/>
+              </a:schemeClr>
+            </a:lnRef>
+            <a:fillRef idx="1">
+              <a:schemeClr val="accent1"/>
+            </a:fillRef>
+            <a:effectRef idx="0">
+              <a:schemeClr val="accent1"/>
+            </a:effectRef>
+            <a:fontRef idx="minor">
+              <a:schemeClr val="lt1"/>
+            </a:fontRef>
+          </p:style>
+          <p:txBody>
+            <a:bodyPr rtlCol="0" anchor="ctr"/>
+            <a:lstStyle/>
+            <a:p>
+              <a:pPr algn="ctr"/>
+              <a:endParaRPr kumimoji="1" lang="zh-CN" altLang="en-US"/>
+            </a:p>
+          </p:txBody>
+        </p:sp>
+        <p:sp>
+          <p:nvSpPr>
+            <p:cNvPr id="32" name="文本框 31"/>
+            <p:cNvSpPr txBox="1"/>
+            <p:nvPr/>
+          </p:nvSpPr>
+          <p:spPr>
+            <a:xfrm>
+              <a:off x="23720844" y="2817384"/>
+              <a:ext cx="2327100" cy="369332"/>
+            </a:xfrm>
+            <a:prstGeom prst="rect">
+              <a:avLst/>
+            </a:prstGeom>
+            <a:noFill/>
+            <a:ln>
+              <a:noFill/>
+            </a:ln>
+          </p:spPr>
+          <p:txBody>
+            <a:bodyPr wrap="square" rtlCol="0">
+              <a:spAutoFit/>
+            </a:bodyPr>
+            <a:lstStyle/>
+            <a:p>
+              <a:pPr algn="r"/>
+              <a:r>
+                <a:rPr kumimoji="1" lang="en-US" altLang="zh-CN" sz="1800"/>
+                <a:t>4</a:t>
+              </a:r>
+              <a:r>
+                <a:rPr kumimoji="1" lang="zh-CN" altLang="en-US" sz="1800"/>
+                <a:t>*</a:t>
+              </a:r>
+              <a:r>
+                <a:rPr kumimoji="1" lang="en-US" altLang="zh-CN" sz="1800"/>
+                <a:t>sizeof(size_t)</a:t>
+              </a:r>
+              <a:endParaRPr kumimoji="1" lang="zh-CN" altLang="en-US" sz="1800">
+                <a:solidFill>
+                  <a:srgbClr val="FF0000"/>
+                </a:solidFill>
+              </a:endParaRPr>
+            </a:p>
+          </p:txBody>
+        </p:sp>
+        <p:cxnSp>
+          <p:nvCxnSpPr>
+            <p:cNvPr id="33" name="直线箭头连接符 32"/>
+            <p:cNvCxnSpPr/>
+            <p:nvPr/>
+          </p:nvCxnSpPr>
+          <p:spPr>
+            <a:xfrm>
+              <a:off x="26035000" y="2565620"/>
+              <a:ext cx="0" cy="912828"/>
+            </a:xfrm>
+            <a:prstGeom prst="straightConnector1">
+              <a:avLst/>
+            </a:prstGeom>
+            <a:ln>
+              <a:headEnd type="triangle"/>
+              <a:tailEnd type="triangle"/>
+            </a:ln>
+          </p:spPr>
+          <p:style>
+            <a:lnRef idx="1">
+              <a:schemeClr val="accent1"/>
+            </a:lnRef>
+            <a:fillRef idx="0">
+              <a:schemeClr val="accent1"/>
+            </a:fillRef>
+            <a:effectRef idx="0">
+              <a:schemeClr val="accent1"/>
+            </a:effectRef>
+            <a:fontRef idx="minor">
+              <a:schemeClr val="tx1"/>
+            </a:fontRef>
+          </p:style>
+        </p:cxnSp>
+        <p:sp>
+          <p:nvSpPr>
+            <p:cNvPr id="34" name="矩形 33"/>
+            <p:cNvSpPr/>
+            <p:nvPr/>
+          </p:nvSpPr>
+          <p:spPr>
+            <a:xfrm>
+              <a:off x="23315556" y="3481066"/>
+              <a:ext cx="2603743" cy="1927473"/>
+            </a:xfrm>
+            <a:prstGeom prst="rect">
+              <a:avLst/>
+            </a:prstGeom>
+            <a:noFill/>
+            <a:ln>
+              <a:solidFill>
+                <a:schemeClr val="tx1"/>
+              </a:solidFill>
+            </a:ln>
+          </p:spPr>
+          <p:style>
+            <a:lnRef idx="2">
+              <a:schemeClr val="accent1">
+                <a:shade val="50000"/>
+              </a:schemeClr>
+            </a:lnRef>
+            <a:fillRef idx="1">
+              <a:schemeClr val="accent1"/>
+            </a:fillRef>
+            <a:effectRef idx="0">
+              <a:schemeClr val="accent1"/>
+            </a:effectRef>
+            <a:fontRef idx="minor">
+              <a:schemeClr val="lt1"/>
+            </a:fontRef>
+          </p:style>
+          <p:txBody>
+            <a:bodyPr rtlCol="0" anchor="ctr"/>
+            <a:lstStyle/>
+            <a:p>
+              <a:pPr algn="ctr"/>
+              <a:endParaRPr kumimoji="1" lang="zh-CN" altLang="en-US"/>
+            </a:p>
+          </p:txBody>
+        </p:sp>
+        <p:sp>
+          <p:nvSpPr>
+            <p:cNvPr id="35" name="文本框 34"/>
+            <p:cNvSpPr txBox="1"/>
+            <p:nvPr/>
+          </p:nvSpPr>
+          <p:spPr>
+            <a:xfrm>
+              <a:off x="24318712" y="2104188"/>
+              <a:ext cx="1309888" cy="369332"/>
+            </a:xfrm>
+            <a:prstGeom prst="rect">
+              <a:avLst/>
+            </a:prstGeom>
+            <a:noFill/>
+            <a:ln>
+              <a:noFill/>
+            </a:ln>
+          </p:spPr>
+          <p:txBody>
+            <a:bodyPr wrap="square" rtlCol="0">
+              <a:spAutoFit/>
+            </a:bodyPr>
+            <a:lstStyle/>
+            <a:p>
+              <a:pPr algn="ctr"/>
+              <a:r>
+                <a:rPr kumimoji="1" lang="en-US" altLang="zh-CN" sz="1800"/>
+                <a:t>rdata</a:t>
+              </a:r>
+              <a:endParaRPr kumimoji="1" lang="zh-CN" altLang="en-US" sz="1800">
+                <a:solidFill>
+                  <a:srgbClr val="FF0000"/>
+                </a:solidFill>
+              </a:endParaRPr>
+            </a:p>
+          </p:txBody>
+        </p:sp>
+        <p:cxnSp>
+          <p:nvCxnSpPr>
+            <p:cNvPr id="36" name="直线连接符 35"/>
+            <p:cNvCxnSpPr/>
+            <p:nvPr/>
+          </p:nvCxnSpPr>
+          <p:spPr>
+            <a:xfrm>
+              <a:off x="25919056" y="5408539"/>
+              <a:ext cx="230244" cy="0"/>
+            </a:xfrm>
+            <a:prstGeom prst="line">
+              <a:avLst/>
+            </a:prstGeom>
+          </p:spPr>
+          <p:style>
+            <a:lnRef idx="1">
+              <a:schemeClr val="accent1"/>
+            </a:lnRef>
+            <a:fillRef idx="0">
+              <a:schemeClr val="accent1"/>
+            </a:fillRef>
+            <a:effectRef idx="0">
+              <a:schemeClr val="accent1"/>
+            </a:effectRef>
+            <a:fontRef idx="minor">
+              <a:schemeClr val="tx1"/>
+            </a:fontRef>
+          </p:style>
+        </p:cxnSp>
+        <p:cxnSp>
+          <p:nvCxnSpPr>
+            <p:cNvPr id="37" name="直线箭头连接符 36"/>
+            <p:cNvCxnSpPr/>
+            <p:nvPr/>
+          </p:nvCxnSpPr>
+          <p:spPr>
+            <a:xfrm>
+              <a:off x="26035000" y="3478448"/>
+              <a:ext cx="0" cy="1930091"/>
+            </a:xfrm>
+            <a:prstGeom prst="straightConnector1">
+              <a:avLst/>
+            </a:prstGeom>
+            <a:ln>
+              <a:headEnd type="triangle"/>
+              <a:tailEnd type="triangle"/>
+            </a:ln>
+          </p:spPr>
+          <p:style>
+            <a:lnRef idx="1">
+              <a:schemeClr val="accent1"/>
+            </a:lnRef>
+            <a:fillRef idx="0">
+              <a:schemeClr val="accent1"/>
+            </a:fillRef>
+            <a:effectRef idx="0">
+              <a:schemeClr val="accent1"/>
+            </a:effectRef>
+            <a:fontRef idx="minor">
+              <a:schemeClr val="tx1"/>
+            </a:fontRef>
+          </p:style>
+        </p:cxnSp>
+        <p:sp>
+          <p:nvSpPr>
+            <p:cNvPr id="38" name="文本框 37"/>
+            <p:cNvSpPr txBox="1"/>
+            <p:nvPr/>
+          </p:nvSpPr>
+          <p:spPr>
+            <a:xfrm>
+              <a:off x="23136644" y="3680369"/>
+              <a:ext cx="2911056" cy="369332"/>
+            </a:xfrm>
+            <a:prstGeom prst="rect">
+              <a:avLst/>
+            </a:prstGeom>
+            <a:noFill/>
+            <a:ln>
+              <a:noFill/>
+            </a:ln>
+          </p:spPr>
+          <p:txBody>
+            <a:bodyPr wrap="square" rtlCol="0">
+              <a:spAutoFit/>
+            </a:bodyPr>
+            <a:lstStyle/>
+            <a:p>
+              <a:pPr algn="r"/>
+              <a:r>
+                <a:rPr kumimoji="1" lang="en-US" altLang="zh-CN" sz="1800"/>
+                <a:t>256/4-4</a:t>
+              </a:r>
+              <a:r>
+                <a:rPr kumimoji="1" lang="zh-CN" altLang="en-US" sz="1800"/>
+                <a:t>*</a:t>
+              </a:r>
+              <a:r>
+                <a:rPr kumimoji="1" lang="en-US" altLang="zh-CN" sz="1800"/>
+                <a:t>sizeof(size_t)</a:t>
+              </a:r>
+              <a:endParaRPr kumimoji="1" lang="zh-CN" altLang="en-US" sz="1800">
+                <a:solidFill>
+                  <a:srgbClr val="FF0000"/>
+                </a:solidFill>
+              </a:endParaRPr>
+            </a:p>
+          </p:txBody>
+        </p:sp>
+        <p:cxnSp>
+          <p:nvCxnSpPr>
+            <p:cNvPr id="39" name="直线连接符 38"/>
+            <p:cNvCxnSpPr/>
+            <p:nvPr/>
+          </p:nvCxnSpPr>
+          <p:spPr>
+            <a:xfrm>
+              <a:off x="25919056" y="3481066"/>
+              <a:ext cx="230244" cy="0"/>
+            </a:xfrm>
+            <a:prstGeom prst="line">
+              <a:avLst/>
+            </a:prstGeom>
+          </p:spPr>
+          <p:style>
+            <a:lnRef idx="1">
+              <a:schemeClr val="accent1"/>
+            </a:lnRef>
+            <a:fillRef idx="0">
+              <a:schemeClr val="accent1"/>
+            </a:fillRef>
+            <a:effectRef idx="0">
+              <a:schemeClr val="accent1"/>
+            </a:effectRef>
+            <a:fontRef idx="minor">
+              <a:schemeClr val="tx1"/>
+            </a:fontRef>
+          </p:style>
+        </p:cxnSp>
+        <p:cxnSp>
+          <p:nvCxnSpPr>
+            <p:cNvPr id="40" name="直线连接符 39"/>
+            <p:cNvCxnSpPr/>
+            <p:nvPr/>
+          </p:nvCxnSpPr>
+          <p:spPr>
+            <a:xfrm>
+              <a:off x="25930112" y="2536401"/>
+              <a:ext cx="230244" cy="0"/>
+            </a:xfrm>
+            <a:prstGeom prst="line">
+              <a:avLst/>
+            </a:prstGeom>
+          </p:spPr>
+          <p:style>
+            <a:lnRef idx="1">
+              <a:schemeClr val="accent1"/>
+            </a:lnRef>
+            <a:fillRef idx="0">
+              <a:schemeClr val="accent1"/>
+            </a:fillRef>
+            <a:effectRef idx="0">
+              <a:schemeClr val="accent1"/>
+            </a:effectRef>
+            <a:fontRef idx="minor">
+              <a:schemeClr val="tx1"/>
+            </a:fontRef>
+          </p:style>
+        </p:cxnSp>
+        <p:sp>
+          <p:nvSpPr>
+            <p:cNvPr id="41" name="任意形状 40"/>
+            <p:cNvSpPr/>
+            <p:nvPr/>
+          </p:nvSpPr>
+          <p:spPr>
+            <a:xfrm>
+              <a:off x="22428200" y="3098800"/>
+              <a:ext cx="889000" cy="381000"/>
+            </a:xfrm>
+            <a:custGeom>
+              <a:avLst/>
+              <a:gdLst>
+                <a:gd name="connsiteX0" fmla="*/ 0 w 889000"/>
+                <a:gd name="connsiteY0" fmla="*/ 0 h 381000"/>
+                <a:gd name="connsiteX1" fmla="*/ 381000 w 889000"/>
+                <a:gd name="connsiteY1" fmla="*/ 88900 h 381000"/>
+                <a:gd name="connsiteX2" fmla="*/ 609600 w 889000"/>
+                <a:gd name="connsiteY2" fmla="*/ 304800 h 381000"/>
+                <a:gd name="connsiteX3" fmla="*/ 889000 w 889000"/>
+                <a:gd name="connsiteY3" fmla="*/ 381000 h 381000"/>
+              </a:gdLst>
+              <a:ahLst/>
+              <a:cxnLst>
+                <a:cxn ang="0">
+                  <a:pos x="connsiteX0" y="connsiteY0"/>
+                </a:cxn>
+                <a:cxn ang="0">
+                  <a:pos x="connsiteX1" y="connsiteY1"/>
+                </a:cxn>
+                <a:cxn ang="0">
+                  <a:pos x="connsiteX2" y="connsiteY2"/>
+                </a:cxn>
+                <a:cxn ang="0">
+                  <a:pos x="connsiteX3" y="connsiteY3"/>
+                </a:cxn>
+              </a:cxnLst>
+              <a:rect l="l" t="t" r="r" b="b"/>
+              <a:pathLst>
+                <a:path w="889000" h="381000">
+                  <a:moveTo>
+                    <a:pt x="0" y="0"/>
+                  </a:moveTo>
+                  <a:cubicBezTo>
+                    <a:pt x="139700" y="19050"/>
+                    <a:pt x="279400" y="38100"/>
+                    <a:pt x="381000" y="88900"/>
+                  </a:cubicBezTo>
+                  <a:cubicBezTo>
+                    <a:pt x="482600" y="139700"/>
+                    <a:pt x="524933" y="256117"/>
+                    <a:pt x="609600" y="304800"/>
+                  </a:cubicBezTo>
+                  <a:cubicBezTo>
+                    <a:pt x="694267" y="353483"/>
+                    <a:pt x="889000" y="381000"/>
+                    <a:pt x="889000" y="381000"/>
+                  </a:cubicBezTo>
+                </a:path>
+              </a:pathLst>
+            </a:custGeom>
+            <a:noFill/>
+            <a:ln>
+              <a:tailEnd type="arrow"/>
+            </a:ln>
+          </p:spPr>
+          <p:style>
+            <a:lnRef idx="2">
+              <a:schemeClr val="accent1">
+                <a:shade val="50000"/>
+              </a:schemeClr>
+            </a:lnRef>
+            <a:fillRef idx="1">
+              <a:schemeClr val="accent1"/>
+            </a:fillRef>
+            <a:effectRef idx="0">
+              <a:schemeClr val="accent1"/>
+            </a:effectRef>
+            <a:fontRef idx="minor">
+              <a:schemeClr val="lt1"/>
+            </a:fontRef>
+          </p:style>
+          <p:txBody>
+            <a:bodyPr rtlCol="0" anchor="ctr"/>
+            <a:lstStyle/>
+            <a:p>
+              <a:pPr algn="ctr"/>
+              <a:endParaRPr kumimoji="1" lang="zh-CN" altLang="en-US"/>
+            </a:p>
+          </p:txBody>
+        </p:sp>
+        <p:sp>
+          <p:nvSpPr>
+            <p:cNvPr id="42" name="任意形状 41"/>
+            <p:cNvSpPr/>
+            <p:nvPr/>
+          </p:nvSpPr>
+          <p:spPr>
+            <a:xfrm>
+              <a:off x="22440900" y="3479800"/>
+              <a:ext cx="812800" cy="1130300"/>
+            </a:xfrm>
+            <a:custGeom>
+              <a:avLst/>
+              <a:gdLst>
+                <a:gd name="connsiteX0" fmla="*/ 0 w 812800"/>
+                <a:gd name="connsiteY0" fmla="*/ 1130300 h 1130300"/>
+                <a:gd name="connsiteX1" fmla="*/ 393700 w 812800"/>
+                <a:gd name="connsiteY1" fmla="*/ 723900 h 1130300"/>
+                <a:gd name="connsiteX2" fmla="*/ 520700 w 812800"/>
+                <a:gd name="connsiteY2" fmla="*/ 203200 h 1130300"/>
+                <a:gd name="connsiteX3" fmla="*/ 812800 w 812800"/>
+                <a:gd name="connsiteY3" fmla="*/ 0 h 1130300"/>
+              </a:gdLst>
+              <a:ahLst/>
+              <a:cxnLst>
+                <a:cxn ang="0">
+                  <a:pos x="connsiteX0" y="connsiteY0"/>
+                </a:cxn>
+                <a:cxn ang="0">
+                  <a:pos x="connsiteX1" y="connsiteY1"/>
+                </a:cxn>
+                <a:cxn ang="0">
+                  <a:pos x="connsiteX2" y="connsiteY2"/>
+                </a:cxn>
+                <a:cxn ang="0">
+                  <a:pos x="connsiteX3" y="connsiteY3"/>
+                </a:cxn>
+              </a:cxnLst>
+              <a:rect l="l" t="t" r="r" b="b"/>
+              <a:pathLst>
+                <a:path w="812800" h="1130300">
+                  <a:moveTo>
+                    <a:pt x="0" y="1130300"/>
+                  </a:moveTo>
+                  <a:cubicBezTo>
+                    <a:pt x="153458" y="1004358"/>
+                    <a:pt x="306917" y="878417"/>
+                    <a:pt x="393700" y="723900"/>
+                  </a:cubicBezTo>
+                  <a:cubicBezTo>
+                    <a:pt x="480483" y="569383"/>
+                    <a:pt x="450850" y="323850"/>
+                    <a:pt x="520700" y="203200"/>
+                  </a:cubicBezTo>
+                  <a:cubicBezTo>
+                    <a:pt x="590550" y="82550"/>
+                    <a:pt x="812800" y="0"/>
+                    <a:pt x="812800" y="0"/>
+                  </a:cubicBezTo>
+                </a:path>
+              </a:pathLst>
+            </a:custGeom>
+            <a:noFill/>
+          </p:spPr>
+          <p:style>
+            <a:lnRef idx="2">
+              <a:schemeClr val="accent1">
+                <a:shade val="50000"/>
+              </a:schemeClr>
+            </a:lnRef>
+            <a:fillRef idx="1">
+              <a:schemeClr val="accent1"/>
+            </a:fillRef>
+            <a:effectRef idx="0">
+              <a:schemeClr val="accent1"/>
+            </a:effectRef>
+            <a:fontRef idx="minor">
+              <a:schemeClr val="lt1"/>
+            </a:fontRef>
+          </p:style>
+          <p:txBody>
+            <a:bodyPr rtlCol="0" anchor="ctr"/>
+            <a:lstStyle/>
+            <a:p>
+              <a:pPr algn="ctr"/>
+              <a:endParaRPr kumimoji="1" lang="zh-CN" altLang="en-US"/>
+            </a:p>
+          </p:txBody>
+        </p:sp>
+        <p:sp>
+          <p:nvSpPr>
+            <p:cNvPr id="43" name="任意形状 42"/>
+            <p:cNvSpPr/>
+            <p:nvPr/>
+          </p:nvSpPr>
+          <p:spPr>
+            <a:xfrm>
+              <a:off x="22428200" y="2552700"/>
+              <a:ext cx="876300" cy="939800"/>
+            </a:xfrm>
+            <a:custGeom>
+              <a:avLst/>
+              <a:gdLst>
+                <a:gd name="connsiteX0" fmla="*/ 0 w 876300"/>
+                <a:gd name="connsiteY0" fmla="*/ 939800 h 939800"/>
+                <a:gd name="connsiteX1" fmla="*/ 355600 w 876300"/>
+                <a:gd name="connsiteY1" fmla="*/ 304800 h 939800"/>
+                <a:gd name="connsiteX2" fmla="*/ 876300 w 876300"/>
+                <a:gd name="connsiteY2" fmla="*/ 0 h 939800"/>
+              </a:gdLst>
+              <a:ahLst/>
+              <a:cxnLst>
+                <a:cxn ang="0">
+                  <a:pos x="connsiteX0" y="connsiteY0"/>
+                </a:cxn>
+                <a:cxn ang="0">
+                  <a:pos x="connsiteX1" y="connsiteY1"/>
+                </a:cxn>
+                <a:cxn ang="0">
+                  <a:pos x="connsiteX2" y="connsiteY2"/>
+                </a:cxn>
+              </a:cxnLst>
+              <a:rect l="l" t="t" r="r" b="b"/>
+              <a:pathLst>
+                <a:path w="876300" h="939800">
+                  <a:moveTo>
+                    <a:pt x="0" y="939800"/>
+                  </a:moveTo>
+                  <a:cubicBezTo>
+                    <a:pt x="104775" y="700616"/>
+                    <a:pt x="209550" y="461433"/>
+                    <a:pt x="355600" y="304800"/>
+                  </a:cubicBezTo>
+                  <a:cubicBezTo>
+                    <a:pt x="501650" y="148167"/>
+                    <a:pt x="876300" y="0"/>
+                    <a:pt x="876300" y="0"/>
+                  </a:cubicBezTo>
+                </a:path>
+              </a:pathLst>
+            </a:custGeom>
+            <a:noFill/>
+            <a:ln>
+              <a:tailEnd type="arrow"/>
+            </a:ln>
+          </p:spPr>
+          <p:style>
+            <a:lnRef idx="2">
+              <a:schemeClr val="accent1">
+                <a:shade val="50000"/>
+              </a:schemeClr>
+            </a:lnRef>
+            <a:fillRef idx="1">
+              <a:schemeClr val="accent1"/>
+            </a:fillRef>
+            <a:effectRef idx="0">
+              <a:schemeClr val="accent1"/>
+            </a:effectRef>
+            <a:fontRef idx="minor">
+              <a:schemeClr val="lt1"/>
+            </a:fontRef>
+          </p:style>
+          <p:txBody>
+            <a:bodyPr rtlCol="0" anchor="ctr"/>
+            <a:lstStyle/>
+            <a:p>
+              <a:pPr algn="ctr"/>
+              <a:endParaRPr kumimoji="1" lang="zh-CN" altLang="en-US"/>
+            </a:p>
+          </p:txBody>
+        </p:sp>
+        <p:sp>
+          <p:nvSpPr>
+            <p:cNvPr id="44" name="任意形状 43"/>
+            <p:cNvSpPr/>
+            <p:nvPr/>
+          </p:nvSpPr>
+          <p:spPr>
+            <a:xfrm>
+              <a:off x="22440900" y="2590800"/>
+              <a:ext cx="838200" cy="2387600"/>
+            </a:xfrm>
+            <a:custGeom>
+              <a:avLst/>
+              <a:gdLst>
+                <a:gd name="connsiteX0" fmla="*/ 0 w 838200"/>
+                <a:gd name="connsiteY0" fmla="*/ 2387600 h 2387600"/>
+                <a:gd name="connsiteX1" fmla="*/ 254000 w 838200"/>
+                <a:gd name="connsiteY1" fmla="*/ 2032000 h 2387600"/>
+                <a:gd name="connsiteX2" fmla="*/ 342900 w 838200"/>
+                <a:gd name="connsiteY2" fmla="*/ 1181100 h 2387600"/>
+                <a:gd name="connsiteX3" fmla="*/ 584200 w 838200"/>
+                <a:gd name="connsiteY3" fmla="*/ 215900 h 2387600"/>
+                <a:gd name="connsiteX4" fmla="*/ 838200 w 838200"/>
+                <a:gd name="connsiteY4" fmla="*/ 0 h 2387600"/>
+              </a:gdLst>
+              <a:ahLst/>
+              <a:cxnLst>
+                <a:cxn ang="0">
+                  <a:pos x="connsiteX0" y="connsiteY0"/>
+                </a:cxn>
+                <a:cxn ang="0">
+                  <a:pos x="connsiteX1" y="connsiteY1"/>
+                </a:cxn>
+                <a:cxn ang="0">
+                  <a:pos x="connsiteX2" y="connsiteY2"/>
+                </a:cxn>
+                <a:cxn ang="0">
+                  <a:pos x="connsiteX3" y="connsiteY3"/>
+                </a:cxn>
+                <a:cxn ang="0">
+                  <a:pos x="connsiteX4" y="connsiteY4"/>
+                </a:cxn>
+              </a:cxnLst>
+              <a:rect l="l" t="t" r="r" b="b"/>
+              <a:pathLst>
+                <a:path w="838200" h="2387600">
+                  <a:moveTo>
+                    <a:pt x="0" y="2387600"/>
+                  </a:moveTo>
+                  <a:cubicBezTo>
+                    <a:pt x="98425" y="2310341"/>
+                    <a:pt x="196850" y="2233083"/>
+                    <a:pt x="254000" y="2032000"/>
+                  </a:cubicBezTo>
+                  <a:cubicBezTo>
+                    <a:pt x="311150" y="1830917"/>
+                    <a:pt x="287867" y="1483783"/>
+                    <a:pt x="342900" y="1181100"/>
+                  </a:cubicBezTo>
+                  <a:cubicBezTo>
+                    <a:pt x="397933" y="878417"/>
+                    <a:pt x="501650" y="412750"/>
+                    <a:pt x="584200" y="215900"/>
+                  </a:cubicBezTo>
+                  <a:cubicBezTo>
+                    <a:pt x="666750" y="19050"/>
+                    <a:pt x="838200" y="0"/>
+                    <a:pt x="838200" y="0"/>
+                  </a:cubicBezTo>
+                </a:path>
+              </a:pathLst>
+            </a:custGeom>
+            <a:noFill/>
+          </p:spPr>
+          <p:style>
+            <a:lnRef idx="2">
+              <a:schemeClr val="accent1">
+                <a:shade val="50000"/>
+              </a:schemeClr>
+            </a:lnRef>
+            <a:fillRef idx="1">
+              <a:schemeClr val="accent1"/>
+            </a:fillRef>
+            <a:effectRef idx="0">
+              <a:schemeClr val="accent1"/>
+            </a:effectRef>
+            <a:fontRef idx="minor">
+              <a:schemeClr val="lt1"/>
+            </a:fontRef>
+          </p:style>
+          <p:txBody>
+            <a:bodyPr rtlCol="0" anchor="ctr"/>
+            <a:lstStyle/>
+            <a:p>
+              <a:pPr algn="ctr"/>
+              <a:endParaRPr kumimoji="1" lang="zh-CN" altLang="en-US"/>
+            </a:p>
+          </p:txBody>
+        </p:sp>
+        <p:sp>
+          <p:nvSpPr>
+            <p:cNvPr id="45" name="任意形状 44"/>
+            <p:cNvSpPr/>
+            <p:nvPr/>
+          </p:nvSpPr>
+          <p:spPr>
+            <a:xfrm>
+              <a:off x="22428200" y="3873500"/>
+              <a:ext cx="4039349" cy="1856201"/>
+            </a:xfrm>
+            <a:custGeom>
+              <a:avLst/>
+              <a:gdLst>
+                <a:gd name="connsiteX0" fmla="*/ 0 w 4039349"/>
+                <a:gd name="connsiteY0" fmla="*/ 0 h 1856201"/>
+                <a:gd name="connsiteX1" fmla="*/ 571500 w 4039349"/>
+                <a:gd name="connsiteY1" fmla="*/ 355600 h 1856201"/>
+                <a:gd name="connsiteX2" fmla="*/ 673100 w 4039349"/>
+                <a:gd name="connsiteY2" fmla="*/ 1092200 h 1856201"/>
+                <a:gd name="connsiteX3" fmla="*/ 787400 w 4039349"/>
+                <a:gd name="connsiteY3" fmla="*/ 1651000 h 1856201"/>
+                <a:gd name="connsiteX4" fmla="*/ 1409700 w 4039349"/>
+                <a:gd name="connsiteY4" fmla="*/ 1816100 h 1856201"/>
+                <a:gd name="connsiteX5" fmla="*/ 3797300 w 4039349"/>
+                <a:gd name="connsiteY5" fmla="*/ 1752600 h 1856201"/>
+                <a:gd name="connsiteX6" fmla="*/ 3937000 w 4039349"/>
+                <a:gd name="connsiteY6" fmla="*/ 774700 h 1856201"/>
+                <a:gd name="connsiteX7" fmla="*/ 3606800 w 4039349"/>
+                <a:gd name="connsiteY7" fmla="*/ 609600 h 1856201"/>
+              </a:gdLst>
+              <a:ahLst/>
+              <a:cxnLst>
+                <a:cxn ang="0">
+                  <a:pos x="connsiteX0" y="connsiteY0"/>
+                </a:cxn>
+                <a:cxn ang="0">
+                  <a:pos x="connsiteX1" y="connsiteY1"/>
+                </a:cxn>
+                <a:cxn ang="0">
+                  <a:pos x="connsiteX2" y="connsiteY2"/>
+                </a:cxn>
+                <a:cxn ang="0">
+                  <a:pos x="connsiteX3" y="connsiteY3"/>
+                </a:cxn>
+                <a:cxn ang="0">
+                  <a:pos x="connsiteX4" y="connsiteY4"/>
+                </a:cxn>
+                <a:cxn ang="0">
+                  <a:pos x="connsiteX5" y="connsiteY5"/>
+                </a:cxn>
+                <a:cxn ang="0">
+                  <a:pos x="connsiteX6" y="connsiteY6"/>
+                </a:cxn>
+                <a:cxn ang="0">
+                  <a:pos x="connsiteX7" y="connsiteY7"/>
+                </a:cxn>
+              </a:cxnLst>
+              <a:rect l="l" t="t" r="r" b="b"/>
+              <a:pathLst>
+                <a:path w="4039349" h="1856201">
+                  <a:moveTo>
+                    <a:pt x="0" y="0"/>
+                  </a:moveTo>
+                  <a:cubicBezTo>
+                    <a:pt x="229658" y="86783"/>
+                    <a:pt x="459317" y="173567"/>
+                    <a:pt x="571500" y="355600"/>
+                  </a:cubicBezTo>
+                  <a:cubicBezTo>
+                    <a:pt x="683683" y="537633"/>
+                    <a:pt x="637117" y="876300"/>
+                    <a:pt x="673100" y="1092200"/>
+                  </a:cubicBezTo>
+                  <a:cubicBezTo>
+                    <a:pt x="709083" y="1308100"/>
+                    <a:pt x="664633" y="1530350"/>
+                    <a:pt x="787400" y="1651000"/>
+                  </a:cubicBezTo>
+                  <a:cubicBezTo>
+                    <a:pt x="910167" y="1771650"/>
+                    <a:pt x="908050" y="1799167"/>
+                    <a:pt x="1409700" y="1816100"/>
+                  </a:cubicBezTo>
+                  <a:cubicBezTo>
+                    <a:pt x="1911350" y="1833033"/>
+                    <a:pt x="3376083" y="1926167"/>
+                    <a:pt x="3797300" y="1752600"/>
+                  </a:cubicBezTo>
+                  <a:cubicBezTo>
+                    <a:pt x="4218517" y="1579033"/>
+                    <a:pt x="3968750" y="965200"/>
+                    <a:pt x="3937000" y="774700"/>
+                  </a:cubicBezTo>
+                  <a:cubicBezTo>
+                    <a:pt x="3905250" y="584200"/>
+                    <a:pt x="3606800" y="609600"/>
+                    <a:pt x="3606800" y="609600"/>
+                  </a:cubicBezTo>
+                </a:path>
+              </a:pathLst>
+            </a:custGeom>
+            <a:noFill/>
+            <a:ln>
+              <a:tailEnd type="arrow"/>
+            </a:ln>
+          </p:spPr>
+          <p:style>
+            <a:lnRef idx="2">
+              <a:schemeClr val="accent1">
+                <a:shade val="50000"/>
+              </a:schemeClr>
+            </a:lnRef>
+            <a:fillRef idx="1">
+              <a:schemeClr val="accent1"/>
+            </a:fillRef>
+            <a:effectRef idx="0">
+              <a:schemeClr val="accent1"/>
+            </a:effectRef>
+            <a:fontRef idx="minor">
+              <a:schemeClr val="lt1"/>
+            </a:fontRef>
+          </p:style>
+          <p:txBody>
+            <a:bodyPr rtlCol="0" anchor="ctr"/>
+            <a:lstStyle/>
+            <a:p>
+              <a:pPr algn="ctr"/>
+              <a:endParaRPr kumimoji="1" lang="zh-CN" altLang="en-US"/>
+            </a:p>
+          </p:txBody>
+        </p:sp>
+        <p:sp>
+          <p:nvSpPr>
+            <p:cNvPr id="46" name="任意形状 45"/>
+            <p:cNvSpPr/>
+            <p:nvPr/>
+          </p:nvSpPr>
+          <p:spPr>
+            <a:xfrm>
+              <a:off x="22440900" y="2140592"/>
+              <a:ext cx="4078566" cy="2075808"/>
+            </a:xfrm>
+            <a:custGeom>
+              <a:avLst/>
+              <a:gdLst>
+                <a:gd name="connsiteX0" fmla="*/ 0 w 4078566"/>
+                <a:gd name="connsiteY0" fmla="*/ 2075808 h 2075808"/>
+                <a:gd name="connsiteX1" fmla="*/ 177800 w 4078566"/>
+                <a:gd name="connsiteY1" fmla="*/ 2012308 h 2075808"/>
+                <a:gd name="connsiteX2" fmla="*/ 215900 w 4078566"/>
+                <a:gd name="connsiteY2" fmla="*/ 1758308 h 2075808"/>
+                <a:gd name="connsiteX3" fmla="*/ 381000 w 4078566"/>
+                <a:gd name="connsiteY3" fmla="*/ 310508 h 2075808"/>
+                <a:gd name="connsiteX4" fmla="*/ 2006600 w 4078566"/>
+                <a:gd name="connsiteY4" fmla="*/ 5708 h 2075808"/>
+                <a:gd name="connsiteX5" fmla="*/ 3873500 w 4078566"/>
+                <a:gd name="connsiteY5" fmla="*/ 170808 h 2075808"/>
+                <a:gd name="connsiteX6" fmla="*/ 4000500 w 4078566"/>
+                <a:gd name="connsiteY6" fmla="*/ 856608 h 2075808"/>
+                <a:gd name="connsiteX7" fmla="*/ 3606800 w 4078566"/>
+                <a:gd name="connsiteY7" fmla="*/ 932808 h 2075808"/>
+              </a:gdLst>
+              <a:ahLst/>
+              <a:cxnLst>
+                <a:cxn ang="0">
+                  <a:pos x="connsiteX0" y="connsiteY0"/>
+                </a:cxn>
+                <a:cxn ang="0">
+                  <a:pos x="connsiteX1" y="connsiteY1"/>
+                </a:cxn>
+                <a:cxn ang="0">
+                  <a:pos x="connsiteX2" y="connsiteY2"/>
+                </a:cxn>
+                <a:cxn ang="0">
+                  <a:pos x="connsiteX3" y="connsiteY3"/>
+                </a:cxn>
+                <a:cxn ang="0">
+                  <a:pos x="connsiteX4" y="connsiteY4"/>
+                </a:cxn>
+                <a:cxn ang="0">
+                  <a:pos x="connsiteX5" y="connsiteY5"/>
+                </a:cxn>
+                <a:cxn ang="0">
+                  <a:pos x="connsiteX6" y="connsiteY6"/>
+                </a:cxn>
+                <a:cxn ang="0">
+                  <a:pos x="connsiteX7" y="connsiteY7"/>
+                </a:cxn>
+              </a:cxnLst>
+              <a:rect l="l" t="t" r="r" b="b"/>
+              <a:pathLst>
+                <a:path w="4078566" h="2075808">
+                  <a:moveTo>
+                    <a:pt x="0" y="2075808"/>
+                  </a:moveTo>
+                  <a:cubicBezTo>
+                    <a:pt x="70908" y="2070516"/>
+                    <a:pt x="141817" y="2065225"/>
+                    <a:pt x="177800" y="2012308"/>
+                  </a:cubicBezTo>
+                  <a:cubicBezTo>
+                    <a:pt x="213783" y="1959391"/>
+                    <a:pt x="182033" y="2041941"/>
+                    <a:pt x="215900" y="1758308"/>
+                  </a:cubicBezTo>
+                  <a:cubicBezTo>
+                    <a:pt x="249767" y="1474675"/>
+                    <a:pt x="82550" y="602608"/>
+                    <a:pt x="381000" y="310508"/>
+                  </a:cubicBezTo>
+                  <a:cubicBezTo>
+                    <a:pt x="679450" y="18408"/>
+                    <a:pt x="1424517" y="28991"/>
+                    <a:pt x="2006600" y="5708"/>
+                  </a:cubicBezTo>
+                  <a:cubicBezTo>
+                    <a:pt x="2588683" y="-17575"/>
+                    <a:pt x="3541183" y="28991"/>
+                    <a:pt x="3873500" y="170808"/>
+                  </a:cubicBezTo>
+                  <a:cubicBezTo>
+                    <a:pt x="4205817" y="312625"/>
+                    <a:pt x="4044950" y="729608"/>
+                    <a:pt x="4000500" y="856608"/>
+                  </a:cubicBezTo>
+                  <a:cubicBezTo>
+                    <a:pt x="3956050" y="983608"/>
+                    <a:pt x="3606800" y="932808"/>
+                    <a:pt x="3606800" y="932808"/>
+                  </a:cubicBezTo>
+                </a:path>
+              </a:pathLst>
+            </a:custGeom>
+            <a:noFill/>
+            <a:ln>
+              <a:tailEnd type="arrow"/>
+            </a:ln>
+          </p:spPr>
+          <p:style>
+            <a:lnRef idx="2">
+              <a:schemeClr val="accent1">
+                <a:shade val="50000"/>
+              </a:schemeClr>
+            </a:lnRef>
+            <a:fillRef idx="1">
+              <a:schemeClr val="accent1"/>
+            </a:fillRef>
+            <a:effectRef idx="0">
+              <a:schemeClr val="accent1"/>
+            </a:effectRef>
+            <a:fontRef idx="minor">
+              <a:schemeClr val="lt1"/>
+            </a:fontRef>
+          </p:style>
+          <p:txBody>
+            <a:bodyPr rtlCol="0" anchor="ctr"/>
+            <a:lstStyle/>
+            <a:p>
+              <a:pPr algn="ctr"/>
+              <a:endParaRPr kumimoji="1" lang="zh-CN" altLang="en-US"/>
+            </a:p>
+          </p:txBody>
+        </p:sp>
+      </p:grpSp>
+      <p:grpSp>
+        <p:nvGrpSpPr>
+          <p:cNvPr id="5" name="组 4"/>
+          <p:cNvGrpSpPr/>
+          <p:nvPr/>
+        </p:nvGrpSpPr>
+        <p:grpSpPr>
+          <a:xfrm>
+            <a:off x="2481641" y="8819933"/>
+            <a:ext cx="4278232" cy="5315010"/>
+            <a:chOff x="11122422" y="6670569"/>
+            <a:chExt cx="4278232" cy="5315010"/>
+          </a:xfrm>
+        </p:grpSpPr>
+        <p:sp>
+          <p:nvSpPr>
+            <p:cNvPr id="11" name="文本框 10"/>
+            <p:cNvSpPr txBox="1"/>
+            <p:nvPr/>
+          </p:nvSpPr>
+          <p:spPr>
+            <a:xfrm>
+              <a:off x="11212581" y="6679424"/>
+              <a:ext cx="3021341" cy="369332"/>
+            </a:xfrm>
+            <a:prstGeom prst="rect">
+              <a:avLst/>
+            </a:prstGeom>
+            <a:noFill/>
+            <a:ln>
+              <a:noFill/>
+            </a:ln>
+          </p:spPr>
+          <p:txBody>
+            <a:bodyPr wrap="square" rtlCol="0">
+              <a:spAutoFit/>
+            </a:bodyPr>
+            <a:lstStyle/>
+            <a:p>
+              <a:r>
+                <a:rPr kumimoji="1" lang="en-US" altLang="zh-CN" sz="1800" b="1"/>
+                <a:t>binder_io</a:t>
+              </a:r>
+              <a:r>
+                <a:rPr kumimoji="1" lang="en-US" altLang="zh-CN" sz="1800"/>
+                <a:t>:</a:t>
+              </a:r>
+              <a:r>
+                <a:rPr kumimoji="1" lang="zh-CN" altLang="en-US" sz="1800"/>
+                <a:t> </a:t>
+              </a:r>
+              <a:r>
+                <a:rPr kumimoji="1" lang="en-US" altLang="zh-CN" sz="1800">
+                  <a:solidFill>
+                    <a:srgbClr val="FF0000"/>
+                  </a:solidFill>
+                </a:rPr>
+                <a:t>msg</a:t>
+              </a:r>
+              <a:endParaRPr kumimoji="1" lang="zh-CN" altLang="en-US" sz="1800">
+                <a:solidFill>
+                  <a:srgbClr val="FF0000"/>
+                </a:solidFill>
+              </a:endParaRPr>
+            </a:p>
+          </p:txBody>
+        </p:sp>
+        <p:sp>
+          <p:nvSpPr>
+            <p:cNvPr id="12" name="文本框 11"/>
+            <p:cNvSpPr txBox="1"/>
+            <p:nvPr/>
+          </p:nvSpPr>
+          <p:spPr>
+            <a:xfrm>
+              <a:off x="11212581" y="7047724"/>
+              <a:ext cx="4062717" cy="646331"/>
+            </a:xfrm>
+            <a:prstGeom prst="rect">
+              <a:avLst/>
+            </a:prstGeom>
+            <a:noFill/>
+            <a:ln>
+              <a:solidFill>
+                <a:schemeClr val="tx1"/>
+              </a:solidFill>
+            </a:ln>
+          </p:spPr>
+          <p:txBody>
+            <a:bodyPr wrap="square" rtlCol="0">
+              <a:spAutoFit/>
+            </a:bodyPr>
+            <a:lstStyle/>
+            <a:p>
+              <a:r>
+                <a:rPr kumimoji="1" lang="en-US" altLang="zh-CN" sz="1800"/>
+                <a:t>char</a:t>
+              </a:r>
+              <a:r>
+                <a:rPr kumimoji="1" lang="zh-CN" altLang="en-US" sz="1800"/>
+                <a:t>* </a:t>
+              </a:r>
+              <a:r>
+                <a:rPr kumimoji="1" lang="en-US" altLang="zh-CN" sz="1800"/>
+                <a:t>data:</a:t>
+              </a:r>
+              <a:r>
+                <a:rPr kumimoji="1" lang="zh-CN" altLang="en-US" sz="1800"/>
+                <a:t> </a:t>
+              </a:r>
+            </a:p>
+            <a:p>
+              <a:r>
+                <a:rPr kumimoji="1" lang="en-US" altLang="zh-CN" sz="1800">
+                  <a:solidFill>
+                    <a:srgbClr val="FF0000"/>
+                  </a:solidFill>
+                </a:rPr>
+                <a:t>txn-&gt;data.ptr.buffer</a:t>
+              </a:r>
+              <a:endParaRPr kumimoji="1" lang="zh-CN" altLang="en-US" sz="1800">
+                <a:solidFill>
+                  <a:srgbClr val="FF0000"/>
+                </a:solidFill>
+              </a:endParaRPr>
+            </a:p>
+          </p:txBody>
+        </p:sp>
+        <p:sp>
+          <p:nvSpPr>
+            <p:cNvPr id="13" name="文本框 12"/>
+            <p:cNvSpPr txBox="1"/>
+            <p:nvPr/>
+          </p:nvSpPr>
+          <p:spPr>
+            <a:xfrm>
+              <a:off x="11212583" y="7691013"/>
+              <a:ext cx="4062717" cy="646331"/>
+            </a:xfrm>
+            <a:prstGeom prst="rect">
+              <a:avLst/>
+            </a:prstGeom>
+            <a:noFill/>
+            <a:ln>
+              <a:solidFill>
+                <a:schemeClr val="tx1"/>
+              </a:solidFill>
+            </a:ln>
+          </p:spPr>
+          <p:txBody>
+            <a:bodyPr wrap="square" rtlCol="0">
+              <a:spAutoFit/>
+            </a:bodyPr>
+            <a:lstStyle/>
+            <a:p>
+              <a:r>
+                <a:rPr kumimoji="1" lang="en-US" altLang="zh-CN" sz="1800"/>
+                <a:t>binder_size_t</a:t>
+              </a:r>
+              <a:r>
+                <a:rPr kumimoji="1" lang="zh-CN" altLang="en-US" sz="1800"/>
+                <a:t>* </a:t>
+              </a:r>
+              <a:r>
+                <a:rPr kumimoji="1" lang="en-US" altLang="zh-CN" sz="1800"/>
+                <a:t>offs:</a:t>
+              </a:r>
+              <a:r>
+                <a:rPr kumimoji="1" lang="zh-CN" altLang="en-US" sz="1800"/>
+                <a:t> </a:t>
+              </a:r>
+            </a:p>
+            <a:p>
+              <a:r>
+                <a:rPr kumimoji="1" lang="en-US" altLang="zh-CN" sz="1800">
+                  <a:solidFill>
+                    <a:srgbClr val="FF0000"/>
+                  </a:solidFill>
+                </a:rPr>
+                <a:t>txn-&gt;data.ptr.offsets</a:t>
+              </a:r>
+              <a:endParaRPr kumimoji="1" lang="zh-CN" altLang="en-US" sz="1800">
+                <a:solidFill>
+                  <a:srgbClr val="FF0000"/>
+                </a:solidFill>
+              </a:endParaRPr>
+            </a:p>
+          </p:txBody>
+        </p:sp>
+        <p:sp>
+          <p:nvSpPr>
+            <p:cNvPr id="14" name="文本框 13"/>
+            <p:cNvSpPr txBox="1"/>
+            <p:nvPr/>
+          </p:nvSpPr>
+          <p:spPr>
+            <a:xfrm>
+              <a:off x="11212581" y="8331691"/>
+              <a:ext cx="4062717" cy="646331"/>
+            </a:xfrm>
+            <a:prstGeom prst="rect">
+              <a:avLst/>
+            </a:prstGeom>
+            <a:noFill/>
+            <a:ln>
+              <a:solidFill>
+                <a:schemeClr val="tx1"/>
+              </a:solidFill>
+            </a:ln>
+          </p:spPr>
+          <p:txBody>
+            <a:bodyPr wrap="square" rtlCol="0">
+              <a:spAutoFit/>
+            </a:bodyPr>
+            <a:lstStyle/>
+            <a:p>
+              <a:r>
+                <a:rPr kumimoji="1" lang="en-US" altLang="zh-CN" sz="1800"/>
+                <a:t>size_t</a:t>
+              </a:r>
+              <a:r>
+                <a:rPr kumimoji="1" lang="zh-CN" altLang="en-US" sz="1800"/>
+                <a:t> </a:t>
+              </a:r>
+              <a:r>
+                <a:rPr kumimoji="1" lang="en-US" altLang="zh-CN" sz="1800"/>
+                <a:t>data_avail:</a:t>
+              </a:r>
+              <a:r>
+                <a:rPr kumimoji="1" lang="zh-CN" altLang="en-US" sz="1800"/>
+                <a:t> </a:t>
+              </a:r>
+            </a:p>
+            <a:p>
+              <a:r>
+                <a:rPr kumimoji="1" lang="en-US" altLang="zh-CN" sz="1800">
+                  <a:solidFill>
+                    <a:srgbClr val="FF0000"/>
+                  </a:solidFill>
+                </a:rPr>
+                <a:t>txn-&gt;data_size</a:t>
+              </a:r>
+              <a:endParaRPr kumimoji="1" lang="zh-CN" altLang="en-US" sz="1800">
+                <a:solidFill>
+                  <a:srgbClr val="FF0000"/>
+                </a:solidFill>
+              </a:endParaRPr>
+            </a:p>
+          </p:txBody>
+        </p:sp>
+        <p:sp>
+          <p:nvSpPr>
+            <p:cNvPr id="15" name="文本框 14"/>
+            <p:cNvSpPr txBox="1"/>
+            <p:nvPr/>
+          </p:nvSpPr>
+          <p:spPr>
+            <a:xfrm>
+              <a:off x="11212581" y="8981152"/>
+              <a:ext cx="4062717" cy="646331"/>
+            </a:xfrm>
+            <a:prstGeom prst="rect">
+              <a:avLst/>
+            </a:prstGeom>
+            <a:noFill/>
+            <a:ln>
+              <a:solidFill>
+                <a:schemeClr val="tx1"/>
+              </a:solidFill>
+            </a:ln>
+          </p:spPr>
+          <p:txBody>
+            <a:bodyPr wrap="square" rtlCol="0">
+              <a:spAutoFit/>
+            </a:bodyPr>
+            <a:lstStyle/>
+            <a:p>
+              <a:r>
+                <a:rPr kumimoji="1" lang="en-US" altLang="zh-CN" sz="1800"/>
+                <a:t>size_t</a:t>
+              </a:r>
+              <a:r>
+                <a:rPr kumimoji="1" lang="zh-CN" altLang="en-US" sz="1800"/>
+                <a:t> </a:t>
+              </a:r>
+              <a:r>
+                <a:rPr kumimoji="1" lang="en-US" altLang="zh-CN" sz="1800"/>
+                <a:t>offs_avail:</a:t>
+              </a:r>
+              <a:r>
+                <a:rPr kumimoji="1" lang="zh-CN" altLang="en-US" sz="1800"/>
+                <a:t> </a:t>
+              </a:r>
+            </a:p>
+            <a:p>
+              <a:r>
+                <a:rPr kumimoji="1" lang="en-US" altLang="zh-CN" sz="1800">
+                  <a:solidFill>
+                    <a:srgbClr val="FF0000"/>
+                  </a:solidFill>
+                </a:rPr>
+                <a:t>txn-&gt;offsets_size/sizeof(size_t)</a:t>
+              </a:r>
+              <a:endParaRPr kumimoji="1" lang="zh-CN" altLang="en-US" sz="1800">
+                <a:solidFill>
+                  <a:srgbClr val="FF0000"/>
+                </a:solidFill>
+              </a:endParaRPr>
+            </a:p>
+          </p:txBody>
+        </p:sp>
+        <p:sp>
+          <p:nvSpPr>
+            <p:cNvPr id="16" name="文本框 15"/>
+            <p:cNvSpPr txBox="1"/>
+            <p:nvPr/>
+          </p:nvSpPr>
+          <p:spPr>
+            <a:xfrm>
+              <a:off x="11212581" y="9621228"/>
+              <a:ext cx="4062717" cy="646331"/>
+            </a:xfrm>
+            <a:prstGeom prst="rect">
+              <a:avLst/>
+            </a:prstGeom>
+            <a:noFill/>
+            <a:ln>
+              <a:solidFill>
+                <a:schemeClr val="tx1"/>
+              </a:solidFill>
+            </a:ln>
+          </p:spPr>
+          <p:txBody>
+            <a:bodyPr wrap="square" rtlCol="0">
+              <a:spAutoFit/>
+            </a:bodyPr>
+            <a:lstStyle/>
+            <a:p>
+              <a:r>
+                <a:rPr kumimoji="1" lang="en-US" altLang="zh-CN" sz="1800"/>
+                <a:t>char</a:t>
+              </a:r>
+              <a:r>
+                <a:rPr kumimoji="1" lang="zh-CN" altLang="en-US" sz="1800"/>
+                <a:t>* </a:t>
+              </a:r>
+              <a:r>
+                <a:rPr kumimoji="1" lang="en-US" altLang="zh-CN" sz="1800"/>
+                <a:t>data0:</a:t>
+              </a:r>
+              <a:r>
+                <a:rPr kumimoji="1" lang="zh-CN" altLang="en-US" sz="1800"/>
+                <a:t> </a:t>
+              </a:r>
+            </a:p>
+            <a:p>
+              <a:r>
+                <a:rPr kumimoji="1" lang="en-US" altLang="zh-CN" sz="1800">
+                  <a:solidFill>
+                    <a:srgbClr val="FF0000"/>
+                  </a:solidFill>
+                </a:rPr>
+                <a:t>txn-&gt;data.ptr.buffer</a:t>
+              </a:r>
+              <a:endParaRPr kumimoji="1" lang="zh-CN" altLang="en-US" sz="1800">
+                <a:solidFill>
+                  <a:srgbClr val="FF0000"/>
+                </a:solidFill>
+              </a:endParaRPr>
+            </a:p>
+          </p:txBody>
+        </p:sp>
+        <p:sp>
+          <p:nvSpPr>
+            <p:cNvPr id="17" name="文本框 16"/>
+            <p:cNvSpPr txBox="1"/>
+            <p:nvPr/>
+          </p:nvSpPr>
+          <p:spPr>
+            <a:xfrm>
+              <a:off x="11212581" y="10255906"/>
+              <a:ext cx="4062717" cy="646331"/>
+            </a:xfrm>
+            <a:prstGeom prst="rect">
+              <a:avLst/>
+            </a:prstGeom>
+            <a:noFill/>
+            <a:ln>
+              <a:solidFill>
+                <a:schemeClr val="tx1"/>
+              </a:solidFill>
+            </a:ln>
+          </p:spPr>
+          <p:txBody>
+            <a:bodyPr wrap="square" rtlCol="0">
+              <a:spAutoFit/>
+            </a:bodyPr>
+            <a:lstStyle/>
+            <a:p>
+              <a:r>
+                <a:rPr kumimoji="1" lang="en-US" altLang="zh-CN" sz="1800"/>
+                <a:t>binder_size_t</a:t>
+              </a:r>
+              <a:r>
+                <a:rPr kumimoji="1" lang="zh-CN" altLang="en-US" sz="1800"/>
+                <a:t>* </a:t>
+              </a:r>
+              <a:r>
+                <a:rPr kumimoji="1" lang="en-US" altLang="zh-CN" sz="1800"/>
+                <a:t>offs0:</a:t>
+              </a:r>
+              <a:r>
+                <a:rPr kumimoji="1" lang="zh-CN" altLang="en-US" sz="1800"/>
+                <a:t> </a:t>
+              </a:r>
+            </a:p>
+            <a:p>
+              <a:r>
+                <a:rPr kumimoji="1" lang="en-US" altLang="zh-CN" sz="1800">
+                  <a:solidFill>
+                    <a:srgbClr val="FF0000"/>
+                  </a:solidFill>
+                </a:rPr>
+                <a:t>txn-&gt;data.ptr.offsets</a:t>
+              </a:r>
+              <a:endParaRPr kumimoji="1" lang="zh-CN" altLang="en-US" sz="1800">
+                <a:solidFill>
+                  <a:srgbClr val="FF0000"/>
+                </a:solidFill>
+              </a:endParaRPr>
+            </a:p>
+          </p:txBody>
+        </p:sp>
+        <p:sp>
+          <p:nvSpPr>
+            <p:cNvPr id="18" name="文本框 17"/>
+            <p:cNvSpPr txBox="1"/>
+            <p:nvPr/>
+          </p:nvSpPr>
+          <p:spPr>
+            <a:xfrm>
+              <a:off x="11212581" y="10898392"/>
+              <a:ext cx="4062717" cy="646331"/>
+            </a:xfrm>
+            <a:prstGeom prst="rect">
+              <a:avLst/>
+            </a:prstGeom>
+            <a:noFill/>
+            <a:ln>
+              <a:solidFill>
+                <a:schemeClr val="tx1"/>
+              </a:solidFill>
+            </a:ln>
+          </p:spPr>
+          <p:txBody>
+            <a:bodyPr wrap="square" rtlCol="0">
+              <a:spAutoFit/>
+            </a:bodyPr>
+            <a:lstStyle/>
+            <a:p>
+              <a:r>
+                <a:rPr kumimoji="1" lang="en-US" altLang="zh-CN" sz="1800"/>
+                <a:t>uint32_t</a:t>
+              </a:r>
+              <a:r>
+                <a:rPr kumimoji="1" lang="zh-CN" altLang="en-US" sz="1800"/>
+                <a:t>* </a:t>
+              </a:r>
+              <a:r>
+                <a:rPr kumimoji="1" lang="en-US" altLang="zh-CN" sz="1800"/>
+                <a:t>flags:</a:t>
+              </a:r>
+              <a:r>
+                <a:rPr kumimoji="1" lang="zh-CN" altLang="en-US" sz="1800"/>
+                <a:t> </a:t>
+              </a:r>
+            </a:p>
+            <a:p>
+              <a:r>
+                <a:rPr kumimoji="1" lang="en-US" altLang="zh-CN" sz="1800">
+                  <a:solidFill>
+                    <a:srgbClr val="FF0000"/>
+                  </a:solidFill>
+                </a:rPr>
+                <a:t>BIO_F_SHARED</a:t>
+              </a:r>
+              <a:r>
+                <a:rPr kumimoji="1" lang="zh-CN" altLang="en-US" sz="1800">
+                  <a:solidFill>
+                    <a:srgbClr val="FF0000"/>
+                  </a:solidFill>
+                </a:rPr>
+                <a:t> </a:t>
+              </a:r>
+              <a:r>
+                <a:rPr kumimoji="1" lang="en-US" altLang="zh-CN" sz="1800">
+                  <a:solidFill>
+                    <a:srgbClr val="FF0000"/>
+                  </a:solidFill>
+                </a:rPr>
+                <a:t>0x01</a:t>
+              </a:r>
+              <a:endParaRPr kumimoji="1" lang="zh-CN" altLang="en-US" sz="1800">
+                <a:solidFill>
+                  <a:srgbClr val="FF0000"/>
+                </a:solidFill>
+              </a:endParaRPr>
+            </a:p>
+          </p:txBody>
+        </p:sp>
+        <p:sp>
+          <p:nvSpPr>
+            <p:cNvPr id="19" name="文本框 18"/>
+            <p:cNvSpPr txBox="1"/>
+            <p:nvPr/>
+          </p:nvSpPr>
+          <p:spPr>
+            <a:xfrm>
+              <a:off x="11212581" y="11550090"/>
+              <a:ext cx="4062717" cy="369332"/>
+            </a:xfrm>
+            <a:prstGeom prst="rect">
+              <a:avLst/>
+            </a:prstGeom>
+            <a:noFill/>
+            <a:ln>
+              <a:solidFill>
+                <a:schemeClr val="tx1"/>
+              </a:solidFill>
+            </a:ln>
+          </p:spPr>
+          <p:txBody>
+            <a:bodyPr wrap="square" rtlCol="0">
+              <a:spAutoFit/>
+            </a:bodyPr>
+            <a:lstStyle/>
+            <a:p>
+              <a:r>
+                <a:rPr kumimoji="1" lang="en-US" altLang="zh-CN" sz="1800"/>
+                <a:t>uint32_t</a:t>
+              </a:r>
+              <a:r>
+                <a:rPr kumimoji="1" lang="zh-CN" altLang="en-US" sz="1800"/>
+                <a:t>* </a:t>
+              </a:r>
+              <a:r>
+                <a:rPr kumimoji="1" lang="en-US" altLang="zh-CN" sz="1800"/>
+                <a:t>unused</a:t>
+              </a:r>
+              <a:endParaRPr kumimoji="1" lang="zh-CN" altLang="en-US" sz="1800">
+                <a:solidFill>
+                  <a:srgbClr val="FF0000"/>
+                </a:solidFill>
+              </a:endParaRPr>
+            </a:p>
+          </p:txBody>
+        </p:sp>
+        <p:sp>
+          <p:nvSpPr>
+            <p:cNvPr id="20" name="矩形 19"/>
+            <p:cNvSpPr/>
+            <p:nvPr/>
+          </p:nvSpPr>
+          <p:spPr>
+            <a:xfrm>
+              <a:off x="11122422" y="6670569"/>
+              <a:ext cx="4278232" cy="5315010"/>
+            </a:xfrm>
+            <a:prstGeom prst="rect">
+              <a:avLst/>
+            </a:prstGeom>
+            <a:noFill/>
+            <a:ln>
+              <a:solidFill>
+                <a:schemeClr val="tx1"/>
+              </a:solidFill>
+            </a:ln>
+          </p:spPr>
+          <p:style>
+            <a:lnRef idx="2">
+              <a:schemeClr val="accent1">
+                <a:shade val="50000"/>
+              </a:schemeClr>
+            </a:lnRef>
+            <a:fillRef idx="1">
+              <a:schemeClr val="accent1"/>
+            </a:fillRef>
+            <a:effectRef idx="0">
+              <a:schemeClr val="accent1"/>
+            </a:effectRef>
+            <a:fontRef idx="minor">
+              <a:schemeClr val="lt1"/>
+            </a:fontRef>
+          </p:style>
+          <p:txBody>
+            <a:bodyPr rtlCol="0" anchor="ctr"/>
+            <a:lstStyle/>
+            <a:p>
+              <a:pPr algn="ctr"/>
+              <a:endParaRPr kumimoji="1" lang="zh-CN" altLang="en-US"/>
+            </a:p>
+          </p:txBody>
+        </p:sp>
+      </p:grpSp>
+      <p:sp>
+        <p:nvSpPr>
+          <p:cNvPr id="6" name="任意形状 5"/>
+          <p:cNvSpPr/>
+          <p:nvPr/>
+        </p:nvSpPr>
+        <p:spPr>
+          <a:xfrm>
+            <a:off x="6629400" y="3467100"/>
+            <a:ext cx="1562100" cy="6070600"/>
+          </a:xfrm>
+          <a:custGeom>
+            <a:avLst/>
+            <a:gdLst>
+              <a:gd name="connsiteX0" fmla="*/ 0 w 1562100"/>
+              <a:gd name="connsiteY0" fmla="*/ 6070600 h 6070600"/>
+              <a:gd name="connsiteX1" fmla="*/ 355600 w 1562100"/>
+              <a:gd name="connsiteY1" fmla="*/ 5562600 h 6070600"/>
+              <a:gd name="connsiteX2" fmla="*/ 571500 w 1562100"/>
+              <a:gd name="connsiteY2" fmla="*/ 3340100 h 6070600"/>
+              <a:gd name="connsiteX3" fmla="*/ 990600 w 1562100"/>
+              <a:gd name="connsiteY3" fmla="*/ 762000 h 6070600"/>
+              <a:gd name="connsiteX4" fmla="*/ 1562100 w 1562100"/>
+              <a:gd name="connsiteY4" fmla="*/ 0 h 6070600"/>
+            </a:gdLst>
+            <a:ahLst/>
+            <a:cxnLst>
+              <a:cxn ang="0">
+                <a:pos x="connsiteX0" y="connsiteY0"/>
+              </a:cxn>
+              <a:cxn ang="0">
+                <a:pos x="connsiteX1" y="connsiteY1"/>
+              </a:cxn>
+              <a:cxn ang="0">
+                <a:pos x="connsiteX2" y="connsiteY2"/>
+              </a:cxn>
+              <a:cxn ang="0">
+                <a:pos x="connsiteX3" y="connsiteY3"/>
+              </a:cxn>
+              <a:cxn ang="0">
+                <a:pos x="connsiteX4" y="connsiteY4"/>
+              </a:cxn>
+            </a:cxnLst>
+            <a:rect l="l" t="t" r="r" b="b"/>
+            <a:pathLst>
+              <a:path w="1562100" h="6070600">
+                <a:moveTo>
+                  <a:pt x="0" y="6070600"/>
+                </a:moveTo>
+                <a:cubicBezTo>
+                  <a:pt x="130175" y="6044141"/>
+                  <a:pt x="260350" y="6017683"/>
+                  <a:pt x="355600" y="5562600"/>
+                </a:cubicBezTo>
+                <a:cubicBezTo>
+                  <a:pt x="450850" y="5107517"/>
+                  <a:pt x="465667" y="4140200"/>
+                  <a:pt x="571500" y="3340100"/>
+                </a:cubicBezTo>
+                <a:cubicBezTo>
+                  <a:pt x="677333" y="2540000"/>
+                  <a:pt x="825500" y="1318683"/>
+                  <a:pt x="990600" y="762000"/>
+                </a:cubicBezTo>
+                <a:cubicBezTo>
+                  <a:pt x="1155700" y="205317"/>
+                  <a:pt x="1562100" y="0"/>
+                  <a:pt x="1562100" y="0"/>
+                </a:cubicBezTo>
+              </a:path>
+            </a:pathLst>
+          </a:custGeom>
+          <a:noFill/>
+          <a:ln>
+            <a:solidFill>
+              <a:srgbClr val="FF0000"/>
+            </a:solidFill>
+            <a:tailEnd type="arrow"/>
+          </a:ln>
+        </p:spPr>
+        <p:style>
+          <a:lnRef idx="2">
+            <a:schemeClr val="accent1">
+              <a:shade val="50000"/>
+            </a:schemeClr>
+          </a:lnRef>
+          <a:fillRef idx="1">
+            <a:schemeClr val="accent1"/>
+          </a:fillRef>
+          <a:effectRef idx="0">
+            <a:schemeClr val="accent1"/>
+          </a:effectRef>
+          <a:fontRef idx="minor">
+            <a:schemeClr val="lt1"/>
+          </a:fontRef>
+        </p:style>
+        <p:txBody>
+          <a:bodyPr rtlCol="0" anchor="ctr"/>
+          <a:lstStyle/>
+          <a:p>
+            <a:pPr algn="ctr"/>
+            <a:endParaRPr kumimoji="1" lang="zh-CN" altLang="en-US"/>
+          </a:p>
+        </p:txBody>
+      </p:sp>
+      <p:sp>
+        <p:nvSpPr>
+          <p:cNvPr id="7" name="任意形状 6"/>
+          <p:cNvSpPr/>
+          <p:nvPr/>
+        </p:nvSpPr>
+        <p:spPr>
+          <a:xfrm>
+            <a:off x="6616700" y="3492500"/>
+            <a:ext cx="1549400" cy="8636000"/>
+          </a:xfrm>
+          <a:custGeom>
+            <a:avLst/>
+            <a:gdLst>
+              <a:gd name="connsiteX0" fmla="*/ 0 w 1549400"/>
+              <a:gd name="connsiteY0" fmla="*/ 8636000 h 8636000"/>
+              <a:gd name="connsiteX1" fmla="*/ 457200 w 1549400"/>
+              <a:gd name="connsiteY1" fmla="*/ 7874000 h 8636000"/>
+              <a:gd name="connsiteX2" fmla="*/ 635000 w 1549400"/>
+              <a:gd name="connsiteY2" fmla="*/ 4635500 h 8636000"/>
+              <a:gd name="connsiteX3" fmla="*/ 1003300 w 1549400"/>
+              <a:gd name="connsiteY3" fmla="*/ 1117600 h 8636000"/>
+              <a:gd name="connsiteX4" fmla="*/ 1549400 w 1549400"/>
+              <a:gd name="connsiteY4" fmla="*/ 0 h 8636000"/>
+            </a:gdLst>
+            <a:ahLst/>
+            <a:cxnLst>
+              <a:cxn ang="0">
+                <a:pos x="connsiteX0" y="connsiteY0"/>
+              </a:cxn>
+              <a:cxn ang="0">
+                <a:pos x="connsiteX1" y="connsiteY1"/>
+              </a:cxn>
+              <a:cxn ang="0">
+                <a:pos x="connsiteX2" y="connsiteY2"/>
+              </a:cxn>
+              <a:cxn ang="0">
+                <a:pos x="connsiteX3" y="connsiteY3"/>
+              </a:cxn>
+              <a:cxn ang="0">
+                <a:pos x="connsiteX4" y="connsiteY4"/>
+              </a:cxn>
+            </a:cxnLst>
+            <a:rect l="l" t="t" r="r" b="b"/>
+            <a:pathLst>
+              <a:path w="1549400" h="8636000">
+                <a:moveTo>
+                  <a:pt x="0" y="8636000"/>
+                </a:moveTo>
+                <a:cubicBezTo>
+                  <a:pt x="175683" y="8588375"/>
+                  <a:pt x="351367" y="8540750"/>
+                  <a:pt x="457200" y="7874000"/>
+                </a:cubicBezTo>
+                <a:cubicBezTo>
+                  <a:pt x="563033" y="7207250"/>
+                  <a:pt x="543983" y="5761567"/>
+                  <a:pt x="635000" y="4635500"/>
+                </a:cubicBezTo>
+                <a:cubicBezTo>
+                  <a:pt x="726017" y="3509433"/>
+                  <a:pt x="850900" y="1890183"/>
+                  <a:pt x="1003300" y="1117600"/>
+                </a:cubicBezTo>
+                <a:cubicBezTo>
+                  <a:pt x="1155700" y="345017"/>
+                  <a:pt x="1549400" y="0"/>
+                  <a:pt x="1549400" y="0"/>
+                </a:cubicBezTo>
+              </a:path>
+            </a:pathLst>
+          </a:custGeom>
+          <a:noFill/>
+          <a:ln>
+            <a:solidFill>
+              <a:srgbClr val="FF0000"/>
+            </a:solidFill>
+          </a:ln>
+        </p:spPr>
+        <p:style>
+          <a:lnRef idx="2">
+            <a:schemeClr val="accent1">
+              <a:shade val="50000"/>
+            </a:schemeClr>
+          </a:lnRef>
+          <a:fillRef idx="1">
+            <a:schemeClr val="accent1"/>
+          </a:fillRef>
+          <a:effectRef idx="0">
+            <a:schemeClr val="accent1"/>
+          </a:effectRef>
+          <a:fontRef idx="minor">
+            <a:schemeClr val="lt1"/>
+          </a:fontRef>
+        </p:style>
+        <p:txBody>
+          <a:bodyPr rtlCol="0" anchor="ctr"/>
+          <a:lstStyle/>
+          <a:p>
+            <a:pPr algn="ctr"/>
+            <a:endParaRPr kumimoji="1" lang="zh-CN" altLang="en-US"/>
+          </a:p>
+        </p:txBody>
+      </p:sp>
+      <p:sp>
+        <p:nvSpPr>
+          <p:cNvPr id="8" name="任意形状 7"/>
+          <p:cNvSpPr/>
+          <p:nvPr/>
+        </p:nvSpPr>
+        <p:spPr>
+          <a:xfrm>
+            <a:off x="6629400" y="8166100"/>
+            <a:ext cx="1638300" cy="2006600"/>
+          </a:xfrm>
+          <a:custGeom>
+            <a:avLst/>
+            <a:gdLst>
+              <a:gd name="connsiteX0" fmla="*/ 0 w 1638300"/>
+              <a:gd name="connsiteY0" fmla="*/ 2006600 h 2006600"/>
+              <a:gd name="connsiteX1" fmla="*/ 736600 w 1638300"/>
+              <a:gd name="connsiteY1" fmla="*/ 1397000 h 2006600"/>
+              <a:gd name="connsiteX2" fmla="*/ 1219200 w 1638300"/>
+              <a:gd name="connsiteY2" fmla="*/ 571500 h 2006600"/>
+              <a:gd name="connsiteX3" fmla="*/ 1638300 w 1638300"/>
+              <a:gd name="connsiteY3" fmla="*/ 0 h 2006600"/>
+            </a:gdLst>
+            <a:ahLst/>
+            <a:cxnLst>
+              <a:cxn ang="0">
+                <a:pos x="connsiteX0" y="connsiteY0"/>
+              </a:cxn>
+              <a:cxn ang="0">
+                <a:pos x="connsiteX1" y="connsiteY1"/>
+              </a:cxn>
+              <a:cxn ang="0">
+                <a:pos x="connsiteX2" y="connsiteY2"/>
+              </a:cxn>
+              <a:cxn ang="0">
+                <a:pos x="connsiteX3" y="connsiteY3"/>
+              </a:cxn>
+            </a:cxnLst>
+            <a:rect l="l" t="t" r="r" b="b"/>
+            <a:pathLst>
+              <a:path w="1638300" h="2006600">
+                <a:moveTo>
+                  <a:pt x="0" y="2006600"/>
+                </a:moveTo>
+                <a:cubicBezTo>
+                  <a:pt x="266700" y="1821391"/>
+                  <a:pt x="533400" y="1636183"/>
+                  <a:pt x="736600" y="1397000"/>
+                </a:cubicBezTo>
+                <a:cubicBezTo>
+                  <a:pt x="939800" y="1157817"/>
+                  <a:pt x="1068917" y="804333"/>
+                  <a:pt x="1219200" y="571500"/>
+                </a:cubicBezTo>
+                <a:cubicBezTo>
+                  <a:pt x="1369483" y="338667"/>
+                  <a:pt x="1638300" y="0"/>
+                  <a:pt x="1638300" y="0"/>
+                </a:cubicBezTo>
+              </a:path>
+            </a:pathLst>
+          </a:custGeom>
+          <a:noFill/>
+          <a:ln>
+            <a:solidFill>
+              <a:srgbClr val="FF0000"/>
+            </a:solidFill>
+            <a:tailEnd type="arrow"/>
+          </a:ln>
+        </p:spPr>
+        <p:style>
+          <a:lnRef idx="2">
+            <a:schemeClr val="accent1">
+              <a:shade val="50000"/>
+            </a:schemeClr>
+          </a:lnRef>
+          <a:fillRef idx="1">
+            <a:schemeClr val="accent1"/>
+          </a:fillRef>
+          <a:effectRef idx="0">
+            <a:schemeClr val="accent1"/>
+          </a:effectRef>
+          <a:fontRef idx="minor">
+            <a:schemeClr val="lt1"/>
+          </a:fontRef>
+        </p:style>
+        <p:txBody>
+          <a:bodyPr rtlCol="0" anchor="ctr"/>
+          <a:lstStyle/>
+          <a:p>
+            <a:pPr algn="ctr"/>
+            <a:endParaRPr kumimoji="1" lang="zh-CN" altLang="en-US"/>
+          </a:p>
+        </p:txBody>
+      </p:sp>
+      <p:sp>
+        <p:nvSpPr>
+          <p:cNvPr id="9" name="任意形状 8"/>
+          <p:cNvSpPr/>
+          <p:nvPr/>
+        </p:nvSpPr>
+        <p:spPr>
+          <a:xfrm>
+            <a:off x="6629400" y="8204200"/>
+            <a:ext cx="1612900" cy="4584700"/>
+          </a:xfrm>
+          <a:custGeom>
+            <a:avLst/>
+            <a:gdLst>
+              <a:gd name="connsiteX0" fmla="*/ 0 w 1612900"/>
+              <a:gd name="connsiteY0" fmla="*/ 4584700 h 4584700"/>
+              <a:gd name="connsiteX1" fmla="*/ 558800 w 1612900"/>
+              <a:gd name="connsiteY1" fmla="*/ 3505200 h 4584700"/>
+              <a:gd name="connsiteX2" fmla="*/ 1155700 w 1612900"/>
+              <a:gd name="connsiteY2" fmla="*/ 1028700 h 4584700"/>
+              <a:gd name="connsiteX3" fmla="*/ 1612900 w 1612900"/>
+              <a:gd name="connsiteY3" fmla="*/ 0 h 4584700"/>
+            </a:gdLst>
+            <a:ahLst/>
+            <a:cxnLst>
+              <a:cxn ang="0">
+                <a:pos x="connsiteX0" y="connsiteY0"/>
+              </a:cxn>
+              <a:cxn ang="0">
+                <a:pos x="connsiteX1" y="connsiteY1"/>
+              </a:cxn>
+              <a:cxn ang="0">
+                <a:pos x="connsiteX2" y="connsiteY2"/>
+              </a:cxn>
+              <a:cxn ang="0">
+                <a:pos x="connsiteX3" y="connsiteY3"/>
+              </a:cxn>
+            </a:cxnLst>
+            <a:rect l="l" t="t" r="r" b="b"/>
+            <a:pathLst>
+              <a:path w="1612900" h="4584700">
+                <a:moveTo>
+                  <a:pt x="0" y="4584700"/>
+                </a:moveTo>
+                <a:cubicBezTo>
+                  <a:pt x="183091" y="4341283"/>
+                  <a:pt x="366183" y="4097867"/>
+                  <a:pt x="558800" y="3505200"/>
+                </a:cubicBezTo>
+                <a:cubicBezTo>
+                  <a:pt x="751417" y="2912533"/>
+                  <a:pt x="980017" y="1612900"/>
+                  <a:pt x="1155700" y="1028700"/>
+                </a:cubicBezTo>
+                <a:cubicBezTo>
+                  <a:pt x="1331383" y="444500"/>
+                  <a:pt x="1612900" y="0"/>
+                  <a:pt x="1612900" y="0"/>
+                </a:cubicBezTo>
+              </a:path>
+            </a:pathLst>
+          </a:custGeom>
+          <a:noFill/>
+          <a:ln>
+            <a:solidFill>
+              <a:srgbClr val="FF0000"/>
+            </a:solidFill>
+          </a:ln>
+        </p:spPr>
+        <p:style>
+          <a:lnRef idx="2">
+            <a:schemeClr val="accent1">
+              <a:shade val="50000"/>
+            </a:schemeClr>
+          </a:lnRef>
+          <a:fillRef idx="1">
+            <a:schemeClr val="accent1"/>
+          </a:fillRef>
+          <a:effectRef idx="0">
+            <a:schemeClr val="accent1"/>
+          </a:effectRef>
+          <a:fontRef idx="minor">
+            <a:schemeClr val="lt1"/>
+          </a:fontRef>
+        </p:style>
+        <p:txBody>
+          <a:bodyPr rtlCol="0" anchor="ctr"/>
+          <a:lstStyle/>
+          <a:p>
+            <a:pPr algn="ctr"/>
+            <a:endParaRPr kumimoji="1" lang="zh-CN" altLang="en-US"/>
+          </a:p>
+        </p:txBody>
+      </p:sp>
+      <p:sp>
+        <p:nvSpPr>
+          <p:cNvPr id="10" name="文本框 9"/>
+          <p:cNvSpPr txBox="1"/>
+          <p:nvPr/>
+        </p:nvSpPr>
+        <p:spPr>
+          <a:xfrm>
+            <a:off x="1006690" y="8354688"/>
+            <a:ext cx="5559209" cy="369332"/>
+          </a:xfrm>
+          <a:prstGeom prst="rect">
+            <a:avLst/>
+          </a:prstGeom>
+          <a:noFill/>
+        </p:spPr>
+        <p:txBody>
+          <a:bodyPr wrap="square" rtlCol="0">
+            <a:spAutoFit/>
+          </a:bodyPr>
+          <a:lstStyle/>
+          <a:p>
+            <a:r>
+              <a:rPr kumimoji="1" lang="en-US" altLang="zh-CN" sz="1800"/>
+              <a:t>ServiceManager</a:t>
+            </a:r>
+            <a:r>
+              <a:rPr kumimoji="1" lang="zh-CN" altLang="en-US" sz="1800"/>
+              <a:t>为响应</a:t>
+            </a:r>
+            <a:r>
+              <a:rPr kumimoji="1" lang="en-US" altLang="zh-CN" sz="1800"/>
+              <a:t>addService</a:t>
+            </a:r>
+            <a:r>
+              <a:rPr kumimoji="1" lang="zh-CN" altLang="en-US" sz="1800"/>
+              <a:t>组织的数据</a:t>
+            </a:r>
+          </a:p>
+        </p:txBody>
+      </p:sp>
+      <p:sp>
+        <p:nvSpPr>
+          <p:cNvPr id="91" name="文本框 90"/>
+          <p:cNvSpPr txBox="1"/>
+          <p:nvPr/>
+        </p:nvSpPr>
+        <p:spPr>
+          <a:xfrm>
+            <a:off x="15684891" y="2171787"/>
+            <a:ext cx="4103140" cy="369332"/>
+          </a:xfrm>
+          <a:prstGeom prst="rect">
+            <a:avLst/>
+          </a:prstGeom>
+          <a:noFill/>
+        </p:spPr>
+        <p:txBody>
+          <a:bodyPr wrap="square" rtlCol="0">
+            <a:spAutoFit/>
+          </a:bodyPr>
+          <a:lstStyle/>
+          <a:p>
+            <a:r>
+              <a:rPr kumimoji="1" lang="en-US" altLang="zh-CN" sz="1800" b="1"/>
+              <a:t>binder_transaction</a:t>
+            </a:r>
+            <a:r>
+              <a:rPr kumimoji="1" lang="zh-CN" altLang="en-US" sz="1800"/>
+              <a:t> </a:t>
+            </a:r>
+            <a:r>
+              <a:rPr kumimoji="1" lang="en-US" altLang="zh-CN" sz="1800"/>
+              <a:t>:</a:t>
+            </a:r>
+            <a:r>
+              <a:rPr kumimoji="1" lang="zh-CN" altLang="en-US" sz="1800"/>
+              <a:t> </a:t>
+            </a:r>
+            <a:r>
+              <a:rPr kumimoji="1" lang="en-US" altLang="zh-CN" sz="1800">
+                <a:solidFill>
+                  <a:schemeClr val="accent2"/>
+                </a:solidFill>
+              </a:rPr>
+              <a:t>t</a:t>
+            </a:r>
+            <a:endParaRPr kumimoji="1" lang="zh-CN" altLang="en-US" sz="1800">
+              <a:solidFill>
+                <a:schemeClr val="accent2"/>
+              </a:solidFill>
+            </a:endParaRPr>
+          </a:p>
+        </p:txBody>
+      </p:sp>
+      <p:sp>
+        <p:nvSpPr>
+          <p:cNvPr id="92" name="文本框 91"/>
+          <p:cNvSpPr txBox="1"/>
+          <p:nvPr/>
+        </p:nvSpPr>
+        <p:spPr>
+          <a:xfrm>
+            <a:off x="15672186" y="2591908"/>
+            <a:ext cx="5595351" cy="369332"/>
+          </a:xfrm>
+          <a:prstGeom prst="rect">
+            <a:avLst/>
+          </a:prstGeom>
+          <a:noFill/>
+          <a:ln>
+            <a:solidFill>
+              <a:schemeClr val="tx1"/>
+            </a:solidFill>
+          </a:ln>
+        </p:spPr>
+        <p:txBody>
+          <a:bodyPr wrap="square" rtlCol="0">
+            <a:spAutoFit/>
+          </a:bodyPr>
+          <a:lstStyle/>
+          <a:p>
+            <a:r>
+              <a:rPr kumimoji="1" lang="en-US" altLang="zh-CN" sz="1800"/>
+              <a:t>binder_work</a:t>
+            </a:r>
+            <a:r>
+              <a:rPr kumimoji="1" lang="zh-CN" altLang="en-US" sz="1800"/>
+              <a:t> *</a:t>
+            </a:r>
+            <a:r>
+              <a:rPr kumimoji="1" lang="en-US" altLang="zh-CN" sz="1800"/>
+              <a:t>from:</a:t>
+            </a:r>
+            <a:r>
+              <a:rPr kumimoji="1" lang="zh-CN" altLang="en-US" sz="1800">
+                <a:solidFill>
+                  <a:schemeClr val="accent1"/>
+                </a:solidFill>
+              </a:rPr>
+              <a:t> </a:t>
+            </a:r>
+            <a:r>
+              <a:rPr kumimoji="1" lang="en-US" altLang="zh-CN" sz="1800">
+                <a:solidFill>
+                  <a:schemeClr val="accent2"/>
+                </a:solidFill>
+              </a:rPr>
+              <a:t>thread</a:t>
+            </a:r>
+            <a:endParaRPr kumimoji="1" lang="zh-CN" altLang="en-US" sz="1800">
+              <a:solidFill>
+                <a:schemeClr val="accent2"/>
+              </a:solidFill>
+            </a:endParaRPr>
+          </a:p>
+        </p:txBody>
+      </p:sp>
+      <p:sp>
+        <p:nvSpPr>
+          <p:cNvPr id="93" name="文本框 92"/>
+          <p:cNvSpPr txBox="1"/>
+          <p:nvPr/>
+        </p:nvSpPr>
+        <p:spPr>
+          <a:xfrm>
+            <a:off x="15672186" y="2964272"/>
+            <a:ext cx="5595351" cy="369332"/>
+          </a:xfrm>
+          <a:prstGeom prst="rect">
+            <a:avLst/>
+          </a:prstGeom>
+          <a:noFill/>
+          <a:ln>
+            <a:solidFill>
+              <a:schemeClr val="tx1"/>
+            </a:solidFill>
+          </a:ln>
+        </p:spPr>
+        <p:txBody>
+          <a:bodyPr wrap="square" rtlCol="0">
+            <a:spAutoFit/>
+          </a:bodyPr>
+          <a:lstStyle/>
+          <a:p>
+            <a:r>
+              <a:rPr kumimoji="1" lang="en-US" altLang="zh-CN" sz="1800"/>
+              <a:t>uid_t</a:t>
+            </a:r>
+            <a:r>
+              <a:rPr kumimoji="1" lang="zh-CN" altLang="en-US" sz="1800"/>
+              <a:t> </a:t>
+            </a:r>
+            <a:r>
+              <a:rPr kumimoji="1" lang="en-US" altLang="zh-CN" sz="1800"/>
+              <a:t>sender_euid:</a:t>
+            </a:r>
+            <a:r>
+              <a:rPr kumimoji="1" lang="zh-CN" altLang="en-US" sz="1800"/>
+              <a:t> </a:t>
+            </a:r>
+            <a:r>
+              <a:rPr kumimoji="1" lang="en-US" altLang="zh-CN" sz="1800">
+                <a:solidFill>
+                  <a:schemeClr val="accent2"/>
+                </a:solidFill>
+              </a:rPr>
+              <a:t>proc-&gt;tsk-&gt;cred-&gt;euid</a:t>
+            </a:r>
+            <a:endParaRPr kumimoji="1" lang="zh-CN" altLang="en-US" sz="1800">
+              <a:solidFill>
+                <a:schemeClr val="accent2"/>
+              </a:solidFill>
+            </a:endParaRPr>
+          </a:p>
+        </p:txBody>
+      </p:sp>
+      <p:sp>
+        <p:nvSpPr>
+          <p:cNvPr id="94" name="文本框 93"/>
+          <p:cNvSpPr txBox="1"/>
+          <p:nvPr/>
+        </p:nvSpPr>
+        <p:spPr>
+          <a:xfrm>
+            <a:off x="15672186" y="4342476"/>
+            <a:ext cx="5595351" cy="369332"/>
+          </a:xfrm>
+          <a:prstGeom prst="rect">
+            <a:avLst/>
+          </a:prstGeom>
+          <a:noFill/>
+          <a:ln>
+            <a:solidFill>
+              <a:schemeClr val="tx1"/>
+            </a:solidFill>
+          </a:ln>
+        </p:spPr>
+        <p:txBody>
+          <a:bodyPr wrap="square" rtlCol="0">
+            <a:spAutoFit/>
+          </a:bodyPr>
+          <a:lstStyle/>
+          <a:p>
+            <a:r>
+              <a:rPr kumimoji="1" lang="en-US" altLang="zh-CN" sz="1800"/>
+              <a:t>unsigned</a:t>
+            </a:r>
+            <a:r>
+              <a:rPr kumimoji="1" lang="zh-CN" altLang="en-US" sz="1800"/>
+              <a:t> </a:t>
+            </a:r>
+            <a:r>
+              <a:rPr kumimoji="1" lang="en-US" altLang="zh-CN" sz="1800"/>
+              <a:t>int</a:t>
+            </a:r>
+            <a:r>
+              <a:rPr kumimoji="1" lang="zh-CN" altLang="en-US" sz="1800"/>
+              <a:t> </a:t>
+            </a:r>
+            <a:r>
+              <a:rPr kumimoji="1" lang="en-US" altLang="zh-CN" sz="1800"/>
+              <a:t>code</a:t>
+            </a:r>
+            <a:r>
+              <a:rPr kumimoji="1" lang="en-US" altLang="zh-CN" sz="1800"/>
+              <a:t>:</a:t>
+            </a:r>
+            <a:r>
+              <a:rPr kumimoji="1" lang="zh-CN" altLang="en-US" sz="1800"/>
+              <a:t> </a:t>
+            </a:r>
+            <a:r>
+              <a:rPr kumimoji="1" lang="en-US" altLang="zh-CN" sz="1800">
+                <a:solidFill>
+                  <a:schemeClr val="accent2"/>
+                </a:solidFill>
+              </a:rPr>
+              <a:t>tr-&gt;code</a:t>
+            </a:r>
+            <a:endParaRPr kumimoji="1" lang="zh-CN" altLang="en-US" sz="1800">
+              <a:solidFill>
+                <a:schemeClr val="accent2"/>
+              </a:solidFill>
+            </a:endParaRPr>
+          </a:p>
+        </p:txBody>
+      </p:sp>
+      <p:sp>
+        <p:nvSpPr>
+          <p:cNvPr id="95" name="文本框 94"/>
+          <p:cNvSpPr txBox="1"/>
+          <p:nvPr/>
+        </p:nvSpPr>
+        <p:spPr>
+          <a:xfrm>
+            <a:off x="15672186" y="4720258"/>
+            <a:ext cx="5595351" cy="369332"/>
+          </a:xfrm>
+          <a:prstGeom prst="rect">
+            <a:avLst/>
+          </a:prstGeom>
+          <a:noFill/>
+          <a:ln>
+            <a:solidFill>
+              <a:schemeClr val="tx1"/>
+            </a:solidFill>
+          </a:ln>
+        </p:spPr>
+        <p:txBody>
+          <a:bodyPr wrap="square" rtlCol="0">
+            <a:spAutoFit/>
+          </a:bodyPr>
+          <a:lstStyle/>
+          <a:p>
+            <a:r>
+              <a:rPr kumimoji="1" lang="en-US" altLang="zh-CN" sz="1800"/>
+              <a:t>uid_t</a:t>
+            </a:r>
+            <a:r>
+              <a:rPr kumimoji="1" lang="zh-CN" altLang="en-US" sz="1800"/>
+              <a:t> </a:t>
+            </a:r>
+            <a:r>
+              <a:rPr kumimoji="1" lang="en-US" altLang="zh-CN" sz="1800"/>
+              <a:t>sender_euid</a:t>
+            </a:r>
+            <a:r>
+              <a:rPr kumimoji="1" lang="zh-CN" altLang="en-US" sz="1800"/>
+              <a:t> </a:t>
+            </a:r>
+            <a:r>
+              <a:rPr kumimoji="1" lang="en-US" altLang="zh-CN" sz="1800"/>
+              <a:t>:</a:t>
+            </a:r>
+            <a:r>
+              <a:rPr kumimoji="1" lang="zh-CN" altLang="en-US" sz="1800"/>
+              <a:t> </a:t>
+            </a:r>
+            <a:r>
+              <a:rPr kumimoji="1" lang="en-US" altLang="zh-CN" sz="1800">
+                <a:solidFill>
+                  <a:schemeClr val="accent5"/>
+                </a:solidFill>
+              </a:rPr>
+              <a:t>0</a:t>
+            </a:r>
+            <a:endParaRPr kumimoji="1" lang="zh-CN" altLang="en-US" sz="1800">
+              <a:solidFill>
+                <a:schemeClr val="accent5"/>
+              </a:solidFill>
+            </a:endParaRPr>
+          </a:p>
+        </p:txBody>
+      </p:sp>
+      <p:sp>
+        <p:nvSpPr>
+          <p:cNvPr id="96" name="文本框 95"/>
+          <p:cNvSpPr txBox="1"/>
+          <p:nvPr/>
+        </p:nvSpPr>
+        <p:spPr>
+          <a:xfrm>
+            <a:off x="15672186" y="5079921"/>
+            <a:ext cx="5595351" cy="369332"/>
+          </a:xfrm>
+          <a:prstGeom prst="rect">
+            <a:avLst/>
+          </a:prstGeom>
+          <a:noFill/>
+          <a:ln>
+            <a:solidFill>
+              <a:schemeClr val="tx1"/>
+            </a:solidFill>
+          </a:ln>
+        </p:spPr>
+        <p:txBody>
+          <a:bodyPr wrap="square" rtlCol="0">
+            <a:spAutoFit/>
+          </a:bodyPr>
+          <a:lstStyle/>
+          <a:p>
+            <a:r>
+              <a:rPr kumimoji="1" lang="en-US" altLang="zh-CN" sz="1800"/>
+              <a:t>binder_size_t</a:t>
+            </a:r>
+            <a:r>
+              <a:rPr kumimoji="1" lang="zh-CN" altLang="en-US" sz="1800"/>
+              <a:t> </a:t>
+            </a:r>
+            <a:r>
+              <a:rPr kumimoji="1" lang="en-US" altLang="zh-CN" sz="1800"/>
+              <a:t>data_size:</a:t>
+            </a:r>
+            <a:r>
+              <a:rPr kumimoji="1" lang="zh-CN" altLang="en-US" sz="1800"/>
+              <a:t> </a:t>
+            </a:r>
+            <a:r>
+              <a:rPr kumimoji="1" lang="en-US" altLang="zh-CN" sz="1800">
+                <a:solidFill>
+                  <a:schemeClr val="accent5"/>
+                </a:solidFill>
+              </a:rPr>
+              <a:t>data.ipcDataSize()</a:t>
+            </a:r>
+            <a:endParaRPr kumimoji="1" lang="zh-CN" altLang="en-US" sz="1800">
+              <a:solidFill>
+                <a:schemeClr val="accent5"/>
+              </a:solidFill>
+            </a:endParaRPr>
+          </a:p>
+        </p:txBody>
+      </p:sp>
+      <p:sp>
+        <p:nvSpPr>
+          <p:cNvPr id="97" name="文本框 96"/>
+          <p:cNvSpPr txBox="1"/>
+          <p:nvPr/>
+        </p:nvSpPr>
+        <p:spPr>
+          <a:xfrm>
+            <a:off x="15672186" y="5448227"/>
+            <a:ext cx="5595351" cy="646331"/>
+          </a:xfrm>
+          <a:prstGeom prst="rect">
+            <a:avLst/>
+          </a:prstGeom>
+          <a:noFill/>
+          <a:ln>
+            <a:solidFill>
+              <a:schemeClr val="tx1"/>
+            </a:solidFill>
+          </a:ln>
+        </p:spPr>
+        <p:txBody>
+          <a:bodyPr wrap="square" rtlCol="0">
+            <a:spAutoFit/>
+          </a:bodyPr>
+          <a:lstStyle/>
+          <a:p>
+            <a:r>
+              <a:rPr kumimoji="1" lang="en-US" altLang="zh-CN" sz="1800"/>
+              <a:t>binder_size_t</a:t>
+            </a:r>
+            <a:r>
+              <a:rPr kumimoji="1" lang="zh-CN" altLang="en-US" sz="1800"/>
+              <a:t> </a:t>
+            </a:r>
+            <a:r>
+              <a:rPr kumimoji="1" lang="en-US" altLang="zh-CN" sz="1800"/>
+              <a:t>offsets_size</a:t>
+            </a:r>
+            <a:r>
+              <a:rPr kumimoji="1" lang="zh-CN" altLang="en-US" sz="1800"/>
+              <a:t> </a:t>
+            </a:r>
+            <a:r>
+              <a:rPr kumimoji="1" lang="en-US" altLang="zh-CN" sz="1800"/>
+              <a:t>:</a:t>
+            </a:r>
+            <a:r>
+              <a:rPr kumimoji="1" lang="zh-CN" altLang="en-US" sz="1800"/>
+              <a:t> </a:t>
+            </a:r>
+          </a:p>
+          <a:p>
+            <a:r>
+              <a:rPr kumimoji="1" lang="en-US" altLang="zh-CN" sz="1800">
+                <a:solidFill>
+                  <a:schemeClr val="accent5"/>
+                </a:solidFill>
+              </a:rPr>
+              <a:t>data.ipcObjectsCount()</a:t>
+            </a:r>
+            <a:r>
+              <a:rPr kumimoji="1" lang="zh-CN" altLang="en-US" sz="1800">
+                <a:solidFill>
+                  <a:schemeClr val="accent5"/>
+                </a:solidFill>
+              </a:rPr>
+              <a:t>*</a:t>
+            </a:r>
+            <a:r>
+              <a:rPr kumimoji="1" lang="en-US" altLang="zh-CN" sz="1800">
+                <a:solidFill>
+                  <a:schemeClr val="accent5"/>
+                </a:solidFill>
+              </a:rPr>
+              <a:t>sizeof(binder_size_t)</a:t>
+            </a:r>
+            <a:endParaRPr kumimoji="1" lang="zh-CN" altLang="en-US" sz="1800">
+              <a:solidFill>
+                <a:schemeClr val="accent5"/>
+              </a:solidFill>
+            </a:endParaRPr>
+          </a:p>
+        </p:txBody>
+      </p:sp>
+      <p:sp>
+        <p:nvSpPr>
+          <p:cNvPr id="98" name="文本框 97"/>
+          <p:cNvSpPr txBox="1"/>
+          <p:nvPr/>
+        </p:nvSpPr>
+        <p:spPr>
+          <a:xfrm>
+            <a:off x="15793430" y="6048682"/>
+            <a:ext cx="5439311" cy="369332"/>
+          </a:xfrm>
+          <a:prstGeom prst="rect">
+            <a:avLst/>
+          </a:prstGeom>
+          <a:noFill/>
+          <a:ln>
+            <a:noFill/>
+          </a:ln>
+        </p:spPr>
+        <p:txBody>
+          <a:bodyPr wrap="square" rtlCol="0">
+            <a:spAutoFit/>
+          </a:bodyPr>
+          <a:lstStyle/>
+          <a:p>
+            <a:r>
+              <a:rPr kumimoji="1" lang="en-US" altLang="zh-CN" sz="1800" b="1"/>
+              <a:t>struct</a:t>
+            </a:r>
+            <a:r>
+              <a:rPr kumimoji="1" lang="zh-CN" altLang="en-US" sz="1800" b="1"/>
+              <a:t> </a:t>
+            </a:r>
+            <a:r>
+              <a:rPr kumimoji="1" lang="en-US" altLang="zh-CN" sz="1800" b="1"/>
+              <a:t>ptr</a:t>
+            </a:r>
+            <a:endParaRPr kumimoji="1" lang="zh-CN" altLang="en-US" sz="1800" b="1"/>
+          </a:p>
+        </p:txBody>
+      </p:sp>
+      <p:sp>
+        <p:nvSpPr>
+          <p:cNvPr id="99" name="文本框 98"/>
+          <p:cNvSpPr txBox="1"/>
+          <p:nvPr/>
+        </p:nvSpPr>
+        <p:spPr>
+          <a:xfrm>
+            <a:off x="15793430" y="6413343"/>
+            <a:ext cx="5439311" cy="369332"/>
+          </a:xfrm>
+          <a:prstGeom prst="rect">
+            <a:avLst/>
+          </a:prstGeom>
+          <a:noFill/>
+          <a:ln>
+            <a:solidFill>
+              <a:schemeClr val="tx1"/>
+            </a:solidFill>
+          </a:ln>
+        </p:spPr>
+        <p:txBody>
+          <a:bodyPr wrap="square" rtlCol="0">
+            <a:spAutoFit/>
+          </a:bodyPr>
+          <a:lstStyle/>
+          <a:p>
+            <a:r>
+              <a:rPr kumimoji="1" lang="en-US" altLang="zh-CN" sz="1800"/>
+              <a:t>binder_uintptr_t</a:t>
+            </a:r>
+            <a:r>
+              <a:rPr kumimoji="1" lang="zh-CN" altLang="en-US" sz="1800"/>
+              <a:t> </a:t>
+            </a:r>
+            <a:r>
+              <a:rPr kumimoji="1" lang="en-US" altLang="zh-CN" sz="1800"/>
+              <a:t>buffer</a:t>
+            </a:r>
+            <a:r>
+              <a:rPr kumimoji="1" lang="zh-CN" altLang="en-US" sz="1800"/>
+              <a:t> </a:t>
+            </a:r>
+            <a:r>
+              <a:rPr kumimoji="1" lang="en-US" altLang="zh-CN" sz="1800"/>
+              <a:t>:</a:t>
+            </a:r>
+            <a:r>
+              <a:rPr kumimoji="1" lang="zh-CN" altLang="en-US" sz="1800"/>
+              <a:t> </a:t>
+            </a:r>
+            <a:r>
+              <a:rPr kumimoji="1" lang="en-US" altLang="zh-CN" sz="1800">
+                <a:solidFill>
+                  <a:schemeClr val="accent5"/>
+                </a:solidFill>
+              </a:rPr>
+              <a:t>data.ipcData()</a:t>
+            </a:r>
+            <a:endParaRPr kumimoji="1" lang="zh-CN" altLang="en-US" sz="1800">
+              <a:solidFill>
+                <a:schemeClr val="accent5"/>
+              </a:solidFill>
+            </a:endParaRPr>
+          </a:p>
+        </p:txBody>
+      </p:sp>
+      <p:sp>
+        <p:nvSpPr>
+          <p:cNvPr id="100" name="文本框 99"/>
+          <p:cNvSpPr txBox="1"/>
+          <p:nvPr/>
+        </p:nvSpPr>
+        <p:spPr>
+          <a:xfrm>
+            <a:off x="15793430" y="6785707"/>
+            <a:ext cx="5439311" cy="369332"/>
+          </a:xfrm>
+          <a:prstGeom prst="rect">
+            <a:avLst/>
+          </a:prstGeom>
+          <a:noFill/>
+          <a:ln>
+            <a:solidFill>
+              <a:schemeClr val="tx1"/>
+            </a:solidFill>
+          </a:ln>
+        </p:spPr>
+        <p:txBody>
+          <a:bodyPr wrap="square" rtlCol="0">
+            <a:spAutoFit/>
+          </a:bodyPr>
+          <a:lstStyle/>
+          <a:p>
+            <a:r>
+              <a:rPr kumimoji="1" lang="en-US" altLang="zh-CN" sz="1800"/>
+              <a:t>binder_uintptr_t</a:t>
+            </a:r>
+            <a:r>
+              <a:rPr kumimoji="1" lang="zh-CN" altLang="en-US" sz="1800"/>
+              <a:t> </a:t>
+            </a:r>
+            <a:r>
+              <a:rPr kumimoji="1" lang="en-US" altLang="zh-CN" sz="1800"/>
+              <a:t>offsets</a:t>
+            </a:r>
+            <a:r>
+              <a:rPr kumimoji="1" lang="zh-CN" altLang="en-US" sz="1800"/>
+              <a:t> </a:t>
+            </a:r>
+            <a:r>
+              <a:rPr kumimoji="1" lang="en-US" altLang="zh-CN" sz="1800"/>
+              <a:t>:</a:t>
+            </a:r>
+            <a:r>
+              <a:rPr kumimoji="1" lang="zh-CN" altLang="en-US" sz="1800"/>
+              <a:t> </a:t>
+            </a:r>
+            <a:r>
+              <a:rPr kumimoji="1" lang="en-US" altLang="zh-CN" sz="1800">
+                <a:solidFill>
+                  <a:schemeClr val="accent5"/>
+                </a:solidFill>
+              </a:rPr>
+              <a:t>data.ipcObjects()</a:t>
+            </a:r>
+            <a:endParaRPr kumimoji="1" lang="zh-CN" altLang="en-US" sz="1800">
+              <a:solidFill>
+                <a:schemeClr val="accent5"/>
+              </a:solidFill>
+            </a:endParaRPr>
+          </a:p>
+        </p:txBody>
+      </p:sp>
+      <p:sp>
+        <p:nvSpPr>
+          <p:cNvPr id="101" name="矩形 100"/>
+          <p:cNvSpPr/>
+          <p:nvPr/>
+        </p:nvSpPr>
+        <p:spPr>
+          <a:xfrm>
+            <a:off x="15672186" y="6099482"/>
+            <a:ext cx="5595351" cy="1198449"/>
+          </a:xfrm>
+          <a:prstGeom prst="rect">
+            <a:avLst/>
+          </a:prstGeom>
+          <a:noFill/>
+          <a:ln>
+            <a:solidFill>
+              <a:schemeClr val="tx1"/>
+            </a:solidFill>
+          </a:ln>
+        </p:spPr>
+        <p:style>
+          <a:lnRef idx="2">
+            <a:schemeClr val="accent1">
+              <a:shade val="50000"/>
+            </a:schemeClr>
+          </a:lnRef>
+          <a:fillRef idx="1">
+            <a:schemeClr val="accent1"/>
+          </a:fillRef>
+          <a:effectRef idx="0">
+            <a:schemeClr val="accent1"/>
+          </a:effectRef>
+          <a:fontRef idx="minor">
+            <a:schemeClr val="lt1"/>
+          </a:fontRef>
+        </p:style>
+        <p:txBody>
+          <a:bodyPr rot="0" spcFirstLastPara="0" vertOverflow="overflow" horzOverflow="overflow" vert="horz" wrap="square" lIns="128016" tIns="64008" rIns="128016" bIns="64008" numCol="1" spcCol="0" rtlCol="0" fromWordArt="0" anchor="ctr" anchorCtr="0" forceAA="0" compatLnSpc="1">
+            <a:prstTxWarp prst="textNoShape">
+              <a:avLst/>
+            </a:prstTxWarp>
+            <a:noAutofit/>
+          </a:bodyPr>
+          <a:lstStyle/>
+          <a:p>
+            <a:pPr algn="ctr"/>
+            <a:endParaRPr kumimoji="1" lang="zh-CN" altLang="en-US" sz="2964"/>
+          </a:p>
+        </p:txBody>
+      </p:sp>
+      <p:sp>
+        <p:nvSpPr>
+          <p:cNvPr id="102" name="矩形 101"/>
+          <p:cNvSpPr/>
+          <p:nvPr/>
+        </p:nvSpPr>
+        <p:spPr>
+          <a:xfrm>
+            <a:off x="15599549" y="2171786"/>
+            <a:ext cx="5766026" cy="5541695"/>
+          </a:xfrm>
+          <a:prstGeom prst="rect">
+            <a:avLst/>
+          </a:prstGeom>
+          <a:noFill/>
+          <a:ln>
+            <a:solidFill>
+              <a:schemeClr val="tx1"/>
+            </a:solidFill>
+          </a:ln>
+        </p:spPr>
+        <p:style>
+          <a:lnRef idx="2">
+            <a:schemeClr val="accent1">
+              <a:shade val="50000"/>
+            </a:schemeClr>
+          </a:lnRef>
+          <a:fillRef idx="1">
+            <a:schemeClr val="accent1"/>
+          </a:fillRef>
+          <a:effectRef idx="0">
+            <a:schemeClr val="accent1"/>
+          </a:effectRef>
+          <a:fontRef idx="minor">
+            <a:schemeClr val="lt1"/>
+          </a:fontRef>
+        </p:style>
+        <p:txBody>
+          <a:bodyPr rot="0" spcFirstLastPara="0" vertOverflow="overflow" horzOverflow="overflow" vert="horz" wrap="square" lIns="128016" tIns="64008" rIns="128016" bIns="64008" numCol="1" spcCol="0" rtlCol="0" fromWordArt="0" anchor="ctr" anchorCtr="0" forceAA="0" compatLnSpc="1">
+            <a:prstTxWarp prst="textNoShape">
+              <a:avLst/>
+            </a:prstTxWarp>
+            <a:noAutofit/>
+          </a:bodyPr>
+          <a:lstStyle/>
+          <a:p>
+            <a:pPr algn="ctr"/>
+            <a:endParaRPr kumimoji="1" lang="zh-CN" altLang="en-US" sz="2964"/>
+          </a:p>
+        </p:txBody>
+      </p:sp>
+      <p:sp>
+        <p:nvSpPr>
+          <p:cNvPr id="103" name="文本框 102"/>
+          <p:cNvSpPr txBox="1"/>
+          <p:nvPr/>
+        </p:nvSpPr>
+        <p:spPr>
+          <a:xfrm>
+            <a:off x="15672186" y="3328936"/>
+            <a:ext cx="5595351" cy="369332"/>
+          </a:xfrm>
+          <a:prstGeom prst="rect">
+            <a:avLst/>
+          </a:prstGeom>
+          <a:noFill/>
+          <a:ln>
+            <a:solidFill>
+              <a:schemeClr val="tx1"/>
+            </a:solidFill>
+          </a:ln>
+        </p:spPr>
+        <p:txBody>
+          <a:bodyPr wrap="square" rtlCol="0">
+            <a:spAutoFit/>
+          </a:bodyPr>
+          <a:lstStyle/>
+          <a:p>
+            <a:r>
+              <a:rPr kumimoji="1" lang="en-US" altLang="zh-CN" sz="1800"/>
+              <a:t>binder_proc</a:t>
+            </a:r>
+            <a:r>
+              <a:rPr kumimoji="1" lang="zh-CN" altLang="en-US" sz="1800"/>
+              <a:t> *</a:t>
+            </a:r>
+            <a:r>
+              <a:rPr kumimoji="1" lang="en-US" altLang="zh-CN" sz="1800"/>
+              <a:t>to_proc:</a:t>
+            </a:r>
+            <a:r>
+              <a:rPr kumimoji="1" lang="zh-CN" altLang="en-US" sz="1800">
+                <a:solidFill>
+                  <a:schemeClr val="accent2"/>
+                </a:solidFill>
+              </a:rPr>
+              <a:t> </a:t>
+            </a:r>
+            <a:r>
+              <a:rPr kumimoji="1" lang="en-US" altLang="zh-CN" sz="1800">
+                <a:solidFill>
+                  <a:schemeClr val="accent2"/>
+                </a:solidFill>
+              </a:rPr>
+              <a:t>target_proc</a:t>
+            </a:r>
+            <a:endParaRPr kumimoji="1" lang="zh-CN" altLang="en-US" sz="1800">
+              <a:solidFill>
+                <a:schemeClr val="accent2"/>
+              </a:solidFill>
+            </a:endParaRPr>
+          </a:p>
+        </p:txBody>
+      </p:sp>
+      <p:sp>
+        <p:nvSpPr>
+          <p:cNvPr id="104" name="文本框 103"/>
+          <p:cNvSpPr txBox="1"/>
+          <p:nvPr/>
+        </p:nvSpPr>
+        <p:spPr>
+          <a:xfrm>
+            <a:off x="15672186" y="3701718"/>
+            <a:ext cx="5595351" cy="369332"/>
+          </a:xfrm>
+          <a:prstGeom prst="rect">
+            <a:avLst/>
+          </a:prstGeom>
+          <a:noFill/>
+          <a:ln>
+            <a:solidFill>
+              <a:schemeClr val="tx1"/>
+            </a:solidFill>
+          </a:ln>
+        </p:spPr>
+        <p:txBody>
+          <a:bodyPr wrap="square" rtlCol="0">
+            <a:spAutoFit/>
+          </a:bodyPr>
+          <a:lstStyle/>
+          <a:p>
+            <a:r>
+              <a:rPr kumimoji="1" lang="en-US" altLang="zh-CN" sz="1800"/>
+              <a:t>binder_thread</a:t>
+            </a:r>
+            <a:r>
+              <a:rPr kumimoji="1" lang="zh-CN" altLang="en-US" sz="1800"/>
+              <a:t> *</a:t>
+            </a:r>
+            <a:r>
+              <a:rPr kumimoji="1" lang="en-US" altLang="zh-CN" sz="1800"/>
+              <a:t>to_thread:</a:t>
+            </a:r>
+            <a:r>
+              <a:rPr kumimoji="1" lang="zh-CN" altLang="en-US" sz="1800"/>
+              <a:t> </a:t>
+            </a:r>
+            <a:r>
+              <a:rPr kumimoji="1" lang="en-US" altLang="zh-CN" sz="1800">
+                <a:solidFill>
+                  <a:schemeClr val="accent2"/>
+                </a:solidFill>
+              </a:rPr>
+              <a:t>target_thread</a:t>
+            </a:r>
+            <a:endParaRPr kumimoji="1" lang="zh-CN" altLang="en-US" sz="1800">
+              <a:solidFill>
+                <a:schemeClr val="accent2"/>
+              </a:solidFill>
+            </a:endParaRPr>
+          </a:p>
+        </p:txBody>
+      </p:sp>
+      <p:sp>
+        <p:nvSpPr>
+          <p:cNvPr id="105" name="文本框 104"/>
+          <p:cNvSpPr txBox="1"/>
+          <p:nvPr/>
+        </p:nvSpPr>
+        <p:spPr>
+          <a:xfrm>
+            <a:off x="23201659" y="2218005"/>
+            <a:ext cx="4103140" cy="369332"/>
+          </a:xfrm>
+          <a:prstGeom prst="rect">
+            <a:avLst/>
+          </a:prstGeom>
+          <a:noFill/>
+        </p:spPr>
+        <p:txBody>
+          <a:bodyPr wrap="square" rtlCol="0">
+            <a:spAutoFit/>
+          </a:bodyPr>
+          <a:lstStyle/>
+          <a:p>
+            <a:r>
+              <a:rPr kumimoji="1" lang="en-US" altLang="zh-CN" sz="1800" b="1"/>
+              <a:t>binder_work</a:t>
+            </a:r>
+            <a:r>
+              <a:rPr kumimoji="1" lang="zh-CN" altLang="en-US" sz="1800"/>
+              <a:t> </a:t>
+            </a:r>
+            <a:r>
+              <a:rPr kumimoji="1" lang="en-US" altLang="zh-CN" sz="1800"/>
+              <a:t>:</a:t>
+            </a:r>
+            <a:r>
+              <a:rPr kumimoji="1" lang="zh-CN" altLang="en-US" sz="1800"/>
+              <a:t> </a:t>
+            </a:r>
+            <a:r>
+              <a:rPr kumimoji="1" lang="en-US" altLang="zh-CN" sz="1800">
+                <a:solidFill>
+                  <a:schemeClr val="accent2"/>
+                </a:solidFill>
+              </a:rPr>
+              <a:t>tcomplete</a:t>
+            </a:r>
+            <a:endParaRPr kumimoji="1" lang="zh-CN" altLang="en-US" sz="1800">
+              <a:solidFill>
+                <a:schemeClr val="accent2"/>
+              </a:solidFill>
+            </a:endParaRPr>
+          </a:p>
+        </p:txBody>
+      </p:sp>
+      <p:sp>
+        <p:nvSpPr>
+          <p:cNvPr id="106" name="文本框 105"/>
+          <p:cNvSpPr txBox="1"/>
+          <p:nvPr/>
+        </p:nvSpPr>
+        <p:spPr>
+          <a:xfrm>
+            <a:off x="23188954" y="2638126"/>
+            <a:ext cx="5595351" cy="646331"/>
+          </a:xfrm>
+          <a:prstGeom prst="rect">
+            <a:avLst/>
+          </a:prstGeom>
+          <a:noFill/>
+          <a:ln>
+            <a:solidFill>
+              <a:schemeClr val="tx1"/>
+            </a:solidFill>
+          </a:ln>
+        </p:spPr>
+        <p:txBody>
+          <a:bodyPr wrap="square" rtlCol="0">
+            <a:spAutoFit/>
+          </a:bodyPr>
+          <a:lstStyle/>
+          <a:p>
+            <a:r>
+              <a:rPr kumimoji="1" lang="en-US" altLang="zh-CN" sz="1800"/>
+              <a:t>__u32</a:t>
+            </a:r>
+            <a:r>
+              <a:rPr kumimoji="1" lang="zh-CN" altLang="en-US" sz="1800"/>
+              <a:t> </a:t>
+            </a:r>
+            <a:r>
+              <a:rPr kumimoji="1" lang="en-US" altLang="zh-CN" sz="1800"/>
+              <a:t>handle</a:t>
+            </a:r>
+            <a:r>
+              <a:rPr kumimoji="1" lang="zh-CN" altLang="en-US" sz="1800"/>
+              <a:t> </a:t>
+            </a:r>
+            <a:r>
+              <a:rPr kumimoji="1" lang="en-US" altLang="zh-CN" sz="1800"/>
+              <a:t>:</a:t>
+            </a:r>
+            <a:r>
+              <a:rPr kumimoji="1" lang="zh-CN" altLang="en-US" sz="1800">
+                <a:solidFill>
+                  <a:schemeClr val="accent1"/>
+                </a:solidFill>
+              </a:rPr>
+              <a:t> </a:t>
+            </a:r>
+            <a:r>
+              <a:rPr kumimoji="1" lang="en-US" altLang="zh-CN" sz="1800">
+                <a:solidFill>
+                  <a:schemeClr val="accent1"/>
+                </a:solidFill>
+              </a:rPr>
+              <a:t>0</a:t>
+            </a:r>
+            <a:endParaRPr kumimoji="1" lang="zh-CN" altLang="en-US" sz="1800">
+              <a:solidFill>
+                <a:schemeClr val="accent1"/>
+              </a:solidFill>
+            </a:endParaRPr>
+          </a:p>
+          <a:p>
+            <a:r>
+              <a:rPr kumimoji="1" lang="en-US" altLang="zh-CN" sz="1800">
+                <a:solidFill>
+                  <a:schemeClr val="bg1">
+                    <a:lumMod val="65000"/>
+                  </a:schemeClr>
+                </a:solidFill>
+              </a:rPr>
+              <a:t>binder_uintptr_t</a:t>
+            </a:r>
+            <a:r>
+              <a:rPr kumimoji="1" lang="zh-CN" altLang="en-US" sz="1800">
+                <a:solidFill>
+                  <a:schemeClr val="bg1">
+                    <a:lumMod val="65000"/>
+                  </a:schemeClr>
+                </a:solidFill>
+              </a:rPr>
+              <a:t> </a:t>
+            </a:r>
+            <a:r>
+              <a:rPr kumimoji="1" lang="en-US" altLang="zh-CN" sz="1800">
+                <a:solidFill>
+                  <a:schemeClr val="bg1">
+                    <a:lumMod val="65000"/>
+                  </a:schemeClr>
+                </a:solidFill>
+              </a:rPr>
+              <a:t>ptr</a:t>
+            </a:r>
+            <a:r>
+              <a:rPr kumimoji="1" lang="zh-CN" altLang="en-US" sz="1800">
+                <a:solidFill>
+                  <a:schemeClr val="bg1">
+                    <a:lumMod val="65000"/>
+                  </a:schemeClr>
+                </a:solidFill>
+              </a:rPr>
+              <a:t> </a:t>
+            </a:r>
+            <a:r>
+              <a:rPr kumimoji="1" lang="en-US" altLang="zh-CN" sz="1800">
+                <a:solidFill>
+                  <a:schemeClr val="bg1">
+                    <a:lumMod val="65000"/>
+                  </a:schemeClr>
+                </a:solidFill>
+              </a:rPr>
+              <a:t>:</a:t>
+            </a:r>
+            <a:r>
+              <a:rPr kumimoji="1" lang="zh-CN" altLang="en-US" sz="1800">
+                <a:solidFill>
+                  <a:schemeClr val="bg1">
+                    <a:lumMod val="65000"/>
+                  </a:schemeClr>
+                </a:solidFill>
+              </a:rPr>
+              <a:t> </a:t>
+            </a:r>
+            <a:r>
+              <a:rPr kumimoji="1" lang="en-US" altLang="zh-CN" sz="1800">
+                <a:solidFill>
+                  <a:schemeClr val="bg1">
+                    <a:lumMod val="65000"/>
+                  </a:schemeClr>
+                </a:solidFill>
+              </a:rPr>
+              <a:t>0</a:t>
+            </a:r>
+            <a:endParaRPr kumimoji="1" lang="zh-CN" altLang="en-US" sz="1800">
+              <a:solidFill>
+                <a:schemeClr val="bg1">
+                  <a:lumMod val="65000"/>
+                </a:schemeClr>
+              </a:solidFill>
+            </a:endParaRPr>
+          </a:p>
+        </p:txBody>
+      </p:sp>
+      <p:sp>
+        <p:nvSpPr>
+          <p:cNvPr id="107" name="文本框 106"/>
+          <p:cNvSpPr txBox="1"/>
+          <p:nvPr/>
+        </p:nvSpPr>
+        <p:spPr>
+          <a:xfrm>
+            <a:off x="23188954" y="3289890"/>
+            <a:ext cx="5595351" cy="369332"/>
+          </a:xfrm>
+          <a:prstGeom prst="rect">
+            <a:avLst/>
+          </a:prstGeom>
+          <a:noFill/>
+          <a:ln>
+            <a:solidFill>
+              <a:schemeClr val="tx1"/>
+            </a:solidFill>
+          </a:ln>
+        </p:spPr>
+        <p:txBody>
+          <a:bodyPr wrap="square" rtlCol="0">
+            <a:spAutoFit/>
+          </a:bodyPr>
+          <a:lstStyle/>
+          <a:p>
+            <a:r>
+              <a:rPr kumimoji="1" lang="en-US" altLang="zh-CN" sz="1800"/>
+              <a:t>binder_unitptr_t</a:t>
+            </a:r>
+            <a:r>
+              <a:rPr kumimoji="1" lang="zh-CN" altLang="en-US" sz="1800"/>
+              <a:t> </a:t>
+            </a:r>
+            <a:r>
+              <a:rPr kumimoji="1" lang="en-US" altLang="zh-CN" sz="1800"/>
+              <a:t>cookie</a:t>
+            </a:r>
+            <a:r>
+              <a:rPr kumimoji="1" lang="zh-CN" altLang="en-US" sz="1800"/>
+              <a:t> </a:t>
+            </a:r>
+            <a:r>
+              <a:rPr kumimoji="1" lang="en-US" altLang="zh-CN" sz="1800"/>
+              <a:t>:</a:t>
+            </a:r>
+            <a:r>
+              <a:rPr kumimoji="1" lang="zh-CN" altLang="en-US" sz="1800"/>
+              <a:t> </a:t>
+            </a:r>
+            <a:r>
+              <a:rPr kumimoji="1" lang="en-US" altLang="zh-CN" sz="1800">
+                <a:solidFill>
+                  <a:schemeClr val="accent5"/>
+                </a:solidFill>
+              </a:rPr>
+              <a:t>0</a:t>
+            </a:r>
+            <a:endParaRPr kumimoji="1" lang="zh-CN" altLang="en-US" sz="1800">
+              <a:solidFill>
+                <a:schemeClr val="accent5"/>
+              </a:solidFill>
+            </a:endParaRPr>
+          </a:p>
+        </p:txBody>
+      </p:sp>
+      <p:sp>
+        <p:nvSpPr>
+          <p:cNvPr id="108" name="文本框 107"/>
+          <p:cNvSpPr txBox="1"/>
+          <p:nvPr/>
+        </p:nvSpPr>
+        <p:spPr>
+          <a:xfrm>
+            <a:off x="23188954" y="4388694"/>
+            <a:ext cx="5595351" cy="369332"/>
+          </a:xfrm>
+          <a:prstGeom prst="rect">
+            <a:avLst/>
+          </a:prstGeom>
+          <a:noFill/>
+          <a:ln>
+            <a:solidFill>
+              <a:schemeClr val="tx1"/>
+            </a:solidFill>
+          </a:ln>
+        </p:spPr>
+        <p:txBody>
+          <a:bodyPr wrap="square" rtlCol="0">
+            <a:spAutoFit/>
+          </a:bodyPr>
+          <a:lstStyle/>
+          <a:p>
+            <a:r>
+              <a:rPr kumimoji="1" lang="en-US" altLang="zh-CN" sz="1800"/>
+              <a:t>pid_t</a:t>
+            </a:r>
+            <a:r>
+              <a:rPr kumimoji="1" lang="zh-CN" altLang="en-US" sz="1800"/>
+              <a:t> </a:t>
+            </a:r>
+            <a:r>
+              <a:rPr kumimoji="1" lang="en-US" altLang="zh-CN" sz="1800"/>
+              <a:t>sender_pid</a:t>
+            </a:r>
+            <a:r>
+              <a:rPr kumimoji="1" lang="zh-CN" altLang="en-US" sz="1800"/>
+              <a:t> </a:t>
+            </a:r>
+            <a:r>
+              <a:rPr kumimoji="1" lang="en-US" altLang="zh-CN" sz="1800"/>
+              <a:t>:</a:t>
+            </a:r>
+            <a:r>
+              <a:rPr kumimoji="1" lang="zh-CN" altLang="en-US" sz="1800"/>
+              <a:t> </a:t>
+            </a:r>
+            <a:r>
+              <a:rPr kumimoji="1" lang="en-US" altLang="zh-CN" sz="1800">
+                <a:solidFill>
+                  <a:schemeClr val="accent5"/>
+                </a:solidFill>
+              </a:rPr>
+              <a:t>0</a:t>
+            </a:r>
+            <a:endParaRPr kumimoji="1" lang="zh-CN" altLang="en-US" sz="1800">
+              <a:solidFill>
+                <a:schemeClr val="accent5"/>
+              </a:solidFill>
+            </a:endParaRPr>
+          </a:p>
+        </p:txBody>
+      </p:sp>
+      <p:sp>
+        <p:nvSpPr>
+          <p:cNvPr id="109" name="文本框 108"/>
+          <p:cNvSpPr txBox="1"/>
+          <p:nvPr/>
+        </p:nvSpPr>
+        <p:spPr>
+          <a:xfrm>
+            <a:off x="23188954" y="4766476"/>
+            <a:ext cx="5595351" cy="369332"/>
+          </a:xfrm>
+          <a:prstGeom prst="rect">
+            <a:avLst/>
+          </a:prstGeom>
+          <a:noFill/>
+          <a:ln>
+            <a:solidFill>
+              <a:schemeClr val="tx1"/>
+            </a:solidFill>
+          </a:ln>
+        </p:spPr>
+        <p:txBody>
+          <a:bodyPr wrap="square" rtlCol="0">
+            <a:spAutoFit/>
+          </a:bodyPr>
+          <a:lstStyle/>
+          <a:p>
+            <a:r>
+              <a:rPr kumimoji="1" lang="en-US" altLang="zh-CN" sz="1800"/>
+              <a:t>uid_t</a:t>
+            </a:r>
+            <a:r>
+              <a:rPr kumimoji="1" lang="zh-CN" altLang="en-US" sz="1800"/>
+              <a:t> </a:t>
+            </a:r>
+            <a:r>
+              <a:rPr kumimoji="1" lang="en-US" altLang="zh-CN" sz="1800"/>
+              <a:t>sender_euid</a:t>
+            </a:r>
+            <a:r>
+              <a:rPr kumimoji="1" lang="zh-CN" altLang="en-US" sz="1800"/>
+              <a:t> </a:t>
+            </a:r>
+            <a:r>
+              <a:rPr kumimoji="1" lang="en-US" altLang="zh-CN" sz="1800"/>
+              <a:t>:</a:t>
+            </a:r>
+            <a:r>
+              <a:rPr kumimoji="1" lang="zh-CN" altLang="en-US" sz="1800"/>
+              <a:t> </a:t>
+            </a:r>
+            <a:r>
+              <a:rPr kumimoji="1" lang="en-US" altLang="zh-CN" sz="1800">
+                <a:solidFill>
+                  <a:schemeClr val="accent5"/>
+                </a:solidFill>
+              </a:rPr>
+              <a:t>0</a:t>
+            </a:r>
+            <a:endParaRPr kumimoji="1" lang="zh-CN" altLang="en-US" sz="1800">
+              <a:solidFill>
+                <a:schemeClr val="accent5"/>
+              </a:solidFill>
+            </a:endParaRPr>
+          </a:p>
+        </p:txBody>
+      </p:sp>
+      <p:sp>
+        <p:nvSpPr>
+          <p:cNvPr id="110" name="文本框 109"/>
+          <p:cNvSpPr txBox="1"/>
+          <p:nvPr/>
+        </p:nvSpPr>
+        <p:spPr>
+          <a:xfrm>
+            <a:off x="23188954" y="5126139"/>
+            <a:ext cx="5595351" cy="369332"/>
+          </a:xfrm>
+          <a:prstGeom prst="rect">
+            <a:avLst/>
+          </a:prstGeom>
+          <a:noFill/>
+          <a:ln>
+            <a:solidFill>
+              <a:schemeClr val="tx1"/>
+            </a:solidFill>
+          </a:ln>
+        </p:spPr>
+        <p:txBody>
+          <a:bodyPr wrap="square" rtlCol="0">
+            <a:spAutoFit/>
+          </a:bodyPr>
+          <a:lstStyle/>
+          <a:p>
+            <a:r>
+              <a:rPr kumimoji="1" lang="en-US" altLang="zh-CN" sz="1800"/>
+              <a:t>binder_size_t</a:t>
+            </a:r>
+            <a:r>
+              <a:rPr kumimoji="1" lang="zh-CN" altLang="en-US" sz="1800"/>
+              <a:t> </a:t>
+            </a:r>
+            <a:r>
+              <a:rPr kumimoji="1" lang="en-US" altLang="zh-CN" sz="1800"/>
+              <a:t>data_size:</a:t>
+            </a:r>
+            <a:r>
+              <a:rPr kumimoji="1" lang="zh-CN" altLang="en-US" sz="1800"/>
+              <a:t> </a:t>
+            </a:r>
+            <a:r>
+              <a:rPr kumimoji="1" lang="en-US" altLang="zh-CN" sz="1800">
+                <a:solidFill>
+                  <a:schemeClr val="accent5"/>
+                </a:solidFill>
+              </a:rPr>
+              <a:t>data.ipcDataSize()</a:t>
+            </a:r>
+            <a:endParaRPr kumimoji="1" lang="zh-CN" altLang="en-US" sz="1800">
+              <a:solidFill>
+                <a:schemeClr val="accent5"/>
+              </a:solidFill>
+            </a:endParaRPr>
+          </a:p>
+        </p:txBody>
+      </p:sp>
+      <p:sp>
+        <p:nvSpPr>
+          <p:cNvPr id="111" name="文本框 110"/>
+          <p:cNvSpPr txBox="1"/>
+          <p:nvPr/>
+        </p:nvSpPr>
+        <p:spPr>
+          <a:xfrm>
+            <a:off x="23188954" y="5494445"/>
+            <a:ext cx="5595351" cy="646331"/>
+          </a:xfrm>
+          <a:prstGeom prst="rect">
+            <a:avLst/>
+          </a:prstGeom>
+          <a:noFill/>
+          <a:ln>
+            <a:solidFill>
+              <a:schemeClr val="tx1"/>
+            </a:solidFill>
+          </a:ln>
+        </p:spPr>
+        <p:txBody>
+          <a:bodyPr wrap="square" rtlCol="0">
+            <a:spAutoFit/>
+          </a:bodyPr>
+          <a:lstStyle/>
+          <a:p>
+            <a:r>
+              <a:rPr kumimoji="1" lang="en-US" altLang="zh-CN" sz="1800"/>
+              <a:t>binder_size_t</a:t>
+            </a:r>
+            <a:r>
+              <a:rPr kumimoji="1" lang="zh-CN" altLang="en-US" sz="1800"/>
+              <a:t> </a:t>
+            </a:r>
+            <a:r>
+              <a:rPr kumimoji="1" lang="en-US" altLang="zh-CN" sz="1800"/>
+              <a:t>offsets_size</a:t>
+            </a:r>
+            <a:r>
+              <a:rPr kumimoji="1" lang="zh-CN" altLang="en-US" sz="1800"/>
+              <a:t> </a:t>
+            </a:r>
+            <a:r>
+              <a:rPr kumimoji="1" lang="en-US" altLang="zh-CN" sz="1800"/>
+              <a:t>:</a:t>
+            </a:r>
+            <a:r>
+              <a:rPr kumimoji="1" lang="zh-CN" altLang="en-US" sz="1800"/>
+              <a:t> </a:t>
+            </a:r>
+          </a:p>
+          <a:p>
+            <a:r>
+              <a:rPr kumimoji="1" lang="en-US" altLang="zh-CN" sz="1800">
+                <a:solidFill>
+                  <a:schemeClr val="accent5"/>
+                </a:solidFill>
+              </a:rPr>
+              <a:t>data.ipcObjectsCount()</a:t>
+            </a:r>
+            <a:r>
+              <a:rPr kumimoji="1" lang="zh-CN" altLang="en-US" sz="1800">
+                <a:solidFill>
+                  <a:schemeClr val="accent5"/>
+                </a:solidFill>
+              </a:rPr>
+              <a:t>*</a:t>
+            </a:r>
+            <a:r>
+              <a:rPr kumimoji="1" lang="en-US" altLang="zh-CN" sz="1800">
+                <a:solidFill>
+                  <a:schemeClr val="accent5"/>
+                </a:solidFill>
+              </a:rPr>
+              <a:t>sizeof(binder_size_t)</a:t>
+            </a:r>
+            <a:endParaRPr kumimoji="1" lang="zh-CN" altLang="en-US" sz="1800">
+              <a:solidFill>
+                <a:schemeClr val="accent5"/>
+              </a:solidFill>
+            </a:endParaRPr>
+          </a:p>
+        </p:txBody>
+      </p:sp>
+      <p:sp>
+        <p:nvSpPr>
+          <p:cNvPr id="112" name="文本框 111"/>
+          <p:cNvSpPr txBox="1"/>
+          <p:nvPr/>
+        </p:nvSpPr>
+        <p:spPr>
+          <a:xfrm>
+            <a:off x="23310198" y="6094900"/>
+            <a:ext cx="5439311" cy="369332"/>
+          </a:xfrm>
+          <a:prstGeom prst="rect">
+            <a:avLst/>
+          </a:prstGeom>
+          <a:noFill/>
+          <a:ln>
+            <a:noFill/>
+          </a:ln>
+        </p:spPr>
+        <p:txBody>
+          <a:bodyPr wrap="square" rtlCol="0">
+            <a:spAutoFit/>
+          </a:bodyPr>
+          <a:lstStyle/>
+          <a:p>
+            <a:r>
+              <a:rPr kumimoji="1" lang="en-US" altLang="zh-CN" sz="1800" b="1"/>
+              <a:t>struct</a:t>
+            </a:r>
+            <a:r>
+              <a:rPr kumimoji="1" lang="zh-CN" altLang="en-US" sz="1800" b="1"/>
+              <a:t> </a:t>
+            </a:r>
+            <a:r>
+              <a:rPr kumimoji="1" lang="en-US" altLang="zh-CN" sz="1800" b="1"/>
+              <a:t>ptr</a:t>
+            </a:r>
+            <a:endParaRPr kumimoji="1" lang="zh-CN" altLang="en-US" sz="1800" b="1"/>
+          </a:p>
+        </p:txBody>
+      </p:sp>
+      <p:sp>
+        <p:nvSpPr>
+          <p:cNvPr id="113" name="文本框 112"/>
+          <p:cNvSpPr txBox="1"/>
+          <p:nvPr/>
+        </p:nvSpPr>
+        <p:spPr>
+          <a:xfrm>
+            <a:off x="23310198" y="6459561"/>
+            <a:ext cx="5439311" cy="369332"/>
+          </a:xfrm>
+          <a:prstGeom prst="rect">
+            <a:avLst/>
+          </a:prstGeom>
+          <a:noFill/>
+          <a:ln>
+            <a:solidFill>
+              <a:schemeClr val="tx1"/>
+            </a:solidFill>
+          </a:ln>
+        </p:spPr>
+        <p:txBody>
+          <a:bodyPr wrap="square" rtlCol="0">
+            <a:spAutoFit/>
+          </a:bodyPr>
+          <a:lstStyle/>
+          <a:p>
+            <a:r>
+              <a:rPr kumimoji="1" lang="en-US" altLang="zh-CN" sz="1800"/>
+              <a:t>binder_uintptr_t</a:t>
+            </a:r>
+            <a:r>
+              <a:rPr kumimoji="1" lang="zh-CN" altLang="en-US" sz="1800"/>
+              <a:t> </a:t>
+            </a:r>
+            <a:r>
+              <a:rPr kumimoji="1" lang="en-US" altLang="zh-CN" sz="1800"/>
+              <a:t>buffer</a:t>
+            </a:r>
+            <a:r>
+              <a:rPr kumimoji="1" lang="zh-CN" altLang="en-US" sz="1800"/>
+              <a:t> </a:t>
+            </a:r>
+            <a:r>
+              <a:rPr kumimoji="1" lang="en-US" altLang="zh-CN" sz="1800"/>
+              <a:t>:</a:t>
+            </a:r>
+            <a:r>
+              <a:rPr kumimoji="1" lang="zh-CN" altLang="en-US" sz="1800"/>
+              <a:t> </a:t>
+            </a:r>
+            <a:r>
+              <a:rPr kumimoji="1" lang="en-US" altLang="zh-CN" sz="1800">
+                <a:solidFill>
+                  <a:schemeClr val="accent5"/>
+                </a:solidFill>
+              </a:rPr>
+              <a:t>data.ipcData()</a:t>
+            </a:r>
+            <a:endParaRPr kumimoji="1" lang="zh-CN" altLang="en-US" sz="1800">
+              <a:solidFill>
+                <a:schemeClr val="accent5"/>
+              </a:solidFill>
+            </a:endParaRPr>
+          </a:p>
+        </p:txBody>
+      </p:sp>
+      <p:sp>
+        <p:nvSpPr>
+          <p:cNvPr id="114" name="文本框 113"/>
+          <p:cNvSpPr txBox="1"/>
+          <p:nvPr/>
+        </p:nvSpPr>
+        <p:spPr>
+          <a:xfrm>
+            <a:off x="23310198" y="6831925"/>
+            <a:ext cx="5439311" cy="369332"/>
+          </a:xfrm>
+          <a:prstGeom prst="rect">
+            <a:avLst/>
+          </a:prstGeom>
+          <a:noFill/>
+          <a:ln>
+            <a:solidFill>
+              <a:schemeClr val="tx1"/>
+            </a:solidFill>
+          </a:ln>
+        </p:spPr>
+        <p:txBody>
+          <a:bodyPr wrap="square" rtlCol="0">
+            <a:spAutoFit/>
+          </a:bodyPr>
+          <a:lstStyle/>
+          <a:p>
+            <a:r>
+              <a:rPr kumimoji="1" lang="en-US" altLang="zh-CN" sz="1800"/>
+              <a:t>binder_uintptr_t</a:t>
+            </a:r>
+            <a:r>
+              <a:rPr kumimoji="1" lang="zh-CN" altLang="en-US" sz="1800"/>
+              <a:t> </a:t>
+            </a:r>
+            <a:r>
+              <a:rPr kumimoji="1" lang="en-US" altLang="zh-CN" sz="1800"/>
+              <a:t>offsets</a:t>
+            </a:r>
+            <a:r>
+              <a:rPr kumimoji="1" lang="zh-CN" altLang="en-US" sz="1800"/>
+              <a:t> </a:t>
+            </a:r>
+            <a:r>
+              <a:rPr kumimoji="1" lang="en-US" altLang="zh-CN" sz="1800"/>
+              <a:t>:</a:t>
+            </a:r>
+            <a:r>
+              <a:rPr kumimoji="1" lang="zh-CN" altLang="en-US" sz="1800"/>
+              <a:t> </a:t>
+            </a:r>
+            <a:r>
+              <a:rPr kumimoji="1" lang="en-US" altLang="zh-CN" sz="1800">
+                <a:solidFill>
+                  <a:schemeClr val="accent5"/>
+                </a:solidFill>
+              </a:rPr>
+              <a:t>data.ipcObjects()</a:t>
+            </a:r>
+            <a:endParaRPr kumimoji="1" lang="zh-CN" altLang="en-US" sz="1800">
+              <a:solidFill>
+                <a:schemeClr val="accent5"/>
+              </a:solidFill>
+            </a:endParaRPr>
+          </a:p>
+        </p:txBody>
+      </p:sp>
+      <p:sp>
+        <p:nvSpPr>
+          <p:cNvPr id="115" name="矩形 114"/>
+          <p:cNvSpPr/>
+          <p:nvPr/>
+        </p:nvSpPr>
+        <p:spPr>
+          <a:xfrm>
+            <a:off x="23188954" y="6145700"/>
+            <a:ext cx="5595351" cy="1198449"/>
+          </a:xfrm>
+          <a:prstGeom prst="rect">
+            <a:avLst/>
+          </a:prstGeom>
+          <a:noFill/>
+          <a:ln>
+            <a:solidFill>
+              <a:schemeClr val="tx1"/>
+            </a:solidFill>
+          </a:ln>
+        </p:spPr>
+        <p:style>
+          <a:lnRef idx="2">
+            <a:schemeClr val="accent1">
+              <a:shade val="50000"/>
+            </a:schemeClr>
+          </a:lnRef>
+          <a:fillRef idx="1">
+            <a:schemeClr val="accent1"/>
+          </a:fillRef>
+          <a:effectRef idx="0">
+            <a:schemeClr val="accent1"/>
+          </a:effectRef>
+          <a:fontRef idx="minor">
+            <a:schemeClr val="lt1"/>
+          </a:fontRef>
+        </p:style>
+        <p:txBody>
+          <a:bodyPr rot="0" spcFirstLastPara="0" vertOverflow="overflow" horzOverflow="overflow" vert="horz" wrap="square" lIns="128016" tIns="64008" rIns="128016" bIns="64008" numCol="1" spcCol="0" rtlCol="0" fromWordArt="0" anchor="ctr" anchorCtr="0" forceAA="0" compatLnSpc="1">
+            <a:prstTxWarp prst="textNoShape">
+              <a:avLst/>
+            </a:prstTxWarp>
+            <a:noAutofit/>
+          </a:bodyPr>
+          <a:lstStyle/>
+          <a:p>
+            <a:pPr algn="ctr"/>
+            <a:endParaRPr kumimoji="1" lang="zh-CN" altLang="en-US" sz="2964"/>
+          </a:p>
+        </p:txBody>
+      </p:sp>
+      <p:sp>
+        <p:nvSpPr>
+          <p:cNvPr id="116" name="矩形 115"/>
+          <p:cNvSpPr/>
+          <p:nvPr/>
+        </p:nvSpPr>
+        <p:spPr>
+          <a:xfrm>
+            <a:off x="23116317" y="2218004"/>
+            <a:ext cx="5766026" cy="5541695"/>
+          </a:xfrm>
+          <a:prstGeom prst="rect">
+            <a:avLst/>
+          </a:prstGeom>
+          <a:noFill/>
+          <a:ln>
+            <a:solidFill>
+              <a:schemeClr val="tx1"/>
+            </a:solidFill>
+          </a:ln>
+        </p:spPr>
+        <p:style>
+          <a:lnRef idx="2">
+            <a:schemeClr val="accent1">
+              <a:shade val="50000"/>
+            </a:schemeClr>
+          </a:lnRef>
+          <a:fillRef idx="1">
+            <a:schemeClr val="accent1"/>
+          </a:fillRef>
+          <a:effectRef idx="0">
+            <a:schemeClr val="accent1"/>
+          </a:effectRef>
+          <a:fontRef idx="minor">
+            <a:schemeClr val="lt1"/>
+          </a:fontRef>
+        </p:style>
+        <p:txBody>
+          <a:bodyPr rot="0" spcFirstLastPara="0" vertOverflow="overflow" horzOverflow="overflow" vert="horz" wrap="square" lIns="128016" tIns="64008" rIns="128016" bIns="64008" numCol="1" spcCol="0" rtlCol="0" fromWordArt="0" anchor="ctr" anchorCtr="0" forceAA="0" compatLnSpc="1">
+            <a:prstTxWarp prst="textNoShape">
+              <a:avLst/>
+            </a:prstTxWarp>
+            <a:noAutofit/>
+          </a:bodyPr>
+          <a:lstStyle/>
+          <a:p>
+            <a:pPr algn="ctr"/>
+            <a:endParaRPr kumimoji="1" lang="zh-CN" altLang="en-US" sz="2964"/>
+          </a:p>
+        </p:txBody>
+      </p:sp>
+      <p:sp>
+        <p:nvSpPr>
+          <p:cNvPr id="117" name="文本框 116"/>
+          <p:cNvSpPr txBox="1"/>
+          <p:nvPr/>
+        </p:nvSpPr>
+        <p:spPr>
+          <a:xfrm>
+            <a:off x="23188954" y="3654554"/>
+            <a:ext cx="5595351" cy="369332"/>
+          </a:xfrm>
+          <a:prstGeom prst="rect">
+            <a:avLst/>
+          </a:prstGeom>
+          <a:noFill/>
+          <a:ln>
+            <a:solidFill>
+              <a:schemeClr val="tx1"/>
+            </a:solidFill>
+          </a:ln>
+        </p:spPr>
+        <p:txBody>
+          <a:bodyPr wrap="square" rtlCol="0">
+            <a:spAutoFit/>
+          </a:bodyPr>
+          <a:lstStyle/>
+          <a:p>
+            <a:r>
+              <a:rPr kumimoji="1" lang="en-US" altLang="zh-CN" sz="1800"/>
+              <a:t>__u32</a:t>
+            </a:r>
+            <a:r>
+              <a:rPr kumimoji="1" lang="zh-CN" altLang="en-US" sz="1800"/>
+              <a:t> </a:t>
+            </a:r>
+            <a:r>
+              <a:rPr kumimoji="1" lang="en-US" altLang="zh-CN" sz="1800"/>
+              <a:t>code:</a:t>
+            </a:r>
+            <a:r>
+              <a:rPr kumimoji="1" lang="zh-CN" altLang="en-US" sz="1800"/>
+              <a:t> </a:t>
+            </a:r>
+            <a:r>
+              <a:rPr kumimoji="1" lang="en-US" altLang="zh-CN" sz="1800">
+                <a:solidFill>
+                  <a:schemeClr val="accent5"/>
+                </a:solidFill>
+              </a:rPr>
+              <a:t>ADD_SERVICE_TRANSACTION</a:t>
+            </a:r>
+            <a:endParaRPr kumimoji="1" lang="zh-CN" altLang="en-US" sz="1800">
+              <a:solidFill>
+                <a:schemeClr val="accent5"/>
+              </a:solidFill>
+            </a:endParaRPr>
+          </a:p>
+        </p:txBody>
+      </p:sp>
+      <p:sp>
+        <p:nvSpPr>
+          <p:cNvPr id="118" name="文本框 117"/>
+          <p:cNvSpPr txBox="1"/>
+          <p:nvPr/>
+        </p:nvSpPr>
+        <p:spPr>
+          <a:xfrm>
+            <a:off x="23188954" y="4027336"/>
+            <a:ext cx="5595351" cy="369332"/>
+          </a:xfrm>
+          <a:prstGeom prst="rect">
+            <a:avLst/>
+          </a:prstGeom>
+          <a:noFill/>
+          <a:ln>
+            <a:solidFill>
+              <a:schemeClr val="tx1"/>
+            </a:solidFill>
+          </a:ln>
+        </p:spPr>
+        <p:txBody>
+          <a:bodyPr wrap="square" rtlCol="0">
+            <a:spAutoFit/>
+          </a:bodyPr>
+          <a:lstStyle/>
+          <a:p>
+            <a:r>
+              <a:rPr kumimoji="1" lang="en-US" altLang="zh-CN" sz="1800"/>
+              <a:t>__u32</a:t>
+            </a:r>
+            <a:r>
+              <a:rPr kumimoji="1" lang="zh-CN" altLang="en-US" sz="1800"/>
+              <a:t> </a:t>
+            </a:r>
+            <a:r>
+              <a:rPr kumimoji="1" lang="en-US" altLang="zh-CN" sz="1800"/>
+              <a:t>flags:</a:t>
+            </a:r>
+            <a:r>
+              <a:rPr kumimoji="1" lang="zh-CN" altLang="en-US" sz="1800"/>
+              <a:t> </a:t>
+            </a:r>
+            <a:r>
+              <a:rPr kumimoji="1" lang="en-US" altLang="zh-CN" sz="1800">
+                <a:solidFill>
+                  <a:schemeClr val="accent5"/>
+                </a:solidFill>
+              </a:rPr>
+              <a:t>TF_ACCEPT_FDS</a:t>
+            </a:r>
+            <a:endParaRPr kumimoji="1" lang="zh-CN" altLang="en-US" sz="1800">
+              <a:solidFill>
+                <a:schemeClr val="accent5"/>
+              </a:solidFill>
+            </a:endParaRPr>
+          </a:p>
+        </p:txBody>
+      </p:sp>
+      <p:sp>
+        <p:nvSpPr>
+          <p:cNvPr id="120" name="任意形状 119"/>
+          <p:cNvSpPr/>
+          <p:nvPr/>
+        </p:nvSpPr>
+        <p:spPr>
+          <a:xfrm>
+            <a:off x="6527800" y="2145036"/>
+            <a:ext cx="9156700" cy="2388864"/>
+          </a:xfrm>
+          <a:custGeom>
+            <a:avLst/>
+            <a:gdLst>
+              <a:gd name="connsiteX0" fmla="*/ 9156700 w 9156700"/>
+              <a:gd name="connsiteY0" fmla="*/ 2388864 h 2388864"/>
+              <a:gd name="connsiteX1" fmla="*/ 8420100 w 9156700"/>
+              <a:gd name="connsiteY1" fmla="*/ 1906264 h 2388864"/>
+              <a:gd name="connsiteX2" fmla="*/ 7442200 w 9156700"/>
+              <a:gd name="connsiteY2" fmla="*/ 217164 h 2388864"/>
+              <a:gd name="connsiteX3" fmla="*/ 2540000 w 9156700"/>
+              <a:gd name="connsiteY3" fmla="*/ 52064 h 2388864"/>
+              <a:gd name="connsiteX4" fmla="*/ 774700 w 9156700"/>
+              <a:gd name="connsiteY4" fmla="*/ 496564 h 2388864"/>
+              <a:gd name="connsiteX5" fmla="*/ 381000 w 9156700"/>
+              <a:gd name="connsiteY5" fmla="*/ 1398264 h 2388864"/>
+              <a:gd name="connsiteX6" fmla="*/ 0 w 9156700"/>
+              <a:gd name="connsiteY6" fmla="*/ 1728464 h 2388864"/>
+            </a:gdLst>
+            <a:ahLst/>
+            <a:cxnLst>
+              <a:cxn ang="0">
+                <a:pos x="connsiteX0" y="connsiteY0"/>
+              </a:cxn>
+              <a:cxn ang="0">
+                <a:pos x="connsiteX1" y="connsiteY1"/>
+              </a:cxn>
+              <a:cxn ang="0">
+                <a:pos x="connsiteX2" y="connsiteY2"/>
+              </a:cxn>
+              <a:cxn ang="0">
+                <a:pos x="connsiteX3" y="connsiteY3"/>
+              </a:cxn>
+              <a:cxn ang="0">
+                <a:pos x="connsiteX4" y="connsiteY4"/>
+              </a:cxn>
+              <a:cxn ang="0">
+                <a:pos x="connsiteX5" y="connsiteY5"/>
+              </a:cxn>
+              <a:cxn ang="0">
+                <a:pos x="connsiteX6" y="connsiteY6"/>
+              </a:cxn>
+            </a:cxnLst>
+            <a:rect l="l" t="t" r="r" b="b"/>
+            <a:pathLst>
+              <a:path w="9156700" h="2388864">
+                <a:moveTo>
+                  <a:pt x="9156700" y="2388864"/>
+                </a:moveTo>
+                <a:cubicBezTo>
+                  <a:pt x="8931275" y="2328539"/>
+                  <a:pt x="8705850" y="2268214"/>
+                  <a:pt x="8420100" y="1906264"/>
+                </a:cubicBezTo>
+                <a:cubicBezTo>
+                  <a:pt x="8134350" y="1544314"/>
+                  <a:pt x="8422216" y="526197"/>
+                  <a:pt x="7442200" y="217164"/>
+                </a:cubicBezTo>
+                <a:cubicBezTo>
+                  <a:pt x="6462184" y="-91869"/>
+                  <a:pt x="3651250" y="5497"/>
+                  <a:pt x="2540000" y="52064"/>
+                </a:cubicBezTo>
+                <a:cubicBezTo>
+                  <a:pt x="1428750" y="98631"/>
+                  <a:pt x="1134533" y="272197"/>
+                  <a:pt x="774700" y="496564"/>
+                </a:cubicBezTo>
+                <a:cubicBezTo>
+                  <a:pt x="414867" y="720931"/>
+                  <a:pt x="510117" y="1192947"/>
+                  <a:pt x="381000" y="1398264"/>
+                </a:cubicBezTo>
+                <a:cubicBezTo>
+                  <a:pt x="251883" y="1603581"/>
+                  <a:pt x="0" y="1728464"/>
+                  <a:pt x="0" y="1728464"/>
+                </a:cubicBezTo>
+              </a:path>
+            </a:pathLst>
+          </a:custGeom>
+          <a:noFill/>
+          <a:ln>
+            <a:prstDash val="dash"/>
+            <a:tailEnd type="arrow"/>
+          </a:ln>
+        </p:spPr>
+        <p:style>
+          <a:lnRef idx="2">
+            <a:schemeClr val="accent1">
+              <a:shade val="50000"/>
+            </a:schemeClr>
+          </a:lnRef>
+          <a:fillRef idx="1">
+            <a:schemeClr val="accent1"/>
+          </a:fillRef>
+          <a:effectRef idx="0">
+            <a:schemeClr val="accent1"/>
+          </a:effectRef>
+          <a:fontRef idx="minor">
+            <a:schemeClr val="lt1"/>
+          </a:fontRef>
+        </p:style>
+        <p:txBody>
+          <a:bodyPr rtlCol="0" anchor="ctr"/>
+          <a:lstStyle/>
+          <a:p>
+            <a:pPr algn="ctr"/>
+            <a:endParaRPr kumimoji="1" lang="zh-CN" altLang="en-US"/>
+          </a:p>
+        </p:txBody>
+      </p:sp>
+    </p:spTree>
+    <p:extLst>
+      <p:ext uri="{BB962C8B-B14F-4D97-AF65-F5344CB8AC3E}">
+        <p14:creationId xmlns:p14="http://schemas.microsoft.com/office/powerpoint/2010/main" val="1159973718"/>
       </p:ext>
     </p:extLst>
   </p:cSld>
@@ -6271,7 +13331,7 @@
                           <a:schemeClr val="accent5"/>
                         </a:solidFill>
                       </a:rPr>
-                      <a:t>BC_TRANSACTIO</a:t>
+                      <a:t>BC_TRANSACTINO</a:t>
                     </a:r>
                     <a:r>
                       <a:rPr kumimoji="1" lang="zh-CN" altLang="en-US" sz="1800">
@@ -15309,7 +22369,7 @@
                         <a:schemeClr val="accent5"/>
                       </a:solidFill>
                     </a:rPr>
-                    <a:t>BC_TRANSACTIO</a:t>
+                    <a:t>BC_TRANSACTINO</a:t>
                   </a:r>
                   <a:r>
                     <a:rPr kumimoji="1" lang="zh-CN" altLang="en-US" sz="1800">
@@ -31421,11 +38481,7 @@
               <a:pPr algn="ctr"/>
               <a:r>
                 <a:rPr kumimoji="1" lang="en-US" altLang="zh-CN" sz="2000" b="1"/>
-                <a:t>object</a:t>
-              </a:r>
-              <a:r>
-                <a:rPr kumimoji="1" lang="en-US" altLang="zh-CN" sz="2000" b="1"/>
-                <a:t>B</a:t>
+                <a:t>objectB</a:t>
               </a:r>
               <a:endParaRPr kumimoji="1" lang="zh-CN" altLang="en-US" sz="2000" b="1"/>
             </a:p>
@@ -31975,19 +39031,7 @@
                 <a:rPr kumimoji="1" lang="en-US" altLang="zh-CN" sz="2000">
                   <a:latin typeface="+mj-lt"/>
                 </a:rPr>
-                <a:t>m</a:t>
-              </a:r>
-              <a:r>
-                <a:rPr kumimoji="1" lang="en-US" altLang="zh-CN" sz="2000">
-                  <a:latin typeface="+mj-lt"/>
-                </a:rPr>
-                <a:t>Strong</a:t>
-              </a:r>
-              <a:r>
-                <a:rPr kumimoji="1" lang="en-US" altLang="zh-CN" sz="2000">
-                  <a:latin typeface="+mj-lt"/>
-                </a:rPr>
-                <a:t>=1</a:t>
+                <a:t>mStrong=1</a:t>
               </a:r>
               <a:endParaRPr kumimoji="1" lang="zh-CN" altLang="en-US" sz="2000">
                 <a:latin typeface="+mj-lt"/>
@@ -32123,11 +39167,7 @@
               <a:pPr algn="ctr"/>
               <a:r>
                 <a:rPr kumimoji="1" lang="en-US" altLang="zh-CN" sz="2000" b="1"/>
-                <a:t>object</a:t>
-              </a:r>
-              <a:r>
-                <a:rPr kumimoji="1" lang="en-US" altLang="zh-CN" sz="2000" b="1"/>
-                <a:t>B</a:t>
+                <a:t>objectB</a:t>
               </a:r>
               <a:endParaRPr kumimoji="1" lang="zh-CN" altLang="en-US" sz="2000" b="1"/>
             </a:p>
@@ -32217,19 +39257,7 @@
                 <a:rPr kumimoji="1" lang="en-US" altLang="zh-CN" sz="2000">
                   <a:latin typeface="+mj-lt"/>
                 </a:rPr>
-                <a:t>m</a:t>
-              </a:r>
-              <a:r>
-                <a:rPr kumimoji="1" lang="en-US" altLang="zh-CN" sz="2000">
-                  <a:latin typeface="+mj-lt"/>
-                </a:rPr>
-                <a:t>Strong</a:t>
-              </a:r>
-              <a:r>
-                <a:rPr kumimoji="1" lang="en-US" altLang="zh-CN" sz="2000">
-                  <a:latin typeface="+mj-lt"/>
-                </a:rPr>
-                <a:t>=1</a:t>
+                <a:t>mStrong=1</a:t>
               </a:r>
               <a:endParaRPr kumimoji="1" lang="zh-CN" altLang="en-US" sz="2000">
                 <a:latin typeface="+mj-lt"/>
@@ -32836,11 +39864,7 @@
                 <a:pPr algn="ctr"/>
                 <a:r>
                   <a:rPr kumimoji="1" lang="en-US" altLang="zh-CN" sz="2000" b="1"/>
-                  <a:t>object</a:t>
-                </a:r>
-                <a:r>
-                  <a:rPr kumimoji="1" lang="en-US" altLang="zh-CN" sz="2000" b="1"/>
-                  <a:t>B</a:t>
+                  <a:t>objectB</a:t>
                 </a:r>
                 <a:endParaRPr kumimoji="1" lang="zh-CN" altLang="en-US" sz="2000" b="1"/>
               </a:p>
@@ -33486,11 +40510,7 @@
               <a:pPr algn="ctr"/>
               <a:r>
                 <a:rPr kumimoji="1" lang="en-US" altLang="zh-CN" sz="2000" b="1"/>
-                <a:t>object</a:t>
-              </a:r>
-              <a:r>
-                <a:rPr kumimoji="1" lang="en-US" altLang="zh-CN" sz="2000" b="1"/>
-                <a:t>B</a:t>
+                <a:t>objectB</a:t>
               </a:r>
               <a:endParaRPr kumimoji="1" lang="zh-CN" altLang="en-US" sz="2000" b="1"/>
             </a:p>

--- a/doc/TecNote.pptx
+++ b/doc/TecNote.pptx
@@ -252,7 +252,7 @@
           <a:p>
             <a:fld id="{B36E3DDD-87E4-2743-BB94-618FBD02DA55}" type="datetimeFigureOut">
               <a:rPr kumimoji="1" lang="zh-CN" altLang="en-US" smtClean="0"/>
-              <a:t>16/6/16</a:t>
+              <a:t>16/6/17</a:t>
             </a:fld>
             <a:endParaRPr kumimoji="1" lang="zh-CN" altLang="en-US"/>
           </a:p>
@@ -422,7 +422,7 @@
           <a:p>
             <a:fld id="{B36E3DDD-87E4-2743-BB94-618FBD02DA55}" type="datetimeFigureOut">
               <a:rPr kumimoji="1" lang="zh-CN" altLang="en-US" smtClean="0"/>
-              <a:t>16/6/16</a:t>
+              <a:t>16/6/17</a:t>
             </a:fld>
             <a:endParaRPr kumimoji="1" lang="zh-CN" altLang="en-US"/>
           </a:p>
@@ -602,7 +602,7 @@
           <a:p>
             <a:fld id="{B36E3DDD-87E4-2743-BB94-618FBD02DA55}" type="datetimeFigureOut">
               <a:rPr kumimoji="1" lang="zh-CN" altLang="en-US" smtClean="0"/>
-              <a:t>16/6/16</a:t>
+              <a:t>16/6/17</a:t>
             </a:fld>
             <a:endParaRPr kumimoji="1" lang="zh-CN" altLang="en-US"/>
           </a:p>
@@ -772,7 +772,7 @@
           <a:p>
             <a:fld id="{B36E3DDD-87E4-2743-BB94-618FBD02DA55}" type="datetimeFigureOut">
               <a:rPr kumimoji="1" lang="zh-CN" altLang="en-US" smtClean="0"/>
-              <a:t>16/6/16</a:t>
+              <a:t>16/6/17</a:t>
             </a:fld>
             <a:endParaRPr kumimoji="1" lang="zh-CN" altLang="en-US"/>
           </a:p>
@@ -1018,7 +1018,7 @@
           <a:p>
             <a:fld id="{B36E3DDD-87E4-2743-BB94-618FBD02DA55}" type="datetimeFigureOut">
               <a:rPr kumimoji="1" lang="zh-CN" altLang="en-US" smtClean="0"/>
-              <a:t>16/6/16</a:t>
+              <a:t>16/6/17</a:t>
             </a:fld>
             <a:endParaRPr kumimoji="1" lang="zh-CN" altLang="en-US"/>
           </a:p>
@@ -1250,7 +1250,7 @@
           <a:p>
             <a:fld id="{B36E3DDD-87E4-2743-BB94-618FBD02DA55}" type="datetimeFigureOut">
               <a:rPr kumimoji="1" lang="zh-CN" altLang="en-US" smtClean="0"/>
-              <a:t>16/6/16</a:t>
+              <a:t>16/6/17</a:t>
             </a:fld>
             <a:endParaRPr kumimoji="1" lang="zh-CN" altLang="en-US"/>
           </a:p>
@@ -1617,7 +1617,7 @@
           <a:p>
             <a:fld id="{B36E3DDD-87E4-2743-BB94-618FBD02DA55}" type="datetimeFigureOut">
               <a:rPr kumimoji="1" lang="zh-CN" altLang="en-US" smtClean="0"/>
-              <a:t>16/6/16</a:t>
+              <a:t>16/6/17</a:t>
             </a:fld>
             <a:endParaRPr kumimoji="1" lang="zh-CN" altLang="en-US"/>
           </a:p>
@@ -1735,7 +1735,7 @@
           <a:p>
             <a:fld id="{B36E3DDD-87E4-2743-BB94-618FBD02DA55}" type="datetimeFigureOut">
               <a:rPr kumimoji="1" lang="zh-CN" altLang="en-US" smtClean="0"/>
-              <a:t>16/6/16</a:t>
+              <a:t>16/6/17</a:t>
             </a:fld>
             <a:endParaRPr kumimoji="1" lang="zh-CN" altLang="en-US"/>
           </a:p>
@@ -1830,7 +1830,7 @@
           <a:p>
             <a:fld id="{B36E3DDD-87E4-2743-BB94-618FBD02DA55}" type="datetimeFigureOut">
               <a:rPr kumimoji="1" lang="zh-CN" altLang="en-US" smtClean="0"/>
-              <a:t>16/6/16</a:t>
+              <a:t>16/6/17</a:t>
             </a:fld>
             <a:endParaRPr kumimoji="1" lang="zh-CN" altLang="en-US"/>
           </a:p>
@@ -2107,7 +2107,7 @@
           <a:p>
             <a:fld id="{B36E3DDD-87E4-2743-BB94-618FBD02DA55}" type="datetimeFigureOut">
               <a:rPr kumimoji="1" lang="zh-CN" altLang="en-US" smtClean="0"/>
-              <a:t>16/6/16</a:t>
+              <a:t>16/6/17</a:t>
             </a:fld>
             <a:endParaRPr kumimoji="1" lang="zh-CN" altLang="en-US"/>
           </a:p>
@@ -2364,7 +2364,7 @@
           <a:p>
             <a:fld id="{B36E3DDD-87E4-2743-BB94-618FBD02DA55}" type="datetimeFigureOut">
               <a:rPr kumimoji="1" lang="zh-CN" altLang="en-US" smtClean="0"/>
-              <a:t>16/6/16</a:t>
+              <a:t>16/6/17</a:t>
             </a:fld>
             <a:endParaRPr kumimoji="1" lang="zh-CN" altLang="en-US"/>
           </a:p>
@@ -2577,7 +2577,7 @@
           <a:p>
             <a:fld id="{B36E3DDD-87E4-2743-BB94-618FBD02DA55}" type="datetimeFigureOut">
               <a:rPr kumimoji="1" lang="zh-CN" altLang="en-US" smtClean="0"/>
-              <a:t>16/6/16</a:t>
+              <a:t>16/6/17</a:t>
             </a:fld>
             <a:endParaRPr kumimoji="1" lang="zh-CN" altLang="en-US"/>
           </a:p>
@@ -8339,7 +8339,7 @@
         </p:nvSpPr>
         <p:spPr>
           <a:xfrm>
-            <a:off x="15672186" y="4342476"/>
+            <a:off x="15672186" y="4069762"/>
             <a:ext cx="5595351" cy="369332"/>
           </a:xfrm>
           <a:prstGeom prst="rect">
@@ -8376,11 +8376,7 @@
             </a:r>
             <a:r>
               <a:rPr kumimoji="1" lang="en-US" altLang="zh-CN" sz="1800"/>
-              <a:t>code</a:t>
-            </a:r>
-            <a:r>
-              <a:rPr kumimoji="1" lang="en-US" altLang="zh-CN" sz="1800"/>
-              <a:t>:</a:t>
+              <a:t>code:</a:t>
             </a:r>
             <a:r>
               <a:rPr kumimoji="1" lang="zh-CN" altLang="en-US" sz="1800"/>
@@ -8410,7 +8406,7 @@
         </p:nvSpPr>
         <p:spPr>
           <a:xfrm>
-            <a:off x="15672186" y="4720258"/>
+            <a:off x="15672186" y="4447544"/>
             <a:ext cx="5595351" cy="369332"/>
           </a:xfrm>
           <a:prstGeom prst="rect">
@@ -8431,7 +8427,7 @@
           <a:p>
             <a:r>
               <a:rPr kumimoji="1" lang="en-US" altLang="zh-CN" sz="1800"/>
-              <a:t>uid_t</a:t>
+              <a:t>unsigned</a:t>
             </a:r>
             <a:r>
               <a:rPr kumimoji="1" lang="zh-CN" altLang="en-US" sz="1800"/>
@@ -8439,7 +8435,7 @@
             </a:r>
             <a:r>
               <a:rPr kumimoji="1" lang="en-US" altLang="zh-CN" sz="1800"/>
-              <a:t>sender_euid</a:t>
+              <a:t>int</a:t>
             </a:r>
             <a:r>
               <a:rPr kumimoji="1" lang="zh-CN" altLang="en-US" sz="1800"/>
@@ -8447,23 +8443,31 @@
             </a:r>
             <a:r>
               <a:rPr kumimoji="1" lang="en-US" altLang="zh-CN" sz="1800"/>
-              <a:t>:</a:t>
+              <a:t>flags</a:t>
             </a:r>
             <a:r>
               <a:rPr kumimoji="1" lang="zh-CN" altLang="en-US" sz="1800"/>
               <a:t> </a:t>
             </a:r>
             <a:r>
+              <a:rPr kumimoji="1" lang="en-US" altLang="zh-CN" sz="1800"/>
+              <a:t>:</a:t>
+            </a:r>
+            <a:r>
+              <a:rPr kumimoji="1" lang="zh-CN" altLang="en-US" sz="1800"/>
+              <a:t> </a:t>
+            </a:r>
+            <a:r>
               <a:rPr kumimoji="1" lang="en-US" altLang="zh-CN" sz="1800">
                 <a:solidFill>
-                  <a:schemeClr val="accent5"/>
+                  <a:schemeClr val="accent2"/>
                 </a:solidFill>
               </a:rPr>
-              <a:t>0</a:t>
+              <a:t>tr-&gt;flags</a:t>
             </a:r>
             <a:endParaRPr kumimoji="1" lang="zh-CN" altLang="en-US" sz="1800">
               <a:solidFill>
-                <a:schemeClr val="accent5"/>
+                <a:schemeClr val="accent2"/>
               </a:solidFill>
             </a:endParaRPr>
           </a:p>
@@ -8477,7 +8481,7 @@
         </p:nvSpPr>
         <p:spPr>
           <a:xfrm>
-            <a:off x="15672186" y="5079921"/>
+            <a:off x="15672186" y="4807207"/>
             <a:ext cx="5595351" cy="369332"/>
           </a:xfrm>
           <a:prstGeom prst="rect">
@@ -8498,7 +8502,7 @@
           <a:p>
             <a:r>
               <a:rPr kumimoji="1" lang="en-US" altLang="zh-CN" sz="1800"/>
-              <a:t>binder_size_t</a:t>
+              <a:t>long</a:t>
             </a:r>
             <a:r>
               <a:rPr kumimoji="1" lang="zh-CN" altLang="en-US" sz="1800"/>
@@ -8506,23 +8510,27 @@
             </a:r>
             <a:r>
               <a:rPr kumimoji="1" lang="en-US" altLang="zh-CN" sz="1800"/>
-              <a:t>data_size:</a:t>
-            </a:r>
-            <a:r>
-              <a:rPr kumimoji="1" lang="zh-CN" altLang="en-US" sz="1800"/>
+              <a:t>priority:</a:t>
+            </a:r>
+            <a:r>
+              <a:rPr kumimoji="1" lang="zh-CN" altLang="en-US" sz="1800">
+                <a:solidFill>
+                  <a:schemeClr val="accent2"/>
+                </a:solidFill>
+              </a:rPr>
               <a:t> </a:t>
             </a:r>
             <a:r>
               <a:rPr kumimoji="1" lang="en-US" altLang="zh-CN" sz="1800">
                 <a:solidFill>
-                  <a:schemeClr val="accent5"/>
+                  <a:schemeClr val="accent2"/>
                 </a:solidFill>
               </a:rPr>
-              <a:t>data.ipcDataSize()</a:t>
+              <a:t>task_nice(current)</a:t>
             </a:r>
             <a:endParaRPr kumimoji="1" lang="zh-CN" altLang="en-US" sz="1800">
               <a:solidFill>
-                <a:schemeClr val="accent5"/>
+                <a:schemeClr val="accent2"/>
               </a:solidFill>
             </a:endParaRPr>
           </a:p>
@@ -8536,8 +8544,8 @@
         </p:nvSpPr>
         <p:spPr>
           <a:xfrm>
-            <a:off x="15672186" y="5448227"/>
-            <a:ext cx="5595351" cy="646331"/>
+            <a:off x="15672186" y="5544479"/>
+            <a:ext cx="5595351" cy="923330"/>
           </a:xfrm>
           <a:prstGeom prst="rect">
             <a:avLst/>
@@ -8557,17 +8565,21 @@
           <a:p>
             <a:r>
               <a:rPr kumimoji="1" lang="en-US" altLang="zh-CN" sz="1800"/>
-              <a:t>binder_size_t</a:t>
+              <a:t>binder_buffer</a:t>
+            </a:r>
+            <a:r>
+              <a:rPr kumimoji="1" lang="zh-CN" altLang="en-US" sz="1800"/>
+              <a:t> *</a:t>
+            </a:r>
+            <a:r>
+              <a:rPr kumimoji="1" lang="en-US" altLang="zh-CN" sz="1800"/>
+              <a:t>buffer</a:t>
             </a:r>
             <a:r>
               <a:rPr kumimoji="1" lang="zh-CN" altLang="en-US" sz="1800"/>
               <a:t> </a:t>
             </a:r>
             <a:r>
-              <a:rPr kumimoji="1" lang="en-US" altLang="zh-CN" sz="1800"/>
-              <a:t>offsets_size</a:t>
-            </a:r>
-            <a:r>
               <a:rPr kumimoji="1" lang="zh-CN" altLang="en-US" sz="1800"/>
               <a:t> </a:t>
             </a:r>
@@ -8579,35 +8591,17 @@
               <a:rPr kumimoji="1" lang="zh-CN" altLang="en-US" sz="1800"/>
               <a:t> </a:t>
             </a:r>
-          </a:p>
-          <a:p>
             <a:r>
               <a:rPr kumimoji="1" lang="en-US" altLang="zh-CN" sz="1800">
                 <a:solidFill>
-                  <a:schemeClr val="accent5"/>
+                  <a:schemeClr val="accent2"/>
                 </a:solidFill>
               </a:rPr>
-              <a:t>data.ipcObjectsCount()</a:t>
-            </a:r>
-            <a:r>
-              <a:rPr kumimoji="1" lang="zh-CN" altLang="en-US" sz="1800">
-                <a:solidFill>
-                  <a:schemeClr val="accent5"/>
-                </a:solidFill>
-              </a:rPr>
-              <a:t>*</a:t>
-            </a:r>
-            <a:r>
-              <a:rPr kumimoji="1" lang="en-US" altLang="zh-CN" sz="1800">
-                <a:solidFill>
-                  <a:schemeClr val="accent5"/>
-                </a:solidFill>
-              </a:rPr>
-              <a:t>sizeof(binder_size_t)</a:t>
+              <a:t>binder_alloc_buf(target_proc, tr-&gt;data_size,        tr-&gt;offsets_size, !reply &amp;&amp; (t-&gt;flags &amp; TF_ONE_WAY))</a:t>
             </a:r>
             <a:endParaRPr kumimoji="1" lang="zh-CN" altLang="en-US" sz="1800">
               <a:solidFill>
-                <a:schemeClr val="accent5"/>
+                <a:schemeClr val="accent2"/>
               </a:solidFill>
             </a:endParaRPr>
           </a:p>
@@ -8621,8 +8615,8 @@
         </p:nvSpPr>
         <p:spPr>
           <a:xfrm>
-            <a:off x="15793430" y="6048682"/>
-            <a:ext cx="5439311" cy="369332"/>
+            <a:off x="15793430" y="5198449"/>
+            <a:ext cx="5439311" cy="923330"/>
           </a:xfrm>
           <a:prstGeom prst="rect">
             <a:avLst/>
@@ -8648,9 +8642,33 @@
             </a:r>
             <a:r>
               <a:rPr kumimoji="1" lang="en-US" altLang="zh-CN" sz="1800" b="1"/>
-              <a:t>ptr</a:t>
-            </a:r>
-            <a:endParaRPr kumimoji="1" lang="zh-CN" altLang="en-US" sz="1800" b="1"/>
+              <a:t>binder_buffer</a:t>
+            </a:r>
+            <a:r>
+              <a:rPr kumimoji="1" lang="zh-CN" altLang="en-US" sz="1800" b="1"/>
+              <a:t> </a:t>
+            </a:r>
+            <a:r>
+              <a:rPr kumimoji="1" lang="en-US" altLang="zh-CN" sz="1800" b="1"/>
+              <a:t>:</a:t>
+            </a:r>
+            <a:r>
+              <a:rPr kumimoji="1" lang="zh-CN" altLang="en-US" sz="1800" b="1"/>
+              <a:t> </a:t>
+            </a:r>
+            <a:r>
+              <a:rPr kumimoji="1" lang="en-US" altLang="zh-CN" sz="1800">
+                <a:solidFill>
+                  <a:schemeClr val="accent2"/>
+                </a:solidFill>
+              </a:rPr>
+              <a:t>binder_alloc_buf(target_proc, tr-&gt;data_size,        tr-&gt;offsets_size, !reply &amp;&amp; (t-&gt;flags &amp; TF_ONE_WAY))</a:t>
+            </a:r>
+            <a:endParaRPr kumimoji="1" lang="zh-CN" altLang="en-US" sz="1800">
+              <a:solidFill>
+                <a:schemeClr val="accent2"/>
+              </a:solidFill>
+            </a:endParaRPr>
           </a:p>
         </p:txBody>
       </p:sp>
@@ -8662,7 +8680,7 @@
         </p:nvSpPr>
         <p:spPr>
           <a:xfrm>
-            <a:off x="15793430" y="6413343"/>
+            <a:off x="15793430" y="6782309"/>
             <a:ext cx="5439311" cy="369332"/>
           </a:xfrm>
           <a:prstGeom prst="rect">
@@ -8729,7 +8747,7 @@
         </p:nvSpPr>
         <p:spPr>
           <a:xfrm>
-            <a:off x="15793430" y="6785707"/>
+            <a:off x="15793430" y="7154673"/>
             <a:ext cx="5439311" cy="369332"/>
           </a:xfrm>
           <a:prstGeom prst="rect">
@@ -8796,7 +8814,7 @@
         </p:nvSpPr>
         <p:spPr>
           <a:xfrm>
-            <a:off x="15672186" y="6099482"/>
+            <a:off x="15672186" y="6468448"/>
             <a:ext cx="5595351" cy="1198449"/>
           </a:xfrm>
           <a:prstGeom prst="rect">
@@ -9958,32 +9976,32 @@
       </p:sp>
       <p:sp>
         <p:nvSpPr>
-          <p:cNvPr id="120" name="任意形状 119"/>
+          <p:cNvPr id="47" name="任意形状 46"/>
           <p:cNvSpPr/>
           <p:nvPr/>
         </p:nvSpPr>
         <p:spPr>
           <a:xfrm>
-            <a:off x="6527800" y="2145036"/>
-            <a:ext cx="9156700" cy="2388864"/>
+            <a:off x="6545179" y="2220637"/>
+            <a:ext cx="9144000" cy="2102294"/>
           </a:xfrm>
           <a:custGeom>
             <a:avLst/>
             <a:gdLst>
-              <a:gd name="connsiteX0" fmla="*/ 9156700 w 9156700"/>
-              <a:gd name="connsiteY0" fmla="*/ 2388864 h 2388864"/>
-              <a:gd name="connsiteX1" fmla="*/ 8420100 w 9156700"/>
-              <a:gd name="connsiteY1" fmla="*/ 1906264 h 2388864"/>
-              <a:gd name="connsiteX2" fmla="*/ 7442200 w 9156700"/>
-              <a:gd name="connsiteY2" fmla="*/ 217164 h 2388864"/>
-              <a:gd name="connsiteX3" fmla="*/ 2540000 w 9156700"/>
-              <a:gd name="connsiteY3" fmla="*/ 52064 h 2388864"/>
-              <a:gd name="connsiteX4" fmla="*/ 774700 w 9156700"/>
-              <a:gd name="connsiteY4" fmla="*/ 496564 h 2388864"/>
-              <a:gd name="connsiteX5" fmla="*/ 381000 w 9156700"/>
-              <a:gd name="connsiteY5" fmla="*/ 1398264 h 2388864"/>
-              <a:gd name="connsiteX6" fmla="*/ 0 w 9156700"/>
-              <a:gd name="connsiteY6" fmla="*/ 1728464 h 2388864"/>
+              <a:gd name="connsiteX0" fmla="*/ 9144000 w 9144000"/>
+              <a:gd name="connsiteY0" fmla="*/ 2030521 h 2102294"/>
+              <a:gd name="connsiteX1" fmla="*/ 8357937 w 9144000"/>
+              <a:gd name="connsiteY1" fmla="*/ 1886142 h 2102294"/>
+              <a:gd name="connsiteX2" fmla="*/ 7764379 w 9144000"/>
+              <a:gd name="connsiteY2" fmla="*/ 217763 h 2102294"/>
+              <a:gd name="connsiteX3" fmla="*/ 2550695 w 9144000"/>
+              <a:gd name="connsiteY3" fmla="*/ 25258 h 2102294"/>
+              <a:gd name="connsiteX4" fmla="*/ 898358 w 9144000"/>
+              <a:gd name="connsiteY4" fmla="*/ 265889 h 2102294"/>
+              <a:gd name="connsiteX5" fmla="*/ 465221 w 9144000"/>
+              <a:gd name="connsiteY5" fmla="*/ 1051952 h 2102294"/>
+              <a:gd name="connsiteX6" fmla="*/ 0 w 9144000"/>
+              <a:gd name="connsiteY6" fmla="*/ 1645510 h 2102294"/>
             </a:gdLst>
             <a:ahLst/>
             <a:cxnLst>
@@ -10011,45 +10029,184 @@
             </a:cxnLst>
             <a:rect l="l" t="t" r="r" b="b"/>
             <a:pathLst>
-              <a:path w="9156700" h="2388864">
+              <a:path w="9144000" h="2102294">
                 <a:moveTo>
-                  <a:pt x="9156700" y="2388864"/>
+                  <a:pt x="9144000" y="2030521"/>
                 </a:moveTo>
                 <a:cubicBezTo>
-                  <a:pt x="8931275" y="2328539"/>
-                  <a:pt x="8705850" y="2268214"/>
-                  <a:pt x="8420100" y="1906264"/>
+                  <a:pt x="8865937" y="2109394"/>
+                  <a:pt x="8587874" y="2188268"/>
+                  <a:pt x="8357937" y="1886142"/>
                 </a:cubicBezTo>
                 <a:cubicBezTo>
-                  <a:pt x="8134350" y="1544314"/>
-                  <a:pt x="8422216" y="526197"/>
-                  <a:pt x="7442200" y="217164"/>
+                  <a:pt x="8128000" y="1584016"/>
+                  <a:pt x="8732253" y="527910"/>
+                  <a:pt x="7764379" y="217763"/>
                 </a:cubicBezTo>
                 <a:cubicBezTo>
-                  <a:pt x="6462184" y="-91869"/>
-                  <a:pt x="3651250" y="5497"/>
-                  <a:pt x="2540000" y="52064"/>
+                  <a:pt x="6796505" y="-92384"/>
+                  <a:pt x="3695032" y="17237"/>
+                  <a:pt x="2550695" y="25258"/>
                 </a:cubicBezTo>
                 <a:cubicBezTo>
-                  <a:pt x="1428750" y="98631"/>
-                  <a:pt x="1134533" y="272197"/>
-                  <a:pt x="774700" y="496564"/>
+                  <a:pt x="1406358" y="33279"/>
+                  <a:pt x="1245937" y="94773"/>
+                  <a:pt x="898358" y="265889"/>
                 </a:cubicBezTo>
                 <a:cubicBezTo>
-                  <a:pt x="414867" y="720931"/>
-                  <a:pt x="510117" y="1192947"/>
-                  <a:pt x="381000" y="1398264"/>
+                  <a:pt x="550779" y="437005"/>
+                  <a:pt x="614947" y="822015"/>
+                  <a:pt x="465221" y="1051952"/>
                 </a:cubicBezTo>
                 <a:cubicBezTo>
-                  <a:pt x="251883" y="1603581"/>
-                  <a:pt x="0" y="1728464"/>
-                  <a:pt x="0" y="1728464"/>
+                  <a:pt x="315495" y="1281889"/>
+                  <a:pt x="0" y="1645510"/>
+                  <a:pt x="0" y="1645510"/>
                 </a:cubicBezTo>
               </a:path>
             </a:pathLst>
           </a:custGeom>
           <a:noFill/>
           <a:ln>
+            <a:solidFill>
+              <a:schemeClr val="accent2"/>
+            </a:solidFill>
+            <a:prstDash val="dash"/>
+            <a:tailEnd type="arrow"/>
+          </a:ln>
+        </p:spPr>
+        <p:style>
+          <a:lnRef idx="2">
+            <a:schemeClr val="accent1">
+              <a:shade val="50000"/>
+            </a:schemeClr>
+          </a:lnRef>
+          <a:fillRef idx="1">
+            <a:schemeClr val="accent1"/>
+          </a:fillRef>
+          <a:effectRef idx="0">
+            <a:schemeClr val="accent1"/>
+          </a:effectRef>
+          <a:fontRef idx="minor">
+            <a:schemeClr val="lt1"/>
+          </a:fontRef>
+        </p:style>
+        <p:txBody>
+          <a:bodyPr rtlCol="0" anchor="ctr"/>
+          <a:lstStyle/>
+          <a:p>
+            <a:pPr algn="ctr"/>
+            <a:endParaRPr kumimoji="1" lang="zh-CN" altLang="en-US"/>
+          </a:p>
+        </p:txBody>
+      </p:sp>
+      <p:sp>
+        <p:nvSpPr>
+          <p:cNvPr id="119" name="任意形状 118"/>
+          <p:cNvSpPr/>
+          <p:nvPr/>
+        </p:nvSpPr>
+        <p:spPr>
+          <a:xfrm>
+            <a:off x="6545179" y="2299278"/>
+            <a:ext cx="9144000" cy="2304806"/>
+          </a:xfrm>
+          <a:custGeom>
+            <a:avLst/>
+            <a:gdLst>
+              <a:gd name="connsiteX0" fmla="*/ 9144000 w 9144000"/>
+              <a:gd name="connsiteY0" fmla="*/ 2304806 h 2304806"/>
+              <a:gd name="connsiteX1" fmla="*/ 8710863 w 9144000"/>
+              <a:gd name="connsiteY1" fmla="*/ 1647080 h 2304806"/>
+              <a:gd name="connsiteX2" fmla="*/ 8309810 w 9144000"/>
+              <a:gd name="connsiteY2" fmla="*/ 331627 h 2304806"/>
+              <a:gd name="connsiteX3" fmla="*/ 3705726 w 9144000"/>
+              <a:gd name="connsiteY3" fmla="*/ 26827 h 2304806"/>
+              <a:gd name="connsiteX4" fmla="*/ 1299410 w 9144000"/>
+              <a:gd name="connsiteY4" fmla="*/ 155164 h 2304806"/>
+              <a:gd name="connsiteX5" fmla="*/ 417095 w 9144000"/>
+              <a:gd name="connsiteY5" fmla="*/ 1262069 h 2304806"/>
+              <a:gd name="connsiteX6" fmla="*/ 256674 w 9144000"/>
+              <a:gd name="connsiteY6" fmla="*/ 1775417 h 2304806"/>
+              <a:gd name="connsiteX7" fmla="*/ 0 w 9144000"/>
+              <a:gd name="connsiteY7" fmla="*/ 1935838 h 2304806"/>
+            </a:gdLst>
+            <a:ahLst/>
+            <a:cxnLst>
+              <a:cxn ang="0">
+                <a:pos x="connsiteX0" y="connsiteY0"/>
+              </a:cxn>
+              <a:cxn ang="0">
+                <a:pos x="connsiteX1" y="connsiteY1"/>
+              </a:cxn>
+              <a:cxn ang="0">
+                <a:pos x="connsiteX2" y="connsiteY2"/>
+              </a:cxn>
+              <a:cxn ang="0">
+                <a:pos x="connsiteX3" y="connsiteY3"/>
+              </a:cxn>
+              <a:cxn ang="0">
+                <a:pos x="connsiteX4" y="connsiteY4"/>
+              </a:cxn>
+              <a:cxn ang="0">
+                <a:pos x="connsiteX5" y="connsiteY5"/>
+              </a:cxn>
+              <a:cxn ang="0">
+                <a:pos x="connsiteX6" y="connsiteY6"/>
+              </a:cxn>
+              <a:cxn ang="0">
+                <a:pos x="connsiteX7" y="connsiteY7"/>
+              </a:cxn>
+            </a:cxnLst>
+            <a:rect l="l" t="t" r="r" b="b"/>
+            <a:pathLst>
+              <a:path w="9144000" h="2304806">
+                <a:moveTo>
+                  <a:pt x="9144000" y="2304806"/>
+                </a:moveTo>
+                <a:cubicBezTo>
+                  <a:pt x="8996947" y="2140374"/>
+                  <a:pt x="8849895" y="1975943"/>
+                  <a:pt x="8710863" y="1647080"/>
+                </a:cubicBezTo>
+                <a:cubicBezTo>
+                  <a:pt x="8571831" y="1318217"/>
+                  <a:pt x="9143999" y="601669"/>
+                  <a:pt x="8309810" y="331627"/>
+                </a:cubicBezTo>
+                <a:cubicBezTo>
+                  <a:pt x="7475621" y="61585"/>
+                  <a:pt x="4874126" y="56237"/>
+                  <a:pt x="3705726" y="26827"/>
+                </a:cubicBezTo>
+                <a:cubicBezTo>
+                  <a:pt x="2537326" y="-2584"/>
+                  <a:pt x="1847515" y="-50710"/>
+                  <a:pt x="1299410" y="155164"/>
+                </a:cubicBezTo>
+                <a:cubicBezTo>
+                  <a:pt x="751305" y="361038"/>
+                  <a:pt x="590884" y="992027"/>
+                  <a:pt x="417095" y="1262069"/>
+                </a:cubicBezTo>
+                <a:cubicBezTo>
+                  <a:pt x="243306" y="1532111"/>
+                  <a:pt x="326190" y="1663122"/>
+                  <a:pt x="256674" y="1775417"/>
+                </a:cubicBezTo>
+                <a:cubicBezTo>
+                  <a:pt x="187158" y="1887712"/>
+                  <a:pt x="0" y="1935838"/>
+                  <a:pt x="0" y="1935838"/>
+                </a:cubicBezTo>
+              </a:path>
+            </a:pathLst>
+          </a:custGeom>
+          <a:noFill/>
+          <a:ln>
+            <a:solidFill>
+              <a:schemeClr val="accent2"/>
+            </a:solidFill>
             <a:prstDash val="dash"/>
             <a:tailEnd type="arrow"/>
           </a:ln>

--- a/doc/TecNote.pptx
+++ b/doc/TecNote.pptx
@@ -253,7 +253,7 @@
           <a:p>
             <a:fld id="{B36E3DDD-87E4-2743-BB94-618FBD02DA55}" type="datetimeFigureOut">
               <a:rPr kumimoji="1" lang="zh-CN" altLang="en-US" smtClean="0"/>
-              <a:t>16/6/18</a:t>
+              <a:t>16/6/19</a:t>
             </a:fld>
             <a:endParaRPr kumimoji="1" lang="zh-CN" altLang="en-US"/>
           </a:p>
@@ -423,7 +423,7 @@
           <a:p>
             <a:fld id="{B36E3DDD-87E4-2743-BB94-618FBD02DA55}" type="datetimeFigureOut">
               <a:rPr kumimoji="1" lang="zh-CN" altLang="en-US" smtClean="0"/>
-              <a:t>16/6/18</a:t>
+              <a:t>16/6/19</a:t>
             </a:fld>
             <a:endParaRPr kumimoji="1" lang="zh-CN" altLang="en-US"/>
           </a:p>
@@ -603,7 +603,7 @@
           <a:p>
             <a:fld id="{B36E3DDD-87E4-2743-BB94-618FBD02DA55}" type="datetimeFigureOut">
               <a:rPr kumimoji="1" lang="zh-CN" altLang="en-US" smtClean="0"/>
-              <a:t>16/6/18</a:t>
+              <a:t>16/6/19</a:t>
             </a:fld>
             <a:endParaRPr kumimoji="1" lang="zh-CN" altLang="en-US"/>
           </a:p>
@@ -773,7 +773,7 @@
           <a:p>
             <a:fld id="{B36E3DDD-87E4-2743-BB94-618FBD02DA55}" type="datetimeFigureOut">
               <a:rPr kumimoji="1" lang="zh-CN" altLang="en-US" smtClean="0"/>
-              <a:t>16/6/18</a:t>
+              <a:t>16/6/19</a:t>
             </a:fld>
             <a:endParaRPr kumimoji="1" lang="zh-CN" altLang="en-US"/>
           </a:p>
@@ -1017,7 +1017,7 @@
           <a:p>
             <a:fld id="{B36E3DDD-87E4-2743-BB94-618FBD02DA55}" type="datetimeFigureOut">
               <a:rPr kumimoji="1" lang="zh-CN" altLang="en-US" smtClean="0"/>
-              <a:t>16/6/18</a:t>
+              <a:t>16/6/19</a:t>
             </a:fld>
             <a:endParaRPr kumimoji="1" lang="zh-CN" altLang="en-US"/>
           </a:p>
@@ -1249,7 +1249,7 @@
           <a:p>
             <a:fld id="{B36E3DDD-87E4-2743-BB94-618FBD02DA55}" type="datetimeFigureOut">
               <a:rPr kumimoji="1" lang="zh-CN" altLang="en-US" smtClean="0"/>
-              <a:t>16/6/18</a:t>
+              <a:t>16/6/19</a:t>
             </a:fld>
             <a:endParaRPr kumimoji="1" lang="zh-CN" altLang="en-US"/>
           </a:p>
@@ -1616,7 +1616,7 @@
           <a:p>
             <a:fld id="{B36E3DDD-87E4-2743-BB94-618FBD02DA55}" type="datetimeFigureOut">
               <a:rPr kumimoji="1" lang="zh-CN" altLang="en-US" smtClean="0"/>
-              <a:t>16/6/18</a:t>
+              <a:t>16/6/19</a:t>
             </a:fld>
             <a:endParaRPr kumimoji="1" lang="zh-CN" altLang="en-US"/>
           </a:p>
@@ -1734,7 +1734,7 @@
           <a:p>
             <a:fld id="{B36E3DDD-87E4-2743-BB94-618FBD02DA55}" type="datetimeFigureOut">
               <a:rPr kumimoji="1" lang="zh-CN" altLang="en-US" smtClean="0"/>
-              <a:t>16/6/18</a:t>
+              <a:t>16/6/19</a:t>
             </a:fld>
             <a:endParaRPr kumimoji="1" lang="zh-CN" altLang="en-US"/>
           </a:p>
@@ -1829,7 +1829,7 @@
           <a:p>
             <a:fld id="{B36E3DDD-87E4-2743-BB94-618FBD02DA55}" type="datetimeFigureOut">
               <a:rPr kumimoji="1" lang="zh-CN" altLang="en-US" smtClean="0"/>
-              <a:t>16/6/18</a:t>
+              <a:t>16/6/19</a:t>
             </a:fld>
             <a:endParaRPr kumimoji="1" lang="zh-CN" altLang="en-US"/>
           </a:p>
@@ -2106,7 +2106,7 @@
           <a:p>
             <a:fld id="{B36E3DDD-87E4-2743-BB94-618FBD02DA55}" type="datetimeFigureOut">
               <a:rPr kumimoji="1" lang="zh-CN" altLang="en-US" smtClean="0"/>
-              <a:t>16/6/18</a:t>
+              <a:t>16/6/19</a:t>
             </a:fld>
             <a:endParaRPr kumimoji="1" lang="zh-CN" altLang="en-US"/>
           </a:p>
@@ -2363,7 +2363,7 @@
           <a:p>
             <a:fld id="{B36E3DDD-87E4-2743-BB94-618FBD02DA55}" type="datetimeFigureOut">
               <a:rPr kumimoji="1" lang="zh-CN" altLang="en-US" smtClean="0"/>
-              <a:t>16/6/18</a:t>
+              <a:t>16/6/19</a:t>
             </a:fld>
             <a:endParaRPr kumimoji="1" lang="zh-CN" altLang="en-US"/>
           </a:p>
@@ -2576,7 +2576,7 @@
           <a:p>
             <a:fld id="{B36E3DDD-87E4-2743-BB94-618FBD02DA55}" type="datetimeFigureOut">
               <a:rPr kumimoji="1" lang="zh-CN" altLang="en-US" smtClean="0"/>
-              <a:t>16/6/18</a:t>
+              <a:t>16/6/19</a:t>
             </a:fld>
             <a:endParaRPr kumimoji="1" lang="zh-CN" altLang="en-US"/>
           </a:p>
@@ -10381,79 +10381,6 @@
       </p:cxnSp>
       <p:sp>
         <p:nvSpPr>
-          <p:cNvPr id="148" name="文本框 147"/>
-          <p:cNvSpPr txBox="1"/>
-          <p:nvPr/>
-        </p:nvSpPr>
-        <p:spPr>
-          <a:xfrm>
-            <a:off x="13601676" y="16450281"/>
-            <a:ext cx="1848383" cy="369332"/>
-          </a:xfrm>
-          <a:prstGeom prst="rect">
-            <a:avLst/>
-          </a:prstGeom>
-          <a:noFill/>
-          <a:ln>
-            <a:noFill/>
-          </a:ln>
-        </p:spPr>
-        <p:txBody>
-          <a:bodyPr wrap="square" rtlCol="0">
-            <a:spAutoFit/>
-          </a:bodyPr>
-          <a:lstStyle/>
-          <a:p>
-            <a:r>
-              <a:rPr kumimoji="1" lang="en-US" altLang="zh-CN" sz="1800"/>
-              <a:t>filp-&gt;private_data</a:t>
-            </a:r>
-            <a:endParaRPr kumimoji="1" lang="zh-CN" altLang="en-US" sz="1800">
-              <a:solidFill>
-                <a:schemeClr val="accent2"/>
-              </a:solidFill>
-            </a:endParaRPr>
-          </a:p>
-        </p:txBody>
-      </p:sp>
-      <p:cxnSp>
-        <p:nvCxnSpPr>
-          <p:cNvPr id="150" name="直线箭头连接符 149"/>
-          <p:cNvCxnSpPr>
-            <a:stCxn id="148" idx="3"/>
-            <a:endCxn id="215" idx="1"/>
-          </p:cNvCxnSpPr>
-          <p:nvPr/>
-        </p:nvCxnSpPr>
-        <p:spPr>
-          <a:xfrm>
-            <a:off x="15450059" y="16634947"/>
-            <a:ext cx="284740" cy="0"/>
-          </a:xfrm>
-          <a:prstGeom prst="straightConnector1">
-            <a:avLst/>
-          </a:prstGeom>
-          <a:ln>
-            <a:tailEnd type="arrow"/>
-          </a:ln>
-        </p:spPr>
-        <p:style>
-          <a:lnRef idx="1">
-            <a:schemeClr val="accent1"/>
-          </a:lnRef>
-          <a:fillRef idx="0">
-            <a:schemeClr val="accent1"/>
-          </a:fillRef>
-          <a:effectRef idx="0">
-            <a:schemeClr val="accent1"/>
-          </a:effectRef>
-          <a:fontRef idx="minor">
-            <a:schemeClr val="tx1"/>
-          </a:fontRef>
-        </p:style>
-      </p:cxnSp>
-      <p:sp>
-        <p:nvSpPr>
           <p:cNvPr id="151" name="文本框 150"/>
           <p:cNvSpPr txBox="1"/>
           <p:nvPr/>
@@ -13038,6 +12965,79 @@
       </p:sp>
       <p:sp>
         <p:nvSpPr>
+          <p:cNvPr id="148" name="文本框 147"/>
+          <p:cNvSpPr txBox="1"/>
+          <p:nvPr/>
+        </p:nvSpPr>
+        <p:spPr>
+          <a:xfrm>
+            <a:off x="13669084" y="16450281"/>
+            <a:ext cx="1780975" cy="307777"/>
+          </a:xfrm>
+          <a:prstGeom prst="rect">
+            <a:avLst/>
+          </a:prstGeom>
+          <a:noFill/>
+          <a:ln>
+            <a:noFill/>
+          </a:ln>
+        </p:spPr>
+        <p:txBody>
+          <a:bodyPr wrap="square" rtlCol="0">
+            <a:spAutoFit/>
+          </a:bodyPr>
+          <a:lstStyle/>
+          <a:p>
+            <a:r>
+              <a:rPr kumimoji="1" lang="en-US" altLang="zh-CN" sz="1400"/>
+              <a:t>filp-&gt;private_data</a:t>
+            </a:r>
+            <a:endParaRPr kumimoji="1" lang="zh-CN" altLang="en-US" sz="1400">
+              <a:solidFill>
+                <a:schemeClr val="accent2"/>
+              </a:solidFill>
+            </a:endParaRPr>
+          </a:p>
+        </p:txBody>
+      </p:sp>
+      <p:cxnSp>
+        <p:nvCxnSpPr>
+          <p:cNvPr id="150" name="直线箭头连接符 149"/>
+          <p:cNvCxnSpPr>
+            <a:stCxn id="148" idx="3"/>
+            <a:endCxn id="215" idx="1"/>
+          </p:cNvCxnSpPr>
+          <p:nvPr/>
+        </p:nvCxnSpPr>
+        <p:spPr>
+          <a:xfrm>
+            <a:off x="15450059" y="16604170"/>
+            <a:ext cx="284740" cy="0"/>
+          </a:xfrm>
+          <a:prstGeom prst="straightConnector1">
+            <a:avLst/>
+          </a:prstGeom>
+          <a:ln>
+            <a:tailEnd type="arrow"/>
+          </a:ln>
+        </p:spPr>
+        <p:style>
+          <a:lnRef idx="1">
+            <a:schemeClr val="accent1"/>
+          </a:lnRef>
+          <a:fillRef idx="0">
+            <a:schemeClr val="accent1"/>
+          </a:fillRef>
+          <a:effectRef idx="0">
+            <a:schemeClr val="accent1"/>
+          </a:effectRef>
+          <a:fontRef idx="minor">
+            <a:schemeClr val="tx1"/>
+          </a:fontRef>
+        </p:style>
+      </p:cxnSp>
+      <p:sp>
+        <p:nvSpPr>
           <p:cNvPr id="215" name="文本框 214"/>
           <p:cNvSpPr txBox="1"/>
           <p:nvPr/>
@@ -13045,7 +13045,7 @@
         <p:spPr>
           <a:xfrm>
             <a:off x="15734799" y="16450281"/>
-            <a:ext cx="5582647" cy="369332"/>
+            <a:ext cx="5582647" cy="307777"/>
           </a:xfrm>
           <a:prstGeom prst="rect">
             <a:avLst/>
@@ -13059,31 +13059,31 @@
           <a:lstStyle/>
           <a:p>
             <a:r>
-              <a:rPr kumimoji="1" lang="en-US" altLang="zh-CN" sz="1800" b="1"/>
+              <a:rPr kumimoji="1" lang="en-US" altLang="zh-CN" sz="1400" b="1"/>
               <a:t>struct</a:t>
             </a:r>
             <a:r>
-              <a:rPr kumimoji="1" lang="zh-CN" altLang="en-US" sz="1800" b="1"/>
+              <a:rPr kumimoji="1" lang="zh-CN" altLang="en-US" sz="1400" b="1"/>
               <a:t> </a:t>
             </a:r>
             <a:r>
-              <a:rPr kumimoji="1" lang="en-US" altLang="zh-CN" sz="1800" b="1"/>
+              <a:rPr kumimoji="1" lang="en-US" altLang="zh-CN" sz="1400" b="1"/>
               <a:t>binder_proc</a:t>
             </a:r>
             <a:r>
-              <a:rPr kumimoji="1" lang="zh-CN" altLang="en-US" sz="1800"/>
+              <a:rPr kumimoji="1" lang="zh-CN" altLang="en-US" sz="1400"/>
               <a:t> </a:t>
             </a:r>
             <a:r>
-              <a:rPr kumimoji="1" lang="en-US" altLang="zh-CN" sz="1800"/>
+              <a:rPr kumimoji="1" lang="en-US" altLang="zh-CN" sz="1400"/>
               <a:t>:</a:t>
             </a:r>
             <a:r>
-              <a:rPr kumimoji="1" lang="zh-CN" altLang="en-US" sz="1800"/>
+              <a:rPr kumimoji="1" lang="zh-CN" altLang="en-US" sz="1400"/>
               <a:t> </a:t>
             </a:r>
             <a:r>
-              <a:rPr kumimoji="1" lang="en-US" altLang="zh-CN" sz="1800">
+              <a:rPr kumimoji="1" lang="en-US" altLang="zh-CN" sz="1400">
                 <a:solidFill>
                   <a:schemeClr val="accent2"/>
                 </a:solidFill>
@@ -13091,7 +13091,7 @@
               <a:t>proc</a:t>
             </a:r>
             <a:r>
-              <a:rPr kumimoji="1" lang="zh-CN" altLang="en-US" sz="1800">
+              <a:rPr kumimoji="1" lang="zh-CN" altLang="en-US" sz="1400">
                 <a:solidFill>
                   <a:schemeClr val="accent2"/>
                 </a:solidFill>
@@ -13099,7 +13099,7 @@
               <a:t> </a:t>
             </a:r>
             <a:r>
-              <a:rPr kumimoji="1" lang="zh-CN" altLang="en-US" sz="1600">
+              <a:rPr kumimoji="1" lang="zh-CN" altLang="en-US" sz="1400">
                 <a:solidFill>
                   <a:schemeClr val="tx1">
                     <a:lumMod val="50000"/>
@@ -13110,7 +13110,7 @@
               <a:t>在调用</a:t>
             </a:r>
             <a:r>
-              <a:rPr kumimoji="1" lang="en-US" altLang="zh-CN" sz="1600">
+              <a:rPr kumimoji="1" lang="en-US" altLang="zh-CN" sz="1400">
                 <a:solidFill>
                   <a:schemeClr val="tx1">
                     <a:lumMod val="50000"/>
@@ -13121,7 +13121,7 @@
               <a:t>binder_open</a:t>
             </a:r>
             <a:r>
-              <a:rPr kumimoji="1" lang="zh-CN" altLang="en-US" sz="1600">
+              <a:rPr kumimoji="1" lang="zh-CN" altLang="en-US" sz="1400">
                 <a:solidFill>
                   <a:schemeClr val="tx1">
                     <a:lumMod val="50000"/>
@@ -13131,14 +13131,6 @@
               </a:rPr>
               <a:t>时创建</a:t>
             </a:r>
-            <a:endParaRPr kumimoji="1" lang="zh-CN" altLang="en-US" sz="1600">
-              <a:solidFill>
-                <a:schemeClr val="tx1">
-                  <a:lumMod val="50000"/>
-                  <a:lumOff val="50000"/>
-                </a:schemeClr>
-              </a:solidFill>
-            </a:endParaRPr>
           </a:p>
         </p:txBody>
       </p:sp>
@@ -13150,8 +13142,8 @@
         </p:nvSpPr>
         <p:spPr>
           <a:xfrm>
-            <a:off x="15722096" y="16870402"/>
-            <a:ext cx="5595351" cy="369332"/>
+            <a:off x="15722096" y="16883102"/>
+            <a:ext cx="5595351" cy="307777"/>
           </a:xfrm>
           <a:prstGeom prst="rect">
             <a:avLst/>
@@ -13170,27 +13162,27 @@
           <a:lstStyle/>
           <a:p>
             <a:r>
-              <a:rPr kumimoji="1" lang="en-US" altLang="zh-CN" sz="1800"/>
+              <a:rPr kumimoji="1" lang="en-US" altLang="zh-CN" sz="1400"/>
               <a:t>task_struct</a:t>
             </a:r>
             <a:r>
-              <a:rPr kumimoji="1" lang="zh-CN" altLang="en-US" sz="1800"/>
+              <a:rPr kumimoji="1" lang="zh-CN" altLang="en-US" sz="1400"/>
               <a:t> *</a:t>
             </a:r>
             <a:r>
-              <a:rPr kumimoji="1" lang="en-US" altLang="zh-CN" sz="1800"/>
+              <a:rPr kumimoji="1" lang="en-US" altLang="zh-CN" sz="1400"/>
               <a:t>tsk</a:t>
             </a:r>
             <a:r>
-              <a:rPr kumimoji="1" lang="zh-CN" altLang="en-US" sz="1800"/>
+              <a:rPr kumimoji="1" lang="zh-CN" altLang="en-US" sz="1400"/>
               <a:t> </a:t>
             </a:r>
             <a:r>
-              <a:rPr kumimoji="1" lang="en-US" altLang="zh-CN" sz="1800"/>
+              <a:rPr kumimoji="1" lang="en-US" altLang="zh-CN" sz="1400"/>
               <a:t>:</a:t>
             </a:r>
             <a:r>
-              <a:rPr kumimoji="1" lang="zh-CN" altLang="en-US" sz="1800">
+              <a:rPr kumimoji="1" lang="zh-CN" altLang="en-US" sz="1400">
                 <a:solidFill>
                   <a:schemeClr val="accent1"/>
                 </a:solidFill>
@@ -13198,14 +13190,14 @@
               <a:t> </a:t>
             </a:r>
             <a:r>
-              <a:rPr kumimoji="1" lang="en-US" altLang="zh-CN" sz="1800">
+              <a:rPr kumimoji="1" lang="en-US" altLang="zh-CN" sz="1400">
                 <a:solidFill>
                   <a:schemeClr val="accent2"/>
                 </a:solidFill>
               </a:rPr>
               <a:t>current</a:t>
             </a:r>
-            <a:endParaRPr kumimoji="1" lang="zh-CN" altLang="en-US" sz="1800">
+            <a:endParaRPr kumimoji="1" lang="zh-CN" altLang="en-US" sz="1400">
               <a:solidFill>
                 <a:schemeClr val="accent2"/>
               </a:solidFill>
@@ -13221,8 +13213,8 @@
         </p:nvSpPr>
         <p:spPr>
           <a:xfrm>
-            <a:off x="15722096" y="17247698"/>
-            <a:ext cx="5595351" cy="369332"/>
+            <a:off x="15722096" y="17196898"/>
+            <a:ext cx="5595351" cy="307777"/>
           </a:xfrm>
           <a:prstGeom prst="rect">
             <a:avLst/>
@@ -13241,38 +13233,38 @@
           <a:lstStyle/>
           <a:p>
             <a:r>
-              <a:rPr kumimoji="1" lang="en-US" altLang="zh-CN" sz="1800"/>
+              <a:rPr kumimoji="1" lang="en-US" altLang="zh-CN" sz="1400"/>
               <a:t>long</a:t>
             </a:r>
             <a:r>
-              <a:rPr kumimoji="1" lang="zh-CN" altLang="en-US" sz="1800"/>
+              <a:rPr kumimoji="1" lang="zh-CN" altLang="en-US" sz="1400"/>
               <a:t> </a:t>
             </a:r>
             <a:r>
-              <a:rPr kumimoji="1" lang="en-US" altLang="zh-CN" sz="1800"/>
+              <a:rPr kumimoji="1" lang="en-US" altLang="zh-CN" sz="1400"/>
               <a:t>default_priority</a:t>
             </a:r>
             <a:r>
-              <a:rPr kumimoji="1" lang="zh-CN" altLang="en-US" sz="1800"/>
+              <a:rPr kumimoji="1" lang="zh-CN" altLang="en-US" sz="1400"/>
               <a:t> </a:t>
             </a:r>
             <a:r>
-              <a:rPr kumimoji="1" lang="en-US" altLang="zh-CN" sz="1800"/>
+              <a:rPr kumimoji="1" lang="en-US" altLang="zh-CN" sz="1400"/>
               <a:t>:</a:t>
             </a:r>
             <a:r>
-              <a:rPr kumimoji="1" lang="zh-CN" altLang="en-US" sz="1800"/>
+              <a:rPr kumimoji="1" lang="zh-CN" altLang="en-US" sz="1400"/>
               <a:t> </a:t>
             </a:r>
             <a:r>
-              <a:rPr kumimoji="1" lang="en-US" altLang="zh-CN" sz="1800">
+              <a:rPr kumimoji="1" lang="en-US" altLang="zh-CN" sz="1400">
                 <a:solidFill>
                   <a:schemeClr val="accent2"/>
                 </a:solidFill>
               </a:rPr>
               <a:t>task_nice(current)</a:t>
             </a:r>
-            <a:endParaRPr kumimoji="1" lang="zh-CN" altLang="en-US" sz="1800">
+            <a:endParaRPr kumimoji="1" lang="zh-CN" altLang="en-US" sz="1400">
               <a:solidFill>
                 <a:schemeClr val="accent2"/>
               </a:solidFill>
@@ -13289,7 +13281,7 @@
         <p:spPr>
           <a:xfrm>
             <a:off x="15649458" y="16450281"/>
-            <a:ext cx="5766026" cy="7895619"/>
+            <a:ext cx="5766026" cy="8962419"/>
           </a:xfrm>
           <a:prstGeom prst="rect">
             <a:avLst/>
@@ -13327,7 +13319,7 @@
           <a:lstStyle/>
           <a:p>
             <a:pPr algn="ctr"/>
-            <a:endParaRPr kumimoji="1" lang="zh-CN" altLang="en-US" sz="2964"/>
+            <a:endParaRPr kumimoji="1" lang="zh-CN" altLang="en-US" sz="1400"/>
           </a:p>
         </p:txBody>
       </p:sp>
@@ -13339,8 +13331,8 @@
         </p:nvSpPr>
         <p:spPr>
           <a:xfrm>
-            <a:off x="15722096" y="17614116"/>
-            <a:ext cx="5595351" cy="369332"/>
+            <a:off x="15722096" y="17499816"/>
+            <a:ext cx="5595351" cy="307777"/>
           </a:xfrm>
           <a:prstGeom prst="rect">
             <a:avLst/>
@@ -13359,30 +13351,38 @@
           <a:lstStyle/>
           <a:p>
             <a:r>
-              <a:rPr kumimoji="1" lang="en-US" altLang="zh-CN" sz="1800"/>
+              <a:rPr kumimoji="1" lang="en-US" altLang="zh-CN" sz="1400"/>
+              <a:t>int</a:t>
+            </a:r>
+            <a:r>
+              <a:rPr kumimoji="1" lang="zh-CN" altLang="en-US" sz="1400"/>
+              <a:t> </a:t>
+            </a:r>
+            <a:r>
+              <a:rPr kumimoji="1" lang="en-US" altLang="zh-CN" sz="1400"/>
               <a:t>pid</a:t>
             </a:r>
             <a:r>
-              <a:rPr kumimoji="1" lang="zh-CN" altLang="en-US" sz="1800"/>
+              <a:rPr kumimoji="1" lang="zh-CN" altLang="en-US" sz="1400"/>
               <a:t> </a:t>
             </a:r>
             <a:r>
-              <a:rPr kumimoji="1" lang="en-US" altLang="zh-CN" sz="1800"/>
+              <a:rPr kumimoji="1" lang="en-US" altLang="zh-CN" sz="1400"/>
               <a:t>:</a:t>
             </a:r>
             <a:r>
-              <a:rPr kumimoji="1" lang="zh-CN" altLang="en-US" sz="1800"/>
+              <a:rPr kumimoji="1" lang="zh-CN" altLang="en-US" sz="1400"/>
               <a:t> </a:t>
             </a:r>
             <a:r>
-              <a:rPr kumimoji="1" lang="en-US" altLang="zh-CN" sz="1800">
+              <a:rPr kumimoji="1" lang="en-US" altLang="zh-CN" sz="1400">
                 <a:solidFill>
                   <a:schemeClr val="accent2"/>
                 </a:solidFill>
               </a:rPr>
               <a:t>current-&gt;group_leader-&gt;pid</a:t>
             </a:r>
-            <a:endParaRPr kumimoji="1" lang="zh-CN" altLang="en-US" sz="1800">
+            <a:endParaRPr kumimoji="1" lang="zh-CN" altLang="en-US" sz="1400">
               <a:solidFill>
                 <a:schemeClr val="accent2"/>
               </a:solidFill>
@@ -13398,8 +13398,8 @@
         </p:nvSpPr>
         <p:spPr>
           <a:xfrm>
-            <a:off x="15710821" y="17988900"/>
-            <a:ext cx="5606626" cy="369332"/>
+            <a:off x="15710821" y="17811100"/>
+            <a:ext cx="5606626" cy="307777"/>
           </a:xfrm>
           <a:prstGeom prst="rect">
             <a:avLst/>
@@ -13416,38 +13416,38 @@
           <a:lstStyle/>
           <a:p>
             <a:r>
-              <a:rPr kumimoji="1" lang="en-US" altLang="zh-CN" sz="1800" b="1"/>
+              <a:rPr kumimoji="1" lang="en-US" altLang="zh-CN" sz="1400" b="1"/>
               <a:t>struct</a:t>
             </a:r>
             <a:r>
-              <a:rPr kumimoji="1" lang="zh-CN" altLang="en-US" sz="1800" b="1"/>
+              <a:rPr kumimoji="1" lang="zh-CN" altLang="en-US" sz="1400" b="1"/>
               <a:t> </a:t>
             </a:r>
             <a:r>
-              <a:rPr kumimoji="1" lang="en-US" altLang="zh-CN" sz="1800" b="1"/>
+              <a:rPr kumimoji="1" lang="en-US" altLang="zh-CN" sz="1400" b="1"/>
               <a:t>list_head</a:t>
             </a:r>
             <a:r>
-              <a:rPr kumimoji="1" lang="zh-CN" altLang="en-US" sz="1800"/>
+              <a:rPr kumimoji="1" lang="zh-CN" altLang="en-US" sz="1400"/>
               <a:t> </a:t>
             </a:r>
             <a:r>
-              <a:rPr kumimoji="1" lang="en-US" altLang="zh-CN" sz="1800"/>
+              <a:rPr kumimoji="1" lang="en-US" altLang="zh-CN" sz="1400"/>
               <a:t>:</a:t>
             </a:r>
             <a:r>
-              <a:rPr kumimoji="1" lang="zh-CN" altLang="en-US" sz="1800"/>
+              <a:rPr kumimoji="1" lang="zh-CN" altLang="en-US" sz="1400"/>
               <a:t> </a:t>
             </a:r>
             <a:r>
-              <a:rPr kumimoji="1" lang="en-US" altLang="zh-CN" sz="1800">
+              <a:rPr kumimoji="1" lang="en-US" altLang="zh-CN" sz="1400">
                 <a:solidFill>
                   <a:schemeClr val="accent2"/>
                 </a:solidFill>
               </a:rPr>
               <a:t>todo</a:t>
             </a:r>
-            <a:endParaRPr kumimoji="1" lang="zh-CN" altLang="en-US" sz="1800">
+            <a:endParaRPr kumimoji="1" lang="zh-CN" altLang="en-US" sz="1400">
               <a:solidFill>
                 <a:schemeClr val="accent2"/>
               </a:solidFill>
@@ -13463,8 +13463,8 @@
         </p:nvSpPr>
         <p:spPr>
           <a:xfrm>
-            <a:off x="15718464" y="17989514"/>
-            <a:ext cx="5598983" cy="1173090"/>
+            <a:off x="15718464" y="17811714"/>
+            <a:ext cx="5598983" cy="973197"/>
           </a:xfrm>
           <a:prstGeom prst="rect">
             <a:avLst/>
@@ -13502,7 +13502,7 @@
           <a:lstStyle/>
           <a:p>
             <a:pPr algn="ctr"/>
-            <a:endParaRPr kumimoji="1" lang="zh-CN" altLang="en-US" sz="2964"/>
+            <a:endParaRPr kumimoji="1" lang="zh-CN" altLang="en-US" sz="1400"/>
           </a:p>
         </p:txBody>
       </p:sp>
@@ -13514,8 +13514,8 @@
         </p:nvSpPr>
         <p:spPr>
           <a:xfrm>
-            <a:off x="15785437" y="18354758"/>
-            <a:ext cx="5447038" cy="371780"/>
+            <a:off x="15785437" y="18113458"/>
+            <a:ext cx="5447038" cy="307777"/>
           </a:xfrm>
           <a:prstGeom prst="rect">
             <a:avLst/>
@@ -13534,46 +13534,46 @@
           <a:lstStyle/>
           <a:p>
             <a:r>
-              <a:rPr kumimoji="1" lang="en-US" altLang="zh-CN" sz="1800"/>
+              <a:rPr kumimoji="1" lang="en-US" altLang="zh-CN" sz="1400"/>
               <a:t>struct</a:t>
             </a:r>
             <a:r>
-              <a:rPr kumimoji="1" lang="zh-CN" altLang="en-US" sz="1800"/>
+              <a:rPr kumimoji="1" lang="zh-CN" altLang="en-US" sz="1400"/>
               <a:t> </a:t>
             </a:r>
             <a:r>
-              <a:rPr kumimoji="1" lang="en-US" altLang="zh-CN" sz="1800"/>
+              <a:rPr kumimoji="1" lang="en-US" altLang="zh-CN" sz="1400"/>
               <a:t>list_head</a:t>
             </a:r>
             <a:r>
-              <a:rPr kumimoji="1" lang="zh-CN" altLang="en-US" sz="1800"/>
+              <a:rPr kumimoji="1" lang="zh-CN" altLang="en-US" sz="1400"/>
               <a:t> *</a:t>
             </a:r>
             <a:r>
-              <a:rPr kumimoji="1" lang="en-US" altLang="zh-CN" sz="1800"/>
+              <a:rPr kumimoji="1" lang="en-US" altLang="zh-CN" sz="1400"/>
               <a:t>prev</a:t>
             </a:r>
             <a:r>
-              <a:rPr kumimoji="1" lang="zh-CN" altLang="en-US" sz="1800"/>
+              <a:rPr kumimoji="1" lang="zh-CN" altLang="en-US" sz="1400"/>
               <a:t> </a:t>
             </a:r>
             <a:r>
-              <a:rPr kumimoji="1" lang="en-US" altLang="zh-CN" sz="1800"/>
+              <a:rPr kumimoji="1" lang="en-US" altLang="zh-CN" sz="1400"/>
               <a:t>:</a:t>
             </a:r>
             <a:r>
-              <a:rPr kumimoji="1" lang="zh-CN" altLang="en-US" sz="1800"/>
+              <a:rPr kumimoji="1" lang="zh-CN" altLang="en-US" sz="1400"/>
               <a:t> </a:t>
             </a:r>
             <a:r>
-              <a:rPr kumimoji="1" lang="en-US" altLang="zh-CN" sz="1800">
+              <a:rPr kumimoji="1" lang="en-US" altLang="zh-CN" sz="1400">
                 <a:solidFill>
                   <a:schemeClr val="accent2"/>
                 </a:solidFill>
               </a:rPr>
               <a:t>proc-&gt;todo</a:t>
             </a:r>
-            <a:endParaRPr kumimoji="1" lang="zh-CN" altLang="en-US" sz="1800">
+            <a:endParaRPr kumimoji="1" lang="zh-CN" altLang="en-US" sz="1400">
               <a:solidFill>
                 <a:schemeClr val="accent2"/>
               </a:solidFill>
@@ -13589,8 +13589,8 @@
         </p:nvSpPr>
         <p:spPr>
           <a:xfrm>
-            <a:off x="15785437" y="18737083"/>
-            <a:ext cx="5447038" cy="369332"/>
+            <a:off x="15785437" y="18419583"/>
+            <a:ext cx="5447038" cy="307777"/>
           </a:xfrm>
           <a:prstGeom prst="rect">
             <a:avLst/>
@@ -13609,46 +13609,46 @@
           <a:lstStyle/>
           <a:p>
             <a:r>
-              <a:rPr kumimoji="1" lang="en-US" altLang="zh-CN" sz="1800"/>
+              <a:rPr kumimoji="1" lang="en-US" altLang="zh-CN" sz="1400"/>
               <a:t>struct</a:t>
             </a:r>
             <a:r>
-              <a:rPr kumimoji="1" lang="zh-CN" altLang="en-US" sz="1800"/>
+              <a:rPr kumimoji="1" lang="zh-CN" altLang="en-US" sz="1400"/>
               <a:t> </a:t>
             </a:r>
             <a:r>
-              <a:rPr kumimoji="1" lang="en-US" altLang="zh-CN" sz="1800"/>
+              <a:rPr kumimoji="1" lang="en-US" altLang="zh-CN" sz="1400"/>
               <a:t>list_head</a:t>
             </a:r>
             <a:r>
-              <a:rPr kumimoji="1" lang="zh-CN" altLang="en-US" sz="1800"/>
+              <a:rPr kumimoji="1" lang="zh-CN" altLang="en-US" sz="1400"/>
               <a:t> *</a:t>
             </a:r>
             <a:r>
-              <a:rPr kumimoji="1" lang="en-US" altLang="zh-CN" sz="1800"/>
+              <a:rPr kumimoji="1" lang="en-US" altLang="zh-CN" sz="1400"/>
               <a:t>next</a:t>
             </a:r>
             <a:r>
-              <a:rPr kumimoji="1" lang="zh-CN" altLang="en-US" sz="1800"/>
+              <a:rPr kumimoji="1" lang="zh-CN" altLang="en-US" sz="1400"/>
               <a:t> </a:t>
             </a:r>
             <a:r>
-              <a:rPr kumimoji="1" lang="en-US" altLang="zh-CN" sz="1800"/>
+              <a:rPr kumimoji="1" lang="en-US" altLang="zh-CN" sz="1400"/>
               <a:t>:</a:t>
             </a:r>
             <a:r>
-              <a:rPr kumimoji="1" lang="zh-CN" altLang="en-US" sz="1800"/>
+              <a:rPr kumimoji="1" lang="zh-CN" altLang="en-US" sz="1400"/>
               <a:t> </a:t>
             </a:r>
             <a:r>
-              <a:rPr kumimoji="1" lang="en-US" altLang="zh-CN" sz="1800">
+              <a:rPr kumimoji="1" lang="en-US" altLang="zh-CN" sz="1400">
                 <a:solidFill>
                   <a:schemeClr val="accent2"/>
                 </a:solidFill>
               </a:rPr>
               <a:t>proc-&gt;todo</a:t>
             </a:r>
-            <a:endParaRPr kumimoji="1" lang="zh-CN" altLang="en-US" sz="1800">
+            <a:endParaRPr kumimoji="1" lang="zh-CN" altLang="en-US" sz="1400">
               <a:solidFill>
                 <a:schemeClr val="accent2"/>
               </a:solidFill>
@@ -13664,8 +13664,8 @@
         </p:nvSpPr>
         <p:spPr>
           <a:xfrm>
-            <a:off x="15722096" y="19158516"/>
-            <a:ext cx="5595351" cy="369332"/>
+            <a:off x="15722096" y="18777516"/>
+            <a:ext cx="5595351" cy="307777"/>
           </a:xfrm>
           <a:prstGeom prst="rect">
             <a:avLst/>
@@ -13682,30 +13682,30 @@
           <a:lstStyle/>
           <a:p>
             <a:r>
-              <a:rPr kumimoji="1" lang="en-US" altLang="zh-CN" sz="1800" b="1"/>
+              <a:rPr kumimoji="1" lang="en-US" altLang="zh-CN" sz="1400" b="1"/>
               <a:t>wait_queue_head_t</a:t>
             </a:r>
             <a:r>
-              <a:rPr kumimoji="1" lang="zh-CN" altLang="en-US" sz="1800"/>
+              <a:rPr kumimoji="1" lang="zh-CN" altLang="en-US" sz="1400"/>
               <a:t> </a:t>
             </a:r>
             <a:r>
-              <a:rPr kumimoji="1" lang="en-US" altLang="zh-CN" sz="1800"/>
+              <a:rPr kumimoji="1" lang="en-US" altLang="zh-CN" sz="1400"/>
               <a:t>:</a:t>
             </a:r>
             <a:r>
-              <a:rPr kumimoji="1" lang="zh-CN" altLang="en-US" sz="1800"/>
+              <a:rPr kumimoji="1" lang="zh-CN" altLang="en-US" sz="1400"/>
               <a:t> </a:t>
             </a:r>
             <a:r>
-              <a:rPr kumimoji="1" lang="en-US" altLang="zh-CN" sz="1800">
+              <a:rPr kumimoji="1" lang="en-US" altLang="zh-CN" sz="1400">
                 <a:solidFill>
                   <a:schemeClr val="accent2"/>
                 </a:solidFill>
               </a:rPr>
               <a:t>wait</a:t>
             </a:r>
-            <a:endParaRPr kumimoji="1" lang="zh-CN" altLang="en-US" sz="1800">
+            <a:endParaRPr kumimoji="1" lang="zh-CN" altLang="en-US" sz="1400">
               <a:solidFill>
                 <a:schemeClr val="accent2"/>
               </a:solidFill>
@@ -13721,8 +13721,8 @@
         </p:nvSpPr>
         <p:spPr>
           <a:xfrm>
-            <a:off x="15779248" y="19892470"/>
-            <a:ext cx="4794754" cy="369332"/>
+            <a:off x="15779248" y="19371770"/>
+            <a:ext cx="4794754" cy="307777"/>
           </a:xfrm>
           <a:prstGeom prst="rect">
             <a:avLst/>
@@ -13739,38 +13739,38 @@
           <a:lstStyle/>
           <a:p>
             <a:r>
-              <a:rPr kumimoji="1" lang="en-US" altLang="zh-CN" sz="1800" b="1"/>
+              <a:rPr kumimoji="1" lang="en-US" altLang="zh-CN" sz="1400" b="1"/>
               <a:t>struct</a:t>
             </a:r>
             <a:r>
-              <a:rPr kumimoji="1" lang="zh-CN" altLang="en-US" sz="1800" b="1"/>
+              <a:rPr kumimoji="1" lang="zh-CN" altLang="en-US" sz="1400" b="1"/>
               <a:t> </a:t>
             </a:r>
             <a:r>
-              <a:rPr kumimoji="1" lang="en-US" altLang="zh-CN" sz="1800" b="1"/>
+              <a:rPr kumimoji="1" lang="en-US" altLang="zh-CN" sz="1400" b="1"/>
               <a:t>list_head</a:t>
             </a:r>
             <a:r>
-              <a:rPr kumimoji="1" lang="zh-CN" altLang="en-US" sz="1800"/>
+              <a:rPr kumimoji="1" lang="zh-CN" altLang="en-US" sz="1400"/>
               <a:t> </a:t>
             </a:r>
             <a:r>
-              <a:rPr kumimoji="1" lang="en-US" altLang="zh-CN" sz="1800"/>
+              <a:rPr kumimoji="1" lang="en-US" altLang="zh-CN" sz="1400"/>
               <a:t>:</a:t>
             </a:r>
             <a:r>
-              <a:rPr kumimoji="1" lang="zh-CN" altLang="en-US" sz="1800"/>
+              <a:rPr kumimoji="1" lang="zh-CN" altLang="en-US" sz="1400"/>
               <a:t> </a:t>
             </a:r>
             <a:r>
-              <a:rPr kumimoji="1" lang="en-US" altLang="zh-CN" sz="1800">
+              <a:rPr kumimoji="1" lang="en-US" altLang="zh-CN" sz="1400">
                 <a:solidFill>
                   <a:schemeClr val="accent2"/>
                 </a:solidFill>
               </a:rPr>
               <a:t>task_list</a:t>
             </a:r>
-            <a:endParaRPr kumimoji="1" lang="zh-CN" altLang="en-US" sz="1800">
+            <a:endParaRPr kumimoji="1" lang="zh-CN" altLang="en-US" sz="1400">
               <a:solidFill>
                 <a:schemeClr val="accent2"/>
               </a:solidFill>
@@ -13786,8 +13786,8 @@
         </p:nvSpPr>
         <p:spPr>
           <a:xfrm>
-            <a:off x="15722096" y="19158861"/>
-            <a:ext cx="5595351" cy="1932579"/>
+            <a:off x="15722096" y="18777861"/>
+            <a:ext cx="5595351" cy="1593673"/>
           </a:xfrm>
           <a:prstGeom prst="rect">
             <a:avLst/>
@@ -13825,7 +13825,7 @@
           <a:lstStyle/>
           <a:p>
             <a:pPr algn="ctr"/>
-            <a:endParaRPr kumimoji="1" lang="zh-CN" altLang="en-US" sz="2964"/>
+            <a:endParaRPr kumimoji="1" lang="zh-CN" altLang="en-US" sz="1400"/>
           </a:p>
         </p:txBody>
       </p:sp>
@@ -13837,8 +13837,8 @@
         </p:nvSpPr>
         <p:spPr>
           <a:xfrm>
-            <a:off x="15825288" y="20229753"/>
-            <a:ext cx="5358953" cy="371780"/>
+            <a:off x="15825288" y="19658253"/>
+            <a:ext cx="5358953" cy="307777"/>
           </a:xfrm>
           <a:prstGeom prst="rect">
             <a:avLst/>
@@ -13857,46 +13857,46 @@
           <a:lstStyle/>
           <a:p>
             <a:r>
-              <a:rPr kumimoji="1" lang="en-US" altLang="zh-CN" sz="1800"/>
+              <a:rPr kumimoji="1" lang="en-US" altLang="zh-CN" sz="1400"/>
               <a:t>struct</a:t>
             </a:r>
             <a:r>
-              <a:rPr kumimoji="1" lang="zh-CN" altLang="en-US" sz="1800"/>
+              <a:rPr kumimoji="1" lang="zh-CN" altLang="en-US" sz="1400"/>
               <a:t> </a:t>
             </a:r>
             <a:r>
-              <a:rPr kumimoji="1" lang="en-US" altLang="zh-CN" sz="1800"/>
+              <a:rPr kumimoji="1" lang="en-US" altLang="zh-CN" sz="1400"/>
               <a:t>list_head</a:t>
             </a:r>
             <a:r>
-              <a:rPr kumimoji="1" lang="zh-CN" altLang="en-US" sz="1800"/>
+              <a:rPr kumimoji="1" lang="zh-CN" altLang="en-US" sz="1400"/>
               <a:t> *</a:t>
             </a:r>
             <a:r>
-              <a:rPr kumimoji="1" lang="en-US" altLang="zh-CN" sz="1800"/>
+              <a:rPr kumimoji="1" lang="en-US" altLang="zh-CN" sz="1400"/>
               <a:t>prev</a:t>
             </a:r>
             <a:r>
-              <a:rPr kumimoji="1" lang="zh-CN" altLang="en-US" sz="1800"/>
+              <a:rPr kumimoji="1" lang="zh-CN" altLang="en-US" sz="1400"/>
               <a:t> </a:t>
             </a:r>
             <a:r>
-              <a:rPr kumimoji="1" lang="en-US" altLang="zh-CN" sz="1800"/>
+              <a:rPr kumimoji="1" lang="en-US" altLang="zh-CN" sz="1400"/>
               <a:t>:</a:t>
             </a:r>
             <a:r>
-              <a:rPr kumimoji="1" lang="zh-CN" altLang="en-US" sz="1800"/>
+              <a:rPr kumimoji="1" lang="zh-CN" altLang="en-US" sz="1400"/>
               <a:t> </a:t>
             </a:r>
             <a:r>
-              <a:rPr kumimoji="1" lang="en-US" altLang="zh-CN" sz="1800">
+              <a:rPr kumimoji="1" lang="en-US" altLang="zh-CN" sz="1400">
                 <a:solidFill>
                   <a:schemeClr val="accent2"/>
                 </a:solidFill>
               </a:rPr>
               <a:t>wait-&gt;task_list</a:t>
             </a:r>
-            <a:endParaRPr kumimoji="1" lang="zh-CN" altLang="en-US" sz="1800">
+            <a:endParaRPr kumimoji="1" lang="zh-CN" altLang="en-US" sz="1400">
               <a:solidFill>
                 <a:schemeClr val="accent2"/>
               </a:solidFill>
@@ -13912,8 +13912,8 @@
         </p:nvSpPr>
         <p:spPr>
           <a:xfrm>
-            <a:off x="15825288" y="20597790"/>
-            <a:ext cx="5358953" cy="369332"/>
+            <a:off x="15825288" y="19962790"/>
+            <a:ext cx="5358953" cy="307777"/>
           </a:xfrm>
           <a:prstGeom prst="rect">
             <a:avLst/>
@@ -13932,46 +13932,46 @@
           <a:lstStyle/>
           <a:p>
             <a:r>
-              <a:rPr kumimoji="1" lang="en-US" altLang="zh-CN" sz="1800"/>
+              <a:rPr kumimoji="1" lang="en-US" altLang="zh-CN" sz="1400"/>
               <a:t>struct</a:t>
             </a:r>
             <a:r>
-              <a:rPr kumimoji="1" lang="zh-CN" altLang="en-US" sz="1800"/>
+              <a:rPr kumimoji="1" lang="zh-CN" altLang="en-US" sz="1400"/>
               <a:t> </a:t>
             </a:r>
             <a:r>
-              <a:rPr kumimoji="1" lang="en-US" altLang="zh-CN" sz="1800"/>
+              <a:rPr kumimoji="1" lang="en-US" altLang="zh-CN" sz="1400"/>
               <a:t>list_head</a:t>
             </a:r>
             <a:r>
-              <a:rPr kumimoji="1" lang="zh-CN" altLang="en-US" sz="1800"/>
+              <a:rPr kumimoji="1" lang="zh-CN" altLang="en-US" sz="1400"/>
               <a:t> *</a:t>
             </a:r>
             <a:r>
-              <a:rPr kumimoji="1" lang="en-US" altLang="zh-CN" sz="1800"/>
+              <a:rPr kumimoji="1" lang="en-US" altLang="zh-CN" sz="1400"/>
               <a:t>next</a:t>
             </a:r>
             <a:r>
-              <a:rPr kumimoji="1" lang="zh-CN" altLang="en-US" sz="1800"/>
+              <a:rPr kumimoji="1" lang="zh-CN" altLang="en-US" sz="1400"/>
               <a:t> </a:t>
             </a:r>
             <a:r>
-              <a:rPr kumimoji="1" lang="en-US" altLang="zh-CN" sz="1800"/>
+              <a:rPr kumimoji="1" lang="en-US" altLang="zh-CN" sz="1400"/>
               <a:t>:</a:t>
             </a:r>
             <a:r>
-              <a:rPr kumimoji="1" lang="zh-CN" altLang="en-US" sz="1800"/>
+              <a:rPr kumimoji="1" lang="zh-CN" altLang="en-US" sz="1400"/>
               <a:t> </a:t>
             </a:r>
             <a:r>
-              <a:rPr kumimoji="1" lang="en-US" altLang="zh-CN" sz="1800">
+              <a:rPr kumimoji="1" lang="en-US" altLang="zh-CN" sz="1400">
                 <a:solidFill>
                   <a:schemeClr val="accent2"/>
                 </a:solidFill>
               </a:rPr>
               <a:t>wait-&gt;task_list</a:t>
             </a:r>
-            <a:endParaRPr kumimoji="1" lang="zh-CN" altLang="en-US" sz="1800">
+            <a:endParaRPr kumimoji="1" lang="zh-CN" altLang="en-US" sz="1400">
               <a:solidFill>
                 <a:schemeClr val="accent2"/>
               </a:solidFill>
@@ -13987,8 +13987,8 @@
         </p:nvSpPr>
         <p:spPr>
           <a:xfrm>
-            <a:off x="15785437" y="19502596"/>
-            <a:ext cx="5447038" cy="369332"/>
+            <a:off x="15785437" y="19058096"/>
+            <a:ext cx="5447038" cy="307777"/>
           </a:xfrm>
           <a:prstGeom prst="rect">
             <a:avLst/>
@@ -14007,27 +14007,27 @@
           <a:lstStyle/>
           <a:p>
             <a:r>
-              <a:rPr kumimoji="1" lang="en-US" altLang="zh-CN" sz="1800"/>
+              <a:rPr kumimoji="1" lang="en-US" altLang="zh-CN" sz="1400"/>
               <a:t>spinlock_t</a:t>
             </a:r>
             <a:r>
-              <a:rPr kumimoji="1" lang="zh-CN" altLang="en-US" sz="1800"/>
+              <a:rPr kumimoji="1" lang="zh-CN" altLang="en-US" sz="1400"/>
               <a:t> </a:t>
             </a:r>
             <a:r>
-              <a:rPr kumimoji="1" lang="en-US" altLang="zh-CN" sz="1800"/>
+              <a:rPr kumimoji="1" lang="en-US" altLang="zh-CN" sz="1400"/>
               <a:t>lock</a:t>
             </a:r>
             <a:r>
-              <a:rPr kumimoji="1" lang="zh-CN" altLang="en-US" sz="1800"/>
+              <a:rPr kumimoji="1" lang="zh-CN" altLang="en-US" sz="1400"/>
               <a:t> </a:t>
             </a:r>
             <a:r>
-              <a:rPr kumimoji="1" lang="en-US" altLang="zh-CN" sz="1800"/>
+              <a:rPr kumimoji="1" lang="en-US" altLang="zh-CN" sz="1400"/>
               <a:t>:</a:t>
             </a:r>
             <a:r>
-              <a:rPr kumimoji="1" lang="zh-CN" altLang="en-US" sz="1800">
+              <a:rPr kumimoji="1" lang="zh-CN" altLang="en-US" sz="1400">
                 <a:solidFill>
                   <a:schemeClr val="accent2"/>
                 </a:solidFill>
@@ -14035,14 +14035,14 @@
               <a:t> </a:t>
             </a:r>
             <a:r>
-              <a:rPr lang="en-US" altLang="zh-CN" sz="1800">
+              <a:rPr lang="en-US" altLang="zh-CN" sz="1400">
                 <a:solidFill>
                   <a:schemeClr val="accent2"/>
                 </a:solidFill>
               </a:rPr>
               <a:t>WAITQUEUE_RW_LOCK_UNLOCKED</a:t>
             </a:r>
-            <a:endParaRPr kumimoji="1" lang="zh-CN" altLang="en-US" sz="1800">
+            <a:endParaRPr kumimoji="1" lang="zh-CN" altLang="en-US" sz="1400">
               <a:solidFill>
                 <a:schemeClr val="accent2"/>
               </a:solidFill>
@@ -14058,8 +14058,8 @@
         </p:nvSpPr>
         <p:spPr>
           <a:xfrm>
-            <a:off x="15785437" y="19874091"/>
-            <a:ext cx="5447039" cy="1188202"/>
+            <a:off x="15785437" y="19373134"/>
+            <a:ext cx="5447039" cy="955774"/>
           </a:xfrm>
           <a:prstGeom prst="rect">
             <a:avLst/>
@@ -14097,7 +14097,7 @@
           <a:lstStyle/>
           <a:p>
             <a:pPr algn="ctr"/>
-            <a:endParaRPr kumimoji="1" lang="zh-CN" altLang="en-US" sz="2964"/>
+            <a:endParaRPr kumimoji="1" lang="zh-CN" altLang="en-US" sz="1400"/>
           </a:p>
         </p:txBody>
       </p:sp>
@@ -14109,8 +14109,8 @@
         </p:nvSpPr>
         <p:spPr>
           <a:xfrm>
-            <a:off x="15722096" y="21090609"/>
-            <a:ext cx="5606626" cy="369332"/>
+            <a:off x="15722096" y="20366709"/>
+            <a:ext cx="5606626" cy="307777"/>
           </a:xfrm>
           <a:prstGeom prst="rect">
             <a:avLst/>
@@ -14127,38 +14127,38 @@
           <a:lstStyle/>
           <a:p>
             <a:r>
-              <a:rPr kumimoji="1" lang="en-US" altLang="zh-CN" sz="1800" b="1"/>
+              <a:rPr kumimoji="1" lang="en-US" altLang="zh-CN" sz="1400" b="1"/>
               <a:t>struct</a:t>
             </a:r>
             <a:r>
-              <a:rPr kumimoji="1" lang="zh-CN" altLang="en-US" sz="1800" b="1"/>
+              <a:rPr kumimoji="1" lang="zh-CN" altLang="en-US" sz="1400" b="1"/>
               <a:t> </a:t>
             </a:r>
             <a:r>
-              <a:rPr kumimoji="1" lang="en-US" altLang="zh-CN" sz="1800" b="1"/>
+              <a:rPr kumimoji="1" lang="en-US" altLang="zh-CN" sz="1400" b="1"/>
               <a:t>hlist_node</a:t>
             </a:r>
             <a:r>
-              <a:rPr kumimoji="1" lang="zh-CN" altLang="en-US" sz="1800"/>
+              <a:rPr kumimoji="1" lang="zh-CN" altLang="en-US" sz="1400"/>
               <a:t> </a:t>
             </a:r>
             <a:r>
-              <a:rPr kumimoji="1" lang="en-US" altLang="zh-CN" sz="1800"/>
+              <a:rPr kumimoji="1" lang="en-US" altLang="zh-CN" sz="1400"/>
               <a:t>:</a:t>
             </a:r>
             <a:r>
-              <a:rPr kumimoji="1" lang="zh-CN" altLang="en-US" sz="1800"/>
+              <a:rPr kumimoji="1" lang="zh-CN" altLang="en-US" sz="1400"/>
               <a:t> </a:t>
             </a:r>
             <a:r>
-              <a:rPr kumimoji="1" lang="en-US" altLang="zh-CN" sz="1800">
+              <a:rPr kumimoji="1" lang="en-US" altLang="zh-CN" sz="1400">
                 <a:solidFill>
                   <a:schemeClr val="accent2"/>
                 </a:solidFill>
               </a:rPr>
               <a:t>proc_node</a:t>
             </a:r>
-            <a:endParaRPr kumimoji="1" lang="zh-CN" altLang="en-US" sz="1800">
+            <a:endParaRPr kumimoji="1" lang="zh-CN" altLang="en-US" sz="1400">
               <a:solidFill>
                 <a:schemeClr val="accent2"/>
               </a:solidFill>
@@ -14174,8 +14174,8 @@
         </p:nvSpPr>
         <p:spPr>
           <a:xfrm>
-            <a:off x="15722096" y="21091223"/>
-            <a:ext cx="5595351" cy="1173090"/>
+            <a:off x="15722096" y="20367323"/>
+            <a:ext cx="5595351" cy="976704"/>
           </a:xfrm>
           <a:prstGeom prst="rect">
             <a:avLst/>
@@ -14213,7 +14213,7 @@
           <a:lstStyle/>
           <a:p>
             <a:pPr algn="ctr"/>
-            <a:endParaRPr kumimoji="1" lang="zh-CN" altLang="en-US" sz="2964"/>
+            <a:endParaRPr kumimoji="1" lang="zh-CN" altLang="en-US" sz="1400"/>
           </a:p>
         </p:txBody>
       </p:sp>
@@ -14225,8 +14225,8 @@
         </p:nvSpPr>
         <p:spPr>
           <a:xfrm>
-            <a:off x="15796712" y="21456467"/>
-            <a:ext cx="5447038" cy="371780"/>
+            <a:off x="15796712" y="20656367"/>
+            <a:ext cx="5447038" cy="307777"/>
           </a:xfrm>
           <a:prstGeom prst="rect">
             <a:avLst/>
@@ -14245,34 +14245,34 @@
           <a:lstStyle/>
           <a:p>
             <a:r>
-              <a:rPr kumimoji="1" lang="en-US" altLang="zh-CN" sz="1800"/>
+              <a:rPr kumimoji="1" lang="en-US" altLang="zh-CN" sz="1400"/>
               <a:t>struct</a:t>
             </a:r>
             <a:r>
-              <a:rPr kumimoji="1" lang="zh-CN" altLang="en-US" sz="1800"/>
+              <a:rPr kumimoji="1" lang="zh-CN" altLang="en-US" sz="1400"/>
               <a:t> </a:t>
             </a:r>
             <a:r>
-              <a:rPr kumimoji="1" lang="en-US" altLang="zh-CN" sz="1800"/>
+              <a:rPr kumimoji="1" lang="en-US" altLang="zh-CN" sz="1400"/>
               <a:t>hlist_head</a:t>
             </a:r>
             <a:r>
-              <a:rPr kumimoji="1" lang="zh-CN" altLang="en-US" sz="1800"/>
+              <a:rPr kumimoji="1" lang="zh-CN" altLang="en-US" sz="1400"/>
               <a:t> **</a:t>
             </a:r>
             <a:r>
-              <a:rPr kumimoji="1" lang="en-US" altLang="zh-CN" sz="1800"/>
+              <a:rPr kumimoji="1" lang="en-US" altLang="zh-CN" sz="1400"/>
               <a:t>pprev</a:t>
             </a:r>
             <a:r>
-              <a:rPr kumimoji="1" lang="zh-CN" altLang="en-US" sz="1800"/>
+              <a:rPr kumimoji="1" lang="zh-CN" altLang="en-US" sz="1400"/>
               <a:t> </a:t>
             </a:r>
             <a:r>
-              <a:rPr kumimoji="1" lang="en-US" altLang="zh-CN" sz="1800"/>
+              <a:rPr kumimoji="1" lang="en-US" altLang="zh-CN" sz="1400"/>
               <a:t>:</a:t>
             </a:r>
-            <a:endParaRPr kumimoji="1" lang="zh-CN" altLang="en-US" sz="1800">
+            <a:endParaRPr kumimoji="1" lang="zh-CN" altLang="en-US" sz="1400">
               <a:solidFill>
                 <a:schemeClr val="accent2"/>
               </a:solidFill>
@@ -14288,8 +14288,8 @@
         </p:nvSpPr>
         <p:spPr>
           <a:xfrm>
-            <a:off x="15796712" y="21824504"/>
-            <a:ext cx="5447038" cy="369332"/>
+            <a:off x="15796712" y="20973604"/>
+            <a:ext cx="5447038" cy="307777"/>
           </a:xfrm>
           <a:prstGeom prst="rect">
             <a:avLst/>
@@ -14308,38 +14308,38 @@
           <a:lstStyle/>
           <a:p>
             <a:r>
-              <a:rPr kumimoji="1" lang="en-US" altLang="zh-CN" sz="1800"/>
+              <a:rPr kumimoji="1" lang="en-US" altLang="zh-CN" sz="1400"/>
               <a:t>struct</a:t>
             </a:r>
             <a:r>
-              <a:rPr kumimoji="1" lang="zh-CN" altLang="en-US" sz="1800"/>
+              <a:rPr kumimoji="1" lang="zh-CN" altLang="en-US" sz="1400"/>
               <a:t> </a:t>
             </a:r>
             <a:r>
-              <a:rPr kumimoji="1" lang="en-US" altLang="zh-CN" sz="1800"/>
+              <a:rPr kumimoji="1" lang="en-US" altLang="zh-CN" sz="1400"/>
               <a:t>list_head</a:t>
             </a:r>
             <a:r>
-              <a:rPr kumimoji="1" lang="zh-CN" altLang="en-US" sz="1800"/>
+              <a:rPr kumimoji="1" lang="zh-CN" altLang="en-US" sz="1400"/>
               <a:t> *</a:t>
             </a:r>
             <a:r>
-              <a:rPr kumimoji="1" lang="en-US" altLang="zh-CN" sz="1800"/>
+              <a:rPr kumimoji="1" lang="en-US" altLang="zh-CN" sz="1400"/>
               <a:t>next</a:t>
             </a:r>
             <a:r>
-              <a:rPr kumimoji="1" lang="zh-CN" altLang="en-US" sz="1800"/>
+              <a:rPr kumimoji="1" lang="zh-CN" altLang="en-US" sz="1400"/>
               <a:t> </a:t>
             </a:r>
             <a:r>
-              <a:rPr kumimoji="1" lang="en-US" altLang="zh-CN" sz="1800"/>
+              <a:rPr kumimoji="1" lang="en-US" altLang="zh-CN" sz="1400"/>
               <a:t>:</a:t>
             </a:r>
             <a:r>
-              <a:rPr kumimoji="1" lang="zh-CN" altLang="en-US" sz="1800"/>
+              <a:rPr kumimoji="1" lang="zh-CN" altLang="en-US" sz="1400"/>
               <a:t> </a:t>
             </a:r>
-            <a:endParaRPr kumimoji="1" lang="zh-CN" altLang="en-US" sz="1800">
+            <a:endParaRPr kumimoji="1" lang="zh-CN" altLang="en-US" sz="1400">
               <a:solidFill>
                 <a:schemeClr val="accent2"/>
               </a:solidFill>
@@ -14355,8 +14355,8 @@
         </p:nvSpPr>
         <p:spPr>
           <a:xfrm>
-            <a:off x="14058900" y="20860814"/>
-            <a:ext cx="1432414" cy="646331"/>
+            <a:off x="13878093" y="20187714"/>
+            <a:ext cx="1613221" cy="523220"/>
           </a:xfrm>
           <a:prstGeom prst="rect">
             <a:avLst/>
@@ -14375,14 +14375,14 @@
           <a:lstStyle/>
           <a:p>
             <a:r>
-              <a:rPr kumimoji="1" lang="zh-CN" altLang="en-US" sz="1800"/>
+              <a:rPr kumimoji="1" lang="zh-CN" altLang="en-US" sz="1400"/>
               <a:t>全局变量</a:t>
             </a:r>
             <a:r>
-              <a:rPr kumimoji="1" lang="en-US" altLang="zh-CN" sz="1800"/>
+              <a:rPr kumimoji="1" lang="en-US" altLang="zh-CN" sz="1400"/>
               <a:t>binder_procs</a:t>
             </a:r>
-            <a:endParaRPr kumimoji="1" lang="zh-CN" altLang="en-US" sz="1800">
+            <a:endParaRPr kumimoji="1" lang="zh-CN" altLang="en-US" sz="1400">
               <a:solidFill>
                 <a:schemeClr val="accent2"/>
               </a:solidFill>
@@ -14393,15 +14393,13 @@
       <p:cxnSp>
         <p:nvCxnSpPr>
           <p:cNvPr id="246" name="直线箭头连接符 245"/>
-          <p:cNvCxnSpPr>
-            <a:stCxn id="245" idx="3"/>
-          </p:cNvCxnSpPr>
+          <p:cNvCxnSpPr/>
           <p:nvPr/>
         </p:nvCxnSpPr>
         <p:spPr>
           <a:xfrm>
-            <a:off x="15491314" y="21183980"/>
-            <a:ext cx="328065" cy="90108"/>
+            <a:off x="15491314" y="20398524"/>
+            <a:ext cx="328065" cy="151664"/>
           </a:xfrm>
           <a:prstGeom prst="straightConnector1">
             <a:avLst/>
@@ -14436,7 +14434,7 @@
         </p:nvCxnSpPr>
         <p:spPr>
           <a:xfrm>
-            <a:off x="21243750" y="22009170"/>
+            <a:off x="21243750" y="21127493"/>
             <a:ext cx="663320" cy="0"/>
           </a:xfrm>
           <a:prstGeom prst="straightConnector1">
@@ -14470,8 +14468,8 @@
         </p:nvSpPr>
         <p:spPr>
           <a:xfrm>
-            <a:off x="21907070" y="21824504"/>
-            <a:ext cx="577768" cy="369332"/>
+            <a:off x="21907070" y="20973604"/>
+            <a:ext cx="577768" cy="307777"/>
           </a:xfrm>
           <a:prstGeom prst="rect">
             <a:avLst/>
@@ -14490,10 +14488,10 @@
           <a:lstStyle/>
           <a:p>
             <a:r>
-              <a:rPr kumimoji="1" lang="is-IS" altLang="zh-CN" sz="1800"/>
+              <a:rPr kumimoji="1" lang="is-IS" altLang="zh-CN" sz="1400"/>
               <a:t>……</a:t>
             </a:r>
-            <a:endParaRPr kumimoji="1" lang="zh-CN" altLang="en-US" sz="1800">
+            <a:endParaRPr kumimoji="1" lang="zh-CN" altLang="en-US" sz="1400">
               <a:solidFill>
                 <a:schemeClr val="accent2"/>
               </a:solidFill>
@@ -14512,8 +14510,8 @@
         </p:nvCxnSpPr>
         <p:spPr>
           <a:xfrm flipH="1" flipV="1">
-            <a:off x="14775107" y="21507145"/>
-            <a:ext cx="1021605" cy="135212"/>
+            <a:off x="14684704" y="20710934"/>
+            <a:ext cx="1112008" cy="99322"/>
           </a:xfrm>
           <a:prstGeom prst="straightConnector1">
             <a:avLst/>
@@ -14545,8 +14543,8 @@
         </p:nvSpPr>
         <p:spPr>
           <a:xfrm>
-            <a:off x="15710821" y="22263699"/>
-            <a:ext cx="5606626" cy="369332"/>
+            <a:off x="15710821" y="21349299"/>
+            <a:ext cx="5606626" cy="307777"/>
           </a:xfrm>
           <a:prstGeom prst="rect">
             <a:avLst/>
@@ -14563,38 +14561,38 @@
           <a:lstStyle/>
           <a:p>
             <a:r>
-              <a:rPr kumimoji="1" lang="en-US" altLang="zh-CN" sz="1800" b="1"/>
+              <a:rPr kumimoji="1" lang="en-US" altLang="zh-CN" sz="1400" b="1"/>
               <a:t>struct</a:t>
             </a:r>
             <a:r>
-              <a:rPr kumimoji="1" lang="zh-CN" altLang="en-US" sz="1800" b="1"/>
+              <a:rPr kumimoji="1" lang="zh-CN" altLang="en-US" sz="1400" b="1"/>
               <a:t> </a:t>
             </a:r>
             <a:r>
-              <a:rPr kumimoji="1" lang="en-US" altLang="zh-CN" sz="1800" b="1"/>
+              <a:rPr kumimoji="1" lang="en-US" altLang="zh-CN" sz="1400" b="1"/>
               <a:t>list_head</a:t>
             </a:r>
             <a:r>
-              <a:rPr kumimoji="1" lang="zh-CN" altLang="en-US" sz="1800"/>
+              <a:rPr kumimoji="1" lang="zh-CN" altLang="en-US" sz="1400"/>
               <a:t> </a:t>
             </a:r>
             <a:r>
-              <a:rPr kumimoji="1" lang="en-US" altLang="zh-CN" sz="1800"/>
+              <a:rPr kumimoji="1" lang="en-US" altLang="zh-CN" sz="1400"/>
               <a:t>:</a:t>
             </a:r>
             <a:r>
-              <a:rPr kumimoji="1" lang="zh-CN" altLang="en-US" sz="1800"/>
+              <a:rPr kumimoji="1" lang="zh-CN" altLang="en-US" sz="1400"/>
               <a:t> </a:t>
             </a:r>
             <a:r>
-              <a:rPr kumimoji="1" lang="en-US" altLang="zh-CN" sz="1800">
+              <a:rPr kumimoji="1" lang="en-US" altLang="zh-CN" sz="1400">
                 <a:solidFill>
                   <a:schemeClr val="accent2"/>
                 </a:solidFill>
               </a:rPr>
               <a:t>delivered_death</a:t>
             </a:r>
-            <a:endParaRPr kumimoji="1" lang="zh-CN" altLang="en-US" sz="1800">
+            <a:endParaRPr kumimoji="1" lang="zh-CN" altLang="en-US" sz="1400">
               <a:solidFill>
                 <a:schemeClr val="accent2"/>
               </a:solidFill>
@@ -14610,8 +14608,8 @@
         </p:nvSpPr>
         <p:spPr>
           <a:xfrm>
-            <a:off x="15710821" y="22264313"/>
-            <a:ext cx="5606626" cy="1173090"/>
+            <a:off x="15720617" y="21349913"/>
+            <a:ext cx="5596830" cy="938186"/>
           </a:xfrm>
           <a:prstGeom prst="rect">
             <a:avLst/>
@@ -14649,7 +14647,7 @@
           <a:lstStyle/>
           <a:p>
             <a:pPr algn="ctr"/>
-            <a:endParaRPr kumimoji="1" lang="zh-CN" altLang="en-US" sz="2964"/>
+            <a:endParaRPr kumimoji="1" lang="zh-CN" altLang="en-US" sz="1400"/>
           </a:p>
         </p:txBody>
       </p:sp>
@@ -14661,8 +14659,8 @@
         </p:nvSpPr>
         <p:spPr>
           <a:xfrm>
-            <a:off x="15785437" y="22629557"/>
-            <a:ext cx="5447038" cy="371780"/>
+            <a:off x="15785437" y="21613557"/>
+            <a:ext cx="5447038" cy="307777"/>
           </a:xfrm>
           <a:prstGeom prst="rect">
             <a:avLst/>
@@ -14681,46 +14679,46 @@
           <a:lstStyle/>
           <a:p>
             <a:r>
-              <a:rPr kumimoji="1" lang="en-US" altLang="zh-CN" sz="1800"/>
+              <a:rPr kumimoji="1" lang="en-US" altLang="zh-CN" sz="1400"/>
               <a:t>struct</a:t>
             </a:r>
             <a:r>
-              <a:rPr kumimoji="1" lang="zh-CN" altLang="en-US" sz="1800"/>
+              <a:rPr kumimoji="1" lang="zh-CN" altLang="en-US" sz="1400"/>
               <a:t> </a:t>
             </a:r>
             <a:r>
-              <a:rPr kumimoji="1" lang="en-US" altLang="zh-CN" sz="1800"/>
+              <a:rPr kumimoji="1" lang="en-US" altLang="zh-CN" sz="1400"/>
               <a:t>list_head</a:t>
             </a:r>
             <a:r>
-              <a:rPr kumimoji="1" lang="zh-CN" altLang="en-US" sz="1800"/>
+              <a:rPr kumimoji="1" lang="zh-CN" altLang="en-US" sz="1400"/>
               <a:t> *</a:t>
             </a:r>
             <a:r>
-              <a:rPr kumimoji="1" lang="en-US" altLang="zh-CN" sz="1800"/>
+              <a:rPr kumimoji="1" lang="en-US" altLang="zh-CN" sz="1400"/>
               <a:t>prev</a:t>
             </a:r>
             <a:r>
-              <a:rPr kumimoji="1" lang="zh-CN" altLang="en-US" sz="1800"/>
+              <a:rPr kumimoji="1" lang="zh-CN" altLang="en-US" sz="1400"/>
               <a:t> </a:t>
             </a:r>
             <a:r>
-              <a:rPr kumimoji="1" lang="en-US" altLang="zh-CN" sz="1800"/>
+              <a:rPr kumimoji="1" lang="en-US" altLang="zh-CN" sz="1400"/>
               <a:t>:</a:t>
             </a:r>
             <a:r>
-              <a:rPr kumimoji="1" lang="zh-CN" altLang="en-US" sz="1800"/>
+              <a:rPr kumimoji="1" lang="zh-CN" altLang="en-US" sz="1400"/>
               <a:t> </a:t>
             </a:r>
             <a:r>
-              <a:rPr kumimoji="1" lang="en-US" altLang="zh-CN" sz="1800">
+              <a:rPr kumimoji="1" lang="en-US" altLang="zh-CN" sz="1400">
                 <a:solidFill>
                   <a:schemeClr val="accent2"/>
                 </a:solidFill>
               </a:rPr>
               <a:t>delivered_death</a:t>
             </a:r>
-            <a:endParaRPr kumimoji="1" lang="zh-CN" altLang="en-US" sz="1800">
+            <a:endParaRPr kumimoji="1" lang="zh-CN" altLang="en-US" sz="1400">
               <a:solidFill>
                 <a:schemeClr val="accent2"/>
               </a:solidFill>
@@ -14736,8 +14734,8 @@
         </p:nvSpPr>
         <p:spPr>
           <a:xfrm>
-            <a:off x="15785437" y="22997594"/>
-            <a:ext cx="5447038" cy="369332"/>
+            <a:off x="15785437" y="21918094"/>
+            <a:ext cx="5447038" cy="307777"/>
           </a:xfrm>
           <a:prstGeom prst="rect">
             <a:avLst/>
@@ -14756,46 +14754,46 @@
           <a:lstStyle/>
           <a:p>
             <a:r>
-              <a:rPr kumimoji="1" lang="en-US" altLang="zh-CN" sz="1800"/>
+              <a:rPr kumimoji="1" lang="en-US" altLang="zh-CN" sz="1400"/>
               <a:t>struct</a:t>
             </a:r>
             <a:r>
-              <a:rPr kumimoji="1" lang="zh-CN" altLang="en-US" sz="1800"/>
+              <a:rPr kumimoji="1" lang="zh-CN" altLang="en-US" sz="1400"/>
               <a:t> </a:t>
             </a:r>
             <a:r>
-              <a:rPr kumimoji="1" lang="en-US" altLang="zh-CN" sz="1800"/>
+              <a:rPr kumimoji="1" lang="en-US" altLang="zh-CN" sz="1400"/>
               <a:t>list_head</a:t>
             </a:r>
             <a:r>
-              <a:rPr kumimoji="1" lang="zh-CN" altLang="en-US" sz="1800"/>
+              <a:rPr kumimoji="1" lang="zh-CN" altLang="en-US" sz="1400"/>
               <a:t> *</a:t>
             </a:r>
             <a:r>
-              <a:rPr kumimoji="1" lang="en-US" altLang="zh-CN" sz="1800"/>
+              <a:rPr kumimoji="1" lang="en-US" altLang="zh-CN" sz="1400"/>
               <a:t>next</a:t>
             </a:r>
             <a:r>
-              <a:rPr kumimoji="1" lang="zh-CN" altLang="en-US" sz="1800"/>
+              <a:rPr kumimoji="1" lang="zh-CN" altLang="en-US" sz="1400"/>
               <a:t> </a:t>
             </a:r>
             <a:r>
-              <a:rPr kumimoji="1" lang="en-US" altLang="zh-CN" sz="1800"/>
+              <a:rPr kumimoji="1" lang="en-US" altLang="zh-CN" sz="1400"/>
               <a:t>:</a:t>
             </a:r>
             <a:r>
-              <a:rPr kumimoji="1" lang="zh-CN" altLang="en-US" sz="1800"/>
+              <a:rPr kumimoji="1" lang="zh-CN" altLang="en-US" sz="1400"/>
               <a:t> </a:t>
             </a:r>
             <a:r>
-              <a:rPr kumimoji="1" lang="en-US" altLang="zh-CN" sz="1800">
+              <a:rPr kumimoji="1" lang="en-US" altLang="zh-CN" sz="1400">
                 <a:solidFill>
                   <a:schemeClr val="accent2"/>
                 </a:solidFill>
               </a:rPr>
               <a:t>delivered_death</a:t>
             </a:r>
-            <a:endParaRPr kumimoji="1" lang="zh-CN" altLang="en-US" sz="1800">
+            <a:endParaRPr kumimoji="1" lang="zh-CN" altLang="en-US" sz="1400">
               <a:solidFill>
                 <a:schemeClr val="accent2"/>
               </a:solidFill>
@@ -14811,8 +14809,8 @@
         </p:nvSpPr>
         <p:spPr>
           <a:xfrm>
-            <a:off x="15710821" y="23430705"/>
-            <a:ext cx="5606626" cy="369332"/>
+            <a:off x="15710821" y="22287705"/>
+            <a:ext cx="5606626" cy="307777"/>
           </a:xfrm>
           <a:prstGeom prst="rect">
             <a:avLst/>
@@ -14829,38 +14827,38 @@
           <a:lstStyle/>
           <a:p>
             <a:r>
-              <a:rPr kumimoji="1" lang="en-US" altLang="zh-CN" sz="1800" b="1"/>
+              <a:rPr kumimoji="1" lang="en-US" altLang="zh-CN" sz="1400" b="1"/>
               <a:t>struct</a:t>
             </a:r>
             <a:r>
-              <a:rPr kumimoji="1" lang="zh-CN" altLang="en-US" sz="1800" b="1"/>
+              <a:rPr kumimoji="1" lang="zh-CN" altLang="en-US" sz="1400" b="1"/>
               <a:t> </a:t>
             </a:r>
             <a:r>
-              <a:rPr kumimoji="1" lang="en-US" altLang="zh-CN" sz="1800" b="1"/>
+              <a:rPr kumimoji="1" lang="en-US" altLang="zh-CN" sz="1400" b="1"/>
               <a:t>rb_root</a:t>
             </a:r>
             <a:r>
-              <a:rPr kumimoji="1" lang="zh-CN" altLang="en-US" sz="1800"/>
+              <a:rPr kumimoji="1" lang="zh-CN" altLang="en-US" sz="1400"/>
               <a:t> </a:t>
             </a:r>
             <a:r>
-              <a:rPr kumimoji="1" lang="en-US" altLang="zh-CN" sz="1800"/>
+              <a:rPr kumimoji="1" lang="en-US" altLang="zh-CN" sz="1400"/>
               <a:t>:</a:t>
             </a:r>
             <a:r>
-              <a:rPr kumimoji="1" lang="zh-CN" altLang="en-US" sz="1800"/>
+              <a:rPr kumimoji="1" lang="zh-CN" altLang="en-US" sz="1400"/>
               <a:t> </a:t>
             </a:r>
             <a:r>
-              <a:rPr kumimoji="1" lang="en-US" altLang="zh-CN" sz="1800">
+              <a:rPr kumimoji="1" lang="en-US" altLang="zh-CN" sz="1400">
                 <a:solidFill>
                   <a:schemeClr val="accent2"/>
                 </a:solidFill>
               </a:rPr>
               <a:t>threads</a:t>
             </a:r>
-            <a:endParaRPr kumimoji="1" lang="zh-CN" altLang="en-US" sz="1800">
+            <a:endParaRPr kumimoji="1" lang="zh-CN" altLang="en-US" sz="1400">
               <a:solidFill>
                 <a:schemeClr val="accent2"/>
               </a:solidFill>
@@ -14876,8 +14874,8 @@
         </p:nvSpPr>
         <p:spPr>
           <a:xfrm>
-            <a:off x="15710821" y="23431319"/>
-            <a:ext cx="5606626" cy="798086"/>
+            <a:off x="15720615" y="22288319"/>
+            <a:ext cx="5596831" cy="630409"/>
           </a:xfrm>
           <a:prstGeom prst="rect">
             <a:avLst/>
@@ -14915,7 +14913,7 @@
           <a:lstStyle/>
           <a:p>
             <a:pPr algn="ctr"/>
-            <a:endParaRPr kumimoji="1" lang="zh-CN" altLang="en-US" sz="2964"/>
+            <a:endParaRPr kumimoji="1" lang="zh-CN" altLang="en-US" sz="1400"/>
           </a:p>
         </p:txBody>
       </p:sp>
@@ -14927,8 +14925,8 @@
         </p:nvSpPr>
         <p:spPr>
           <a:xfrm>
-            <a:off x="15785437" y="23796563"/>
-            <a:ext cx="5447038" cy="371780"/>
+            <a:off x="15785437" y="22551963"/>
+            <a:ext cx="5447038" cy="307777"/>
           </a:xfrm>
           <a:prstGeom prst="rect">
             <a:avLst/>
@@ -14947,34 +14945,34 @@
           <a:lstStyle/>
           <a:p>
             <a:r>
-              <a:rPr kumimoji="1" lang="en-US" altLang="zh-CN" sz="1800"/>
+              <a:rPr kumimoji="1" lang="en-US" altLang="zh-CN" sz="1400"/>
               <a:t>struct</a:t>
             </a:r>
             <a:r>
-              <a:rPr kumimoji="1" lang="zh-CN" altLang="en-US" sz="1800"/>
+              <a:rPr kumimoji="1" lang="zh-CN" altLang="en-US" sz="1400"/>
               <a:t> </a:t>
             </a:r>
             <a:r>
-              <a:rPr kumimoji="1" lang="en-US" altLang="zh-CN" sz="1800"/>
+              <a:rPr kumimoji="1" lang="en-US" altLang="zh-CN" sz="1400"/>
               <a:t>rb_node</a:t>
             </a:r>
             <a:r>
-              <a:rPr kumimoji="1" lang="zh-CN" altLang="en-US" sz="1800"/>
+              <a:rPr kumimoji="1" lang="zh-CN" altLang="en-US" sz="1400"/>
               <a:t> *</a:t>
             </a:r>
             <a:r>
-              <a:rPr kumimoji="1" lang="en-US" altLang="zh-CN" sz="1800"/>
+              <a:rPr kumimoji="1" lang="en-US" altLang="zh-CN" sz="1400"/>
               <a:t>rb_node</a:t>
             </a:r>
             <a:r>
-              <a:rPr kumimoji="1" lang="zh-CN" altLang="en-US" sz="1800"/>
+              <a:rPr kumimoji="1" lang="zh-CN" altLang="en-US" sz="1400"/>
               <a:t> </a:t>
             </a:r>
             <a:r>
-              <a:rPr kumimoji="1" lang="en-US" altLang="zh-CN" sz="1800"/>
+              <a:rPr kumimoji="1" lang="en-US" altLang="zh-CN" sz="1400"/>
               <a:t>:</a:t>
             </a:r>
-            <a:endParaRPr kumimoji="1" lang="zh-CN" altLang="en-US" sz="1800">
+            <a:endParaRPr kumimoji="1" lang="zh-CN" altLang="en-US" sz="1400">
               <a:solidFill>
                 <a:schemeClr val="accent2"/>
               </a:solidFill>
@@ -14991,7 +14989,7 @@
         <p:spPr>
           <a:xfrm>
             <a:off x="22793209" y="16464842"/>
-            <a:ext cx="5766026" cy="369332"/>
+            <a:ext cx="5766026" cy="307777"/>
           </a:xfrm>
           <a:prstGeom prst="rect">
             <a:avLst/>
@@ -15005,31 +15003,31 @@
           <a:lstStyle/>
           <a:p>
             <a:r>
-              <a:rPr kumimoji="1" lang="en-US" altLang="zh-CN" sz="1800" b="1"/>
+              <a:rPr kumimoji="1" lang="en-US" altLang="zh-CN" sz="1400" b="1"/>
               <a:t>struct</a:t>
             </a:r>
             <a:r>
-              <a:rPr kumimoji="1" lang="zh-CN" altLang="en-US" sz="1800" b="1"/>
+              <a:rPr kumimoji="1" lang="zh-CN" altLang="en-US" sz="1400" b="1"/>
               <a:t> </a:t>
             </a:r>
             <a:r>
-              <a:rPr kumimoji="1" lang="en-US" altLang="zh-CN" sz="1800" b="1"/>
+              <a:rPr kumimoji="1" lang="en-US" altLang="zh-CN" sz="1400" b="1"/>
               <a:t>binder_thread</a:t>
             </a:r>
             <a:r>
-              <a:rPr kumimoji="1" lang="zh-CN" altLang="en-US" sz="1800"/>
+              <a:rPr kumimoji="1" lang="zh-CN" altLang="en-US" sz="1400"/>
               <a:t> </a:t>
             </a:r>
             <a:r>
-              <a:rPr kumimoji="1" lang="en-US" altLang="zh-CN" sz="1800"/>
+              <a:rPr kumimoji="1" lang="en-US" altLang="zh-CN" sz="1400"/>
               <a:t>:</a:t>
             </a:r>
             <a:r>
-              <a:rPr kumimoji="1" lang="zh-CN" altLang="en-US" sz="1800"/>
+              <a:rPr kumimoji="1" lang="zh-CN" altLang="en-US" sz="1400"/>
               <a:t> </a:t>
             </a:r>
             <a:r>
-              <a:rPr kumimoji="1" lang="en-US" altLang="zh-CN" sz="1800">
+              <a:rPr kumimoji="1" lang="en-US" altLang="zh-CN" sz="1400">
                 <a:solidFill>
                   <a:schemeClr val="accent2"/>
                 </a:solidFill>
@@ -15037,7 +15035,7 @@
               <a:t>thread</a:t>
             </a:r>
             <a:r>
-              <a:rPr kumimoji="1" lang="zh-CN" altLang="en-US" sz="1800">
+              <a:rPr kumimoji="1" lang="zh-CN" altLang="en-US" sz="1400">
                 <a:solidFill>
                   <a:schemeClr val="accent2"/>
                 </a:solidFill>
@@ -15045,7 +15043,7 @@
               <a:t> </a:t>
             </a:r>
             <a:r>
-              <a:rPr kumimoji="1" lang="zh-CN" altLang="en-US" sz="1600">
+              <a:rPr kumimoji="1" lang="zh-CN" altLang="en-US" sz="1400">
                 <a:solidFill>
                   <a:schemeClr val="tx1">
                     <a:lumMod val="50000"/>
@@ -15056,7 +15054,7 @@
               <a:t>调用</a:t>
             </a:r>
             <a:r>
-              <a:rPr kumimoji="1" lang="en-US" altLang="zh-CN" sz="1600">
+              <a:rPr kumimoji="1" lang="en-US" altLang="zh-CN" sz="1400">
                 <a:solidFill>
                   <a:schemeClr val="tx1">
                     <a:lumMod val="50000"/>
@@ -15067,7 +15065,7 @@
               <a:t>binder_get_thread</a:t>
             </a:r>
             <a:r>
-              <a:rPr kumimoji="1" lang="zh-CN" altLang="en-US" sz="1600">
+              <a:rPr kumimoji="1" lang="zh-CN" altLang="en-US" sz="1400">
                 <a:solidFill>
                   <a:schemeClr val="tx1">
                     <a:lumMod val="50000"/>
@@ -15077,14 +15075,6 @@
               </a:rPr>
               <a:t>时创建</a:t>
             </a:r>
-            <a:endParaRPr kumimoji="1" lang="zh-CN" altLang="en-US" sz="1600">
-              <a:solidFill>
-                <a:schemeClr val="tx1">
-                  <a:lumMod val="50000"/>
-                  <a:lumOff val="50000"/>
-                </a:schemeClr>
-              </a:solidFill>
-            </a:endParaRPr>
           </a:p>
         </p:txBody>
       </p:sp>
@@ -15096,8 +15086,8 @@
         </p:nvSpPr>
         <p:spPr>
           <a:xfrm>
-            <a:off x="22865846" y="16884963"/>
-            <a:ext cx="5595351" cy="369332"/>
+            <a:off x="22865846" y="16770663"/>
+            <a:ext cx="5595351" cy="307777"/>
           </a:xfrm>
           <a:prstGeom prst="rect">
             <a:avLst/>
@@ -15116,19 +15106,19 @@
           <a:lstStyle/>
           <a:p>
             <a:r>
-              <a:rPr kumimoji="1" lang="en-US" altLang="zh-CN" sz="1800"/>
+              <a:rPr kumimoji="1" lang="en-US" altLang="zh-CN" sz="1400"/>
               <a:t>proc</a:t>
             </a:r>
             <a:r>
-              <a:rPr kumimoji="1" lang="zh-CN" altLang="en-US" sz="1800"/>
+              <a:rPr kumimoji="1" lang="zh-CN" altLang="en-US" sz="1400"/>
               <a:t> </a:t>
             </a:r>
             <a:r>
-              <a:rPr kumimoji="1" lang="en-US" altLang="zh-CN" sz="1800"/>
+              <a:rPr kumimoji="1" lang="en-US" altLang="zh-CN" sz="1400"/>
               <a:t>:</a:t>
             </a:r>
             <a:r>
-              <a:rPr kumimoji="1" lang="zh-CN" altLang="en-US" sz="1800">
+              <a:rPr kumimoji="1" lang="zh-CN" altLang="en-US" sz="1400">
                 <a:solidFill>
                   <a:schemeClr val="accent1"/>
                 </a:solidFill>
@@ -15136,14 +15126,14 @@
               <a:t> </a:t>
             </a:r>
             <a:r>
-              <a:rPr kumimoji="1" lang="en-US" altLang="zh-CN" sz="1800">
+              <a:rPr kumimoji="1" lang="en-US" altLang="zh-CN" sz="1400">
                 <a:solidFill>
                   <a:schemeClr val="accent2"/>
                 </a:solidFill>
               </a:rPr>
               <a:t>proc</a:t>
             </a:r>
-            <a:endParaRPr kumimoji="1" lang="zh-CN" altLang="en-US" sz="1800">
+            <a:endParaRPr kumimoji="1" lang="zh-CN" altLang="en-US" sz="1400">
               <a:solidFill>
                 <a:schemeClr val="accent2"/>
               </a:solidFill>
@@ -15159,8 +15149,8 @@
         </p:nvSpPr>
         <p:spPr>
           <a:xfrm>
-            <a:off x="22865846" y="17262259"/>
-            <a:ext cx="5595351" cy="369332"/>
+            <a:off x="22865846" y="17084459"/>
+            <a:ext cx="5595351" cy="307777"/>
           </a:xfrm>
           <a:prstGeom prst="rect">
             <a:avLst/>
@@ -15179,38 +15169,38 @@
           <a:lstStyle/>
           <a:p>
             <a:r>
-              <a:rPr kumimoji="1" lang="en-US" altLang="zh-CN" sz="1800"/>
+              <a:rPr kumimoji="1" lang="en-US" altLang="zh-CN" sz="1400"/>
               <a:t>long</a:t>
             </a:r>
             <a:r>
-              <a:rPr kumimoji="1" lang="zh-CN" altLang="en-US" sz="1800"/>
+              <a:rPr kumimoji="1" lang="zh-CN" altLang="en-US" sz="1400"/>
               <a:t> </a:t>
             </a:r>
             <a:r>
-              <a:rPr kumimoji="1" lang="en-US" altLang="zh-CN" sz="1800"/>
+              <a:rPr kumimoji="1" lang="en-US" altLang="zh-CN" sz="1400"/>
               <a:t>default_priority</a:t>
             </a:r>
             <a:r>
-              <a:rPr kumimoji="1" lang="zh-CN" altLang="en-US" sz="1800"/>
+              <a:rPr kumimoji="1" lang="zh-CN" altLang="en-US" sz="1400"/>
               <a:t> </a:t>
             </a:r>
             <a:r>
-              <a:rPr kumimoji="1" lang="en-US" altLang="zh-CN" sz="1800"/>
+              <a:rPr kumimoji="1" lang="en-US" altLang="zh-CN" sz="1400"/>
               <a:t>:</a:t>
             </a:r>
             <a:r>
-              <a:rPr kumimoji="1" lang="zh-CN" altLang="en-US" sz="1800"/>
+              <a:rPr kumimoji="1" lang="zh-CN" altLang="en-US" sz="1400"/>
               <a:t> </a:t>
             </a:r>
             <a:r>
-              <a:rPr kumimoji="1" lang="en-US" altLang="zh-CN" sz="1800">
+              <a:rPr kumimoji="1" lang="en-US" altLang="zh-CN" sz="1400">
                 <a:solidFill>
                   <a:schemeClr val="accent2"/>
                 </a:solidFill>
               </a:rPr>
               <a:t>task_nice(current)</a:t>
             </a:r>
-            <a:endParaRPr kumimoji="1" lang="zh-CN" altLang="en-US" sz="1800">
+            <a:endParaRPr kumimoji="1" lang="zh-CN" altLang="en-US" sz="1400">
               <a:solidFill>
                 <a:schemeClr val="accent2"/>
               </a:solidFill>
@@ -15226,8 +15216,8 @@
         </p:nvSpPr>
         <p:spPr>
           <a:xfrm>
-            <a:off x="22793208" y="16464842"/>
-            <a:ext cx="5766026" cy="7895619"/>
+            <a:off x="22793208" y="16464843"/>
+            <a:ext cx="5766026" cy="6119960"/>
           </a:xfrm>
           <a:prstGeom prst="rect">
             <a:avLst/>
@@ -15265,7 +15255,7 @@
           <a:lstStyle/>
           <a:p>
             <a:pPr algn="ctr"/>
-            <a:endParaRPr kumimoji="1" lang="zh-CN" altLang="en-US" sz="2964"/>
+            <a:endParaRPr kumimoji="1" lang="zh-CN" altLang="en-US" sz="1400"/>
           </a:p>
         </p:txBody>
       </p:sp>
@@ -15277,8 +15267,8 @@
         </p:nvSpPr>
         <p:spPr>
           <a:xfrm>
-            <a:off x="22865846" y="17628677"/>
-            <a:ext cx="5595351" cy="369332"/>
+            <a:off x="22865846" y="17387377"/>
+            <a:ext cx="5595351" cy="307777"/>
           </a:xfrm>
           <a:prstGeom prst="rect">
             <a:avLst/>
@@ -15297,30 +15287,30 @@
           <a:lstStyle/>
           <a:p>
             <a:r>
-              <a:rPr kumimoji="1" lang="en-US" altLang="zh-CN" sz="1800"/>
+              <a:rPr kumimoji="1" lang="en-US" altLang="zh-CN" sz="1400"/>
               <a:t>pid</a:t>
             </a:r>
             <a:r>
-              <a:rPr kumimoji="1" lang="zh-CN" altLang="en-US" sz="1800"/>
+              <a:rPr kumimoji="1" lang="zh-CN" altLang="en-US" sz="1400"/>
               <a:t> </a:t>
             </a:r>
             <a:r>
-              <a:rPr kumimoji="1" lang="en-US" altLang="zh-CN" sz="1800"/>
+              <a:rPr kumimoji="1" lang="en-US" altLang="zh-CN" sz="1400"/>
               <a:t>:</a:t>
             </a:r>
             <a:r>
-              <a:rPr kumimoji="1" lang="zh-CN" altLang="en-US" sz="1800"/>
+              <a:rPr kumimoji="1" lang="zh-CN" altLang="en-US" sz="1400"/>
               <a:t> </a:t>
             </a:r>
             <a:r>
-              <a:rPr kumimoji="1" lang="en-US" altLang="zh-CN" sz="1800">
+              <a:rPr kumimoji="1" lang="en-US" altLang="zh-CN" sz="1400">
                 <a:solidFill>
                   <a:schemeClr val="accent2"/>
                 </a:solidFill>
               </a:rPr>
               <a:t>current-&gt;pid</a:t>
             </a:r>
-            <a:endParaRPr kumimoji="1" lang="zh-CN" altLang="en-US" sz="1800">
+            <a:endParaRPr kumimoji="1" lang="zh-CN" altLang="en-US" sz="1400">
               <a:solidFill>
                 <a:schemeClr val="accent2"/>
               </a:solidFill>
@@ -15336,8 +15326,8 @@
         </p:nvSpPr>
         <p:spPr>
           <a:xfrm>
-            <a:off x="22854571" y="18003461"/>
-            <a:ext cx="5606626" cy="369332"/>
+            <a:off x="22854571" y="17698661"/>
+            <a:ext cx="5606626" cy="307777"/>
           </a:xfrm>
           <a:prstGeom prst="rect">
             <a:avLst/>
@@ -15354,38 +15344,38 @@
           <a:lstStyle/>
           <a:p>
             <a:r>
-              <a:rPr kumimoji="1" lang="en-US" altLang="zh-CN" sz="1800" b="1"/>
+              <a:rPr kumimoji="1" lang="en-US" altLang="zh-CN" sz="1400" b="1"/>
               <a:t>struct</a:t>
             </a:r>
             <a:r>
-              <a:rPr kumimoji="1" lang="zh-CN" altLang="en-US" sz="1800" b="1"/>
+              <a:rPr kumimoji="1" lang="zh-CN" altLang="en-US" sz="1400" b="1"/>
               <a:t> </a:t>
             </a:r>
             <a:r>
-              <a:rPr kumimoji="1" lang="en-US" altLang="zh-CN" sz="1800" b="1"/>
+              <a:rPr kumimoji="1" lang="en-US" altLang="zh-CN" sz="1400" b="1"/>
               <a:t>list_head</a:t>
             </a:r>
             <a:r>
-              <a:rPr kumimoji="1" lang="zh-CN" altLang="en-US" sz="1800"/>
+              <a:rPr kumimoji="1" lang="zh-CN" altLang="en-US" sz="1400"/>
               <a:t> </a:t>
             </a:r>
             <a:r>
-              <a:rPr kumimoji="1" lang="en-US" altLang="zh-CN" sz="1800"/>
+              <a:rPr kumimoji="1" lang="en-US" altLang="zh-CN" sz="1400"/>
               <a:t>:</a:t>
             </a:r>
             <a:r>
-              <a:rPr kumimoji="1" lang="zh-CN" altLang="en-US" sz="1800"/>
+              <a:rPr kumimoji="1" lang="zh-CN" altLang="en-US" sz="1400"/>
               <a:t> </a:t>
             </a:r>
             <a:r>
-              <a:rPr kumimoji="1" lang="en-US" altLang="zh-CN" sz="1800">
+              <a:rPr kumimoji="1" lang="en-US" altLang="zh-CN" sz="1400">
                 <a:solidFill>
                   <a:schemeClr val="accent2"/>
                 </a:solidFill>
               </a:rPr>
               <a:t>todo</a:t>
             </a:r>
-            <a:endParaRPr kumimoji="1" lang="zh-CN" altLang="en-US" sz="1800">
+            <a:endParaRPr kumimoji="1" lang="zh-CN" altLang="en-US" sz="1400">
               <a:solidFill>
                 <a:schemeClr val="accent2"/>
               </a:solidFill>
@@ -15401,8 +15391,8 @@
         </p:nvSpPr>
         <p:spPr>
           <a:xfrm>
-            <a:off x="22854571" y="17991375"/>
-            <a:ext cx="5606626" cy="1173090"/>
+            <a:off x="22854571" y="17686575"/>
+            <a:ext cx="5606626" cy="978931"/>
           </a:xfrm>
           <a:prstGeom prst="rect">
             <a:avLst/>
@@ -15440,7 +15430,7 @@
           <a:lstStyle/>
           <a:p>
             <a:pPr algn="ctr"/>
-            <a:endParaRPr kumimoji="1" lang="zh-CN" altLang="en-US" sz="2964"/>
+            <a:endParaRPr kumimoji="1" lang="zh-CN" altLang="en-US" sz="1400"/>
           </a:p>
         </p:txBody>
       </p:sp>
@@ -15452,8 +15442,8 @@
         </p:nvSpPr>
         <p:spPr>
           <a:xfrm>
-            <a:off x="22929187" y="18369319"/>
-            <a:ext cx="5447038" cy="371780"/>
+            <a:off x="22929187" y="18001019"/>
+            <a:ext cx="5447038" cy="307777"/>
           </a:xfrm>
           <a:prstGeom prst="rect">
             <a:avLst/>
@@ -15472,46 +15462,46 @@
           <a:lstStyle/>
           <a:p>
             <a:r>
-              <a:rPr kumimoji="1" lang="en-US" altLang="zh-CN" sz="1800"/>
+              <a:rPr kumimoji="1" lang="en-US" altLang="zh-CN" sz="1400"/>
               <a:t>struct</a:t>
             </a:r>
             <a:r>
-              <a:rPr kumimoji="1" lang="zh-CN" altLang="en-US" sz="1800"/>
+              <a:rPr kumimoji="1" lang="zh-CN" altLang="en-US" sz="1400"/>
               <a:t> </a:t>
             </a:r>
             <a:r>
-              <a:rPr kumimoji="1" lang="en-US" altLang="zh-CN" sz="1800"/>
+              <a:rPr kumimoji="1" lang="en-US" altLang="zh-CN" sz="1400"/>
               <a:t>list_head</a:t>
             </a:r>
             <a:r>
-              <a:rPr kumimoji="1" lang="zh-CN" altLang="en-US" sz="1800"/>
+              <a:rPr kumimoji="1" lang="zh-CN" altLang="en-US" sz="1400"/>
               <a:t> *</a:t>
             </a:r>
             <a:r>
-              <a:rPr kumimoji="1" lang="en-US" altLang="zh-CN" sz="1800"/>
+              <a:rPr kumimoji="1" lang="en-US" altLang="zh-CN" sz="1400"/>
               <a:t>prev</a:t>
             </a:r>
             <a:r>
-              <a:rPr kumimoji="1" lang="zh-CN" altLang="en-US" sz="1800"/>
+              <a:rPr kumimoji="1" lang="zh-CN" altLang="en-US" sz="1400"/>
               <a:t> </a:t>
             </a:r>
             <a:r>
-              <a:rPr kumimoji="1" lang="en-US" altLang="zh-CN" sz="1800"/>
+              <a:rPr kumimoji="1" lang="en-US" altLang="zh-CN" sz="1400"/>
               <a:t>:</a:t>
             </a:r>
             <a:r>
-              <a:rPr kumimoji="1" lang="zh-CN" altLang="en-US" sz="1800"/>
+              <a:rPr kumimoji="1" lang="zh-CN" altLang="en-US" sz="1400"/>
               <a:t> </a:t>
             </a:r>
             <a:r>
-              <a:rPr kumimoji="1" lang="en-US" altLang="zh-CN" sz="1800">
+              <a:rPr kumimoji="1" lang="en-US" altLang="zh-CN" sz="1400">
                 <a:solidFill>
                   <a:schemeClr val="accent2"/>
                 </a:solidFill>
               </a:rPr>
               <a:t>thread-&gt;todo</a:t>
             </a:r>
-            <a:endParaRPr kumimoji="1" lang="zh-CN" altLang="en-US" sz="1800">
+            <a:endParaRPr kumimoji="1" lang="zh-CN" altLang="en-US" sz="1400">
               <a:solidFill>
                 <a:schemeClr val="accent2"/>
               </a:solidFill>
@@ -15527,8 +15517,8 @@
         </p:nvSpPr>
         <p:spPr>
           <a:xfrm>
-            <a:off x="22929187" y="18738944"/>
-            <a:ext cx="5447038" cy="369332"/>
+            <a:off x="22929187" y="18307144"/>
+            <a:ext cx="5447038" cy="307777"/>
           </a:xfrm>
           <a:prstGeom prst="rect">
             <a:avLst/>
@@ -15547,46 +15537,46 @@
           <a:lstStyle/>
           <a:p>
             <a:r>
-              <a:rPr kumimoji="1" lang="en-US" altLang="zh-CN" sz="1800"/>
+              <a:rPr kumimoji="1" lang="en-US" altLang="zh-CN" sz="1400"/>
               <a:t>struct</a:t>
             </a:r>
             <a:r>
-              <a:rPr kumimoji="1" lang="zh-CN" altLang="en-US" sz="1800"/>
+              <a:rPr kumimoji="1" lang="zh-CN" altLang="en-US" sz="1400"/>
               <a:t> </a:t>
             </a:r>
             <a:r>
-              <a:rPr kumimoji="1" lang="en-US" altLang="zh-CN" sz="1800"/>
+              <a:rPr kumimoji="1" lang="en-US" altLang="zh-CN" sz="1400"/>
               <a:t>list_head</a:t>
             </a:r>
             <a:r>
-              <a:rPr kumimoji="1" lang="zh-CN" altLang="en-US" sz="1800"/>
+              <a:rPr kumimoji="1" lang="zh-CN" altLang="en-US" sz="1400"/>
               <a:t> *</a:t>
             </a:r>
             <a:r>
-              <a:rPr kumimoji="1" lang="en-US" altLang="zh-CN" sz="1800"/>
+              <a:rPr kumimoji="1" lang="en-US" altLang="zh-CN" sz="1400"/>
               <a:t>next</a:t>
             </a:r>
             <a:r>
-              <a:rPr kumimoji="1" lang="zh-CN" altLang="en-US" sz="1800"/>
+              <a:rPr kumimoji="1" lang="zh-CN" altLang="en-US" sz="1400"/>
               <a:t> </a:t>
             </a:r>
             <a:r>
-              <a:rPr kumimoji="1" lang="en-US" altLang="zh-CN" sz="1800"/>
+              <a:rPr kumimoji="1" lang="en-US" altLang="zh-CN" sz="1400"/>
               <a:t>:</a:t>
             </a:r>
             <a:r>
-              <a:rPr kumimoji="1" lang="zh-CN" altLang="en-US" sz="1800"/>
+              <a:rPr kumimoji="1" lang="zh-CN" altLang="en-US" sz="1400"/>
               <a:t> </a:t>
             </a:r>
             <a:r>
-              <a:rPr kumimoji="1" lang="en-US" altLang="zh-CN" sz="1800">
+              <a:rPr kumimoji="1" lang="en-US" altLang="zh-CN" sz="1400">
                 <a:solidFill>
                   <a:schemeClr val="accent2"/>
                 </a:solidFill>
               </a:rPr>
               <a:t>thread-&gt;todo</a:t>
             </a:r>
-            <a:endParaRPr kumimoji="1" lang="zh-CN" altLang="en-US" sz="1800">
+            <a:endParaRPr kumimoji="1" lang="zh-CN" altLang="en-US" sz="1400">
               <a:solidFill>
                 <a:schemeClr val="accent2"/>
               </a:solidFill>
@@ -15602,8 +15592,8 @@
         </p:nvSpPr>
         <p:spPr>
           <a:xfrm>
-            <a:off x="21416963" y="16673513"/>
-            <a:ext cx="1457325" cy="414337"/>
+            <a:off x="21416964" y="16673513"/>
+            <a:ext cx="1431418" cy="262455"/>
           </a:xfrm>
           <a:custGeom>
             <a:avLst/>
@@ -15698,8 +15688,8 @@
         </p:nvSpPr>
         <p:spPr>
           <a:xfrm>
-            <a:off x="22865846" y="19158516"/>
-            <a:ext cx="5595351" cy="369332"/>
+            <a:off x="22865846" y="18663216"/>
+            <a:ext cx="5595351" cy="307777"/>
           </a:xfrm>
           <a:prstGeom prst="rect">
             <a:avLst/>
@@ -15718,30 +15708,30 @@
           <a:lstStyle/>
           <a:p>
             <a:r>
-              <a:rPr kumimoji="1" lang="en-US" altLang="zh-CN" sz="1800"/>
+              <a:rPr kumimoji="1" lang="en-US" altLang="zh-CN" sz="1400"/>
               <a:t>looper</a:t>
             </a:r>
             <a:r>
-              <a:rPr kumimoji="1" lang="zh-CN" altLang="en-US" sz="1800"/>
+              <a:rPr kumimoji="1" lang="zh-CN" altLang="en-US" sz="1400"/>
               <a:t> </a:t>
             </a:r>
             <a:r>
-              <a:rPr kumimoji="1" lang="en-US" altLang="zh-CN" sz="1800"/>
+              <a:rPr kumimoji="1" lang="en-US" altLang="zh-CN" sz="1400"/>
               <a:t>:</a:t>
             </a:r>
             <a:r>
-              <a:rPr kumimoji="1" lang="zh-CN" altLang="en-US" sz="1800"/>
+              <a:rPr kumimoji="1" lang="zh-CN" altLang="en-US" sz="1400"/>
               <a:t> </a:t>
             </a:r>
             <a:r>
-              <a:rPr kumimoji="1" lang="en-US" altLang="zh-CN" sz="1800">
+              <a:rPr kumimoji="1" lang="en-US" altLang="zh-CN" sz="1400">
                 <a:solidFill>
                   <a:schemeClr val="accent2"/>
                 </a:solidFill>
               </a:rPr>
               <a:t>BINDER_LOOPER_STATE_NEED_RETURN</a:t>
             </a:r>
-            <a:endParaRPr kumimoji="1" lang="zh-CN" altLang="en-US" sz="1800">
+            <a:endParaRPr kumimoji="1" lang="zh-CN" altLang="en-US" sz="1400">
               <a:solidFill>
                 <a:schemeClr val="accent2"/>
               </a:solidFill>
@@ -15757,8 +15747,8 @@
         </p:nvSpPr>
         <p:spPr>
           <a:xfrm>
-            <a:off x="22865846" y="19527848"/>
-            <a:ext cx="5595351" cy="369332"/>
+            <a:off x="22865846" y="18969048"/>
+            <a:ext cx="5595351" cy="307777"/>
           </a:xfrm>
           <a:prstGeom prst="rect">
             <a:avLst/>
@@ -15777,30 +15767,30 @@
           <a:lstStyle/>
           <a:p>
             <a:r>
-              <a:rPr kumimoji="1" lang="en-US" altLang="zh-CN" sz="1800"/>
+              <a:rPr kumimoji="1" lang="en-US" altLang="zh-CN" sz="1400"/>
               <a:t>return_error</a:t>
             </a:r>
             <a:r>
-              <a:rPr kumimoji="1" lang="zh-CN" altLang="en-US" sz="1800"/>
+              <a:rPr kumimoji="1" lang="zh-CN" altLang="en-US" sz="1400"/>
               <a:t> </a:t>
             </a:r>
             <a:r>
-              <a:rPr kumimoji="1" lang="en-US" altLang="zh-CN" sz="1800"/>
+              <a:rPr kumimoji="1" lang="en-US" altLang="zh-CN" sz="1400"/>
               <a:t>:</a:t>
             </a:r>
             <a:r>
-              <a:rPr kumimoji="1" lang="zh-CN" altLang="en-US" sz="1800"/>
+              <a:rPr kumimoji="1" lang="zh-CN" altLang="en-US" sz="1400"/>
               <a:t> </a:t>
             </a:r>
             <a:r>
-              <a:rPr kumimoji="1" lang="en-US" altLang="zh-CN" sz="1800">
+              <a:rPr kumimoji="1" lang="en-US" altLang="zh-CN" sz="1400">
                 <a:solidFill>
                   <a:schemeClr val="accent2"/>
                 </a:solidFill>
               </a:rPr>
               <a:t>BR_OK</a:t>
             </a:r>
-            <a:endParaRPr kumimoji="1" lang="zh-CN" altLang="en-US" sz="1800">
+            <a:endParaRPr kumimoji="1" lang="zh-CN" altLang="en-US" sz="1400">
               <a:solidFill>
                 <a:schemeClr val="accent2"/>
               </a:solidFill>
@@ -15816,8 +15806,8 @@
         </p:nvSpPr>
         <p:spPr>
           <a:xfrm>
-            <a:off x="22865846" y="19905170"/>
-            <a:ext cx="5595351" cy="369332"/>
+            <a:off x="22865846" y="19282870"/>
+            <a:ext cx="5595351" cy="307777"/>
           </a:xfrm>
           <a:prstGeom prst="rect">
             <a:avLst/>
@@ -15836,30 +15826,30 @@
           <a:lstStyle/>
           <a:p>
             <a:r>
-              <a:rPr kumimoji="1" lang="en-US" altLang="zh-CN" sz="1800"/>
+              <a:rPr kumimoji="1" lang="en-US" altLang="zh-CN" sz="1400"/>
               <a:t>return_error2</a:t>
             </a:r>
             <a:r>
-              <a:rPr kumimoji="1" lang="zh-CN" altLang="en-US" sz="1800"/>
+              <a:rPr kumimoji="1" lang="zh-CN" altLang="en-US" sz="1400"/>
               <a:t> </a:t>
             </a:r>
             <a:r>
-              <a:rPr kumimoji="1" lang="en-US" altLang="zh-CN" sz="1800"/>
+              <a:rPr kumimoji="1" lang="en-US" altLang="zh-CN" sz="1400"/>
               <a:t>:</a:t>
             </a:r>
             <a:r>
-              <a:rPr kumimoji="1" lang="zh-CN" altLang="en-US" sz="1800"/>
+              <a:rPr kumimoji="1" lang="zh-CN" altLang="en-US" sz="1400"/>
               <a:t> </a:t>
             </a:r>
             <a:r>
-              <a:rPr kumimoji="1" lang="en-US" altLang="zh-CN" sz="1800">
+              <a:rPr kumimoji="1" lang="en-US" altLang="zh-CN" sz="1400">
                 <a:solidFill>
                   <a:schemeClr val="accent2"/>
                 </a:solidFill>
               </a:rPr>
               <a:t>BR_OK</a:t>
             </a:r>
-            <a:endParaRPr kumimoji="1" lang="zh-CN" altLang="en-US" sz="1800">
+            <a:endParaRPr kumimoji="1" lang="zh-CN" altLang="en-US" sz="1400">
               <a:solidFill>
                 <a:schemeClr val="accent2"/>
               </a:solidFill>
@@ -15875,8 +15865,8 @@
         </p:nvSpPr>
         <p:spPr>
           <a:xfrm>
-            <a:off x="22865845" y="20274157"/>
-            <a:ext cx="5595351" cy="369332"/>
+            <a:off x="22865845" y="19601057"/>
+            <a:ext cx="5595351" cy="307777"/>
           </a:xfrm>
           <a:prstGeom prst="rect">
             <a:avLst/>
@@ -15893,30 +15883,30 @@
           <a:lstStyle/>
           <a:p>
             <a:r>
-              <a:rPr kumimoji="1" lang="en-US" altLang="zh-CN" sz="1800" b="1"/>
+              <a:rPr kumimoji="1" lang="en-US" altLang="zh-CN" sz="1400" b="1"/>
               <a:t>wait_queue_head_t</a:t>
             </a:r>
             <a:r>
-              <a:rPr kumimoji="1" lang="zh-CN" altLang="en-US" sz="1800"/>
+              <a:rPr kumimoji="1" lang="zh-CN" altLang="en-US" sz="1400"/>
               <a:t> </a:t>
             </a:r>
             <a:r>
-              <a:rPr kumimoji="1" lang="en-US" altLang="zh-CN" sz="1800"/>
+              <a:rPr kumimoji="1" lang="en-US" altLang="zh-CN" sz="1400"/>
               <a:t>:</a:t>
             </a:r>
             <a:r>
-              <a:rPr kumimoji="1" lang="zh-CN" altLang="en-US" sz="1800"/>
+              <a:rPr kumimoji="1" lang="zh-CN" altLang="en-US" sz="1400"/>
               <a:t> </a:t>
             </a:r>
             <a:r>
-              <a:rPr kumimoji="1" lang="en-US" altLang="zh-CN" sz="1800">
+              <a:rPr kumimoji="1" lang="en-US" altLang="zh-CN" sz="1400">
                 <a:solidFill>
                   <a:schemeClr val="accent2"/>
                 </a:solidFill>
               </a:rPr>
               <a:t>wait</a:t>
             </a:r>
-            <a:endParaRPr kumimoji="1" lang="zh-CN" altLang="en-US" sz="1800">
+            <a:endParaRPr kumimoji="1" lang="zh-CN" altLang="en-US" sz="1400">
               <a:solidFill>
                 <a:schemeClr val="accent2"/>
               </a:solidFill>
@@ -15932,8 +15922,8 @@
         </p:nvSpPr>
         <p:spPr>
           <a:xfrm>
-            <a:off x="22922997" y="21008111"/>
-            <a:ext cx="4794754" cy="369332"/>
+            <a:off x="22922997" y="20271511"/>
+            <a:ext cx="4794754" cy="307777"/>
           </a:xfrm>
           <a:prstGeom prst="rect">
             <a:avLst/>
@@ -15950,38 +15940,38 @@
           <a:lstStyle/>
           <a:p>
             <a:r>
-              <a:rPr kumimoji="1" lang="en-US" altLang="zh-CN" sz="1800" b="1"/>
+              <a:rPr kumimoji="1" lang="en-US" altLang="zh-CN" sz="1400" b="1"/>
               <a:t>struct</a:t>
             </a:r>
             <a:r>
-              <a:rPr kumimoji="1" lang="zh-CN" altLang="en-US" sz="1800" b="1"/>
+              <a:rPr kumimoji="1" lang="zh-CN" altLang="en-US" sz="1400" b="1"/>
               <a:t> </a:t>
             </a:r>
             <a:r>
-              <a:rPr kumimoji="1" lang="en-US" altLang="zh-CN" sz="1800" b="1"/>
+              <a:rPr kumimoji="1" lang="en-US" altLang="zh-CN" sz="1400" b="1"/>
               <a:t>list_head</a:t>
             </a:r>
             <a:r>
-              <a:rPr kumimoji="1" lang="zh-CN" altLang="en-US" sz="1800"/>
+              <a:rPr kumimoji="1" lang="zh-CN" altLang="en-US" sz="1400"/>
               <a:t> </a:t>
             </a:r>
             <a:r>
-              <a:rPr kumimoji="1" lang="en-US" altLang="zh-CN" sz="1800"/>
+              <a:rPr kumimoji="1" lang="en-US" altLang="zh-CN" sz="1400"/>
               <a:t>:</a:t>
             </a:r>
             <a:r>
-              <a:rPr kumimoji="1" lang="zh-CN" altLang="en-US" sz="1800"/>
+              <a:rPr kumimoji="1" lang="zh-CN" altLang="en-US" sz="1400"/>
               <a:t> </a:t>
             </a:r>
             <a:r>
-              <a:rPr kumimoji="1" lang="en-US" altLang="zh-CN" sz="1800">
+              <a:rPr kumimoji="1" lang="en-US" altLang="zh-CN" sz="1400">
                 <a:solidFill>
                   <a:schemeClr val="accent2"/>
                 </a:solidFill>
               </a:rPr>
               <a:t>task_list</a:t>
             </a:r>
-            <a:endParaRPr kumimoji="1" lang="zh-CN" altLang="en-US" sz="1800">
+            <a:endParaRPr kumimoji="1" lang="zh-CN" altLang="en-US" sz="1400">
               <a:solidFill>
                 <a:schemeClr val="accent2"/>
               </a:solidFill>
@@ -15997,8 +15987,8 @@
         </p:nvSpPr>
         <p:spPr>
           <a:xfrm>
-            <a:off x="22865845" y="20274502"/>
-            <a:ext cx="5595351" cy="1932579"/>
+            <a:off x="22865845" y="19601403"/>
+            <a:ext cx="5595351" cy="1686980"/>
           </a:xfrm>
           <a:prstGeom prst="rect">
             <a:avLst/>
@@ -16036,7 +16026,7 @@
           <a:lstStyle/>
           <a:p>
             <a:pPr algn="ctr"/>
-            <a:endParaRPr kumimoji="1" lang="zh-CN" altLang="en-US" sz="2964"/>
+            <a:endParaRPr kumimoji="1" lang="zh-CN" altLang="en-US" sz="1400"/>
           </a:p>
         </p:txBody>
       </p:sp>
@@ -16048,8 +16038,8 @@
         </p:nvSpPr>
         <p:spPr>
           <a:xfrm>
-            <a:off x="22969037" y="21345394"/>
-            <a:ext cx="5358953" cy="371780"/>
+            <a:off x="22969037" y="20545294"/>
+            <a:ext cx="5358953" cy="307777"/>
           </a:xfrm>
           <a:prstGeom prst="rect">
             <a:avLst/>
@@ -16068,46 +16058,46 @@
           <a:lstStyle/>
           <a:p>
             <a:r>
-              <a:rPr kumimoji="1" lang="en-US" altLang="zh-CN" sz="1800"/>
+              <a:rPr kumimoji="1" lang="en-US" altLang="zh-CN" sz="1400"/>
               <a:t>struct</a:t>
             </a:r>
             <a:r>
-              <a:rPr kumimoji="1" lang="zh-CN" altLang="en-US" sz="1800"/>
+              <a:rPr kumimoji="1" lang="zh-CN" altLang="en-US" sz="1400"/>
               <a:t> </a:t>
             </a:r>
             <a:r>
-              <a:rPr kumimoji="1" lang="en-US" altLang="zh-CN" sz="1800"/>
+              <a:rPr kumimoji="1" lang="en-US" altLang="zh-CN" sz="1400"/>
               <a:t>list_head</a:t>
             </a:r>
             <a:r>
-              <a:rPr kumimoji="1" lang="zh-CN" altLang="en-US" sz="1800"/>
+              <a:rPr kumimoji="1" lang="zh-CN" altLang="en-US" sz="1400"/>
               <a:t> *</a:t>
             </a:r>
             <a:r>
-              <a:rPr kumimoji="1" lang="en-US" altLang="zh-CN" sz="1800"/>
+              <a:rPr kumimoji="1" lang="en-US" altLang="zh-CN" sz="1400"/>
               <a:t>prev</a:t>
             </a:r>
             <a:r>
-              <a:rPr kumimoji="1" lang="zh-CN" altLang="en-US" sz="1800"/>
+              <a:rPr kumimoji="1" lang="zh-CN" altLang="en-US" sz="1400"/>
               <a:t> </a:t>
             </a:r>
             <a:r>
-              <a:rPr kumimoji="1" lang="en-US" altLang="zh-CN" sz="1800"/>
+              <a:rPr kumimoji="1" lang="en-US" altLang="zh-CN" sz="1400"/>
               <a:t>:</a:t>
             </a:r>
             <a:r>
-              <a:rPr kumimoji="1" lang="zh-CN" altLang="en-US" sz="1800"/>
+              <a:rPr kumimoji="1" lang="zh-CN" altLang="en-US" sz="1400"/>
               <a:t> </a:t>
             </a:r>
             <a:r>
-              <a:rPr kumimoji="1" lang="en-US" altLang="zh-CN" sz="1800">
+              <a:rPr kumimoji="1" lang="en-US" altLang="zh-CN" sz="1400">
                 <a:solidFill>
                   <a:schemeClr val="accent2"/>
                 </a:solidFill>
               </a:rPr>
               <a:t>wait-&gt;task_list</a:t>
             </a:r>
-            <a:endParaRPr kumimoji="1" lang="zh-CN" altLang="en-US" sz="1800">
+            <a:endParaRPr kumimoji="1" lang="zh-CN" altLang="en-US" sz="1400">
               <a:solidFill>
                 <a:schemeClr val="accent2"/>
               </a:solidFill>
@@ -16123,8 +16113,8 @@
         </p:nvSpPr>
         <p:spPr>
           <a:xfrm>
-            <a:off x="22969037" y="21713431"/>
-            <a:ext cx="5358953" cy="369332"/>
+            <a:off x="22969037" y="20849831"/>
+            <a:ext cx="5358953" cy="307777"/>
           </a:xfrm>
           <a:prstGeom prst="rect">
             <a:avLst/>
@@ -16143,46 +16133,46 @@
           <a:lstStyle/>
           <a:p>
             <a:r>
-              <a:rPr kumimoji="1" lang="en-US" altLang="zh-CN" sz="1800"/>
+              <a:rPr kumimoji="1" lang="en-US" altLang="zh-CN" sz="1400"/>
               <a:t>struct</a:t>
             </a:r>
             <a:r>
-              <a:rPr kumimoji="1" lang="zh-CN" altLang="en-US" sz="1800"/>
+              <a:rPr kumimoji="1" lang="zh-CN" altLang="en-US" sz="1400"/>
               <a:t> </a:t>
             </a:r>
             <a:r>
-              <a:rPr kumimoji="1" lang="en-US" altLang="zh-CN" sz="1800"/>
+              <a:rPr kumimoji="1" lang="en-US" altLang="zh-CN" sz="1400"/>
               <a:t>list_head</a:t>
             </a:r>
             <a:r>
-              <a:rPr kumimoji="1" lang="zh-CN" altLang="en-US" sz="1800"/>
+              <a:rPr kumimoji="1" lang="zh-CN" altLang="en-US" sz="1400"/>
               <a:t> *</a:t>
             </a:r>
             <a:r>
-              <a:rPr kumimoji="1" lang="en-US" altLang="zh-CN" sz="1800"/>
+              <a:rPr kumimoji="1" lang="en-US" altLang="zh-CN" sz="1400"/>
               <a:t>next</a:t>
             </a:r>
             <a:r>
-              <a:rPr kumimoji="1" lang="zh-CN" altLang="en-US" sz="1800"/>
+              <a:rPr kumimoji="1" lang="zh-CN" altLang="en-US" sz="1400"/>
               <a:t> </a:t>
             </a:r>
             <a:r>
-              <a:rPr kumimoji="1" lang="en-US" altLang="zh-CN" sz="1800"/>
+              <a:rPr kumimoji="1" lang="en-US" altLang="zh-CN" sz="1400"/>
               <a:t>:</a:t>
             </a:r>
             <a:r>
-              <a:rPr kumimoji="1" lang="zh-CN" altLang="en-US" sz="1800"/>
+              <a:rPr kumimoji="1" lang="zh-CN" altLang="en-US" sz="1400"/>
               <a:t> </a:t>
             </a:r>
             <a:r>
-              <a:rPr kumimoji="1" lang="en-US" altLang="zh-CN" sz="1800">
+              <a:rPr kumimoji="1" lang="en-US" altLang="zh-CN" sz="1400">
                 <a:solidFill>
                   <a:schemeClr val="accent2"/>
                 </a:solidFill>
               </a:rPr>
               <a:t>wait-&gt;task_list</a:t>
             </a:r>
-            <a:endParaRPr kumimoji="1" lang="zh-CN" altLang="en-US" sz="1800">
+            <a:endParaRPr kumimoji="1" lang="zh-CN" altLang="en-US" sz="1400">
               <a:solidFill>
                 <a:schemeClr val="accent2"/>
               </a:solidFill>
@@ -16198,8 +16188,8 @@
         </p:nvSpPr>
         <p:spPr>
           <a:xfrm>
-            <a:off x="22929186" y="20618237"/>
-            <a:ext cx="5447038" cy="369332"/>
+            <a:off x="22929186" y="19945137"/>
+            <a:ext cx="5447038" cy="307777"/>
           </a:xfrm>
           <a:prstGeom prst="rect">
             <a:avLst/>
@@ -16218,27 +16208,27 @@
           <a:lstStyle/>
           <a:p>
             <a:r>
-              <a:rPr kumimoji="1" lang="en-US" altLang="zh-CN" sz="1800"/>
+              <a:rPr kumimoji="1" lang="en-US" altLang="zh-CN" sz="1400"/>
               <a:t>spinlock_t</a:t>
             </a:r>
             <a:r>
-              <a:rPr kumimoji="1" lang="zh-CN" altLang="en-US" sz="1800"/>
+              <a:rPr kumimoji="1" lang="zh-CN" altLang="en-US" sz="1400"/>
               <a:t> </a:t>
             </a:r>
             <a:r>
-              <a:rPr kumimoji="1" lang="en-US" altLang="zh-CN" sz="1800"/>
+              <a:rPr kumimoji="1" lang="en-US" altLang="zh-CN" sz="1400"/>
               <a:t>lock</a:t>
             </a:r>
             <a:r>
-              <a:rPr kumimoji="1" lang="zh-CN" altLang="en-US" sz="1800"/>
+              <a:rPr kumimoji="1" lang="zh-CN" altLang="en-US" sz="1400"/>
               <a:t> </a:t>
             </a:r>
             <a:r>
-              <a:rPr kumimoji="1" lang="en-US" altLang="zh-CN" sz="1800"/>
+              <a:rPr kumimoji="1" lang="en-US" altLang="zh-CN" sz="1400"/>
               <a:t>:</a:t>
             </a:r>
             <a:r>
-              <a:rPr kumimoji="1" lang="zh-CN" altLang="en-US" sz="1800">
+              <a:rPr kumimoji="1" lang="zh-CN" altLang="en-US" sz="1400">
                 <a:solidFill>
                   <a:schemeClr val="accent2"/>
                 </a:solidFill>
@@ -16246,14 +16236,14 @@
               <a:t> </a:t>
             </a:r>
             <a:r>
-              <a:rPr lang="en-US" altLang="zh-CN" sz="1800">
+              <a:rPr lang="en-US" altLang="zh-CN" sz="1400">
                 <a:solidFill>
                   <a:schemeClr val="accent2"/>
                 </a:solidFill>
               </a:rPr>
               <a:t>WAITQUEUE_RW_LOCK_UNLOCKED</a:t>
             </a:r>
-            <a:endParaRPr kumimoji="1" lang="zh-CN" altLang="en-US" sz="1800">
+            <a:endParaRPr kumimoji="1" lang="zh-CN" altLang="en-US" sz="1400">
               <a:solidFill>
                 <a:schemeClr val="accent2"/>
               </a:solidFill>
@@ -16269,8 +16259,8 @@
         </p:nvSpPr>
         <p:spPr>
           <a:xfrm>
-            <a:off x="22929186" y="20989732"/>
-            <a:ext cx="5447039" cy="1188202"/>
+            <a:off x="22929186" y="20253132"/>
+            <a:ext cx="5447039" cy="971750"/>
           </a:xfrm>
           <a:prstGeom prst="rect">
             <a:avLst/>
@@ -16308,7 +16298,7 @@
           <a:lstStyle/>
           <a:p>
             <a:pPr algn="ctr"/>
-            <a:endParaRPr kumimoji="1" lang="zh-CN" altLang="en-US" sz="2964"/>
+            <a:endParaRPr kumimoji="1" lang="zh-CN" altLang="en-US" sz="1400"/>
           </a:p>
         </p:txBody>
       </p:sp>
@@ -16320,8 +16310,8 @@
         </p:nvSpPr>
         <p:spPr>
           <a:xfrm>
-            <a:off x="22848381" y="22211555"/>
-            <a:ext cx="5606626" cy="369332"/>
+            <a:off x="22848381" y="21284455"/>
+            <a:ext cx="5606626" cy="307777"/>
           </a:xfrm>
           <a:prstGeom prst="rect">
             <a:avLst/>
@@ -16338,38 +16328,38 @@
           <a:lstStyle/>
           <a:p>
             <a:r>
-              <a:rPr kumimoji="1" lang="en-US" altLang="zh-CN" sz="1800" b="1"/>
+              <a:rPr kumimoji="1" lang="en-US" altLang="zh-CN" sz="1400" b="1"/>
               <a:t>struct</a:t>
             </a:r>
             <a:r>
-              <a:rPr kumimoji="1" lang="zh-CN" altLang="en-US" sz="1800" b="1"/>
+              <a:rPr kumimoji="1" lang="zh-CN" altLang="en-US" sz="1400" b="1"/>
               <a:t> </a:t>
             </a:r>
             <a:r>
-              <a:rPr kumimoji="1" lang="en-US" altLang="zh-CN" sz="1800" b="1"/>
+              <a:rPr kumimoji="1" lang="en-US" altLang="zh-CN" sz="1400" b="1"/>
               <a:t>rb_node</a:t>
             </a:r>
             <a:r>
-              <a:rPr kumimoji="1" lang="zh-CN" altLang="en-US" sz="1800"/>
+              <a:rPr kumimoji="1" lang="zh-CN" altLang="en-US" sz="1400"/>
               <a:t> </a:t>
             </a:r>
             <a:r>
-              <a:rPr kumimoji="1" lang="en-US" altLang="zh-CN" sz="1800"/>
+              <a:rPr kumimoji="1" lang="en-US" altLang="zh-CN" sz="1400"/>
               <a:t>:</a:t>
             </a:r>
             <a:r>
-              <a:rPr kumimoji="1" lang="zh-CN" altLang="en-US" sz="1800"/>
+              <a:rPr kumimoji="1" lang="zh-CN" altLang="en-US" sz="1400"/>
               <a:t> </a:t>
             </a:r>
             <a:r>
-              <a:rPr kumimoji="1" lang="en-US" altLang="zh-CN" sz="1800">
+              <a:rPr kumimoji="1" lang="en-US" altLang="zh-CN" sz="1400">
                 <a:solidFill>
                   <a:schemeClr val="accent2"/>
                 </a:solidFill>
               </a:rPr>
               <a:t>rb_node</a:t>
             </a:r>
-            <a:endParaRPr kumimoji="1" lang="zh-CN" altLang="en-US" sz="1800">
+            <a:endParaRPr kumimoji="1" lang="zh-CN" altLang="en-US" sz="1400">
               <a:solidFill>
                 <a:schemeClr val="accent2"/>
               </a:solidFill>
@@ -16385,8 +16375,8 @@
         </p:nvSpPr>
         <p:spPr>
           <a:xfrm>
-            <a:off x="22854571" y="22212170"/>
-            <a:ext cx="5600436" cy="1478410"/>
+            <a:off x="22854571" y="21285070"/>
+            <a:ext cx="5600436" cy="1233204"/>
           </a:xfrm>
           <a:prstGeom prst="rect">
             <a:avLst/>
@@ -16424,7 +16414,7 @@
           <a:lstStyle/>
           <a:p>
             <a:pPr algn="ctr"/>
-            <a:endParaRPr kumimoji="1" lang="zh-CN" altLang="en-US" sz="2964"/>
+            <a:endParaRPr kumimoji="1" lang="zh-CN" altLang="en-US" sz="1400"/>
           </a:p>
         </p:txBody>
       </p:sp>
@@ -16436,8 +16426,8 @@
         </p:nvSpPr>
         <p:spPr>
           <a:xfrm>
-            <a:off x="22922997" y="22869513"/>
-            <a:ext cx="5447038" cy="371780"/>
+            <a:off x="22922997" y="21878913"/>
+            <a:ext cx="5447038" cy="307777"/>
           </a:xfrm>
           <a:prstGeom prst="rect">
             <a:avLst/>
@@ -16456,46 +16446,46 @@
           <a:lstStyle/>
           <a:p>
             <a:r>
-              <a:rPr kumimoji="1" lang="en-US" altLang="zh-CN" sz="1800"/>
+              <a:rPr kumimoji="1" lang="en-US" altLang="zh-CN" sz="1400"/>
               <a:t>struct</a:t>
             </a:r>
             <a:r>
-              <a:rPr kumimoji="1" lang="zh-CN" altLang="en-US" sz="1800"/>
+              <a:rPr kumimoji="1" lang="zh-CN" altLang="en-US" sz="1400"/>
               <a:t> </a:t>
             </a:r>
             <a:r>
-              <a:rPr kumimoji="1" lang="en-US" altLang="zh-CN" sz="1800"/>
+              <a:rPr kumimoji="1" lang="en-US" altLang="zh-CN" sz="1400"/>
               <a:t>rb_node</a:t>
             </a:r>
             <a:r>
-              <a:rPr kumimoji="1" lang="zh-CN" altLang="en-US" sz="1800"/>
+              <a:rPr kumimoji="1" lang="zh-CN" altLang="en-US" sz="1400"/>
               <a:t> *</a:t>
             </a:r>
             <a:r>
-              <a:rPr kumimoji="1" lang="en-US" altLang="zh-CN" sz="1800"/>
+              <a:rPr kumimoji="1" lang="en-US" altLang="zh-CN" sz="1400"/>
               <a:t>rb_right</a:t>
             </a:r>
             <a:r>
-              <a:rPr kumimoji="1" lang="zh-CN" altLang="en-US" sz="1800"/>
+              <a:rPr kumimoji="1" lang="zh-CN" altLang="en-US" sz="1400"/>
               <a:t> </a:t>
             </a:r>
             <a:r>
-              <a:rPr kumimoji="1" lang="en-US" altLang="zh-CN" sz="1800"/>
+              <a:rPr kumimoji="1" lang="en-US" altLang="zh-CN" sz="1400"/>
               <a:t>:</a:t>
             </a:r>
             <a:r>
-              <a:rPr kumimoji="1" lang="zh-CN" altLang="en-US" sz="1800"/>
+              <a:rPr kumimoji="1" lang="zh-CN" altLang="en-US" sz="1400"/>
               <a:t> </a:t>
             </a:r>
             <a:r>
-              <a:rPr kumimoji="1" lang="en-US" altLang="zh-CN" sz="1800">
+              <a:rPr kumimoji="1" lang="en-US" altLang="zh-CN" sz="1400">
                 <a:solidFill>
                   <a:schemeClr val="accent2"/>
                 </a:solidFill>
               </a:rPr>
               <a:t>NULL</a:t>
             </a:r>
-            <a:endParaRPr kumimoji="1" lang="zh-CN" altLang="en-US" sz="1800">
+            <a:endParaRPr kumimoji="1" lang="zh-CN" altLang="en-US" sz="1400">
               <a:solidFill>
                 <a:schemeClr val="accent2"/>
               </a:solidFill>
@@ -16511,8 +16501,8 @@
         </p:nvSpPr>
         <p:spPr>
           <a:xfrm>
-            <a:off x="22929186" y="23237282"/>
-            <a:ext cx="5447038" cy="371780"/>
+            <a:off x="22929186" y="22183182"/>
+            <a:ext cx="5447038" cy="307777"/>
           </a:xfrm>
           <a:prstGeom prst="rect">
             <a:avLst/>
@@ -16531,46 +16521,46 @@
           <a:lstStyle/>
           <a:p>
             <a:r>
-              <a:rPr kumimoji="1" lang="en-US" altLang="zh-CN" sz="1800"/>
+              <a:rPr kumimoji="1" lang="en-US" altLang="zh-CN" sz="1400"/>
               <a:t>struct</a:t>
             </a:r>
             <a:r>
-              <a:rPr kumimoji="1" lang="zh-CN" altLang="en-US" sz="1800"/>
+              <a:rPr kumimoji="1" lang="zh-CN" altLang="en-US" sz="1400"/>
               <a:t> </a:t>
             </a:r>
             <a:r>
-              <a:rPr kumimoji="1" lang="en-US" altLang="zh-CN" sz="1800"/>
+              <a:rPr kumimoji="1" lang="en-US" altLang="zh-CN" sz="1400"/>
               <a:t>rb_node</a:t>
             </a:r>
             <a:r>
-              <a:rPr kumimoji="1" lang="zh-CN" altLang="en-US" sz="1800"/>
+              <a:rPr kumimoji="1" lang="zh-CN" altLang="en-US" sz="1400"/>
               <a:t> *</a:t>
             </a:r>
             <a:r>
-              <a:rPr kumimoji="1" lang="en-US" altLang="zh-CN" sz="1800"/>
+              <a:rPr kumimoji="1" lang="en-US" altLang="zh-CN" sz="1400"/>
               <a:t>rb_left</a:t>
             </a:r>
             <a:r>
-              <a:rPr kumimoji="1" lang="zh-CN" altLang="en-US" sz="1800"/>
+              <a:rPr kumimoji="1" lang="zh-CN" altLang="en-US" sz="1400"/>
               <a:t> </a:t>
             </a:r>
             <a:r>
-              <a:rPr kumimoji="1" lang="en-US" altLang="zh-CN" sz="1800"/>
+              <a:rPr kumimoji="1" lang="en-US" altLang="zh-CN" sz="1400"/>
               <a:t>:</a:t>
             </a:r>
             <a:r>
-              <a:rPr kumimoji="1" lang="zh-CN" altLang="en-US" sz="1800"/>
+              <a:rPr kumimoji="1" lang="zh-CN" altLang="en-US" sz="1400"/>
               <a:t> </a:t>
             </a:r>
             <a:r>
-              <a:rPr kumimoji="1" lang="en-US" altLang="zh-CN" sz="1800">
+              <a:rPr kumimoji="1" lang="en-US" altLang="zh-CN" sz="1400">
                 <a:solidFill>
                   <a:schemeClr val="accent2"/>
                 </a:solidFill>
               </a:rPr>
               <a:t>NULL</a:t>
             </a:r>
-            <a:endParaRPr kumimoji="1" lang="zh-CN" altLang="en-US" sz="1800">
+            <a:endParaRPr kumimoji="1" lang="zh-CN" altLang="en-US" sz="1400">
               <a:solidFill>
                 <a:schemeClr val="accent2"/>
               </a:solidFill>
@@ -16586,8 +16576,8 @@
         </p:nvSpPr>
         <p:spPr>
           <a:xfrm>
-            <a:off x="22929186" y="22504396"/>
-            <a:ext cx="5447038" cy="371780"/>
+            <a:off x="22929186" y="21577296"/>
+            <a:ext cx="5447038" cy="307777"/>
           </a:xfrm>
           <a:prstGeom prst="rect">
             <a:avLst/>
@@ -16606,39 +16596,39 @@
           <a:lstStyle/>
           <a:p>
             <a:r>
-              <a:rPr kumimoji="1" lang="en-US" altLang="zh-CN" sz="1800"/>
+              <a:rPr kumimoji="1" lang="en-US" altLang="zh-CN" sz="1400"/>
               <a:t>unsigned</a:t>
             </a:r>
             <a:r>
-              <a:rPr kumimoji="1" lang="zh-CN" altLang="en-US" sz="1800"/>
+              <a:rPr kumimoji="1" lang="zh-CN" altLang="en-US" sz="1400"/>
               <a:t> </a:t>
             </a:r>
             <a:r>
-              <a:rPr kumimoji="1" lang="en-US" altLang="zh-CN" sz="1800"/>
+              <a:rPr kumimoji="1" lang="en-US" altLang="zh-CN" sz="1400"/>
               <a:t>long</a:t>
             </a:r>
             <a:r>
-              <a:rPr kumimoji="1" lang="zh-CN" altLang="en-US" sz="1800"/>
+              <a:rPr kumimoji="1" lang="zh-CN" altLang="en-US" sz="1400"/>
               <a:t> </a:t>
             </a:r>
             <a:r>
-              <a:rPr kumimoji="1" lang="en-US" altLang="zh-CN" sz="1800"/>
+              <a:rPr kumimoji="1" lang="en-US" altLang="zh-CN" sz="1400"/>
               <a:t>rb_parent_color</a:t>
             </a:r>
             <a:r>
-              <a:rPr kumimoji="1" lang="zh-CN" altLang="en-US" sz="1800"/>
+              <a:rPr kumimoji="1" lang="zh-CN" altLang="en-US" sz="1400"/>
               <a:t> </a:t>
             </a:r>
             <a:r>
-              <a:rPr kumimoji="1" lang="en-US" altLang="zh-CN" sz="1800"/>
+              <a:rPr kumimoji="1" lang="en-US" altLang="zh-CN" sz="1400"/>
               <a:t>:</a:t>
             </a:r>
             <a:r>
-              <a:rPr kumimoji="1" lang="zh-CN" altLang="en-US" sz="1800"/>
+              <a:rPr kumimoji="1" lang="zh-CN" altLang="en-US" sz="1400"/>
               <a:t> </a:t>
             </a:r>
             <a:r>
-              <a:rPr kumimoji="1" lang="zh-CN" altLang="en-US" sz="1800">
+              <a:rPr kumimoji="1" lang="zh-CN" altLang="en-US" sz="1400">
                 <a:solidFill>
                   <a:schemeClr val="accent2"/>
                 </a:solidFill>
@@ -16646,14 +16636,14 @@
               <a:t>非</a:t>
             </a:r>
             <a:r>
-              <a:rPr kumimoji="1" lang="en-US" altLang="zh-CN" sz="1800">
+              <a:rPr kumimoji="1" lang="en-US" altLang="zh-CN" sz="1400">
                 <a:solidFill>
                   <a:schemeClr val="accent2"/>
                 </a:solidFill>
               </a:rPr>
               <a:t>0</a:t>
             </a:r>
-            <a:endParaRPr kumimoji="1" lang="zh-CN" altLang="en-US" sz="1800">
+            <a:endParaRPr kumimoji="1" lang="zh-CN" altLang="en-US" sz="1400">
               <a:solidFill>
                 <a:schemeClr val="accent2"/>
               </a:solidFill>
@@ -16672,8 +16662,8 @@
         </p:nvCxnSpPr>
         <p:spPr>
           <a:xfrm flipV="1">
-            <a:off x="21232475" y="22396221"/>
-            <a:ext cx="1615906" cy="1586232"/>
+            <a:off x="21232475" y="21438344"/>
+            <a:ext cx="1615906" cy="1267508"/>
           </a:xfrm>
           <a:prstGeom prst="curvedConnector3">
             <a:avLst/>
@@ -16683,6 +16673,2309 @@
               <a:schemeClr val="accent2"/>
             </a:solidFill>
             <a:prstDash val="dash"/>
+            <a:tailEnd type="triangle"/>
+          </a:ln>
+        </p:spPr>
+        <p:style>
+          <a:lnRef idx="1">
+            <a:schemeClr val="accent1"/>
+          </a:lnRef>
+          <a:fillRef idx="0">
+            <a:schemeClr val="accent1"/>
+          </a:fillRef>
+          <a:effectRef idx="0">
+            <a:schemeClr val="accent1"/>
+          </a:effectRef>
+          <a:fontRef idx="minor">
+            <a:schemeClr val="tx1"/>
+          </a:fontRef>
+        </p:style>
+      </p:cxnSp>
+      <p:sp>
+        <p:nvSpPr>
+          <p:cNvPr id="294" name="文本框 293"/>
+          <p:cNvSpPr txBox="1"/>
+          <p:nvPr/>
+        </p:nvSpPr>
+        <p:spPr>
+          <a:xfrm>
+            <a:off x="15722095" y="22921305"/>
+            <a:ext cx="5595351" cy="307777"/>
+          </a:xfrm>
+          <a:prstGeom prst="rect">
+            <a:avLst/>
+          </a:prstGeom>
+          <a:noFill/>
+          <a:ln>
+            <a:solidFill>
+              <a:schemeClr val="tx1"/>
+            </a:solidFill>
+          </a:ln>
+        </p:spPr>
+        <p:txBody>
+          <a:bodyPr wrap="square" rtlCol="0">
+            <a:spAutoFit/>
+          </a:bodyPr>
+          <a:lstStyle/>
+          <a:p>
+            <a:r>
+              <a:rPr kumimoji="1" lang="en-US" altLang="zh-CN" sz="1400"/>
+              <a:t>void</a:t>
+            </a:r>
+            <a:r>
+              <a:rPr kumimoji="1" lang="zh-CN" altLang="en-US" sz="1400"/>
+              <a:t>* </a:t>
+            </a:r>
+            <a:r>
+              <a:rPr kumimoji="1" lang="en-US" altLang="zh-CN" sz="1400"/>
+              <a:t>buffer</a:t>
+            </a:r>
+            <a:r>
+              <a:rPr kumimoji="1" lang="zh-CN" altLang="en-US" sz="1400"/>
+              <a:t> </a:t>
+            </a:r>
+            <a:r>
+              <a:rPr kumimoji="1" lang="en-US" altLang="zh-CN" sz="1400"/>
+              <a:t>:</a:t>
+            </a:r>
+            <a:r>
+              <a:rPr kumimoji="1" lang="zh-CN" altLang="en-US" sz="1400"/>
+              <a:t> </a:t>
+            </a:r>
+            <a:r>
+              <a:rPr kumimoji="1" lang="en-US" altLang="zh-CN" sz="1400">
+                <a:solidFill>
+                  <a:schemeClr val="accent2"/>
+                </a:solidFill>
+              </a:rPr>
+              <a:t>area-&gt;addr</a:t>
+            </a:r>
+            <a:endParaRPr kumimoji="1" lang="zh-CN" altLang="en-US" sz="1400">
+              <a:solidFill>
+                <a:schemeClr val="accent2"/>
+              </a:solidFill>
+            </a:endParaRPr>
+          </a:p>
+        </p:txBody>
+      </p:sp>
+      <p:sp>
+        <p:nvSpPr>
+          <p:cNvPr id="295" name="文本框 294"/>
+          <p:cNvSpPr txBox="1"/>
+          <p:nvPr/>
+        </p:nvSpPr>
+        <p:spPr>
+          <a:xfrm>
+            <a:off x="15722095" y="23227695"/>
+            <a:ext cx="5595351" cy="523220"/>
+          </a:xfrm>
+          <a:prstGeom prst="rect">
+            <a:avLst/>
+          </a:prstGeom>
+          <a:noFill/>
+          <a:ln>
+            <a:solidFill>
+              <a:schemeClr val="tx1"/>
+            </a:solidFill>
+          </a:ln>
+        </p:spPr>
+        <p:txBody>
+          <a:bodyPr wrap="square" rtlCol="0">
+            <a:spAutoFit/>
+          </a:bodyPr>
+          <a:lstStyle/>
+          <a:p>
+            <a:r>
+              <a:rPr kumimoji="1" lang="en-US" altLang="zh-CN" sz="1400"/>
+              <a:t>ptrdiff</a:t>
+            </a:r>
+            <a:r>
+              <a:rPr kumimoji="1" lang="en-US" altLang="zh-CN" sz="1400"/>
+              <a:t>_t</a:t>
+            </a:r>
+            <a:r>
+              <a:rPr kumimoji="1" lang="zh-CN" altLang="en-US" sz="1400"/>
+              <a:t> </a:t>
+            </a:r>
+            <a:r>
+              <a:rPr kumimoji="1" lang="en-US" altLang="zh-CN" sz="1400"/>
+              <a:t>user_buffer_offset</a:t>
+            </a:r>
+            <a:r>
+              <a:rPr kumimoji="1" lang="zh-CN" altLang="en-US" sz="1400"/>
+              <a:t> </a:t>
+            </a:r>
+            <a:r>
+              <a:rPr kumimoji="1" lang="en-US" altLang="zh-CN" sz="1400"/>
+              <a:t>:</a:t>
+            </a:r>
+            <a:r>
+              <a:rPr kumimoji="1" lang="zh-CN" altLang="en-US" sz="1400"/>
+              <a:t> </a:t>
+            </a:r>
+            <a:endParaRPr kumimoji="1" lang="en-US" altLang="zh-CN" sz="1400"/>
+          </a:p>
+          <a:p>
+            <a:r>
+              <a:rPr kumimoji="1" lang="en-US" altLang="zh-CN" sz="1400">
+                <a:solidFill>
+                  <a:schemeClr val="accent2"/>
+                </a:solidFill>
+              </a:rPr>
+              <a:t>vma-&gt;vm_start-(uintptr_t)proc-&gt;buffer</a:t>
+            </a:r>
+            <a:endParaRPr kumimoji="1" lang="zh-CN" altLang="en-US" sz="1400">
+              <a:solidFill>
+                <a:schemeClr val="accent2"/>
+              </a:solidFill>
+            </a:endParaRPr>
+          </a:p>
+        </p:txBody>
+      </p:sp>
+      <p:sp>
+        <p:nvSpPr>
+          <p:cNvPr id="296" name="文本框 295"/>
+          <p:cNvSpPr txBox="1"/>
+          <p:nvPr/>
+        </p:nvSpPr>
+        <p:spPr>
+          <a:xfrm>
+            <a:off x="15722095" y="23749262"/>
+            <a:ext cx="5595351" cy="307777"/>
+          </a:xfrm>
+          <a:prstGeom prst="rect">
+            <a:avLst/>
+          </a:prstGeom>
+          <a:noFill/>
+          <a:ln>
+            <a:solidFill>
+              <a:schemeClr val="tx1"/>
+            </a:solidFill>
+          </a:ln>
+        </p:spPr>
+        <p:txBody>
+          <a:bodyPr wrap="square" rtlCol="0">
+            <a:spAutoFit/>
+          </a:bodyPr>
+          <a:lstStyle/>
+          <a:p>
+            <a:r>
+              <a:rPr kumimoji="1" lang="en-US" altLang="zh-CN" sz="1400"/>
+              <a:t>struct</a:t>
+            </a:r>
+            <a:r>
+              <a:rPr kumimoji="1" lang="zh-CN" altLang="en-US" sz="1400"/>
+              <a:t> </a:t>
+            </a:r>
+            <a:r>
+              <a:rPr kumimoji="1" lang="en-US" altLang="zh-CN" sz="1400"/>
+              <a:t>page</a:t>
+            </a:r>
+            <a:r>
+              <a:rPr kumimoji="1" lang="zh-CN" altLang="en-US" sz="1400"/>
+              <a:t> ** </a:t>
+            </a:r>
+            <a:r>
+              <a:rPr kumimoji="1" lang="en-US" altLang="zh-CN" sz="1400"/>
+              <a:t>pages</a:t>
+            </a:r>
+            <a:r>
+              <a:rPr kumimoji="1" lang="en-US" altLang="zh-CN" sz="1400"/>
+              <a:t>:</a:t>
+            </a:r>
+            <a:endParaRPr kumimoji="1" lang="zh-CN" altLang="en-US" sz="1400">
+              <a:solidFill>
+                <a:schemeClr val="accent2"/>
+              </a:solidFill>
+            </a:endParaRPr>
+          </a:p>
+        </p:txBody>
+      </p:sp>
+      <p:grpSp>
+        <p:nvGrpSpPr>
+          <p:cNvPr id="90" name="组 89"/>
+          <p:cNvGrpSpPr/>
+          <p:nvPr/>
+        </p:nvGrpSpPr>
+        <p:grpSpPr>
+          <a:xfrm>
+            <a:off x="13576933" y="24051206"/>
+            <a:ext cx="1843881" cy="1571404"/>
+            <a:chOff x="12609011" y="23514445"/>
+            <a:chExt cx="1843881" cy="1571404"/>
+          </a:xfrm>
+        </p:grpSpPr>
+        <p:sp>
+          <p:nvSpPr>
+            <p:cNvPr id="297" name="文本框 296"/>
+            <p:cNvSpPr txBox="1"/>
+            <p:nvPr/>
+          </p:nvSpPr>
+          <p:spPr>
+            <a:xfrm>
+              <a:off x="12609011" y="23514445"/>
+              <a:ext cx="1840750" cy="307777"/>
+            </a:xfrm>
+            <a:prstGeom prst="rect">
+              <a:avLst/>
+            </a:prstGeom>
+            <a:noFill/>
+            <a:ln>
+              <a:solidFill>
+                <a:schemeClr val="tx1"/>
+              </a:solidFill>
+            </a:ln>
+          </p:spPr>
+          <p:txBody>
+            <a:bodyPr wrap="square" rtlCol="0">
+              <a:spAutoFit/>
+            </a:bodyPr>
+            <a:lstStyle/>
+            <a:p>
+              <a:r>
+                <a:rPr kumimoji="1" lang="en-US" altLang="zh-CN" sz="1400"/>
+                <a:t>struct</a:t>
+              </a:r>
+              <a:r>
+                <a:rPr kumimoji="1" lang="zh-CN" altLang="en-US" sz="1400"/>
+                <a:t> </a:t>
+              </a:r>
+              <a:r>
+                <a:rPr kumimoji="1" lang="en-US" altLang="zh-CN" sz="1400"/>
+                <a:t>page</a:t>
+              </a:r>
+              <a:r>
+                <a:rPr kumimoji="1" lang="zh-CN" altLang="en-US" sz="1400"/>
+                <a:t> *</a:t>
+              </a:r>
+              <a:r>
+                <a:rPr kumimoji="1" lang="en-US" altLang="zh-CN" sz="1400"/>
+                <a:t>page</a:t>
+              </a:r>
+              <a:r>
+                <a:rPr kumimoji="1" lang="en-US" altLang="zh-CN" sz="1400"/>
+                <a:t>:</a:t>
+              </a:r>
+              <a:endParaRPr kumimoji="1" lang="zh-CN" altLang="en-US" sz="1400">
+                <a:solidFill>
+                  <a:schemeClr val="accent2"/>
+                </a:solidFill>
+              </a:endParaRPr>
+            </a:p>
+          </p:txBody>
+        </p:sp>
+        <p:sp>
+          <p:nvSpPr>
+            <p:cNvPr id="298" name="文本框 297"/>
+            <p:cNvSpPr txBox="1"/>
+            <p:nvPr/>
+          </p:nvSpPr>
+          <p:spPr>
+            <a:xfrm>
+              <a:off x="12609011" y="23825436"/>
+              <a:ext cx="1840750" cy="954107"/>
+            </a:xfrm>
+            <a:prstGeom prst="rect">
+              <a:avLst/>
+            </a:prstGeom>
+            <a:noFill/>
+            <a:ln>
+              <a:solidFill>
+                <a:schemeClr val="tx1"/>
+              </a:solidFill>
+            </a:ln>
+          </p:spPr>
+          <p:txBody>
+            <a:bodyPr wrap="square" rtlCol="0">
+              <a:spAutoFit/>
+            </a:bodyPr>
+            <a:lstStyle/>
+            <a:p>
+              <a:pPr algn="ctr"/>
+              <a:r>
+                <a:rPr kumimoji="1" lang="is-IS" altLang="zh-CN" sz="1400"/>
+                <a:t>……</a:t>
+              </a:r>
+            </a:p>
+            <a:p>
+              <a:pPr algn="ctr"/>
+              <a:r>
+                <a:rPr kumimoji="1" lang="en-US" altLang="zh-CN" sz="1400"/>
+                <a:t>(vma-&gt;vm_end</a:t>
+              </a:r>
+              <a:r>
+                <a:rPr kumimoji="1" lang="zh-CN" altLang="en-US" sz="1400"/>
+                <a:t> </a:t>
+              </a:r>
+              <a:r>
+                <a:rPr kumimoji="1" lang="en-US" altLang="zh-CN" sz="1400"/>
+                <a:t>–</a:t>
+              </a:r>
+              <a:r>
+                <a:rPr kumimoji="1" lang="zh-CN" altLang="en-US" sz="1400"/>
+                <a:t> </a:t>
+              </a:r>
+              <a:endParaRPr kumimoji="1" lang="en-US" altLang="zh-CN" sz="1400"/>
+            </a:p>
+            <a:p>
+              <a:pPr algn="ctr"/>
+              <a:r>
+                <a:rPr kumimoji="1" lang="en-US" altLang="zh-CN" sz="1400"/>
+                <a:t>vma-&gt;vm_start)</a:t>
+              </a:r>
+              <a:r>
+                <a:rPr kumimoji="1" lang="zh-CN" altLang="en-US" sz="1400"/>
+                <a:t> </a:t>
+              </a:r>
+              <a:r>
+                <a:rPr kumimoji="1" lang="en-US" altLang="zh-CN" sz="1400"/>
+                <a:t>/</a:t>
+              </a:r>
+              <a:r>
+                <a:rPr kumimoji="1" lang="zh-CN" altLang="en-US" sz="1400"/>
+                <a:t> </a:t>
+              </a:r>
+              <a:endParaRPr kumimoji="1" lang="en-US" altLang="zh-CN" sz="1400"/>
+            </a:p>
+            <a:p>
+              <a:pPr algn="ctr"/>
+              <a:r>
+                <a:rPr kumimoji="1" lang="en-US" altLang="zh-CN" sz="1400"/>
+                <a:t>PAGE_SIZE</a:t>
+              </a:r>
+              <a:r>
+                <a:rPr kumimoji="1" lang="zh-CN" altLang="en-US" sz="1400"/>
+                <a:t>个</a:t>
+              </a:r>
+              <a:endParaRPr kumimoji="1" lang="zh-CN" altLang="en-US" sz="1400">
+                <a:solidFill>
+                  <a:schemeClr val="accent2"/>
+                </a:solidFill>
+              </a:endParaRPr>
+            </a:p>
+          </p:txBody>
+        </p:sp>
+        <p:sp>
+          <p:nvSpPr>
+            <p:cNvPr id="299" name="文本框 298"/>
+            <p:cNvSpPr txBox="1"/>
+            <p:nvPr/>
+          </p:nvSpPr>
+          <p:spPr>
+            <a:xfrm>
+              <a:off x="12612142" y="24778072"/>
+              <a:ext cx="1840750" cy="307777"/>
+            </a:xfrm>
+            <a:prstGeom prst="rect">
+              <a:avLst/>
+            </a:prstGeom>
+            <a:noFill/>
+            <a:ln>
+              <a:solidFill>
+                <a:schemeClr val="tx1"/>
+              </a:solidFill>
+            </a:ln>
+          </p:spPr>
+          <p:txBody>
+            <a:bodyPr wrap="square" rtlCol="0">
+              <a:spAutoFit/>
+            </a:bodyPr>
+            <a:lstStyle/>
+            <a:p>
+              <a:r>
+                <a:rPr kumimoji="1" lang="en-US" altLang="zh-CN" sz="1400"/>
+                <a:t>struct</a:t>
+              </a:r>
+              <a:r>
+                <a:rPr kumimoji="1" lang="zh-CN" altLang="en-US" sz="1400"/>
+                <a:t> </a:t>
+              </a:r>
+              <a:r>
+                <a:rPr kumimoji="1" lang="en-US" altLang="zh-CN" sz="1400"/>
+                <a:t>page</a:t>
+              </a:r>
+              <a:r>
+                <a:rPr kumimoji="1" lang="zh-CN" altLang="en-US" sz="1400"/>
+                <a:t> *</a:t>
+              </a:r>
+              <a:r>
+                <a:rPr kumimoji="1" lang="en-US" altLang="zh-CN" sz="1400"/>
+                <a:t>page</a:t>
+              </a:r>
+              <a:r>
+                <a:rPr kumimoji="1" lang="en-US" altLang="zh-CN" sz="1400"/>
+                <a:t>:</a:t>
+              </a:r>
+              <a:endParaRPr kumimoji="1" lang="zh-CN" altLang="en-US" sz="1400">
+                <a:solidFill>
+                  <a:schemeClr val="accent2"/>
+                </a:solidFill>
+              </a:endParaRPr>
+            </a:p>
+          </p:txBody>
+        </p:sp>
+      </p:grpSp>
+      <p:cxnSp>
+        <p:nvCxnSpPr>
+          <p:cNvPr id="301" name="直线箭头连接符 300"/>
+          <p:cNvCxnSpPr>
+            <a:stCxn id="296" idx="1"/>
+            <a:endCxn id="297" idx="3"/>
+          </p:cNvCxnSpPr>
+          <p:nvPr/>
+        </p:nvCxnSpPr>
+        <p:spPr>
+          <a:xfrm flipH="1">
+            <a:off x="15417683" y="23903151"/>
+            <a:ext cx="304412" cy="301944"/>
+          </a:xfrm>
+          <a:prstGeom prst="straightConnector1">
+            <a:avLst/>
+          </a:prstGeom>
+          <a:ln>
+            <a:tailEnd type="arrow"/>
+          </a:ln>
+        </p:spPr>
+        <p:style>
+          <a:lnRef idx="1">
+            <a:schemeClr val="accent1"/>
+          </a:lnRef>
+          <a:fillRef idx="0">
+            <a:schemeClr val="accent1"/>
+          </a:fillRef>
+          <a:effectRef idx="0">
+            <a:schemeClr val="accent1"/>
+          </a:effectRef>
+          <a:fontRef idx="minor">
+            <a:schemeClr val="tx1"/>
+          </a:fontRef>
+        </p:style>
+      </p:cxnSp>
+      <p:sp>
+        <p:nvSpPr>
+          <p:cNvPr id="306" name="文本框 305"/>
+          <p:cNvSpPr txBox="1"/>
+          <p:nvPr/>
+        </p:nvSpPr>
+        <p:spPr>
+          <a:xfrm>
+            <a:off x="15722095" y="24051206"/>
+            <a:ext cx="5595351" cy="307777"/>
+          </a:xfrm>
+          <a:prstGeom prst="rect">
+            <a:avLst/>
+          </a:prstGeom>
+          <a:noFill/>
+          <a:ln>
+            <a:solidFill>
+              <a:schemeClr val="tx1"/>
+            </a:solidFill>
+          </a:ln>
+        </p:spPr>
+        <p:txBody>
+          <a:bodyPr wrap="square" rtlCol="0">
+            <a:spAutoFit/>
+          </a:bodyPr>
+          <a:lstStyle/>
+          <a:p>
+            <a:r>
+              <a:rPr kumimoji="1" lang="en-US" altLang="zh-CN" sz="1400"/>
+              <a:t>size_t</a:t>
+            </a:r>
+            <a:r>
+              <a:rPr kumimoji="1" lang="zh-CN" altLang="en-US" sz="1400"/>
+              <a:t> </a:t>
+            </a:r>
+            <a:r>
+              <a:rPr kumimoji="1" lang="en-US" altLang="zh-CN" sz="1400"/>
+              <a:t>buffer_size</a:t>
+            </a:r>
+            <a:r>
+              <a:rPr kumimoji="1" lang="zh-CN" altLang="en-US" sz="1400"/>
+              <a:t> </a:t>
+            </a:r>
+            <a:r>
+              <a:rPr kumimoji="1" lang="en-US" altLang="zh-CN" sz="1400"/>
+              <a:t>:</a:t>
+            </a:r>
+            <a:r>
+              <a:rPr kumimoji="1" lang="zh-CN" altLang="en-US" sz="1400">
+                <a:solidFill>
+                  <a:schemeClr val="accent2"/>
+                </a:solidFill>
+              </a:rPr>
+              <a:t> </a:t>
+            </a:r>
+            <a:r>
+              <a:rPr kumimoji="1" lang="en-US" altLang="zh-CN" sz="1400">
+                <a:solidFill>
+                  <a:schemeClr val="accent2"/>
+                </a:solidFill>
+              </a:rPr>
+              <a:t>vma-&gt;vm_end</a:t>
+            </a:r>
+            <a:r>
+              <a:rPr kumimoji="1" lang="zh-CN" altLang="en-US" sz="1400">
+                <a:solidFill>
+                  <a:schemeClr val="accent2"/>
+                </a:solidFill>
+              </a:rPr>
+              <a:t> </a:t>
+            </a:r>
+            <a:r>
+              <a:rPr kumimoji="1" lang="en-US" altLang="zh-CN" sz="1400">
+                <a:solidFill>
+                  <a:schemeClr val="accent2"/>
+                </a:solidFill>
+              </a:rPr>
+              <a:t>–</a:t>
+            </a:r>
+            <a:r>
+              <a:rPr kumimoji="1" lang="zh-CN" altLang="en-US" sz="1400">
+                <a:solidFill>
+                  <a:schemeClr val="accent2"/>
+                </a:solidFill>
+              </a:rPr>
+              <a:t> </a:t>
+            </a:r>
+            <a:r>
+              <a:rPr kumimoji="1" lang="en-US" altLang="zh-CN" sz="1400">
+                <a:solidFill>
+                  <a:schemeClr val="accent2"/>
+                </a:solidFill>
+              </a:rPr>
+              <a:t>vma-&gt;vm_start</a:t>
+            </a:r>
+            <a:endParaRPr kumimoji="1" lang="zh-CN" altLang="en-US" sz="1400">
+              <a:solidFill>
+                <a:schemeClr val="accent2"/>
+              </a:solidFill>
+            </a:endParaRPr>
+          </a:p>
+        </p:txBody>
+      </p:sp>
+      <p:sp>
+        <p:nvSpPr>
+          <p:cNvPr id="307" name="文本框 306"/>
+          <p:cNvSpPr txBox="1"/>
+          <p:nvPr/>
+        </p:nvSpPr>
+        <p:spPr>
+          <a:xfrm>
+            <a:off x="15710821" y="24357744"/>
+            <a:ext cx="5606626" cy="307777"/>
+          </a:xfrm>
+          <a:prstGeom prst="rect">
+            <a:avLst/>
+          </a:prstGeom>
+          <a:noFill/>
+          <a:ln>
+            <a:noFill/>
+          </a:ln>
+        </p:spPr>
+        <p:txBody>
+          <a:bodyPr wrap="square" rtlCol="0">
+            <a:spAutoFit/>
+          </a:bodyPr>
+          <a:lstStyle/>
+          <a:p>
+            <a:r>
+              <a:rPr kumimoji="1" lang="en-US" altLang="zh-CN" sz="1400" b="1"/>
+              <a:t>struct</a:t>
+            </a:r>
+            <a:r>
+              <a:rPr kumimoji="1" lang="zh-CN" altLang="en-US" sz="1400" b="1"/>
+              <a:t> </a:t>
+            </a:r>
+            <a:r>
+              <a:rPr kumimoji="1" lang="en-US" altLang="zh-CN" sz="1400" b="1"/>
+              <a:t>list_head</a:t>
+            </a:r>
+            <a:r>
+              <a:rPr kumimoji="1" lang="zh-CN" altLang="en-US" sz="1400"/>
+              <a:t> </a:t>
+            </a:r>
+            <a:r>
+              <a:rPr kumimoji="1" lang="en-US" altLang="zh-CN" sz="1400"/>
+              <a:t>:</a:t>
+            </a:r>
+            <a:r>
+              <a:rPr kumimoji="1" lang="zh-CN" altLang="en-US" sz="1400"/>
+              <a:t> </a:t>
+            </a:r>
+            <a:r>
+              <a:rPr kumimoji="1" lang="en-US" altLang="zh-CN" sz="1400">
+                <a:solidFill>
+                  <a:schemeClr val="accent2"/>
+                </a:solidFill>
+              </a:rPr>
+              <a:t>buffers</a:t>
+            </a:r>
+            <a:endParaRPr kumimoji="1" lang="zh-CN" altLang="en-US" sz="1400">
+              <a:solidFill>
+                <a:schemeClr val="accent2"/>
+              </a:solidFill>
+            </a:endParaRPr>
+          </a:p>
+        </p:txBody>
+      </p:sp>
+      <p:sp>
+        <p:nvSpPr>
+          <p:cNvPr id="308" name="矩形 307"/>
+          <p:cNvSpPr/>
+          <p:nvPr/>
+        </p:nvSpPr>
+        <p:spPr>
+          <a:xfrm>
+            <a:off x="15720617" y="24358358"/>
+            <a:ext cx="5596830" cy="938186"/>
+          </a:xfrm>
+          <a:prstGeom prst="rect">
+            <a:avLst/>
+          </a:prstGeom>
+          <a:noFill/>
+          <a:ln>
+            <a:solidFill>
+              <a:schemeClr val="tx1"/>
+            </a:solidFill>
+          </a:ln>
+        </p:spPr>
+        <p:style>
+          <a:lnRef idx="2">
+            <a:schemeClr val="accent1">
+              <a:shade val="50000"/>
+            </a:schemeClr>
+          </a:lnRef>
+          <a:fillRef idx="1">
+            <a:schemeClr val="accent1"/>
+          </a:fillRef>
+          <a:effectRef idx="0">
+            <a:schemeClr val="accent1"/>
+          </a:effectRef>
+          <a:fontRef idx="minor">
+            <a:schemeClr val="lt1"/>
+          </a:fontRef>
+        </p:style>
+        <p:txBody>
+          <a:bodyPr rot="0" spcFirstLastPara="0" vertOverflow="overflow" horzOverflow="overflow" vert="horz" wrap="square" lIns="128016" tIns="64008" rIns="128016" bIns="64008" numCol="1" spcCol="0" rtlCol="0" fromWordArt="0" anchor="ctr" anchorCtr="0" forceAA="0" compatLnSpc="1">
+            <a:prstTxWarp prst="textNoShape">
+              <a:avLst/>
+            </a:prstTxWarp>
+            <a:noAutofit/>
+          </a:bodyPr>
+          <a:lstStyle/>
+          <a:p>
+            <a:pPr algn="ctr"/>
+            <a:endParaRPr kumimoji="1" lang="zh-CN" altLang="en-US" sz="1400"/>
+          </a:p>
+        </p:txBody>
+      </p:sp>
+      <p:sp>
+        <p:nvSpPr>
+          <p:cNvPr id="309" name="文本框 308"/>
+          <p:cNvSpPr txBox="1"/>
+          <p:nvPr/>
+        </p:nvSpPr>
+        <p:spPr>
+          <a:xfrm>
+            <a:off x="15785437" y="24622002"/>
+            <a:ext cx="5447038" cy="307777"/>
+          </a:xfrm>
+          <a:prstGeom prst="rect">
+            <a:avLst/>
+          </a:prstGeom>
+          <a:noFill/>
+          <a:ln>
+            <a:solidFill>
+              <a:schemeClr val="tx1"/>
+            </a:solidFill>
+          </a:ln>
+        </p:spPr>
+        <p:txBody>
+          <a:bodyPr wrap="square" rtlCol="0">
+            <a:spAutoFit/>
+          </a:bodyPr>
+          <a:lstStyle/>
+          <a:p>
+            <a:r>
+              <a:rPr kumimoji="1" lang="en-US" altLang="zh-CN" sz="1400"/>
+              <a:t>struct</a:t>
+            </a:r>
+            <a:r>
+              <a:rPr kumimoji="1" lang="zh-CN" altLang="en-US" sz="1400"/>
+              <a:t> </a:t>
+            </a:r>
+            <a:r>
+              <a:rPr kumimoji="1" lang="en-US" altLang="zh-CN" sz="1400"/>
+              <a:t>list_head</a:t>
+            </a:r>
+            <a:r>
+              <a:rPr kumimoji="1" lang="zh-CN" altLang="en-US" sz="1400"/>
+              <a:t> *</a:t>
+            </a:r>
+            <a:r>
+              <a:rPr kumimoji="1" lang="en-US" altLang="zh-CN" sz="1400"/>
+              <a:t>prev</a:t>
+            </a:r>
+            <a:r>
+              <a:rPr kumimoji="1" lang="zh-CN" altLang="en-US" sz="1400"/>
+              <a:t> </a:t>
+            </a:r>
+            <a:r>
+              <a:rPr kumimoji="1" lang="en-US" altLang="zh-CN" sz="1400"/>
+              <a:t>:</a:t>
+            </a:r>
+            <a:r>
+              <a:rPr kumimoji="1" lang="zh-CN" altLang="en-US" sz="1400"/>
+              <a:t> </a:t>
+            </a:r>
+            <a:r>
+              <a:rPr kumimoji="1" lang="en-US" altLang="zh-CN" sz="1400">
+                <a:solidFill>
+                  <a:schemeClr val="accent2"/>
+                </a:solidFill>
+              </a:rPr>
+              <a:t>entry</a:t>
+            </a:r>
+            <a:endParaRPr kumimoji="1" lang="zh-CN" altLang="en-US" sz="1400">
+              <a:solidFill>
+                <a:schemeClr val="accent2"/>
+              </a:solidFill>
+            </a:endParaRPr>
+          </a:p>
+        </p:txBody>
+      </p:sp>
+      <p:sp>
+        <p:nvSpPr>
+          <p:cNvPr id="310" name="文本框 309"/>
+          <p:cNvSpPr txBox="1"/>
+          <p:nvPr/>
+        </p:nvSpPr>
+        <p:spPr>
+          <a:xfrm>
+            <a:off x="15785437" y="24926539"/>
+            <a:ext cx="5447038" cy="307777"/>
+          </a:xfrm>
+          <a:prstGeom prst="rect">
+            <a:avLst/>
+          </a:prstGeom>
+          <a:noFill/>
+          <a:ln>
+            <a:solidFill>
+              <a:schemeClr val="tx1"/>
+            </a:solidFill>
+          </a:ln>
+        </p:spPr>
+        <p:txBody>
+          <a:bodyPr wrap="square" rtlCol="0">
+            <a:spAutoFit/>
+          </a:bodyPr>
+          <a:lstStyle/>
+          <a:p>
+            <a:r>
+              <a:rPr kumimoji="1" lang="en-US" altLang="zh-CN" sz="1400"/>
+              <a:t>struct</a:t>
+            </a:r>
+            <a:r>
+              <a:rPr kumimoji="1" lang="zh-CN" altLang="en-US" sz="1400"/>
+              <a:t> </a:t>
+            </a:r>
+            <a:r>
+              <a:rPr kumimoji="1" lang="en-US" altLang="zh-CN" sz="1400"/>
+              <a:t>list_head</a:t>
+            </a:r>
+            <a:r>
+              <a:rPr kumimoji="1" lang="zh-CN" altLang="en-US" sz="1400"/>
+              <a:t> *</a:t>
+            </a:r>
+            <a:r>
+              <a:rPr kumimoji="1" lang="en-US" altLang="zh-CN" sz="1400"/>
+              <a:t>next</a:t>
+            </a:r>
+            <a:r>
+              <a:rPr kumimoji="1" lang="zh-CN" altLang="en-US" sz="1400"/>
+              <a:t> </a:t>
+            </a:r>
+            <a:r>
+              <a:rPr kumimoji="1" lang="en-US" altLang="zh-CN" sz="1400"/>
+              <a:t>:</a:t>
+            </a:r>
+            <a:r>
+              <a:rPr kumimoji="1" lang="zh-CN" altLang="en-US" sz="1400"/>
+              <a:t> </a:t>
+            </a:r>
+            <a:r>
+              <a:rPr kumimoji="1" lang="en-US" altLang="zh-CN" sz="1400">
+                <a:solidFill>
+                  <a:schemeClr val="accent2"/>
+                </a:solidFill>
+              </a:rPr>
+              <a:t>entry</a:t>
+            </a:r>
+            <a:endParaRPr kumimoji="1" lang="zh-CN" altLang="en-US" sz="1400">
+              <a:solidFill>
+                <a:schemeClr val="accent2"/>
+              </a:solidFill>
+            </a:endParaRPr>
+          </a:p>
+        </p:txBody>
+      </p:sp>
+      <p:sp>
+        <p:nvSpPr>
+          <p:cNvPr id="311" name="文本框 310"/>
+          <p:cNvSpPr txBox="1"/>
+          <p:nvPr/>
+        </p:nvSpPr>
+        <p:spPr>
+          <a:xfrm>
+            <a:off x="12207327" y="21027845"/>
+            <a:ext cx="3250406" cy="307777"/>
+          </a:xfrm>
+          <a:prstGeom prst="rect">
+            <a:avLst/>
+          </a:prstGeom>
+          <a:noFill/>
+          <a:ln>
+            <a:noFill/>
+          </a:ln>
+        </p:spPr>
+        <p:txBody>
+          <a:bodyPr wrap="square" rtlCol="0">
+            <a:spAutoFit/>
+          </a:bodyPr>
+          <a:lstStyle/>
+          <a:p>
+            <a:r>
+              <a:rPr kumimoji="1" lang="en-US" altLang="zh-CN" sz="1400" b="1"/>
+              <a:t>struct</a:t>
+            </a:r>
+            <a:r>
+              <a:rPr kumimoji="1" lang="zh-CN" altLang="en-US" sz="1400" b="1"/>
+              <a:t> </a:t>
+            </a:r>
+            <a:r>
+              <a:rPr kumimoji="1" lang="en-US" altLang="zh-CN" sz="1400" b="1"/>
+              <a:t>vm_struct</a:t>
+            </a:r>
+            <a:r>
+              <a:rPr kumimoji="1" lang="zh-CN" altLang="en-US" sz="1400"/>
+              <a:t> </a:t>
+            </a:r>
+            <a:r>
+              <a:rPr kumimoji="1" lang="en-US" altLang="zh-CN" sz="1400"/>
+              <a:t>:</a:t>
+            </a:r>
+            <a:r>
+              <a:rPr kumimoji="1" lang="zh-CN" altLang="en-US" sz="1400"/>
+              <a:t> </a:t>
+            </a:r>
+            <a:r>
+              <a:rPr kumimoji="1" lang="en-US" altLang="zh-CN" sz="1400">
+                <a:solidFill>
+                  <a:schemeClr val="accent2"/>
+                </a:solidFill>
+              </a:rPr>
+              <a:t>area</a:t>
+            </a:r>
+            <a:endParaRPr kumimoji="1" lang="zh-CN" altLang="en-US" sz="1400">
+              <a:solidFill>
+                <a:schemeClr val="accent2"/>
+              </a:solidFill>
+            </a:endParaRPr>
+          </a:p>
+        </p:txBody>
+      </p:sp>
+      <p:sp>
+        <p:nvSpPr>
+          <p:cNvPr id="312" name="矩形 311"/>
+          <p:cNvSpPr/>
+          <p:nvPr/>
+        </p:nvSpPr>
+        <p:spPr>
+          <a:xfrm>
+            <a:off x="12215977" y="21028457"/>
+            <a:ext cx="3244726" cy="2717591"/>
+          </a:xfrm>
+          <a:prstGeom prst="rect">
+            <a:avLst/>
+          </a:prstGeom>
+          <a:noFill/>
+          <a:ln>
+            <a:solidFill>
+              <a:schemeClr val="tx1"/>
+            </a:solidFill>
+          </a:ln>
+        </p:spPr>
+        <p:style>
+          <a:lnRef idx="2">
+            <a:schemeClr val="accent1">
+              <a:shade val="50000"/>
+            </a:schemeClr>
+          </a:lnRef>
+          <a:fillRef idx="1">
+            <a:schemeClr val="accent1"/>
+          </a:fillRef>
+          <a:effectRef idx="0">
+            <a:schemeClr val="accent1"/>
+          </a:effectRef>
+          <a:fontRef idx="minor">
+            <a:schemeClr val="lt1"/>
+          </a:fontRef>
+        </p:style>
+        <p:txBody>
+          <a:bodyPr rot="0" spcFirstLastPara="0" vertOverflow="overflow" horzOverflow="overflow" vert="horz" wrap="square" lIns="128016" tIns="64008" rIns="128016" bIns="64008" numCol="1" spcCol="0" rtlCol="0" fromWordArt="0" anchor="ctr" anchorCtr="0" forceAA="0" compatLnSpc="1">
+            <a:prstTxWarp prst="textNoShape">
+              <a:avLst/>
+            </a:prstTxWarp>
+            <a:noAutofit/>
+          </a:bodyPr>
+          <a:lstStyle/>
+          <a:p>
+            <a:pPr algn="ctr"/>
+            <a:endParaRPr kumimoji="1" lang="zh-CN" altLang="en-US" sz="1400"/>
+          </a:p>
+        </p:txBody>
+      </p:sp>
+      <p:sp>
+        <p:nvSpPr>
+          <p:cNvPr id="325" name="文本框 324"/>
+          <p:cNvSpPr txBox="1"/>
+          <p:nvPr/>
+        </p:nvSpPr>
+        <p:spPr>
+          <a:xfrm>
+            <a:off x="12263268" y="21304803"/>
+            <a:ext cx="3157885" cy="307777"/>
+          </a:xfrm>
+          <a:prstGeom prst="rect">
+            <a:avLst/>
+          </a:prstGeom>
+          <a:noFill/>
+          <a:ln>
+            <a:solidFill>
+              <a:schemeClr val="tx1"/>
+            </a:solidFill>
+          </a:ln>
+        </p:spPr>
+        <p:txBody>
+          <a:bodyPr wrap="square" rtlCol="0">
+            <a:spAutoFit/>
+          </a:bodyPr>
+          <a:lstStyle/>
+          <a:p>
+            <a:r>
+              <a:rPr kumimoji="1" lang="en-US" altLang="zh-CN" sz="1400"/>
+              <a:t>void</a:t>
+            </a:r>
+            <a:r>
+              <a:rPr kumimoji="1" lang="zh-CN" altLang="en-US" sz="1400"/>
+              <a:t> *</a:t>
+            </a:r>
+            <a:r>
+              <a:rPr kumimoji="1" lang="en-US" altLang="zh-CN" sz="1400"/>
+              <a:t>addr</a:t>
+            </a:r>
+            <a:r>
+              <a:rPr kumimoji="1" lang="zh-CN" altLang="en-US" sz="1400"/>
+              <a:t> </a:t>
+            </a:r>
+            <a:r>
+              <a:rPr kumimoji="1" lang="en-US" altLang="zh-CN" sz="1400"/>
+              <a:t>:</a:t>
+            </a:r>
+            <a:endParaRPr kumimoji="1" lang="zh-CN" altLang="en-US" sz="1400">
+              <a:solidFill>
+                <a:schemeClr val="accent2"/>
+              </a:solidFill>
+            </a:endParaRPr>
+          </a:p>
+        </p:txBody>
+      </p:sp>
+      <p:sp>
+        <p:nvSpPr>
+          <p:cNvPr id="327" name="文本框 326"/>
+          <p:cNvSpPr txBox="1"/>
+          <p:nvPr/>
+        </p:nvSpPr>
+        <p:spPr>
+          <a:xfrm>
+            <a:off x="12263268" y="21609340"/>
+            <a:ext cx="3157885" cy="523220"/>
+          </a:xfrm>
+          <a:prstGeom prst="rect">
+            <a:avLst/>
+          </a:prstGeom>
+          <a:noFill/>
+          <a:ln>
+            <a:solidFill>
+              <a:schemeClr val="tx1"/>
+            </a:solidFill>
+          </a:ln>
+        </p:spPr>
+        <p:txBody>
+          <a:bodyPr wrap="square" rtlCol="0">
+            <a:spAutoFit/>
+          </a:bodyPr>
+          <a:lstStyle/>
+          <a:p>
+            <a:r>
+              <a:rPr kumimoji="1" lang="en-US" altLang="zh-CN" sz="1400"/>
+              <a:t>unsigned</a:t>
+            </a:r>
+            <a:r>
+              <a:rPr kumimoji="1" lang="zh-CN" altLang="en-US" sz="1400"/>
+              <a:t> </a:t>
+            </a:r>
+            <a:r>
+              <a:rPr kumimoji="1" lang="en-US" altLang="zh-CN" sz="1400"/>
+              <a:t>long</a:t>
+            </a:r>
+            <a:r>
+              <a:rPr kumimoji="1" lang="zh-CN" altLang="en-US" sz="1400"/>
+              <a:t> </a:t>
+            </a:r>
+            <a:r>
+              <a:rPr kumimoji="1" lang="en-US" altLang="zh-CN" sz="1400"/>
+              <a:t>size</a:t>
+            </a:r>
+            <a:r>
+              <a:rPr kumimoji="1" lang="zh-CN" altLang="en-US" sz="1400"/>
+              <a:t> </a:t>
+            </a:r>
+            <a:r>
+              <a:rPr kumimoji="1" lang="en-US" altLang="zh-CN" sz="1400"/>
+              <a:t>:</a:t>
+            </a:r>
+            <a:r>
+              <a:rPr kumimoji="1" lang="zh-CN" altLang="en-US" sz="1400"/>
+              <a:t> </a:t>
+            </a:r>
+            <a:r>
+              <a:rPr kumimoji="1" lang="en-US" altLang="zh-CN" sz="1400">
+                <a:solidFill>
+                  <a:schemeClr val="accent2"/>
+                </a:solidFill>
+              </a:rPr>
+              <a:t>vma-&gt;vm_end-vma-&gt;vm_start</a:t>
+            </a:r>
+            <a:endParaRPr kumimoji="1" lang="zh-CN" altLang="en-US" sz="1400">
+              <a:solidFill>
+                <a:schemeClr val="accent2"/>
+              </a:solidFill>
+            </a:endParaRPr>
+          </a:p>
+        </p:txBody>
+      </p:sp>
+      <p:sp>
+        <p:nvSpPr>
+          <p:cNvPr id="328" name="文本框 327"/>
+          <p:cNvSpPr txBox="1"/>
+          <p:nvPr/>
+        </p:nvSpPr>
+        <p:spPr>
+          <a:xfrm>
+            <a:off x="12270068" y="22141340"/>
+            <a:ext cx="3151085" cy="307777"/>
+          </a:xfrm>
+          <a:prstGeom prst="rect">
+            <a:avLst/>
+          </a:prstGeom>
+          <a:noFill/>
+          <a:ln>
+            <a:solidFill>
+              <a:schemeClr val="tx1"/>
+            </a:solidFill>
+          </a:ln>
+        </p:spPr>
+        <p:txBody>
+          <a:bodyPr wrap="square" rtlCol="0">
+            <a:spAutoFit/>
+          </a:bodyPr>
+          <a:lstStyle/>
+          <a:p>
+            <a:r>
+              <a:rPr kumimoji="1" lang="en-US" altLang="zh-CN" sz="1400"/>
+              <a:t>unsigned</a:t>
+            </a:r>
+            <a:r>
+              <a:rPr kumimoji="1" lang="zh-CN" altLang="en-US" sz="1400"/>
+              <a:t> </a:t>
+            </a:r>
+            <a:r>
+              <a:rPr kumimoji="1" lang="en-US" altLang="zh-CN" sz="1400"/>
+              <a:t>long</a:t>
+            </a:r>
+            <a:r>
+              <a:rPr kumimoji="1" lang="zh-CN" altLang="en-US" sz="1400"/>
+              <a:t> </a:t>
+            </a:r>
+            <a:r>
+              <a:rPr kumimoji="1" lang="en-US" altLang="zh-CN" sz="1400"/>
+              <a:t>flags</a:t>
+            </a:r>
+            <a:r>
+              <a:rPr kumimoji="1" lang="zh-CN" altLang="en-US" sz="1400"/>
+              <a:t> </a:t>
+            </a:r>
+            <a:r>
+              <a:rPr kumimoji="1" lang="en-US" altLang="zh-CN" sz="1400"/>
+              <a:t>:</a:t>
+            </a:r>
+            <a:r>
+              <a:rPr kumimoji="1" lang="zh-CN" altLang="en-US" sz="1400"/>
+              <a:t> </a:t>
+            </a:r>
+            <a:r>
+              <a:rPr kumimoji="1" lang="en-US" altLang="zh-CN" sz="1400">
+                <a:solidFill>
+                  <a:schemeClr val="accent2"/>
+                </a:solidFill>
+              </a:rPr>
+              <a:t>VM_IOREMAP</a:t>
+            </a:r>
+            <a:endParaRPr kumimoji="1" lang="zh-CN" altLang="en-US" sz="1400">
+              <a:solidFill>
+                <a:schemeClr val="accent2"/>
+              </a:solidFill>
+            </a:endParaRPr>
+          </a:p>
+        </p:txBody>
+      </p:sp>
+      <p:sp>
+        <p:nvSpPr>
+          <p:cNvPr id="329" name="文本框 328"/>
+          <p:cNvSpPr txBox="1"/>
+          <p:nvPr/>
+        </p:nvSpPr>
+        <p:spPr>
+          <a:xfrm>
+            <a:off x="12270068" y="22458577"/>
+            <a:ext cx="3151085" cy="307777"/>
+          </a:xfrm>
+          <a:prstGeom prst="rect">
+            <a:avLst/>
+          </a:prstGeom>
+          <a:noFill/>
+          <a:ln>
+            <a:solidFill>
+              <a:schemeClr val="tx1"/>
+            </a:solidFill>
+          </a:ln>
+        </p:spPr>
+        <p:txBody>
+          <a:bodyPr wrap="square" rtlCol="0">
+            <a:spAutoFit/>
+          </a:bodyPr>
+          <a:lstStyle/>
+          <a:p>
+            <a:r>
+              <a:rPr kumimoji="1" lang="en-US" altLang="zh-CN" sz="1400"/>
+              <a:t>struct</a:t>
+            </a:r>
+            <a:r>
+              <a:rPr kumimoji="1" lang="zh-CN" altLang="en-US" sz="1400"/>
+              <a:t> </a:t>
+            </a:r>
+            <a:r>
+              <a:rPr kumimoji="1" lang="en-US" altLang="zh-CN" sz="1400"/>
+              <a:t>page</a:t>
+            </a:r>
+            <a:r>
+              <a:rPr kumimoji="1" lang="zh-CN" altLang="en-US" sz="1400"/>
+              <a:t> **</a:t>
+            </a:r>
+            <a:r>
+              <a:rPr kumimoji="1" lang="en-US" altLang="zh-CN" sz="1400"/>
+              <a:t>pages</a:t>
+            </a:r>
+            <a:r>
+              <a:rPr kumimoji="1" lang="zh-CN" altLang="en-US" sz="1400"/>
+              <a:t> </a:t>
+            </a:r>
+            <a:r>
+              <a:rPr kumimoji="1" lang="en-US" altLang="zh-CN" sz="1400"/>
+              <a:t>:</a:t>
+            </a:r>
+            <a:r>
+              <a:rPr kumimoji="1" lang="zh-CN" altLang="en-US" sz="1400"/>
+              <a:t> </a:t>
+            </a:r>
+            <a:r>
+              <a:rPr kumimoji="1" lang="en-US" altLang="zh-CN" sz="1400">
+                <a:solidFill>
+                  <a:schemeClr val="accent2"/>
+                </a:solidFill>
+              </a:rPr>
+              <a:t>NULL</a:t>
+            </a:r>
+            <a:endParaRPr kumimoji="1" lang="zh-CN" altLang="en-US" sz="1400">
+              <a:solidFill>
+                <a:schemeClr val="accent2"/>
+              </a:solidFill>
+            </a:endParaRPr>
+          </a:p>
+        </p:txBody>
+      </p:sp>
+      <p:sp>
+        <p:nvSpPr>
+          <p:cNvPr id="330" name="文本框 329"/>
+          <p:cNvSpPr txBox="1"/>
+          <p:nvPr/>
+        </p:nvSpPr>
+        <p:spPr>
+          <a:xfrm>
+            <a:off x="12263268" y="22766923"/>
+            <a:ext cx="3157885" cy="307777"/>
+          </a:xfrm>
+          <a:prstGeom prst="rect">
+            <a:avLst/>
+          </a:prstGeom>
+          <a:noFill/>
+          <a:ln>
+            <a:solidFill>
+              <a:schemeClr val="tx1"/>
+            </a:solidFill>
+          </a:ln>
+        </p:spPr>
+        <p:txBody>
+          <a:bodyPr wrap="square" rtlCol="0">
+            <a:spAutoFit/>
+          </a:bodyPr>
+          <a:lstStyle/>
+          <a:p>
+            <a:r>
+              <a:rPr kumimoji="1" lang="en-US" altLang="zh-CN" sz="1400"/>
+              <a:t>unsigned</a:t>
+            </a:r>
+            <a:r>
+              <a:rPr kumimoji="1" lang="zh-CN" altLang="en-US" sz="1400"/>
+              <a:t> </a:t>
+            </a:r>
+            <a:r>
+              <a:rPr kumimoji="1" lang="en-US" altLang="zh-CN" sz="1400"/>
+              <a:t>int</a:t>
+            </a:r>
+            <a:r>
+              <a:rPr kumimoji="1" lang="zh-CN" altLang="en-US" sz="1400"/>
+              <a:t> </a:t>
+            </a:r>
+            <a:r>
+              <a:rPr kumimoji="1" lang="en-US" altLang="zh-CN" sz="1400"/>
+              <a:t>nr_pages</a:t>
+            </a:r>
+            <a:r>
+              <a:rPr kumimoji="1" lang="zh-CN" altLang="en-US" sz="1400"/>
+              <a:t> </a:t>
+            </a:r>
+            <a:r>
+              <a:rPr kumimoji="1" lang="en-US" altLang="zh-CN" sz="1400"/>
+              <a:t>:</a:t>
+            </a:r>
+            <a:r>
+              <a:rPr kumimoji="1" lang="zh-CN" altLang="en-US" sz="1400"/>
+              <a:t> </a:t>
+            </a:r>
+            <a:r>
+              <a:rPr kumimoji="1" lang="en-US" altLang="zh-CN" sz="1400">
+                <a:solidFill>
+                  <a:schemeClr val="accent2"/>
+                </a:solidFill>
+              </a:rPr>
+              <a:t>0</a:t>
+            </a:r>
+            <a:endParaRPr kumimoji="1" lang="zh-CN" altLang="en-US" sz="1400">
+              <a:solidFill>
+                <a:schemeClr val="accent2"/>
+              </a:solidFill>
+            </a:endParaRPr>
+          </a:p>
+        </p:txBody>
+      </p:sp>
+      <p:sp>
+        <p:nvSpPr>
+          <p:cNvPr id="331" name="文本框 330"/>
+          <p:cNvSpPr txBox="1"/>
+          <p:nvPr/>
+        </p:nvSpPr>
+        <p:spPr>
+          <a:xfrm>
+            <a:off x="12270068" y="23070323"/>
+            <a:ext cx="3151085" cy="307777"/>
+          </a:xfrm>
+          <a:prstGeom prst="rect">
+            <a:avLst/>
+          </a:prstGeom>
+          <a:noFill/>
+          <a:ln>
+            <a:solidFill>
+              <a:schemeClr val="tx1"/>
+            </a:solidFill>
+          </a:ln>
+        </p:spPr>
+        <p:txBody>
+          <a:bodyPr wrap="square" rtlCol="0">
+            <a:spAutoFit/>
+          </a:bodyPr>
+          <a:lstStyle/>
+          <a:p>
+            <a:r>
+              <a:rPr kumimoji="1" lang="en-US" altLang="zh-CN" sz="1400"/>
+              <a:t>unsigned</a:t>
+            </a:r>
+            <a:r>
+              <a:rPr kumimoji="1" lang="zh-CN" altLang="en-US" sz="1400"/>
+              <a:t> </a:t>
+            </a:r>
+            <a:r>
+              <a:rPr kumimoji="1" lang="en-US" altLang="zh-CN" sz="1400"/>
+              <a:t>long</a:t>
+            </a:r>
+            <a:r>
+              <a:rPr kumimoji="1" lang="zh-CN" altLang="en-US" sz="1400"/>
+              <a:t> </a:t>
+            </a:r>
+            <a:r>
+              <a:rPr kumimoji="1" lang="en-US" altLang="zh-CN" sz="1400"/>
+              <a:t>phys_addr</a:t>
+            </a:r>
+            <a:r>
+              <a:rPr kumimoji="1" lang="zh-CN" altLang="en-US" sz="1400"/>
+              <a:t> </a:t>
+            </a:r>
+            <a:r>
+              <a:rPr kumimoji="1" lang="en-US" altLang="zh-CN" sz="1400"/>
+              <a:t>:</a:t>
+            </a:r>
+            <a:r>
+              <a:rPr kumimoji="1" lang="zh-CN" altLang="en-US" sz="1400"/>
+              <a:t> </a:t>
+            </a:r>
+            <a:r>
+              <a:rPr kumimoji="1" lang="en-US" altLang="zh-CN" sz="1400">
+                <a:solidFill>
+                  <a:schemeClr val="accent2"/>
+                </a:solidFill>
+              </a:rPr>
+              <a:t>0</a:t>
+            </a:r>
+            <a:endParaRPr kumimoji="1" lang="zh-CN" altLang="en-US" sz="1400">
+              <a:solidFill>
+                <a:schemeClr val="accent2"/>
+              </a:solidFill>
+            </a:endParaRPr>
+          </a:p>
+        </p:txBody>
+      </p:sp>
+      <p:sp>
+        <p:nvSpPr>
+          <p:cNvPr id="332" name="文本框 331"/>
+          <p:cNvSpPr txBox="1"/>
+          <p:nvPr/>
+        </p:nvSpPr>
+        <p:spPr>
+          <a:xfrm>
+            <a:off x="12270068" y="23374860"/>
+            <a:ext cx="3151085" cy="307777"/>
+          </a:xfrm>
+          <a:prstGeom prst="rect">
+            <a:avLst/>
+          </a:prstGeom>
+          <a:noFill/>
+          <a:ln>
+            <a:solidFill>
+              <a:schemeClr val="tx1"/>
+            </a:solidFill>
+          </a:ln>
+        </p:spPr>
+        <p:txBody>
+          <a:bodyPr wrap="square" rtlCol="0">
+            <a:spAutoFit/>
+          </a:bodyPr>
+          <a:lstStyle/>
+          <a:p>
+            <a:r>
+              <a:rPr kumimoji="1" lang="en-US" altLang="zh-CN" sz="1400"/>
+              <a:t>struct</a:t>
+            </a:r>
+            <a:r>
+              <a:rPr kumimoji="1" lang="zh-CN" altLang="en-US" sz="1400"/>
+              <a:t> </a:t>
+            </a:r>
+            <a:r>
+              <a:rPr kumimoji="1" lang="en-US" altLang="zh-CN" sz="1400"/>
+              <a:t>vm_struct</a:t>
+            </a:r>
+            <a:r>
+              <a:rPr kumimoji="1" lang="zh-CN" altLang="en-US" sz="1400"/>
+              <a:t> *</a:t>
+            </a:r>
+            <a:r>
+              <a:rPr kumimoji="1" lang="en-US" altLang="zh-CN" sz="1400"/>
+              <a:t>next</a:t>
+            </a:r>
+            <a:r>
+              <a:rPr kumimoji="1" lang="zh-CN" altLang="en-US" sz="1400"/>
+              <a:t> </a:t>
+            </a:r>
+            <a:r>
+              <a:rPr kumimoji="1" lang="en-US" altLang="zh-CN" sz="1400"/>
+              <a:t>:</a:t>
+            </a:r>
+            <a:endParaRPr kumimoji="1" lang="zh-CN" altLang="en-US" sz="1400">
+              <a:solidFill>
+                <a:schemeClr val="accent2"/>
+              </a:solidFill>
+            </a:endParaRPr>
+          </a:p>
+        </p:txBody>
+      </p:sp>
+      <p:sp>
+        <p:nvSpPr>
+          <p:cNvPr id="333" name="文本框 332"/>
+          <p:cNvSpPr txBox="1"/>
+          <p:nvPr/>
+        </p:nvSpPr>
+        <p:spPr>
+          <a:xfrm>
+            <a:off x="8536352" y="21069666"/>
+            <a:ext cx="2381094" cy="307777"/>
+          </a:xfrm>
+          <a:prstGeom prst="rect">
+            <a:avLst/>
+          </a:prstGeom>
+          <a:noFill/>
+          <a:ln>
+            <a:noFill/>
+          </a:ln>
+        </p:spPr>
+        <p:txBody>
+          <a:bodyPr wrap="square" rtlCol="0">
+            <a:spAutoFit/>
+          </a:bodyPr>
+          <a:lstStyle/>
+          <a:p>
+            <a:r>
+              <a:rPr kumimoji="1" lang="zh-CN" altLang="en-US" sz="1400"/>
+              <a:t>一段大小为</a:t>
+            </a:r>
+            <a:r>
+              <a:rPr kumimoji="1" lang="en-US" altLang="zh-CN" sz="1400"/>
+              <a:t>size</a:t>
+            </a:r>
+            <a:r>
+              <a:rPr kumimoji="1" lang="zh-CN" altLang="en-US" sz="1400"/>
+              <a:t>的内核空间</a:t>
+            </a:r>
+            <a:endParaRPr kumimoji="1" lang="zh-CN" altLang="en-US" sz="1400">
+              <a:solidFill>
+                <a:schemeClr val="accent2"/>
+              </a:solidFill>
+            </a:endParaRPr>
+          </a:p>
+        </p:txBody>
+      </p:sp>
+      <p:sp>
+        <p:nvSpPr>
+          <p:cNvPr id="334" name="矩形 333"/>
+          <p:cNvSpPr/>
+          <p:nvPr/>
+        </p:nvSpPr>
+        <p:spPr>
+          <a:xfrm>
+            <a:off x="8519302" y="21037425"/>
+            <a:ext cx="3388306" cy="3727575"/>
+          </a:xfrm>
+          <a:prstGeom prst="rect">
+            <a:avLst/>
+          </a:prstGeom>
+          <a:noFill/>
+          <a:ln>
+            <a:solidFill>
+              <a:schemeClr val="tx1"/>
+            </a:solidFill>
+          </a:ln>
+        </p:spPr>
+        <p:style>
+          <a:lnRef idx="2">
+            <a:schemeClr val="accent1">
+              <a:shade val="50000"/>
+            </a:schemeClr>
+          </a:lnRef>
+          <a:fillRef idx="1">
+            <a:schemeClr val="accent1"/>
+          </a:fillRef>
+          <a:effectRef idx="0">
+            <a:schemeClr val="accent1"/>
+          </a:effectRef>
+          <a:fontRef idx="minor">
+            <a:schemeClr val="lt1"/>
+          </a:fontRef>
+        </p:style>
+        <p:txBody>
+          <a:bodyPr rot="0" spcFirstLastPara="0" vertOverflow="overflow" horzOverflow="overflow" vert="horz" wrap="square" lIns="128016" tIns="64008" rIns="128016" bIns="64008" numCol="1" spcCol="0" rtlCol="0" fromWordArt="0" anchor="ctr" anchorCtr="0" forceAA="0" compatLnSpc="1">
+            <a:prstTxWarp prst="textNoShape">
+              <a:avLst/>
+            </a:prstTxWarp>
+            <a:noAutofit/>
+          </a:bodyPr>
+          <a:lstStyle/>
+          <a:p>
+            <a:pPr algn="ctr"/>
+            <a:endParaRPr kumimoji="1" lang="zh-CN" altLang="en-US" sz="1400"/>
+          </a:p>
+        </p:txBody>
+      </p:sp>
+      <p:cxnSp>
+        <p:nvCxnSpPr>
+          <p:cNvPr id="113" name="直线箭头连接符 112"/>
+          <p:cNvCxnSpPr>
+            <a:stCxn id="325" idx="1"/>
+            <a:endCxn id="334" idx="3"/>
+          </p:cNvCxnSpPr>
+          <p:nvPr/>
+        </p:nvCxnSpPr>
+        <p:spPr>
+          <a:xfrm flipH="1">
+            <a:off x="11907608" y="21458692"/>
+            <a:ext cx="355660" cy="1442521"/>
+          </a:xfrm>
+          <a:prstGeom prst="straightConnector1">
+            <a:avLst/>
+          </a:prstGeom>
+          <a:ln>
+            <a:tailEnd type="triangle"/>
+          </a:ln>
+        </p:spPr>
+        <p:style>
+          <a:lnRef idx="1">
+            <a:schemeClr val="accent1"/>
+          </a:lnRef>
+          <a:fillRef idx="0">
+            <a:schemeClr val="accent1"/>
+          </a:fillRef>
+          <a:effectRef idx="0">
+            <a:schemeClr val="accent1"/>
+          </a:effectRef>
+          <a:fontRef idx="minor">
+            <a:schemeClr val="tx1"/>
+          </a:fontRef>
+        </p:style>
+      </p:cxnSp>
+      <p:cxnSp>
+        <p:nvCxnSpPr>
+          <p:cNvPr id="117" name="曲线连接符 116"/>
+          <p:cNvCxnSpPr>
+            <a:stCxn id="294" idx="1"/>
+            <a:endCxn id="334" idx="3"/>
+          </p:cNvCxnSpPr>
+          <p:nvPr/>
+        </p:nvCxnSpPr>
+        <p:spPr>
+          <a:xfrm rot="10800000">
+            <a:off x="11907609" y="22901214"/>
+            <a:ext cx="3814487" cy="173981"/>
+          </a:xfrm>
+          <a:prstGeom prst="curvedConnector3">
+            <a:avLst>
+              <a:gd name="adj1" fmla="val 50000"/>
+            </a:avLst>
+          </a:prstGeom>
+          <a:ln>
+            <a:tailEnd type="triangle"/>
+          </a:ln>
+        </p:spPr>
+        <p:style>
+          <a:lnRef idx="1">
+            <a:schemeClr val="accent1"/>
+          </a:lnRef>
+          <a:fillRef idx="0">
+            <a:schemeClr val="accent1"/>
+          </a:fillRef>
+          <a:effectRef idx="0">
+            <a:schemeClr val="accent1"/>
+          </a:effectRef>
+          <a:fontRef idx="minor">
+            <a:schemeClr val="tx1"/>
+          </a:fontRef>
+        </p:style>
+      </p:cxnSp>
+      <p:sp>
+        <p:nvSpPr>
+          <p:cNvPr id="341" name="文本框 340"/>
+          <p:cNvSpPr txBox="1"/>
+          <p:nvPr/>
+        </p:nvSpPr>
+        <p:spPr>
+          <a:xfrm>
+            <a:off x="8558851" y="21348905"/>
+            <a:ext cx="3311957" cy="307777"/>
+          </a:xfrm>
+          <a:prstGeom prst="rect">
+            <a:avLst/>
+          </a:prstGeom>
+          <a:noFill/>
+          <a:ln>
+            <a:noFill/>
+          </a:ln>
+        </p:spPr>
+        <p:txBody>
+          <a:bodyPr wrap="square" rtlCol="0">
+            <a:spAutoFit/>
+          </a:bodyPr>
+          <a:lstStyle/>
+          <a:p>
+            <a:r>
+              <a:rPr kumimoji="1" lang="en-US" altLang="zh-CN" sz="1400" b="1"/>
+              <a:t>struct</a:t>
+            </a:r>
+            <a:r>
+              <a:rPr kumimoji="1" lang="zh-CN" altLang="en-US" sz="1400" b="1"/>
+              <a:t> </a:t>
+            </a:r>
+            <a:r>
+              <a:rPr kumimoji="1" lang="en-US" altLang="zh-CN" sz="1400" b="1"/>
+              <a:t>list_head</a:t>
+            </a:r>
+            <a:r>
+              <a:rPr kumimoji="1" lang="zh-CN" altLang="en-US" sz="1400"/>
+              <a:t> </a:t>
+            </a:r>
+            <a:r>
+              <a:rPr kumimoji="1" lang="en-US" altLang="zh-CN" sz="1400"/>
+              <a:t>:</a:t>
+            </a:r>
+            <a:r>
+              <a:rPr kumimoji="1" lang="zh-CN" altLang="en-US" sz="1400"/>
+              <a:t> </a:t>
+            </a:r>
+            <a:r>
+              <a:rPr kumimoji="1" lang="en-US" altLang="zh-CN" sz="1400"/>
+              <a:t>entry</a:t>
+            </a:r>
+            <a:endParaRPr kumimoji="1" lang="zh-CN" altLang="en-US" sz="1400">
+              <a:solidFill>
+                <a:schemeClr val="accent2"/>
+              </a:solidFill>
+            </a:endParaRPr>
+          </a:p>
+        </p:txBody>
+      </p:sp>
+      <p:sp>
+        <p:nvSpPr>
+          <p:cNvPr id="342" name="矩形 341"/>
+          <p:cNvSpPr/>
+          <p:nvPr/>
+        </p:nvSpPr>
+        <p:spPr>
+          <a:xfrm>
+            <a:off x="8568647" y="21349519"/>
+            <a:ext cx="3306170" cy="938186"/>
+          </a:xfrm>
+          <a:prstGeom prst="rect">
+            <a:avLst/>
+          </a:prstGeom>
+          <a:noFill/>
+          <a:ln>
+            <a:solidFill>
+              <a:schemeClr val="tx1"/>
+            </a:solidFill>
+          </a:ln>
+        </p:spPr>
+        <p:style>
+          <a:lnRef idx="2">
+            <a:schemeClr val="accent1">
+              <a:shade val="50000"/>
+            </a:schemeClr>
+          </a:lnRef>
+          <a:fillRef idx="1">
+            <a:schemeClr val="accent1"/>
+          </a:fillRef>
+          <a:effectRef idx="0">
+            <a:schemeClr val="accent1"/>
+          </a:effectRef>
+          <a:fontRef idx="minor">
+            <a:schemeClr val="lt1"/>
+          </a:fontRef>
+        </p:style>
+        <p:txBody>
+          <a:bodyPr rot="0" spcFirstLastPara="0" vertOverflow="overflow" horzOverflow="overflow" vert="horz" wrap="square" lIns="128016" tIns="64008" rIns="128016" bIns="64008" numCol="1" spcCol="0" rtlCol="0" fromWordArt="0" anchor="ctr" anchorCtr="0" forceAA="0" compatLnSpc="1">
+            <a:prstTxWarp prst="textNoShape">
+              <a:avLst/>
+            </a:prstTxWarp>
+            <a:noAutofit/>
+          </a:bodyPr>
+          <a:lstStyle/>
+          <a:p>
+            <a:pPr algn="ctr"/>
+            <a:endParaRPr kumimoji="1" lang="zh-CN" altLang="en-US" sz="1400"/>
+          </a:p>
+        </p:txBody>
+      </p:sp>
+      <p:sp>
+        <p:nvSpPr>
+          <p:cNvPr id="343" name="文本框 342"/>
+          <p:cNvSpPr txBox="1"/>
+          <p:nvPr/>
+        </p:nvSpPr>
+        <p:spPr>
+          <a:xfrm>
+            <a:off x="8633467" y="21613163"/>
+            <a:ext cx="3217685" cy="307777"/>
+          </a:xfrm>
+          <a:prstGeom prst="rect">
+            <a:avLst/>
+          </a:prstGeom>
+          <a:noFill/>
+          <a:ln>
+            <a:solidFill>
+              <a:schemeClr val="tx1"/>
+            </a:solidFill>
+          </a:ln>
+        </p:spPr>
+        <p:txBody>
+          <a:bodyPr wrap="square" rtlCol="0">
+            <a:spAutoFit/>
+          </a:bodyPr>
+          <a:lstStyle/>
+          <a:p>
+            <a:r>
+              <a:rPr kumimoji="1" lang="en-US" altLang="zh-CN" sz="1400"/>
+              <a:t>struct</a:t>
+            </a:r>
+            <a:r>
+              <a:rPr kumimoji="1" lang="zh-CN" altLang="en-US" sz="1400"/>
+              <a:t> </a:t>
+            </a:r>
+            <a:r>
+              <a:rPr kumimoji="1" lang="en-US" altLang="zh-CN" sz="1400"/>
+              <a:t>list_head</a:t>
+            </a:r>
+            <a:r>
+              <a:rPr kumimoji="1" lang="zh-CN" altLang="en-US" sz="1400"/>
+              <a:t> *</a:t>
+            </a:r>
+            <a:r>
+              <a:rPr kumimoji="1" lang="en-US" altLang="zh-CN" sz="1400"/>
+              <a:t>prev</a:t>
+            </a:r>
+            <a:r>
+              <a:rPr kumimoji="1" lang="zh-CN" altLang="en-US" sz="1400"/>
+              <a:t> </a:t>
+            </a:r>
+            <a:r>
+              <a:rPr kumimoji="1" lang="en-US" altLang="zh-CN" sz="1400"/>
+              <a:t>:</a:t>
+            </a:r>
+            <a:endParaRPr kumimoji="1" lang="zh-CN" altLang="en-US" sz="1400">
+              <a:solidFill>
+                <a:schemeClr val="accent2"/>
+              </a:solidFill>
+            </a:endParaRPr>
+          </a:p>
+        </p:txBody>
+      </p:sp>
+      <p:sp>
+        <p:nvSpPr>
+          <p:cNvPr id="344" name="文本框 343"/>
+          <p:cNvSpPr txBox="1"/>
+          <p:nvPr/>
+        </p:nvSpPr>
+        <p:spPr>
+          <a:xfrm>
+            <a:off x="8633467" y="21917700"/>
+            <a:ext cx="3217685" cy="307777"/>
+          </a:xfrm>
+          <a:prstGeom prst="rect">
+            <a:avLst/>
+          </a:prstGeom>
+          <a:noFill/>
+          <a:ln>
+            <a:solidFill>
+              <a:schemeClr val="tx1"/>
+            </a:solidFill>
+          </a:ln>
+        </p:spPr>
+        <p:txBody>
+          <a:bodyPr wrap="square" rtlCol="0">
+            <a:spAutoFit/>
+          </a:bodyPr>
+          <a:lstStyle/>
+          <a:p>
+            <a:r>
+              <a:rPr kumimoji="1" lang="en-US" altLang="zh-CN" sz="1400"/>
+              <a:t>struct</a:t>
+            </a:r>
+            <a:r>
+              <a:rPr kumimoji="1" lang="zh-CN" altLang="en-US" sz="1400"/>
+              <a:t> </a:t>
+            </a:r>
+            <a:r>
+              <a:rPr kumimoji="1" lang="en-US" altLang="zh-CN" sz="1400"/>
+              <a:t>list_head</a:t>
+            </a:r>
+            <a:r>
+              <a:rPr kumimoji="1" lang="zh-CN" altLang="en-US" sz="1400"/>
+              <a:t> *</a:t>
+            </a:r>
+            <a:r>
+              <a:rPr kumimoji="1" lang="en-US" altLang="zh-CN" sz="1400"/>
+              <a:t>next</a:t>
+            </a:r>
+            <a:r>
+              <a:rPr kumimoji="1" lang="zh-CN" altLang="en-US" sz="1400"/>
+              <a:t> </a:t>
+            </a:r>
+            <a:r>
+              <a:rPr kumimoji="1" lang="en-US" altLang="zh-CN" sz="1400"/>
+              <a:t>:</a:t>
+            </a:r>
+            <a:endParaRPr kumimoji="1" lang="zh-CN" altLang="en-US" sz="1400">
+              <a:solidFill>
+                <a:schemeClr val="accent2"/>
+              </a:solidFill>
+            </a:endParaRPr>
+          </a:p>
+        </p:txBody>
+      </p:sp>
+      <p:sp>
+        <p:nvSpPr>
+          <p:cNvPr id="348" name="文本框 347"/>
+          <p:cNvSpPr txBox="1"/>
+          <p:nvPr/>
+        </p:nvSpPr>
+        <p:spPr>
+          <a:xfrm>
+            <a:off x="8563038" y="22291961"/>
+            <a:ext cx="3304720" cy="307777"/>
+          </a:xfrm>
+          <a:prstGeom prst="rect">
+            <a:avLst/>
+          </a:prstGeom>
+          <a:noFill/>
+          <a:ln>
+            <a:noFill/>
+          </a:ln>
+        </p:spPr>
+        <p:txBody>
+          <a:bodyPr wrap="square" rtlCol="0">
+            <a:spAutoFit/>
+          </a:bodyPr>
+          <a:lstStyle/>
+          <a:p>
+            <a:r>
+              <a:rPr kumimoji="1" lang="en-US" altLang="zh-CN" sz="1400" b="1"/>
+              <a:t>struct</a:t>
+            </a:r>
+            <a:r>
+              <a:rPr kumimoji="1" lang="zh-CN" altLang="en-US" sz="1400" b="1"/>
+              <a:t> </a:t>
+            </a:r>
+            <a:r>
+              <a:rPr kumimoji="1" lang="en-US" altLang="zh-CN" sz="1400" b="1"/>
+              <a:t>rb_node</a:t>
+            </a:r>
+            <a:r>
+              <a:rPr kumimoji="1" lang="zh-CN" altLang="en-US" sz="1400"/>
+              <a:t> </a:t>
+            </a:r>
+            <a:r>
+              <a:rPr kumimoji="1" lang="en-US" altLang="zh-CN" sz="1400"/>
+              <a:t>:</a:t>
+            </a:r>
+            <a:r>
+              <a:rPr kumimoji="1" lang="zh-CN" altLang="en-US" sz="1400"/>
+              <a:t> </a:t>
+            </a:r>
+            <a:r>
+              <a:rPr kumimoji="1" lang="en-US" altLang="zh-CN" sz="1400">
+                <a:solidFill>
+                  <a:schemeClr val="accent2"/>
+                </a:solidFill>
+              </a:rPr>
+              <a:t>rb_node</a:t>
+            </a:r>
+            <a:endParaRPr kumimoji="1" lang="zh-CN" altLang="en-US" sz="1400">
+              <a:solidFill>
+                <a:schemeClr val="accent2"/>
+              </a:solidFill>
+            </a:endParaRPr>
+          </a:p>
+        </p:txBody>
+      </p:sp>
+      <p:sp>
+        <p:nvSpPr>
+          <p:cNvPr id="349" name="矩形 348"/>
+          <p:cNvSpPr/>
+          <p:nvPr/>
+        </p:nvSpPr>
+        <p:spPr>
+          <a:xfrm>
+            <a:off x="8568647" y="22292576"/>
+            <a:ext cx="3301071" cy="1289014"/>
+          </a:xfrm>
+          <a:prstGeom prst="rect">
+            <a:avLst/>
+          </a:prstGeom>
+          <a:noFill/>
+          <a:ln>
+            <a:solidFill>
+              <a:schemeClr val="tx1"/>
+            </a:solidFill>
+          </a:ln>
+        </p:spPr>
+        <p:style>
+          <a:lnRef idx="2">
+            <a:schemeClr val="accent1">
+              <a:shade val="50000"/>
+            </a:schemeClr>
+          </a:lnRef>
+          <a:fillRef idx="1">
+            <a:schemeClr val="accent1"/>
+          </a:fillRef>
+          <a:effectRef idx="0">
+            <a:schemeClr val="accent1"/>
+          </a:effectRef>
+          <a:fontRef idx="minor">
+            <a:schemeClr val="lt1"/>
+          </a:fontRef>
+        </p:style>
+        <p:txBody>
+          <a:bodyPr rot="0" spcFirstLastPara="0" vertOverflow="overflow" horzOverflow="overflow" vert="horz" wrap="square" lIns="128016" tIns="64008" rIns="128016" bIns="64008" numCol="1" spcCol="0" rtlCol="0" fromWordArt="0" anchor="ctr" anchorCtr="0" forceAA="0" compatLnSpc="1">
+            <a:prstTxWarp prst="textNoShape">
+              <a:avLst/>
+            </a:prstTxWarp>
+            <a:noAutofit/>
+          </a:bodyPr>
+          <a:lstStyle/>
+          <a:p>
+            <a:pPr algn="ctr"/>
+            <a:endParaRPr kumimoji="1" lang="zh-CN" altLang="en-US" sz="1400"/>
+          </a:p>
+        </p:txBody>
+      </p:sp>
+      <p:sp>
+        <p:nvSpPr>
+          <p:cNvPr id="350" name="文本框 349"/>
+          <p:cNvSpPr txBox="1"/>
+          <p:nvPr/>
+        </p:nvSpPr>
+        <p:spPr>
+          <a:xfrm>
+            <a:off x="8622675" y="22899119"/>
+            <a:ext cx="3210653" cy="307777"/>
+          </a:xfrm>
+          <a:prstGeom prst="rect">
+            <a:avLst/>
+          </a:prstGeom>
+          <a:noFill/>
+          <a:ln>
+            <a:solidFill>
+              <a:schemeClr val="tx1"/>
+            </a:solidFill>
+          </a:ln>
+        </p:spPr>
+        <p:txBody>
+          <a:bodyPr wrap="square" rtlCol="0">
+            <a:spAutoFit/>
+          </a:bodyPr>
+          <a:lstStyle/>
+          <a:p>
+            <a:r>
+              <a:rPr kumimoji="1" lang="en-US" altLang="zh-CN" sz="1400"/>
+              <a:t>struct</a:t>
+            </a:r>
+            <a:r>
+              <a:rPr kumimoji="1" lang="zh-CN" altLang="en-US" sz="1400"/>
+              <a:t> </a:t>
+            </a:r>
+            <a:r>
+              <a:rPr kumimoji="1" lang="en-US" altLang="zh-CN" sz="1400"/>
+              <a:t>rb_node</a:t>
+            </a:r>
+            <a:r>
+              <a:rPr kumimoji="1" lang="zh-CN" altLang="en-US" sz="1400"/>
+              <a:t> *</a:t>
+            </a:r>
+            <a:r>
+              <a:rPr kumimoji="1" lang="en-US" altLang="zh-CN" sz="1400"/>
+              <a:t>rb_right</a:t>
+            </a:r>
+            <a:r>
+              <a:rPr kumimoji="1" lang="zh-CN" altLang="en-US" sz="1400"/>
+              <a:t> </a:t>
+            </a:r>
+            <a:r>
+              <a:rPr kumimoji="1" lang="en-US" altLang="zh-CN" sz="1400"/>
+              <a:t>:</a:t>
+            </a:r>
+            <a:endParaRPr kumimoji="1" lang="zh-CN" altLang="en-US" sz="1400">
+              <a:solidFill>
+                <a:schemeClr val="accent2"/>
+              </a:solidFill>
+            </a:endParaRPr>
+          </a:p>
+        </p:txBody>
+      </p:sp>
+      <p:sp>
+        <p:nvSpPr>
+          <p:cNvPr id="351" name="文本框 350"/>
+          <p:cNvSpPr txBox="1"/>
+          <p:nvPr/>
+        </p:nvSpPr>
+        <p:spPr>
+          <a:xfrm>
+            <a:off x="8628864" y="23203388"/>
+            <a:ext cx="3210653" cy="307777"/>
+          </a:xfrm>
+          <a:prstGeom prst="rect">
+            <a:avLst/>
+          </a:prstGeom>
+          <a:noFill/>
+          <a:ln>
+            <a:solidFill>
+              <a:schemeClr val="tx1"/>
+            </a:solidFill>
+          </a:ln>
+        </p:spPr>
+        <p:txBody>
+          <a:bodyPr wrap="square" rtlCol="0">
+            <a:spAutoFit/>
+          </a:bodyPr>
+          <a:lstStyle/>
+          <a:p>
+            <a:r>
+              <a:rPr kumimoji="1" lang="en-US" altLang="zh-CN" sz="1400"/>
+              <a:t>struct</a:t>
+            </a:r>
+            <a:r>
+              <a:rPr kumimoji="1" lang="zh-CN" altLang="en-US" sz="1400"/>
+              <a:t> </a:t>
+            </a:r>
+            <a:r>
+              <a:rPr kumimoji="1" lang="en-US" altLang="zh-CN" sz="1400"/>
+              <a:t>rb_node</a:t>
+            </a:r>
+            <a:r>
+              <a:rPr kumimoji="1" lang="zh-CN" altLang="en-US" sz="1400"/>
+              <a:t> *</a:t>
+            </a:r>
+            <a:r>
+              <a:rPr kumimoji="1" lang="en-US" altLang="zh-CN" sz="1400"/>
+              <a:t>rb_left</a:t>
+            </a:r>
+            <a:r>
+              <a:rPr kumimoji="1" lang="zh-CN" altLang="en-US" sz="1400"/>
+              <a:t> </a:t>
+            </a:r>
+            <a:r>
+              <a:rPr kumimoji="1" lang="en-US" altLang="zh-CN" sz="1400"/>
+              <a:t>:</a:t>
+            </a:r>
+            <a:endParaRPr kumimoji="1" lang="zh-CN" altLang="en-US" sz="1400">
+              <a:solidFill>
+                <a:schemeClr val="accent2"/>
+              </a:solidFill>
+            </a:endParaRPr>
+          </a:p>
+        </p:txBody>
+      </p:sp>
+      <p:sp>
+        <p:nvSpPr>
+          <p:cNvPr id="352" name="文本框 351"/>
+          <p:cNvSpPr txBox="1"/>
+          <p:nvPr/>
+        </p:nvSpPr>
+        <p:spPr>
+          <a:xfrm>
+            <a:off x="8628864" y="22584802"/>
+            <a:ext cx="3210653" cy="307777"/>
+          </a:xfrm>
+          <a:prstGeom prst="rect">
+            <a:avLst/>
+          </a:prstGeom>
+          <a:noFill/>
+          <a:ln>
+            <a:solidFill>
+              <a:schemeClr val="tx1"/>
+            </a:solidFill>
+          </a:ln>
+        </p:spPr>
+        <p:txBody>
+          <a:bodyPr wrap="square" rtlCol="0">
+            <a:spAutoFit/>
+          </a:bodyPr>
+          <a:lstStyle/>
+          <a:p>
+            <a:r>
+              <a:rPr kumimoji="1" lang="en-US" altLang="zh-CN" sz="1400"/>
+              <a:t>unsigned</a:t>
+            </a:r>
+            <a:r>
+              <a:rPr kumimoji="1" lang="zh-CN" altLang="en-US" sz="1400"/>
+              <a:t> </a:t>
+            </a:r>
+            <a:r>
+              <a:rPr kumimoji="1" lang="en-US" altLang="zh-CN" sz="1400"/>
+              <a:t>long</a:t>
+            </a:r>
+            <a:r>
+              <a:rPr kumimoji="1" lang="zh-CN" altLang="en-US" sz="1400"/>
+              <a:t> </a:t>
+            </a:r>
+            <a:r>
+              <a:rPr kumimoji="1" lang="en-US" altLang="zh-CN" sz="1400"/>
+              <a:t>rb_parent_color</a:t>
+            </a:r>
+            <a:r>
+              <a:rPr kumimoji="1" lang="zh-CN" altLang="en-US" sz="1400"/>
+              <a:t> </a:t>
+            </a:r>
+            <a:r>
+              <a:rPr kumimoji="1" lang="en-US" altLang="zh-CN" sz="1400"/>
+              <a:t>:</a:t>
+            </a:r>
+            <a:endParaRPr kumimoji="1" lang="zh-CN" altLang="en-US" sz="1400">
+              <a:solidFill>
+                <a:schemeClr val="accent2"/>
+              </a:solidFill>
+            </a:endParaRPr>
+          </a:p>
+        </p:txBody>
+      </p:sp>
+      <p:cxnSp>
+        <p:nvCxnSpPr>
+          <p:cNvPr id="353" name="曲线连接符 352"/>
+          <p:cNvCxnSpPr>
+            <a:stCxn id="309" idx="1"/>
+            <a:endCxn id="342" idx="3"/>
+          </p:cNvCxnSpPr>
+          <p:nvPr/>
+        </p:nvCxnSpPr>
+        <p:spPr>
+          <a:xfrm rot="10800000">
+            <a:off x="11874817" y="21818613"/>
+            <a:ext cx="3910620" cy="2957279"/>
+          </a:xfrm>
+          <a:prstGeom prst="curvedConnector3">
+            <a:avLst>
+              <a:gd name="adj1" fmla="val 50000"/>
+            </a:avLst>
+          </a:prstGeom>
+          <a:ln>
+            <a:tailEnd type="triangle"/>
+          </a:ln>
+        </p:spPr>
+        <p:style>
+          <a:lnRef idx="1">
+            <a:schemeClr val="accent1"/>
+          </a:lnRef>
+          <a:fillRef idx="0">
+            <a:schemeClr val="accent1"/>
+          </a:fillRef>
+          <a:effectRef idx="0">
+            <a:schemeClr val="accent1"/>
+          </a:effectRef>
+          <a:fontRef idx="minor">
+            <a:schemeClr val="tx1"/>
+          </a:fontRef>
+        </p:style>
+      </p:cxnSp>
+      <p:cxnSp>
+        <p:nvCxnSpPr>
+          <p:cNvPr id="355" name="曲线连接符 354"/>
+          <p:cNvCxnSpPr>
+            <a:stCxn id="310" idx="1"/>
+            <a:endCxn id="342" idx="3"/>
+          </p:cNvCxnSpPr>
+          <p:nvPr/>
+        </p:nvCxnSpPr>
+        <p:spPr>
+          <a:xfrm rot="10800000">
+            <a:off x="11874817" y="21818612"/>
+            <a:ext cx="3910620" cy="3261816"/>
+          </a:xfrm>
+          <a:prstGeom prst="curvedConnector3">
+            <a:avLst>
+              <a:gd name="adj1" fmla="val 50000"/>
+            </a:avLst>
+          </a:prstGeom>
+          <a:ln>
+            <a:tailEnd type="triangle"/>
+          </a:ln>
+        </p:spPr>
+        <p:style>
+          <a:lnRef idx="1">
+            <a:schemeClr val="accent1"/>
+          </a:lnRef>
+          <a:fillRef idx="0">
+            <a:schemeClr val="accent1"/>
+          </a:fillRef>
+          <a:effectRef idx="0">
+            <a:schemeClr val="accent1"/>
+          </a:effectRef>
+          <a:fontRef idx="minor">
+            <a:schemeClr val="tx1"/>
+          </a:fontRef>
+        </p:style>
+      </p:cxnSp>
+      <p:cxnSp>
+        <p:nvCxnSpPr>
+          <p:cNvPr id="359" name="曲线连接符 358"/>
+          <p:cNvCxnSpPr>
+            <a:stCxn id="344" idx="3"/>
+            <a:endCxn id="308" idx="1"/>
+          </p:cNvCxnSpPr>
+          <p:nvPr/>
+        </p:nvCxnSpPr>
+        <p:spPr>
+          <a:xfrm>
+            <a:off x="11851152" y="22071589"/>
+            <a:ext cx="3869465" cy="2755862"/>
+          </a:xfrm>
+          <a:prstGeom prst="curvedConnector3">
+            <a:avLst>
+              <a:gd name="adj1" fmla="val 50000"/>
+            </a:avLst>
+          </a:prstGeom>
+          <a:ln>
+            <a:tailEnd type="triangle"/>
+          </a:ln>
+        </p:spPr>
+        <p:style>
+          <a:lnRef idx="1">
+            <a:schemeClr val="accent1"/>
+          </a:lnRef>
+          <a:fillRef idx="0">
+            <a:schemeClr val="accent1"/>
+          </a:fillRef>
+          <a:effectRef idx="0">
+            <a:schemeClr val="accent1"/>
+          </a:effectRef>
+          <a:fontRef idx="minor">
+            <a:schemeClr val="tx1"/>
+          </a:fontRef>
+        </p:style>
+      </p:cxnSp>
+      <p:cxnSp>
+        <p:nvCxnSpPr>
+          <p:cNvPr id="360" name="曲线连接符 359"/>
+          <p:cNvCxnSpPr>
+            <a:stCxn id="343" idx="3"/>
+            <a:endCxn id="308" idx="1"/>
+          </p:cNvCxnSpPr>
+          <p:nvPr/>
+        </p:nvCxnSpPr>
+        <p:spPr>
+          <a:xfrm>
+            <a:off x="11851152" y="21767052"/>
+            <a:ext cx="3869465" cy="3060399"/>
+          </a:xfrm>
+          <a:prstGeom prst="curvedConnector3">
+            <a:avLst>
+              <a:gd name="adj1" fmla="val 50000"/>
+            </a:avLst>
+          </a:prstGeom>
+          <a:ln>
             <a:tailEnd type="triangle"/>
           </a:ln>
         </p:spPr>
@@ -16731,6 +19024,1532 @@
           <a:chExt cx="0" cy="0"/>
         </a:xfrm>
       </p:grpSpPr>
+      <p:grpSp>
+        <p:nvGrpSpPr>
+          <p:cNvPr id="41" name="组 40"/>
+          <p:cNvGrpSpPr/>
+          <p:nvPr/>
+        </p:nvGrpSpPr>
+        <p:grpSpPr>
+          <a:xfrm>
+            <a:off x="849458" y="786526"/>
+            <a:ext cx="5579238" cy="1740774"/>
+            <a:chOff x="849458" y="786526"/>
+            <a:chExt cx="5579238" cy="1740774"/>
+          </a:xfrm>
+        </p:grpSpPr>
+        <p:grpSp>
+          <p:nvGrpSpPr>
+            <p:cNvPr id="2" name="组 1"/>
+            <p:cNvGrpSpPr/>
+            <p:nvPr/>
+          </p:nvGrpSpPr>
+          <p:grpSpPr>
+            <a:xfrm>
+              <a:off x="849458" y="786527"/>
+              <a:ext cx="2607438" cy="1740773"/>
+              <a:chOff x="14247958" y="25221327"/>
+              <a:chExt cx="2607438" cy="1740773"/>
+            </a:xfrm>
+          </p:grpSpPr>
+          <p:sp>
+            <p:nvSpPr>
+              <p:cNvPr id="3" name="文本框 2"/>
+              <p:cNvSpPr txBox="1"/>
+              <p:nvPr/>
+            </p:nvSpPr>
+            <p:spPr>
+              <a:xfrm>
+                <a:off x="14247958" y="25221327"/>
+                <a:ext cx="2607438" cy="369332"/>
+              </a:xfrm>
+              <a:prstGeom prst="rect">
+                <a:avLst/>
+              </a:prstGeom>
+              <a:noFill/>
+            </p:spPr>
+            <p:txBody>
+              <a:bodyPr wrap="square" rtlCol="0">
+                <a:spAutoFit/>
+              </a:bodyPr>
+              <a:lstStyle/>
+              <a:p>
+                <a:r>
+                  <a:rPr kumimoji="1" lang="en-US" altLang="zh-CN" sz="1800" b="1"/>
+                  <a:t>struct</a:t>
+                </a:r>
+                <a:r>
+                  <a:rPr kumimoji="1" lang="zh-CN" altLang="en-US" sz="1800" b="1"/>
+                  <a:t> </a:t>
+                </a:r>
+                <a:r>
+                  <a:rPr kumimoji="1" lang="en-US" altLang="zh-CN" sz="1800" b="1"/>
+                  <a:t>my_list</a:t>
+                </a:r>
+                <a:r>
+                  <a:rPr kumimoji="1" lang="zh-CN" altLang="en-US" sz="1800"/>
+                  <a:t> </a:t>
+                </a:r>
+                <a:r>
+                  <a:rPr kumimoji="1" lang="en-US" altLang="zh-CN" sz="1800"/>
+                  <a:t>:</a:t>
+                </a:r>
+                <a:r>
+                  <a:rPr kumimoji="1" lang="zh-CN" altLang="en-US" sz="1800"/>
+                  <a:t> </a:t>
+                </a:r>
+                <a:r>
+                  <a:rPr kumimoji="1" lang="en-US" altLang="zh-CN" sz="1800">
+                    <a:solidFill>
+                      <a:schemeClr val="accent2"/>
+                    </a:solidFill>
+                  </a:rPr>
+                  <a:t>mylist1</a:t>
+                </a:r>
+                <a:endParaRPr kumimoji="1" lang="zh-CN" altLang="en-US" sz="1600">
+                  <a:solidFill>
+                    <a:schemeClr val="tx1">
+                      <a:lumMod val="50000"/>
+                      <a:lumOff val="50000"/>
+                    </a:schemeClr>
+                  </a:solidFill>
+                </a:endParaRPr>
+              </a:p>
+            </p:txBody>
+          </p:sp>
+          <p:sp>
+            <p:nvSpPr>
+              <p:cNvPr id="4" name="文本框 3"/>
+              <p:cNvSpPr txBox="1"/>
+              <p:nvPr/>
+            </p:nvSpPr>
+            <p:spPr>
+              <a:xfrm>
+                <a:off x="14320597" y="25654148"/>
+                <a:ext cx="2446184" cy="369332"/>
+              </a:xfrm>
+              <a:prstGeom prst="rect">
+                <a:avLst/>
+              </a:prstGeom>
+              <a:noFill/>
+              <a:ln>
+                <a:solidFill>
+                  <a:schemeClr val="tx1"/>
+                </a:solidFill>
+              </a:ln>
+            </p:spPr>
+            <p:txBody>
+              <a:bodyPr wrap="square" rtlCol="0">
+                <a:spAutoFit/>
+              </a:bodyPr>
+              <a:lstStyle/>
+              <a:p>
+                <a:r>
+                  <a:rPr kumimoji="1" lang="en-US" altLang="zh-CN" sz="1800"/>
+                  <a:t>my_list</a:t>
+                </a:r>
+                <a:r>
+                  <a:rPr kumimoji="1" lang="zh-CN" altLang="en-US" sz="1800"/>
+                  <a:t> *</a:t>
+                </a:r>
+                <a:r>
+                  <a:rPr kumimoji="1" lang="en-US" altLang="zh-CN" sz="1800"/>
+                  <a:t>next</a:t>
+                </a:r>
+                <a:r>
+                  <a:rPr kumimoji="1" lang="zh-CN" altLang="en-US" sz="1800"/>
+                  <a:t> </a:t>
+                </a:r>
+                <a:r>
+                  <a:rPr kumimoji="1" lang="en-US" altLang="zh-CN" sz="1800"/>
+                  <a:t>:</a:t>
+                </a:r>
+                <a:endParaRPr kumimoji="1" lang="zh-CN" altLang="en-US" sz="1800">
+                  <a:solidFill>
+                    <a:schemeClr val="accent2"/>
+                  </a:solidFill>
+                </a:endParaRPr>
+              </a:p>
+            </p:txBody>
+          </p:sp>
+          <p:sp>
+            <p:nvSpPr>
+              <p:cNvPr id="5" name="文本框 4"/>
+              <p:cNvSpPr txBox="1"/>
+              <p:nvPr/>
+            </p:nvSpPr>
+            <p:spPr>
+              <a:xfrm>
+                <a:off x="14320597" y="26018744"/>
+                <a:ext cx="2446184" cy="369332"/>
+              </a:xfrm>
+              <a:prstGeom prst="rect">
+                <a:avLst/>
+              </a:prstGeom>
+              <a:noFill/>
+              <a:ln>
+                <a:solidFill>
+                  <a:schemeClr val="tx1"/>
+                </a:solidFill>
+              </a:ln>
+            </p:spPr>
+            <p:txBody>
+              <a:bodyPr wrap="square" rtlCol="0">
+                <a:spAutoFit/>
+              </a:bodyPr>
+              <a:lstStyle/>
+              <a:p>
+                <a:r>
+                  <a:rPr kumimoji="1" lang="en-US" altLang="zh-CN" sz="1800"/>
+                  <a:t>my_list</a:t>
+                </a:r>
+                <a:r>
+                  <a:rPr kumimoji="1" lang="zh-CN" altLang="en-US" sz="1800"/>
+                  <a:t> *</a:t>
+                </a:r>
+                <a:r>
+                  <a:rPr kumimoji="1" lang="en-US" altLang="zh-CN" sz="1800"/>
+                  <a:t>prev:</a:t>
+                </a:r>
+                <a:endParaRPr kumimoji="1" lang="zh-CN" altLang="en-US" sz="1800">
+                  <a:solidFill>
+                    <a:schemeClr val="accent2"/>
+                  </a:solidFill>
+                </a:endParaRPr>
+              </a:p>
+            </p:txBody>
+          </p:sp>
+          <p:sp>
+            <p:nvSpPr>
+              <p:cNvPr id="6" name="矩形 5"/>
+              <p:cNvSpPr/>
+              <p:nvPr/>
+            </p:nvSpPr>
+            <p:spPr>
+              <a:xfrm>
+                <a:off x="14247958" y="25221327"/>
+                <a:ext cx="2604942" cy="1740773"/>
+              </a:xfrm>
+              <a:prstGeom prst="rect">
+                <a:avLst/>
+              </a:prstGeom>
+              <a:noFill/>
+              <a:ln>
+                <a:solidFill>
+                  <a:schemeClr val="tx1"/>
+                </a:solidFill>
+              </a:ln>
+            </p:spPr>
+            <p:style>
+              <a:lnRef idx="2">
+                <a:schemeClr val="accent1">
+                  <a:shade val="50000"/>
+                </a:schemeClr>
+              </a:lnRef>
+              <a:fillRef idx="1">
+                <a:schemeClr val="accent1"/>
+              </a:fillRef>
+              <a:effectRef idx="0">
+                <a:schemeClr val="accent1"/>
+              </a:effectRef>
+              <a:fontRef idx="minor">
+                <a:schemeClr val="lt1"/>
+              </a:fontRef>
+            </p:style>
+            <p:txBody>
+              <a:bodyPr rot="0" spcFirstLastPara="0" vertOverflow="overflow" horzOverflow="overflow" vert="horz" wrap="square" lIns="128016" tIns="64008" rIns="128016" bIns="64008" numCol="1" spcCol="0" rtlCol="0" fromWordArt="0" anchor="ctr" anchorCtr="0" forceAA="0" compatLnSpc="1">
+                <a:prstTxWarp prst="textNoShape">
+                  <a:avLst/>
+                </a:prstTxWarp>
+                <a:noAutofit/>
+              </a:bodyPr>
+              <a:lstStyle/>
+              <a:p>
+                <a:pPr algn="ctr"/>
+                <a:endParaRPr kumimoji="1" lang="zh-CN" altLang="en-US" sz="2964"/>
+              </a:p>
+            </p:txBody>
+          </p:sp>
+          <p:sp>
+            <p:nvSpPr>
+              <p:cNvPr id="7" name="文本框 6"/>
+              <p:cNvSpPr txBox="1"/>
+              <p:nvPr/>
+            </p:nvSpPr>
+            <p:spPr>
+              <a:xfrm>
+                <a:off x="14320597" y="26385162"/>
+                <a:ext cx="2446184" cy="369332"/>
+              </a:xfrm>
+              <a:prstGeom prst="rect">
+                <a:avLst/>
+              </a:prstGeom>
+              <a:noFill/>
+              <a:ln>
+                <a:solidFill>
+                  <a:schemeClr val="tx1"/>
+                </a:solidFill>
+              </a:ln>
+            </p:spPr>
+            <p:txBody>
+              <a:bodyPr wrap="square" rtlCol="0">
+                <a:spAutoFit/>
+              </a:bodyPr>
+              <a:lstStyle/>
+              <a:p>
+                <a:r>
+                  <a:rPr kumimoji="1" lang="is-IS" altLang="zh-CN" sz="1800"/>
+                  <a:t>……</a:t>
+                </a:r>
+                <a:r>
+                  <a:rPr kumimoji="1" lang="zh-CN" altLang="en-US" sz="1800"/>
+                  <a:t>业务逻辑字段</a:t>
+                </a:r>
+                <a:endParaRPr kumimoji="1" lang="zh-CN" altLang="en-US" sz="1800">
+                  <a:solidFill>
+                    <a:schemeClr val="accent2"/>
+                  </a:solidFill>
+                </a:endParaRPr>
+              </a:p>
+            </p:txBody>
+          </p:sp>
+        </p:grpSp>
+        <p:grpSp>
+          <p:nvGrpSpPr>
+            <p:cNvPr id="8" name="组 7"/>
+            <p:cNvGrpSpPr/>
+            <p:nvPr/>
+          </p:nvGrpSpPr>
+          <p:grpSpPr>
+            <a:xfrm>
+              <a:off x="3821258" y="786526"/>
+              <a:ext cx="2607438" cy="1740773"/>
+              <a:chOff x="14247958" y="25221327"/>
+              <a:chExt cx="2607438" cy="1740773"/>
+            </a:xfrm>
+          </p:grpSpPr>
+          <p:sp>
+            <p:nvSpPr>
+              <p:cNvPr id="9" name="文本框 8"/>
+              <p:cNvSpPr txBox="1"/>
+              <p:nvPr/>
+            </p:nvSpPr>
+            <p:spPr>
+              <a:xfrm>
+                <a:off x="14247958" y="25221327"/>
+                <a:ext cx="2607438" cy="369332"/>
+              </a:xfrm>
+              <a:prstGeom prst="rect">
+                <a:avLst/>
+              </a:prstGeom>
+              <a:noFill/>
+            </p:spPr>
+            <p:txBody>
+              <a:bodyPr wrap="square" rtlCol="0">
+                <a:spAutoFit/>
+              </a:bodyPr>
+              <a:lstStyle/>
+              <a:p>
+                <a:r>
+                  <a:rPr kumimoji="1" lang="en-US" altLang="zh-CN" sz="1800" b="1"/>
+                  <a:t>struct</a:t>
+                </a:r>
+                <a:r>
+                  <a:rPr kumimoji="1" lang="zh-CN" altLang="en-US" sz="1800" b="1"/>
+                  <a:t> </a:t>
+                </a:r>
+                <a:r>
+                  <a:rPr kumimoji="1" lang="en-US" altLang="zh-CN" sz="1800" b="1"/>
+                  <a:t>my_list</a:t>
+                </a:r>
+                <a:r>
+                  <a:rPr kumimoji="1" lang="zh-CN" altLang="en-US" sz="1800"/>
+                  <a:t> </a:t>
+                </a:r>
+                <a:r>
+                  <a:rPr kumimoji="1" lang="en-US" altLang="zh-CN" sz="1800"/>
+                  <a:t>:</a:t>
+                </a:r>
+                <a:r>
+                  <a:rPr kumimoji="1" lang="zh-CN" altLang="en-US" sz="1800"/>
+                  <a:t> </a:t>
+                </a:r>
+                <a:r>
+                  <a:rPr kumimoji="1" lang="en-US" altLang="zh-CN" sz="1800">
+                    <a:solidFill>
+                      <a:schemeClr val="accent2"/>
+                    </a:solidFill>
+                  </a:rPr>
+                  <a:t>mylist2</a:t>
+                </a:r>
+                <a:endParaRPr kumimoji="1" lang="zh-CN" altLang="en-US" sz="1600">
+                  <a:solidFill>
+                    <a:schemeClr val="tx1">
+                      <a:lumMod val="50000"/>
+                      <a:lumOff val="50000"/>
+                    </a:schemeClr>
+                  </a:solidFill>
+                </a:endParaRPr>
+              </a:p>
+            </p:txBody>
+          </p:sp>
+          <p:sp>
+            <p:nvSpPr>
+              <p:cNvPr id="10" name="文本框 9"/>
+              <p:cNvSpPr txBox="1"/>
+              <p:nvPr/>
+            </p:nvSpPr>
+            <p:spPr>
+              <a:xfrm>
+                <a:off x="14320597" y="25654148"/>
+                <a:ext cx="2446184" cy="369332"/>
+              </a:xfrm>
+              <a:prstGeom prst="rect">
+                <a:avLst/>
+              </a:prstGeom>
+              <a:noFill/>
+              <a:ln>
+                <a:solidFill>
+                  <a:schemeClr val="tx1"/>
+                </a:solidFill>
+              </a:ln>
+            </p:spPr>
+            <p:txBody>
+              <a:bodyPr wrap="square" rtlCol="0">
+                <a:spAutoFit/>
+              </a:bodyPr>
+              <a:lstStyle/>
+              <a:p>
+                <a:r>
+                  <a:rPr kumimoji="1" lang="en-US" altLang="zh-CN" sz="1800"/>
+                  <a:t>my_list</a:t>
+                </a:r>
+                <a:r>
+                  <a:rPr kumimoji="1" lang="zh-CN" altLang="en-US" sz="1800"/>
+                  <a:t> *</a:t>
+                </a:r>
+                <a:r>
+                  <a:rPr kumimoji="1" lang="en-US" altLang="zh-CN" sz="1800"/>
+                  <a:t>next</a:t>
+                </a:r>
+                <a:r>
+                  <a:rPr kumimoji="1" lang="zh-CN" altLang="en-US" sz="1800"/>
+                  <a:t> </a:t>
+                </a:r>
+                <a:r>
+                  <a:rPr kumimoji="1" lang="en-US" altLang="zh-CN" sz="1800"/>
+                  <a:t>:</a:t>
+                </a:r>
+                <a:endParaRPr kumimoji="1" lang="zh-CN" altLang="en-US" sz="1800">
+                  <a:solidFill>
+                    <a:schemeClr val="accent2"/>
+                  </a:solidFill>
+                </a:endParaRPr>
+              </a:p>
+            </p:txBody>
+          </p:sp>
+          <p:sp>
+            <p:nvSpPr>
+              <p:cNvPr id="11" name="文本框 10"/>
+              <p:cNvSpPr txBox="1"/>
+              <p:nvPr/>
+            </p:nvSpPr>
+            <p:spPr>
+              <a:xfrm>
+                <a:off x="14320597" y="26018744"/>
+                <a:ext cx="2446184" cy="369332"/>
+              </a:xfrm>
+              <a:prstGeom prst="rect">
+                <a:avLst/>
+              </a:prstGeom>
+              <a:noFill/>
+              <a:ln>
+                <a:solidFill>
+                  <a:schemeClr val="tx1"/>
+                </a:solidFill>
+              </a:ln>
+            </p:spPr>
+            <p:txBody>
+              <a:bodyPr wrap="square" rtlCol="0">
+                <a:spAutoFit/>
+              </a:bodyPr>
+              <a:lstStyle/>
+              <a:p>
+                <a:r>
+                  <a:rPr kumimoji="1" lang="en-US" altLang="zh-CN" sz="1800"/>
+                  <a:t>my_list</a:t>
+                </a:r>
+                <a:r>
+                  <a:rPr kumimoji="1" lang="zh-CN" altLang="en-US" sz="1800"/>
+                  <a:t> *</a:t>
+                </a:r>
+                <a:r>
+                  <a:rPr kumimoji="1" lang="en-US" altLang="zh-CN" sz="1800"/>
+                  <a:t>prev:</a:t>
+                </a:r>
+                <a:endParaRPr kumimoji="1" lang="zh-CN" altLang="en-US" sz="1800">
+                  <a:solidFill>
+                    <a:schemeClr val="accent2"/>
+                  </a:solidFill>
+                </a:endParaRPr>
+              </a:p>
+            </p:txBody>
+          </p:sp>
+          <p:sp>
+            <p:nvSpPr>
+              <p:cNvPr id="12" name="矩形 11"/>
+              <p:cNvSpPr/>
+              <p:nvPr/>
+            </p:nvSpPr>
+            <p:spPr>
+              <a:xfrm>
+                <a:off x="14247958" y="25221327"/>
+                <a:ext cx="2604942" cy="1740773"/>
+              </a:xfrm>
+              <a:prstGeom prst="rect">
+                <a:avLst/>
+              </a:prstGeom>
+              <a:noFill/>
+              <a:ln>
+                <a:solidFill>
+                  <a:schemeClr val="tx1"/>
+                </a:solidFill>
+              </a:ln>
+            </p:spPr>
+            <p:style>
+              <a:lnRef idx="2">
+                <a:schemeClr val="accent1">
+                  <a:shade val="50000"/>
+                </a:schemeClr>
+              </a:lnRef>
+              <a:fillRef idx="1">
+                <a:schemeClr val="accent1"/>
+              </a:fillRef>
+              <a:effectRef idx="0">
+                <a:schemeClr val="accent1"/>
+              </a:effectRef>
+              <a:fontRef idx="minor">
+                <a:schemeClr val="lt1"/>
+              </a:fontRef>
+            </p:style>
+            <p:txBody>
+              <a:bodyPr rot="0" spcFirstLastPara="0" vertOverflow="overflow" horzOverflow="overflow" vert="horz" wrap="square" lIns="128016" tIns="64008" rIns="128016" bIns="64008" numCol="1" spcCol="0" rtlCol="0" fromWordArt="0" anchor="ctr" anchorCtr="0" forceAA="0" compatLnSpc="1">
+                <a:prstTxWarp prst="textNoShape">
+                  <a:avLst/>
+                </a:prstTxWarp>
+                <a:noAutofit/>
+              </a:bodyPr>
+              <a:lstStyle/>
+              <a:p>
+                <a:pPr algn="ctr"/>
+                <a:endParaRPr kumimoji="1" lang="zh-CN" altLang="en-US" sz="2964"/>
+              </a:p>
+            </p:txBody>
+          </p:sp>
+          <p:sp>
+            <p:nvSpPr>
+              <p:cNvPr id="13" name="文本框 12"/>
+              <p:cNvSpPr txBox="1"/>
+              <p:nvPr/>
+            </p:nvSpPr>
+            <p:spPr>
+              <a:xfrm>
+                <a:off x="14320597" y="26385162"/>
+                <a:ext cx="2446184" cy="369332"/>
+              </a:xfrm>
+              <a:prstGeom prst="rect">
+                <a:avLst/>
+              </a:prstGeom>
+              <a:noFill/>
+              <a:ln>
+                <a:solidFill>
+                  <a:schemeClr val="tx1"/>
+                </a:solidFill>
+              </a:ln>
+            </p:spPr>
+            <p:txBody>
+              <a:bodyPr wrap="square" rtlCol="0">
+                <a:spAutoFit/>
+              </a:bodyPr>
+              <a:lstStyle/>
+              <a:p>
+                <a:r>
+                  <a:rPr kumimoji="1" lang="is-IS" altLang="zh-CN" sz="1800"/>
+                  <a:t>……</a:t>
+                </a:r>
+                <a:r>
+                  <a:rPr kumimoji="1" lang="zh-CN" altLang="en-US" sz="1800"/>
+                  <a:t>业务逻辑字段</a:t>
+                </a:r>
+                <a:endParaRPr kumimoji="1" lang="zh-CN" altLang="en-US" sz="1800">
+                  <a:solidFill>
+                    <a:schemeClr val="accent2"/>
+                  </a:solidFill>
+                </a:endParaRPr>
+              </a:p>
+            </p:txBody>
+          </p:sp>
+        </p:grpSp>
+        <p:cxnSp>
+          <p:nvCxnSpPr>
+            <p:cNvPr id="15" name="直线箭头连接符 14"/>
+            <p:cNvCxnSpPr>
+              <a:stCxn id="4" idx="3"/>
+              <a:endCxn id="12" idx="1"/>
+            </p:cNvCxnSpPr>
+            <p:nvPr/>
+          </p:nvCxnSpPr>
+          <p:spPr>
+            <a:xfrm>
+              <a:off x="3368281" y="1404014"/>
+              <a:ext cx="452977" cy="252899"/>
+            </a:xfrm>
+            <a:prstGeom prst="straightConnector1">
+              <a:avLst/>
+            </a:prstGeom>
+            <a:ln>
+              <a:tailEnd type="triangle"/>
+            </a:ln>
+          </p:spPr>
+          <p:style>
+            <a:lnRef idx="1">
+              <a:schemeClr val="accent1"/>
+            </a:lnRef>
+            <a:fillRef idx="0">
+              <a:schemeClr val="accent1"/>
+            </a:fillRef>
+            <a:effectRef idx="0">
+              <a:schemeClr val="accent1"/>
+            </a:effectRef>
+            <a:fontRef idx="minor">
+              <a:schemeClr val="tx1"/>
+            </a:fontRef>
+          </p:style>
+        </p:cxnSp>
+        <p:cxnSp>
+          <p:nvCxnSpPr>
+            <p:cNvPr id="17" name="直线箭头连接符 16"/>
+            <p:cNvCxnSpPr>
+              <a:stCxn id="11" idx="1"/>
+              <a:endCxn id="6" idx="3"/>
+            </p:cNvCxnSpPr>
+            <p:nvPr/>
+          </p:nvCxnSpPr>
+          <p:spPr>
+            <a:xfrm flipH="1" flipV="1">
+              <a:off x="3454400" y="1656914"/>
+              <a:ext cx="439497" cy="111695"/>
+            </a:xfrm>
+            <a:prstGeom prst="straightConnector1">
+              <a:avLst/>
+            </a:prstGeom>
+            <a:ln>
+              <a:tailEnd type="triangle"/>
+            </a:ln>
+          </p:spPr>
+          <p:style>
+            <a:lnRef idx="1">
+              <a:schemeClr val="accent1"/>
+            </a:lnRef>
+            <a:fillRef idx="0">
+              <a:schemeClr val="accent1"/>
+            </a:fillRef>
+            <a:effectRef idx="0">
+              <a:schemeClr val="accent1"/>
+            </a:effectRef>
+            <a:fontRef idx="minor">
+              <a:schemeClr val="tx1"/>
+            </a:fontRef>
+          </p:style>
+        </p:cxnSp>
+      </p:grpSp>
+      <p:grpSp>
+        <p:nvGrpSpPr>
+          <p:cNvPr id="42" name="组 41"/>
+          <p:cNvGrpSpPr/>
+          <p:nvPr/>
+        </p:nvGrpSpPr>
+        <p:grpSpPr>
+          <a:xfrm>
+            <a:off x="821562" y="3593227"/>
+            <a:ext cx="5599146" cy="2007473"/>
+            <a:chOff x="821562" y="3593227"/>
+            <a:chExt cx="5599146" cy="2007473"/>
+          </a:xfrm>
+        </p:grpSpPr>
+        <p:grpSp>
+          <p:nvGrpSpPr>
+            <p:cNvPr id="28" name="组 27"/>
+            <p:cNvGrpSpPr/>
+            <p:nvPr/>
+          </p:nvGrpSpPr>
+          <p:grpSpPr>
+            <a:xfrm>
+              <a:off x="821562" y="3593227"/>
+              <a:ext cx="2609934" cy="2007473"/>
+              <a:chOff x="821562" y="3593227"/>
+              <a:chExt cx="2609934" cy="2007473"/>
+            </a:xfrm>
+          </p:grpSpPr>
+          <p:sp>
+            <p:nvSpPr>
+              <p:cNvPr id="20" name="文本框 19"/>
+              <p:cNvSpPr txBox="1"/>
+              <p:nvPr/>
+            </p:nvSpPr>
+            <p:spPr>
+              <a:xfrm>
+                <a:off x="821562" y="3593227"/>
+                <a:ext cx="2609934" cy="369332"/>
+              </a:xfrm>
+              <a:prstGeom prst="rect">
+                <a:avLst/>
+              </a:prstGeom>
+              <a:noFill/>
+            </p:spPr>
+            <p:txBody>
+              <a:bodyPr wrap="square" rtlCol="0">
+                <a:spAutoFit/>
+              </a:bodyPr>
+              <a:lstStyle/>
+              <a:p>
+                <a:r>
+                  <a:rPr kumimoji="1" lang="en-US" altLang="zh-CN" sz="1800" b="1"/>
+                  <a:t>struct</a:t>
+                </a:r>
+                <a:r>
+                  <a:rPr kumimoji="1" lang="zh-CN" altLang="en-US" sz="1800" b="1"/>
+                  <a:t> </a:t>
+                </a:r>
+                <a:r>
+                  <a:rPr kumimoji="1" lang="en-US" altLang="zh-CN" sz="1800" b="1"/>
+                  <a:t>my_list</a:t>
+                </a:r>
+                <a:r>
+                  <a:rPr kumimoji="1" lang="zh-CN" altLang="en-US" sz="1800"/>
+                  <a:t> </a:t>
+                </a:r>
+                <a:r>
+                  <a:rPr kumimoji="1" lang="en-US" altLang="zh-CN" sz="1800"/>
+                  <a:t>:</a:t>
+                </a:r>
+                <a:r>
+                  <a:rPr kumimoji="1" lang="zh-CN" altLang="en-US" sz="1800"/>
+                  <a:t> </a:t>
+                </a:r>
+                <a:r>
+                  <a:rPr kumimoji="1" lang="en-US" altLang="zh-CN" sz="1800">
+                    <a:solidFill>
+                      <a:schemeClr val="accent2"/>
+                    </a:solidFill>
+                  </a:rPr>
+                  <a:t>mylist1</a:t>
+                </a:r>
+                <a:endParaRPr kumimoji="1" lang="zh-CN" altLang="en-US" sz="1600">
+                  <a:solidFill>
+                    <a:schemeClr val="tx1">
+                      <a:lumMod val="50000"/>
+                      <a:lumOff val="50000"/>
+                    </a:schemeClr>
+                  </a:solidFill>
+                </a:endParaRPr>
+              </a:p>
+            </p:txBody>
+          </p:sp>
+          <p:sp>
+            <p:nvSpPr>
+              <p:cNvPr id="21" name="文本框 20"/>
+              <p:cNvSpPr txBox="1"/>
+              <p:nvPr/>
+            </p:nvSpPr>
+            <p:spPr>
+              <a:xfrm>
+                <a:off x="947497" y="4662565"/>
+                <a:ext cx="2354503" cy="369332"/>
+              </a:xfrm>
+              <a:prstGeom prst="rect">
+                <a:avLst/>
+              </a:prstGeom>
+              <a:noFill/>
+              <a:ln>
+                <a:solidFill>
+                  <a:schemeClr val="tx1"/>
+                </a:solidFill>
+              </a:ln>
+            </p:spPr>
+            <p:txBody>
+              <a:bodyPr wrap="square" rtlCol="0">
+                <a:spAutoFit/>
+              </a:bodyPr>
+              <a:lstStyle/>
+              <a:p>
+                <a:r>
+                  <a:rPr kumimoji="1" lang="en-US" altLang="zh-CN" sz="1800"/>
+                  <a:t>my_list</a:t>
+                </a:r>
+                <a:r>
+                  <a:rPr kumimoji="1" lang="zh-CN" altLang="en-US" sz="1800"/>
+                  <a:t> *</a:t>
+                </a:r>
+                <a:r>
+                  <a:rPr kumimoji="1" lang="en-US" altLang="zh-CN" sz="1800"/>
+                  <a:t>next</a:t>
+                </a:r>
+                <a:r>
+                  <a:rPr kumimoji="1" lang="zh-CN" altLang="en-US" sz="1800"/>
+                  <a:t> </a:t>
+                </a:r>
+                <a:r>
+                  <a:rPr kumimoji="1" lang="en-US" altLang="zh-CN" sz="1800"/>
+                  <a:t>:</a:t>
+                </a:r>
+                <a:endParaRPr kumimoji="1" lang="zh-CN" altLang="en-US" sz="1800">
+                  <a:solidFill>
+                    <a:schemeClr val="accent2"/>
+                  </a:solidFill>
+                </a:endParaRPr>
+              </a:p>
+            </p:txBody>
+          </p:sp>
+          <p:sp>
+            <p:nvSpPr>
+              <p:cNvPr id="23" name="矩形 22"/>
+              <p:cNvSpPr/>
+              <p:nvPr/>
+            </p:nvSpPr>
+            <p:spPr>
+              <a:xfrm>
+                <a:off x="824058" y="3593227"/>
+                <a:ext cx="2604942" cy="2007473"/>
+              </a:xfrm>
+              <a:prstGeom prst="rect">
+                <a:avLst/>
+              </a:prstGeom>
+              <a:noFill/>
+              <a:ln>
+                <a:solidFill>
+                  <a:schemeClr val="tx1"/>
+                </a:solidFill>
+              </a:ln>
+            </p:spPr>
+            <p:style>
+              <a:lnRef idx="2">
+                <a:schemeClr val="accent1">
+                  <a:shade val="50000"/>
+                </a:schemeClr>
+              </a:lnRef>
+              <a:fillRef idx="1">
+                <a:schemeClr val="accent1"/>
+              </a:fillRef>
+              <a:effectRef idx="0">
+                <a:schemeClr val="accent1"/>
+              </a:effectRef>
+              <a:fontRef idx="minor">
+                <a:schemeClr val="lt1"/>
+              </a:fontRef>
+            </p:style>
+            <p:txBody>
+              <a:bodyPr rot="0" spcFirstLastPara="0" vertOverflow="overflow" horzOverflow="overflow" vert="horz" wrap="square" lIns="128016" tIns="64008" rIns="128016" bIns="64008" numCol="1" spcCol="0" rtlCol="0" fromWordArt="0" anchor="ctr" anchorCtr="0" forceAA="0" compatLnSpc="1">
+                <a:prstTxWarp prst="textNoShape">
+                  <a:avLst/>
+                </a:prstTxWarp>
+                <a:noAutofit/>
+              </a:bodyPr>
+              <a:lstStyle/>
+              <a:p>
+                <a:pPr algn="ctr"/>
+                <a:endParaRPr kumimoji="1" lang="zh-CN" altLang="en-US" sz="2964"/>
+              </a:p>
+            </p:txBody>
+          </p:sp>
+          <p:sp>
+            <p:nvSpPr>
+              <p:cNvPr id="24" name="文本框 23"/>
+              <p:cNvSpPr txBox="1"/>
+              <p:nvPr/>
+            </p:nvSpPr>
+            <p:spPr>
+              <a:xfrm>
+                <a:off x="896697" y="3960191"/>
+                <a:ext cx="2446184" cy="369332"/>
+              </a:xfrm>
+              <a:prstGeom prst="rect">
+                <a:avLst/>
+              </a:prstGeom>
+              <a:noFill/>
+              <a:ln>
+                <a:solidFill>
+                  <a:schemeClr val="tx1"/>
+                </a:solidFill>
+              </a:ln>
+            </p:spPr>
+            <p:txBody>
+              <a:bodyPr wrap="square" rtlCol="0">
+                <a:spAutoFit/>
+              </a:bodyPr>
+              <a:lstStyle/>
+              <a:p>
+                <a:r>
+                  <a:rPr kumimoji="1" lang="is-IS" altLang="zh-CN" sz="1800"/>
+                  <a:t>……</a:t>
+                </a:r>
+                <a:r>
+                  <a:rPr kumimoji="1" lang="zh-CN" altLang="en-US" sz="1800"/>
+                  <a:t>业务逻辑字段</a:t>
+                </a:r>
+                <a:endParaRPr kumimoji="1" lang="zh-CN" altLang="en-US" sz="1800">
+                  <a:solidFill>
+                    <a:schemeClr val="accent2"/>
+                  </a:solidFill>
+                </a:endParaRPr>
+              </a:p>
+            </p:txBody>
+          </p:sp>
+          <p:sp>
+            <p:nvSpPr>
+              <p:cNvPr id="25" name="矩形 24"/>
+              <p:cNvSpPr/>
+              <p:nvPr/>
+            </p:nvSpPr>
+            <p:spPr>
+              <a:xfrm>
+                <a:off x="902757" y="4335091"/>
+                <a:ext cx="2440124" cy="1164009"/>
+              </a:xfrm>
+              <a:prstGeom prst="rect">
+                <a:avLst/>
+              </a:prstGeom>
+              <a:noFill/>
+              <a:ln>
+                <a:solidFill>
+                  <a:schemeClr val="tx1"/>
+                </a:solidFill>
+              </a:ln>
+            </p:spPr>
+            <p:style>
+              <a:lnRef idx="2">
+                <a:schemeClr val="accent1">
+                  <a:shade val="50000"/>
+                </a:schemeClr>
+              </a:lnRef>
+              <a:fillRef idx="1">
+                <a:schemeClr val="accent1"/>
+              </a:fillRef>
+              <a:effectRef idx="0">
+                <a:schemeClr val="accent1"/>
+              </a:effectRef>
+              <a:fontRef idx="minor">
+                <a:schemeClr val="lt1"/>
+              </a:fontRef>
+            </p:style>
+            <p:txBody>
+              <a:bodyPr rot="0" spcFirstLastPara="0" vertOverflow="overflow" horzOverflow="overflow" vert="horz" wrap="square" lIns="128016" tIns="64008" rIns="128016" bIns="64008" numCol="1" spcCol="0" rtlCol="0" fromWordArt="0" anchor="ctr" anchorCtr="0" forceAA="0" compatLnSpc="1">
+                <a:prstTxWarp prst="textNoShape">
+                  <a:avLst/>
+                </a:prstTxWarp>
+                <a:noAutofit/>
+              </a:bodyPr>
+              <a:lstStyle/>
+              <a:p>
+                <a:pPr algn="ctr"/>
+                <a:endParaRPr kumimoji="1" lang="zh-CN" altLang="en-US" sz="2964"/>
+              </a:p>
+            </p:txBody>
+          </p:sp>
+          <p:sp>
+            <p:nvSpPr>
+              <p:cNvPr id="26" name="文本框 25"/>
+              <p:cNvSpPr txBox="1"/>
+              <p:nvPr/>
+            </p:nvSpPr>
+            <p:spPr>
+              <a:xfrm>
+                <a:off x="922097" y="4314614"/>
+                <a:ext cx="2420784" cy="369332"/>
+              </a:xfrm>
+              <a:prstGeom prst="rect">
+                <a:avLst/>
+              </a:prstGeom>
+              <a:noFill/>
+            </p:spPr>
+            <p:txBody>
+              <a:bodyPr wrap="square" rtlCol="0">
+                <a:spAutoFit/>
+              </a:bodyPr>
+              <a:lstStyle/>
+              <a:p>
+                <a:r>
+                  <a:rPr kumimoji="1" lang="en-US" altLang="zh-CN" sz="1800" b="1"/>
+                  <a:t>struct</a:t>
+                </a:r>
+                <a:r>
+                  <a:rPr kumimoji="1" lang="zh-CN" altLang="en-US" sz="1800" b="1"/>
+                  <a:t> </a:t>
+                </a:r>
+                <a:r>
+                  <a:rPr kumimoji="1" lang="en-US" altLang="zh-CN" sz="1800" b="1"/>
+                  <a:t>list_head</a:t>
+                </a:r>
+                <a:r>
+                  <a:rPr kumimoji="1" lang="zh-CN" altLang="en-US" sz="1800"/>
+                  <a:t> </a:t>
+                </a:r>
+                <a:r>
+                  <a:rPr kumimoji="1" lang="en-US" altLang="zh-CN" sz="1800"/>
+                  <a:t>:</a:t>
+                </a:r>
+                <a:r>
+                  <a:rPr kumimoji="1" lang="zh-CN" altLang="en-US" sz="1800"/>
+                  <a:t> </a:t>
+                </a:r>
+                <a:r>
+                  <a:rPr kumimoji="1" lang="en-US" altLang="zh-CN" sz="1800">
+                    <a:solidFill>
+                      <a:schemeClr val="accent2"/>
+                    </a:solidFill>
+                  </a:rPr>
+                  <a:t>list</a:t>
+                </a:r>
+                <a:endParaRPr kumimoji="1" lang="zh-CN" altLang="en-US" sz="1600">
+                  <a:solidFill>
+                    <a:schemeClr val="tx1">
+                      <a:lumMod val="50000"/>
+                      <a:lumOff val="50000"/>
+                    </a:schemeClr>
+                  </a:solidFill>
+                </a:endParaRPr>
+              </a:p>
+            </p:txBody>
+          </p:sp>
+          <p:sp>
+            <p:nvSpPr>
+              <p:cNvPr id="27" name="文本框 26"/>
+              <p:cNvSpPr txBox="1"/>
+              <p:nvPr/>
+            </p:nvSpPr>
+            <p:spPr>
+              <a:xfrm>
+                <a:off x="947500" y="5026118"/>
+                <a:ext cx="2354503" cy="369332"/>
+              </a:xfrm>
+              <a:prstGeom prst="rect">
+                <a:avLst/>
+              </a:prstGeom>
+              <a:noFill/>
+              <a:ln>
+                <a:solidFill>
+                  <a:schemeClr val="tx1"/>
+                </a:solidFill>
+              </a:ln>
+            </p:spPr>
+            <p:txBody>
+              <a:bodyPr wrap="square" rtlCol="0">
+                <a:spAutoFit/>
+              </a:bodyPr>
+              <a:lstStyle/>
+              <a:p>
+                <a:r>
+                  <a:rPr kumimoji="1" lang="en-US" altLang="zh-CN" sz="1800"/>
+                  <a:t>my_list</a:t>
+                </a:r>
+                <a:r>
+                  <a:rPr kumimoji="1" lang="zh-CN" altLang="en-US" sz="1800"/>
+                  <a:t> *</a:t>
+                </a:r>
+                <a:r>
+                  <a:rPr kumimoji="1" lang="en-US" altLang="zh-CN" sz="1800"/>
+                  <a:t>prev</a:t>
+                </a:r>
+                <a:r>
+                  <a:rPr kumimoji="1" lang="zh-CN" altLang="en-US" sz="1800"/>
+                  <a:t> </a:t>
+                </a:r>
+                <a:r>
+                  <a:rPr kumimoji="1" lang="en-US" altLang="zh-CN" sz="1800"/>
+                  <a:t>:</a:t>
+                </a:r>
+                <a:endParaRPr kumimoji="1" lang="zh-CN" altLang="en-US" sz="1800">
+                  <a:solidFill>
+                    <a:schemeClr val="accent2"/>
+                  </a:solidFill>
+                </a:endParaRPr>
+              </a:p>
+            </p:txBody>
+          </p:sp>
+        </p:grpSp>
+        <p:grpSp>
+          <p:nvGrpSpPr>
+            <p:cNvPr id="29" name="组 28"/>
+            <p:cNvGrpSpPr/>
+            <p:nvPr/>
+          </p:nvGrpSpPr>
+          <p:grpSpPr>
+            <a:xfrm>
+              <a:off x="3813270" y="3593227"/>
+              <a:ext cx="2607438" cy="2007473"/>
+              <a:chOff x="824058" y="3593227"/>
+              <a:chExt cx="2607438" cy="2007473"/>
+            </a:xfrm>
+          </p:grpSpPr>
+          <p:sp>
+            <p:nvSpPr>
+              <p:cNvPr id="30" name="文本框 29"/>
+              <p:cNvSpPr txBox="1"/>
+              <p:nvPr/>
+            </p:nvSpPr>
+            <p:spPr>
+              <a:xfrm>
+                <a:off x="832046" y="3593227"/>
+                <a:ext cx="2599450" cy="369332"/>
+              </a:xfrm>
+              <a:prstGeom prst="rect">
+                <a:avLst/>
+              </a:prstGeom>
+              <a:noFill/>
+            </p:spPr>
+            <p:txBody>
+              <a:bodyPr wrap="square" rtlCol="0">
+                <a:spAutoFit/>
+              </a:bodyPr>
+              <a:lstStyle/>
+              <a:p>
+                <a:r>
+                  <a:rPr kumimoji="1" lang="en-US" altLang="zh-CN" sz="1800" b="1"/>
+                  <a:t>struct</a:t>
+                </a:r>
+                <a:r>
+                  <a:rPr kumimoji="1" lang="zh-CN" altLang="en-US" sz="1800" b="1"/>
+                  <a:t> </a:t>
+                </a:r>
+                <a:r>
+                  <a:rPr kumimoji="1" lang="en-US" altLang="zh-CN" sz="1800" b="1"/>
+                  <a:t>my_list</a:t>
+                </a:r>
+                <a:r>
+                  <a:rPr kumimoji="1" lang="zh-CN" altLang="en-US" sz="1800"/>
+                  <a:t> </a:t>
+                </a:r>
+                <a:r>
+                  <a:rPr kumimoji="1" lang="en-US" altLang="zh-CN" sz="1800"/>
+                  <a:t>:</a:t>
+                </a:r>
+                <a:r>
+                  <a:rPr kumimoji="1" lang="zh-CN" altLang="en-US" sz="1800"/>
+                  <a:t> </a:t>
+                </a:r>
+                <a:r>
+                  <a:rPr kumimoji="1" lang="en-US" altLang="zh-CN" sz="1800">
+                    <a:solidFill>
+                      <a:schemeClr val="accent2"/>
+                    </a:solidFill>
+                  </a:rPr>
+                  <a:t>mylist2</a:t>
+                </a:r>
+                <a:endParaRPr kumimoji="1" lang="zh-CN" altLang="en-US" sz="1600">
+                  <a:solidFill>
+                    <a:schemeClr val="tx1">
+                      <a:lumMod val="50000"/>
+                      <a:lumOff val="50000"/>
+                    </a:schemeClr>
+                  </a:solidFill>
+                </a:endParaRPr>
+              </a:p>
+            </p:txBody>
+          </p:sp>
+          <p:sp>
+            <p:nvSpPr>
+              <p:cNvPr id="31" name="文本框 30"/>
+              <p:cNvSpPr txBox="1"/>
+              <p:nvPr/>
+            </p:nvSpPr>
+            <p:spPr>
+              <a:xfrm>
+                <a:off x="947497" y="4662565"/>
+                <a:ext cx="2354503" cy="369332"/>
+              </a:xfrm>
+              <a:prstGeom prst="rect">
+                <a:avLst/>
+              </a:prstGeom>
+              <a:noFill/>
+              <a:ln>
+                <a:solidFill>
+                  <a:schemeClr val="tx1"/>
+                </a:solidFill>
+              </a:ln>
+            </p:spPr>
+            <p:txBody>
+              <a:bodyPr wrap="square" rtlCol="0">
+                <a:spAutoFit/>
+              </a:bodyPr>
+              <a:lstStyle/>
+              <a:p>
+                <a:r>
+                  <a:rPr kumimoji="1" lang="en-US" altLang="zh-CN" sz="1800"/>
+                  <a:t>my_list</a:t>
+                </a:r>
+                <a:r>
+                  <a:rPr kumimoji="1" lang="zh-CN" altLang="en-US" sz="1800"/>
+                  <a:t> *</a:t>
+                </a:r>
+                <a:r>
+                  <a:rPr kumimoji="1" lang="en-US" altLang="zh-CN" sz="1800"/>
+                  <a:t>next</a:t>
+                </a:r>
+                <a:r>
+                  <a:rPr kumimoji="1" lang="zh-CN" altLang="en-US" sz="1800"/>
+                  <a:t> </a:t>
+                </a:r>
+                <a:r>
+                  <a:rPr kumimoji="1" lang="en-US" altLang="zh-CN" sz="1800"/>
+                  <a:t>:</a:t>
+                </a:r>
+                <a:endParaRPr kumimoji="1" lang="zh-CN" altLang="en-US" sz="1800">
+                  <a:solidFill>
+                    <a:schemeClr val="accent2"/>
+                  </a:solidFill>
+                </a:endParaRPr>
+              </a:p>
+            </p:txBody>
+          </p:sp>
+          <p:sp>
+            <p:nvSpPr>
+              <p:cNvPr id="32" name="矩形 31"/>
+              <p:cNvSpPr/>
+              <p:nvPr/>
+            </p:nvSpPr>
+            <p:spPr>
+              <a:xfrm>
+                <a:off x="824058" y="3593227"/>
+                <a:ext cx="2604942" cy="2007473"/>
+              </a:xfrm>
+              <a:prstGeom prst="rect">
+                <a:avLst/>
+              </a:prstGeom>
+              <a:noFill/>
+              <a:ln>
+                <a:solidFill>
+                  <a:schemeClr val="tx1"/>
+                </a:solidFill>
+              </a:ln>
+            </p:spPr>
+            <p:style>
+              <a:lnRef idx="2">
+                <a:schemeClr val="accent1">
+                  <a:shade val="50000"/>
+                </a:schemeClr>
+              </a:lnRef>
+              <a:fillRef idx="1">
+                <a:schemeClr val="accent1"/>
+              </a:fillRef>
+              <a:effectRef idx="0">
+                <a:schemeClr val="accent1"/>
+              </a:effectRef>
+              <a:fontRef idx="minor">
+                <a:schemeClr val="lt1"/>
+              </a:fontRef>
+            </p:style>
+            <p:txBody>
+              <a:bodyPr rot="0" spcFirstLastPara="0" vertOverflow="overflow" horzOverflow="overflow" vert="horz" wrap="square" lIns="128016" tIns="64008" rIns="128016" bIns="64008" numCol="1" spcCol="0" rtlCol="0" fromWordArt="0" anchor="ctr" anchorCtr="0" forceAA="0" compatLnSpc="1">
+                <a:prstTxWarp prst="textNoShape">
+                  <a:avLst/>
+                </a:prstTxWarp>
+                <a:noAutofit/>
+              </a:bodyPr>
+              <a:lstStyle/>
+              <a:p>
+                <a:pPr algn="ctr"/>
+                <a:endParaRPr kumimoji="1" lang="zh-CN" altLang="en-US" sz="2964"/>
+              </a:p>
+            </p:txBody>
+          </p:sp>
+          <p:sp>
+            <p:nvSpPr>
+              <p:cNvPr id="33" name="文本框 32"/>
+              <p:cNvSpPr txBox="1"/>
+              <p:nvPr/>
+            </p:nvSpPr>
+            <p:spPr>
+              <a:xfrm>
+                <a:off x="896697" y="3960191"/>
+                <a:ext cx="2446184" cy="369332"/>
+              </a:xfrm>
+              <a:prstGeom prst="rect">
+                <a:avLst/>
+              </a:prstGeom>
+              <a:noFill/>
+              <a:ln>
+                <a:solidFill>
+                  <a:schemeClr val="tx1"/>
+                </a:solidFill>
+              </a:ln>
+            </p:spPr>
+            <p:txBody>
+              <a:bodyPr wrap="square" rtlCol="0">
+                <a:spAutoFit/>
+              </a:bodyPr>
+              <a:lstStyle/>
+              <a:p>
+                <a:r>
+                  <a:rPr kumimoji="1" lang="is-IS" altLang="zh-CN" sz="1800"/>
+                  <a:t>……</a:t>
+                </a:r>
+                <a:r>
+                  <a:rPr kumimoji="1" lang="zh-CN" altLang="en-US" sz="1800"/>
+                  <a:t>业务逻辑字段</a:t>
+                </a:r>
+                <a:endParaRPr kumimoji="1" lang="zh-CN" altLang="en-US" sz="1800">
+                  <a:solidFill>
+                    <a:schemeClr val="accent2"/>
+                  </a:solidFill>
+                </a:endParaRPr>
+              </a:p>
+            </p:txBody>
+          </p:sp>
+          <p:sp>
+            <p:nvSpPr>
+              <p:cNvPr id="34" name="矩形 33"/>
+              <p:cNvSpPr/>
+              <p:nvPr/>
+            </p:nvSpPr>
+            <p:spPr>
+              <a:xfrm>
+                <a:off x="902757" y="4335091"/>
+                <a:ext cx="2440124" cy="1164009"/>
+              </a:xfrm>
+              <a:prstGeom prst="rect">
+                <a:avLst/>
+              </a:prstGeom>
+              <a:noFill/>
+              <a:ln>
+                <a:solidFill>
+                  <a:schemeClr val="tx1"/>
+                </a:solidFill>
+              </a:ln>
+            </p:spPr>
+            <p:style>
+              <a:lnRef idx="2">
+                <a:schemeClr val="accent1">
+                  <a:shade val="50000"/>
+                </a:schemeClr>
+              </a:lnRef>
+              <a:fillRef idx="1">
+                <a:schemeClr val="accent1"/>
+              </a:fillRef>
+              <a:effectRef idx="0">
+                <a:schemeClr val="accent1"/>
+              </a:effectRef>
+              <a:fontRef idx="minor">
+                <a:schemeClr val="lt1"/>
+              </a:fontRef>
+            </p:style>
+            <p:txBody>
+              <a:bodyPr rot="0" spcFirstLastPara="0" vertOverflow="overflow" horzOverflow="overflow" vert="horz" wrap="square" lIns="128016" tIns="64008" rIns="128016" bIns="64008" numCol="1" spcCol="0" rtlCol="0" fromWordArt="0" anchor="ctr" anchorCtr="0" forceAA="0" compatLnSpc="1">
+                <a:prstTxWarp prst="textNoShape">
+                  <a:avLst/>
+                </a:prstTxWarp>
+                <a:noAutofit/>
+              </a:bodyPr>
+              <a:lstStyle/>
+              <a:p>
+                <a:pPr algn="ctr"/>
+                <a:endParaRPr kumimoji="1" lang="zh-CN" altLang="en-US" sz="2964"/>
+              </a:p>
+            </p:txBody>
+          </p:sp>
+          <p:sp>
+            <p:nvSpPr>
+              <p:cNvPr id="35" name="文本框 34"/>
+              <p:cNvSpPr txBox="1"/>
+              <p:nvPr/>
+            </p:nvSpPr>
+            <p:spPr>
+              <a:xfrm>
+                <a:off x="922097" y="4314614"/>
+                <a:ext cx="2420784" cy="369332"/>
+              </a:xfrm>
+              <a:prstGeom prst="rect">
+                <a:avLst/>
+              </a:prstGeom>
+              <a:noFill/>
+            </p:spPr>
+            <p:txBody>
+              <a:bodyPr wrap="square" rtlCol="0">
+                <a:spAutoFit/>
+              </a:bodyPr>
+              <a:lstStyle/>
+              <a:p>
+                <a:r>
+                  <a:rPr kumimoji="1" lang="en-US" altLang="zh-CN" sz="1800" b="1"/>
+                  <a:t>struct</a:t>
+                </a:r>
+                <a:r>
+                  <a:rPr kumimoji="1" lang="zh-CN" altLang="en-US" sz="1800" b="1"/>
+                  <a:t> </a:t>
+                </a:r>
+                <a:r>
+                  <a:rPr kumimoji="1" lang="en-US" altLang="zh-CN" sz="1800" b="1"/>
+                  <a:t>list_head</a:t>
+                </a:r>
+                <a:r>
+                  <a:rPr kumimoji="1" lang="zh-CN" altLang="en-US" sz="1800"/>
+                  <a:t> </a:t>
+                </a:r>
+                <a:r>
+                  <a:rPr kumimoji="1" lang="en-US" altLang="zh-CN" sz="1800"/>
+                  <a:t>:</a:t>
+                </a:r>
+                <a:r>
+                  <a:rPr kumimoji="1" lang="zh-CN" altLang="en-US" sz="1800"/>
+                  <a:t> </a:t>
+                </a:r>
+                <a:r>
+                  <a:rPr kumimoji="1" lang="en-US" altLang="zh-CN" sz="1800">
+                    <a:solidFill>
+                      <a:schemeClr val="accent2"/>
+                    </a:solidFill>
+                  </a:rPr>
+                  <a:t>list</a:t>
+                </a:r>
+                <a:endParaRPr kumimoji="1" lang="zh-CN" altLang="en-US" sz="1600">
+                  <a:solidFill>
+                    <a:schemeClr val="tx1">
+                      <a:lumMod val="50000"/>
+                      <a:lumOff val="50000"/>
+                    </a:schemeClr>
+                  </a:solidFill>
+                </a:endParaRPr>
+              </a:p>
+            </p:txBody>
+          </p:sp>
+          <p:sp>
+            <p:nvSpPr>
+              <p:cNvPr id="36" name="文本框 35"/>
+              <p:cNvSpPr txBox="1"/>
+              <p:nvPr/>
+            </p:nvSpPr>
+            <p:spPr>
+              <a:xfrm>
+                <a:off x="947500" y="5026118"/>
+                <a:ext cx="2354503" cy="369332"/>
+              </a:xfrm>
+              <a:prstGeom prst="rect">
+                <a:avLst/>
+              </a:prstGeom>
+              <a:noFill/>
+              <a:ln>
+                <a:solidFill>
+                  <a:schemeClr val="tx1"/>
+                </a:solidFill>
+              </a:ln>
+            </p:spPr>
+            <p:txBody>
+              <a:bodyPr wrap="square" rtlCol="0">
+                <a:spAutoFit/>
+              </a:bodyPr>
+              <a:lstStyle/>
+              <a:p>
+                <a:r>
+                  <a:rPr kumimoji="1" lang="en-US" altLang="zh-CN" sz="1800"/>
+                  <a:t>my_list</a:t>
+                </a:r>
+                <a:r>
+                  <a:rPr kumimoji="1" lang="zh-CN" altLang="en-US" sz="1800"/>
+                  <a:t> *</a:t>
+                </a:r>
+                <a:r>
+                  <a:rPr kumimoji="1" lang="en-US" altLang="zh-CN" sz="1800"/>
+                  <a:t>prev</a:t>
+                </a:r>
+                <a:r>
+                  <a:rPr kumimoji="1" lang="zh-CN" altLang="en-US" sz="1800"/>
+                  <a:t> </a:t>
+                </a:r>
+                <a:r>
+                  <a:rPr kumimoji="1" lang="en-US" altLang="zh-CN" sz="1800"/>
+                  <a:t>:</a:t>
+                </a:r>
+                <a:endParaRPr kumimoji="1" lang="zh-CN" altLang="en-US" sz="1800">
+                  <a:solidFill>
+                    <a:schemeClr val="accent2"/>
+                  </a:solidFill>
+                </a:endParaRPr>
+              </a:p>
+            </p:txBody>
+          </p:sp>
+        </p:grpSp>
+        <p:cxnSp>
+          <p:nvCxnSpPr>
+            <p:cNvPr id="38" name="直线箭头连接符 37"/>
+            <p:cNvCxnSpPr>
+              <a:stCxn id="21" idx="3"/>
+              <a:endCxn id="34" idx="1"/>
+            </p:cNvCxnSpPr>
+            <p:nvPr/>
+          </p:nvCxnSpPr>
+          <p:spPr>
+            <a:xfrm>
+              <a:off x="3302000" y="4847231"/>
+              <a:ext cx="589969" cy="69865"/>
+            </a:xfrm>
+            <a:prstGeom prst="straightConnector1">
+              <a:avLst/>
+            </a:prstGeom>
+            <a:ln>
+              <a:tailEnd type="triangle"/>
+            </a:ln>
+          </p:spPr>
+          <p:style>
+            <a:lnRef idx="1">
+              <a:schemeClr val="accent1"/>
+            </a:lnRef>
+            <a:fillRef idx="0">
+              <a:schemeClr val="accent1"/>
+            </a:fillRef>
+            <a:effectRef idx="0">
+              <a:schemeClr val="accent1"/>
+            </a:effectRef>
+            <a:fontRef idx="minor">
+              <a:schemeClr val="tx1"/>
+            </a:fontRef>
+          </p:style>
+        </p:cxnSp>
+        <p:cxnSp>
+          <p:nvCxnSpPr>
+            <p:cNvPr id="40" name="直线箭头连接符 39"/>
+            <p:cNvCxnSpPr>
+              <a:stCxn id="36" idx="1"/>
+              <a:endCxn id="25" idx="3"/>
+            </p:cNvCxnSpPr>
+            <p:nvPr/>
+          </p:nvCxnSpPr>
+          <p:spPr>
+            <a:xfrm flipH="1" flipV="1">
+              <a:off x="3342881" y="4917096"/>
+              <a:ext cx="593831" cy="293688"/>
+            </a:xfrm>
+            <a:prstGeom prst="straightConnector1">
+              <a:avLst/>
+            </a:prstGeom>
+            <a:ln>
+              <a:tailEnd type="triangle"/>
+            </a:ln>
+          </p:spPr>
+          <p:style>
+            <a:lnRef idx="1">
+              <a:schemeClr val="accent1"/>
+            </a:lnRef>
+            <a:fillRef idx="0">
+              <a:schemeClr val="accent1"/>
+            </a:fillRef>
+            <a:effectRef idx="0">
+              <a:schemeClr val="accent1"/>
+            </a:effectRef>
+            <a:fontRef idx="minor">
+              <a:schemeClr val="tx1"/>
+            </a:fontRef>
+          </p:style>
+        </p:cxnSp>
+      </p:grpSp>
     </p:spTree>
     <p:extLst>
       <p:ext uri="{BB962C8B-B14F-4D97-AF65-F5344CB8AC3E}">

--- a/doc/TecNote.pptx
+++ b/doc/TecNote.pptx
@@ -16,6 +16,7 @@
     <p:sldId id="264" r:id="rId10"/>
     <p:sldId id="265" r:id="rId11"/>
     <p:sldId id="266" r:id="rId12"/>
+    <p:sldId id="267" r:id="rId13"/>
   </p:sldIdLst>
   <p:sldSz cx="50399950" cy="35999738"/>
   <p:notesSz cx="6858000" cy="9144000"/>
@@ -253,7 +254,7 @@
           <a:p>
             <a:fld id="{B36E3DDD-87E4-2743-BB94-618FBD02DA55}" type="datetimeFigureOut">
               <a:rPr kumimoji="1" lang="zh-CN" altLang="en-US" smtClean="0"/>
-              <a:t>16/6/19</a:t>
+              <a:t>16/6/23</a:t>
             </a:fld>
             <a:endParaRPr kumimoji="1" lang="zh-CN" altLang="en-US"/>
           </a:p>
@@ -423,7 +424,7 @@
           <a:p>
             <a:fld id="{B36E3DDD-87E4-2743-BB94-618FBD02DA55}" type="datetimeFigureOut">
               <a:rPr kumimoji="1" lang="zh-CN" altLang="en-US" smtClean="0"/>
-              <a:t>16/6/19</a:t>
+              <a:t>16/6/23</a:t>
             </a:fld>
             <a:endParaRPr kumimoji="1" lang="zh-CN" altLang="en-US"/>
           </a:p>
@@ -603,7 +604,7 @@
           <a:p>
             <a:fld id="{B36E3DDD-87E4-2743-BB94-618FBD02DA55}" type="datetimeFigureOut">
               <a:rPr kumimoji="1" lang="zh-CN" altLang="en-US" smtClean="0"/>
-              <a:t>16/6/19</a:t>
+              <a:t>16/6/23</a:t>
             </a:fld>
             <a:endParaRPr kumimoji="1" lang="zh-CN" altLang="en-US"/>
           </a:p>
@@ -773,7 +774,7 @@
           <a:p>
             <a:fld id="{B36E3DDD-87E4-2743-BB94-618FBD02DA55}" type="datetimeFigureOut">
               <a:rPr kumimoji="1" lang="zh-CN" altLang="en-US" smtClean="0"/>
-              <a:t>16/6/19</a:t>
+              <a:t>16/6/23</a:t>
             </a:fld>
             <a:endParaRPr kumimoji="1" lang="zh-CN" altLang="en-US"/>
           </a:p>
@@ -1017,7 +1018,7 @@
           <a:p>
             <a:fld id="{B36E3DDD-87E4-2743-BB94-618FBD02DA55}" type="datetimeFigureOut">
               <a:rPr kumimoji="1" lang="zh-CN" altLang="en-US" smtClean="0"/>
-              <a:t>16/6/19</a:t>
+              <a:t>16/6/23</a:t>
             </a:fld>
             <a:endParaRPr kumimoji="1" lang="zh-CN" altLang="en-US"/>
           </a:p>
@@ -1249,7 +1250,7 @@
           <a:p>
             <a:fld id="{B36E3DDD-87E4-2743-BB94-618FBD02DA55}" type="datetimeFigureOut">
               <a:rPr kumimoji="1" lang="zh-CN" altLang="en-US" smtClean="0"/>
-              <a:t>16/6/19</a:t>
+              <a:t>16/6/23</a:t>
             </a:fld>
             <a:endParaRPr kumimoji="1" lang="zh-CN" altLang="en-US"/>
           </a:p>
@@ -1616,7 +1617,7 @@
           <a:p>
             <a:fld id="{B36E3DDD-87E4-2743-BB94-618FBD02DA55}" type="datetimeFigureOut">
               <a:rPr kumimoji="1" lang="zh-CN" altLang="en-US" smtClean="0"/>
-              <a:t>16/6/19</a:t>
+              <a:t>16/6/23</a:t>
             </a:fld>
             <a:endParaRPr kumimoji="1" lang="zh-CN" altLang="en-US"/>
           </a:p>
@@ -1734,7 +1735,7 @@
           <a:p>
             <a:fld id="{B36E3DDD-87E4-2743-BB94-618FBD02DA55}" type="datetimeFigureOut">
               <a:rPr kumimoji="1" lang="zh-CN" altLang="en-US" smtClean="0"/>
-              <a:t>16/6/19</a:t>
+              <a:t>16/6/23</a:t>
             </a:fld>
             <a:endParaRPr kumimoji="1" lang="zh-CN" altLang="en-US"/>
           </a:p>
@@ -1829,7 +1830,7 @@
           <a:p>
             <a:fld id="{B36E3DDD-87E4-2743-BB94-618FBD02DA55}" type="datetimeFigureOut">
               <a:rPr kumimoji="1" lang="zh-CN" altLang="en-US" smtClean="0"/>
-              <a:t>16/6/19</a:t>
+              <a:t>16/6/23</a:t>
             </a:fld>
             <a:endParaRPr kumimoji="1" lang="zh-CN" altLang="en-US"/>
           </a:p>
@@ -2106,7 +2107,7 @@
           <a:p>
             <a:fld id="{B36E3DDD-87E4-2743-BB94-618FBD02DA55}" type="datetimeFigureOut">
               <a:rPr kumimoji="1" lang="zh-CN" altLang="en-US" smtClean="0"/>
-              <a:t>16/6/19</a:t>
+              <a:t>16/6/23</a:t>
             </a:fld>
             <a:endParaRPr kumimoji="1" lang="zh-CN" altLang="en-US"/>
           </a:p>
@@ -2363,7 +2364,7 @@
           <a:p>
             <a:fld id="{B36E3DDD-87E4-2743-BB94-618FBD02DA55}" type="datetimeFigureOut">
               <a:rPr kumimoji="1" lang="zh-CN" altLang="en-US" smtClean="0"/>
-              <a:t>16/6/19</a:t>
+              <a:t>16/6/23</a:t>
             </a:fld>
             <a:endParaRPr kumimoji="1" lang="zh-CN" altLang="en-US"/>
           </a:p>
@@ -2576,7 +2577,7 @@
           <a:p>
             <a:fld id="{B36E3DDD-87E4-2743-BB94-618FBD02DA55}" type="datetimeFigureOut">
               <a:rPr kumimoji="1" lang="zh-CN" altLang="en-US" smtClean="0"/>
-              <a:t>16/6/19</a:t>
+              <a:t>16/6/23</a:t>
             </a:fld>
             <a:endParaRPr kumimoji="1" lang="zh-CN" altLang="en-US"/>
           </a:p>
@@ -16787,11 +16788,7 @@
           <a:p>
             <a:r>
               <a:rPr kumimoji="1" lang="en-US" altLang="zh-CN" sz="1400"/>
-              <a:t>ptrdiff</a:t>
-            </a:r>
-            <a:r>
-              <a:rPr kumimoji="1" lang="en-US" altLang="zh-CN" sz="1400"/>
-              <a:t>_t</a:t>
+              <a:t>ptrdiff_t</a:t>
             </a:r>
             <a:r>
               <a:rPr kumimoji="1" lang="zh-CN" altLang="en-US" sz="1400"/>
@@ -16877,11 +16874,7 @@
             </a:r>
             <a:r>
               <a:rPr kumimoji="1" lang="en-US" altLang="zh-CN" sz="1400"/>
-              <a:t>pages</a:t>
-            </a:r>
-            <a:r>
-              <a:rPr kumimoji="1" lang="en-US" altLang="zh-CN" sz="1400"/>
-              <a:t>:</a:t>
+              <a:t>pages:</a:t>
             </a:r>
             <a:endParaRPr kumimoji="1" lang="zh-CN" altLang="en-US" sz="1400">
               <a:solidFill>
@@ -16950,11 +16943,7 @@
               </a:r>
               <a:r>
                 <a:rPr kumimoji="1" lang="en-US" altLang="zh-CN" sz="1400"/>
-                <a:t>page</a:t>
-              </a:r>
-              <a:r>
-                <a:rPr kumimoji="1" lang="en-US" altLang="zh-CN" sz="1400"/>
-                <a:t>:</a:t>
+                <a:t>page:</a:t>
               </a:r>
               <a:endParaRPr kumimoji="1" lang="zh-CN" altLang="en-US" sz="1400">
                 <a:solidFill>
@@ -17100,11 +17089,7 @@
               </a:r>
               <a:r>
                 <a:rPr kumimoji="1" lang="en-US" altLang="zh-CN" sz="1400"/>
-                <a:t>page</a:t>
-              </a:r>
-              <a:r>
-                <a:rPr kumimoji="1" lang="en-US" altLang="zh-CN" sz="1400"/>
-                <a:t>:</a:t>
+                <a:t>page:</a:t>
               </a:r>
               <a:endParaRPr kumimoji="1" lang="zh-CN" altLang="en-US" sz="1400">
                 <a:solidFill>
@@ -20554,6 +20539,3633 @@
     <p:extLst>
       <p:ext uri="{BB962C8B-B14F-4D97-AF65-F5344CB8AC3E}">
         <p14:creationId xmlns:p14="http://schemas.microsoft.com/office/powerpoint/2010/main" val="1805816260"/>
+      </p:ext>
+    </p:extLst>
+  </p:cSld>
+  <p:clrMapOvr>
+    <a:masterClrMapping/>
+  </p:clrMapOvr>
+</p:sld>
+</file>
+
+<file path=ppt/slides/slide12.xml><?xml version="1.0" encoding="utf-8"?>
+<p:sld xmlns:a="http://schemas.openxmlformats.org/drawingml/2006/main" xmlns:r="http://schemas.openxmlformats.org/officeDocument/2006/relationships" xmlns:p="http://schemas.openxmlformats.org/presentationml/2006/main">
+  <p:cSld>
+    <p:spTree>
+      <p:nvGrpSpPr>
+        <p:cNvPr id="1" name=""/>
+        <p:cNvGrpSpPr/>
+        <p:nvPr/>
+      </p:nvGrpSpPr>
+      <p:grpSpPr>
+        <a:xfrm>
+          <a:off x="0" y="0"/>
+          <a:ext cx="0" cy="0"/>
+          <a:chOff x="0" y="0"/>
+          <a:chExt cx="0" cy="0"/>
+        </a:xfrm>
+      </p:grpSpPr>
+      <p:sp>
+        <p:nvSpPr>
+          <p:cNvPr id="2" name="文本框 1"/>
+          <p:cNvSpPr txBox="1"/>
+          <p:nvPr/>
+        </p:nvSpPr>
+        <p:spPr>
+          <a:xfrm>
+            <a:off x="189837" y="250702"/>
+            <a:ext cx="5447038" cy="400110"/>
+          </a:xfrm>
+          <a:prstGeom prst="rect">
+            <a:avLst/>
+          </a:prstGeom>
+          <a:noFill/>
+          <a:ln>
+            <a:noFill/>
+          </a:ln>
+        </p:spPr>
+        <p:txBody>
+          <a:bodyPr wrap="square" rtlCol="0">
+            <a:spAutoFit/>
+          </a:bodyPr>
+          <a:lstStyle/>
+          <a:p>
+            <a:r>
+              <a:rPr kumimoji="1" lang="en-US" altLang="zh-CN" sz="2000" b="1">
+                <a:latin typeface="Heiti SC Medium" charset="-122"/>
+                <a:ea typeface="Heiti SC Medium" charset="-122"/>
+                <a:cs typeface="Heiti SC Medium" charset="-122"/>
+              </a:rPr>
+              <a:t>binder_mmap(</a:t>
+            </a:r>
+            <a:r>
+              <a:rPr kumimoji="1" lang="is-IS" altLang="zh-CN" sz="2000" b="1">
+                <a:latin typeface="Heiti SC Medium" charset="-122"/>
+                <a:ea typeface="Heiti SC Medium" charset="-122"/>
+                <a:cs typeface="Heiti SC Medium" charset="-122"/>
+              </a:rPr>
+              <a:t>…</a:t>
+            </a:r>
+            <a:r>
+              <a:rPr kumimoji="1" lang="en-US" altLang="zh-CN" sz="2000" b="1">
+                <a:latin typeface="Heiti SC Medium" charset="-122"/>
+                <a:ea typeface="Heiti SC Medium" charset="-122"/>
+                <a:cs typeface="Heiti SC Medium" charset="-122"/>
+              </a:rPr>
+              <a:t>)</a:t>
+            </a:r>
+            <a:r>
+              <a:rPr kumimoji="1" lang="zh-CN" altLang="en-US" sz="2000" b="1">
+                <a:latin typeface="Heiti SC Medium" charset="-122"/>
+                <a:ea typeface="Heiti SC Medium" charset="-122"/>
+                <a:cs typeface="Heiti SC Medium" charset="-122"/>
+              </a:rPr>
+              <a:t>情景代码</a:t>
+            </a:r>
+            <a:endParaRPr kumimoji="1" lang="zh-CN" altLang="en-US" sz="2000" b="1">
+              <a:solidFill>
+                <a:schemeClr val="accent2"/>
+              </a:solidFill>
+              <a:latin typeface="Heiti SC Medium" charset="-122"/>
+              <a:ea typeface="Heiti SC Medium" charset="-122"/>
+              <a:cs typeface="Heiti SC Medium" charset="-122"/>
+            </a:endParaRPr>
+          </a:p>
+        </p:txBody>
+      </p:sp>
+      <p:sp>
+        <p:nvSpPr>
+          <p:cNvPr id="4" name="文本框 3"/>
+          <p:cNvSpPr txBox="1"/>
+          <p:nvPr/>
+        </p:nvSpPr>
+        <p:spPr>
+          <a:xfrm>
+            <a:off x="2729999" y="1045181"/>
+            <a:ext cx="5582647" cy="307777"/>
+          </a:xfrm>
+          <a:prstGeom prst="rect">
+            <a:avLst/>
+          </a:prstGeom>
+          <a:noFill/>
+        </p:spPr>
+        <p:txBody>
+          <a:bodyPr wrap="square" rtlCol="0">
+            <a:spAutoFit/>
+          </a:bodyPr>
+          <a:lstStyle/>
+          <a:p>
+            <a:r>
+              <a:rPr kumimoji="1" lang="en-US" altLang="zh-CN" sz="1400" b="1"/>
+              <a:t>struct</a:t>
+            </a:r>
+            <a:r>
+              <a:rPr kumimoji="1" lang="zh-CN" altLang="en-US" sz="1400" b="1"/>
+              <a:t> </a:t>
+            </a:r>
+            <a:r>
+              <a:rPr kumimoji="1" lang="en-US" altLang="zh-CN" sz="1400" b="1"/>
+              <a:t>binder_proc</a:t>
+            </a:r>
+            <a:r>
+              <a:rPr kumimoji="1" lang="zh-CN" altLang="en-US" sz="1400"/>
+              <a:t> </a:t>
+            </a:r>
+            <a:r>
+              <a:rPr kumimoji="1" lang="en-US" altLang="zh-CN" sz="1400"/>
+              <a:t>:</a:t>
+            </a:r>
+            <a:r>
+              <a:rPr kumimoji="1" lang="zh-CN" altLang="en-US" sz="1400"/>
+              <a:t> </a:t>
+            </a:r>
+            <a:r>
+              <a:rPr kumimoji="1" lang="en-US" altLang="zh-CN" sz="1400">
+                <a:solidFill>
+                  <a:schemeClr val="accent2"/>
+                </a:solidFill>
+              </a:rPr>
+              <a:t>proc</a:t>
+            </a:r>
+            <a:r>
+              <a:rPr kumimoji="1" lang="zh-CN" altLang="en-US" sz="1400">
+                <a:solidFill>
+                  <a:schemeClr val="accent2"/>
+                </a:solidFill>
+              </a:rPr>
+              <a:t> </a:t>
+            </a:r>
+            <a:r>
+              <a:rPr kumimoji="1" lang="zh-CN" altLang="en-US" sz="1400">
+                <a:solidFill>
+                  <a:schemeClr val="tx1">
+                    <a:lumMod val="50000"/>
+                    <a:lumOff val="50000"/>
+                  </a:schemeClr>
+                </a:solidFill>
+              </a:rPr>
+              <a:t>在调用</a:t>
+            </a:r>
+            <a:r>
+              <a:rPr kumimoji="1" lang="en-US" altLang="zh-CN" sz="1400">
+                <a:solidFill>
+                  <a:schemeClr val="tx1">
+                    <a:lumMod val="50000"/>
+                    <a:lumOff val="50000"/>
+                  </a:schemeClr>
+                </a:solidFill>
+              </a:rPr>
+              <a:t>binder_open</a:t>
+            </a:r>
+            <a:r>
+              <a:rPr kumimoji="1" lang="zh-CN" altLang="en-US" sz="1400">
+                <a:solidFill>
+                  <a:schemeClr val="tx1">
+                    <a:lumMod val="50000"/>
+                    <a:lumOff val="50000"/>
+                  </a:schemeClr>
+                </a:solidFill>
+              </a:rPr>
+              <a:t>时创建</a:t>
+            </a:r>
+          </a:p>
+        </p:txBody>
+      </p:sp>
+      <p:sp>
+        <p:nvSpPr>
+          <p:cNvPr id="5" name="文本框 4"/>
+          <p:cNvSpPr txBox="1"/>
+          <p:nvPr/>
+        </p:nvSpPr>
+        <p:spPr>
+          <a:xfrm>
+            <a:off x="2717296" y="1478002"/>
+            <a:ext cx="5595351" cy="307777"/>
+          </a:xfrm>
+          <a:prstGeom prst="rect">
+            <a:avLst/>
+          </a:prstGeom>
+          <a:noFill/>
+          <a:ln>
+            <a:solidFill>
+              <a:schemeClr val="tx1"/>
+            </a:solidFill>
+          </a:ln>
+        </p:spPr>
+        <p:txBody>
+          <a:bodyPr wrap="square" rtlCol="0">
+            <a:spAutoFit/>
+          </a:bodyPr>
+          <a:lstStyle/>
+          <a:p>
+            <a:r>
+              <a:rPr kumimoji="1" lang="en-US" altLang="zh-CN" sz="1400"/>
+              <a:t>task_struct</a:t>
+            </a:r>
+            <a:r>
+              <a:rPr kumimoji="1" lang="zh-CN" altLang="en-US" sz="1400"/>
+              <a:t> *</a:t>
+            </a:r>
+            <a:r>
+              <a:rPr kumimoji="1" lang="en-US" altLang="zh-CN" sz="1400"/>
+              <a:t>tsk</a:t>
+            </a:r>
+            <a:r>
+              <a:rPr kumimoji="1" lang="zh-CN" altLang="en-US" sz="1400"/>
+              <a:t> </a:t>
+            </a:r>
+            <a:r>
+              <a:rPr kumimoji="1" lang="en-US" altLang="zh-CN" sz="1400"/>
+              <a:t>:</a:t>
+            </a:r>
+            <a:r>
+              <a:rPr kumimoji="1" lang="zh-CN" altLang="en-US" sz="1400">
+                <a:solidFill>
+                  <a:schemeClr val="accent1"/>
+                </a:solidFill>
+              </a:rPr>
+              <a:t> </a:t>
+            </a:r>
+            <a:r>
+              <a:rPr kumimoji="1" lang="en-US" altLang="zh-CN" sz="1400">
+                <a:solidFill>
+                  <a:schemeClr val="accent2"/>
+                </a:solidFill>
+              </a:rPr>
+              <a:t>current</a:t>
+            </a:r>
+            <a:endParaRPr kumimoji="1" lang="zh-CN" altLang="en-US" sz="1400">
+              <a:solidFill>
+                <a:schemeClr val="accent2"/>
+              </a:solidFill>
+            </a:endParaRPr>
+          </a:p>
+        </p:txBody>
+      </p:sp>
+      <p:sp>
+        <p:nvSpPr>
+          <p:cNvPr id="6" name="文本框 5"/>
+          <p:cNvSpPr txBox="1"/>
+          <p:nvPr/>
+        </p:nvSpPr>
+        <p:spPr>
+          <a:xfrm>
+            <a:off x="2717296" y="1791798"/>
+            <a:ext cx="5595351" cy="307777"/>
+          </a:xfrm>
+          <a:prstGeom prst="rect">
+            <a:avLst/>
+          </a:prstGeom>
+          <a:noFill/>
+          <a:ln>
+            <a:solidFill>
+              <a:schemeClr val="tx1"/>
+            </a:solidFill>
+          </a:ln>
+        </p:spPr>
+        <p:txBody>
+          <a:bodyPr wrap="square" rtlCol="0">
+            <a:spAutoFit/>
+          </a:bodyPr>
+          <a:lstStyle/>
+          <a:p>
+            <a:r>
+              <a:rPr kumimoji="1" lang="en-US" altLang="zh-CN" sz="1400"/>
+              <a:t>long</a:t>
+            </a:r>
+            <a:r>
+              <a:rPr kumimoji="1" lang="zh-CN" altLang="en-US" sz="1400"/>
+              <a:t> </a:t>
+            </a:r>
+            <a:r>
+              <a:rPr kumimoji="1" lang="en-US" altLang="zh-CN" sz="1400"/>
+              <a:t>default_priority</a:t>
+            </a:r>
+            <a:r>
+              <a:rPr kumimoji="1" lang="zh-CN" altLang="en-US" sz="1400"/>
+              <a:t> </a:t>
+            </a:r>
+            <a:r>
+              <a:rPr kumimoji="1" lang="en-US" altLang="zh-CN" sz="1400"/>
+              <a:t>:</a:t>
+            </a:r>
+            <a:r>
+              <a:rPr kumimoji="1" lang="zh-CN" altLang="en-US" sz="1400"/>
+              <a:t> </a:t>
+            </a:r>
+            <a:r>
+              <a:rPr kumimoji="1" lang="en-US" altLang="zh-CN" sz="1400">
+                <a:solidFill>
+                  <a:schemeClr val="accent2"/>
+                </a:solidFill>
+              </a:rPr>
+              <a:t>task_nice(current)</a:t>
+            </a:r>
+            <a:endParaRPr kumimoji="1" lang="zh-CN" altLang="en-US" sz="1400">
+              <a:solidFill>
+                <a:schemeClr val="accent2"/>
+              </a:solidFill>
+            </a:endParaRPr>
+          </a:p>
+        </p:txBody>
+      </p:sp>
+      <p:sp>
+        <p:nvSpPr>
+          <p:cNvPr id="7" name="矩形 6"/>
+          <p:cNvSpPr/>
+          <p:nvPr/>
+        </p:nvSpPr>
+        <p:spPr>
+          <a:xfrm>
+            <a:off x="2644658" y="1045181"/>
+            <a:ext cx="5766026" cy="8962419"/>
+          </a:xfrm>
+          <a:prstGeom prst="rect">
+            <a:avLst/>
+          </a:prstGeom>
+          <a:noFill/>
+          <a:ln>
+            <a:solidFill>
+              <a:schemeClr val="tx1"/>
+            </a:solidFill>
+          </a:ln>
+        </p:spPr>
+        <p:style>
+          <a:lnRef idx="2">
+            <a:schemeClr val="accent1">
+              <a:shade val="50000"/>
+            </a:schemeClr>
+          </a:lnRef>
+          <a:fillRef idx="1">
+            <a:schemeClr val="accent1"/>
+          </a:fillRef>
+          <a:effectRef idx="0">
+            <a:schemeClr val="accent1"/>
+          </a:effectRef>
+          <a:fontRef idx="minor">
+            <a:schemeClr val="lt1"/>
+          </a:fontRef>
+        </p:style>
+        <p:txBody>
+          <a:bodyPr rot="0" spcFirstLastPara="0" vertOverflow="overflow" horzOverflow="overflow" vert="horz" wrap="square" lIns="128016" tIns="64008" rIns="128016" bIns="64008" numCol="1" spcCol="0" rtlCol="0" fromWordArt="0" anchor="ctr" anchorCtr="0" forceAA="0" compatLnSpc="1">
+            <a:prstTxWarp prst="textNoShape">
+              <a:avLst/>
+            </a:prstTxWarp>
+            <a:noAutofit/>
+          </a:bodyPr>
+          <a:lstStyle/>
+          <a:p>
+            <a:pPr algn="ctr"/>
+            <a:endParaRPr kumimoji="1" lang="zh-CN" altLang="en-US" sz="1400"/>
+          </a:p>
+        </p:txBody>
+      </p:sp>
+      <p:sp>
+        <p:nvSpPr>
+          <p:cNvPr id="8" name="文本框 7"/>
+          <p:cNvSpPr txBox="1"/>
+          <p:nvPr/>
+        </p:nvSpPr>
+        <p:spPr>
+          <a:xfrm>
+            <a:off x="2717296" y="2094716"/>
+            <a:ext cx="5595351" cy="307777"/>
+          </a:xfrm>
+          <a:prstGeom prst="rect">
+            <a:avLst/>
+          </a:prstGeom>
+          <a:noFill/>
+          <a:ln>
+            <a:solidFill>
+              <a:schemeClr val="tx1"/>
+            </a:solidFill>
+          </a:ln>
+        </p:spPr>
+        <p:txBody>
+          <a:bodyPr wrap="square" rtlCol="0">
+            <a:spAutoFit/>
+          </a:bodyPr>
+          <a:lstStyle/>
+          <a:p>
+            <a:r>
+              <a:rPr kumimoji="1" lang="en-US" altLang="zh-CN" sz="1400"/>
+              <a:t>int</a:t>
+            </a:r>
+            <a:r>
+              <a:rPr kumimoji="1" lang="zh-CN" altLang="en-US" sz="1400"/>
+              <a:t> </a:t>
+            </a:r>
+            <a:r>
+              <a:rPr kumimoji="1" lang="en-US" altLang="zh-CN" sz="1400"/>
+              <a:t>pid</a:t>
+            </a:r>
+            <a:r>
+              <a:rPr kumimoji="1" lang="zh-CN" altLang="en-US" sz="1400"/>
+              <a:t> </a:t>
+            </a:r>
+            <a:r>
+              <a:rPr kumimoji="1" lang="en-US" altLang="zh-CN" sz="1400"/>
+              <a:t>:</a:t>
+            </a:r>
+            <a:r>
+              <a:rPr kumimoji="1" lang="zh-CN" altLang="en-US" sz="1400"/>
+              <a:t> </a:t>
+            </a:r>
+            <a:r>
+              <a:rPr kumimoji="1" lang="en-US" altLang="zh-CN" sz="1400">
+                <a:solidFill>
+                  <a:schemeClr val="accent2"/>
+                </a:solidFill>
+              </a:rPr>
+              <a:t>current-&gt;group_leader-&gt;pid</a:t>
+            </a:r>
+            <a:endParaRPr kumimoji="1" lang="zh-CN" altLang="en-US" sz="1400">
+              <a:solidFill>
+                <a:schemeClr val="accent2"/>
+              </a:solidFill>
+            </a:endParaRPr>
+          </a:p>
+        </p:txBody>
+      </p:sp>
+      <p:sp>
+        <p:nvSpPr>
+          <p:cNvPr id="9" name="文本框 8"/>
+          <p:cNvSpPr txBox="1"/>
+          <p:nvPr/>
+        </p:nvSpPr>
+        <p:spPr>
+          <a:xfrm>
+            <a:off x="2706021" y="2406000"/>
+            <a:ext cx="5606626" cy="307777"/>
+          </a:xfrm>
+          <a:prstGeom prst="rect">
+            <a:avLst/>
+          </a:prstGeom>
+          <a:noFill/>
+          <a:ln>
+            <a:noFill/>
+          </a:ln>
+        </p:spPr>
+        <p:txBody>
+          <a:bodyPr wrap="square" rtlCol="0">
+            <a:spAutoFit/>
+          </a:bodyPr>
+          <a:lstStyle/>
+          <a:p>
+            <a:r>
+              <a:rPr kumimoji="1" lang="en-US" altLang="zh-CN" sz="1400" b="1"/>
+              <a:t>struct</a:t>
+            </a:r>
+            <a:r>
+              <a:rPr kumimoji="1" lang="zh-CN" altLang="en-US" sz="1400" b="1"/>
+              <a:t> </a:t>
+            </a:r>
+            <a:r>
+              <a:rPr kumimoji="1" lang="en-US" altLang="zh-CN" sz="1400" b="1"/>
+              <a:t>list_head</a:t>
+            </a:r>
+            <a:r>
+              <a:rPr kumimoji="1" lang="zh-CN" altLang="en-US" sz="1400"/>
+              <a:t> </a:t>
+            </a:r>
+            <a:r>
+              <a:rPr kumimoji="1" lang="en-US" altLang="zh-CN" sz="1400"/>
+              <a:t>:</a:t>
+            </a:r>
+            <a:r>
+              <a:rPr kumimoji="1" lang="zh-CN" altLang="en-US" sz="1400"/>
+              <a:t> </a:t>
+            </a:r>
+            <a:r>
+              <a:rPr kumimoji="1" lang="en-US" altLang="zh-CN" sz="1400">
+                <a:solidFill>
+                  <a:schemeClr val="accent2"/>
+                </a:solidFill>
+              </a:rPr>
+              <a:t>todo</a:t>
+            </a:r>
+            <a:endParaRPr kumimoji="1" lang="zh-CN" altLang="en-US" sz="1400">
+              <a:solidFill>
+                <a:schemeClr val="accent2"/>
+              </a:solidFill>
+            </a:endParaRPr>
+          </a:p>
+        </p:txBody>
+      </p:sp>
+      <p:sp>
+        <p:nvSpPr>
+          <p:cNvPr id="10" name="矩形 9"/>
+          <p:cNvSpPr/>
+          <p:nvPr/>
+        </p:nvSpPr>
+        <p:spPr>
+          <a:xfrm>
+            <a:off x="2713664" y="2406614"/>
+            <a:ext cx="5598983" cy="973197"/>
+          </a:xfrm>
+          <a:prstGeom prst="rect">
+            <a:avLst/>
+          </a:prstGeom>
+          <a:noFill/>
+          <a:ln>
+            <a:solidFill>
+              <a:schemeClr val="tx1"/>
+            </a:solidFill>
+          </a:ln>
+        </p:spPr>
+        <p:style>
+          <a:lnRef idx="2">
+            <a:schemeClr val="accent1">
+              <a:shade val="50000"/>
+            </a:schemeClr>
+          </a:lnRef>
+          <a:fillRef idx="1">
+            <a:schemeClr val="accent1"/>
+          </a:fillRef>
+          <a:effectRef idx="0">
+            <a:schemeClr val="accent1"/>
+          </a:effectRef>
+          <a:fontRef idx="minor">
+            <a:schemeClr val="lt1"/>
+          </a:fontRef>
+        </p:style>
+        <p:txBody>
+          <a:bodyPr rot="0" spcFirstLastPara="0" vertOverflow="overflow" horzOverflow="overflow" vert="horz" wrap="square" lIns="128016" tIns="64008" rIns="128016" bIns="64008" numCol="1" spcCol="0" rtlCol="0" fromWordArt="0" anchor="ctr" anchorCtr="0" forceAA="0" compatLnSpc="1">
+            <a:prstTxWarp prst="textNoShape">
+              <a:avLst/>
+            </a:prstTxWarp>
+            <a:noAutofit/>
+          </a:bodyPr>
+          <a:lstStyle/>
+          <a:p>
+            <a:pPr algn="ctr"/>
+            <a:endParaRPr kumimoji="1" lang="zh-CN" altLang="en-US" sz="1400"/>
+          </a:p>
+        </p:txBody>
+      </p:sp>
+      <p:sp>
+        <p:nvSpPr>
+          <p:cNvPr id="11" name="文本框 10"/>
+          <p:cNvSpPr txBox="1"/>
+          <p:nvPr/>
+        </p:nvSpPr>
+        <p:spPr>
+          <a:xfrm>
+            <a:off x="2780637" y="2708358"/>
+            <a:ext cx="5447038" cy="307777"/>
+          </a:xfrm>
+          <a:prstGeom prst="rect">
+            <a:avLst/>
+          </a:prstGeom>
+          <a:noFill/>
+          <a:ln>
+            <a:solidFill>
+              <a:schemeClr val="tx1"/>
+            </a:solidFill>
+          </a:ln>
+        </p:spPr>
+        <p:txBody>
+          <a:bodyPr wrap="square" rtlCol="0">
+            <a:spAutoFit/>
+          </a:bodyPr>
+          <a:lstStyle/>
+          <a:p>
+            <a:r>
+              <a:rPr kumimoji="1" lang="en-US" altLang="zh-CN" sz="1400"/>
+              <a:t>struct</a:t>
+            </a:r>
+            <a:r>
+              <a:rPr kumimoji="1" lang="zh-CN" altLang="en-US" sz="1400"/>
+              <a:t> </a:t>
+            </a:r>
+            <a:r>
+              <a:rPr kumimoji="1" lang="en-US" altLang="zh-CN" sz="1400"/>
+              <a:t>list_head</a:t>
+            </a:r>
+            <a:r>
+              <a:rPr kumimoji="1" lang="zh-CN" altLang="en-US" sz="1400"/>
+              <a:t> *</a:t>
+            </a:r>
+            <a:r>
+              <a:rPr kumimoji="1" lang="en-US" altLang="zh-CN" sz="1400"/>
+              <a:t>prev</a:t>
+            </a:r>
+            <a:r>
+              <a:rPr kumimoji="1" lang="zh-CN" altLang="en-US" sz="1400"/>
+              <a:t> </a:t>
+            </a:r>
+            <a:r>
+              <a:rPr kumimoji="1" lang="en-US" altLang="zh-CN" sz="1400"/>
+              <a:t>:</a:t>
+            </a:r>
+            <a:r>
+              <a:rPr kumimoji="1" lang="zh-CN" altLang="en-US" sz="1400"/>
+              <a:t> </a:t>
+            </a:r>
+            <a:r>
+              <a:rPr kumimoji="1" lang="en-US" altLang="zh-CN" sz="1400">
+                <a:solidFill>
+                  <a:schemeClr val="accent2"/>
+                </a:solidFill>
+              </a:rPr>
+              <a:t>proc-&gt;todo</a:t>
+            </a:r>
+            <a:endParaRPr kumimoji="1" lang="zh-CN" altLang="en-US" sz="1400">
+              <a:solidFill>
+                <a:schemeClr val="accent2"/>
+              </a:solidFill>
+            </a:endParaRPr>
+          </a:p>
+        </p:txBody>
+      </p:sp>
+      <p:sp>
+        <p:nvSpPr>
+          <p:cNvPr id="12" name="文本框 11"/>
+          <p:cNvSpPr txBox="1"/>
+          <p:nvPr/>
+        </p:nvSpPr>
+        <p:spPr>
+          <a:xfrm>
+            <a:off x="2780637" y="3014483"/>
+            <a:ext cx="5447038" cy="307777"/>
+          </a:xfrm>
+          <a:prstGeom prst="rect">
+            <a:avLst/>
+          </a:prstGeom>
+          <a:noFill/>
+          <a:ln>
+            <a:solidFill>
+              <a:schemeClr val="tx1"/>
+            </a:solidFill>
+          </a:ln>
+        </p:spPr>
+        <p:txBody>
+          <a:bodyPr wrap="square" rtlCol="0">
+            <a:spAutoFit/>
+          </a:bodyPr>
+          <a:lstStyle/>
+          <a:p>
+            <a:r>
+              <a:rPr kumimoji="1" lang="en-US" altLang="zh-CN" sz="1400"/>
+              <a:t>struct</a:t>
+            </a:r>
+            <a:r>
+              <a:rPr kumimoji="1" lang="zh-CN" altLang="en-US" sz="1400"/>
+              <a:t> </a:t>
+            </a:r>
+            <a:r>
+              <a:rPr kumimoji="1" lang="en-US" altLang="zh-CN" sz="1400"/>
+              <a:t>list_head</a:t>
+            </a:r>
+            <a:r>
+              <a:rPr kumimoji="1" lang="zh-CN" altLang="en-US" sz="1400"/>
+              <a:t> *</a:t>
+            </a:r>
+            <a:r>
+              <a:rPr kumimoji="1" lang="en-US" altLang="zh-CN" sz="1400"/>
+              <a:t>next</a:t>
+            </a:r>
+            <a:r>
+              <a:rPr kumimoji="1" lang="zh-CN" altLang="en-US" sz="1400"/>
+              <a:t> </a:t>
+            </a:r>
+            <a:r>
+              <a:rPr kumimoji="1" lang="en-US" altLang="zh-CN" sz="1400"/>
+              <a:t>:</a:t>
+            </a:r>
+            <a:r>
+              <a:rPr kumimoji="1" lang="zh-CN" altLang="en-US" sz="1400"/>
+              <a:t> </a:t>
+            </a:r>
+            <a:r>
+              <a:rPr kumimoji="1" lang="en-US" altLang="zh-CN" sz="1400">
+                <a:solidFill>
+                  <a:schemeClr val="accent2"/>
+                </a:solidFill>
+              </a:rPr>
+              <a:t>proc-&gt;todo</a:t>
+            </a:r>
+            <a:endParaRPr kumimoji="1" lang="zh-CN" altLang="en-US" sz="1400">
+              <a:solidFill>
+                <a:schemeClr val="accent2"/>
+              </a:solidFill>
+            </a:endParaRPr>
+          </a:p>
+        </p:txBody>
+      </p:sp>
+      <p:sp>
+        <p:nvSpPr>
+          <p:cNvPr id="13" name="文本框 12"/>
+          <p:cNvSpPr txBox="1"/>
+          <p:nvPr/>
+        </p:nvSpPr>
+        <p:spPr>
+          <a:xfrm>
+            <a:off x="2717296" y="3372416"/>
+            <a:ext cx="5595351" cy="307777"/>
+          </a:xfrm>
+          <a:prstGeom prst="rect">
+            <a:avLst/>
+          </a:prstGeom>
+          <a:noFill/>
+          <a:ln>
+            <a:noFill/>
+          </a:ln>
+        </p:spPr>
+        <p:txBody>
+          <a:bodyPr wrap="square" rtlCol="0">
+            <a:spAutoFit/>
+          </a:bodyPr>
+          <a:lstStyle/>
+          <a:p>
+            <a:r>
+              <a:rPr kumimoji="1" lang="en-US" altLang="zh-CN" sz="1400" b="1"/>
+              <a:t>wait_queue_head_t</a:t>
+            </a:r>
+            <a:r>
+              <a:rPr kumimoji="1" lang="zh-CN" altLang="en-US" sz="1400"/>
+              <a:t> </a:t>
+            </a:r>
+            <a:r>
+              <a:rPr kumimoji="1" lang="en-US" altLang="zh-CN" sz="1400"/>
+              <a:t>:</a:t>
+            </a:r>
+            <a:r>
+              <a:rPr kumimoji="1" lang="zh-CN" altLang="en-US" sz="1400"/>
+              <a:t> </a:t>
+            </a:r>
+            <a:r>
+              <a:rPr kumimoji="1" lang="en-US" altLang="zh-CN" sz="1400">
+                <a:solidFill>
+                  <a:schemeClr val="accent2"/>
+                </a:solidFill>
+              </a:rPr>
+              <a:t>wait</a:t>
+            </a:r>
+            <a:endParaRPr kumimoji="1" lang="zh-CN" altLang="en-US" sz="1400">
+              <a:solidFill>
+                <a:schemeClr val="accent2"/>
+              </a:solidFill>
+            </a:endParaRPr>
+          </a:p>
+        </p:txBody>
+      </p:sp>
+      <p:sp>
+        <p:nvSpPr>
+          <p:cNvPr id="14" name="文本框 13"/>
+          <p:cNvSpPr txBox="1"/>
+          <p:nvPr/>
+        </p:nvSpPr>
+        <p:spPr>
+          <a:xfrm>
+            <a:off x="2774448" y="3966670"/>
+            <a:ext cx="4794754" cy="307777"/>
+          </a:xfrm>
+          <a:prstGeom prst="rect">
+            <a:avLst/>
+          </a:prstGeom>
+          <a:noFill/>
+          <a:ln>
+            <a:noFill/>
+          </a:ln>
+        </p:spPr>
+        <p:txBody>
+          <a:bodyPr wrap="square" rtlCol="0">
+            <a:spAutoFit/>
+          </a:bodyPr>
+          <a:lstStyle/>
+          <a:p>
+            <a:r>
+              <a:rPr kumimoji="1" lang="en-US" altLang="zh-CN" sz="1400" b="1"/>
+              <a:t>struct</a:t>
+            </a:r>
+            <a:r>
+              <a:rPr kumimoji="1" lang="zh-CN" altLang="en-US" sz="1400" b="1"/>
+              <a:t> </a:t>
+            </a:r>
+            <a:r>
+              <a:rPr kumimoji="1" lang="en-US" altLang="zh-CN" sz="1400" b="1"/>
+              <a:t>list_head</a:t>
+            </a:r>
+            <a:r>
+              <a:rPr kumimoji="1" lang="zh-CN" altLang="en-US" sz="1400"/>
+              <a:t> </a:t>
+            </a:r>
+            <a:r>
+              <a:rPr kumimoji="1" lang="en-US" altLang="zh-CN" sz="1400"/>
+              <a:t>:</a:t>
+            </a:r>
+            <a:r>
+              <a:rPr kumimoji="1" lang="zh-CN" altLang="en-US" sz="1400"/>
+              <a:t> </a:t>
+            </a:r>
+            <a:r>
+              <a:rPr kumimoji="1" lang="en-US" altLang="zh-CN" sz="1400">
+                <a:solidFill>
+                  <a:schemeClr val="accent2"/>
+                </a:solidFill>
+              </a:rPr>
+              <a:t>task_list</a:t>
+            </a:r>
+            <a:endParaRPr kumimoji="1" lang="zh-CN" altLang="en-US" sz="1400">
+              <a:solidFill>
+                <a:schemeClr val="accent2"/>
+              </a:solidFill>
+            </a:endParaRPr>
+          </a:p>
+        </p:txBody>
+      </p:sp>
+      <p:sp>
+        <p:nvSpPr>
+          <p:cNvPr id="15" name="矩形 14"/>
+          <p:cNvSpPr/>
+          <p:nvPr/>
+        </p:nvSpPr>
+        <p:spPr>
+          <a:xfrm>
+            <a:off x="2717296" y="3372761"/>
+            <a:ext cx="5595351" cy="1593673"/>
+          </a:xfrm>
+          <a:prstGeom prst="rect">
+            <a:avLst/>
+          </a:prstGeom>
+          <a:noFill/>
+          <a:ln>
+            <a:solidFill>
+              <a:schemeClr val="tx1"/>
+            </a:solidFill>
+          </a:ln>
+        </p:spPr>
+        <p:style>
+          <a:lnRef idx="2">
+            <a:schemeClr val="accent1">
+              <a:shade val="50000"/>
+            </a:schemeClr>
+          </a:lnRef>
+          <a:fillRef idx="1">
+            <a:schemeClr val="accent1"/>
+          </a:fillRef>
+          <a:effectRef idx="0">
+            <a:schemeClr val="accent1"/>
+          </a:effectRef>
+          <a:fontRef idx="minor">
+            <a:schemeClr val="lt1"/>
+          </a:fontRef>
+        </p:style>
+        <p:txBody>
+          <a:bodyPr rot="0" spcFirstLastPara="0" vertOverflow="overflow" horzOverflow="overflow" vert="horz" wrap="square" lIns="128016" tIns="64008" rIns="128016" bIns="64008" numCol="1" spcCol="0" rtlCol="0" fromWordArt="0" anchor="ctr" anchorCtr="0" forceAA="0" compatLnSpc="1">
+            <a:prstTxWarp prst="textNoShape">
+              <a:avLst/>
+            </a:prstTxWarp>
+            <a:noAutofit/>
+          </a:bodyPr>
+          <a:lstStyle/>
+          <a:p>
+            <a:pPr algn="ctr"/>
+            <a:endParaRPr kumimoji="1" lang="zh-CN" altLang="en-US" sz="1400"/>
+          </a:p>
+        </p:txBody>
+      </p:sp>
+      <p:sp>
+        <p:nvSpPr>
+          <p:cNvPr id="16" name="文本框 15"/>
+          <p:cNvSpPr txBox="1"/>
+          <p:nvPr/>
+        </p:nvSpPr>
+        <p:spPr>
+          <a:xfrm>
+            <a:off x="2820488" y="4253153"/>
+            <a:ext cx="5358953" cy="307777"/>
+          </a:xfrm>
+          <a:prstGeom prst="rect">
+            <a:avLst/>
+          </a:prstGeom>
+          <a:noFill/>
+          <a:ln>
+            <a:solidFill>
+              <a:schemeClr val="tx1"/>
+            </a:solidFill>
+          </a:ln>
+        </p:spPr>
+        <p:txBody>
+          <a:bodyPr wrap="square" rtlCol="0">
+            <a:spAutoFit/>
+          </a:bodyPr>
+          <a:lstStyle/>
+          <a:p>
+            <a:r>
+              <a:rPr kumimoji="1" lang="en-US" altLang="zh-CN" sz="1400"/>
+              <a:t>struct</a:t>
+            </a:r>
+            <a:r>
+              <a:rPr kumimoji="1" lang="zh-CN" altLang="en-US" sz="1400"/>
+              <a:t> </a:t>
+            </a:r>
+            <a:r>
+              <a:rPr kumimoji="1" lang="en-US" altLang="zh-CN" sz="1400"/>
+              <a:t>list_head</a:t>
+            </a:r>
+            <a:r>
+              <a:rPr kumimoji="1" lang="zh-CN" altLang="en-US" sz="1400"/>
+              <a:t> *</a:t>
+            </a:r>
+            <a:r>
+              <a:rPr kumimoji="1" lang="en-US" altLang="zh-CN" sz="1400"/>
+              <a:t>prev</a:t>
+            </a:r>
+            <a:r>
+              <a:rPr kumimoji="1" lang="zh-CN" altLang="en-US" sz="1400"/>
+              <a:t> </a:t>
+            </a:r>
+            <a:r>
+              <a:rPr kumimoji="1" lang="en-US" altLang="zh-CN" sz="1400"/>
+              <a:t>:</a:t>
+            </a:r>
+            <a:r>
+              <a:rPr kumimoji="1" lang="zh-CN" altLang="en-US" sz="1400"/>
+              <a:t> </a:t>
+            </a:r>
+            <a:r>
+              <a:rPr kumimoji="1" lang="en-US" altLang="zh-CN" sz="1400">
+                <a:solidFill>
+                  <a:schemeClr val="accent2"/>
+                </a:solidFill>
+              </a:rPr>
+              <a:t>wait-&gt;task_list</a:t>
+            </a:r>
+            <a:endParaRPr kumimoji="1" lang="zh-CN" altLang="en-US" sz="1400">
+              <a:solidFill>
+                <a:schemeClr val="accent2"/>
+              </a:solidFill>
+            </a:endParaRPr>
+          </a:p>
+        </p:txBody>
+      </p:sp>
+      <p:sp>
+        <p:nvSpPr>
+          <p:cNvPr id="17" name="文本框 16"/>
+          <p:cNvSpPr txBox="1"/>
+          <p:nvPr/>
+        </p:nvSpPr>
+        <p:spPr>
+          <a:xfrm>
+            <a:off x="2820488" y="4557690"/>
+            <a:ext cx="5358953" cy="307777"/>
+          </a:xfrm>
+          <a:prstGeom prst="rect">
+            <a:avLst/>
+          </a:prstGeom>
+          <a:noFill/>
+          <a:ln>
+            <a:solidFill>
+              <a:schemeClr val="tx1"/>
+            </a:solidFill>
+          </a:ln>
+        </p:spPr>
+        <p:txBody>
+          <a:bodyPr wrap="square" rtlCol="0">
+            <a:spAutoFit/>
+          </a:bodyPr>
+          <a:lstStyle/>
+          <a:p>
+            <a:r>
+              <a:rPr kumimoji="1" lang="en-US" altLang="zh-CN" sz="1400"/>
+              <a:t>struct</a:t>
+            </a:r>
+            <a:r>
+              <a:rPr kumimoji="1" lang="zh-CN" altLang="en-US" sz="1400"/>
+              <a:t> </a:t>
+            </a:r>
+            <a:r>
+              <a:rPr kumimoji="1" lang="en-US" altLang="zh-CN" sz="1400"/>
+              <a:t>list_head</a:t>
+            </a:r>
+            <a:r>
+              <a:rPr kumimoji="1" lang="zh-CN" altLang="en-US" sz="1400"/>
+              <a:t> *</a:t>
+            </a:r>
+            <a:r>
+              <a:rPr kumimoji="1" lang="en-US" altLang="zh-CN" sz="1400"/>
+              <a:t>next</a:t>
+            </a:r>
+            <a:r>
+              <a:rPr kumimoji="1" lang="zh-CN" altLang="en-US" sz="1400"/>
+              <a:t> </a:t>
+            </a:r>
+            <a:r>
+              <a:rPr kumimoji="1" lang="en-US" altLang="zh-CN" sz="1400"/>
+              <a:t>:</a:t>
+            </a:r>
+            <a:r>
+              <a:rPr kumimoji="1" lang="zh-CN" altLang="en-US" sz="1400"/>
+              <a:t> </a:t>
+            </a:r>
+            <a:r>
+              <a:rPr kumimoji="1" lang="en-US" altLang="zh-CN" sz="1400">
+                <a:solidFill>
+                  <a:schemeClr val="accent2"/>
+                </a:solidFill>
+              </a:rPr>
+              <a:t>wait-&gt;task_list</a:t>
+            </a:r>
+            <a:endParaRPr kumimoji="1" lang="zh-CN" altLang="en-US" sz="1400">
+              <a:solidFill>
+                <a:schemeClr val="accent2"/>
+              </a:solidFill>
+            </a:endParaRPr>
+          </a:p>
+        </p:txBody>
+      </p:sp>
+      <p:sp>
+        <p:nvSpPr>
+          <p:cNvPr id="18" name="文本框 17"/>
+          <p:cNvSpPr txBox="1"/>
+          <p:nvPr/>
+        </p:nvSpPr>
+        <p:spPr>
+          <a:xfrm>
+            <a:off x="2780637" y="3652996"/>
+            <a:ext cx="5447038" cy="307777"/>
+          </a:xfrm>
+          <a:prstGeom prst="rect">
+            <a:avLst/>
+          </a:prstGeom>
+          <a:noFill/>
+          <a:ln>
+            <a:solidFill>
+              <a:schemeClr val="tx1"/>
+            </a:solidFill>
+          </a:ln>
+        </p:spPr>
+        <p:txBody>
+          <a:bodyPr wrap="square" rtlCol="0">
+            <a:spAutoFit/>
+          </a:bodyPr>
+          <a:lstStyle/>
+          <a:p>
+            <a:r>
+              <a:rPr kumimoji="1" lang="en-US" altLang="zh-CN" sz="1400"/>
+              <a:t>spinlock_t</a:t>
+            </a:r>
+            <a:r>
+              <a:rPr kumimoji="1" lang="zh-CN" altLang="en-US" sz="1400"/>
+              <a:t> </a:t>
+            </a:r>
+            <a:r>
+              <a:rPr kumimoji="1" lang="en-US" altLang="zh-CN" sz="1400"/>
+              <a:t>lock</a:t>
+            </a:r>
+            <a:r>
+              <a:rPr kumimoji="1" lang="zh-CN" altLang="en-US" sz="1400"/>
+              <a:t> </a:t>
+            </a:r>
+            <a:r>
+              <a:rPr kumimoji="1" lang="en-US" altLang="zh-CN" sz="1400"/>
+              <a:t>:</a:t>
+            </a:r>
+            <a:r>
+              <a:rPr kumimoji="1" lang="zh-CN" altLang="en-US" sz="1400">
+                <a:solidFill>
+                  <a:schemeClr val="accent2"/>
+                </a:solidFill>
+              </a:rPr>
+              <a:t> </a:t>
+            </a:r>
+            <a:r>
+              <a:rPr lang="en-US" altLang="zh-CN" sz="1400">
+                <a:solidFill>
+                  <a:schemeClr val="accent2"/>
+                </a:solidFill>
+              </a:rPr>
+              <a:t>WAITQUEUE_RW_LOCK_UNLOCKED</a:t>
+            </a:r>
+            <a:endParaRPr kumimoji="1" lang="zh-CN" altLang="en-US" sz="1400">
+              <a:solidFill>
+                <a:schemeClr val="accent2"/>
+              </a:solidFill>
+            </a:endParaRPr>
+          </a:p>
+        </p:txBody>
+      </p:sp>
+      <p:sp>
+        <p:nvSpPr>
+          <p:cNvPr id="19" name="矩形 18"/>
+          <p:cNvSpPr/>
+          <p:nvPr/>
+        </p:nvSpPr>
+        <p:spPr>
+          <a:xfrm>
+            <a:off x="2780637" y="3968034"/>
+            <a:ext cx="5447039" cy="955774"/>
+          </a:xfrm>
+          <a:prstGeom prst="rect">
+            <a:avLst/>
+          </a:prstGeom>
+          <a:noFill/>
+          <a:ln>
+            <a:solidFill>
+              <a:schemeClr val="tx1"/>
+            </a:solidFill>
+          </a:ln>
+        </p:spPr>
+        <p:style>
+          <a:lnRef idx="2">
+            <a:schemeClr val="accent1">
+              <a:shade val="50000"/>
+            </a:schemeClr>
+          </a:lnRef>
+          <a:fillRef idx="1">
+            <a:schemeClr val="accent1"/>
+          </a:fillRef>
+          <a:effectRef idx="0">
+            <a:schemeClr val="accent1"/>
+          </a:effectRef>
+          <a:fontRef idx="minor">
+            <a:schemeClr val="lt1"/>
+          </a:fontRef>
+        </p:style>
+        <p:txBody>
+          <a:bodyPr rot="0" spcFirstLastPara="0" vertOverflow="overflow" horzOverflow="overflow" vert="horz" wrap="square" lIns="128016" tIns="64008" rIns="128016" bIns="64008" numCol="1" spcCol="0" rtlCol="0" fromWordArt="0" anchor="ctr" anchorCtr="0" forceAA="0" compatLnSpc="1">
+            <a:prstTxWarp prst="textNoShape">
+              <a:avLst/>
+            </a:prstTxWarp>
+            <a:noAutofit/>
+          </a:bodyPr>
+          <a:lstStyle/>
+          <a:p>
+            <a:pPr algn="ctr"/>
+            <a:endParaRPr kumimoji="1" lang="zh-CN" altLang="en-US" sz="1400"/>
+          </a:p>
+        </p:txBody>
+      </p:sp>
+      <p:sp>
+        <p:nvSpPr>
+          <p:cNvPr id="20" name="文本框 19"/>
+          <p:cNvSpPr txBox="1"/>
+          <p:nvPr/>
+        </p:nvSpPr>
+        <p:spPr>
+          <a:xfrm>
+            <a:off x="2717296" y="4961609"/>
+            <a:ext cx="5606626" cy="307777"/>
+          </a:xfrm>
+          <a:prstGeom prst="rect">
+            <a:avLst/>
+          </a:prstGeom>
+          <a:noFill/>
+          <a:ln>
+            <a:noFill/>
+          </a:ln>
+        </p:spPr>
+        <p:txBody>
+          <a:bodyPr wrap="square" rtlCol="0">
+            <a:spAutoFit/>
+          </a:bodyPr>
+          <a:lstStyle/>
+          <a:p>
+            <a:r>
+              <a:rPr kumimoji="1" lang="en-US" altLang="zh-CN" sz="1400" b="1"/>
+              <a:t>struct</a:t>
+            </a:r>
+            <a:r>
+              <a:rPr kumimoji="1" lang="zh-CN" altLang="en-US" sz="1400" b="1"/>
+              <a:t> </a:t>
+            </a:r>
+            <a:r>
+              <a:rPr kumimoji="1" lang="en-US" altLang="zh-CN" sz="1400" b="1"/>
+              <a:t>hlist_node</a:t>
+            </a:r>
+            <a:r>
+              <a:rPr kumimoji="1" lang="zh-CN" altLang="en-US" sz="1400"/>
+              <a:t> </a:t>
+            </a:r>
+            <a:r>
+              <a:rPr kumimoji="1" lang="en-US" altLang="zh-CN" sz="1400"/>
+              <a:t>:</a:t>
+            </a:r>
+            <a:r>
+              <a:rPr kumimoji="1" lang="zh-CN" altLang="en-US" sz="1400"/>
+              <a:t> </a:t>
+            </a:r>
+            <a:r>
+              <a:rPr kumimoji="1" lang="en-US" altLang="zh-CN" sz="1400">
+                <a:solidFill>
+                  <a:schemeClr val="accent2"/>
+                </a:solidFill>
+              </a:rPr>
+              <a:t>proc_node</a:t>
+            </a:r>
+            <a:endParaRPr kumimoji="1" lang="zh-CN" altLang="en-US" sz="1400">
+              <a:solidFill>
+                <a:schemeClr val="accent2"/>
+              </a:solidFill>
+            </a:endParaRPr>
+          </a:p>
+        </p:txBody>
+      </p:sp>
+      <p:sp>
+        <p:nvSpPr>
+          <p:cNvPr id="21" name="矩形 20"/>
+          <p:cNvSpPr/>
+          <p:nvPr/>
+        </p:nvSpPr>
+        <p:spPr>
+          <a:xfrm>
+            <a:off x="2717296" y="4962223"/>
+            <a:ext cx="5595351" cy="976704"/>
+          </a:xfrm>
+          <a:prstGeom prst="rect">
+            <a:avLst/>
+          </a:prstGeom>
+          <a:noFill/>
+          <a:ln>
+            <a:solidFill>
+              <a:schemeClr val="tx1"/>
+            </a:solidFill>
+          </a:ln>
+        </p:spPr>
+        <p:style>
+          <a:lnRef idx="2">
+            <a:schemeClr val="accent1">
+              <a:shade val="50000"/>
+            </a:schemeClr>
+          </a:lnRef>
+          <a:fillRef idx="1">
+            <a:schemeClr val="accent1"/>
+          </a:fillRef>
+          <a:effectRef idx="0">
+            <a:schemeClr val="accent1"/>
+          </a:effectRef>
+          <a:fontRef idx="minor">
+            <a:schemeClr val="lt1"/>
+          </a:fontRef>
+        </p:style>
+        <p:txBody>
+          <a:bodyPr rot="0" spcFirstLastPara="0" vertOverflow="overflow" horzOverflow="overflow" vert="horz" wrap="square" lIns="128016" tIns="64008" rIns="128016" bIns="64008" numCol="1" spcCol="0" rtlCol="0" fromWordArt="0" anchor="ctr" anchorCtr="0" forceAA="0" compatLnSpc="1">
+            <a:prstTxWarp prst="textNoShape">
+              <a:avLst/>
+            </a:prstTxWarp>
+            <a:noAutofit/>
+          </a:bodyPr>
+          <a:lstStyle/>
+          <a:p>
+            <a:pPr algn="ctr"/>
+            <a:endParaRPr kumimoji="1" lang="zh-CN" altLang="en-US" sz="1400"/>
+          </a:p>
+        </p:txBody>
+      </p:sp>
+      <p:sp>
+        <p:nvSpPr>
+          <p:cNvPr id="22" name="文本框 21"/>
+          <p:cNvSpPr txBox="1"/>
+          <p:nvPr/>
+        </p:nvSpPr>
+        <p:spPr>
+          <a:xfrm>
+            <a:off x="2791912" y="5251267"/>
+            <a:ext cx="5447038" cy="307777"/>
+          </a:xfrm>
+          <a:prstGeom prst="rect">
+            <a:avLst/>
+          </a:prstGeom>
+          <a:noFill/>
+          <a:ln>
+            <a:solidFill>
+              <a:schemeClr val="tx1"/>
+            </a:solidFill>
+          </a:ln>
+        </p:spPr>
+        <p:txBody>
+          <a:bodyPr wrap="square" rtlCol="0">
+            <a:spAutoFit/>
+          </a:bodyPr>
+          <a:lstStyle/>
+          <a:p>
+            <a:r>
+              <a:rPr kumimoji="1" lang="en-US" altLang="zh-CN" sz="1400"/>
+              <a:t>struct</a:t>
+            </a:r>
+            <a:r>
+              <a:rPr kumimoji="1" lang="zh-CN" altLang="en-US" sz="1400"/>
+              <a:t> </a:t>
+            </a:r>
+            <a:r>
+              <a:rPr kumimoji="1" lang="en-US" altLang="zh-CN" sz="1400"/>
+              <a:t>hlist_head</a:t>
+            </a:r>
+            <a:r>
+              <a:rPr kumimoji="1" lang="zh-CN" altLang="en-US" sz="1400"/>
+              <a:t> **</a:t>
+            </a:r>
+            <a:r>
+              <a:rPr kumimoji="1" lang="en-US" altLang="zh-CN" sz="1400"/>
+              <a:t>pprev</a:t>
+            </a:r>
+            <a:r>
+              <a:rPr kumimoji="1" lang="zh-CN" altLang="en-US" sz="1400"/>
+              <a:t> </a:t>
+            </a:r>
+            <a:r>
+              <a:rPr kumimoji="1" lang="en-US" altLang="zh-CN" sz="1400"/>
+              <a:t>:</a:t>
+            </a:r>
+            <a:endParaRPr kumimoji="1" lang="zh-CN" altLang="en-US" sz="1400">
+              <a:solidFill>
+                <a:schemeClr val="accent2"/>
+              </a:solidFill>
+            </a:endParaRPr>
+          </a:p>
+        </p:txBody>
+      </p:sp>
+      <p:sp>
+        <p:nvSpPr>
+          <p:cNvPr id="23" name="文本框 22"/>
+          <p:cNvSpPr txBox="1"/>
+          <p:nvPr/>
+        </p:nvSpPr>
+        <p:spPr>
+          <a:xfrm>
+            <a:off x="2791912" y="5568504"/>
+            <a:ext cx="5447038" cy="307777"/>
+          </a:xfrm>
+          <a:prstGeom prst="rect">
+            <a:avLst/>
+          </a:prstGeom>
+          <a:noFill/>
+          <a:ln>
+            <a:solidFill>
+              <a:schemeClr val="tx1"/>
+            </a:solidFill>
+          </a:ln>
+        </p:spPr>
+        <p:txBody>
+          <a:bodyPr wrap="square" rtlCol="0">
+            <a:spAutoFit/>
+          </a:bodyPr>
+          <a:lstStyle/>
+          <a:p>
+            <a:r>
+              <a:rPr kumimoji="1" lang="en-US" altLang="zh-CN" sz="1400"/>
+              <a:t>struct</a:t>
+            </a:r>
+            <a:r>
+              <a:rPr kumimoji="1" lang="zh-CN" altLang="en-US" sz="1400"/>
+              <a:t> </a:t>
+            </a:r>
+            <a:r>
+              <a:rPr kumimoji="1" lang="en-US" altLang="zh-CN" sz="1400"/>
+              <a:t>list_head</a:t>
+            </a:r>
+            <a:r>
+              <a:rPr kumimoji="1" lang="zh-CN" altLang="en-US" sz="1400"/>
+              <a:t> *</a:t>
+            </a:r>
+            <a:r>
+              <a:rPr kumimoji="1" lang="en-US" altLang="zh-CN" sz="1400"/>
+              <a:t>next</a:t>
+            </a:r>
+            <a:r>
+              <a:rPr kumimoji="1" lang="zh-CN" altLang="en-US" sz="1400"/>
+              <a:t> </a:t>
+            </a:r>
+            <a:r>
+              <a:rPr kumimoji="1" lang="en-US" altLang="zh-CN" sz="1400"/>
+              <a:t>:</a:t>
+            </a:r>
+            <a:r>
+              <a:rPr kumimoji="1" lang="zh-CN" altLang="en-US" sz="1400"/>
+              <a:t> </a:t>
+            </a:r>
+            <a:endParaRPr kumimoji="1" lang="zh-CN" altLang="en-US" sz="1400">
+              <a:solidFill>
+                <a:schemeClr val="accent2"/>
+              </a:solidFill>
+            </a:endParaRPr>
+          </a:p>
+        </p:txBody>
+      </p:sp>
+      <p:sp>
+        <p:nvSpPr>
+          <p:cNvPr id="24" name="文本框 23"/>
+          <p:cNvSpPr txBox="1"/>
+          <p:nvPr/>
+        </p:nvSpPr>
+        <p:spPr>
+          <a:xfrm>
+            <a:off x="2706021" y="5944199"/>
+            <a:ext cx="5606626" cy="307777"/>
+          </a:xfrm>
+          <a:prstGeom prst="rect">
+            <a:avLst/>
+          </a:prstGeom>
+          <a:noFill/>
+          <a:ln>
+            <a:noFill/>
+          </a:ln>
+        </p:spPr>
+        <p:txBody>
+          <a:bodyPr wrap="square" rtlCol="0">
+            <a:spAutoFit/>
+          </a:bodyPr>
+          <a:lstStyle/>
+          <a:p>
+            <a:r>
+              <a:rPr kumimoji="1" lang="en-US" altLang="zh-CN" sz="1400" b="1"/>
+              <a:t>struct</a:t>
+            </a:r>
+            <a:r>
+              <a:rPr kumimoji="1" lang="zh-CN" altLang="en-US" sz="1400" b="1"/>
+              <a:t> </a:t>
+            </a:r>
+            <a:r>
+              <a:rPr kumimoji="1" lang="en-US" altLang="zh-CN" sz="1400" b="1"/>
+              <a:t>list_head</a:t>
+            </a:r>
+            <a:r>
+              <a:rPr kumimoji="1" lang="zh-CN" altLang="en-US" sz="1400"/>
+              <a:t> </a:t>
+            </a:r>
+            <a:r>
+              <a:rPr kumimoji="1" lang="en-US" altLang="zh-CN" sz="1400"/>
+              <a:t>:</a:t>
+            </a:r>
+            <a:r>
+              <a:rPr kumimoji="1" lang="zh-CN" altLang="en-US" sz="1400"/>
+              <a:t> </a:t>
+            </a:r>
+            <a:r>
+              <a:rPr kumimoji="1" lang="en-US" altLang="zh-CN" sz="1400">
+                <a:solidFill>
+                  <a:schemeClr val="accent2"/>
+                </a:solidFill>
+              </a:rPr>
+              <a:t>delivered_death</a:t>
+            </a:r>
+            <a:endParaRPr kumimoji="1" lang="zh-CN" altLang="en-US" sz="1400">
+              <a:solidFill>
+                <a:schemeClr val="accent2"/>
+              </a:solidFill>
+            </a:endParaRPr>
+          </a:p>
+        </p:txBody>
+      </p:sp>
+      <p:sp>
+        <p:nvSpPr>
+          <p:cNvPr id="25" name="矩形 24"/>
+          <p:cNvSpPr/>
+          <p:nvPr/>
+        </p:nvSpPr>
+        <p:spPr>
+          <a:xfrm>
+            <a:off x="2715817" y="5944813"/>
+            <a:ext cx="5596830" cy="938186"/>
+          </a:xfrm>
+          <a:prstGeom prst="rect">
+            <a:avLst/>
+          </a:prstGeom>
+          <a:noFill/>
+          <a:ln>
+            <a:solidFill>
+              <a:schemeClr val="tx1"/>
+            </a:solidFill>
+          </a:ln>
+        </p:spPr>
+        <p:style>
+          <a:lnRef idx="2">
+            <a:schemeClr val="accent1">
+              <a:shade val="50000"/>
+            </a:schemeClr>
+          </a:lnRef>
+          <a:fillRef idx="1">
+            <a:schemeClr val="accent1"/>
+          </a:fillRef>
+          <a:effectRef idx="0">
+            <a:schemeClr val="accent1"/>
+          </a:effectRef>
+          <a:fontRef idx="minor">
+            <a:schemeClr val="lt1"/>
+          </a:fontRef>
+        </p:style>
+        <p:txBody>
+          <a:bodyPr rot="0" spcFirstLastPara="0" vertOverflow="overflow" horzOverflow="overflow" vert="horz" wrap="square" lIns="128016" tIns="64008" rIns="128016" bIns="64008" numCol="1" spcCol="0" rtlCol="0" fromWordArt="0" anchor="ctr" anchorCtr="0" forceAA="0" compatLnSpc="1">
+            <a:prstTxWarp prst="textNoShape">
+              <a:avLst/>
+            </a:prstTxWarp>
+            <a:noAutofit/>
+          </a:bodyPr>
+          <a:lstStyle/>
+          <a:p>
+            <a:pPr algn="ctr"/>
+            <a:endParaRPr kumimoji="1" lang="zh-CN" altLang="en-US" sz="1400"/>
+          </a:p>
+        </p:txBody>
+      </p:sp>
+      <p:sp>
+        <p:nvSpPr>
+          <p:cNvPr id="26" name="文本框 25"/>
+          <p:cNvSpPr txBox="1"/>
+          <p:nvPr/>
+        </p:nvSpPr>
+        <p:spPr>
+          <a:xfrm>
+            <a:off x="2780637" y="6208457"/>
+            <a:ext cx="5447038" cy="307777"/>
+          </a:xfrm>
+          <a:prstGeom prst="rect">
+            <a:avLst/>
+          </a:prstGeom>
+          <a:noFill/>
+          <a:ln>
+            <a:solidFill>
+              <a:schemeClr val="tx1"/>
+            </a:solidFill>
+          </a:ln>
+        </p:spPr>
+        <p:txBody>
+          <a:bodyPr wrap="square" rtlCol="0">
+            <a:spAutoFit/>
+          </a:bodyPr>
+          <a:lstStyle/>
+          <a:p>
+            <a:r>
+              <a:rPr kumimoji="1" lang="en-US" altLang="zh-CN" sz="1400"/>
+              <a:t>struct</a:t>
+            </a:r>
+            <a:r>
+              <a:rPr kumimoji="1" lang="zh-CN" altLang="en-US" sz="1400"/>
+              <a:t> </a:t>
+            </a:r>
+            <a:r>
+              <a:rPr kumimoji="1" lang="en-US" altLang="zh-CN" sz="1400"/>
+              <a:t>list_head</a:t>
+            </a:r>
+            <a:r>
+              <a:rPr kumimoji="1" lang="zh-CN" altLang="en-US" sz="1400"/>
+              <a:t> *</a:t>
+            </a:r>
+            <a:r>
+              <a:rPr kumimoji="1" lang="en-US" altLang="zh-CN" sz="1400"/>
+              <a:t>prev</a:t>
+            </a:r>
+            <a:r>
+              <a:rPr kumimoji="1" lang="zh-CN" altLang="en-US" sz="1400"/>
+              <a:t> </a:t>
+            </a:r>
+            <a:r>
+              <a:rPr kumimoji="1" lang="en-US" altLang="zh-CN" sz="1400"/>
+              <a:t>:</a:t>
+            </a:r>
+            <a:r>
+              <a:rPr kumimoji="1" lang="zh-CN" altLang="en-US" sz="1400"/>
+              <a:t> </a:t>
+            </a:r>
+            <a:r>
+              <a:rPr kumimoji="1" lang="en-US" altLang="zh-CN" sz="1400">
+                <a:solidFill>
+                  <a:schemeClr val="accent2"/>
+                </a:solidFill>
+              </a:rPr>
+              <a:t>delivered_death</a:t>
+            </a:r>
+            <a:endParaRPr kumimoji="1" lang="zh-CN" altLang="en-US" sz="1400">
+              <a:solidFill>
+                <a:schemeClr val="accent2"/>
+              </a:solidFill>
+            </a:endParaRPr>
+          </a:p>
+        </p:txBody>
+      </p:sp>
+      <p:sp>
+        <p:nvSpPr>
+          <p:cNvPr id="27" name="文本框 26"/>
+          <p:cNvSpPr txBox="1"/>
+          <p:nvPr/>
+        </p:nvSpPr>
+        <p:spPr>
+          <a:xfrm>
+            <a:off x="2780637" y="6512994"/>
+            <a:ext cx="5447038" cy="307777"/>
+          </a:xfrm>
+          <a:prstGeom prst="rect">
+            <a:avLst/>
+          </a:prstGeom>
+          <a:noFill/>
+          <a:ln>
+            <a:solidFill>
+              <a:schemeClr val="tx1"/>
+            </a:solidFill>
+          </a:ln>
+        </p:spPr>
+        <p:txBody>
+          <a:bodyPr wrap="square" rtlCol="0">
+            <a:spAutoFit/>
+          </a:bodyPr>
+          <a:lstStyle/>
+          <a:p>
+            <a:r>
+              <a:rPr kumimoji="1" lang="en-US" altLang="zh-CN" sz="1400"/>
+              <a:t>struct</a:t>
+            </a:r>
+            <a:r>
+              <a:rPr kumimoji="1" lang="zh-CN" altLang="en-US" sz="1400"/>
+              <a:t> </a:t>
+            </a:r>
+            <a:r>
+              <a:rPr kumimoji="1" lang="en-US" altLang="zh-CN" sz="1400"/>
+              <a:t>list_head</a:t>
+            </a:r>
+            <a:r>
+              <a:rPr kumimoji="1" lang="zh-CN" altLang="en-US" sz="1400"/>
+              <a:t> *</a:t>
+            </a:r>
+            <a:r>
+              <a:rPr kumimoji="1" lang="en-US" altLang="zh-CN" sz="1400"/>
+              <a:t>next</a:t>
+            </a:r>
+            <a:r>
+              <a:rPr kumimoji="1" lang="zh-CN" altLang="en-US" sz="1400"/>
+              <a:t> </a:t>
+            </a:r>
+            <a:r>
+              <a:rPr kumimoji="1" lang="en-US" altLang="zh-CN" sz="1400"/>
+              <a:t>:</a:t>
+            </a:r>
+            <a:r>
+              <a:rPr kumimoji="1" lang="zh-CN" altLang="en-US" sz="1400"/>
+              <a:t> </a:t>
+            </a:r>
+            <a:r>
+              <a:rPr kumimoji="1" lang="en-US" altLang="zh-CN" sz="1400">
+                <a:solidFill>
+                  <a:schemeClr val="accent2"/>
+                </a:solidFill>
+              </a:rPr>
+              <a:t>delivered_death</a:t>
+            </a:r>
+            <a:endParaRPr kumimoji="1" lang="zh-CN" altLang="en-US" sz="1400">
+              <a:solidFill>
+                <a:schemeClr val="accent2"/>
+              </a:solidFill>
+            </a:endParaRPr>
+          </a:p>
+        </p:txBody>
+      </p:sp>
+      <p:sp>
+        <p:nvSpPr>
+          <p:cNvPr id="28" name="文本框 27"/>
+          <p:cNvSpPr txBox="1"/>
+          <p:nvPr/>
+        </p:nvSpPr>
+        <p:spPr>
+          <a:xfrm>
+            <a:off x="2706021" y="6882605"/>
+            <a:ext cx="5606626" cy="307777"/>
+          </a:xfrm>
+          <a:prstGeom prst="rect">
+            <a:avLst/>
+          </a:prstGeom>
+          <a:noFill/>
+          <a:ln>
+            <a:noFill/>
+          </a:ln>
+        </p:spPr>
+        <p:txBody>
+          <a:bodyPr wrap="square" rtlCol="0">
+            <a:spAutoFit/>
+          </a:bodyPr>
+          <a:lstStyle/>
+          <a:p>
+            <a:r>
+              <a:rPr kumimoji="1" lang="en-US" altLang="zh-CN" sz="1400" b="1"/>
+              <a:t>struct</a:t>
+            </a:r>
+            <a:r>
+              <a:rPr kumimoji="1" lang="zh-CN" altLang="en-US" sz="1400" b="1"/>
+              <a:t> </a:t>
+            </a:r>
+            <a:r>
+              <a:rPr kumimoji="1" lang="en-US" altLang="zh-CN" sz="1400" b="1"/>
+              <a:t>rb_root</a:t>
+            </a:r>
+            <a:r>
+              <a:rPr kumimoji="1" lang="zh-CN" altLang="en-US" sz="1400"/>
+              <a:t> </a:t>
+            </a:r>
+            <a:r>
+              <a:rPr kumimoji="1" lang="en-US" altLang="zh-CN" sz="1400"/>
+              <a:t>:</a:t>
+            </a:r>
+            <a:r>
+              <a:rPr kumimoji="1" lang="zh-CN" altLang="en-US" sz="1400"/>
+              <a:t> </a:t>
+            </a:r>
+            <a:r>
+              <a:rPr kumimoji="1" lang="en-US" altLang="zh-CN" sz="1400">
+                <a:solidFill>
+                  <a:schemeClr val="accent2"/>
+                </a:solidFill>
+              </a:rPr>
+              <a:t>threads</a:t>
+            </a:r>
+            <a:endParaRPr kumimoji="1" lang="zh-CN" altLang="en-US" sz="1400">
+              <a:solidFill>
+                <a:schemeClr val="accent2"/>
+              </a:solidFill>
+            </a:endParaRPr>
+          </a:p>
+        </p:txBody>
+      </p:sp>
+      <p:sp>
+        <p:nvSpPr>
+          <p:cNvPr id="29" name="矩形 28"/>
+          <p:cNvSpPr/>
+          <p:nvPr/>
+        </p:nvSpPr>
+        <p:spPr>
+          <a:xfrm>
+            <a:off x="2715815" y="6883219"/>
+            <a:ext cx="5596831" cy="630409"/>
+          </a:xfrm>
+          <a:prstGeom prst="rect">
+            <a:avLst/>
+          </a:prstGeom>
+          <a:noFill/>
+          <a:ln>
+            <a:solidFill>
+              <a:schemeClr val="tx1"/>
+            </a:solidFill>
+          </a:ln>
+        </p:spPr>
+        <p:style>
+          <a:lnRef idx="2">
+            <a:schemeClr val="accent1">
+              <a:shade val="50000"/>
+            </a:schemeClr>
+          </a:lnRef>
+          <a:fillRef idx="1">
+            <a:schemeClr val="accent1"/>
+          </a:fillRef>
+          <a:effectRef idx="0">
+            <a:schemeClr val="accent1"/>
+          </a:effectRef>
+          <a:fontRef idx="minor">
+            <a:schemeClr val="lt1"/>
+          </a:fontRef>
+        </p:style>
+        <p:txBody>
+          <a:bodyPr rot="0" spcFirstLastPara="0" vertOverflow="overflow" horzOverflow="overflow" vert="horz" wrap="square" lIns="128016" tIns="64008" rIns="128016" bIns="64008" numCol="1" spcCol="0" rtlCol="0" fromWordArt="0" anchor="ctr" anchorCtr="0" forceAA="0" compatLnSpc="1">
+            <a:prstTxWarp prst="textNoShape">
+              <a:avLst/>
+            </a:prstTxWarp>
+            <a:noAutofit/>
+          </a:bodyPr>
+          <a:lstStyle/>
+          <a:p>
+            <a:pPr algn="ctr"/>
+            <a:endParaRPr kumimoji="1" lang="zh-CN" altLang="en-US" sz="1400"/>
+          </a:p>
+        </p:txBody>
+      </p:sp>
+      <p:sp>
+        <p:nvSpPr>
+          <p:cNvPr id="30" name="文本框 29"/>
+          <p:cNvSpPr txBox="1"/>
+          <p:nvPr/>
+        </p:nvSpPr>
+        <p:spPr>
+          <a:xfrm>
+            <a:off x="2780637" y="7146863"/>
+            <a:ext cx="5447038" cy="307777"/>
+          </a:xfrm>
+          <a:prstGeom prst="rect">
+            <a:avLst/>
+          </a:prstGeom>
+          <a:noFill/>
+          <a:ln>
+            <a:solidFill>
+              <a:schemeClr val="tx1"/>
+            </a:solidFill>
+          </a:ln>
+        </p:spPr>
+        <p:txBody>
+          <a:bodyPr wrap="square" rtlCol="0">
+            <a:spAutoFit/>
+          </a:bodyPr>
+          <a:lstStyle/>
+          <a:p>
+            <a:r>
+              <a:rPr kumimoji="1" lang="en-US" altLang="zh-CN" sz="1400"/>
+              <a:t>struct</a:t>
+            </a:r>
+            <a:r>
+              <a:rPr kumimoji="1" lang="zh-CN" altLang="en-US" sz="1400"/>
+              <a:t> </a:t>
+            </a:r>
+            <a:r>
+              <a:rPr kumimoji="1" lang="en-US" altLang="zh-CN" sz="1400"/>
+              <a:t>rb_node</a:t>
+            </a:r>
+            <a:r>
+              <a:rPr kumimoji="1" lang="zh-CN" altLang="en-US" sz="1400"/>
+              <a:t> *</a:t>
+            </a:r>
+            <a:r>
+              <a:rPr kumimoji="1" lang="en-US" altLang="zh-CN" sz="1400"/>
+              <a:t>rb_node</a:t>
+            </a:r>
+            <a:r>
+              <a:rPr kumimoji="1" lang="zh-CN" altLang="en-US" sz="1400"/>
+              <a:t> </a:t>
+            </a:r>
+            <a:r>
+              <a:rPr kumimoji="1" lang="en-US" altLang="zh-CN" sz="1400"/>
+              <a:t>:</a:t>
+            </a:r>
+            <a:endParaRPr kumimoji="1" lang="zh-CN" altLang="en-US" sz="1400">
+              <a:solidFill>
+                <a:schemeClr val="accent2"/>
+              </a:solidFill>
+            </a:endParaRPr>
+          </a:p>
+        </p:txBody>
+      </p:sp>
+      <p:sp>
+        <p:nvSpPr>
+          <p:cNvPr id="31" name="文本框 30"/>
+          <p:cNvSpPr txBox="1"/>
+          <p:nvPr/>
+        </p:nvSpPr>
+        <p:spPr>
+          <a:xfrm>
+            <a:off x="2717295" y="7516205"/>
+            <a:ext cx="5595351" cy="307777"/>
+          </a:xfrm>
+          <a:prstGeom prst="rect">
+            <a:avLst/>
+          </a:prstGeom>
+          <a:noFill/>
+          <a:ln>
+            <a:solidFill>
+              <a:schemeClr val="tx1"/>
+            </a:solidFill>
+          </a:ln>
+        </p:spPr>
+        <p:txBody>
+          <a:bodyPr wrap="square" rtlCol="0">
+            <a:spAutoFit/>
+          </a:bodyPr>
+          <a:lstStyle/>
+          <a:p>
+            <a:r>
+              <a:rPr kumimoji="1" lang="en-US" altLang="zh-CN" sz="1400"/>
+              <a:t>void</a:t>
+            </a:r>
+            <a:r>
+              <a:rPr kumimoji="1" lang="zh-CN" altLang="en-US" sz="1400"/>
+              <a:t>* </a:t>
+            </a:r>
+            <a:r>
+              <a:rPr kumimoji="1" lang="en-US" altLang="zh-CN" sz="1400"/>
+              <a:t>buffer</a:t>
+            </a:r>
+            <a:r>
+              <a:rPr kumimoji="1" lang="zh-CN" altLang="en-US" sz="1400"/>
+              <a:t> </a:t>
+            </a:r>
+            <a:r>
+              <a:rPr kumimoji="1" lang="en-US" altLang="zh-CN" sz="1400"/>
+              <a:t>:</a:t>
+            </a:r>
+            <a:r>
+              <a:rPr kumimoji="1" lang="zh-CN" altLang="en-US" sz="1400"/>
+              <a:t> </a:t>
+            </a:r>
+            <a:r>
+              <a:rPr kumimoji="1" lang="en-US" altLang="zh-CN" sz="1400">
+                <a:solidFill>
+                  <a:schemeClr val="accent2"/>
+                </a:solidFill>
+              </a:rPr>
+              <a:t>area-&gt;addr</a:t>
+            </a:r>
+            <a:endParaRPr kumimoji="1" lang="zh-CN" altLang="en-US" sz="1400">
+              <a:solidFill>
+                <a:schemeClr val="accent2"/>
+              </a:solidFill>
+            </a:endParaRPr>
+          </a:p>
+        </p:txBody>
+      </p:sp>
+      <p:sp>
+        <p:nvSpPr>
+          <p:cNvPr id="32" name="文本框 31"/>
+          <p:cNvSpPr txBox="1"/>
+          <p:nvPr/>
+        </p:nvSpPr>
+        <p:spPr>
+          <a:xfrm>
+            <a:off x="2717295" y="7822595"/>
+            <a:ext cx="5595351" cy="523220"/>
+          </a:xfrm>
+          <a:prstGeom prst="rect">
+            <a:avLst/>
+          </a:prstGeom>
+          <a:noFill/>
+          <a:ln>
+            <a:solidFill>
+              <a:schemeClr val="tx1"/>
+            </a:solidFill>
+          </a:ln>
+        </p:spPr>
+        <p:txBody>
+          <a:bodyPr wrap="square" rtlCol="0">
+            <a:spAutoFit/>
+          </a:bodyPr>
+          <a:lstStyle/>
+          <a:p>
+            <a:r>
+              <a:rPr kumimoji="1" lang="en-US" altLang="zh-CN" sz="1400"/>
+              <a:t>ptrdiff_t</a:t>
+            </a:r>
+            <a:r>
+              <a:rPr kumimoji="1" lang="zh-CN" altLang="en-US" sz="1400"/>
+              <a:t> </a:t>
+            </a:r>
+            <a:r>
+              <a:rPr kumimoji="1" lang="en-US" altLang="zh-CN" sz="1400"/>
+              <a:t>user_buffer_offset</a:t>
+            </a:r>
+            <a:r>
+              <a:rPr kumimoji="1" lang="zh-CN" altLang="en-US" sz="1400"/>
+              <a:t> </a:t>
+            </a:r>
+            <a:r>
+              <a:rPr kumimoji="1" lang="en-US" altLang="zh-CN" sz="1400"/>
+              <a:t>:</a:t>
+            </a:r>
+            <a:r>
+              <a:rPr kumimoji="1" lang="zh-CN" altLang="en-US" sz="1400"/>
+              <a:t> </a:t>
+            </a:r>
+            <a:endParaRPr kumimoji="1" lang="en-US" altLang="zh-CN" sz="1400"/>
+          </a:p>
+          <a:p>
+            <a:r>
+              <a:rPr kumimoji="1" lang="en-US" altLang="zh-CN" sz="1400">
+                <a:solidFill>
+                  <a:schemeClr val="accent2"/>
+                </a:solidFill>
+              </a:rPr>
+              <a:t>vma-&gt;vm_start-(uintptr_t)proc-&gt;buffer</a:t>
+            </a:r>
+            <a:endParaRPr kumimoji="1" lang="zh-CN" altLang="en-US" sz="1400">
+              <a:solidFill>
+                <a:schemeClr val="accent2"/>
+              </a:solidFill>
+            </a:endParaRPr>
+          </a:p>
+        </p:txBody>
+      </p:sp>
+      <p:sp>
+        <p:nvSpPr>
+          <p:cNvPr id="33" name="文本框 32"/>
+          <p:cNvSpPr txBox="1"/>
+          <p:nvPr/>
+        </p:nvSpPr>
+        <p:spPr>
+          <a:xfrm>
+            <a:off x="2717295" y="8344162"/>
+            <a:ext cx="5595351" cy="307777"/>
+          </a:xfrm>
+          <a:prstGeom prst="rect">
+            <a:avLst/>
+          </a:prstGeom>
+          <a:noFill/>
+          <a:ln>
+            <a:solidFill>
+              <a:schemeClr val="tx1"/>
+            </a:solidFill>
+          </a:ln>
+        </p:spPr>
+        <p:txBody>
+          <a:bodyPr wrap="square" rtlCol="0">
+            <a:spAutoFit/>
+          </a:bodyPr>
+          <a:lstStyle/>
+          <a:p>
+            <a:r>
+              <a:rPr kumimoji="1" lang="en-US" altLang="zh-CN" sz="1400"/>
+              <a:t>struct</a:t>
+            </a:r>
+            <a:r>
+              <a:rPr kumimoji="1" lang="zh-CN" altLang="en-US" sz="1400"/>
+              <a:t> </a:t>
+            </a:r>
+            <a:r>
+              <a:rPr kumimoji="1" lang="en-US" altLang="zh-CN" sz="1400"/>
+              <a:t>page</a:t>
+            </a:r>
+            <a:r>
+              <a:rPr kumimoji="1" lang="zh-CN" altLang="en-US" sz="1400"/>
+              <a:t> ** </a:t>
+            </a:r>
+            <a:r>
+              <a:rPr kumimoji="1" lang="en-US" altLang="zh-CN" sz="1400"/>
+              <a:t>pages:</a:t>
+            </a:r>
+            <a:endParaRPr kumimoji="1" lang="zh-CN" altLang="en-US" sz="1400">
+              <a:solidFill>
+                <a:schemeClr val="accent2"/>
+              </a:solidFill>
+            </a:endParaRPr>
+          </a:p>
+        </p:txBody>
+      </p:sp>
+      <p:sp>
+        <p:nvSpPr>
+          <p:cNvPr id="34" name="文本框 33"/>
+          <p:cNvSpPr txBox="1"/>
+          <p:nvPr/>
+        </p:nvSpPr>
+        <p:spPr>
+          <a:xfrm>
+            <a:off x="2717295" y="8646106"/>
+            <a:ext cx="5595351" cy="307777"/>
+          </a:xfrm>
+          <a:prstGeom prst="rect">
+            <a:avLst/>
+          </a:prstGeom>
+          <a:noFill/>
+          <a:ln>
+            <a:solidFill>
+              <a:schemeClr val="tx1"/>
+            </a:solidFill>
+          </a:ln>
+        </p:spPr>
+        <p:txBody>
+          <a:bodyPr wrap="square" rtlCol="0">
+            <a:spAutoFit/>
+          </a:bodyPr>
+          <a:lstStyle/>
+          <a:p>
+            <a:r>
+              <a:rPr kumimoji="1" lang="en-US" altLang="zh-CN" sz="1400"/>
+              <a:t>size_t</a:t>
+            </a:r>
+            <a:r>
+              <a:rPr kumimoji="1" lang="zh-CN" altLang="en-US" sz="1400"/>
+              <a:t> </a:t>
+            </a:r>
+            <a:r>
+              <a:rPr kumimoji="1" lang="en-US" altLang="zh-CN" sz="1400"/>
+              <a:t>buffer_size</a:t>
+            </a:r>
+            <a:r>
+              <a:rPr kumimoji="1" lang="zh-CN" altLang="en-US" sz="1400"/>
+              <a:t> </a:t>
+            </a:r>
+            <a:r>
+              <a:rPr kumimoji="1" lang="en-US" altLang="zh-CN" sz="1400"/>
+              <a:t>:</a:t>
+            </a:r>
+            <a:r>
+              <a:rPr kumimoji="1" lang="zh-CN" altLang="en-US" sz="1400">
+                <a:solidFill>
+                  <a:schemeClr val="accent2"/>
+                </a:solidFill>
+              </a:rPr>
+              <a:t> </a:t>
+            </a:r>
+            <a:r>
+              <a:rPr kumimoji="1" lang="en-US" altLang="zh-CN" sz="1400">
+                <a:solidFill>
+                  <a:schemeClr val="accent2"/>
+                </a:solidFill>
+              </a:rPr>
+              <a:t>vma-&gt;vm_end</a:t>
+            </a:r>
+            <a:r>
+              <a:rPr kumimoji="1" lang="zh-CN" altLang="en-US" sz="1400">
+                <a:solidFill>
+                  <a:schemeClr val="accent2"/>
+                </a:solidFill>
+              </a:rPr>
+              <a:t> </a:t>
+            </a:r>
+            <a:r>
+              <a:rPr kumimoji="1" lang="en-US" altLang="zh-CN" sz="1400">
+                <a:solidFill>
+                  <a:schemeClr val="accent2"/>
+                </a:solidFill>
+              </a:rPr>
+              <a:t>–</a:t>
+            </a:r>
+            <a:r>
+              <a:rPr kumimoji="1" lang="zh-CN" altLang="en-US" sz="1400">
+                <a:solidFill>
+                  <a:schemeClr val="accent2"/>
+                </a:solidFill>
+              </a:rPr>
+              <a:t> </a:t>
+            </a:r>
+            <a:r>
+              <a:rPr kumimoji="1" lang="en-US" altLang="zh-CN" sz="1400">
+                <a:solidFill>
+                  <a:schemeClr val="accent2"/>
+                </a:solidFill>
+              </a:rPr>
+              <a:t>vma-&gt;vm_start</a:t>
+            </a:r>
+            <a:endParaRPr kumimoji="1" lang="zh-CN" altLang="en-US" sz="1400">
+              <a:solidFill>
+                <a:schemeClr val="accent2"/>
+              </a:solidFill>
+            </a:endParaRPr>
+          </a:p>
+        </p:txBody>
+      </p:sp>
+      <p:sp>
+        <p:nvSpPr>
+          <p:cNvPr id="35" name="文本框 34"/>
+          <p:cNvSpPr txBox="1"/>
+          <p:nvPr/>
+        </p:nvSpPr>
+        <p:spPr>
+          <a:xfrm>
+            <a:off x="2706021" y="8952644"/>
+            <a:ext cx="5606626" cy="307777"/>
+          </a:xfrm>
+          <a:prstGeom prst="rect">
+            <a:avLst/>
+          </a:prstGeom>
+          <a:noFill/>
+          <a:ln>
+            <a:noFill/>
+          </a:ln>
+        </p:spPr>
+        <p:txBody>
+          <a:bodyPr wrap="square" rtlCol="0">
+            <a:spAutoFit/>
+          </a:bodyPr>
+          <a:lstStyle/>
+          <a:p>
+            <a:r>
+              <a:rPr kumimoji="1" lang="en-US" altLang="zh-CN" sz="1400" b="1"/>
+              <a:t>struct</a:t>
+            </a:r>
+            <a:r>
+              <a:rPr kumimoji="1" lang="zh-CN" altLang="en-US" sz="1400" b="1"/>
+              <a:t> </a:t>
+            </a:r>
+            <a:r>
+              <a:rPr kumimoji="1" lang="en-US" altLang="zh-CN" sz="1400" b="1"/>
+              <a:t>list_head</a:t>
+            </a:r>
+            <a:r>
+              <a:rPr kumimoji="1" lang="zh-CN" altLang="en-US" sz="1400"/>
+              <a:t> </a:t>
+            </a:r>
+            <a:r>
+              <a:rPr kumimoji="1" lang="en-US" altLang="zh-CN" sz="1400"/>
+              <a:t>:</a:t>
+            </a:r>
+            <a:r>
+              <a:rPr kumimoji="1" lang="zh-CN" altLang="en-US" sz="1400"/>
+              <a:t> </a:t>
+            </a:r>
+            <a:r>
+              <a:rPr kumimoji="1" lang="en-US" altLang="zh-CN" sz="1400">
+                <a:solidFill>
+                  <a:schemeClr val="accent2"/>
+                </a:solidFill>
+              </a:rPr>
+              <a:t>buffers</a:t>
+            </a:r>
+            <a:endParaRPr kumimoji="1" lang="zh-CN" altLang="en-US" sz="1400">
+              <a:solidFill>
+                <a:schemeClr val="accent2"/>
+              </a:solidFill>
+            </a:endParaRPr>
+          </a:p>
+        </p:txBody>
+      </p:sp>
+      <p:sp>
+        <p:nvSpPr>
+          <p:cNvPr id="36" name="矩形 35"/>
+          <p:cNvSpPr/>
+          <p:nvPr/>
+        </p:nvSpPr>
+        <p:spPr>
+          <a:xfrm>
+            <a:off x="2715817" y="8953258"/>
+            <a:ext cx="5596830" cy="938186"/>
+          </a:xfrm>
+          <a:prstGeom prst="rect">
+            <a:avLst/>
+          </a:prstGeom>
+          <a:noFill/>
+          <a:ln>
+            <a:solidFill>
+              <a:schemeClr val="tx1"/>
+            </a:solidFill>
+          </a:ln>
+        </p:spPr>
+        <p:style>
+          <a:lnRef idx="2">
+            <a:schemeClr val="accent1">
+              <a:shade val="50000"/>
+            </a:schemeClr>
+          </a:lnRef>
+          <a:fillRef idx="1">
+            <a:schemeClr val="accent1"/>
+          </a:fillRef>
+          <a:effectRef idx="0">
+            <a:schemeClr val="accent1"/>
+          </a:effectRef>
+          <a:fontRef idx="minor">
+            <a:schemeClr val="lt1"/>
+          </a:fontRef>
+        </p:style>
+        <p:txBody>
+          <a:bodyPr rot="0" spcFirstLastPara="0" vertOverflow="overflow" horzOverflow="overflow" vert="horz" wrap="square" lIns="128016" tIns="64008" rIns="128016" bIns="64008" numCol="1" spcCol="0" rtlCol="0" fromWordArt="0" anchor="ctr" anchorCtr="0" forceAA="0" compatLnSpc="1">
+            <a:prstTxWarp prst="textNoShape">
+              <a:avLst/>
+            </a:prstTxWarp>
+            <a:noAutofit/>
+          </a:bodyPr>
+          <a:lstStyle/>
+          <a:p>
+            <a:pPr algn="ctr"/>
+            <a:endParaRPr kumimoji="1" lang="zh-CN" altLang="en-US" sz="1400"/>
+          </a:p>
+        </p:txBody>
+      </p:sp>
+      <p:sp>
+        <p:nvSpPr>
+          <p:cNvPr id="37" name="文本框 36"/>
+          <p:cNvSpPr txBox="1"/>
+          <p:nvPr/>
+        </p:nvSpPr>
+        <p:spPr>
+          <a:xfrm>
+            <a:off x="2780637" y="9216902"/>
+            <a:ext cx="5447038" cy="307777"/>
+          </a:xfrm>
+          <a:prstGeom prst="rect">
+            <a:avLst/>
+          </a:prstGeom>
+          <a:noFill/>
+          <a:ln>
+            <a:solidFill>
+              <a:schemeClr val="tx1"/>
+            </a:solidFill>
+          </a:ln>
+        </p:spPr>
+        <p:txBody>
+          <a:bodyPr wrap="square" rtlCol="0">
+            <a:spAutoFit/>
+          </a:bodyPr>
+          <a:lstStyle/>
+          <a:p>
+            <a:r>
+              <a:rPr kumimoji="1" lang="en-US" altLang="zh-CN" sz="1400"/>
+              <a:t>struct</a:t>
+            </a:r>
+            <a:r>
+              <a:rPr kumimoji="1" lang="zh-CN" altLang="en-US" sz="1400"/>
+              <a:t> </a:t>
+            </a:r>
+            <a:r>
+              <a:rPr kumimoji="1" lang="en-US" altLang="zh-CN" sz="1400"/>
+              <a:t>list_head</a:t>
+            </a:r>
+            <a:r>
+              <a:rPr kumimoji="1" lang="zh-CN" altLang="en-US" sz="1400"/>
+              <a:t> *</a:t>
+            </a:r>
+            <a:r>
+              <a:rPr kumimoji="1" lang="en-US" altLang="zh-CN" sz="1400"/>
+              <a:t>prev</a:t>
+            </a:r>
+            <a:r>
+              <a:rPr kumimoji="1" lang="zh-CN" altLang="en-US" sz="1400"/>
+              <a:t> </a:t>
+            </a:r>
+            <a:r>
+              <a:rPr kumimoji="1" lang="en-US" altLang="zh-CN" sz="1400"/>
+              <a:t>:</a:t>
+            </a:r>
+            <a:r>
+              <a:rPr kumimoji="1" lang="zh-CN" altLang="en-US" sz="1400"/>
+              <a:t> </a:t>
+            </a:r>
+            <a:r>
+              <a:rPr kumimoji="1" lang="en-US" altLang="zh-CN" sz="1400">
+                <a:solidFill>
+                  <a:schemeClr val="accent2"/>
+                </a:solidFill>
+              </a:rPr>
+              <a:t>entry</a:t>
+            </a:r>
+            <a:endParaRPr kumimoji="1" lang="zh-CN" altLang="en-US" sz="1400">
+              <a:solidFill>
+                <a:schemeClr val="accent2"/>
+              </a:solidFill>
+            </a:endParaRPr>
+          </a:p>
+        </p:txBody>
+      </p:sp>
+      <p:sp>
+        <p:nvSpPr>
+          <p:cNvPr id="38" name="文本框 37"/>
+          <p:cNvSpPr txBox="1"/>
+          <p:nvPr/>
+        </p:nvSpPr>
+        <p:spPr>
+          <a:xfrm>
+            <a:off x="2780637" y="9521439"/>
+            <a:ext cx="5447038" cy="307777"/>
+          </a:xfrm>
+          <a:prstGeom prst="rect">
+            <a:avLst/>
+          </a:prstGeom>
+          <a:noFill/>
+          <a:ln>
+            <a:solidFill>
+              <a:schemeClr val="tx1"/>
+            </a:solidFill>
+          </a:ln>
+        </p:spPr>
+        <p:txBody>
+          <a:bodyPr wrap="square" rtlCol="0">
+            <a:spAutoFit/>
+          </a:bodyPr>
+          <a:lstStyle/>
+          <a:p>
+            <a:r>
+              <a:rPr kumimoji="1" lang="en-US" altLang="zh-CN" sz="1400"/>
+              <a:t>struct</a:t>
+            </a:r>
+            <a:r>
+              <a:rPr kumimoji="1" lang="zh-CN" altLang="en-US" sz="1400"/>
+              <a:t> </a:t>
+            </a:r>
+            <a:r>
+              <a:rPr kumimoji="1" lang="en-US" altLang="zh-CN" sz="1400"/>
+              <a:t>list_head</a:t>
+            </a:r>
+            <a:r>
+              <a:rPr kumimoji="1" lang="zh-CN" altLang="en-US" sz="1400"/>
+              <a:t> *</a:t>
+            </a:r>
+            <a:r>
+              <a:rPr kumimoji="1" lang="en-US" altLang="zh-CN" sz="1400"/>
+              <a:t>next</a:t>
+            </a:r>
+            <a:r>
+              <a:rPr kumimoji="1" lang="zh-CN" altLang="en-US" sz="1400"/>
+              <a:t> </a:t>
+            </a:r>
+            <a:r>
+              <a:rPr kumimoji="1" lang="en-US" altLang="zh-CN" sz="1400"/>
+              <a:t>:</a:t>
+            </a:r>
+            <a:r>
+              <a:rPr kumimoji="1" lang="zh-CN" altLang="en-US" sz="1400"/>
+              <a:t> </a:t>
+            </a:r>
+            <a:r>
+              <a:rPr kumimoji="1" lang="en-US" altLang="zh-CN" sz="1400">
+                <a:solidFill>
+                  <a:schemeClr val="accent2"/>
+                </a:solidFill>
+              </a:rPr>
+              <a:t>entry</a:t>
+            </a:r>
+            <a:endParaRPr kumimoji="1" lang="zh-CN" altLang="en-US" sz="1400">
+              <a:solidFill>
+                <a:schemeClr val="accent2"/>
+              </a:solidFill>
+            </a:endParaRPr>
+          </a:p>
+        </p:txBody>
+      </p:sp>
+      <p:sp>
+        <p:nvSpPr>
+          <p:cNvPr id="39" name="文本框 38"/>
+          <p:cNvSpPr txBox="1"/>
+          <p:nvPr/>
+        </p:nvSpPr>
+        <p:spPr>
+          <a:xfrm>
+            <a:off x="10548334" y="5701950"/>
+            <a:ext cx="3250406" cy="307777"/>
+          </a:xfrm>
+          <a:prstGeom prst="rect">
+            <a:avLst/>
+          </a:prstGeom>
+          <a:noFill/>
+          <a:ln>
+            <a:noFill/>
+          </a:ln>
+        </p:spPr>
+        <p:txBody>
+          <a:bodyPr wrap="square" rtlCol="0">
+            <a:spAutoFit/>
+          </a:bodyPr>
+          <a:lstStyle/>
+          <a:p>
+            <a:r>
+              <a:rPr kumimoji="1" lang="en-US" altLang="zh-CN" sz="1400" b="1"/>
+              <a:t>struct</a:t>
+            </a:r>
+            <a:r>
+              <a:rPr kumimoji="1" lang="zh-CN" altLang="en-US" sz="1400" b="1"/>
+              <a:t> </a:t>
+            </a:r>
+            <a:r>
+              <a:rPr kumimoji="1" lang="en-US" altLang="zh-CN" sz="1400" b="1"/>
+              <a:t>vm_struct</a:t>
+            </a:r>
+            <a:r>
+              <a:rPr kumimoji="1" lang="zh-CN" altLang="en-US" sz="1400"/>
+              <a:t> </a:t>
+            </a:r>
+            <a:r>
+              <a:rPr kumimoji="1" lang="en-US" altLang="zh-CN" sz="1400"/>
+              <a:t>:</a:t>
+            </a:r>
+            <a:r>
+              <a:rPr kumimoji="1" lang="zh-CN" altLang="en-US" sz="1400"/>
+              <a:t> </a:t>
+            </a:r>
+            <a:r>
+              <a:rPr kumimoji="1" lang="en-US" altLang="zh-CN" sz="1400">
+                <a:solidFill>
+                  <a:schemeClr val="accent2"/>
+                </a:solidFill>
+              </a:rPr>
+              <a:t>area</a:t>
+            </a:r>
+            <a:endParaRPr kumimoji="1" lang="zh-CN" altLang="en-US" sz="1400">
+              <a:solidFill>
+                <a:schemeClr val="accent2"/>
+              </a:solidFill>
+            </a:endParaRPr>
+          </a:p>
+        </p:txBody>
+      </p:sp>
+      <p:sp>
+        <p:nvSpPr>
+          <p:cNvPr id="40" name="矩形 39"/>
+          <p:cNvSpPr/>
+          <p:nvPr/>
+        </p:nvSpPr>
+        <p:spPr>
+          <a:xfrm>
+            <a:off x="10556984" y="5702563"/>
+            <a:ext cx="3244726" cy="2819138"/>
+          </a:xfrm>
+          <a:prstGeom prst="rect">
+            <a:avLst/>
+          </a:prstGeom>
+          <a:noFill/>
+          <a:ln>
+            <a:solidFill>
+              <a:schemeClr val="tx1"/>
+            </a:solidFill>
+          </a:ln>
+        </p:spPr>
+        <p:style>
+          <a:lnRef idx="2">
+            <a:schemeClr val="accent1">
+              <a:shade val="50000"/>
+            </a:schemeClr>
+          </a:lnRef>
+          <a:fillRef idx="1">
+            <a:schemeClr val="accent1"/>
+          </a:fillRef>
+          <a:effectRef idx="0">
+            <a:schemeClr val="accent1"/>
+          </a:effectRef>
+          <a:fontRef idx="minor">
+            <a:schemeClr val="lt1"/>
+          </a:fontRef>
+        </p:style>
+        <p:txBody>
+          <a:bodyPr rot="0" spcFirstLastPara="0" vertOverflow="overflow" horzOverflow="overflow" vert="horz" wrap="square" lIns="128016" tIns="64008" rIns="128016" bIns="64008" numCol="1" spcCol="0" rtlCol="0" fromWordArt="0" anchor="ctr" anchorCtr="0" forceAA="0" compatLnSpc="1">
+            <a:prstTxWarp prst="textNoShape">
+              <a:avLst/>
+            </a:prstTxWarp>
+            <a:noAutofit/>
+          </a:bodyPr>
+          <a:lstStyle/>
+          <a:p>
+            <a:pPr algn="ctr"/>
+            <a:endParaRPr kumimoji="1" lang="zh-CN" altLang="en-US" sz="1400"/>
+          </a:p>
+        </p:txBody>
+      </p:sp>
+      <p:sp>
+        <p:nvSpPr>
+          <p:cNvPr id="41" name="文本框 40"/>
+          <p:cNvSpPr txBox="1"/>
+          <p:nvPr/>
+        </p:nvSpPr>
+        <p:spPr>
+          <a:xfrm>
+            <a:off x="10604275" y="6283708"/>
+            <a:ext cx="3157885" cy="307777"/>
+          </a:xfrm>
+          <a:prstGeom prst="rect">
+            <a:avLst/>
+          </a:prstGeom>
+          <a:noFill/>
+          <a:ln>
+            <a:solidFill>
+              <a:schemeClr val="tx1"/>
+            </a:solidFill>
+          </a:ln>
+        </p:spPr>
+        <p:txBody>
+          <a:bodyPr wrap="square" rtlCol="0">
+            <a:spAutoFit/>
+          </a:bodyPr>
+          <a:lstStyle/>
+          <a:p>
+            <a:r>
+              <a:rPr kumimoji="1" lang="en-US" altLang="zh-CN" sz="1400"/>
+              <a:t>void</a:t>
+            </a:r>
+            <a:r>
+              <a:rPr kumimoji="1" lang="zh-CN" altLang="en-US" sz="1400"/>
+              <a:t> *</a:t>
+            </a:r>
+            <a:r>
+              <a:rPr kumimoji="1" lang="en-US" altLang="zh-CN" sz="1400"/>
+              <a:t>addr</a:t>
+            </a:r>
+            <a:r>
+              <a:rPr kumimoji="1" lang="zh-CN" altLang="en-US" sz="1400"/>
+              <a:t> </a:t>
+            </a:r>
+            <a:r>
+              <a:rPr kumimoji="1" lang="en-US" altLang="zh-CN" sz="1400"/>
+              <a:t>:</a:t>
+            </a:r>
+            <a:endParaRPr kumimoji="1" lang="zh-CN" altLang="en-US" sz="1400">
+              <a:solidFill>
+                <a:schemeClr val="accent2"/>
+              </a:solidFill>
+            </a:endParaRPr>
+          </a:p>
+        </p:txBody>
+      </p:sp>
+      <p:sp>
+        <p:nvSpPr>
+          <p:cNvPr id="42" name="文本框 41"/>
+          <p:cNvSpPr txBox="1"/>
+          <p:nvPr/>
+        </p:nvSpPr>
+        <p:spPr>
+          <a:xfrm>
+            <a:off x="10604275" y="6588245"/>
+            <a:ext cx="3157885" cy="307777"/>
+          </a:xfrm>
+          <a:prstGeom prst="rect">
+            <a:avLst/>
+          </a:prstGeom>
+          <a:noFill/>
+          <a:ln>
+            <a:solidFill>
+              <a:schemeClr val="tx1"/>
+            </a:solidFill>
+          </a:ln>
+        </p:spPr>
+        <p:txBody>
+          <a:bodyPr wrap="square" rtlCol="0">
+            <a:spAutoFit/>
+          </a:bodyPr>
+          <a:lstStyle/>
+          <a:p>
+            <a:r>
+              <a:rPr kumimoji="1" lang="en-US" altLang="zh-CN" sz="1400"/>
+              <a:t>unsigned</a:t>
+            </a:r>
+            <a:r>
+              <a:rPr kumimoji="1" lang="zh-CN" altLang="en-US" sz="1400"/>
+              <a:t> </a:t>
+            </a:r>
+            <a:r>
+              <a:rPr kumimoji="1" lang="en-US" altLang="zh-CN" sz="1400"/>
+              <a:t>long</a:t>
+            </a:r>
+            <a:r>
+              <a:rPr kumimoji="1" lang="zh-CN" altLang="en-US" sz="1400"/>
+              <a:t> </a:t>
+            </a:r>
+            <a:r>
+              <a:rPr kumimoji="1" lang="en-US" altLang="zh-CN" sz="1400"/>
+              <a:t>size</a:t>
+            </a:r>
+            <a:r>
+              <a:rPr kumimoji="1" lang="zh-CN" altLang="en-US" sz="1400"/>
+              <a:t> </a:t>
+            </a:r>
+            <a:r>
+              <a:rPr kumimoji="1" lang="en-US" altLang="zh-CN" sz="1400"/>
+              <a:t>:</a:t>
+            </a:r>
+            <a:endParaRPr kumimoji="1" lang="zh-CN" altLang="en-US" sz="1400">
+              <a:solidFill>
+                <a:schemeClr val="accent2"/>
+              </a:solidFill>
+            </a:endParaRPr>
+          </a:p>
+        </p:txBody>
+      </p:sp>
+      <p:sp>
+        <p:nvSpPr>
+          <p:cNvPr id="43" name="文本框 42"/>
+          <p:cNvSpPr txBox="1"/>
+          <p:nvPr/>
+        </p:nvSpPr>
+        <p:spPr>
+          <a:xfrm>
+            <a:off x="10604275" y="6891645"/>
+            <a:ext cx="3157885" cy="307777"/>
+          </a:xfrm>
+          <a:prstGeom prst="rect">
+            <a:avLst/>
+          </a:prstGeom>
+          <a:noFill/>
+          <a:ln>
+            <a:solidFill>
+              <a:schemeClr val="tx1"/>
+            </a:solidFill>
+          </a:ln>
+        </p:spPr>
+        <p:txBody>
+          <a:bodyPr wrap="square" rtlCol="0">
+            <a:spAutoFit/>
+          </a:bodyPr>
+          <a:lstStyle/>
+          <a:p>
+            <a:r>
+              <a:rPr kumimoji="1" lang="en-US" altLang="zh-CN" sz="1400"/>
+              <a:t>unsigned</a:t>
+            </a:r>
+            <a:r>
+              <a:rPr kumimoji="1" lang="zh-CN" altLang="en-US" sz="1400"/>
+              <a:t> </a:t>
+            </a:r>
+            <a:r>
+              <a:rPr kumimoji="1" lang="en-US" altLang="zh-CN" sz="1400"/>
+              <a:t>long</a:t>
+            </a:r>
+            <a:r>
+              <a:rPr kumimoji="1" lang="zh-CN" altLang="en-US" sz="1400"/>
+              <a:t> </a:t>
+            </a:r>
+            <a:r>
+              <a:rPr kumimoji="1" lang="en-US" altLang="zh-CN" sz="1400"/>
+              <a:t>flags</a:t>
+            </a:r>
+            <a:r>
+              <a:rPr kumimoji="1" lang="zh-CN" altLang="en-US" sz="1400"/>
+              <a:t> </a:t>
+            </a:r>
+            <a:r>
+              <a:rPr kumimoji="1" lang="en-US" altLang="zh-CN" sz="1400"/>
+              <a:t>:</a:t>
+            </a:r>
+            <a:endParaRPr kumimoji="1" lang="zh-CN" altLang="en-US" sz="1400">
+              <a:solidFill>
+                <a:schemeClr val="accent2"/>
+              </a:solidFill>
+            </a:endParaRPr>
+          </a:p>
+        </p:txBody>
+      </p:sp>
+      <p:sp>
+        <p:nvSpPr>
+          <p:cNvPr id="44" name="文本框 43"/>
+          <p:cNvSpPr txBox="1"/>
+          <p:nvPr/>
+        </p:nvSpPr>
+        <p:spPr>
+          <a:xfrm>
+            <a:off x="10604275" y="7196182"/>
+            <a:ext cx="3157885" cy="307777"/>
+          </a:xfrm>
+          <a:prstGeom prst="rect">
+            <a:avLst/>
+          </a:prstGeom>
+          <a:noFill/>
+          <a:ln>
+            <a:solidFill>
+              <a:schemeClr val="tx1"/>
+            </a:solidFill>
+          </a:ln>
+        </p:spPr>
+        <p:txBody>
+          <a:bodyPr wrap="square" rtlCol="0">
+            <a:spAutoFit/>
+          </a:bodyPr>
+          <a:lstStyle/>
+          <a:p>
+            <a:r>
+              <a:rPr kumimoji="1" lang="en-US" altLang="zh-CN" sz="1400"/>
+              <a:t>struct</a:t>
+            </a:r>
+            <a:r>
+              <a:rPr kumimoji="1" lang="zh-CN" altLang="en-US" sz="1400"/>
+              <a:t> </a:t>
+            </a:r>
+            <a:r>
+              <a:rPr kumimoji="1" lang="en-US" altLang="zh-CN" sz="1400"/>
+              <a:t>page</a:t>
+            </a:r>
+            <a:r>
+              <a:rPr kumimoji="1" lang="zh-CN" altLang="en-US" sz="1400"/>
+              <a:t> **</a:t>
+            </a:r>
+            <a:r>
+              <a:rPr kumimoji="1" lang="en-US" altLang="zh-CN" sz="1400"/>
+              <a:t>pages</a:t>
+            </a:r>
+            <a:r>
+              <a:rPr kumimoji="1" lang="zh-CN" altLang="en-US" sz="1400"/>
+              <a:t> </a:t>
+            </a:r>
+            <a:r>
+              <a:rPr kumimoji="1" lang="en-US" altLang="zh-CN" sz="1400"/>
+              <a:t>:</a:t>
+            </a:r>
+            <a:endParaRPr kumimoji="1" lang="zh-CN" altLang="en-US" sz="1400">
+              <a:solidFill>
+                <a:schemeClr val="accent2"/>
+              </a:solidFill>
+            </a:endParaRPr>
+          </a:p>
+        </p:txBody>
+      </p:sp>
+      <p:sp>
+        <p:nvSpPr>
+          <p:cNvPr id="45" name="文本框 44"/>
+          <p:cNvSpPr txBox="1"/>
+          <p:nvPr/>
+        </p:nvSpPr>
+        <p:spPr>
+          <a:xfrm>
+            <a:off x="10604275" y="7504528"/>
+            <a:ext cx="3157885" cy="307777"/>
+          </a:xfrm>
+          <a:prstGeom prst="rect">
+            <a:avLst/>
+          </a:prstGeom>
+          <a:noFill/>
+          <a:ln>
+            <a:solidFill>
+              <a:schemeClr val="tx1"/>
+            </a:solidFill>
+          </a:ln>
+        </p:spPr>
+        <p:txBody>
+          <a:bodyPr wrap="square" rtlCol="0">
+            <a:spAutoFit/>
+          </a:bodyPr>
+          <a:lstStyle/>
+          <a:p>
+            <a:r>
+              <a:rPr kumimoji="1" lang="en-US" altLang="zh-CN" sz="1400"/>
+              <a:t>unsigned</a:t>
+            </a:r>
+            <a:r>
+              <a:rPr kumimoji="1" lang="zh-CN" altLang="en-US" sz="1400"/>
+              <a:t> </a:t>
+            </a:r>
+            <a:r>
+              <a:rPr kumimoji="1" lang="en-US" altLang="zh-CN" sz="1400"/>
+              <a:t>int</a:t>
+            </a:r>
+            <a:r>
+              <a:rPr kumimoji="1" lang="zh-CN" altLang="en-US" sz="1400"/>
+              <a:t> </a:t>
+            </a:r>
+            <a:r>
+              <a:rPr kumimoji="1" lang="en-US" altLang="zh-CN" sz="1400"/>
+              <a:t>nr_pages</a:t>
+            </a:r>
+            <a:r>
+              <a:rPr kumimoji="1" lang="zh-CN" altLang="en-US" sz="1400"/>
+              <a:t> </a:t>
+            </a:r>
+            <a:r>
+              <a:rPr kumimoji="1" lang="en-US" altLang="zh-CN" sz="1400"/>
+              <a:t>:</a:t>
+            </a:r>
+            <a:r>
+              <a:rPr kumimoji="1" lang="zh-CN" altLang="en-US" sz="1400"/>
+              <a:t> </a:t>
+            </a:r>
+            <a:endParaRPr kumimoji="1" lang="zh-CN" altLang="en-US" sz="1400">
+              <a:solidFill>
+                <a:schemeClr val="accent2"/>
+              </a:solidFill>
+            </a:endParaRPr>
+          </a:p>
+        </p:txBody>
+      </p:sp>
+      <p:sp>
+        <p:nvSpPr>
+          <p:cNvPr id="46" name="文本框 45"/>
+          <p:cNvSpPr txBox="1"/>
+          <p:nvPr/>
+        </p:nvSpPr>
+        <p:spPr>
+          <a:xfrm>
+            <a:off x="10604275" y="7807928"/>
+            <a:ext cx="3157885" cy="307777"/>
+          </a:xfrm>
+          <a:prstGeom prst="rect">
+            <a:avLst/>
+          </a:prstGeom>
+          <a:noFill/>
+          <a:ln>
+            <a:solidFill>
+              <a:schemeClr val="tx1"/>
+            </a:solidFill>
+          </a:ln>
+        </p:spPr>
+        <p:txBody>
+          <a:bodyPr wrap="square" rtlCol="0">
+            <a:spAutoFit/>
+          </a:bodyPr>
+          <a:lstStyle/>
+          <a:p>
+            <a:r>
+              <a:rPr kumimoji="1" lang="en-US" altLang="zh-CN" sz="1400"/>
+              <a:t>unsigned</a:t>
+            </a:r>
+            <a:r>
+              <a:rPr kumimoji="1" lang="zh-CN" altLang="en-US" sz="1400"/>
+              <a:t> </a:t>
+            </a:r>
+            <a:r>
+              <a:rPr kumimoji="1" lang="en-US" altLang="zh-CN" sz="1400"/>
+              <a:t>long</a:t>
+            </a:r>
+            <a:r>
+              <a:rPr kumimoji="1" lang="zh-CN" altLang="en-US" sz="1400"/>
+              <a:t> </a:t>
+            </a:r>
+            <a:r>
+              <a:rPr kumimoji="1" lang="en-US" altLang="zh-CN" sz="1400"/>
+              <a:t>phys_addr</a:t>
+            </a:r>
+            <a:r>
+              <a:rPr kumimoji="1" lang="zh-CN" altLang="en-US" sz="1400"/>
+              <a:t> </a:t>
+            </a:r>
+            <a:r>
+              <a:rPr kumimoji="1" lang="en-US" altLang="zh-CN" sz="1400"/>
+              <a:t>:</a:t>
+            </a:r>
+            <a:r>
+              <a:rPr kumimoji="1" lang="zh-CN" altLang="en-US" sz="1400"/>
+              <a:t> </a:t>
+            </a:r>
+            <a:endParaRPr kumimoji="1" lang="zh-CN" altLang="en-US" sz="1400">
+              <a:solidFill>
+                <a:schemeClr val="accent2"/>
+              </a:solidFill>
+            </a:endParaRPr>
+          </a:p>
+        </p:txBody>
+      </p:sp>
+      <p:sp>
+        <p:nvSpPr>
+          <p:cNvPr id="47" name="文本框 46"/>
+          <p:cNvSpPr txBox="1"/>
+          <p:nvPr/>
+        </p:nvSpPr>
+        <p:spPr>
+          <a:xfrm>
+            <a:off x="10604275" y="5978865"/>
+            <a:ext cx="3157885" cy="307777"/>
+          </a:xfrm>
+          <a:prstGeom prst="rect">
+            <a:avLst/>
+          </a:prstGeom>
+          <a:noFill/>
+          <a:ln>
+            <a:solidFill>
+              <a:schemeClr val="tx1"/>
+            </a:solidFill>
+          </a:ln>
+        </p:spPr>
+        <p:txBody>
+          <a:bodyPr wrap="square" rtlCol="0">
+            <a:spAutoFit/>
+          </a:bodyPr>
+          <a:lstStyle/>
+          <a:p>
+            <a:r>
+              <a:rPr kumimoji="1" lang="en-US" altLang="zh-CN" sz="1400"/>
+              <a:t>struct</a:t>
+            </a:r>
+            <a:r>
+              <a:rPr kumimoji="1" lang="zh-CN" altLang="en-US" sz="1400"/>
+              <a:t> </a:t>
+            </a:r>
+            <a:r>
+              <a:rPr kumimoji="1" lang="en-US" altLang="zh-CN" sz="1400"/>
+              <a:t>vm_struct</a:t>
+            </a:r>
+            <a:r>
+              <a:rPr kumimoji="1" lang="zh-CN" altLang="en-US" sz="1400"/>
+              <a:t> *</a:t>
+            </a:r>
+            <a:r>
+              <a:rPr kumimoji="1" lang="en-US" altLang="zh-CN" sz="1400"/>
+              <a:t>next</a:t>
+            </a:r>
+            <a:r>
+              <a:rPr kumimoji="1" lang="zh-CN" altLang="en-US" sz="1400"/>
+              <a:t> </a:t>
+            </a:r>
+            <a:r>
+              <a:rPr kumimoji="1" lang="en-US" altLang="zh-CN" sz="1400"/>
+              <a:t>:</a:t>
+            </a:r>
+            <a:endParaRPr kumimoji="1" lang="zh-CN" altLang="en-US" sz="1400">
+              <a:solidFill>
+                <a:schemeClr val="accent2"/>
+              </a:solidFill>
+            </a:endParaRPr>
+          </a:p>
+        </p:txBody>
+      </p:sp>
+      <p:sp>
+        <p:nvSpPr>
+          <p:cNvPr id="48" name="文本框 47"/>
+          <p:cNvSpPr txBox="1"/>
+          <p:nvPr/>
+        </p:nvSpPr>
+        <p:spPr>
+          <a:xfrm>
+            <a:off x="10604275" y="8114073"/>
+            <a:ext cx="3157885" cy="307777"/>
+          </a:xfrm>
+          <a:prstGeom prst="rect">
+            <a:avLst/>
+          </a:prstGeom>
+          <a:noFill/>
+          <a:ln>
+            <a:solidFill>
+              <a:schemeClr val="tx1"/>
+            </a:solidFill>
+          </a:ln>
+        </p:spPr>
+        <p:txBody>
+          <a:bodyPr wrap="square" rtlCol="0">
+            <a:spAutoFit/>
+          </a:bodyPr>
+          <a:lstStyle/>
+          <a:p>
+            <a:r>
+              <a:rPr kumimoji="1" lang="en-US" altLang="zh-CN" sz="1400"/>
+              <a:t>void</a:t>
+            </a:r>
+            <a:r>
+              <a:rPr kumimoji="1" lang="zh-CN" altLang="en-US" sz="1400"/>
+              <a:t> *</a:t>
+            </a:r>
+            <a:r>
+              <a:rPr kumimoji="1" lang="en-US" altLang="zh-CN" sz="1400"/>
+              <a:t>caller</a:t>
+            </a:r>
+            <a:r>
+              <a:rPr kumimoji="1" lang="zh-CN" altLang="en-US" sz="1400"/>
+              <a:t> </a:t>
+            </a:r>
+            <a:r>
+              <a:rPr kumimoji="1" lang="en-US" altLang="zh-CN" sz="1400"/>
+              <a:t>:</a:t>
+            </a:r>
+            <a:r>
+              <a:rPr kumimoji="1" lang="zh-CN" altLang="en-US" sz="1400"/>
+              <a:t> </a:t>
+            </a:r>
+            <a:endParaRPr kumimoji="1" lang="zh-CN" altLang="en-US" sz="1400">
+              <a:solidFill>
+                <a:schemeClr val="accent2"/>
+              </a:solidFill>
+            </a:endParaRPr>
+          </a:p>
+        </p:txBody>
+      </p:sp>
+      <p:sp>
+        <p:nvSpPr>
+          <p:cNvPr id="49" name="文本框 48"/>
+          <p:cNvSpPr txBox="1"/>
+          <p:nvPr/>
+        </p:nvSpPr>
+        <p:spPr>
+          <a:xfrm>
+            <a:off x="14955234" y="5701337"/>
+            <a:ext cx="3250406" cy="307777"/>
+          </a:xfrm>
+          <a:prstGeom prst="rect">
+            <a:avLst/>
+          </a:prstGeom>
+          <a:noFill/>
+          <a:ln>
+            <a:noFill/>
+          </a:ln>
+        </p:spPr>
+        <p:txBody>
+          <a:bodyPr wrap="square" rtlCol="0">
+            <a:spAutoFit/>
+          </a:bodyPr>
+          <a:lstStyle/>
+          <a:p>
+            <a:r>
+              <a:rPr kumimoji="1" lang="en-US" altLang="zh-CN" sz="1400" b="1"/>
+              <a:t>struct</a:t>
+            </a:r>
+            <a:r>
+              <a:rPr kumimoji="1" lang="zh-CN" altLang="en-US" sz="1400" b="1"/>
+              <a:t> </a:t>
+            </a:r>
+            <a:r>
+              <a:rPr kumimoji="1" lang="en-US" altLang="zh-CN" sz="1400" b="1"/>
+              <a:t>vmap_area</a:t>
+            </a:r>
+            <a:r>
+              <a:rPr kumimoji="1" lang="zh-CN" altLang="en-US" sz="1400"/>
+              <a:t> </a:t>
+            </a:r>
+            <a:r>
+              <a:rPr kumimoji="1" lang="en-US" altLang="zh-CN" sz="1400"/>
+              <a:t>:</a:t>
+            </a:r>
+            <a:r>
+              <a:rPr kumimoji="1" lang="zh-CN" altLang="en-US" sz="1400"/>
+              <a:t> </a:t>
+            </a:r>
+            <a:r>
+              <a:rPr kumimoji="1" lang="en-US" altLang="zh-CN" sz="1400">
+                <a:solidFill>
+                  <a:schemeClr val="accent2"/>
+                </a:solidFill>
+              </a:rPr>
+              <a:t>va</a:t>
+            </a:r>
+            <a:endParaRPr kumimoji="1" lang="zh-CN" altLang="en-US" sz="1400">
+              <a:solidFill>
+                <a:schemeClr val="accent2"/>
+              </a:solidFill>
+            </a:endParaRPr>
+          </a:p>
+        </p:txBody>
+      </p:sp>
+      <p:sp>
+        <p:nvSpPr>
+          <p:cNvPr id="50" name="矩形 49"/>
+          <p:cNvSpPr/>
+          <p:nvPr/>
+        </p:nvSpPr>
+        <p:spPr>
+          <a:xfrm>
+            <a:off x="14963884" y="5701950"/>
+            <a:ext cx="3244726" cy="2819138"/>
+          </a:xfrm>
+          <a:prstGeom prst="rect">
+            <a:avLst/>
+          </a:prstGeom>
+          <a:noFill/>
+          <a:ln>
+            <a:solidFill>
+              <a:schemeClr val="tx1"/>
+            </a:solidFill>
+          </a:ln>
+        </p:spPr>
+        <p:style>
+          <a:lnRef idx="2">
+            <a:schemeClr val="accent1">
+              <a:shade val="50000"/>
+            </a:schemeClr>
+          </a:lnRef>
+          <a:fillRef idx="1">
+            <a:schemeClr val="accent1"/>
+          </a:fillRef>
+          <a:effectRef idx="0">
+            <a:schemeClr val="accent1"/>
+          </a:effectRef>
+          <a:fontRef idx="minor">
+            <a:schemeClr val="lt1"/>
+          </a:fontRef>
+        </p:style>
+        <p:txBody>
+          <a:bodyPr rot="0" spcFirstLastPara="0" vertOverflow="overflow" horzOverflow="overflow" vert="horz" wrap="square" lIns="128016" tIns="64008" rIns="128016" bIns="64008" numCol="1" spcCol="0" rtlCol="0" fromWordArt="0" anchor="ctr" anchorCtr="0" forceAA="0" compatLnSpc="1">
+            <a:prstTxWarp prst="textNoShape">
+              <a:avLst/>
+            </a:prstTxWarp>
+            <a:noAutofit/>
+          </a:bodyPr>
+          <a:lstStyle/>
+          <a:p>
+            <a:pPr algn="ctr"/>
+            <a:endParaRPr kumimoji="1" lang="zh-CN" altLang="en-US" sz="1400"/>
+          </a:p>
+        </p:txBody>
+      </p:sp>
+      <p:sp>
+        <p:nvSpPr>
+          <p:cNvPr id="51" name="文本框 50"/>
+          <p:cNvSpPr txBox="1"/>
+          <p:nvPr/>
+        </p:nvSpPr>
+        <p:spPr>
+          <a:xfrm>
+            <a:off x="15011175" y="6283095"/>
+            <a:ext cx="3157885" cy="307777"/>
+          </a:xfrm>
+          <a:prstGeom prst="rect">
+            <a:avLst/>
+          </a:prstGeom>
+          <a:noFill/>
+          <a:ln>
+            <a:solidFill>
+              <a:schemeClr val="tx1"/>
+            </a:solidFill>
+          </a:ln>
+        </p:spPr>
+        <p:txBody>
+          <a:bodyPr wrap="square" rtlCol="0">
+            <a:spAutoFit/>
+          </a:bodyPr>
+          <a:lstStyle/>
+          <a:p>
+            <a:r>
+              <a:rPr kumimoji="1" lang="en-US" altLang="zh-CN" sz="1400"/>
+              <a:t>unsigned</a:t>
+            </a:r>
+            <a:r>
+              <a:rPr kumimoji="1" lang="zh-CN" altLang="en-US" sz="1400"/>
+              <a:t> </a:t>
+            </a:r>
+            <a:r>
+              <a:rPr kumimoji="1" lang="en-US" altLang="zh-CN" sz="1400"/>
+              <a:t>long</a:t>
+            </a:r>
+            <a:r>
+              <a:rPr kumimoji="1" lang="zh-CN" altLang="en-US" sz="1400"/>
+              <a:t> </a:t>
+            </a:r>
+            <a:r>
+              <a:rPr kumimoji="1" lang="en-US" altLang="zh-CN" sz="1400"/>
+              <a:t>va_end:</a:t>
+            </a:r>
+            <a:endParaRPr kumimoji="1" lang="zh-CN" altLang="en-US" sz="1400">
+              <a:solidFill>
+                <a:schemeClr val="accent2"/>
+              </a:solidFill>
+            </a:endParaRPr>
+          </a:p>
+        </p:txBody>
+      </p:sp>
+      <p:sp>
+        <p:nvSpPr>
+          <p:cNvPr id="52" name="文本框 51"/>
+          <p:cNvSpPr txBox="1"/>
+          <p:nvPr/>
+        </p:nvSpPr>
+        <p:spPr>
+          <a:xfrm>
+            <a:off x="15011175" y="6587632"/>
+            <a:ext cx="3157885" cy="307777"/>
+          </a:xfrm>
+          <a:prstGeom prst="rect">
+            <a:avLst/>
+          </a:prstGeom>
+          <a:noFill/>
+          <a:ln>
+            <a:solidFill>
+              <a:schemeClr val="tx1"/>
+            </a:solidFill>
+          </a:ln>
+        </p:spPr>
+        <p:txBody>
+          <a:bodyPr wrap="square" rtlCol="0">
+            <a:spAutoFit/>
+          </a:bodyPr>
+          <a:lstStyle/>
+          <a:p>
+            <a:r>
+              <a:rPr kumimoji="1" lang="en-US" altLang="zh-CN" sz="1400"/>
+              <a:t>unsigned</a:t>
+            </a:r>
+            <a:r>
+              <a:rPr kumimoji="1" lang="zh-CN" altLang="en-US" sz="1400"/>
+              <a:t> </a:t>
+            </a:r>
+            <a:r>
+              <a:rPr kumimoji="1" lang="en-US" altLang="zh-CN" sz="1400"/>
+              <a:t>long</a:t>
+            </a:r>
+            <a:r>
+              <a:rPr kumimoji="1" lang="zh-CN" altLang="en-US" sz="1400"/>
+              <a:t> </a:t>
+            </a:r>
+            <a:r>
+              <a:rPr kumimoji="1" lang="en-US" altLang="zh-CN" sz="1400"/>
+              <a:t>flags</a:t>
+            </a:r>
+            <a:r>
+              <a:rPr kumimoji="1" lang="zh-CN" altLang="en-US" sz="1400"/>
+              <a:t> </a:t>
+            </a:r>
+            <a:r>
+              <a:rPr kumimoji="1" lang="en-US" altLang="zh-CN" sz="1400"/>
+              <a:t>:</a:t>
+            </a:r>
+            <a:endParaRPr kumimoji="1" lang="zh-CN" altLang="en-US" sz="1400">
+              <a:solidFill>
+                <a:schemeClr val="accent2"/>
+              </a:solidFill>
+            </a:endParaRPr>
+          </a:p>
+        </p:txBody>
+      </p:sp>
+      <p:sp>
+        <p:nvSpPr>
+          <p:cNvPr id="53" name="文本框 52"/>
+          <p:cNvSpPr txBox="1"/>
+          <p:nvPr/>
+        </p:nvSpPr>
+        <p:spPr>
+          <a:xfrm>
+            <a:off x="15011175" y="6891032"/>
+            <a:ext cx="3157885" cy="307777"/>
+          </a:xfrm>
+          <a:prstGeom prst="rect">
+            <a:avLst/>
+          </a:prstGeom>
+          <a:noFill/>
+          <a:ln>
+            <a:solidFill>
+              <a:schemeClr val="tx1"/>
+            </a:solidFill>
+          </a:ln>
+        </p:spPr>
+        <p:txBody>
+          <a:bodyPr wrap="square" rtlCol="0">
+            <a:spAutoFit/>
+          </a:bodyPr>
+          <a:lstStyle/>
+          <a:p>
+            <a:r>
+              <a:rPr kumimoji="1" lang="en-US" altLang="zh-CN" sz="1400" b="1"/>
+              <a:t>struct</a:t>
+            </a:r>
+            <a:r>
+              <a:rPr kumimoji="1" lang="zh-CN" altLang="en-US" sz="1400" b="1"/>
+              <a:t> </a:t>
+            </a:r>
+            <a:r>
+              <a:rPr kumimoji="1" lang="en-US" altLang="zh-CN" sz="1400" b="1"/>
+              <a:t>rb_node</a:t>
+            </a:r>
+            <a:r>
+              <a:rPr kumimoji="1" lang="zh-CN" altLang="en-US" sz="1400"/>
+              <a:t> </a:t>
+            </a:r>
+            <a:r>
+              <a:rPr kumimoji="1" lang="en-US" altLang="zh-CN" sz="1400"/>
+              <a:t>rb_node</a:t>
+            </a:r>
+            <a:r>
+              <a:rPr kumimoji="1" lang="zh-CN" altLang="en-US" sz="1400"/>
+              <a:t> </a:t>
+            </a:r>
+            <a:r>
+              <a:rPr kumimoji="1" lang="en-US" altLang="zh-CN" sz="1400"/>
+              <a:t>:</a:t>
+            </a:r>
+            <a:endParaRPr kumimoji="1" lang="zh-CN" altLang="en-US" sz="1400">
+              <a:solidFill>
+                <a:schemeClr val="accent2"/>
+              </a:solidFill>
+            </a:endParaRPr>
+          </a:p>
+        </p:txBody>
+      </p:sp>
+      <p:sp>
+        <p:nvSpPr>
+          <p:cNvPr id="54" name="文本框 53"/>
+          <p:cNvSpPr txBox="1"/>
+          <p:nvPr/>
+        </p:nvSpPr>
+        <p:spPr>
+          <a:xfrm>
+            <a:off x="15011175" y="7195569"/>
+            <a:ext cx="3157885" cy="307777"/>
+          </a:xfrm>
+          <a:prstGeom prst="rect">
+            <a:avLst/>
+          </a:prstGeom>
+          <a:noFill/>
+          <a:ln>
+            <a:solidFill>
+              <a:schemeClr val="tx1"/>
+            </a:solidFill>
+          </a:ln>
+        </p:spPr>
+        <p:txBody>
+          <a:bodyPr wrap="square" rtlCol="0">
+            <a:spAutoFit/>
+          </a:bodyPr>
+          <a:lstStyle/>
+          <a:p>
+            <a:r>
+              <a:rPr kumimoji="1" lang="en-US" altLang="zh-CN" sz="1400" b="1"/>
+              <a:t>struct</a:t>
+            </a:r>
+            <a:r>
+              <a:rPr kumimoji="1" lang="zh-CN" altLang="en-US" sz="1400" b="1"/>
+              <a:t> </a:t>
+            </a:r>
+            <a:r>
+              <a:rPr kumimoji="1" lang="en-US" altLang="zh-CN" sz="1400" b="1"/>
+              <a:t>list_head</a:t>
+            </a:r>
+            <a:r>
+              <a:rPr kumimoji="1" lang="zh-CN" altLang="en-US" sz="1400"/>
+              <a:t> </a:t>
+            </a:r>
+            <a:r>
+              <a:rPr kumimoji="1" lang="en-US" altLang="zh-CN" sz="1400"/>
+              <a:t>list:</a:t>
+            </a:r>
+            <a:endParaRPr kumimoji="1" lang="zh-CN" altLang="en-US" sz="1400">
+              <a:solidFill>
+                <a:schemeClr val="accent2"/>
+              </a:solidFill>
+            </a:endParaRPr>
+          </a:p>
+        </p:txBody>
+      </p:sp>
+      <p:sp>
+        <p:nvSpPr>
+          <p:cNvPr id="55" name="文本框 54"/>
+          <p:cNvSpPr txBox="1"/>
+          <p:nvPr/>
+        </p:nvSpPr>
+        <p:spPr>
+          <a:xfrm>
+            <a:off x="15011175" y="7503915"/>
+            <a:ext cx="3157885" cy="307777"/>
+          </a:xfrm>
+          <a:prstGeom prst="rect">
+            <a:avLst/>
+          </a:prstGeom>
+          <a:noFill/>
+          <a:ln>
+            <a:solidFill>
+              <a:schemeClr val="tx1"/>
+            </a:solidFill>
+          </a:ln>
+        </p:spPr>
+        <p:txBody>
+          <a:bodyPr wrap="square" rtlCol="0">
+            <a:spAutoFit/>
+          </a:bodyPr>
+          <a:lstStyle/>
+          <a:p>
+            <a:r>
+              <a:rPr kumimoji="1" lang="en-US" altLang="zh-CN" sz="1400" b="1"/>
+              <a:t>struct</a:t>
+            </a:r>
+            <a:r>
+              <a:rPr kumimoji="1" lang="zh-CN" altLang="en-US" sz="1400" b="1"/>
+              <a:t> </a:t>
+            </a:r>
+            <a:r>
+              <a:rPr kumimoji="1" lang="en-US" altLang="zh-CN" sz="1400" b="1"/>
+              <a:t>list_head</a:t>
+            </a:r>
+            <a:r>
+              <a:rPr kumimoji="1" lang="zh-CN" altLang="en-US" sz="1400"/>
+              <a:t> </a:t>
+            </a:r>
+            <a:r>
+              <a:rPr kumimoji="1" lang="en-US" altLang="zh-CN" sz="1400"/>
+              <a:t>purge_list:</a:t>
+            </a:r>
+            <a:r>
+              <a:rPr kumimoji="1" lang="zh-CN" altLang="en-US" sz="1400"/>
+              <a:t> </a:t>
+            </a:r>
+            <a:endParaRPr kumimoji="1" lang="zh-CN" altLang="en-US" sz="1400">
+              <a:solidFill>
+                <a:schemeClr val="accent2"/>
+              </a:solidFill>
+            </a:endParaRPr>
+          </a:p>
+        </p:txBody>
+      </p:sp>
+      <p:sp>
+        <p:nvSpPr>
+          <p:cNvPr id="56" name="文本框 55"/>
+          <p:cNvSpPr txBox="1"/>
+          <p:nvPr/>
+        </p:nvSpPr>
+        <p:spPr>
+          <a:xfrm>
+            <a:off x="15011175" y="7807315"/>
+            <a:ext cx="3157885" cy="307777"/>
+          </a:xfrm>
+          <a:prstGeom prst="rect">
+            <a:avLst/>
+          </a:prstGeom>
+          <a:noFill/>
+          <a:ln>
+            <a:solidFill>
+              <a:schemeClr val="tx1"/>
+            </a:solidFill>
+          </a:ln>
+        </p:spPr>
+        <p:txBody>
+          <a:bodyPr wrap="square" rtlCol="0">
+            <a:spAutoFit/>
+          </a:bodyPr>
+          <a:lstStyle/>
+          <a:p>
+            <a:r>
+              <a:rPr kumimoji="1" lang="en-US" altLang="zh-CN" sz="1400"/>
+              <a:t>struct</a:t>
+            </a:r>
+            <a:r>
+              <a:rPr kumimoji="1" lang="zh-CN" altLang="en-US" sz="1400"/>
+              <a:t> </a:t>
+            </a:r>
+            <a:r>
+              <a:rPr kumimoji="1" lang="en-US" altLang="zh-CN" sz="1400"/>
+              <a:t>vm_struct</a:t>
+            </a:r>
+            <a:r>
+              <a:rPr kumimoji="1" lang="zh-CN" altLang="en-US" sz="1400"/>
+              <a:t>* </a:t>
+            </a:r>
+            <a:r>
+              <a:rPr kumimoji="1" lang="en-US" altLang="zh-CN" sz="1400"/>
+              <a:t>vm</a:t>
+            </a:r>
+            <a:r>
+              <a:rPr kumimoji="1" lang="zh-CN" altLang="en-US" sz="1400"/>
+              <a:t> </a:t>
+            </a:r>
+            <a:r>
+              <a:rPr kumimoji="1" lang="en-US" altLang="zh-CN" sz="1400"/>
+              <a:t>:</a:t>
+            </a:r>
+            <a:r>
+              <a:rPr kumimoji="1" lang="zh-CN" altLang="en-US" sz="1400"/>
+              <a:t> </a:t>
+            </a:r>
+            <a:endParaRPr kumimoji="1" lang="zh-CN" altLang="en-US" sz="1400">
+              <a:solidFill>
+                <a:schemeClr val="accent2"/>
+              </a:solidFill>
+            </a:endParaRPr>
+          </a:p>
+        </p:txBody>
+      </p:sp>
+      <p:sp>
+        <p:nvSpPr>
+          <p:cNvPr id="57" name="文本框 56"/>
+          <p:cNvSpPr txBox="1"/>
+          <p:nvPr/>
+        </p:nvSpPr>
+        <p:spPr>
+          <a:xfrm>
+            <a:off x="15011175" y="5978252"/>
+            <a:ext cx="3157885" cy="307777"/>
+          </a:xfrm>
+          <a:prstGeom prst="rect">
+            <a:avLst/>
+          </a:prstGeom>
+          <a:noFill/>
+          <a:ln>
+            <a:solidFill>
+              <a:schemeClr val="tx1"/>
+            </a:solidFill>
+          </a:ln>
+        </p:spPr>
+        <p:txBody>
+          <a:bodyPr wrap="square" rtlCol="0">
+            <a:spAutoFit/>
+          </a:bodyPr>
+          <a:lstStyle/>
+          <a:p>
+            <a:r>
+              <a:rPr kumimoji="1" lang="en-US" altLang="zh-CN" sz="1400"/>
+              <a:t>unsigned</a:t>
+            </a:r>
+            <a:r>
+              <a:rPr kumimoji="1" lang="zh-CN" altLang="en-US" sz="1400"/>
+              <a:t> </a:t>
+            </a:r>
+            <a:r>
+              <a:rPr kumimoji="1" lang="en-US" altLang="zh-CN" sz="1400"/>
+              <a:t>long</a:t>
+            </a:r>
+            <a:r>
+              <a:rPr kumimoji="1" lang="zh-CN" altLang="en-US" sz="1400"/>
+              <a:t> </a:t>
+            </a:r>
+            <a:r>
+              <a:rPr kumimoji="1" lang="en-US" altLang="zh-CN" sz="1400"/>
+              <a:t>va_start:</a:t>
+            </a:r>
+            <a:endParaRPr kumimoji="1" lang="zh-CN" altLang="en-US" sz="1400">
+              <a:solidFill>
+                <a:schemeClr val="accent2"/>
+              </a:solidFill>
+            </a:endParaRPr>
+          </a:p>
+        </p:txBody>
+      </p:sp>
+      <p:sp>
+        <p:nvSpPr>
+          <p:cNvPr id="58" name="文本框 57"/>
+          <p:cNvSpPr txBox="1"/>
+          <p:nvPr/>
+        </p:nvSpPr>
+        <p:spPr>
+          <a:xfrm>
+            <a:off x="15011175" y="8113460"/>
+            <a:ext cx="3157885" cy="307777"/>
+          </a:xfrm>
+          <a:prstGeom prst="rect">
+            <a:avLst/>
+          </a:prstGeom>
+          <a:noFill/>
+          <a:ln>
+            <a:solidFill>
+              <a:schemeClr val="tx1"/>
+            </a:solidFill>
+          </a:ln>
+        </p:spPr>
+        <p:txBody>
+          <a:bodyPr wrap="square" rtlCol="0">
+            <a:spAutoFit/>
+          </a:bodyPr>
+          <a:lstStyle/>
+          <a:p>
+            <a:r>
+              <a:rPr kumimoji="1" lang="en-US" altLang="zh-CN" sz="1400" b="1"/>
+              <a:t>struct</a:t>
+            </a:r>
+            <a:r>
+              <a:rPr kumimoji="1" lang="zh-CN" altLang="en-US" sz="1400" b="1"/>
+              <a:t> </a:t>
+            </a:r>
+            <a:r>
+              <a:rPr kumimoji="1" lang="en-US" altLang="zh-CN" sz="1400" b="1"/>
+              <a:t>rcu_head</a:t>
+            </a:r>
+            <a:r>
+              <a:rPr kumimoji="1" lang="zh-CN" altLang="en-US" sz="1400" b="1"/>
+              <a:t> </a:t>
+            </a:r>
+            <a:r>
+              <a:rPr kumimoji="1" lang="en-US" altLang="zh-CN" sz="1400"/>
+              <a:t>rcu_head</a:t>
+            </a:r>
+            <a:r>
+              <a:rPr kumimoji="1" lang="en-US" altLang="zh-CN" sz="1400"/>
+              <a:t>:</a:t>
+            </a:r>
+            <a:r>
+              <a:rPr kumimoji="1" lang="zh-CN" altLang="en-US" sz="1400"/>
+              <a:t> </a:t>
+            </a:r>
+            <a:endParaRPr kumimoji="1" lang="zh-CN" altLang="en-US" sz="1400">
+              <a:solidFill>
+                <a:schemeClr val="accent2"/>
+              </a:solidFill>
+            </a:endParaRPr>
+          </a:p>
+        </p:txBody>
+      </p:sp>
+    </p:spTree>
+    <p:extLst>
+      <p:ext uri="{BB962C8B-B14F-4D97-AF65-F5344CB8AC3E}">
+        <p14:creationId xmlns:p14="http://schemas.microsoft.com/office/powerpoint/2010/main" val="219647081"/>
       </p:ext>
     </p:extLst>
   </p:cSld>

--- a/doc/TecNote.pptx
+++ b/doc/TecNote.pptx
@@ -254,7 +254,7 @@
           <a:p>
             <a:fld id="{B36E3DDD-87E4-2743-BB94-618FBD02DA55}" type="datetimeFigureOut">
               <a:rPr kumimoji="1" lang="zh-CN" altLang="en-US" smtClean="0"/>
-              <a:t>16/6/23</a:t>
+              <a:t>16/6/30</a:t>
             </a:fld>
             <a:endParaRPr kumimoji="1" lang="zh-CN" altLang="en-US"/>
           </a:p>
@@ -424,7 +424,7 @@
           <a:p>
             <a:fld id="{B36E3DDD-87E4-2743-BB94-618FBD02DA55}" type="datetimeFigureOut">
               <a:rPr kumimoji="1" lang="zh-CN" altLang="en-US" smtClean="0"/>
-              <a:t>16/6/23</a:t>
+              <a:t>16/6/30</a:t>
             </a:fld>
             <a:endParaRPr kumimoji="1" lang="zh-CN" altLang="en-US"/>
           </a:p>
@@ -604,7 +604,7 @@
           <a:p>
             <a:fld id="{B36E3DDD-87E4-2743-BB94-618FBD02DA55}" type="datetimeFigureOut">
               <a:rPr kumimoji="1" lang="zh-CN" altLang="en-US" smtClean="0"/>
-              <a:t>16/6/23</a:t>
+              <a:t>16/6/30</a:t>
             </a:fld>
             <a:endParaRPr kumimoji="1" lang="zh-CN" altLang="en-US"/>
           </a:p>
@@ -774,7 +774,7 @@
           <a:p>
             <a:fld id="{B36E3DDD-87E4-2743-BB94-618FBD02DA55}" type="datetimeFigureOut">
               <a:rPr kumimoji="1" lang="zh-CN" altLang="en-US" smtClean="0"/>
-              <a:t>16/6/23</a:t>
+              <a:t>16/6/30</a:t>
             </a:fld>
             <a:endParaRPr kumimoji="1" lang="zh-CN" altLang="en-US"/>
           </a:p>
@@ -1018,7 +1018,7 @@
           <a:p>
             <a:fld id="{B36E3DDD-87E4-2743-BB94-618FBD02DA55}" type="datetimeFigureOut">
               <a:rPr kumimoji="1" lang="zh-CN" altLang="en-US" smtClean="0"/>
-              <a:t>16/6/23</a:t>
+              <a:t>16/6/30</a:t>
             </a:fld>
             <a:endParaRPr kumimoji="1" lang="zh-CN" altLang="en-US"/>
           </a:p>
@@ -1250,7 +1250,7 @@
           <a:p>
             <a:fld id="{B36E3DDD-87E4-2743-BB94-618FBD02DA55}" type="datetimeFigureOut">
               <a:rPr kumimoji="1" lang="zh-CN" altLang="en-US" smtClean="0"/>
-              <a:t>16/6/23</a:t>
+              <a:t>16/6/30</a:t>
             </a:fld>
             <a:endParaRPr kumimoji="1" lang="zh-CN" altLang="en-US"/>
           </a:p>
@@ -1617,7 +1617,7 @@
           <a:p>
             <a:fld id="{B36E3DDD-87E4-2743-BB94-618FBD02DA55}" type="datetimeFigureOut">
               <a:rPr kumimoji="1" lang="zh-CN" altLang="en-US" smtClean="0"/>
-              <a:t>16/6/23</a:t>
+              <a:t>16/6/30</a:t>
             </a:fld>
             <a:endParaRPr kumimoji="1" lang="zh-CN" altLang="en-US"/>
           </a:p>
@@ -1735,7 +1735,7 @@
           <a:p>
             <a:fld id="{B36E3DDD-87E4-2743-BB94-618FBD02DA55}" type="datetimeFigureOut">
               <a:rPr kumimoji="1" lang="zh-CN" altLang="en-US" smtClean="0"/>
-              <a:t>16/6/23</a:t>
+              <a:t>16/6/30</a:t>
             </a:fld>
             <a:endParaRPr kumimoji="1" lang="zh-CN" altLang="en-US"/>
           </a:p>
@@ -1830,7 +1830,7 @@
           <a:p>
             <a:fld id="{B36E3DDD-87E4-2743-BB94-618FBD02DA55}" type="datetimeFigureOut">
               <a:rPr kumimoji="1" lang="zh-CN" altLang="en-US" smtClean="0"/>
-              <a:t>16/6/23</a:t>
+              <a:t>16/6/30</a:t>
             </a:fld>
             <a:endParaRPr kumimoji="1" lang="zh-CN" altLang="en-US"/>
           </a:p>
@@ -2107,7 +2107,7 @@
           <a:p>
             <a:fld id="{B36E3DDD-87E4-2743-BB94-618FBD02DA55}" type="datetimeFigureOut">
               <a:rPr kumimoji="1" lang="zh-CN" altLang="en-US" smtClean="0"/>
-              <a:t>16/6/23</a:t>
+              <a:t>16/6/30</a:t>
             </a:fld>
             <a:endParaRPr kumimoji="1" lang="zh-CN" altLang="en-US"/>
           </a:p>
@@ -2364,7 +2364,7 @@
           <a:p>
             <a:fld id="{B36E3DDD-87E4-2743-BB94-618FBD02DA55}" type="datetimeFigureOut">
               <a:rPr kumimoji="1" lang="zh-CN" altLang="en-US" smtClean="0"/>
-              <a:t>16/6/23</a:t>
+              <a:t>16/6/30</a:t>
             </a:fld>
             <a:endParaRPr kumimoji="1" lang="zh-CN" altLang="en-US"/>
           </a:p>
@@ -2577,7 +2577,7 @@
           <a:p>
             <a:fld id="{B36E3DDD-87E4-2743-BB94-618FBD02DA55}" type="datetimeFigureOut">
               <a:rPr kumimoji="1" lang="zh-CN" altLang="en-US" smtClean="0"/>
-              <a:t>16/6/23</a:t>
+              <a:t>16/6/30</a:t>
             </a:fld>
             <a:endParaRPr kumimoji="1" lang="zh-CN" altLang="en-US"/>
           </a:p>
@@ -24144,11 +24144,7 @@
             </a:r>
             <a:r>
               <a:rPr kumimoji="1" lang="en-US" altLang="zh-CN" sz="1400"/>
-              <a:t>rcu_head</a:t>
-            </a:r>
-            <a:r>
-              <a:rPr kumimoji="1" lang="en-US" altLang="zh-CN" sz="1400"/>
-              <a:t>:</a:t>
+              <a:t>rcu_head:</a:t>
             </a:r>
             <a:r>
               <a:rPr kumimoji="1" lang="zh-CN" altLang="en-US" sz="1400"/>
@@ -24162,6 +24158,42 @@
           </a:p>
         </p:txBody>
       </p:sp>
+      <p:cxnSp>
+        <p:nvCxnSpPr>
+          <p:cNvPr id="59" name="直线箭头连接符 58"/>
+          <p:cNvCxnSpPr>
+            <a:stCxn id="31" idx="3"/>
+            <a:endCxn id="41" idx="1"/>
+          </p:cNvCxnSpPr>
+          <p:nvPr/>
+        </p:nvCxnSpPr>
+        <p:spPr>
+          <a:xfrm flipV="1">
+            <a:off x="8312646" y="6437597"/>
+            <a:ext cx="2291629" cy="1232497"/>
+          </a:xfrm>
+          <a:prstGeom prst="straightConnector1">
+            <a:avLst/>
+          </a:prstGeom>
+          <a:ln>
+            <a:tailEnd type="triangle"/>
+          </a:ln>
+        </p:spPr>
+        <p:style>
+          <a:lnRef idx="1">
+            <a:schemeClr val="accent1"/>
+          </a:lnRef>
+          <a:fillRef idx="0">
+            <a:schemeClr val="accent1"/>
+          </a:fillRef>
+          <a:effectRef idx="0">
+            <a:schemeClr val="accent1"/>
+          </a:effectRef>
+          <a:fontRef idx="minor">
+            <a:schemeClr val="tx1"/>
+          </a:fontRef>
+        </p:style>
+      </p:cxnSp>
     </p:spTree>
     <p:extLst>
       <p:ext uri="{BB962C8B-B14F-4D97-AF65-F5344CB8AC3E}">
